--- a/LO54 P17.pptx
+++ b/LO54 P17.pptx
@@ -7,8 +7,14 @@
   <p:sldIdLst>
     <p:sldId id="256" r:id="rId2"/>
     <p:sldId id="257" r:id="rId3"/>
-    <p:sldId id="258" r:id="rId4"/>
-    <p:sldId id="259" r:id="rId5"/>
+    <p:sldId id="260" r:id="rId4"/>
+    <p:sldId id="264" r:id="rId5"/>
+    <p:sldId id="261" r:id="rId6"/>
+    <p:sldId id="263" r:id="rId7"/>
+    <p:sldId id="262" r:id="rId8"/>
+    <p:sldId id="265" r:id="rId9"/>
+    <p:sldId id="258" r:id="rId10"/>
+    <p:sldId id="259" r:id="rId11"/>
   </p:sldIdLst>
   <p:sldSz cx="12192000" cy="6858000"/>
   <p:notesSz cx="6858000" cy="9144000"/>
@@ -107,7 +113,4562 @@
       </a:defRPr>
     </a:lvl9pPr>
   </p:defaultTextStyle>
+  <p:extLst>
+    <p:ext uri="{EFAFB233-063F-42B5-8137-9DF3F51BA10A}">
+      <p15:sldGuideLst xmlns:p15="http://schemas.microsoft.com/office/powerpoint/2012/main"/>
+    </p:ext>
+  </p:extLst>
 </p:presentation>
+</file>
+
+<file path=ppt/diagrams/colors1.xml><?xml version="1.0" encoding="utf-8"?>
+<dgm:colorsDef xmlns:dgm="http://schemas.openxmlformats.org/drawingml/2006/diagram" xmlns:a="http://schemas.openxmlformats.org/drawingml/2006/main" uniqueId="urn:microsoft.com/office/officeart/2005/8/colors/colorful4">
+  <dgm:title val=""/>
+  <dgm:desc val=""/>
+  <dgm:catLst>
+    <dgm:cat type="colorful" pri="10400"/>
+  </dgm:catLst>
+  <dgm:styleLbl name="node0">
+    <dgm:fillClrLst meth="repeat">
+      <a:schemeClr val="accent3"/>
+    </dgm:fillClrLst>
+    <dgm:linClrLst meth="repeat">
+      <a:schemeClr val="lt1"/>
+    </dgm:linClrLst>
+    <dgm:effectClrLst/>
+    <dgm:txLinClrLst/>
+    <dgm:txFillClrLst/>
+    <dgm:txEffectClrLst/>
+  </dgm:styleLbl>
+  <dgm:styleLbl name="node1">
+    <dgm:fillClrLst>
+      <a:schemeClr val="accent4"/>
+      <a:schemeClr val="accent5"/>
+    </dgm:fillClrLst>
+    <dgm:linClrLst meth="repeat">
+      <a:schemeClr val="lt1"/>
+    </dgm:linClrLst>
+    <dgm:effectClrLst/>
+    <dgm:txLinClrLst/>
+    <dgm:txFillClrLst/>
+    <dgm:txEffectClrLst/>
+  </dgm:styleLbl>
+  <dgm:styleLbl name="alignNode1">
+    <dgm:fillClrLst>
+      <a:schemeClr val="accent4"/>
+      <a:schemeClr val="accent5"/>
+    </dgm:fillClrLst>
+    <dgm:linClrLst>
+      <a:schemeClr val="accent4"/>
+      <a:schemeClr val="accent5"/>
+    </dgm:linClrLst>
+    <dgm:effectClrLst/>
+    <dgm:txLinClrLst/>
+    <dgm:txFillClrLst/>
+    <dgm:txEffectClrLst/>
+  </dgm:styleLbl>
+  <dgm:styleLbl name="lnNode1">
+    <dgm:fillClrLst>
+      <a:schemeClr val="accent4"/>
+      <a:schemeClr val="accent5"/>
+    </dgm:fillClrLst>
+    <dgm:linClrLst meth="repeat">
+      <a:schemeClr val="lt1"/>
+    </dgm:linClrLst>
+    <dgm:effectClrLst/>
+    <dgm:txLinClrLst/>
+    <dgm:txFillClrLst/>
+    <dgm:txEffectClrLst/>
+  </dgm:styleLbl>
+  <dgm:styleLbl name="vennNode1">
+    <dgm:fillClrLst>
+      <a:schemeClr val="accent4">
+        <a:alpha val="50000"/>
+      </a:schemeClr>
+      <a:schemeClr val="accent5">
+        <a:alpha val="50000"/>
+      </a:schemeClr>
+    </dgm:fillClrLst>
+    <dgm:linClrLst meth="repeat">
+      <a:schemeClr val="lt1"/>
+    </dgm:linClrLst>
+    <dgm:effectClrLst/>
+    <dgm:txLinClrLst/>
+    <dgm:txFillClrLst/>
+    <dgm:txEffectClrLst/>
+  </dgm:styleLbl>
+  <dgm:styleLbl name="node2">
+    <dgm:fillClrLst>
+      <a:schemeClr val="accent5"/>
+    </dgm:fillClrLst>
+    <dgm:linClrLst meth="repeat">
+      <a:schemeClr val="lt1"/>
+    </dgm:linClrLst>
+    <dgm:effectClrLst/>
+    <dgm:txLinClrLst/>
+    <dgm:txFillClrLst/>
+    <dgm:txEffectClrLst/>
+  </dgm:styleLbl>
+  <dgm:styleLbl name="node3">
+    <dgm:fillClrLst>
+      <a:schemeClr val="accent6"/>
+    </dgm:fillClrLst>
+    <dgm:linClrLst meth="repeat">
+      <a:schemeClr val="lt1"/>
+    </dgm:linClrLst>
+    <dgm:effectClrLst/>
+    <dgm:txLinClrLst/>
+    <dgm:txFillClrLst/>
+    <dgm:txEffectClrLst/>
+  </dgm:styleLbl>
+  <dgm:styleLbl name="node4">
+    <dgm:fillClrLst>
+      <a:schemeClr val="accent1"/>
+    </dgm:fillClrLst>
+    <dgm:linClrLst meth="repeat">
+      <a:schemeClr val="lt1"/>
+    </dgm:linClrLst>
+    <dgm:effectClrLst/>
+    <dgm:txLinClrLst/>
+    <dgm:txFillClrLst/>
+    <dgm:txEffectClrLst/>
+  </dgm:styleLbl>
+  <dgm:styleLbl name="fgImgPlace1">
+    <dgm:fillClrLst>
+      <a:schemeClr val="accent4">
+        <a:tint val="50000"/>
+      </a:schemeClr>
+      <a:schemeClr val="accent5">
+        <a:tint val="50000"/>
+      </a:schemeClr>
+    </dgm:fillClrLst>
+    <dgm:linClrLst meth="repeat">
+      <a:schemeClr val="lt1"/>
+    </dgm:linClrLst>
+    <dgm:effectClrLst/>
+    <dgm:txLinClrLst/>
+    <dgm:txFillClrLst meth="repeat">
+      <a:schemeClr val="lt1"/>
+    </dgm:txFillClrLst>
+    <dgm:txEffectClrLst/>
+  </dgm:styleLbl>
+  <dgm:styleLbl name="alignImgPlace1">
+    <dgm:fillClrLst>
+      <a:schemeClr val="accent4">
+        <a:tint val="50000"/>
+      </a:schemeClr>
+      <a:schemeClr val="accent5">
+        <a:tint val="20000"/>
+      </a:schemeClr>
+    </dgm:fillClrLst>
+    <dgm:linClrLst meth="repeat">
+      <a:schemeClr val="lt1"/>
+    </dgm:linClrLst>
+    <dgm:effectClrLst/>
+    <dgm:txLinClrLst/>
+    <dgm:txFillClrLst meth="repeat">
+      <a:schemeClr val="lt1"/>
+    </dgm:txFillClrLst>
+    <dgm:txEffectClrLst/>
+  </dgm:styleLbl>
+  <dgm:styleLbl name="bgImgPlace1">
+    <dgm:fillClrLst>
+      <a:schemeClr val="accent4">
+        <a:tint val="50000"/>
+      </a:schemeClr>
+      <a:schemeClr val="accent5">
+        <a:tint val="20000"/>
+      </a:schemeClr>
+    </dgm:fillClrLst>
+    <dgm:linClrLst meth="repeat">
+      <a:schemeClr val="lt1"/>
+    </dgm:linClrLst>
+    <dgm:effectClrLst/>
+    <dgm:txLinClrLst/>
+    <dgm:txFillClrLst meth="repeat">
+      <a:schemeClr val="lt1"/>
+    </dgm:txFillClrLst>
+    <dgm:txEffectClrLst/>
+  </dgm:styleLbl>
+  <dgm:styleLbl name="sibTrans2D1">
+    <dgm:fillClrLst>
+      <a:schemeClr val="accent4"/>
+      <a:schemeClr val="accent5"/>
+    </dgm:fillClrLst>
+    <dgm:linClrLst meth="repeat">
+      <a:schemeClr val="lt1"/>
+    </dgm:linClrLst>
+    <dgm:effectClrLst/>
+    <dgm:txLinClrLst/>
+    <dgm:txFillClrLst/>
+    <dgm:txEffectClrLst/>
+  </dgm:styleLbl>
+  <dgm:styleLbl name="fgSibTrans2D1">
+    <dgm:fillClrLst>
+      <a:schemeClr val="accent4"/>
+      <a:schemeClr val="accent5"/>
+    </dgm:fillClrLst>
+    <dgm:linClrLst meth="repeat">
+      <a:schemeClr val="lt1"/>
+    </dgm:linClrLst>
+    <dgm:effectClrLst/>
+    <dgm:txLinClrLst/>
+    <dgm:txFillClrLst meth="repeat">
+      <a:schemeClr val="lt1"/>
+    </dgm:txFillClrLst>
+    <dgm:txEffectClrLst/>
+  </dgm:styleLbl>
+  <dgm:styleLbl name="bgSibTrans2D1">
+    <dgm:fillClrLst>
+      <a:schemeClr val="accent4"/>
+      <a:schemeClr val="accent5"/>
+    </dgm:fillClrLst>
+    <dgm:linClrLst meth="repeat">
+      <a:schemeClr val="lt1"/>
+    </dgm:linClrLst>
+    <dgm:effectClrLst/>
+    <dgm:txLinClrLst/>
+    <dgm:txFillClrLst meth="repeat">
+      <a:schemeClr val="lt1"/>
+    </dgm:txFillClrLst>
+    <dgm:txEffectClrLst/>
+  </dgm:styleLbl>
+  <dgm:styleLbl name="sibTrans1D1">
+    <dgm:fillClrLst/>
+    <dgm:linClrLst>
+      <a:schemeClr val="accent4"/>
+      <a:schemeClr val="accent5"/>
+    </dgm:linClrLst>
+    <dgm:effectClrLst/>
+    <dgm:txLinClrLst/>
+    <dgm:txFillClrLst meth="repeat">
+      <a:schemeClr val="tx1"/>
+    </dgm:txFillClrLst>
+    <dgm:txEffectClrLst/>
+  </dgm:styleLbl>
+  <dgm:styleLbl name="callout">
+    <dgm:fillClrLst meth="repeat">
+      <a:schemeClr val="accent4"/>
+    </dgm:fillClrLst>
+    <dgm:linClrLst meth="repeat">
+      <a:schemeClr val="accent4">
+        <a:tint val="50000"/>
+      </a:schemeClr>
+    </dgm:linClrLst>
+    <dgm:effectClrLst/>
+    <dgm:txLinClrLst/>
+    <dgm:txFillClrLst meth="repeat">
+      <a:schemeClr val="tx1"/>
+    </dgm:txFillClrLst>
+    <dgm:txEffectClrLst/>
+  </dgm:styleLbl>
+  <dgm:styleLbl name="asst0">
+    <dgm:fillClrLst meth="repeat">
+      <a:schemeClr val="accent4"/>
+    </dgm:fillClrLst>
+    <dgm:linClrLst meth="repeat">
+      <a:schemeClr val="lt1">
+        <a:shade val="80000"/>
+      </a:schemeClr>
+    </dgm:linClrLst>
+    <dgm:effectClrLst/>
+    <dgm:txLinClrLst/>
+    <dgm:txFillClrLst/>
+    <dgm:txEffectClrLst/>
+  </dgm:styleLbl>
+  <dgm:styleLbl name="asst1">
+    <dgm:fillClrLst meth="repeat">
+      <a:schemeClr val="accent5"/>
+    </dgm:fillClrLst>
+    <dgm:linClrLst meth="repeat">
+      <a:schemeClr val="lt1">
+        <a:shade val="80000"/>
+      </a:schemeClr>
+    </dgm:linClrLst>
+    <dgm:effectClrLst/>
+    <dgm:txLinClrLst/>
+    <dgm:txFillClrLst/>
+    <dgm:txEffectClrLst/>
+  </dgm:styleLbl>
+  <dgm:styleLbl name="asst2">
+    <dgm:fillClrLst>
+      <a:schemeClr val="accent6"/>
+    </dgm:fillClrLst>
+    <dgm:linClrLst meth="repeat">
+      <a:schemeClr val="lt1"/>
+    </dgm:linClrLst>
+    <dgm:effectClrLst/>
+    <dgm:txLinClrLst/>
+    <dgm:txFillClrLst/>
+    <dgm:txEffectClrLst/>
+  </dgm:styleLbl>
+  <dgm:styleLbl name="asst3">
+    <dgm:fillClrLst>
+      <a:schemeClr val="accent1"/>
+    </dgm:fillClrLst>
+    <dgm:linClrLst meth="repeat">
+      <a:schemeClr val="lt1"/>
+    </dgm:linClrLst>
+    <dgm:effectClrLst/>
+    <dgm:txLinClrLst/>
+    <dgm:txFillClrLst/>
+    <dgm:txEffectClrLst/>
+  </dgm:styleLbl>
+  <dgm:styleLbl name="asst4">
+    <dgm:fillClrLst>
+      <a:schemeClr val="accent2"/>
+    </dgm:fillClrLst>
+    <dgm:linClrLst meth="repeat">
+      <a:schemeClr val="lt1"/>
+    </dgm:linClrLst>
+    <dgm:effectClrLst/>
+    <dgm:txLinClrLst/>
+    <dgm:txFillClrLst/>
+    <dgm:txEffectClrLst/>
+  </dgm:styleLbl>
+  <dgm:styleLbl name="parChTrans2D1">
+    <dgm:fillClrLst meth="repeat">
+      <a:schemeClr val="accent4"/>
+    </dgm:fillClrLst>
+    <dgm:linClrLst meth="repeat">
+      <a:schemeClr val="lt1"/>
+    </dgm:linClrLst>
+    <dgm:effectClrLst/>
+    <dgm:txLinClrLst/>
+    <dgm:txFillClrLst meth="repeat">
+      <a:schemeClr val="lt1"/>
+    </dgm:txFillClrLst>
+    <dgm:txEffectClrLst/>
+  </dgm:styleLbl>
+  <dgm:styleLbl name="parChTrans2D2">
+    <dgm:fillClrLst meth="repeat">
+      <a:schemeClr val="accent5"/>
+    </dgm:fillClrLst>
+    <dgm:linClrLst meth="repeat">
+      <a:schemeClr val="lt1"/>
+    </dgm:linClrLst>
+    <dgm:effectClrLst/>
+    <dgm:txLinClrLst/>
+    <dgm:txFillClrLst/>
+    <dgm:txEffectClrLst/>
+  </dgm:styleLbl>
+  <dgm:styleLbl name="parChTrans2D3">
+    <dgm:fillClrLst meth="repeat">
+      <a:schemeClr val="accent5"/>
+    </dgm:fillClrLst>
+    <dgm:linClrLst meth="repeat">
+      <a:schemeClr val="lt1"/>
+    </dgm:linClrLst>
+    <dgm:effectClrLst/>
+    <dgm:txLinClrLst/>
+    <dgm:txFillClrLst/>
+    <dgm:txEffectClrLst/>
+  </dgm:styleLbl>
+  <dgm:styleLbl name="parChTrans2D4">
+    <dgm:fillClrLst meth="repeat">
+      <a:schemeClr val="accent6"/>
+    </dgm:fillClrLst>
+    <dgm:linClrLst meth="repeat">
+      <a:schemeClr val="lt1"/>
+    </dgm:linClrLst>
+    <dgm:effectClrLst/>
+    <dgm:txLinClrLst/>
+    <dgm:txFillClrLst meth="repeat">
+      <a:schemeClr val="lt1"/>
+    </dgm:txFillClrLst>
+    <dgm:txEffectClrLst/>
+  </dgm:styleLbl>
+  <dgm:styleLbl name="parChTrans1D1">
+    <dgm:fillClrLst meth="repeat">
+      <a:schemeClr val="accent4"/>
+    </dgm:fillClrLst>
+    <dgm:linClrLst meth="repeat">
+      <a:schemeClr val="accent4"/>
+    </dgm:linClrLst>
+    <dgm:effectClrLst/>
+    <dgm:txLinClrLst/>
+    <dgm:txFillClrLst meth="repeat">
+      <a:schemeClr val="tx1"/>
+    </dgm:txFillClrLst>
+    <dgm:txEffectClrLst/>
+  </dgm:styleLbl>
+  <dgm:styleLbl name="parChTrans1D2">
+    <dgm:fillClrLst meth="repeat">
+      <a:schemeClr val="accent4">
+        <a:tint val="90000"/>
+      </a:schemeClr>
+    </dgm:fillClrLst>
+    <dgm:linClrLst meth="repeat">
+      <a:schemeClr val="accent5"/>
+    </dgm:linClrLst>
+    <dgm:effectClrLst/>
+    <dgm:txLinClrLst/>
+    <dgm:txFillClrLst meth="repeat">
+      <a:schemeClr val="tx1"/>
+    </dgm:txFillClrLst>
+    <dgm:txEffectClrLst/>
+  </dgm:styleLbl>
+  <dgm:styleLbl name="parChTrans1D3">
+    <dgm:fillClrLst meth="repeat">
+      <a:schemeClr val="accent4">
+        <a:tint val="70000"/>
+      </a:schemeClr>
+    </dgm:fillClrLst>
+    <dgm:linClrLst meth="repeat">
+      <a:schemeClr val="accent6"/>
+    </dgm:linClrLst>
+    <dgm:effectClrLst/>
+    <dgm:txLinClrLst/>
+    <dgm:txFillClrLst meth="repeat">
+      <a:schemeClr val="tx1"/>
+    </dgm:txFillClrLst>
+    <dgm:txEffectClrLst/>
+  </dgm:styleLbl>
+  <dgm:styleLbl name="parChTrans1D4">
+    <dgm:fillClrLst meth="repeat">
+      <a:schemeClr val="accent4">
+        <a:tint val="50000"/>
+      </a:schemeClr>
+    </dgm:fillClrLst>
+    <dgm:linClrLst meth="repeat">
+      <a:schemeClr val="accent1"/>
+    </dgm:linClrLst>
+    <dgm:effectClrLst/>
+    <dgm:txLinClrLst/>
+    <dgm:txFillClrLst meth="repeat">
+      <a:schemeClr val="tx1"/>
+    </dgm:txFillClrLst>
+    <dgm:txEffectClrLst/>
+  </dgm:styleLbl>
+  <dgm:styleLbl name="fgAcc1">
+    <dgm:fillClrLst meth="repeat">
+      <a:schemeClr val="lt1">
+        <a:alpha val="90000"/>
+      </a:schemeClr>
+    </dgm:fillClrLst>
+    <dgm:linClrLst>
+      <a:schemeClr val="accent4"/>
+      <a:schemeClr val="accent5"/>
+    </dgm:linClrLst>
+    <dgm:effectClrLst/>
+    <dgm:txLinClrLst/>
+    <dgm:txFillClrLst meth="repeat">
+      <a:schemeClr val="dk1"/>
+    </dgm:txFillClrLst>
+    <dgm:txEffectClrLst/>
+  </dgm:styleLbl>
+  <dgm:styleLbl name="conFgAcc1">
+    <dgm:fillClrLst meth="repeat">
+      <a:schemeClr val="lt1">
+        <a:alpha val="90000"/>
+      </a:schemeClr>
+    </dgm:fillClrLst>
+    <dgm:linClrLst>
+      <a:schemeClr val="accent4"/>
+      <a:schemeClr val="accent5"/>
+    </dgm:linClrLst>
+    <dgm:effectClrLst/>
+    <dgm:txLinClrLst/>
+    <dgm:txFillClrLst meth="repeat">
+      <a:schemeClr val="dk1"/>
+    </dgm:txFillClrLst>
+    <dgm:txEffectClrLst/>
+  </dgm:styleLbl>
+  <dgm:styleLbl name="alignAcc1">
+    <dgm:fillClrLst meth="repeat">
+      <a:schemeClr val="lt1">
+        <a:alpha val="90000"/>
+      </a:schemeClr>
+    </dgm:fillClrLst>
+    <dgm:linClrLst>
+      <a:schemeClr val="accent4"/>
+      <a:schemeClr val="accent5"/>
+    </dgm:linClrLst>
+    <dgm:effectClrLst/>
+    <dgm:txLinClrLst/>
+    <dgm:txFillClrLst meth="repeat">
+      <a:schemeClr val="dk1"/>
+    </dgm:txFillClrLst>
+    <dgm:txEffectClrLst/>
+  </dgm:styleLbl>
+  <dgm:styleLbl name="trAlignAcc1">
+    <dgm:fillClrLst meth="repeat">
+      <a:schemeClr val="lt1">
+        <a:alpha val="40000"/>
+      </a:schemeClr>
+    </dgm:fillClrLst>
+    <dgm:linClrLst meth="repeat">
+      <a:schemeClr val="accent4"/>
+    </dgm:linClrLst>
+    <dgm:effectClrLst/>
+    <dgm:txLinClrLst/>
+    <dgm:txFillClrLst meth="repeat">
+      <a:schemeClr val="dk1"/>
+    </dgm:txFillClrLst>
+    <dgm:txEffectClrLst/>
+  </dgm:styleLbl>
+  <dgm:styleLbl name="bgAcc1">
+    <dgm:fillClrLst meth="repeat">
+      <a:schemeClr val="lt1">
+        <a:alpha val="90000"/>
+      </a:schemeClr>
+    </dgm:fillClrLst>
+    <dgm:linClrLst>
+      <a:schemeClr val="accent4"/>
+      <a:schemeClr val="accent5"/>
+    </dgm:linClrLst>
+    <dgm:effectClrLst/>
+    <dgm:txLinClrLst/>
+    <dgm:txFillClrLst meth="repeat">
+      <a:schemeClr val="dk1"/>
+    </dgm:txFillClrLst>
+    <dgm:txEffectClrLst/>
+  </dgm:styleLbl>
+  <dgm:styleLbl name="solidFgAcc1">
+    <dgm:fillClrLst meth="repeat">
+      <a:schemeClr val="lt1"/>
+    </dgm:fillClrLst>
+    <dgm:linClrLst>
+      <a:schemeClr val="accent4"/>
+      <a:schemeClr val="accent5"/>
+    </dgm:linClrLst>
+    <dgm:effectClrLst/>
+    <dgm:txLinClrLst/>
+    <dgm:txFillClrLst meth="repeat">
+      <a:schemeClr val="dk1"/>
+    </dgm:txFillClrLst>
+    <dgm:txEffectClrLst/>
+  </dgm:styleLbl>
+  <dgm:styleLbl name="solidAlignAcc1">
+    <dgm:fillClrLst meth="repeat">
+      <a:schemeClr val="lt1"/>
+    </dgm:fillClrLst>
+    <dgm:linClrLst>
+      <a:schemeClr val="accent4"/>
+      <a:schemeClr val="accent5"/>
+    </dgm:linClrLst>
+    <dgm:effectClrLst/>
+    <dgm:txLinClrLst/>
+    <dgm:txFillClrLst meth="repeat">
+      <a:schemeClr val="dk1"/>
+    </dgm:txFillClrLst>
+    <dgm:txEffectClrLst/>
+  </dgm:styleLbl>
+  <dgm:styleLbl name="solidBgAcc1">
+    <dgm:fillClrLst meth="repeat">
+      <a:schemeClr val="lt1"/>
+    </dgm:fillClrLst>
+    <dgm:linClrLst>
+      <a:schemeClr val="accent4"/>
+      <a:schemeClr val="accent5"/>
+    </dgm:linClrLst>
+    <dgm:effectClrLst/>
+    <dgm:txLinClrLst/>
+    <dgm:txFillClrLst meth="repeat">
+      <a:schemeClr val="dk1"/>
+    </dgm:txFillClrLst>
+    <dgm:txEffectClrLst/>
+  </dgm:styleLbl>
+  <dgm:styleLbl name="fgAccFollowNode1">
+    <dgm:fillClrLst>
+      <a:schemeClr val="accent4">
+        <a:tint val="40000"/>
+        <a:alpha val="90000"/>
+      </a:schemeClr>
+      <a:schemeClr val="accent5">
+        <a:tint val="40000"/>
+        <a:alpha val="90000"/>
+      </a:schemeClr>
+    </dgm:fillClrLst>
+    <dgm:linClrLst>
+      <a:schemeClr val="accent4">
+        <a:tint val="40000"/>
+        <a:alpha val="90000"/>
+      </a:schemeClr>
+      <a:schemeClr val="accent5">
+        <a:tint val="40000"/>
+        <a:alpha val="90000"/>
+      </a:schemeClr>
+    </dgm:linClrLst>
+    <dgm:effectClrLst/>
+    <dgm:txLinClrLst/>
+    <dgm:txFillClrLst meth="repeat">
+      <a:schemeClr val="dk1"/>
+    </dgm:txFillClrLst>
+    <dgm:txEffectClrLst/>
+  </dgm:styleLbl>
+  <dgm:styleLbl name="alignAccFollowNode1">
+    <dgm:fillClrLst>
+      <a:schemeClr val="accent4">
+        <a:tint val="40000"/>
+        <a:alpha val="90000"/>
+      </a:schemeClr>
+      <a:schemeClr val="accent5">
+        <a:tint val="40000"/>
+        <a:alpha val="90000"/>
+      </a:schemeClr>
+    </dgm:fillClrLst>
+    <dgm:linClrLst>
+      <a:schemeClr val="accent4">
+        <a:tint val="40000"/>
+        <a:alpha val="90000"/>
+      </a:schemeClr>
+      <a:schemeClr val="accent5">
+        <a:tint val="40000"/>
+        <a:alpha val="90000"/>
+      </a:schemeClr>
+    </dgm:linClrLst>
+    <dgm:effectClrLst/>
+    <dgm:txLinClrLst/>
+    <dgm:txFillClrLst meth="repeat">
+      <a:schemeClr val="dk1"/>
+    </dgm:txFillClrLst>
+    <dgm:txEffectClrLst/>
+  </dgm:styleLbl>
+  <dgm:styleLbl name="bgAccFollowNode1">
+    <dgm:fillClrLst>
+      <a:schemeClr val="accent4">
+        <a:tint val="40000"/>
+        <a:alpha val="90000"/>
+      </a:schemeClr>
+      <a:schemeClr val="accent5">
+        <a:tint val="40000"/>
+        <a:alpha val="90000"/>
+      </a:schemeClr>
+    </dgm:fillClrLst>
+    <dgm:linClrLst>
+      <a:schemeClr val="accent4">
+        <a:tint val="40000"/>
+        <a:alpha val="90000"/>
+      </a:schemeClr>
+      <a:schemeClr val="accent5">
+        <a:tint val="40000"/>
+        <a:alpha val="90000"/>
+      </a:schemeClr>
+    </dgm:linClrLst>
+    <dgm:effectClrLst/>
+    <dgm:txLinClrLst/>
+    <dgm:txFillClrLst meth="repeat">
+      <a:schemeClr val="dk1"/>
+    </dgm:txFillClrLst>
+    <dgm:txEffectClrLst/>
+  </dgm:styleLbl>
+  <dgm:styleLbl name="fgAcc0">
+    <dgm:fillClrLst meth="repeat">
+      <a:schemeClr val="lt1">
+        <a:alpha val="90000"/>
+      </a:schemeClr>
+    </dgm:fillClrLst>
+    <dgm:linClrLst>
+      <a:schemeClr val="accent3"/>
+    </dgm:linClrLst>
+    <dgm:effectClrLst/>
+    <dgm:txLinClrLst/>
+    <dgm:txFillClrLst meth="repeat">
+      <a:schemeClr val="dk1"/>
+    </dgm:txFillClrLst>
+    <dgm:txEffectClrLst/>
+  </dgm:styleLbl>
+  <dgm:styleLbl name="fgAcc2">
+    <dgm:fillClrLst meth="repeat">
+      <a:schemeClr val="lt1">
+        <a:alpha val="90000"/>
+      </a:schemeClr>
+    </dgm:fillClrLst>
+    <dgm:linClrLst>
+      <a:schemeClr val="accent5"/>
+    </dgm:linClrLst>
+    <dgm:effectClrLst/>
+    <dgm:txLinClrLst/>
+    <dgm:txFillClrLst meth="repeat">
+      <a:schemeClr val="dk1"/>
+    </dgm:txFillClrLst>
+    <dgm:txEffectClrLst/>
+  </dgm:styleLbl>
+  <dgm:styleLbl name="fgAcc3">
+    <dgm:fillClrLst meth="repeat">
+      <a:schemeClr val="lt1">
+        <a:alpha val="90000"/>
+      </a:schemeClr>
+    </dgm:fillClrLst>
+    <dgm:linClrLst>
+      <a:schemeClr val="accent6"/>
+    </dgm:linClrLst>
+    <dgm:effectClrLst/>
+    <dgm:txLinClrLst/>
+    <dgm:txFillClrLst meth="repeat">
+      <a:schemeClr val="dk1"/>
+    </dgm:txFillClrLst>
+    <dgm:txEffectClrLst/>
+  </dgm:styleLbl>
+  <dgm:styleLbl name="fgAcc4">
+    <dgm:fillClrLst meth="repeat">
+      <a:schemeClr val="lt1">
+        <a:alpha val="90000"/>
+      </a:schemeClr>
+    </dgm:fillClrLst>
+    <dgm:linClrLst>
+      <a:schemeClr val="accent1"/>
+    </dgm:linClrLst>
+    <dgm:effectClrLst/>
+    <dgm:txLinClrLst/>
+    <dgm:txFillClrLst meth="repeat">
+      <a:schemeClr val="dk1"/>
+    </dgm:txFillClrLst>
+    <dgm:txEffectClrLst/>
+  </dgm:styleLbl>
+  <dgm:styleLbl name="bgShp">
+    <dgm:fillClrLst meth="repeat">
+      <a:schemeClr val="accent4">
+        <a:tint val="40000"/>
+      </a:schemeClr>
+    </dgm:fillClrLst>
+    <dgm:linClrLst meth="repeat">
+      <a:schemeClr val="dk1"/>
+    </dgm:linClrLst>
+    <dgm:effectClrLst/>
+    <dgm:txLinClrLst/>
+    <dgm:txFillClrLst meth="repeat">
+      <a:schemeClr val="dk1"/>
+    </dgm:txFillClrLst>
+    <dgm:txEffectClrLst/>
+  </dgm:styleLbl>
+  <dgm:styleLbl name="dkBgShp">
+    <dgm:fillClrLst meth="repeat">
+      <a:schemeClr val="accent4">
+        <a:shade val="90000"/>
+      </a:schemeClr>
+    </dgm:fillClrLst>
+    <dgm:linClrLst meth="repeat">
+      <a:schemeClr val="dk1"/>
+    </dgm:linClrLst>
+    <dgm:effectClrLst/>
+    <dgm:txLinClrLst/>
+    <dgm:txFillClrLst meth="repeat">
+      <a:schemeClr val="lt1"/>
+    </dgm:txFillClrLst>
+    <dgm:txEffectClrLst/>
+  </dgm:styleLbl>
+  <dgm:styleLbl name="trBgShp">
+    <dgm:fillClrLst meth="repeat">
+      <a:schemeClr val="accent4">
+        <a:tint val="50000"/>
+        <a:alpha val="40000"/>
+      </a:schemeClr>
+    </dgm:fillClrLst>
+    <dgm:linClrLst meth="repeat">
+      <a:schemeClr val="accent4"/>
+    </dgm:linClrLst>
+    <dgm:effectClrLst/>
+    <dgm:txLinClrLst/>
+    <dgm:txFillClrLst meth="repeat">
+      <a:schemeClr val="lt1"/>
+    </dgm:txFillClrLst>
+    <dgm:txEffectClrLst/>
+  </dgm:styleLbl>
+  <dgm:styleLbl name="fgShp">
+    <dgm:fillClrLst meth="repeat">
+      <a:schemeClr val="accent4">
+        <a:tint val="40000"/>
+      </a:schemeClr>
+    </dgm:fillClrLst>
+    <dgm:linClrLst meth="repeat">
+      <a:schemeClr val="lt1"/>
+    </dgm:linClrLst>
+    <dgm:effectClrLst/>
+    <dgm:txLinClrLst/>
+    <dgm:txFillClrLst meth="repeat">
+      <a:schemeClr val="dk1"/>
+    </dgm:txFillClrLst>
+    <dgm:txEffectClrLst/>
+  </dgm:styleLbl>
+  <dgm:styleLbl name="revTx">
+    <dgm:fillClrLst meth="repeat">
+      <a:schemeClr val="lt1">
+        <a:alpha val="0"/>
+      </a:schemeClr>
+    </dgm:fillClrLst>
+    <dgm:linClrLst meth="repeat">
+      <a:schemeClr val="dk1">
+        <a:alpha val="0"/>
+      </a:schemeClr>
+    </dgm:linClrLst>
+    <dgm:effectClrLst/>
+    <dgm:txLinClrLst/>
+    <dgm:txFillClrLst meth="repeat">
+      <a:schemeClr val="tx1"/>
+    </dgm:txFillClrLst>
+    <dgm:txEffectClrLst/>
+  </dgm:styleLbl>
+</dgm:colorsDef>
+</file>
+
+<file path=ppt/diagrams/data1.xml><?xml version="1.0" encoding="utf-8"?>
+<dgm:dataModel xmlns:dgm="http://schemas.openxmlformats.org/drawingml/2006/diagram" xmlns:a="http://schemas.openxmlformats.org/drawingml/2006/main">
+  <dgm:ptLst>
+    <dgm:pt modelId="{1CBD7E33-0806-4E0E-8C81-469763E93CBC}" type="doc">
+      <dgm:prSet loTypeId="urn:microsoft.com/office/officeart/2009/layout/CircleArrowProcess" loCatId="process" qsTypeId="urn:microsoft.com/office/officeart/2005/8/quickstyle/simple5" qsCatId="simple" csTypeId="urn:microsoft.com/office/officeart/2005/8/colors/colorful4" csCatId="colorful" phldr="0"/>
+      <dgm:spPr/>
+      <dgm:t>
+        <a:bodyPr/>
+        <a:lstStyle/>
+        <a:p>
+          <a:endParaRPr lang="fr-FR"/>
+        </a:p>
+      </dgm:t>
+    </dgm:pt>
+    <dgm:pt modelId="{391A2327-DE2D-4CF2-9BC9-220593ABD6BD}">
+      <dgm:prSet phldrT="[Texte]" phldr="1"/>
+      <dgm:spPr/>
+      <dgm:t>
+        <a:bodyPr/>
+        <a:lstStyle/>
+        <a:p>
+          <a:endParaRPr lang="fr-FR" dirty="0">
+            <a:solidFill>
+              <a:schemeClr val="bg1"/>
+            </a:solidFill>
+          </a:endParaRPr>
+        </a:p>
+      </dgm:t>
+    </dgm:pt>
+    <dgm:pt modelId="{13AC5200-3591-4C77-86CE-37201B54C8A3}" type="parTrans" cxnId="{9954F3DE-457A-4E20-A57F-EAE508FC0749}">
+      <dgm:prSet/>
+      <dgm:spPr/>
+      <dgm:t>
+        <a:bodyPr/>
+        <a:lstStyle/>
+        <a:p>
+          <a:endParaRPr lang="fr-FR"/>
+        </a:p>
+      </dgm:t>
+    </dgm:pt>
+    <dgm:pt modelId="{CA9B99A8-A930-4A3C-89D5-5F9C35806CB8}" type="sibTrans" cxnId="{9954F3DE-457A-4E20-A57F-EAE508FC0749}">
+      <dgm:prSet/>
+      <dgm:spPr/>
+      <dgm:t>
+        <a:bodyPr/>
+        <a:lstStyle/>
+        <a:p>
+          <a:endParaRPr lang="fr-FR"/>
+        </a:p>
+      </dgm:t>
+    </dgm:pt>
+    <dgm:pt modelId="{8BDD87AE-99D0-4245-BC2C-B391A338C3F7}">
+      <dgm:prSet phldrT="[Texte]" phldr="1"/>
+      <dgm:spPr/>
+      <dgm:t>
+        <a:bodyPr/>
+        <a:lstStyle/>
+        <a:p>
+          <a:endParaRPr lang="fr-FR" dirty="0">
+            <a:solidFill>
+              <a:schemeClr val="bg1"/>
+            </a:solidFill>
+          </a:endParaRPr>
+        </a:p>
+      </dgm:t>
+    </dgm:pt>
+    <dgm:pt modelId="{CA496DE6-0892-48D2-9F2A-0CB5A13FE17D}" type="parTrans" cxnId="{24E1831A-CF34-4758-92C0-7D22E764C4DE}">
+      <dgm:prSet/>
+      <dgm:spPr/>
+      <dgm:t>
+        <a:bodyPr/>
+        <a:lstStyle/>
+        <a:p>
+          <a:endParaRPr lang="fr-FR"/>
+        </a:p>
+      </dgm:t>
+    </dgm:pt>
+    <dgm:pt modelId="{DDA4C5F1-322F-413C-8F87-3B2DBF4AAEC7}" type="sibTrans" cxnId="{24E1831A-CF34-4758-92C0-7D22E764C4DE}">
+      <dgm:prSet/>
+      <dgm:spPr/>
+      <dgm:t>
+        <a:bodyPr/>
+        <a:lstStyle/>
+        <a:p>
+          <a:endParaRPr lang="fr-FR"/>
+        </a:p>
+      </dgm:t>
+    </dgm:pt>
+    <dgm:pt modelId="{E5A8DF6C-A030-4119-BC41-B92505695001}">
+      <dgm:prSet phldrT="[Texte]" phldr="1"/>
+      <dgm:spPr/>
+      <dgm:t>
+        <a:bodyPr/>
+        <a:lstStyle/>
+        <a:p>
+          <a:endParaRPr lang="fr-FR" dirty="0">
+            <a:solidFill>
+              <a:schemeClr val="bg1"/>
+            </a:solidFill>
+          </a:endParaRPr>
+        </a:p>
+      </dgm:t>
+    </dgm:pt>
+    <dgm:pt modelId="{AA5016DE-A101-4512-8D3A-F111492E5890}" type="parTrans" cxnId="{BAEC591A-629E-477C-AFD2-EA327B7CEDDD}">
+      <dgm:prSet/>
+      <dgm:spPr/>
+      <dgm:t>
+        <a:bodyPr/>
+        <a:lstStyle/>
+        <a:p>
+          <a:endParaRPr lang="fr-FR"/>
+        </a:p>
+      </dgm:t>
+    </dgm:pt>
+    <dgm:pt modelId="{544ED109-154D-40F9-98F2-0AD2D1DEBA2D}" type="sibTrans" cxnId="{BAEC591A-629E-477C-AFD2-EA327B7CEDDD}">
+      <dgm:prSet/>
+      <dgm:spPr/>
+      <dgm:t>
+        <a:bodyPr/>
+        <a:lstStyle/>
+        <a:p>
+          <a:endParaRPr lang="fr-FR"/>
+        </a:p>
+      </dgm:t>
+    </dgm:pt>
+    <dgm:pt modelId="{7BA50D80-8637-47D9-BC54-47288842B200}" type="pres">
+      <dgm:prSet presAssocID="{1CBD7E33-0806-4E0E-8C81-469763E93CBC}" presName="Name0" presStyleCnt="0">
+        <dgm:presLayoutVars>
+          <dgm:chMax val="7"/>
+          <dgm:chPref val="7"/>
+          <dgm:dir/>
+          <dgm:animLvl val="lvl"/>
+        </dgm:presLayoutVars>
+      </dgm:prSet>
+      <dgm:spPr/>
+    </dgm:pt>
+    <dgm:pt modelId="{B8ACC661-D3D8-41C3-86BE-CFB09B971C50}" type="pres">
+      <dgm:prSet presAssocID="{391A2327-DE2D-4CF2-9BC9-220593ABD6BD}" presName="Accent1" presStyleCnt="0"/>
+      <dgm:spPr/>
+    </dgm:pt>
+    <dgm:pt modelId="{7A524DED-59BD-4DA3-A688-0D43BD00EFF6}" type="pres">
+      <dgm:prSet presAssocID="{391A2327-DE2D-4CF2-9BC9-220593ABD6BD}" presName="Accent" presStyleLbl="node1" presStyleIdx="0" presStyleCnt="3"/>
+      <dgm:spPr/>
+    </dgm:pt>
+    <dgm:pt modelId="{F7EC9E32-9A7B-4828-BBDB-F029D1264037}" type="pres">
+      <dgm:prSet presAssocID="{391A2327-DE2D-4CF2-9BC9-220593ABD6BD}" presName="Parent1" presStyleLbl="revTx" presStyleIdx="0" presStyleCnt="3">
+        <dgm:presLayoutVars>
+          <dgm:chMax val="1"/>
+          <dgm:chPref val="1"/>
+          <dgm:bulletEnabled val="1"/>
+        </dgm:presLayoutVars>
+      </dgm:prSet>
+      <dgm:spPr/>
+    </dgm:pt>
+    <dgm:pt modelId="{F74B5BD8-4E45-4317-9E3D-A3DEE6EF49AB}" type="pres">
+      <dgm:prSet presAssocID="{8BDD87AE-99D0-4245-BC2C-B391A338C3F7}" presName="Accent2" presStyleCnt="0"/>
+      <dgm:spPr/>
+    </dgm:pt>
+    <dgm:pt modelId="{6137B0FF-FE03-4DA8-A34D-6DED9A022FEB}" type="pres">
+      <dgm:prSet presAssocID="{8BDD87AE-99D0-4245-BC2C-B391A338C3F7}" presName="Accent" presStyleLbl="node1" presStyleIdx="1" presStyleCnt="3"/>
+      <dgm:spPr/>
+    </dgm:pt>
+    <dgm:pt modelId="{798EACB5-FD1B-4964-8F5F-12544C917D0D}" type="pres">
+      <dgm:prSet presAssocID="{8BDD87AE-99D0-4245-BC2C-B391A338C3F7}" presName="Parent2" presStyleLbl="revTx" presStyleIdx="1" presStyleCnt="3">
+        <dgm:presLayoutVars>
+          <dgm:chMax val="1"/>
+          <dgm:chPref val="1"/>
+          <dgm:bulletEnabled val="1"/>
+        </dgm:presLayoutVars>
+      </dgm:prSet>
+      <dgm:spPr/>
+    </dgm:pt>
+    <dgm:pt modelId="{02240DFF-A7B3-4C00-9A58-9FB386B7DF96}" type="pres">
+      <dgm:prSet presAssocID="{E5A8DF6C-A030-4119-BC41-B92505695001}" presName="Accent3" presStyleCnt="0"/>
+      <dgm:spPr/>
+    </dgm:pt>
+    <dgm:pt modelId="{42B30EE9-F5F6-455B-B9EB-6D2A4051FB80}" type="pres">
+      <dgm:prSet presAssocID="{E5A8DF6C-A030-4119-BC41-B92505695001}" presName="Accent" presStyleLbl="node1" presStyleIdx="2" presStyleCnt="3"/>
+      <dgm:spPr/>
+    </dgm:pt>
+    <dgm:pt modelId="{9CBC6A2F-99D9-49BA-8AAB-FCA5F9B33069}" type="pres">
+      <dgm:prSet presAssocID="{E5A8DF6C-A030-4119-BC41-B92505695001}" presName="Parent3" presStyleLbl="revTx" presStyleIdx="2" presStyleCnt="3">
+        <dgm:presLayoutVars>
+          <dgm:chMax val="1"/>
+          <dgm:chPref val="1"/>
+          <dgm:bulletEnabled val="1"/>
+        </dgm:presLayoutVars>
+      </dgm:prSet>
+      <dgm:spPr/>
+    </dgm:pt>
+  </dgm:ptLst>
+  <dgm:cxnLst>
+    <dgm:cxn modelId="{24E1831A-CF34-4758-92C0-7D22E764C4DE}" srcId="{1CBD7E33-0806-4E0E-8C81-469763E93CBC}" destId="{8BDD87AE-99D0-4245-BC2C-B391A338C3F7}" srcOrd="1" destOrd="0" parTransId="{CA496DE6-0892-48D2-9F2A-0CB5A13FE17D}" sibTransId="{DDA4C5F1-322F-413C-8F87-3B2DBF4AAEC7}"/>
+    <dgm:cxn modelId="{BAEC591A-629E-477C-AFD2-EA327B7CEDDD}" srcId="{1CBD7E33-0806-4E0E-8C81-469763E93CBC}" destId="{E5A8DF6C-A030-4119-BC41-B92505695001}" srcOrd="2" destOrd="0" parTransId="{AA5016DE-A101-4512-8D3A-F111492E5890}" sibTransId="{544ED109-154D-40F9-98F2-0AD2D1DEBA2D}"/>
+    <dgm:cxn modelId="{01056B15-A1F3-4417-AB78-8EF6C55D11AB}" type="presOf" srcId="{8BDD87AE-99D0-4245-BC2C-B391A338C3F7}" destId="{798EACB5-FD1B-4964-8F5F-12544C917D0D}" srcOrd="0" destOrd="0" presId="urn:microsoft.com/office/officeart/2009/layout/CircleArrowProcess"/>
+    <dgm:cxn modelId="{FFBCD53E-9D83-4D93-A0D2-A1616C628610}" type="presOf" srcId="{1CBD7E33-0806-4E0E-8C81-469763E93CBC}" destId="{7BA50D80-8637-47D9-BC54-47288842B200}" srcOrd="0" destOrd="0" presId="urn:microsoft.com/office/officeart/2009/layout/CircleArrowProcess"/>
+    <dgm:cxn modelId="{9954F3DE-457A-4E20-A57F-EAE508FC0749}" srcId="{1CBD7E33-0806-4E0E-8C81-469763E93CBC}" destId="{391A2327-DE2D-4CF2-9BC9-220593ABD6BD}" srcOrd="0" destOrd="0" parTransId="{13AC5200-3591-4C77-86CE-37201B54C8A3}" sibTransId="{CA9B99A8-A930-4A3C-89D5-5F9C35806CB8}"/>
+    <dgm:cxn modelId="{A6DE52CE-CED7-4B4A-8F9E-F2ECCE4F6527}" type="presOf" srcId="{391A2327-DE2D-4CF2-9BC9-220593ABD6BD}" destId="{F7EC9E32-9A7B-4828-BBDB-F029D1264037}" srcOrd="0" destOrd="0" presId="urn:microsoft.com/office/officeart/2009/layout/CircleArrowProcess"/>
+    <dgm:cxn modelId="{DA005BF0-7C47-4E25-B636-376BE323E2D4}" type="presOf" srcId="{E5A8DF6C-A030-4119-BC41-B92505695001}" destId="{9CBC6A2F-99D9-49BA-8AAB-FCA5F9B33069}" srcOrd="0" destOrd="0" presId="urn:microsoft.com/office/officeart/2009/layout/CircleArrowProcess"/>
+    <dgm:cxn modelId="{0BC2AF42-D966-4BCD-A2EB-FA3F8A77E41B}" type="presParOf" srcId="{7BA50D80-8637-47D9-BC54-47288842B200}" destId="{B8ACC661-D3D8-41C3-86BE-CFB09B971C50}" srcOrd="0" destOrd="0" presId="urn:microsoft.com/office/officeart/2009/layout/CircleArrowProcess"/>
+    <dgm:cxn modelId="{6D08D6DF-ECE1-41AA-BCC1-5966D0813790}" type="presParOf" srcId="{B8ACC661-D3D8-41C3-86BE-CFB09B971C50}" destId="{7A524DED-59BD-4DA3-A688-0D43BD00EFF6}" srcOrd="0" destOrd="0" presId="urn:microsoft.com/office/officeart/2009/layout/CircleArrowProcess"/>
+    <dgm:cxn modelId="{596F6E00-9D8F-4543-9B19-F9564CB40C1B}" type="presParOf" srcId="{7BA50D80-8637-47D9-BC54-47288842B200}" destId="{F7EC9E32-9A7B-4828-BBDB-F029D1264037}" srcOrd="1" destOrd="0" presId="urn:microsoft.com/office/officeart/2009/layout/CircleArrowProcess"/>
+    <dgm:cxn modelId="{76B05D8F-8D1D-4A2C-8D02-7F4564AB59CF}" type="presParOf" srcId="{7BA50D80-8637-47D9-BC54-47288842B200}" destId="{F74B5BD8-4E45-4317-9E3D-A3DEE6EF49AB}" srcOrd="2" destOrd="0" presId="urn:microsoft.com/office/officeart/2009/layout/CircleArrowProcess"/>
+    <dgm:cxn modelId="{EF994EC0-9265-4C72-BDB8-24A0D68B5542}" type="presParOf" srcId="{F74B5BD8-4E45-4317-9E3D-A3DEE6EF49AB}" destId="{6137B0FF-FE03-4DA8-A34D-6DED9A022FEB}" srcOrd="0" destOrd="0" presId="urn:microsoft.com/office/officeart/2009/layout/CircleArrowProcess"/>
+    <dgm:cxn modelId="{54B69F05-4E64-4679-A2A6-FA4AF6602AED}" type="presParOf" srcId="{7BA50D80-8637-47D9-BC54-47288842B200}" destId="{798EACB5-FD1B-4964-8F5F-12544C917D0D}" srcOrd="3" destOrd="0" presId="urn:microsoft.com/office/officeart/2009/layout/CircleArrowProcess"/>
+    <dgm:cxn modelId="{647E7AD7-6A28-478D-A104-34D61DAEA2B5}" type="presParOf" srcId="{7BA50D80-8637-47D9-BC54-47288842B200}" destId="{02240DFF-A7B3-4C00-9A58-9FB386B7DF96}" srcOrd="4" destOrd="0" presId="urn:microsoft.com/office/officeart/2009/layout/CircleArrowProcess"/>
+    <dgm:cxn modelId="{57E415FF-AD7B-437E-9E96-56D438D2738F}" type="presParOf" srcId="{02240DFF-A7B3-4C00-9A58-9FB386B7DF96}" destId="{42B30EE9-F5F6-455B-B9EB-6D2A4051FB80}" srcOrd="0" destOrd="0" presId="urn:microsoft.com/office/officeart/2009/layout/CircleArrowProcess"/>
+    <dgm:cxn modelId="{306C6C1E-D535-4DD4-A899-7E421DBE6CAD}" type="presParOf" srcId="{7BA50D80-8637-47D9-BC54-47288842B200}" destId="{9CBC6A2F-99D9-49BA-8AAB-FCA5F9B33069}" srcOrd="5" destOrd="0" presId="urn:microsoft.com/office/officeart/2009/layout/CircleArrowProcess"/>
+  </dgm:cxnLst>
+  <dgm:bg/>
+  <dgm:whole/>
+  <dgm:extLst>
+    <a:ext uri="http://schemas.microsoft.com/office/drawing/2008/diagram">
+      <dsp:dataModelExt xmlns:dsp="http://schemas.microsoft.com/office/drawing/2008/diagram" relId="rId6" minVer="http://schemas.openxmlformats.org/drawingml/2006/diagram"/>
+    </a:ext>
+  </dgm:extLst>
+</dgm:dataModel>
+</file>
+
+<file path=ppt/diagrams/drawing1.xml><?xml version="1.0" encoding="utf-8"?>
+<dsp:drawing xmlns:dgm="http://schemas.openxmlformats.org/drawingml/2006/diagram" xmlns:dsp="http://schemas.microsoft.com/office/drawing/2008/diagram" xmlns:a="http://schemas.openxmlformats.org/drawingml/2006/main">
+  <dsp:spTree>
+    <dsp:nvGrpSpPr>
+      <dsp:cNvPr id="0" name=""/>
+      <dsp:cNvGrpSpPr/>
+    </dsp:nvGrpSpPr>
+    <dsp:grpSpPr/>
+    <dsp:sp modelId="{7A524DED-59BD-4DA3-A688-0D43BD00EFF6}">
+      <dsp:nvSpPr>
+        <dsp:cNvPr id="0" name=""/>
+        <dsp:cNvSpPr/>
+      </dsp:nvSpPr>
+      <dsp:spPr>
+        <a:xfrm>
+          <a:off x="4501450" y="0"/>
+          <a:ext cx="2094415" cy="2094734"/>
+        </a:xfrm>
+        <a:prstGeom prst="circularArrow">
+          <a:avLst>
+            <a:gd name="adj1" fmla="val 10980"/>
+            <a:gd name="adj2" fmla="val 1142322"/>
+            <a:gd name="adj3" fmla="val 4500000"/>
+            <a:gd name="adj4" fmla="val 10800000"/>
+            <a:gd name="adj5" fmla="val 12500"/>
+          </a:avLst>
+        </a:prstGeom>
+        <a:gradFill rotWithShape="0">
+          <a:gsLst>
+            <a:gs pos="0">
+              <a:schemeClr val="accent4">
+                <a:hueOff val="0"/>
+                <a:satOff val="0"/>
+                <a:lumOff val="0"/>
+                <a:alphaOff val="0"/>
+                <a:satMod val="103000"/>
+                <a:lumMod val="102000"/>
+                <a:tint val="94000"/>
+              </a:schemeClr>
+            </a:gs>
+            <a:gs pos="50000">
+              <a:schemeClr val="accent4">
+                <a:hueOff val="0"/>
+                <a:satOff val="0"/>
+                <a:lumOff val="0"/>
+                <a:alphaOff val="0"/>
+                <a:satMod val="110000"/>
+                <a:lumMod val="100000"/>
+                <a:shade val="100000"/>
+              </a:schemeClr>
+            </a:gs>
+            <a:gs pos="100000">
+              <a:schemeClr val="accent4">
+                <a:hueOff val="0"/>
+                <a:satOff val="0"/>
+                <a:lumOff val="0"/>
+                <a:alphaOff val="0"/>
+                <a:lumMod val="99000"/>
+                <a:satMod val="120000"/>
+                <a:shade val="78000"/>
+              </a:schemeClr>
+            </a:gs>
+          </a:gsLst>
+          <a:lin ang="5400000" scaled="0"/>
+        </a:gradFill>
+        <a:ln>
+          <a:noFill/>
+        </a:ln>
+        <a:effectLst>
+          <a:outerShdw blurRad="57150" dist="19050" dir="5400000" algn="ctr" rotWithShape="0">
+            <a:srgbClr val="000000">
+              <a:alpha val="63000"/>
+            </a:srgbClr>
+          </a:outerShdw>
+        </a:effectLst>
+      </dsp:spPr>
+      <dsp:style>
+        <a:lnRef idx="0">
+          <a:scrgbClr r="0" g="0" b="0"/>
+        </a:lnRef>
+        <a:fillRef idx="3">
+          <a:scrgbClr r="0" g="0" b="0"/>
+        </a:fillRef>
+        <a:effectRef idx="3">
+          <a:scrgbClr r="0" g="0" b="0"/>
+        </a:effectRef>
+        <a:fontRef idx="minor">
+          <a:schemeClr val="lt1"/>
+        </a:fontRef>
+      </dsp:style>
+    </dsp:sp>
+    <dsp:sp modelId="{F7EC9E32-9A7B-4828-BBDB-F029D1264037}">
+      <dsp:nvSpPr>
+        <dsp:cNvPr id="0" name=""/>
+        <dsp:cNvSpPr/>
+      </dsp:nvSpPr>
+      <dsp:spPr>
+        <a:xfrm>
+          <a:off x="4964385" y="756262"/>
+          <a:ext cx="1163826" cy="581773"/>
+        </a:xfrm>
+        <a:prstGeom prst="rect">
+          <a:avLst/>
+        </a:prstGeom>
+        <a:noFill/>
+        <a:ln>
+          <a:noFill/>
+        </a:ln>
+        <a:effectLst/>
+      </dsp:spPr>
+      <dsp:style>
+        <a:lnRef idx="0">
+          <a:scrgbClr r="0" g="0" b="0"/>
+        </a:lnRef>
+        <a:fillRef idx="0">
+          <a:scrgbClr r="0" g="0" b="0"/>
+        </a:fillRef>
+        <a:effectRef idx="0">
+          <a:scrgbClr r="0" g="0" b="0"/>
+        </a:effectRef>
+        <a:fontRef idx="minor"/>
+      </dsp:style>
+      <dsp:txBody>
+        <a:bodyPr spcFirstLastPara="0" vert="horz" wrap="square" lIns="20320" tIns="20320" rIns="20320" bIns="20320" numCol="1" spcCol="1270" anchor="ctr" anchorCtr="0">
+          <a:noAutofit/>
+        </a:bodyPr>
+        <a:lstStyle/>
+        <a:p>
+          <a:pPr lvl="0" algn="ctr" defTabSz="1422400">
+            <a:lnSpc>
+              <a:spcPct val="90000"/>
+            </a:lnSpc>
+            <a:spcBef>
+              <a:spcPct val="0"/>
+            </a:spcBef>
+            <a:spcAft>
+              <a:spcPct val="35000"/>
+            </a:spcAft>
+          </a:pPr>
+          <a:endParaRPr lang="fr-FR" sz="3200" kern="1200" dirty="0">
+            <a:solidFill>
+              <a:schemeClr val="bg1"/>
+            </a:solidFill>
+          </a:endParaRPr>
+        </a:p>
+      </dsp:txBody>
+      <dsp:txXfrm>
+        <a:off x="4964385" y="756262"/>
+        <a:ext cx="1163826" cy="581773"/>
+      </dsp:txXfrm>
+    </dsp:sp>
+    <dsp:sp modelId="{6137B0FF-FE03-4DA8-A34D-6DED9A022FEB}">
+      <dsp:nvSpPr>
+        <dsp:cNvPr id="0" name=""/>
+        <dsp:cNvSpPr/>
+      </dsp:nvSpPr>
+      <dsp:spPr>
+        <a:xfrm>
+          <a:off x="3919734" y="1203580"/>
+          <a:ext cx="2094415" cy="2094734"/>
+        </a:xfrm>
+        <a:prstGeom prst="leftCircularArrow">
+          <a:avLst>
+            <a:gd name="adj1" fmla="val 10980"/>
+            <a:gd name="adj2" fmla="val 1142322"/>
+            <a:gd name="adj3" fmla="val 6300000"/>
+            <a:gd name="adj4" fmla="val 18900000"/>
+            <a:gd name="adj5" fmla="val 12500"/>
+          </a:avLst>
+        </a:prstGeom>
+        <a:gradFill rotWithShape="0">
+          <a:gsLst>
+            <a:gs pos="0">
+              <a:schemeClr val="accent4">
+                <a:hueOff val="5197846"/>
+                <a:satOff val="-23984"/>
+                <a:lumOff val="883"/>
+                <a:alphaOff val="0"/>
+                <a:satMod val="103000"/>
+                <a:lumMod val="102000"/>
+                <a:tint val="94000"/>
+              </a:schemeClr>
+            </a:gs>
+            <a:gs pos="50000">
+              <a:schemeClr val="accent4">
+                <a:hueOff val="5197846"/>
+                <a:satOff val="-23984"/>
+                <a:lumOff val="883"/>
+                <a:alphaOff val="0"/>
+                <a:satMod val="110000"/>
+                <a:lumMod val="100000"/>
+                <a:shade val="100000"/>
+              </a:schemeClr>
+            </a:gs>
+            <a:gs pos="100000">
+              <a:schemeClr val="accent4">
+                <a:hueOff val="5197846"/>
+                <a:satOff val="-23984"/>
+                <a:lumOff val="883"/>
+                <a:alphaOff val="0"/>
+                <a:lumMod val="99000"/>
+                <a:satMod val="120000"/>
+                <a:shade val="78000"/>
+              </a:schemeClr>
+            </a:gs>
+          </a:gsLst>
+          <a:lin ang="5400000" scaled="0"/>
+        </a:gradFill>
+        <a:ln>
+          <a:noFill/>
+        </a:ln>
+        <a:effectLst>
+          <a:outerShdw blurRad="57150" dist="19050" dir="5400000" algn="ctr" rotWithShape="0">
+            <a:srgbClr val="000000">
+              <a:alpha val="63000"/>
+            </a:srgbClr>
+          </a:outerShdw>
+        </a:effectLst>
+      </dsp:spPr>
+      <dsp:style>
+        <a:lnRef idx="0">
+          <a:scrgbClr r="0" g="0" b="0"/>
+        </a:lnRef>
+        <a:fillRef idx="3">
+          <a:scrgbClr r="0" g="0" b="0"/>
+        </a:fillRef>
+        <a:effectRef idx="3">
+          <a:scrgbClr r="0" g="0" b="0"/>
+        </a:effectRef>
+        <a:fontRef idx="minor">
+          <a:schemeClr val="lt1"/>
+        </a:fontRef>
+      </dsp:style>
+    </dsp:sp>
+    <dsp:sp modelId="{798EACB5-FD1B-4964-8F5F-12544C917D0D}">
+      <dsp:nvSpPr>
+        <dsp:cNvPr id="0" name=""/>
+        <dsp:cNvSpPr/>
+      </dsp:nvSpPr>
+      <dsp:spPr>
+        <a:xfrm>
+          <a:off x="4385028" y="1966804"/>
+          <a:ext cx="1163826" cy="581773"/>
+        </a:xfrm>
+        <a:prstGeom prst="rect">
+          <a:avLst/>
+        </a:prstGeom>
+        <a:noFill/>
+        <a:ln>
+          <a:noFill/>
+        </a:ln>
+        <a:effectLst/>
+      </dsp:spPr>
+      <dsp:style>
+        <a:lnRef idx="0">
+          <a:scrgbClr r="0" g="0" b="0"/>
+        </a:lnRef>
+        <a:fillRef idx="0">
+          <a:scrgbClr r="0" g="0" b="0"/>
+        </a:fillRef>
+        <a:effectRef idx="0">
+          <a:scrgbClr r="0" g="0" b="0"/>
+        </a:effectRef>
+        <a:fontRef idx="minor"/>
+      </dsp:style>
+      <dsp:txBody>
+        <a:bodyPr spcFirstLastPara="0" vert="horz" wrap="square" lIns="20320" tIns="20320" rIns="20320" bIns="20320" numCol="1" spcCol="1270" anchor="ctr" anchorCtr="0">
+          <a:noAutofit/>
+        </a:bodyPr>
+        <a:lstStyle/>
+        <a:p>
+          <a:pPr lvl="0" algn="ctr" defTabSz="1422400">
+            <a:lnSpc>
+              <a:spcPct val="90000"/>
+            </a:lnSpc>
+            <a:spcBef>
+              <a:spcPct val="0"/>
+            </a:spcBef>
+            <a:spcAft>
+              <a:spcPct val="35000"/>
+            </a:spcAft>
+          </a:pPr>
+          <a:endParaRPr lang="fr-FR" sz="3200" kern="1200" dirty="0">
+            <a:solidFill>
+              <a:schemeClr val="bg1"/>
+            </a:solidFill>
+          </a:endParaRPr>
+        </a:p>
+      </dsp:txBody>
+      <dsp:txXfrm>
+        <a:off x="4385028" y="1966804"/>
+        <a:ext cx="1163826" cy="581773"/>
+      </dsp:txXfrm>
+    </dsp:sp>
+    <dsp:sp modelId="{42B30EE9-F5F6-455B-B9EB-6D2A4051FB80}">
+      <dsp:nvSpPr>
+        <dsp:cNvPr id="0" name=""/>
+        <dsp:cNvSpPr/>
+      </dsp:nvSpPr>
+      <dsp:spPr>
+        <a:xfrm>
+          <a:off x="4650517" y="2551189"/>
+          <a:ext cx="1799427" cy="1800148"/>
+        </a:xfrm>
+        <a:prstGeom prst="blockArc">
+          <a:avLst>
+            <a:gd name="adj1" fmla="val 13500000"/>
+            <a:gd name="adj2" fmla="val 10800000"/>
+            <a:gd name="adj3" fmla="val 12740"/>
+          </a:avLst>
+        </a:prstGeom>
+        <a:gradFill rotWithShape="0">
+          <a:gsLst>
+            <a:gs pos="0">
+              <a:schemeClr val="accent4">
+                <a:hueOff val="10395692"/>
+                <a:satOff val="-47968"/>
+                <a:lumOff val="1765"/>
+                <a:alphaOff val="0"/>
+                <a:satMod val="103000"/>
+                <a:lumMod val="102000"/>
+                <a:tint val="94000"/>
+              </a:schemeClr>
+            </a:gs>
+            <a:gs pos="50000">
+              <a:schemeClr val="accent4">
+                <a:hueOff val="10395692"/>
+                <a:satOff val="-47968"/>
+                <a:lumOff val="1765"/>
+                <a:alphaOff val="0"/>
+                <a:satMod val="110000"/>
+                <a:lumMod val="100000"/>
+                <a:shade val="100000"/>
+              </a:schemeClr>
+            </a:gs>
+            <a:gs pos="100000">
+              <a:schemeClr val="accent4">
+                <a:hueOff val="10395692"/>
+                <a:satOff val="-47968"/>
+                <a:lumOff val="1765"/>
+                <a:alphaOff val="0"/>
+                <a:lumMod val="99000"/>
+                <a:satMod val="120000"/>
+                <a:shade val="78000"/>
+              </a:schemeClr>
+            </a:gs>
+          </a:gsLst>
+          <a:lin ang="5400000" scaled="0"/>
+        </a:gradFill>
+        <a:ln>
+          <a:noFill/>
+        </a:ln>
+        <a:effectLst>
+          <a:outerShdw blurRad="57150" dist="19050" dir="5400000" algn="ctr" rotWithShape="0">
+            <a:srgbClr val="000000">
+              <a:alpha val="63000"/>
+            </a:srgbClr>
+          </a:outerShdw>
+        </a:effectLst>
+      </dsp:spPr>
+      <dsp:style>
+        <a:lnRef idx="0">
+          <a:scrgbClr r="0" g="0" b="0"/>
+        </a:lnRef>
+        <a:fillRef idx="3">
+          <a:scrgbClr r="0" g="0" b="0"/>
+        </a:fillRef>
+        <a:effectRef idx="3">
+          <a:scrgbClr r="0" g="0" b="0"/>
+        </a:effectRef>
+        <a:fontRef idx="minor">
+          <a:schemeClr val="lt1"/>
+        </a:fontRef>
+      </dsp:style>
+    </dsp:sp>
+    <dsp:sp modelId="{9CBC6A2F-99D9-49BA-8AAB-FCA5F9B33069}">
+      <dsp:nvSpPr>
+        <dsp:cNvPr id="0" name=""/>
+        <dsp:cNvSpPr/>
+      </dsp:nvSpPr>
+      <dsp:spPr>
+        <a:xfrm>
+          <a:off x="4967138" y="3179087"/>
+          <a:ext cx="1163826" cy="581773"/>
+        </a:xfrm>
+        <a:prstGeom prst="rect">
+          <a:avLst/>
+        </a:prstGeom>
+        <a:noFill/>
+        <a:ln>
+          <a:noFill/>
+        </a:ln>
+        <a:effectLst/>
+      </dsp:spPr>
+      <dsp:style>
+        <a:lnRef idx="0">
+          <a:scrgbClr r="0" g="0" b="0"/>
+        </a:lnRef>
+        <a:fillRef idx="0">
+          <a:scrgbClr r="0" g="0" b="0"/>
+        </a:fillRef>
+        <a:effectRef idx="0">
+          <a:scrgbClr r="0" g="0" b="0"/>
+        </a:effectRef>
+        <a:fontRef idx="minor"/>
+      </dsp:style>
+      <dsp:txBody>
+        <a:bodyPr spcFirstLastPara="0" vert="horz" wrap="square" lIns="20320" tIns="20320" rIns="20320" bIns="20320" numCol="1" spcCol="1270" anchor="ctr" anchorCtr="0">
+          <a:noAutofit/>
+        </a:bodyPr>
+        <a:lstStyle/>
+        <a:p>
+          <a:pPr lvl="0" algn="ctr" defTabSz="1422400">
+            <a:lnSpc>
+              <a:spcPct val="90000"/>
+            </a:lnSpc>
+            <a:spcBef>
+              <a:spcPct val="0"/>
+            </a:spcBef>
+            <a:spcAft>
+              <a:spcPct val="35000"/>
+            </a:spcAft>
+          </a:pPr>
+          <a:endParaRPr lang="fr-FR" sz="3200" kern="1200" dirty="0">
+            <a:solidFill>
+              <a:schemeClr val="bg1"/>
+            </a:solidFill>
+          </a:endParaRPr>
+        </a:p>
+      </dsp:txBody>
+      <dsp:txXfrm>
+        <a:off x="4967138" y="3179087"/>
+        <a:ext cx="1163826" cy="581773"/>
+      </dsp:txXfrm>
+    </dsp:sp>
+  </dsp:spTree>
+</dsp:drawing>
+</file>
+
+<file path=ppt/diagrams/layout1.xml><?xml version="1.0" encoding="utf-8"?>
+<dgm:layoutDef xmlns:dgm="http://schemas.openxmlformats.org/drawingml/2006/diagram" xmlns:a="http://schemas.openxmlformats.org/drawingml/2006/main" uniqueId="urn:microsoft.com/office/officeart/2009/layout/CircleArrowProcess">
+  <dgm:title val=""/>
+  <dgm:desc val=""/>
+  <dgm:catLst>
+    <dgm:cat type="process" pri="16500"/>
+    <dgm:cat type="cycle" pri="16000"/>
+  </dgm:catLst>
+  <dgm:sampData>
+    <dgm:dataModel>
+      <dgm:ptLst>
+        <dgm:pt modelId="0" type="doc"/>
+        <dgm:pt modelId="10">
+          <dgm:prSet phldr="1"/>
+        </dgm:pt>
+        <dgm:pt modelId="20">
+          <dgm:prSet phldr="1"/>
+        </dgm:pt>
+        <dgm:pt modelId="30">
+          <dgm:prSet phldr="1"/>
+        </dgm:pt>
+      </dgm:ptLst>
+      <dgm:cxnLst>
+        <dgm:cxn modelId="40" srcId="0" destId="10" srcOrd="0" destOrd="0"/>
+        <dgm:cxn modelId="50" srcId="0" destId="20" srcOrd="1" destOrd="0"/>
+        <dgm:cxn modelId="60" srcId="0" destId="30" srcOrd="2" destOrd="0"/>
+      </dgm:cxnLst>
+      <dgm:bg/>
+      <dgm:whole/>
+    </dgm:dataModel>
+  </dgm:sampData>
+  <dgm:styleData>
+    <dgm:dataModel>
+      <dgm:ptLst>
+        <dgm:pt modelId="0" type="doc"/>
+        <dgm:pt modelId="10">
+          <dgm:prSet phldr="1"/>
+        </dgm:pt>
+        <dgm:pt modelId="20">
+          <dgm:prSet phldr="1"/>
+        </dgm:pt>
+      </dgm:ptLst>
+      <dgm:cxnLst>
+        <dgm:cxn modelId="30" srcId="0" destId="10" srcOrd="0" destOrd="0"/>
+        <dgm:cxn modelId="40" srcId="0" destId="20" srcOrd="1" destOrd="0"/>
+      </dgm:cxnLst>
+      <dgm:bg/>
+      <dgm:whole/>
+    </dgm:dataModel>
+  </dgm:styleData>
+  <dgm:clrData>
+    <dgm:dataModel>
+      <dgm:ptLst>
+        <dgm:pt modelId="0" type="doc"/>
+        <dgm:pt modelId="10">
+          <dgm:prSet phldr="1"/>
+        </dgm:pt>
+        <dgm:pt modelId="20">
+          <dgm:prSet phldr="1"/>
+        </dgm:pt>
+        <dgm:pt modelId="30">
+          <dgm:prSet phldr="1"/>
+        </dgm:pt>
+        <dgm:pt modelId="40">
+          <dgm:prSet phldr="1"/>
+        </dgm:pt>
+      </dgm:ptLst>
+      <dgm:cxnLst>
+        <dgm:cxn modelId="50" srcId="0" destId="10" srcOrd="0" destOrd="0"/>
+        <dgm:cxn modelId="60" srcId="0" destId="20" srcOrd="1" destOrd="0"/>
+        <dgm:cxn modelId="70" srcId="0" destId="30" srcOrd="2" destOrd="0"/>
+        <dgm:cxn modelId="80" srcId="0" destId="40" srcOrd="3" destOrd="0"/>
+      </dgm:cxnLst>
+      <dgm:bg/>
+      <dgm:whole/>
+    </dgm:dataModel>
+  </dgm:clrData>
+  <dgm:layoutNode name="Name0">
+    <dgm:varLst>
+      <dgm:chMax val="7"/>
+      <dgm:chPref val="7"/>
+      <dgm:dir/>
+      <dgm:animLvl val="lvl"/>
+    </dgm:varLst>
+    <dgm:shape xmlns:r="http://schemas.openxmlformats.org/officeDocument/2006/relationships" r:blip="">
+      <dgm:adjLst/>
+    </dgm:shape>
+    <dgm:choose name="Name1">
+      <dgm:if name="Name2" func="var" arg="dir" op="equ" val="norm">
+        <dgm:choose name="Name3">
+          <dgm:if name="Name4" axis="ch" ptType="node" func="cnt" op="equ" val="1">
+            <dgm:alg type="composite">
+              <dgm:param type="ar" val="1.5999"/>
+            </dgm:alg>
+            <dgm:constrLst>
+              <dgm:constr type="primFontSz" for="des" forName="Child1" val="65"/>
+              <dgm:constr type="primFontSz" for="des" forName="Parent1" val="65"/>
+              <dgm:constr type="primFontSz" for="des" forName="Child1" refType="primFontSz" refFor="des" refForName="Parent1" op="lte"/>
+              <dgm:constr type="l" for="ch" forName="Child1" refType="w" fact="0.625"/>
+              <dgm:constr type="t" for="ch" forName="Child1" refType="h" fact="0.2981"/>
+              <dgm:constr type="w" for="ch" forName="Child1" refType="w" fact="0.375"/>
+              <dgm:constr type="h" for="ch" forName="Child1" refType="h" fact="0.4001"/>
+              <dgm:constr type="l" for="ch" forName="Accent1" refType="w" fact="0"/>
+              <dgm:constr type="t" for="ch" forName="Accent1" refType="h" fact="0"/>
+              <dgm:constr type="w" for="ch" forName="Accent1" refType="w" fact="0.6249"/>
+              <dgm:constr type="h" for="ch" forName="Accent1" refType="h"/>
+              <dgm:constr type="l" for="ch" forName="Parent1" refType="w" fact="0.138"/>
+              <dgm:constr type="t" for="ch" forName="Parent1" refType="h" fact="0.362"/>
+              <dgm:constr type="w" for="ch" forName="Parent1" refType="w" fact="0.3487"/>
+              <dgm:constr type="h" for="ch" forName="Parent1" refType="h" fact="0.2789"/>
+            </dgm:constrLst>
+          </dgm:if>
+          <dgm:if name="Name5" axis="ch" ptType="node" func="cnt" op="equ" val="2">
+            <dgm:alg type="composite">
+              <dgm:param type="ar" val="1.2026"/>
+            </dgm:alg>
+            <dgm:constrLst>
+              <dgm:constr type="primFontSz" for="des" forName="Child1" val="65"/>
+              <dgm:constr type="primFontSz" for="des" forName="Parent1" val="65"/>
+              <dgm:constr type="primFontSz" for="des" forName="Child1" refType="primFontSz" refFor="des" refForName="Parent1" op="lte"/>
+              <dgm:constr type="primFontSz" for="des" forName="Child2" refType="primFontSz" refFor="des" refForName="Parent1" op="lte"/>
+              <dgm:constr type="primFontSz" for="des" forName="Child1" refType="primFontSz" refFor="des" refForName="Parent2" op="lte"/>
+              <dgm:constr type="primFontSz" for="des" forName="Child2" refType="primFontSz" refFor="des" refForName="Parent2" op="lte"/>
+              <dgm:constr type="primFontSz" for="des" forName="Parent2" refType="primFontSz" refFor="des" refForName="Parent1" op="equ"/>
+              <dgm:constr type="primFontSz" for="des" forName="Child2" refType="primFontSz" refFor="des" refForName="Child1" op="equ"/>
+              <dgm:constr type="l" for="ch" forName="Accent1" refType="w" fact="0.1144"/>
+              <dgm:constr type="t" for="ch" forName="Accent1" refType="h" fact="0"/>
+              <dgm:constr type="w" for="ch" forName="Accent1" refType="w" fact="0.5542"/>
+              <dgm:constr type="h" for="ch" forName="Accent1" refType="h" fact="0.6665"/>
+              <dgm:constr type="l" for="ch" forName="Parent1" refType="w" fact="0.2368"/>
+              <dgm:constr type="t" for="ch" forName="Parent1" refType="h" fact="0.2413"/>
+              <dgm:constr type="w" for="ch" forName="Parent1" refType="w" fact="0.3092"/>
+              <dgm:constr type="h" for="ch" forName="Parent1" refType="h" fact="0.1859"/>
+              <dgm:constr type="l" for="ch" forName="Parent2" refType="w" fact="0.0822"/>
+              <dgm:constr type="t" for="ch" forName="Parent2" refType="h" fact="0.625"/>
+              <dgm:constr type="w" for="ch" forName="Parent2" refType="w" fact="0.3092"/>
+              <dgm:constr type="h" for="ch" forName="Parent2" refType="h" fact="0.1859"/>
+              <dgm:constr type="l" for="ch" forName="Child1" refType="w" fact="0.6678"/>
+              <dgm:constr type="t" for="ch" forName="Child1" refType="h" fact="0.1978"/>
+              <dgm:constr type="w" for="ch" forName="Child1" refType="w" fact="0.3322"/>
+              <dgm:constr type="h" for="ch" forName="Child1" refType="h" fact="0.265"/>
+              <dgm:constr type="l" for="ch" forName="Child2" refType="w" fact="0.5164"/>
+              <dgm:constr type="t" for="ch" forName="Child2" refType="h" fact="0.5855"/>
+              <dgm:constr type="w" for="ch" forName="Child2" refType="w" fact="0.3322"/>
+              <dgm:constr type="h" for="ch" forName="Child2" refType="h" fact="0.265"/>
+              <dgm:constr type="l" for="ch" forName="Accent2" refType="w" fact="0"/>
+              <dgm:constr type="t" for="ch" forName="Accent2" refType="h" fact="0.4272"/>
+              <dgm:constr type="w" for="ch" forName="Accent2" refType="w" fact="0.4761"/>
+              <dgm:constr type="h" for="ch" forName="Accent2" refType="h" fact="0.5728"/>
+            </dgm:constrLst>
+          </dgm:if>
+          <dgm:if name="Name6" axis="ch" ptType="node" func="cnt" op="equ" val="3">
+            <dgm:alg type="composite">
+              <dgm:param type="ar" val="0.9039"/>
+            </dgm:alg>
+            <dgm:shape xmlns:r="http://schemas.openxmlformats.org/officeDocument/2006/relationships" r:blip="">
+              <dgm:adjLst/>
+            </dgm:shape>
+            <dgm:constrLst>
+              <dgm:constr type="primFontSz" for="des" forName="Child1" val="65"/>
+              <dgm:constr type="primFontSz" for="des" forName="Parent1" val="65"/>
+              <dgm:constr type="primFontSz" for="des" forName="Child1" refType="primFontSz" refFor="des" refForName="Parent1" op="lte"/>
+              <dgm:constr type="primFontSz" for="des" forName="Child2" refType="primFontSz" refFor="des" refForName="Parent1" op="lte"/>
+              <dgm:constr type="primFontSz" for="des" forName="Child3" refType="primFontSz" refFor="des" refForName="Parent1" op="lte"/>
+              <dgm:constr type="primFontSz" for="des" forName="Child1" refType="primFontSz" refFor="des" refForName="Parent2" op="lte"/>
+              <dgm:constr type="primFontSz" for="des" forName="Child2" refType="primFontSz" refFor="des" refForName="Parent2" op="lte"/>
+              <dgm:constr type="primFontSz" for="des" forName="Child3" refType="primFontSz" refFor="des" refForName="Parent2" op="lte"/>
+              <dgm:constr type="primFontSz" for="des" forName="Child1" refType="primFontSz" refFor="des" refForName="Parent3" op="lte"/>
+              <dgm:constr type="primFontSz" for="des" forName="Child2" refType="primFontSz" refFor="des" refForName="Parent3" op="lte"/>
+              <dgm:constr type="primFontSz" for="des" forName="Child3" refType="primFontSz" refFor="des" refForName="Parent3" op="lte"/>
+              <dgm:constr type="primFontSz" for="des" forName="Parent2" refType="primFontSz" refFor="des" refForName="Parent1" op="equ"/>
+              <dgm:constr type="primFontSz" for="des" forName="Parent3" refType="primFontSz" refFor="des" refForName="Parent1" op="equ"/>
+              <dgm:constr type="primFontSz" for="des" forName="Child2" refType="primFontSz" refFor="des" refForName="Child1" op="equ"/>
+              <dgm:constr type="primFontSz" for="des" forName="Child3" refType="primFontSz" refFor="des" refForName="Child1" op="equ"/>
+              <dgm:constr type="l" for="ch" forName="Accent1" refType="w" fact="0.1479"/>
+              <dgm:constr type="t" for="ch" forName="Accent1" refType="h" fact="0"/>
+              <dgm:constr type="w" for="ch" forName="Accent1" refType="w" fact="0.5325"/>
+              <dgm:constr type="h" for="ch" forName="Accent1" refType="h" fact="0.4814"/>
+              <dgm:constr type="l" for="ch" forName="Accent2" refType="w" fact="0"/>
+              <dgm:constr type="t" for="ch" forName="Accent2" refType="h" fact="0.2766"/>
+              <dgm:constr type="w" for="ch" forName="Accent2" refType="w" fact="0.5325"/>
+              <dgm:constr type="h" for="ch" forName="Accent2" refType="h" fact="0.4814"/>
+              <dgm:constr type="l" for="ch" forName="Parent1" refType="w" fact="0.2656"/>
+              <dgm:constr type="t" for="ch" forName="Parent1" refType="h" fact="0.1738"/>
+              <dgm:constr type="w" for="ch" forName="Parent1" refType="w" fact="0.2959"/>
+              <dgm:constr type="h" for="ch" forName="Parent1" refType="h" fact="0.1337"/>
+              <dgm:constr type="l" for="ch" forName="Accent3" refType="w" fact="0.1858"/>
+              <dgm:constr type="t" for="ch" forName="Accent3" refType="h" fact="0.5863"/>
+              <dgm:constr type="w" for="ch" forName="Accent3" refType="w" fact="0.4575"/>
+              <dgm:constr type="h" for="ch" forName="Accent3" refType="h" fact="0.4137"/>
+              <dgm:constr type="l" for="ch" forName="Parent2" refType="w" fact="0.1183"/>
+              <dgm:constr type="t" for="ch" forName="Parent2" refType="h" fact="0.452"/>
+              <dgm:constr type="w" for="ch" forName="Parent2" refType="w" fact="0.2959"/>
+              <dgm:constr type="h" for="ch" forName="Parent2" refType="h" fact="0.1337"/>
+              <dgm:constr type="l" for="ch" forName="Parent3" refType="w" fact="0.2663"/>
+              <dgm:constr type="t" for="ch" forName="Parent3" refType="h" fact="0.7306"/>
+              <dgm:constr type="w" for="ch" forName="Parent3" refType="w" fact="0.2959"/>
+              <dgm:constr type="h" for="ch" forName="Parent3" refType="h" fact="0.1337"/>
+              <dgm:constr type="l" for="ch" forName="Child2" refType="w" fact="0.5325"/>
+              <dgm:constr type="t" for="ch" forName="Child2" refType="h" fact="0.4217"/>
+              <dgm:constr type="w" for="ch" forName="Child2" refType="w" fact="0.3195"/>
+              <dgm:constr type="h" for="ch" forName="Child2" refType="h" fact="0.1926"/>
+              <dgm:constr type="l" for="ch" forName="Child1" refType="w" fact="0.6805"/>
+              <dgm:constr type="t" for="ch" forName="Child1" refType="h" fact="0.1435"/>
+              <dgm:constr type="w" for="ch" forName="Child1" refType="w" fact="0.3195"/>
+              <dgm:constr type="h" for="ch" forName="Child1" refType="h" fact="0.1926"/>
+              <dgm:constr type="l" for="ch" forName="Child3" refType="w" fact="0.6805"/>
+              <dgm:constr type="t" for="ch" forName="Child3" refType="h" fact="0.6998"/>
+              <dgm:constr type="w" for="ch" forName="Child3" refType="w" fact="0.3195"/>
+              <dgm:constr type="h" for="ch" forName="Child3" refType="h" fact="0.1926"/>
+            </dgm:constrLst>
+          </dgm:if>
+          <dgm:if name="Name7" axis="ch" ptType="node" func="cnt" op="equ" val="4">
+            <dgm:alg type="composite">
+              <dgm:param type="ar" val="0.7073"/>
+            </dgm:alg>
+            <dgm:constrLst>
+              <dgm:constr type="primFontSz" for="des" forName="Child1" val="65"/>
+              <dgm:constr type="primFontSz" for="des" forName="Parent1" val="65"/>
+              <dgm:constr type="primFontSz" for="des" forName="Child1" refType="primFontSz" refFor="des" refForName="Parent1" op="lte"/>
+              <dgm:constr type="primFontSz" for="des" forName="Child2" refType="primFontSz" refFor="des" refForName="Parent1" op="lte"/>
+              <dgm:constr type="primFontSz" for="des" forName="Child3" refType="primFontSz" refFor="des" refForName="Parent1" op="lte"/>
+              <dgm:constr type="primFontSz" for="des" forName="Child4" refType="primFontSz" refFor="des" refForName="Parent1" op="lte"/>
+              <dgm:constr type="primFontSz" for="des" forName="Child1" refType="primFontSz" refFor="des" refForName="Parent2" op="lte"/>
+              <dgm:constr type="primFontSz" for="des" forName="Child2" refType="primFontSz" refFor="des" refForName="Parent2" op="lte"/>
+              <dgm:constr type="primFontSz" for="des" forName="Child3" refType="primFontSz" refFor="des" refForName="Parent2" op="lte"/>
+              <dgm:constr type="primFontSz" for="des" forName="Child4" refType="primFontSz" refFor="des" refForName="Parent2" op="lte"/>
+              <dgm:constr type="primFontSz" for="des" forName="Child1" refType="primFontSz" refFor="des" refForName="Parent3" op="lte"/>
+              <dgm:constr type="primFontSz" for="des" forName="Child2" refType="primFontSz" refFor="des" refForName="Parent3" op="lte"/>
+              <dgm:constr type="primFontSz" for="des" forName="Child3" refType="primFontSz" refFor="des" refForName="Parent3" op="lte"/>
+              <dgm:constr type="primFontSz" for="des" forName="Child4" refType="primFontSz" refFor="des" refForName="Parent3" op="lte"/>
+              <dgm:constr type="primFontSz" for="des" forName="Child1" refType="primFontSz" refFor="des" refForName="Parent4" op="lte"/>
+              <dgm:constr type="primFontSz" for="des" forName="Child2" refType="primFontSz" refFor="des" refForName="Parent4" op="lte"/>
+              <dgm:constr type="primFontSz" for="des" forName="Child3" refType="primFontSz" refFor="des" refForName="Parent4" op="lte"/>
+              <dgm:constr type="primFontSz" for="des" forName="Child4" refType="primFontSz" refFor="des" refForName="Parent4" op="lte"/>
+              <dgm:constr type="primFontSz" for="des" forName="Parent2" refType="primFontSz" refFor="des" refForName="Parent1" op="equ"/>
+              <dgm:constr type="primFontSz" for="des" forName="Parent3" refType="primFontSz" refFor="des" refForName="Parent1" op="equ"/>
+              <dgm:constr type="primFontSz" for="des" forName="Parent4" refType="primFontSz" refFor="des" refForName="Parent1" op="equ"/>
+              <dgm:constr type="primFontSz" for="des" forName="Child2" refType="primFontSz" refFor="des" refForName="Child1" op="equ"/>
+              <dgm:constr type="primFontSz" for="des" forName="Child3" refType="primFontSz" refFor="des" refForName="Child1" op="equ"/>
+              <dgm:constr type="primFontSz" for="des" forName="Child4" refType="primFontSz" refFor="des" refForName="Child1" op="equ"/>
+              <dgm:constr type="l" for="ch" forName="Accent1" refType="w" fact="0.1481"/>
+              <dgm:constr type="t" for="ch" forName="Accent1" refType="h" fact="0"/>
+              <dgm:constr type="w" for="ch" forName="Accent1" refType="w" fact="0.5331"/>
+              <dgm:constr type="h" for="ch" forName="Accent1" refType="h" fact="0.3771"/>
+              <dgm:constr type="l" for="ch" forName="Accent2" refType="w" fact="0"/>
+              <dgm:constr type="t" for="ch" forName="Accent2" refType="h" fact="0.2167"/>
+              <dgm:constr type="w" for="ch" forName="Accent2" refType="w" fact="0.5331"/>
+              <dgm:constr type="h" for="ch" forName="Accent2" refType="h" fact="0.3771"/>
+              <dgm:constr type="l" for="ch" forName="Accent3" refType="w" fact="0.1481"/>
+              <dgm:constr type="t" for="ch" forName="Accent3" refType="h" fact="0.4342"/>
+              <dgm:constr type="w" for="ch" forName="Accent3" refType="w" fact="0.5331"/>
+              <dgm:constr type="h" for="ch" forName="Accent3" refType="h" fact="0.3771"/>
+              <dgm:constr type="l" for="ch" forName="Parent1" refType="w" fact="0.2658"/>
+              <dgm:constr type="t" for="ch" forName="Parent1" refType="h" fact="0.1365"/>
+              <dgm:constr type="w" for="ch" forName="Parent1" refType="w" fact="0.2975"/>
+              <dgm:constr type="h" for="ch" forName="Parent1" refType="h" fact="0.1052"/>
+              <dgm:constr type="l" for="ch" forName="Parent2" refType="w" fact="0.1171"/>
+              <dgm:constr type="t" for="ch" forName="Parent2" refType="h" fact="0.3536"/>
+              <dgm:constr type="w" for="ch" forName="Parent2" refType="w" fact="0.2975"/>
+              <dgm:constr type="h" for="ch" forName="Parent2" refType="h" fact="0.1052"/>
+              <dgm:constr type="l" for="ch" forName="Parent3" refType="w" fact="0.2658"/>
+              <dgm:constr type="t" for="ch" forName="Parent3" refType="h" fact="0.5707"/>
+              <dgm:constr type="w" for="ch" forName="Parent3" refType="w" fact="0.2975"/>
+              <dgm:constr type="h" for="ch" forName="Parent3" refType="h" fact="0.1052"/>
+              <dgm:constr type="l" for="ch" forName="Parent4" refType="w" fact="0.1171"/>
+              <dgm:constr type="t" for="ch" forName="Parent4" refType="h" fact="0.7878"/>
+              <dgm:constr type="w" for="ch" forName="Parent4" refType="w" fact="0.2975"/>
+              <dgm:constr type="h" for="ch" forName="Parent4" refType="h" fact="0.1052"/>
+              <dgm:constr type="l" for="ch" forName="Child1" refType="w" fact="0.6804"/>
+              <dgm:constr type="t" for="ch" forName="Child1" refType="h" fact="0.1119"/>
+              <dgm:constr type="w" for="ch" forName="Child1" refType="w" fact="0.3196"/>
+              <dgm:constr type="h" for="ch" forName="Child1" refType="h" fact="0.15"/>
+              <dgm:constr type="l" for="ch" forName="Child2" refType="w" fact="0.5348"/>
+              <dgm:constr type="t" for="ch" forName="Child2" refType="h" fact="0.3312"/>
+              <dgm:constr type="w" for="ch" forName="Child2" refType="w" fact="0.3196"/>
+              <dgm:constr type="h" for="ch" forName="Child2" refType="h" fact="0.15"/>
+              <dgm:constr type="l" for="ch" forName="Child3" refType="w" fact="0.6804"/>
+              <dgm:constr type="t" for="ch" forName="Child3" refType="h" fact="0.5461"/>
+              <dgm:constr type="w" for="ch" forName="Child3" refType="w" fact="0.3196"/>
+              <dgm:constr type="h" for="ch" forName="Child3" refType="h" fact="0.15"/>
+              <dgm:constr type="l" for="ch" forName="Child4" refType="w" fact="0.5348"/>
+              <dgm:constr type="t" for="ch" forName="Child4" refType="h" fact="0.7632"/>
+              <dgm:constr type="w" for="ch" forName="Child4" refType="w" fact="0.3196"/>
+              <dgm:constr type="h" for="ch" forName="Child4" refType="h" fact="0.15"/>
+              <dgm:constr type="l" for="ch" forName="Accent4" refType="w" fact="0.038"/>
+              <dgm:constr type="t" for="ch" forName="Accent4" refType="h" fact="0.6759"/>
+              <dgm:constr type="w" for="ch" forName="Accent4" refType="w" fact="0.458"/>
+              <dgm:constr type="h" for="ch" forName="Accent4" refType="h" fact="0.3241"/>
+            </dgm:constrLst>
+          </dgm:if>
+          <dgm:if name="Name8" axis="ch" ptType="node" func="cnt" op="equ" val="5">
+            <dgm:alg type="composite">
+              <dgm:param type="ar" val="0.5811"/>
+            </dgm:alg>
+            <dgm:constrLst>
+              <dgm:constr type="primFontSz" for="des" forName="Child1" val="65"/>
+              <dgm:constr type="primFontSz" for="des" forName="Parent1" val="65"/>
+              <dgm:constr type="primFontSz" for="des" forName="Child1" refType="primFontSz" refFor="des" refForName="Parent1" op="lte"/>
+              <dgm:constr type="primFontSz" for="des" forName="Child2" refType="primFontSz" refFor="des" refForName="Parent1" op="lte"/>
+              <dgm:constr type="primFontSz" for="des" forName="Child3" refType="primFontSz" refFor="des" refForName="Parent1" op="lte"/>
+              <dgm:constr type="primFontSz" for="des" forName="Child4" refType="primFontSz" refFor="des" refForName="Parent1" op="lte"/>
+              <dgm:constr type="primFontSz" for="des" forName="Child5" refType="primFontSz" refFor="des" refForName="Parent1" op="lte"/>
+              <dgm:constr type="primFontSz" for="des" forName="Child1" refType="primFontSz" refFor="des" refForName="Parent2" op="lte"/>
+              <dgm:constr type="primFontSz" for="des" forName="Child2" refType="primFontSz" refFor="des" refForName="Parent2" op="lte"/>
+              <dgm:constr type="primFontSz" for="des" forName="Child3" refType="primFontSz" refFor="des" refForName="Parent2" op="lte"/>
+              <dgm:constr type="primFontSz" for="des" forName="Child4" refType="primFontSz" refFor="des" refForName="Parent2" op="lte"/>
+              <dgm:constr type="primFontSz" for="des" forName="Child5" refType="primFontSz" refFor="des" refForName="Parent2" op="lte"/>
+              <dgm:constr type="primFontSz" for="des" forName="Child1" refType="primFontSz" refFor="des" refForName="Parent3" op="lte"/>
+              <dgm:constr type="primFontSz" for="des" forName="Child2" refType="primFontSz" refFor="des" refForName="Parent3" op="lte"/>
+              <dgm:constr type="primFontSz" for="des" forName="Child3" refType="primFontSz" refFor="des" refForName="Parent3" op="lte"/>
+              <dgm:constr type="primFontSz" for="des" forName="Child4" refType="primFontSz" refFor="des" refForName="Parent3" op="lte"/>
+              <dgm:constr type="primFontSz" for="des" forName="Child5" refType="primFontSz" refFor="des" refForName="Parent3" op="lte"/>
+              <dgm:constr type="primFontSz" for="des" forName="Child1" refType="primFontSz" refFor="des" refForName="Parent4" op="lte"/>
+              <dgm:constr type="primFontSz" for="des" forName="Child2" refType="primFontSz" refFor="des" refForName="Parent4" op="lte"/>
+              <dgm:constr type="primFontSz" for="des" forName="Child3" refType="primFontSz" refFor="des" refForName="Parent4" op="lte"/>
+              <dgm:constr type="primFontSz" for="des" forName="Child4" refType="primFontSz" refFor="des" refForName="Parent4" op="lte"/>
+              <dgm:constr type="primFontSz" for="des" forName="Child5" refType="primFontSz" refFor="des" refForName="Parent4" op="lte"/>
+              <dgm:constr type="primFontSz" for="des" forName="Child1" refType="primFontSz" refFor="des" refForName="Parent5" op="lte"/>
+              <dgm:constr type="primFontSz" for="des" forName="Child2" refType="primFontSz" refFor="des" refForName="Parent5" op="lte"/>
+              <dgm:constr type="primFontSz" for="des" forName="Child3" refType="primFontSz" refFor="des" refForName="Parent5" op="lte"/>
+              <dgm:constr type="primFontSz" for="des" forName="Child4" refType="primFontSz" refFor="des" refForName="Parent5" op="lte"/>
+              <dgm:constr type="primFontSz" for="des" forName="Child5" refType="primFontSz" refFor="des" refForName="Parent5" op="lte"/>
+              <dgm:constr type="primFontSz" for="des" forName="Parent2" refType="primFontSz" refFor="des" refForName="Parent1" op="equ"/>
+              <dgm:constr type="primFontSz" for="des" forName="Parent3" refType="primFontSz" refFor="des" refForName="Parent1" op="equ"/>
+              <dgm:constr type="primFontSz" for="des" forName="Parent4" refType="primFontSz" refFor="des" refForName="Parent1" op="equ"/>
+              <dgm:constr type="primFontSz" for="des" forName="Parent5" refType="primFontSz" refFor="des" refForName="Parent1" op="equ"/>
+              <dgm:constr type="primFontSz" for="des" forName="Child2" refType="primFontSz" refFor="des" refForName="Child1" op="equ"/>
+              <dgm:constr type="primFontSz" for="des" forName="Child3" refType="primFontSz" refFor="des" refForName="Child1" op="equ"/>
+              <dgm:constr type="primFontSz" for="des" forName="Child4" refType="primFontSz" refFor="des" refForName="Child1" op="equ"/>
+              <dgm:constr type="primFontSz" for="des" forName="Child5" refType="primFontSz" refFor="des" refForName="Child1" op="equ"/>
+              <dgm:constr type="l" for="ch" forName="Accent1" refType="w" fact="0.1481"/>
+              <dgm:constr type="t" for="ch" forName="Accent1" refType="h" fact="0"/>
+              <dgm:constr type="w" for="ch" forName="Accent1" refType="w" fact="0.5331"/>
+              <dgm:constr type="h" for="ch" forName="Accent1" refType="h" fact="0.3098"/>
+              <dgm:constr type="l" for="ch" forName="Accent2" refType="w" fact="0"/>
+              <dgm:constr type="t" for="ch" forName="Accent2" refType="h" fact="0.178"/>
+              <dgm:constr type="w" for="ch" forName="Accent2" refType="w" fact="0.5331"/>
+              <dgm:constr type="h" for="ch" forName="Accent2" refType="h" fact="0.3098"/>
+              <dgm:constr type="l" for="ch" forName="Accent3" refType="w" fact="0.1481"/>
+              <dgm:constr type="t" for="ch" forName="Accent3" refType="h" fact="0.3568"/>
+              <dgm:constr type="w" for="ch" forName="Accent3" refType="w" fact="0.5331"/>
+              <dgm:constr type="h" for="ch" forName="Accent3" refType="h" fact="0.3098"/>
+              <dgm:constr type="l" for="ch" forName="Accent4" refType="w" fact="0"/>
+              <dgm:constr type="t" for="ch" forName="Accent4" refType="h" fact="0.5351"/>
+              <dgm:constr type="w" for="ch" forName="Accent4" refType="w" fact="0.5331"/>
+              <dgm:constr type="h" for="ch" forName="Accent4" refType="h" fact="0.3098"/>
+              <dgm:constr type="l" for="ch" forName="Accent5" refType="w" fact="0.186"/>
+              <dgm:constr type="t" for="ch" forName="Accent5" refType="h" fact="0.7337"/>
+              <dgm:constr type="w" for="ch" forName="Accent5" refType="w" fact="0.458"/>
+              <dgm:constr type="h" for="ch" forName="Accent5" refType="h" fact="0.2663"/>
+              <dgm:constr type="l" for="ch" forName="Parent1" refType="w" fact="0.2658"/>
+              <dgm:constr type="t" for="ch" forName="Parent1" refType="h" fact="0.1122"/>
+              <dgm:constr type="w" for="ch" forName="Parent1" refType="w" fact="0.2975"/>
+              <dgm:constr type="h" for="ch" forName="Parent1" refType="h" fact="0.0864"/>
+              <dgm:constr type="l" for="ch" forName="Parent2" refType="w" fact="0.1171"/>
+              <dgm:constr type="t" for="ch" forName="Parent2" refType="h" fact="0.2906"/>
+              <dgm:constr type="w" for="ch" forName="Parent2" refType="w" fact="0.2975"/>
+              <dgm:constr type="h" for="ch" forName="Parent2" refType="h" fact="0.0864"/>
+              <dgm:constr type="l" for="ch" forName="Parent3" refType="w" fact="0.2658"/>
+              <dgm:constr type="t" for="ch" forName="Parent3" refType="h" fact="0.4689"/>
+              <dgm:constr type="w" for="ch" forName="Parent3" refType="w" fact="0.2975"/>
+              <dgm:constr type="h" for="ch" forName="Parent3" refType="h" fact="0.0864"/>
+              <dgm:constr type="l" for="ch" forName="Parent4" refType="w" fact="0.1171"/>
+              <dgm:constr type="t" for="ch" forName="Parent4" refType="h" fact="0.6473"/>
+              <dgm:constr type="w" for="ch" forName="Parent4" refType="w" fact="0.2975"/>
+              <dgm:constr type="h" for="ch" forName="Parent4" refType="h" fact="0.0864"/>
+              <dgm:constr type="l" for="ch" forName="Parent5" refType="w" fact="0.2658"/>
+              <dgm:constr type="t" for="ch" forName="Parent5" refType="h" fact="0.8257"/>
+              <dgm:constr type="w" for="ch" forName="Parent5" refType="w" fact="0.2975"/>
+              <dgm:constr type="h" for="ch" forName="Parent5" refType="h" fact="0.0864"/>
+              <dgm:constr type="l" for="ch" forName="Child1" refType="w" fact="0.6804"/>
+              <dgm:constr type="t" for="ch" forName="Child1" refType="h" fact="0.0919"/>
+              <dgm:constr type="w" for="ch" forName="Child1" refType="w" fact="0.3196"/>
+              <dgm:constr type="h" for="ch" forName="Child1" refType="h" fact="0.1232"/>
+              <dgm:constr type="l" for="ch" forName="Child2" refType="w" fact="0.5348"/>
+              <dgm:constr type="t" for="ch" forName="Child2" refType="h" fact="0.2722"/>
+              <dgm:constr type="w" for="ch" forName="Child2" refType="w" fact="0.3196"/>
+              <dgm:constr type="h" for="ch" forName="Child2" refType="h" fact="0.1232"/>
+              <dgm:constr type="l" for="ch" forName="Child3" refType="w" fact="0.6804"/>
+              <dgm:constr type="t" for="ch" forName="Child3" refType="h" fact="0.4487"/>
+              <dgm:constr type="w" for="ch" forName="Child3" refType="w" fact="0.3196"/>
+              <dgm:constr type="h" for="ch" forName="Child3" refType="h" fact="0.1232"/>
+              <dgm:constr type="l" for="ch" forName="Child4" refType="w" fact="0.5348"/>
+              <dgm:constr type="t" for="ch" forName="Child4" refType="h" fact="0.6271"/>
+              <dgm:constr type="w" for="ch" forName="Child4" refType="w" fact="0.3196"/>
+              <dgm:constr type="h" for="ch" forName="Child4" refType="h" fact="0.1232"/>
+              <dgm:constr type="l" for="ch" forName="Child5" refType="w" fact="0.6804"/>
+              <dgm:constr type="t" for="ch" forName="Child5" refType="h" fact="0.8073"/>
+              <dgm:constr type="w" for="ch" forName="Child5" refType="w" fact="0.3196"/>
+              <dgm:constr type="h" for="ch" forName="Child5" refType="h" fact="0.1232"/>
+            </dgm:constrLst>
+          </dgm:if>
+          <dgm:if name="Name9" axis="ch" ptType="node" func="cnt" op="equ" val="6">
+            <dgm:alg type="composite">
+              <dgm:param type="ar" val="0.4931"/>
+            </dgm:alg>
+            <dgm:constrLst>
+              <dgm:constr type="primFontSz" for="des" forName="Child1" val="65"/>
+              <dgm:constr type="primFontSz" for="des" forName="Parent1" val="65"/>
+              <dgm:constr type="primFontSz" for="des" forName="Child1" refType="primFontSz" refFor="des" refForName="Parent1" op="lte"/>
+              <dgm:constr type="primFontSz" for="des" forName="Child2" refType="primFontSz" refFor="des" refForName="Parent1" op="lte"/>
+              <dgm:constr type="primFontSz" for="des" forName="Child3" refType="primFontSz" refFor="des" refForName="Parent1" op="lte"/>
+              <dgm:constr type="primFontSz" for="des" forName="Child4" refType="primFontSz" refFor="des" refForName="Parent1" op="lte"/>
+              <dgm:constr type="primFontSz" for="des" forName="Child5" refType="primFontSz" refFor="des" refForName="Parent1" op="lte"/>
+              <dgm:constr type="primFontSz" for="des" forName="Child6" refType="primFontSz" refFor="des" refForName="Parent1" op="lte"/>
+              <dgm:constr type="primFontSz" for="des" forName="Child1" refType="primFontSz" refFor="des" refForName="Parent2" op="lte"/>
+              <dgm:constr type="primFontSz" for="des" forName="Child2" refType="primFontSz" refFor="des" refForName="Parent2" op="lte"/>
+              <dgm:constr type="primFontSz" for="des" forName="Child3" refType="primFontSz" refFor="des" refForName="Parent2" op="lte"/>
+              <dgm:constr type="primFontSz" for="des" forName="Child4" refType="primFontSz" refFor="des" refForName="Parent2" op="lte"/>
+              <dgm:constr type="primFontSz" for="des" forName="Child5" refType="primFontSz" refFor="des" refForName="Parent2" op="lte"/>
+              <dgm:constr type="primFontSz" for="des" forName="Child6" refType="primFontSz" refFor="des" refForName="Parent2" op="lte"/>
+              <dgm:constr type="primFontSz" for="des" forName="Child1" refType="primFontSz" refFor="des" refForName="Parent3" op="lte"/>
+              <dgm:constr type="primFontSz" for="des" forName="Child2" refType="primFontSz" refFor="des" refForName="Parent3" op="lte"/>
+              <dgm:constr type="primFontSz" for="des" forName="Child3" refType="primFontSz" refFor="des" refForName="Parent3" op="lte"/>
+              <dgm:constr type="primFontSz" for="des" forName="Child4" refType="primFontSz" refFor="des" refForName="Parent3" op="lte"/>
+              <dgm:constr type="primFontSz" for="des" forName="Child5" refType="primFontSz" refFor="des" refForName="Parent3" op="lte"/>
+              <dgm:constr type="primFontSz" for="des" forName="Child6" refType="primFontSz" refFor="des" refForName="Parent3" op="lte"/>
+              <dgm:constr type="primFontSz" for="des" forName="Child1" refType="primFontSz" refFor="des" refForName="Parent4" op="lte"/>
+              <dgm:constr type="primFontSz" for="des" forName="Child2" refType="primFontSz" refFor="des" refForName="Parent4" op="lte"/>
+              <dgm:constr type="primFontSz" for="des" forName="Child3" refType="primFontSz" refFor="des" refForName="Parent4" op="lte"/>
+              <dgm:constr type="primFontSz" for="des" forName="Child4" refType="primFontSz" refFor="des" refForName="Parent4" op="lte"/>
+              <dgm:constr type="primFontSz" for="des" forName="Child5" refType="primFontSz" refFor="des" refForName="Parent4" op="lte"/>
+              <dgm:constr type="primFontSz" for="des" forName="Child6" refType="primFontSz" refFor="des" refForName="Parent4" op="lte"/>
+              <dgm:constr type="primFontSz" for="des" forName="Child1" refType="primFontSz" refFor="des" refForName="Parent5" op="lte"/>
+              <dgm:constr type="primFontSz" for="des" forName="Child2" refType="primFontSz" refFor="des" refForName="Parent5" op="lte"/>
+              <dgm:constr type="primFontSz" for="des" forName="Child3" refType="primFontSz" refFor="des" refForName="Parent5" op="lte"/>
+              <dgm:constr type="primFontSz" for="des" forName="Child4" refType="primFontSz" refFor="des" refForName="Parent5" op="lte"/>
+              <dgm:constr type="primFontSz" for="des" forName="Child5" refType="primFontSz" refFor="des" refForName="Parent5" op="lte"/>
+              <dgm:constr type="primFontSz" for="des" forName="Child6" refType="primFontSz" refFor="des" refForName="Parent5" op="lte"/>
+              <dgm:constr type="primFontSz" for="des" forName="Child1" refType="primFontSz" refFor="des" refForName="Parent6" op="lte"/>
+              <dgm:constr type="primFontSz" for="des" forName="Child2" refType="primFontSz" refFor="des" refForName="Parent6" op="lte"/>
+              <dgm:constr type="primFontSz" for="des" forName="Child3" refType="primFontSz" refFor="des" refForName="Parent6" op="lte"/>
+              <dgm:constr type="primFontSz" for="des" forName="Child4" refType="primFontSz" refFor="des" refForName="Parent6" op="lte"/>
+              <dgm:constr type="primFontSz" for="des" forName="Child5" refType="primFontSz" refFor="des" refForName="Parent6" op="lte"/>
+              <dgm:constr type="primFontSz" for="des" forName="Child6" refType="primFontSz" refFor="des" refForName="Parent6" op="lte"/>
+              <dgm:constr type="primFontSz" for="des" forName="Parent2" refType="primFontSz" refFor="des" refForName="Parent1" op="equ"/>
+              <dgm:constr type="primFontSz" for="des" forName="Parent3" refType="primFontSz" refFor="des" refForName="Parent1" op="equ"/>
+              <dgm:constr type="primFontSz" for="des" forName="Parent4" refType="primFontSz" refFor="des" refForName="Parent1" op="equ"/>
+              <dgm:constr type="primFontSz" for="des" forName="Parent5" refType="primFontSz" refFor="des" refForName="Parent1" op="equ"/>
+              <dgm:constr type="primFontSz" for="des" forName="Parent6" refType="primFontSz" refFor="des" refForName="Parent1" op="equ"/>
+              <dgm:constr type="primFontSz" for="des" forName="Child2" refType="primFontSz" refFor="des" refForName="Child1" op="equ"/>
+              <dgm:constr type="primFontSz" for="des" forName="Child3" refType="primFontSz" refFor="des" refForName="Child1" op="equ"/>
+              <dgm:constr type="primFontSz" for="des" forName="Child4" refType="primFontSz" refFor="des" refForName="Child1" op="equ"/>
+              <dgm:constr type="primFontSz" for="des" forName="Child5" refType="primFontSz" refFor="des" refForName="Child1" op="equ"/>
+              <dgm:constr type="primFontSz" for="des" forName="Child6" refType="primFontSz" refFor="des" refForName="Child1" op="equ"/>
+              <dgm:constr type="l" for="ch" forName="Accent1" refType="w" fact="0.1481"/>
+              <dgm:constr type="t" for="ch" forName="Accent1" refType="h" fact="0"/>
+              <dgm:constr type="w" for="ch" forName="Accent1" refType="w" fact="0.5331"/>
+              <dgm:constr type="h" for="ch" forName="Accent1" refType="h" fact="0.2629"/>
+              <dgm:constr type="l" for="ch" forName="Accent2" refType="w" fact="0"/>
+              <dgm:constr type="t" for="ch" forName="Accent2" refType="h" fact="0.1511"/>
+              <dgm:constr type="w" for="ch" forName="Accent2" refType="w" fact="0.5331"/>
+              <dgm:constr type="h" for="ch" forName="Accent2" refType="h" fact="0.2629"/>
+              <dgm:constr type="l" for="ch" forName="Accent3" refType="w" fact="0.1481"/>
+              <dgm:constr type="t" for="ch" forName="Accent3" refType="h" fact="0.3027"/>
+              <dgm:constr type="w" for="ch" forName="Accent3" refType="w" fact="0.5331"/>
+              <dgm:constr type="h" for="ch" forName="Accent3" refType="h" fact="0.2629"/>
+              <dgm:constr type="l" for="ch" forName="Accent4" refType="w" fact="0"/>
+              <dgm:constr type="t" for="ch" forName="Accent4" refType="h" fact="0.4541"/>
+              <dgm:constr type="w" for="ch" forName="Accent4" refType="w" fact="0.5331"/>
+              <dgm:constr type="h" for="ch" forName="Accent4" refType="h" fact="0.2629"/>
+              <dgm:constr type="l" for="ch" forName="Parent1" refType="w" fact="0.2658"/>
+              <dgm:constr type="t" for="ch" forName="Parent1" refType="h" fact="0.0952"/>
+              <dgm:constr type="w" for="ch" forName="Parent1" refType="w" fact="0.2975"/>
+              <dgm:constr type="h" for="ch" forName="Parent1" refType="h" fact="0.0733"/>
+              <dgm:constr type="l" for="ch" forName="Parent2" refType="w" fact="0.1171"/>
+              <dgm:constr type="t" for="ch" forName="Parent2" refType="h" fact="0.2466"/>
+              <dgm:constr type="w" for="ch" forName="Parent2" refType="w" fact="0.2975"/>
+              <dgm:constr type="h" for="ch" forName="Parent2" refType="h" fact="0.0733"/>
+              <dgm:constr type="l" for="ch" forName="Parent3" refType="w" fact="0.2658"/>
+              <dgm:constr type="t" for="ch" forName="Parent3" refType="h" fact="0.3979"/>
+              <dgm:constr type="w" for="ch" forName="Parent3" refType="w" fact="0.2975"/>
+              <dgm:constr type="h" for="ch" forName="Parent3" refType="h" fact="0.0733"/>
+              <dgm:constr type="l" for="ch" forName="Parent4" refType="w" fact="0.1171"/>
+              <dgm:constr type="t" for="ch" forName="Parent4" refType="h" fact="0.5493"/>
+              <dgm:constr type="w" for="ch" forName="Parent4" refType="w" fact="0.2975"/>
+              <dgm:constr type="h" for="ch" forName="Parent4" refType="h" fact="0.0733"/>
+              <dgm:constr type="l" for="ch" forName="Child1" refType="w" fact="0.6804"/>
+              <dgm:constr type="t" for="ch" forName="Child1" refType="h" fact="0.078"/>
+              <dgm:constr type="w" for="ch" forName="Child1" refType="w" fact="0.3196"/>
+              <dgm:constr type="h" for="ch" forName="Child1" refType="h" fact="0.1046"/>
+              <dgm:constr type="l" for="ch" forName="Child2" refType="w" fact="0.5348"/>
+              <dgm:constr type="t" for="ch" forName="Child2" refType="h" fact="0.231"/>
+              <dgm:constr type="w" for="ch" forName="Child2" refType="w" fact="0.3196"/>
+              <dgm:constr type="h" for="ch" forName="Child2" refType="h" fact="0.1046"/>
+              <dgm:constr type="l" for="ch" forName="Child3" refType="w" fact="0.6804"/>
+              <dgm:constr type="t" for="ch" forName="Child3" refType="h" fact="0.3808"/>
+              <dgm:constr type="w" for="ch" forName="Child3" refType="w" fact="0.3196"/>
+              <dgm:constr type="h" for="ch" forName="Child3" refType="h" fact="0.1046"/>
+              <dgm:constr type="l" for="ch" forName="Child4" refType="w" fact="0.5348"/>
+              <dgm:constr type="t" for="ch" forName="Child4" refType="h" fact="0.5322"/>
+              <dgm:constr type="w" for="ch" forName="Child4" refType="w" fact="0.3196"/>
+              <dgm:constr type="h" for="ch" forName="Child4" refType="h" fact="0.1046"/>
+              <dgm:constr type="l" for="ch" forName="Accent5" refType="w" fact="0.1481"/>
+              <dgm:constr type="t" for="ch" forName="Accent5" refType="h" fact="0.6053"/>
+              <dgm:constr type="w" for="ch" forName="Accent5" refType="w" fact="0.5331"/>
+              <dgm:constr type="h" for="ch" forName="Accent5" refType="h" fact="0.2629"/>
+              <dgm:constr type="l" for="ch" forName="Accent6" refType="w" fact="0.038"/>
+              <dgm:constr type="t" for="ch" forName="Accent6" refType="h" fact="0.774"/>
+              <dgm:constr type="w" for="ch" forName="Accent6" refType="w" fact="0.458"/>
+              <dgm:constr type="h" for="ch" forName="Accent6" refType="h" fact="0.226"/>
+              <dgm:constr type="l" for="ch" forName="Parent5" refType="w" fact="0.2658"/>
+              <dgm:constr type="t" for="ch" forName="Parent5" refType="h" fact="0.7005"/>
+              <dgm:constr type="w" for="ch" forName="Parent5" refType="w" fact="0.2975"/>
+              <dgm:constr type="h" for="ch" forName="Parent5" refType="h" fact="0.0733"/>
+              <dgm:constr type="l" for="ch" forName="Parent6" refType="w" fact="0.1171"/>
+              <dgm:constr type="t" for="ch" forName="Parent6" refType="h" fact="0.8519"/>
+              <dgm:constr type="w" for="ch" forName="Parent6" refType="w" fact="0.2975"/>
+              <dgm:constr type="h" for="ch" forName="Parent6" refType="h" fact="0.0733"/>
+              <dgm:constr type="l" for="ch" forName="Child5" refType="w" fact="0.6804"/>
+              <dgm:constr type="t" for="ch" forName="Child5" refType="h" fact="0.6833"/>
+              <dgm:constr type="w" for="ch" forName="Child5" refType="w" fact="0.3196"/>
+              <dgm:constr type="h" for="ch" forName="Child5" refType="h" fact="0.1046"/>
+              <dgm:constr type="l" for="ch" forName="Child6" refType="w" fact="0.5348"/>
+              <dgm:constr type="t" for="ch" forName="Child6" refType="h" fact="0.8347"/>
+              <dgm:constr type="w" for="ch" forName="Child6" refType="w" fact="0.3196"/>
+              <dgm:constr type="h" for="ch" forName="Child6" refType="h" fact="0.1046"/>
+            </dgm:constrLst>
+          </dgm:if>
+          <dgm:else name="Name10">
+            <dgm:alg type="composite">
+              <dgm:param type="ar" val="0.4284"/>
+            </dgm:alg>
+            <dgm:constrLst>
+              <dgm:constr type="primFontSz" for="des" forName="Child1" val="65"/>
+              <dgm:constr type="primFontSz" for="des" forName="Parent1" val="65"/>
+              <dgm:constr type="primFontSz" for="des" forName="Child1" refType="primFontSz" refFor="des" refForName="Parent1" op="lte"/>
+              <dgm:constr type="primFontSz" for="des" forName="Child2" refType="primFontSz" refFor="des" refForName="Parent1" op="lte"/>
+              <dgm:constr type="primFontSz" for="des" forName="Child3" refType="primFontSz" refFor="des" refForName="Parent1" op="lte"/>
+              <dgm:constr type="primFontSz" for="des" forName="Child4" refType="primFontSz" refFor="des" refForName="Parent1" op="lte"/>
+              <dgm:constr type="primFontSz" for="des" forName="Child5" refType="primFontSz" refFor="des" refForName="Parent1" op="lte"/>
+              <dgm:constr type="primFontSz" for="des" forName="Child6" refType="primFontSz" refFor="des" refForName="Parent1" op="lte"/>
+              <dgm:constr type="primFontSz" for="des" forName="Child7" refType="primFontSz" refFor="des" refForName="Parent1" op="lte"/>
+              <dgm:constr type="primFontSz" for="des" forName="Child1" refType="primFontSz" refFor="des" refForName="Parent2" op="lte"/>
+              <dgm:constr type="primFontSz" for="des" forName="Child2" refType="primFontSz" refFor="des" refForName="Parent2" op="lte"/>
+              <dgm:constr type="primFontSz" for="des" forName="Child3" refType="primFontSz" refFor="des" refForName="Parent2" op="lte"/>
+              <dgm:constr type="primFontSz" for="des" forName="Child4" refType="primFontSz" refFor="des" refForName="Parent2" op="lte"/>
+              <dgm:constr type="primFontSz" for="des" forName="Child5" refType="primFontSz" refFor="des" refForName="Parent2" op="lte"/>
+              <dgm:constr type="primFontSz" for="des" forName="Child6" refType="primFontSz" refFor="des" refForName="Parent2" op="lte"/>
+              <dgm:constr type="primFontSz" for="des" forName="Child7" refType="primFontSz" refFor="des" refForName="Parent2" op="lte"/>
+              <dgm:constr type="primFontSz" for="des" forName="Child1" refType="primFontSz" refFor="des" refForName="Parent3" op="lte"/>
+              <dgm:constr type="primFontSz" for="des" forName="Child2" refType="primFontSz" refFor="des" refForName="Parent3" op="lte"/>
+              <dgm:constr type="primFontSz" for="des" forName="Child3" refType="primFontSz" refFor="des" refForName="Parent3" op="lte"/>
+              <dgm:constr type="primFontSz" for="des" forName="Child4" refType="primFontSz" refFor="des" refForName="Parent3" op="lte"/>
+              <dgm:constr type="primFontSz" for="des" forName="Child5" refType="primFontSz" refFor="des" refForName="Parent3" op="lte"/>
+              <dgm:constr type="primFontSz" for="des" forName="Child6" refType="primFontSz" refFor="des" refForName="Parent3" op="lte"/>
+              <dgm:constr type="primFontSz" for="des" forName="Child7" refType="primFontSz" refFor="des" refForName="Parent3" op="lte"/>
+              <dgm:constr type="primFontSz" for="des" forName="Child1" refType="primFontSz" refFor="des" refForName="Parent4" op="lte"/>
+              <dgm:constr type="primFontSz" for="des" forName="Child2" refType="primFontSz" refFor="des" refForName="Parent4" op="lte"/>
+              <dgm:constr type="primFontSz" for="des" forName="Child3" refType="primFontSz" refFor="des" refForName="Parent4" op="lte"/>
+              <dgm:constr type="primFontSz" for="des" forName="Child4" refType="primFontSz" refFor="des" refForName="Parent4" op="lte"/>
+              <dgm:constr type="primFontSz" for="des" forName="Child5" refType="primFontSz" refFor="des" refForName="Parent4" op="lte"/>
+              <dgm:constr type="primFontSz" for="des" forName="Child6" refType="primFontSz" refFor="des" refForName="Parent4" op="lte"/>
+              <dgm:constr type="primFontSz" for="des" forName="Child7" refType="primFontSz" refFor="des" refForName="Parent4" op="lte"/>
+              <dgm:constr type="primFontSz" for="des" forName="Child1" refType="primFontSz" refFor="des" refForName="Parent5" op="lte"/>
+              <dgm:constr type="primFontSz" for="des" forName="Child2" refType="primFontSz" refFor="des" refForName="Parent5" op="lte"/>
+              <dgm:constr type="primFontSz" for="des" forName="Child3" refType="primFontSz" refFor="des" refForName="Parent5" op="lte"/>
+              <dgm:constr type="primFontSz" for="des" forName="Child4" refType="primFontSz" refFor="des" refForName="Parent5" op="lte"/>
+              <dgm:constr type="primFontSz" for="des" forName="Child5" refType="primFontSz" refFor="des" refForName="Parent5" op="lte"/>
+              <dgm:constr type="primFontSz" for="des" forName="Child6" refType="primFontSz" refFor="des" refForName="Parent5" op="lte"/>
+              <dgm:constr type="primFontSz" for="des" forName="Child7" refType="primFontSz" refFor="des" refForName="Parent5" op="lte"/>
+              <dgm:constr type="primFontSz" for="des" forName="Child1" refType="primFontSz" refFor="des" refForName="Parent6" op="lte"/>
+              <dgm:constr type="primFontSz" for="des" forName="Child2" refType="primFontSz" refFor="des" refForName="Parent6" op="lte"/>
+              <dgm:constr type="primFontSz" for="des" forName="Child3" refType="primFontSz" refFor="des" refForName="Parent6" op="lte"/>
+              <dgm:constr type="primFontSz" for="des" forName="Child4" refType="primFontSz" refFor="des" refForName="Parent6" op="lte"/>
+              <dgm:constr type="primFontSz" for="des" forName="Child5" refType="primFontSz" refFor="des" refForName="Parent6" op="lte"/>
+              <dgm:constr type="primFontSz" for="des" forName="Child6" refType="primFontSz" refFor="des" refForName="Parent6" op="lte"/>
+              <dgm:constr type="primFontSz" for="des" forName="Child7" refType="primFontSz" refFor="des" refForName="Parent6" op="lte"/>
+              <dgm:constr type="primFontSz" for="des" forName="Child1" refType="primFontSz" refFor="des" refForName="Parent7" op="lte"/>
+              <dgm:constr type="primFontSz" for="des" forName="Child2" refType="primFontSz" refFor="des" refForName="Parent7" op="lte"/>
+              <dgm:constr type="primFontSz" for="des" forName="Child3" refType="primFontSz" refFor="des" refForName="Parent7" op="lte"/>
+              <dgm:constr type="primFontSz" for="des" forName="Child4" refType="primFontSz" refFor="des" refForName="Parent7" op="lte"/>
+              <dgm:constr type="primFontSz" for="des" forName="Child5" refType="primFontSz" refFor="des" refForName="Parent7" op="lte"/>
+              <dgm:constr type="primFontSz" for="des" forName="Child6" refType="primFontSz" refFor="des" refForName="Parent7" op="lte"/>
+              <dgm:constr type="primFontSz" for="des" forName="Child7" refType="primFontSz" refFor="des" refForName="Parent7" op="lte"/>
+              <dgm:constr type="primFontSz" for="des" forName="Parent2" refType="primFontSz" refFor="des" refForName="Parent1" op="equ"/>
+              <dgm:constr type="primFontSz" for="des" forName="Parent3" refType="primFontSz" refFor="des" refForName="Parent1" op="equ"/>
+              <dgm:constr type="primFontSz" for="des" forName="Parent4" refType="primFontSz" refFor="des" refForName="Parent1" op="equ"/>
+              <dgm:constr type="primFontSz" for="des" forName="Parent5" refType="primFontSz" refFor="des" refForName="Parent1" op="equ"/>
+              <dgm:constr type="primFontSz" for="des" forName="Parent6" refType="primFontSz" refFor="des" refForName="Parent1" op="equ"/>
+              <dgm:constr type="primFontSz" for="des" forName="Parent7" refType="primFontSz" refFor="des" refForName="Parent1" op="equ"/>
+              <dgm:constr type="primFontSz" for="des" forName="Child2" refType="primFontSz" refFor="des" refForName="Child1" op="equ"/>
+              <dgm:constr type="primFontSz" for="des" forName="Child3" refType="primFontSz" refFor="des" refForName="Child1" op="equ"/>
+              <dgm:constr type="primFontSz" for="des" forName="Child4" refType="primFontSz" refFor="des" refForName="Child1" op="equ"/>
+              <dgm:constr type="primFontSz" for="des" forName="Child5" refType="primFontSz" refFor="des" refForName="Child1" op="equ"/>
+              <dgm:constr type="primFontSz" for="des" forName="Child6" refType="primFontSz" refFor="des" refForName="Child1" op="equ"/>
+              <dgm:constr type="primFontSz" for="des" forName="Child7" refType="primFontSz" refFor="des" refForName="Child1" op="equ"/>
+              <dgm:constr type="l" for="ch" forName="Accent1" refType="w" fact="0.1481"/>
+              <dgm:constr type="t" for="ch" forName="Accent1" refType="h" fact="0"/>
+              <dgm:constr type="w" for="ch" forName="Accent1" refType="w" fact="0.5331"/>
+              <dgm:constr type="h" for="ch" forName="Accent1" refType="h" fact="0.2284"/>
+              <dgm:constr type="l" for="ch" forName="Accent2" refType="w" fact="0"/>
+              <dgm:constr type="t" for="ch" forName="Accent2" refType="h" fact="0.1312"/>
+              <dgm:constr type="w" for="ch" forName="Accent2" refType="w" fact="0.5331"/>
+              <dgm:constr type="h" for="ch" forName="Accent2" refType="h" fact="0.2284"/>
+              <dgm:constr type="l" for="ch" forName="Accent3" refType="w" fact="0.1481"/>
+              <dgm:constr type="t" for="ch" forName="Accent3" refType="h" fact="0.263"/>
+              <dgm:constr type="w" for="ch" forName="Accent3" refType="w" fact="0.5331"/>
+              <dgm:constr type="h" for="ch" forName="Accent3" refType="h" fact="0.2284"/>
+              <dgm:constr type="l" for="ch" forName="Accent4" refType="w" fact="0"/>
+              <dgm:constr type="t" for="ch" forName="Accent4" refType="h" fact="0.3945"/>
+              <dgm:constr type="w" for="ch" forName="Accent4" refType="w" fact="0.5331"/>
+              <dgm:constr type="h" for="ch" forName="Accent4" refType="h" fact="0.2284"/>
+              <dgm:constr type="l" for="ch" forName="Parent1" refType="w" fact="0.2658"/>
+              <dgm:constr type="t" for="ch" forName="Parent1" refType="h" fact="0.0827"/>
+              <dgm:constr type="w" for="ch" forName="Parent1" refType="w" fact="0.2975"/>
+              <dgm:constr type="h" for="ch" forName="Parent1" refType="h" fact="0.0637"/>
+              <dgm:constr type="l" for="ch" forName="Parent2" refType="w" fact="0.1171"/>
+              <dgm:constr type="t" for="ch" forName="Parent2" refType="h" fact="0.2142"/>
+              <dgm:constr type="w" for="ch" forName="Parent2" refType="w" fact="0.2975"/>
+              <dgm:constr type="h" for="ch" forName="Parent2" refType="h" fact="0.0637"/>
+              <dgm:constr type="l" for="ch" forName="Parent3" refType="w" fact="0.2658"/>
+              <dgm:constr type="t" for="ch" forName="Parent3" refType="h" fact="0.3457"/>
+              <dgm:constr type="w" for="ch" forName="Parent3" refType="w" fact="0.2975"/>
+              <dgm:constr type="h" for="ch" forName="Parent3" refType="h" fact="0.0637"/>
+              <dgm:constr type="l" for="ch" forName="Parent4" refType="w" fact="0.1171"/>
+              <dgm:constr type="t" for="ch" forName="Parent4" refType="h" fact="0.4772"/>
+              <dgm:constr type="w" for="ch" forName="Parent4" refType="w" fact="0.2975"/>
+              <dgm:constr type="h" for="ch" forName="Parent4" refType="h" fact="0.0637"/>
+              <dgm:constr type="l" for="ch" forName="Child1" refType="w" fact="0.6804"/>
+              <dgm:constr type="t" for="ch" forName="Child1" refType="h" fact="0.0678"/>
+              <dgm:constr type="w" for="ch" forName="Child1" refType="w" fact="0.3196"/>
+              <dgm:constr type="h" for="ch" forName="Child1" refType="h" fact="0.0908"/>
+              <dgm:constr type="l" for="ch" forName="Child2" refType="w" fact="0.5348"/>
+              <dgm:constr type="t" for="ch" forName="Child2" refType="h" fact="0.2006"/>
+              <dgm:constr type="w" for="ch" forName="Child2" refType="w" fact="0.3196"/>
+              <dgm:constr type="h" for="ch" forName="Child2" refType="h" fact="0.0908"/>
+              <dgm:constr type="l" for="ch" forName="Child3" refType="w" fact="0.6804"/>
+              <dgm:constr type="t" for="ch" forName="Child3" refType="h" fact="0.3308"/>
+              <dgm:constr type="w" for="ch" forName="Child3" refType="w" fact="0.3196"/>
+              <dgm:constr type="h" for="ch" forName="Child3" refType="h" fact="0.0908"/>
+              <dgm:constr type="l" for="ch" forName="Child4" refType="w" fact="0.5348"/>
+              <dgm:constr type="t" for="ch" forName="Child4" refType="h" fact="0.4623"/>
+              <dgm:constr type="w" for="ch" forName="Child4" refType="w" fact="0.3196"/>
+              <dgm:constr type="h" for="ch" forName="Child4" refType="h" fact="0.0908"/>
+              <dgm:constr type="l" for="ch" forName="Accent5" refType="w" fact="0.1481"/>
+              <dgm:constr type="t" for="ch" forName="Accent5" refType="h" fact="0.5258"/>
+              <dgm:constr type="w" for="ch" forName="Accent5" refType="w" fact="0.5331"/>
+              <dgm:constr type="h" for="ch" forName="Accent5" refType="h" fact="0.2284"/>
+              <dgm:constr type="l" for="ch" forName="Accent6" refType="w" fact="0"/>
+              <dgm:constr type="t" for="ch" forName="Accent6" refType="h" fact="0.6573"/>
+              <dgm:constr type="w" for="ch" forName="Accent6" refType="w" fact="0.5331"/>
+              <dgm:constr type="h" for="ch" forName="Accent6" refType="h" fact="0.2284"/>
+              <dgm:constr type="l" for="ch" forName="Accent7" refType="w" fact="0.186"/>
+              <dgm:constr type="t" for="ch" forName="Accent7" refType="h" fact="0.8037"/>
+              <dgm:constr type="w" for="ch" forName="Accent7" refType="w" fact="0.458"/>
+              <dgm:constr type="h" for="ch" forName="Accent7" refType="h" fact="0.1963"/>
+              <dgm:constr type="l" for="ch" forName="Parent5" refType="w" fact="0.2658"/>
+              <dgm:constr type="t" for="ch" forName="Parent5" refType="h" fact="0.6085"/>
+              <dgm:constr type="w" for="ch" forName="Parent5" refType="w" fact="0.2975"/>
+              <dgm:constr type="h" for="ch" forName="Parent5" refType="h" fact="0.0637"/>
+              <dgm:constr type="l" for="ch" forName="Parent6" refType="w" fact="0.1171"/>
+              <dgm:constr type="t" for="ch" forName="Parent6" refType="h" fact="0.74"/>
+              <dgm:constr type="w" for="ch" forName="Parent6" refType="w" fact="0.2975"/>
+              <dgm:constr type="h" for="ch" forName="Parent6" refType="h" fact="0.0637"/>
+              <dgm:constr type="l" for="ch" forName="Parent7" refType="w" fact="0.2658"/>
+              <dgm:constr type="t" for="ch" forName="Parent7" refType="h" fact="0.8715"/>
+              <dgm:constr type="w" for="ch" forName="Parent7" refType="w" fact="0.2975"/>
+              <dgm:constr type="h" for="ch" forName="Parent7" refType="h" fact="0.0637"/>
+              <dgm:constr type="l" for="ch" forName="Child5" refType="w" fact="0.6804"/>
+              <dgm:constr type="t" for="ch" forName="Child5" refType="h" fact="0.5936"/>
+              <dgm:constr type="w" for="ch" forName="Child5" refType="w" fact="0.3196"/>
+              <dgm:constr type="h" for="ch" forName="Child5" refType="h" fact="0.0908"/>
+              <dgm:constr type="l" for="ch" forName="Child6" refType="w" fact="0.5348"/>
+              <dgm:constr type="t" for="ch" forName="Child6" refType="h" fact="0.7251"/>
+              <dgm:constr type="w" for="ch" forName="Child6" refType="w" fact="0.3196"/>
+              <dgm:constr type="h" for="ch" forName="Child6" refType="h" fact="0.0908"/>
+              <dgm:constr type="l" for="ch" forName="Child7" refType="w" fact="0.6804"/>
+              <dgm:constr type="t" for="ch" forName="Child7" refType="h" fact="0.8579"/>
+              <dgm:constr type="w" for="ch" forName="Child7" refType="w" fact="0.3196"/>
+              <dgm:constr type="h" for="ch" forName="Child7" refType="h" fact="0.0908"/>
+            </dgm:constrLst>
+          </dgm:else>
+        </dgm:choose>
+      </dgm:if>
+      <dgm:else name="Name11">
+        <dgm:choose name="Name12">
+          <dgm:if name="Name13" axis="ch" ptType="node" func="cnt" op="equ" val="1">
+            <dgm:alg type="composite">
+              <dgm:param type="ar" val="1.5999"/>
+            </dgm:alg>
+            <dgm:constrLst>
+              <dgm:constr type="primFontSz" for="des" forName="Child1" val="65"/>
+              <dgm:constr type="primFontSz" for="des" forName="Parent1" val="65"/>
+              <dgm:constr type="primFontSz" for="des" forName="Child1" refType="primFontSz" refFor="des" refForName="Parent1" op="lte"/>
+              <dgm:constr type="l" for="ch" forName="Child1" refType="w" fact="0.625"/>
+              <dgm:constr type="t" for="ch" forName="Child1" refType="h" fact="0.2981"/>
+              <dgm:constr type="w" for="ch" forName="Child1" refType="w" fact="0.375"/>
+              <dgm:constr type="h" for="ch" forName="Child1" refType="h" fact="0.4001"/>
+              <dgm:constr type="l" for="ch" forName="Accent1" refType="w" fact="0"/>
+              <dgm:constr type="t" for="ch" forName="Accent1" refType="h" fact="0"/>
+              <dgm:constr type="w" for="ch" forName="Accent1" refType="w" fact="0.6249"/>
+              <dgm:constr type="h" for="ch" forName="Accent1" refType="h"/>
+              <dgm:constr type="l" for="ch" forName="Parent1" refType="w" fact="0.138"/>
+              <dgm:constr type="t" for="ch" forName="Parent1" refType="h" fact="0.362"/>
+              <dgm:constr type="w" for="ch" forName="Parent1" refType="w" fact="0.3487"/>
+              <dgm:constr type="h" for="ch" forName="Parent1" refType="h" fact="0.2789"/>
+            </dgm:constrLst>
+          </dgm:if>
+          <dgm:if name="Name14" axis="ch" ptType="node" func="cnt" op="equ" val="2">
+            <dgm:alg type="composite">
+              <dgm:param type="ar" val="1.2026"/>
+            </dgm:alg>
+            <dgm:constrLst>
+              <dgm:constr type="primFontSz" for="des" forName="Child1" val="65"/>
+              <dgm:constr type="primFontSz" for="des" forName="Parent1" val="65"/>
+              <dgm:constr type="primFontSz" for="des" forName="Child1" refType="primFontSz" refFor="des" refForName="Parent1" op="lte"/>
+              <dgm:constr type="primFontSz" for="des" forName="Child2" refType="primFontSz" refFor="des" refForName="Parent1" op="lte"/>
+              <dgm:constr type="primFontSz" for="des" forName="Child1" refType="primFontSz" refFor="des" refForName="Parent2" op="lte"/>
+              <dgm:constr type="primFontSz" for="des" forName="Child2" refType="primFontSz" refFor="des" refForName="Parent2" op="lte"/>
+              <dgm:constr type="primFontSz" for="des" forName="Parent2" refType="primFontSz" refFor="des" refForName="Parent1" op="equ"/>
+              <dgm:constr type="primFontSz" for="des" forName="Child2" refType="primFontSz" refFor="des" refForName="Child1" op="equ"/>
+              <dgm:constr type="l" for="ch" forName="Accent1" refType="w" fact="-0.0407"/>
+              <dgm:constr type="t" for="ch" forName="Accent1" refType="h" fact="0"/>
+              <dgm:constr type="w" for="ch" forName="Accent1" refType="w" fact="0.5542"/>
+              <dgm:constr type="h" for="ch" forName="Accent1" refType="h" fact="0.6665"/>
+              <dgm:constr type="l" for="ch" forName="Accent2" refType="w" fact="0.1533"/>
+              <dgm:constr type="t" for="ch" forName="Accent2" refType="h" fact="0.4272"/>
+              <dgm:constr type="w" for="ch" forName="Accent2" refType="w" fact="0.4761"/>
+              <dgm:constr type="h" for="ch" forName="Accent2" refType="h" fact="0.5728"/>
+              <dgm:constr type="l" for="ch" forName="Parent1" refType="w" fact="0.0822"/>
+              <dgm:constr type="t" for="ch" forName="Parent1" refType="h" fact="0.2413"/>
+              <dgm:constr type="w" for="ch" forName="Parent1" refType="w" fact="0.3092"/>
+              <dgm:constr type="h" for="ch" forName="Parent1" refType="h" fact="0.1859"/>
+              <dgm:constr type="l" for="ch" forName="Parent2" refType="w" fact="0.2368"/>
+              <dgm:constr type="t" for="ch" forName="Parent2" refType="h" fact="0.625"/>
+              <dgm:constr type="w" for="ch" forName="Parent2" refType="w" fact="0.3092"/>
+              <dgm:constr type="h" for="ch" forName="Parent2" refType="h" fact="0.1859"/>
+              <dgm:constr type="l" for="ch" forName="Child1" refType="w" fact="0.5164"/>
+              <dgm:constr type="t" for="ch" forName="Child1" refType="h" fact="0.1978"/>
+              <dgm:constr type="w" for="ch" forName="Child1" refType="w" fact="0.3322"/>
+              <dgm:constr type="h" for="ch" forName="Child1" refType="h" fact="0.265"/>
+              <dgm:constr type="l" for="ch" forName="Child2" refType="w" fact="0.6678"/>
+              <dgm:constr type="t" for="ch" forName="Child2" refType="h" fact="0.5855"/>
+              <dgm:constr type="w" for="ch" forName="Child2" refType="w" fact="0.3322"/>
+              <dgm:constr type="h" for="ch" forName="Child2" refType="h" fact="0.265"/>
+            </dgm:constrLst>
+          </dgm:if>
+          <dgm:if name="Name15" axis="ch" ptType="node" func="cnt" op="equ" val="3">
+            <dgm:alg type="composite">
+              <dgm:param type="ar" val="0.9039"/>
+            </dgm:alg>
+            <dgm:shape xmlns:r="http://schemas.openxmlformats.org/officeDocument/2006/relationships" r:blip="">
+              <dgm:adjLst/>
+            </dgm:shape>
+            <dgm:constrLst>
+              <dgm:constr type="primFontSz" for="des" forName="Child1" val="65"/>
+              <dgm:constr type="primFontSz" for="des" forName="Parent1" val="65"/>
+              <dgm:constr type="primFontSz" for="des" forName="Child1" refType="primFontSz" refFor="des" refForName="Parent1" op="lte"/>
+              <dgm:constr type="primFontSz" for="des" forName="Child2" refType="primFontSz" refFor="des" refForName="Parent1" op="lte"/>
+              <dgm:constr type="primFontSz" for="des" forName="Child3" refType="primFontSz" refFor="des" refForName="Parent1" op="lte"/>
+              <dgm:constr type="primFontSz" for="des" forName="Child1" refType="primFontSz" refFor="des" refForName="Parent2" op="lte"/>
+              <dgm:constr type="primFontSz" for="des" forName="Child2" refType="primFontSz" refFor="des" refForName="Parent2" op="lte"/>
+              <dgm:constr type="primFontSz" for="des" forName="Child3" refType="primFontSz" refFor="des" refForName="Parent2" op="lte"/>
+              <dgm:constr type="primFontSz" for="des" forName="Child1" refType="primFontSz" refFor="des" refForName="Parent3" op="lte"/>
+              <dgm:constr type="primFontSz" for="des" forName="Child2" refType="primFontSz" refFor="des" refForName="Parent3" op="lte"/>
+              <dgm:constr type="primFontSz" for="des" forName="Child3" refType="primFontSz" refFor="des" refForName="Parent3" op="lte"/>
+              <dgm:constr type="primFontSz" for="des" forName="Parent2" refType="primFontSz" refFor="des" refForName="Parent1" op="equ"/>
+              <dgm:constr type="primFontSz" for="des" forName="Parent3" refType="primFontSz" refFor="des" refForName="Parent1" op="equ"/>
+              <dgm:constr type="primFontSz" for="des" forName="Child2" refType="primFontSz" refFor="des" refForName="Child1" op="equ"/>
+              <dgm:constr type="primFontSz" for="des" forName="Child3" refType="primFontSz" refFor="des" refForName="Child1" op="equ"/>
+              <dgm:constr type="l" for="ch" forName="Accent1" refType="w" fact="0"/>
+              <dgm:constr type="t" for="ch" forName="Accent1" refType="h" fact="0"/>
+              <dgm:constr type="w" for="ch" forName="Accent1" refType="w" fact="0.5325"/>
+              <dgm:constr type="h" for="ch" forName="Accent1" refType="h" fact="0.4814"/>
+              <dgm:constr type="l" for="ch" forName="Accent2" refType="w" fact="0.1479"/>
+              <dgm:constr type="t" for="ch" forName="Accent2" refType="h" fact="0.2766"/>
+              <dgm:constr type="w" for="ch" forName="Accent2" refType="w" fact="0.5325"/>
+              <dgm:constr type="h" for="ch" forName="Accent2" refType="h" fact="0.4814"/>
+              <dgm:constr type="l" for="ch" forName="Accent3" refType="w" fact="0.0378"/>
+              <dgm:constr type="t" for="ch" forName="Accent3" refType="h" fact="0.5863"/>
+              <dgm:constr type="w" for="ch" forName="Accent3" refType="w" fact="0.4575"/>
+              <dgm:constr type="h" for="ch" forName="Accent3" refType="h" fact="0.4137"/>
+              <dgm:constr type="l" for="ch" forName="Parent1" refType="w" fact="0.1183"/>
+              <dgm:constr type="t" for="ch" forName="Parent1" refType="h" fact="0.1738"/>
+              <dgm:constr type="w" for="ch" forName="Parent1" refType="w" fact="0.2959"/>
+              <dgm:constr type="h" for="ch" forName="Parent1" refType="h" fact="0.1337"/>
+              <dgm:constr type="l" for="ch" forName="Parent2" refType="w" fact="0.2656"/>
+              <dgm:constr type="t" for="ch" forName="Parent2" refType="h" fact="0.452"/>
+              <dgm:constr type="w" for="ch" forName="Parent2" refType="w" fact="0.2959"/>
+              <dgm:constr type="h" for="ch" forName="Parent2" refType="h" fact="0.1337"/>
+              <dgm:constr type="l" for="ch" forName="Parent3" refType="w" fact="0.1183"/>
+              <dgm:constr type="t" for="ch" forName="Parent3" refType="h" fact="0.7306"/>
+              <dgm:constr type="w" for="ch" forName="Parent3" refType="w" fact="0.2959"/>
+              <dgm:constr type="h" for="ch" forName="Parent3" refType="h" fact="0.1337"/>
+              <dgm:constr type="l" for="ch" forName="Child1" refType="w" fact="0.5325"/>
+              <dgm:constr type="t" for="ch" forName="Child1" refType="h" fact="0.1435"/>
+              <dgm:constr type="w" for="ch" forName="Child1" refType="w" fact="0.3195"/>
+              <dgm:constr type="h" for="ch" forName="Child1" refType="h" fact="0.1926"/>
+              <dgm:constr type="l" for="ch" forName="Child2" refType="w" fact="0.6805"/>
+              <dgm:constr type="t" for="ch" forName="Child2" refType="h" fact="0.4217"/>
+              <dgm:constr type="w" for="ch" forName="Child2" refType="w" fact="0.3195"/>
+              <dgm:constr type="h" for="ch" forName="Child2" refType="h" fact="0.1926"/>
+              <dgm:constr type="l" for="ch" forName="Child3" refType="w" fact="0.5325"/>
+              <dgm:constr type="t" for="ch" forName="Child3" refType="h" fact="0.6998"/>
+              <dgm:constr type="w" for="ch" forName="Child3" refType="w" fact="0.3195"/>
+              <dgm:constr type="h" for="ch" forName="Child3" refType="h" fact="0.1926"/>
+            </dgm:constrLst>
+          </dgm:if>
+          <dgm:if name="Name16" axis="ch" ptType="node" func="cnt" op="equ" val="4">
+            <dgm:alg type="composite">
+              <dgm:param type="ar" val="0.7073"/>
+            </dgm:alg>
+            <dgm:constrLst>
+              <dgm:constr type="primFontSz" for="des" forName="Child1" val="65"/>
+              <dgm:constr type="primFontSz" for="des" forName="Parent1" val="65"/>
+              <dgm:constr type="primFontSz" for="des" forName="Child1" refType="primFontSz" refFor="des" refForName="Parent1" op="lte"/>
+              <dgm:constr type="primFontSz" for="des" forName="Child2" refType="primFontSz" refFor="des" refForName="Parent1" op="lte"/>
+              <dgm:constr type="primFontSz" for="des" forName="Child3" refType="primFontSz" refFor="des" refForName="Parent1" op="lte"/>
+              <dgm:constr type="primFontSz" for="des" forName="Child4" refType="primFontSz" refFor="des" refForName="Parent1" op="lte"/>
+              <dgm:constr type="primFontSz" for="des" forName="Child1" refType="primFontSz" refFor="des" refForName="Parent2" op="lte"/>
+              <dgm:constr type="primFontSz" for="des" forName="Child2" refType="primFontSz" refFor="des" refForName="Parent2" op="lte"/>
+              <dgm:constr type="primFontSz" for="des" forName="Child3" refType="primFontSz" refFor="des" refForName="Parent2" op="lte"/>
+              <dgm:constr type="primFontSz" for="des" forName="Child4" refType="primFontSz" refFor="des" refForName="Parent2" op="lte"/>
+              <dgm:constr type="primFontSz" for="des" forName="Child1" refType="primFontSz" refFor="des" refForName="Parent3" op="lte"/>
+              <dgm:constr type="primFontSz" for="des" forName="Child2" refType="primFontSz" refFor="des" refForName="Parent3" op="lte"/>
+              <dgm:constr type="primFontSz" for="des" forName="Child3" refType="primFontSz" refFor="des" refForName="Parent3" op="lte"/>
+              <dgm:constr type="primFontSz" for="des" forName="Child4" refType="primFontSz" refFor="des" refForName="Parent3" op="lte"/>
+              <dgm:constr type="primFontSz" for="des" forName="Child1" refType="primFontSz" refFor="des" refForName="Parent4" op="lte"/>
+              <dgm:constr type="primFontSz" for="des" forName="Child2" refType="primFontSz" refFor="des" refForName="Parent4" op="lte"/>
+              <dgm:constr type="primFontSz" for="des" forName="Child3" refType="primFontSz" refFor="des" refForName="Parent4" op="lte"/>
+              <dgm:constr type="primFontSz" for="des" forName="Child4" refType="primFontSz" refFor="des" refForName="Parent4" op="lte"/>
+              <dgm:constr type="primFontSz" for="des" forName="Parent2" refType="primFontSz" refFor="des" refForName="Parent1" op="equ"/>
+              <dgm:constr type="primFontSz" for="des" forName="Parent3" refType="primFontSz" refFor="des" refForName="Parent1" op="equ"/>
+              <dgm:constr type="primFontSz" for="des" forName="Parent4" refType="primFontSz" refFor="des" refForName="Parent1" op="equ"/>
+              <dgm:constr type="primFontSz" for="des" forName="Child2" refType="primFontSz" refFor="des" refForName="Child1" op="equ"/>
+              <dgm:constr type="primFontSz" for="des" forName="Child3" refType="primFontSz" refFor="des" refForName="Child1" op="equ"/>
+              <dgm:constr type="primFontSz" for="des" forName="Child4" refType="primFontSz" refFor="des" refForName="Child1" op="equ"/>
+              <dgm:constr type="l" for="ch" forName="Accent1" refType="w" fact="0"/>
+              <dgm:constr type="t" for="ch" forName="Accent1" refType="h" fact="0"/>
+              <dgm:constr type="w" for="ch" forName="Accent1" refType="w" fact="0.5331"/>
+              <dgm:constr type="h" for="ch" forName="Accent1" refType="h" fact="0.3771"/>
+              <dgm:constr type="l" for="ch" forName="Accent2" refType="w" fact="0.1481"/>
+              <dgm:constr type="t" for="ch" forName="Accent2" refType="h" fact="0.2167"/>
+              <dgm:constr type="w" for="ch" forName="Accent2" refType="w" fact="0.5331"/>
+              <dgm:constr type="h" for="ch" forName="Accent2" refType="h" fact="0.3771"/>
+              <dgm:constr type="l" for="ch" forName="Accent3" refType="w" fact="0"/>
+              <dgm:constr type="t" for="ch" forName="Accent3" refType="h" fact="0.4342"/>
+              <dgm:constr type="w" for="ch" forName="Accent3" refType="w" fact="0.5331"/>
+              <dgm:constr type="h" for="ch" forName="Accent3" refType="h" fact="0.3771"/>
+              <dgm:constr type="l" for="ch" forName="Accent4" refType="w" fact="0.186"/>
+              <dgm:constr type="t" for="ch" forName="Accent4" refType="h" fact="0.6759"/>
+              <dgm:constr type="w" for="ch" forName="Accent4" refType="w" fact="0.458"/>
+              <dgm:constr type="h" for="ch" forName="Accent4" refType="h" fact="0.3241"/>
+              <dgm:constr type="l" for="ch" forName="Parent1" refType="w" fact="0.1171"/>
+              <dgm:constr type="t" for="ch" forName="Parent1" refType="h" fact="0.1365"/>
+              <dgm:constr type="w" for="ch" forName="Parent1" refType="w" fact="0.2975"/>
+              <dgm:constr type="h" for="ch" forName="Parent1" refType="h" fact="0.1052"/>
+              <dgm:constr type="l" for="ch" forName="Parent2" refType="w" fact="0.2658"/>
+              <dgm:constr type="t" for="ch" forName="Parent2" refType="h" fact="0.3536"/>
+              <dgm:constr type="w" for="ch" forName="Parent2" refType="w" fact="0.2975"/>
+              <dgm:constr type="h" for="ch" forName="Parent2" refType="h" fact="0.1052"/>
+              <dgm:constr type="l" for="ch" forName="Parent3" refType="w" fact="0.1171"/>
+              <dgm:constr type="t" for="ch" forName="Parent3" refType="h" fact="0.5707"/>
+              <dgm:constr type="w" for="ch" forName="Parent3" refType="w" fact="0.2975"/>
+              <dgm:constr type="h" for="ch" forName="Parent3" refType="h" fact="0.1052"/>
+              <dgm:constr type="l" for="ch" forName="Parent4" refType="w" fact="0.2658"/>
+              <dgm:constr type="t" for="ch" forName="Parent4" refType="h" fact="0.7878"/>
+              <dgm:constr type="w" for="ch" forName="Parent4" refType="w" fact="0.2975"/>
+              <dgm:constr type="h" for="ch" forName="Parent4" refType="h" fact="0.1052"/>
+              <dgm:constr type="l" for="ch" forName="Child1" refType="w" fact="0.5348"/>
+              <dgm:constr type="t" for="ch" forName="Child1" refType="h" fact="0.1119"/>
+              <dgm:constr type="w" for="ch" forName="Child1" refType="w" fact="0.3196"/>
+              <dgm:constr type="h" for="ch" forName="Child1" refType="h" fact="0.15"/>
+              <dgm:constr type="l" for="ch" forName="Child2" refType="w" fact="0.6804"/>
+              <dgm:constr type="t" for="ch" forName="Child2" refType="h" fact="0.3312"/>
+              <dgm:constr type="w" for="ch" forName="Child2" refType="w" fact="0.3196"/>
+              <dgm:constr type="h" for="ch" forName="Child2" refType="h" fact="0.15"/>
+              <dgm:constr type="l" for="ch" forName="Child3" refType="w" fact="0.5348"/>
+              <dgm:constr type="t" for="ch" forName="Child3" refType="h" fact="0.5461"/>
+              <dgm:constr type="w" for="ch" forName="Child3" refType="w" fact="0.3196"/>
+              <dgm:constr type="h" for="ch" forName="Child3" refType="h" fact="0.15"/>
+              <dgm:constr type="l" for="ch" forName="Child4" refType="w" fact="0.6804"/>
+              <dgm:constr type="t" for="ch" forName="Child4" refType="h" fact="0.7632"/>
+              <dgm:constr type="w" for="ch" forName="Child4" refType="w" fact="0.3196"/>
+              <dgm:constr type="h" for="ch" forName="Child4" refType="h" fact="0.15"/>
+            </dgm:constrLst>
+          </dgm:if>
+          <dgm:if name="Name17" axis="ch" ptType="node" func="cnt" op="equ" val="5">
+            <dgm:alg type="composite">
+              <dgm:param type="ar" val="0.5811"/>
+            </dgm:alg>
+            <dgm:constrLst>
+              <dgm:constr type="primFontSz" for="des" forName="Child1" val="65"/>
+              <dgm:constr type="primFontSz" for="des" forName="Parent1" val="65"/>
+              <dgm:constr type="primFontSz" for="des" forName="Child1" refType="primFontSz" refFor="des" refForName="Parent1" op="lte"/>
+              <dgm:constr type="primFontSz" for="des" forName="Child2" refType="primFontSz" refFor="des" refForName="Parent1" op="lte"/>
+              <dgm:constr type="primFontSz" for="des" forName="Child3" refType="primFontSz" refFor="des" refForName="Parent1" op="lte"/>
+              <dgm:constr type="primFontSz" for="des" forName="Child4" refType="primFontSz" refFor="des" refForName="Parent1" op="lte"/>
+              <dgm:constr type="primFontSz" for="des" forName="Child5" refType="primFontSz" refFor="des" refForName="Parent1" op="lte"/>
+              <dgm:constr type="primFontSz" for="des" forName="Child1" refType="primFontSz" refFor="des" refForName="Parent2" op="lte"/>
+              <dgm:constr type="primFontSz" for="des" forName="Child2" refType="primFontSz" refFor="des" refForName="Parent2" op="lte"/>
+              <dgm:constr type="primFontSz" for="des" forName="Child3" refType="primFontSz" refFor="des" refForName="Parent2" op="lte"/>
+              <dgm:constr type="primFontSz" for="des" forName="Child4" refType="primFontSz" refFor="des" refForName="Parent2" op="lte"/>
+              <dgm:constr type="primFontSz" for="des" forName="Child5" refType="primFontSz" refFor="des" refForName="Parent2" op="lte"/>
+              <dgm:constr type="primFontSz" for="des" forName="Child1" refType="primFontSz" refFor="des" refForName="Parent3" op="lte"/>
+              <dgm:constr type="primFontSz" for="des" forName="Child2" refType="primFontSz" refFor="des" refForName="Parent3" op="lte"/>
+              <dgm:constr type="primFontSz" for="des" forName="Child3" refType="primFontSz" refFor="des" refForName="Parent3" op="lte"/>
+              <dgm:constr type="primFontSz" for="des" forName="Child4" refType="primFontSz" refFor="des" refForName="Parent3" op="lte"/>
+              <dgm:constr type="primFontSz" for="des" forName="Child5" refType="primFontSz" refFor="des" refForName="Parent3" op="lte"/>
+              <dgm:constr type="primFontSz" for="des" forName="Child1" refType="primFontSz" refFor="des" refForName="Parent4" op="lte"/>
+              <dgm:constr type="primFontSz" for="des" forName="Child2" refType="primFontSz" refFor="des" refForName="Parent4" op="lte"/>
+              <dgm:constr type="primFontSz" for="des" forName="Child3" refType="primFontSz" refFor="des" refForName="Parent4" op="lte"/>
+              <dgm:constr type="primFontSz" for="des" forName="Child4" refType="primFontSz" refFor="des" refForName="Parent4" op="lte"/>
+              <dgm:constr type="primFontSz" for="des" forName="Child5" refType="primFontSz" refFor="des" refForName="Parent4" op="lte"/>
+              <dgm:constr type="primFontSz" for="des" forName="Child1" refType="primFontSz" refFor="des" refForName="Parent5" op="lte"/>
+              <dgm:constr type="primFontSz" for="des" forName="Child2" refType="primFontSz" refFor="des" refForName="Parent5" op="lte"/>
+              <dgm:constr type="primFontSz" for="des" forName="Child3" refType="primFontSz" refFor="des" refForName="Parent5" op="lte"/>
+              <dgm:constr type="primFontSz" for="des" forName="Child4" refType="primFontSz" refFor="des" refForName="Parent5" op="lte"/>
+              <dgm:constr type="primFontSz" for="des" forName="Child5" refType="primFontSz" refFor="des" refForName="Parent5" op="lte"/>
+              <dgm:constr type="primFontSz" for="des" forName="Parent2" refType="primFontSz" refFor="des" refForName="Parent1" op="equ"/>
+              <dgm:constr type="primFontSz" for="des" forName="Parent3" refType="primFontSz" refFor="des" refForName="Parent1" op="equ"/>
+              <dgm:constr type="primFontSz" for="des" forName="Parent4" refType="primFontSz" refFor="des" refForName="Parent1" op="equ"/>
+              <dgm:constr type="primFontSz" for="des" forName="Parent5" refType="primFontSz" refFor="des" refForName="Parent1" op="equ"/>
+              <dgm:constr type="primFontSz" for="des" forName="Child2" refType="primFontSz" refFor="des" refForName="Child1" op="equ"/>
+              <dgm:constr type="primFontSz" for="des" forName="Child3" refType="primFontSz" refFor="des" refForName="Child1" op="equ"/>
+              <dgm:constr type="primFontSz" for="des" forName="Child4" refType="primFontSz" refFor="des" refForName="Child1" op="equ"/>
+              <dgm:constr type="primFontSz" for="des" forName="Child5" refType="primFontSz" refFor="des" refForName="Child1" op="equ"/>
+              <dgm:constr type="l" for="ch" forName="Accent1" refType="w" fact="0"/>
+              <dgm:constr type="t" for="ch" forName="Accent1" refType="h" fact="0"/>
+              <dgm:constr type="w" for="ch" forName="Accent1" refType="w" fact="0.5331"/>
+              <dgm:constr type="h" for="ch" forName="Accent1" refType="h" fact="0.3098"/>
+              <dgm:constr type="l" for="ch" forName="Accent2" refType="w" fact="0.1481"/>
+              <dgm:constr type="t" for="ch" forName="Accent2" refType="h" fact="0.178"/>
+              <dgm:constr type="w" for="ch" forName="Accent2" refType="w" fact="0.5331"/>
+              <dgm:constr type="h" for="ch" forName="Accent2" refType="h" fact="0.3098"/>
+              <dgm:constr type="l" for="ch" forName="Accent3" refType="w" fact="0"/>
+              <dgm:constr type="t" for="ch" forName="Accent3" refType="h" fact="0.3568"/>
+              <dgm:constr type="w" for="ch" forName="Accent3" refType="w" fact="0.5331"/>
+              <dgm:constr type="h" for="ch" forName="Accent3" refType="h" fact="0.3098"/>
+              <dgm:constr type="l" for="ch" forName="Accent4" refType="w" fact="0.1481"/>
+              <dgm:constr type="t" for="ch" forName="Accent4" refType="h" fact="0.5351"/>
+              <dgm:constr type="w" for="ch" forName="Accent4" refType="w" fact="0.5331"/>
+              <dgm:constr type="h" for="ch" forName="Accent4" refType="h" fact="0.3098"/>
+              <dgm:constr type="l" for="ch" forName="Accent5" refType="w" fact="0.0378"/>
+              <dgm:constr type="t" for="ch" forName="Accent5" refType="h" fact="0.7337"/>
+              <dgm:constr type="w" for="ch" forName="Accent5" refType="w" fact="0.458"/>
+              <dgm:constr type="h" for="ch" forName="Accent5" refType="h" fact="0.2663"/>
+              <dgm:constr type="l" for="ch" forName="Parent1" refType="w" fact="0.1171"/>
+              <dgm:constr type="t" for="ch" forName="Parent1" refType="h" fact="0.1122"/>
+              <dgm:constr type="w" for="ch" forName="Parent1" refType="w" fact="0.2975"/>
+              <dgm:constr type="h" for="ch" forName="Parent1" refType="h" fact="0.0864"/>
+              <dgm:constr type="l" for="ch" forName="Parent2" refType="w" fact="0.2658"/>
+              <dgm:constr type="t" for="ch" forName="Parent2" refType="h" fact="0.2906"/>
+              <dgm:constr type="w" for="ch" forName="Parent2" refType="w" fact="0.2975"/>
+              <dgm:constr type="h" for="ch" forName="Parent2" refType="h" fact="0.0864"/>
+              <dgm:constr type="l" for="ch" forName="Parent3" refType="w" fact="0.1171"/>
+              <dgm:constr type="t" for="ch" forName="Parent3" refType="h" fact="0.4689"/>
+              <dgm:constr type="w" for="ch" forName="Parent3" refType="w" fact="0.2975"/>
+              <dgm:constr type="h" for="ch" forName="Parent3" refType="h" fact="0.0864"/>
+              <dgm:constr type="l" for="ch" forName="Parent4" refType="w" fact="0.2658"/>
+              <dgm:constr type="t" for="ch" forName="Parent4" refType="h" fact="0.6473"/>
+              <dgm:constr type="w" for="ch" forName="Parent4" refType="w" fact="0.2975"/>
+              <dgm:constr type="h" for="ch" forName="Parent4" refType="h" fact="0.0864"/>
+              <dgm:constr type="l" for="ch" forName="Parent5" refType="w" fact="0.1171"/>
+              <dgm:constr type="t" for="ch" forName="Parent5" refType="h" fact="0.8257"/>
+              <dgm:constr type="w" for="ch" forName="Parent5" refType="w" fact="0.2975"/>
+              <dgm:constr type="h" for="ch" forName="Parent5" refType="h" fact="0.0864"/>
+              <dgm:constr type="l" for="ch" forName="Child1" refType="w" fact="0.5348"/>
+              <dgm:constr type="t" for="ch" forName="Child1" refType="h" fact="0.0919"/>
+              <dgm:constr type="w" for="ch" forName="Child1" refType="w" fact="0.3196"/>
+              <dgm:constr type="h" for="ch" forName="Child1" refType="h" fact="0.1232"/>
+              <dgm:constr type="l" for="ch" forName="Child2" refType="w" fact="0.6804"/>
+              <dgm:constr type="t" for="ch" forName="Child2" refType="h" fact="0.2722"/>
+              <dgm:constr type="w" for="ch" forName="Child2" refType="w" fact="0.3196"/>
+              <dgm:constr type="h" for="ch" forName="Child2" refType="h" fact="0.1232"/>
+              <dgm:constr type="l" for="ch" forName="Child3" refType="w" fact="0.5348"/>
+              <dgm:constr type="t" for="ch" forName="Child3" refType="h" fact="0.4487"/>
+              <dgm:constr type="w" for="ch" forName="Child3" refType="w" fact="0.3196"/>
+              <dgm:constr type="h" for="ch" forName="Child3" refType="h" fact="0.1232"/>
+              <dgm:constr type="l" for="ch" forName="Child4" refType="w" fact="0.6804"/>
+              <dgm:constr type="t" for="ch" forName="Child4" refType="h" fact="0.6271"/>
+              <dgm:constr type="w" for="ch" forName="Child4" refType="w" fact="0.3196"/>
+              <dgm:constr type="h" for="ch" forName="Child4" refType="h" fact="0.1232"/>
+              <dgm:constr type="l" for="ch" forName="Child5" refType="w" fact="0.5348"/>
+              <dgm:constr type="t" for="ch" forName="Child5" refType="h" fact="0.8073"/>
+              <dgm:constr type="w" for="ch" forName="Child5" refType="w" fact="0.3196"/>
+              <dgm:constr type="h" for="ch" forName="Child5" refType="h" fact="0.1232"/>
+            </dgm:constrLst>
+          </dgm:if>
+          <dgm:if name="Name18" axis="ch" ptType="node" func="cnt" op="equ" val="6">
+            <dgm:alg type="composite">
+              <dgm:param type="ar" val="0.4931"/>
+            </dgm:alg>
+            <dgm:constrLst>
+              <dgm:constr type="primFontSz" for="des" forName="Child1" val="65"/>
+              <dgm:constr type="primFontSz" for="des" forName="Parent1" val="65"/>
+              <dgm:constr type="primFontSz" for="des" forName="Child1" refType="primFontSz" refFor="des" refForName="Parent1" op="lte"/>
+              <dgm:constr type="primFontSz" for="des" forName="Child2" refType="primFontSz" refFor="des" refForName="Parent1" op="lte"/>
+              <dgm:constr type="primFontSz" for="des" forName="Child3" refType="primFontSz" refFor="des" refForName="Parent1" op="lte"/>
+              <dgm:constr type="primFontSz" for="des" forName="Child4" refType="primFontSz" refFor="des" refForName="Parent1" op="lte"/>
+              <dgm:constr type="primFontSz" for="des" forName="Child5" refType="primFontSz" refFor="des" refForName="Parent1" op="lte"/>
+              <dgm:constr type="primFontSz" for="des" forName="Child6" refType="primFontSz" refFor="des" refForName="Parent1" op="lte"/>
+              <dgm:constr type="primFontSz" for="des" forName="Child1" refType="primFontSz" refFor="des" refForName="Parent2" op="lte"/>
+              <dgm:constr type="primFontSz" for="des" forName="Child2" refType="primFontSz" refFor="des" refForName="Parent2" op="lte"/>
+              <dgm:constr type="primFontSz" for="des" forName="Child3" refType="primFontSz" refFor="des" refForName="Parent2" op="lte"/>
+              <dgm:constr type="primFontSz" for="des" forName="Child4" refType="primFontSz" refFor="des" refForName="Parent2" op="lte"/>
+              <dgm:constr type="primFontSz" for="des" forName="Child5" refType="primFontSz" refFor="des" refForName="Parent2" op="lte"/>
+              <dgm:constr type="primFontSz" for="des" forName="Child6" refType="primFontSz" refFor="des" refForName="Parent2" op="lte"/>
+              <dgm:constr type="primFontSz" for="des" forName="Child1" refType="primFontSz" refFor="des" refForName="Parent3" op="lte"/>
+              <dgm:constr type="primFontSz" for="des" forName="Child2" refType="primFontSz" refFor="des" refForName="Parent3" op="lte"/>
+              <dgm:constr type="primFontSz" for="des" forName="Child3" refType="primFontSz" refFor="des" refForName="Parent3" op="lte"/>
+              <dgm:constr type="primFontSz" for="des" forName="Child4" refType="primFontSz" refFor="des" refForName="Parent3" op="lte"/>
+              <dgm:constr type="primFontSz" for="des" forName="Child5" refType="primFontSz" refFor="des" refForName="Parent3" op="lte"/>
+              <dgm:constr type="primFontSz" for="des" forName="Child6" refType="primFontSz" refFor="des" refForName="Parent3" op="lte"/>
+              <dgm:constr type="primFontSz" for="des" forName="Child1" refType="primFontSz" refFor="des" refForName="Parent4" op="lte"/>
+              <dgm:constr type="primFontSz" for="des" forName="Child2" refType="primFontSz" refFor="des" refForName="Parent4" op="lte"/>
+              <dgm:constr type="primFontSz" for="des" forName="Child3" refType="primFontSz" refFor="des" refForName="Parent4" op="lte"/>
+              <dgm:constr type="primFontSz" for="des" forName="Child4" refType="primFontSz" refFor="des" refForName="Parent4" op="lte"/>
+              <dgm:constr type="primFontSz" for="des" forName="Child5" refType="primFontSz" refFor="des" refForName="Parent4" op="lte"/>
+              <dgm:constr type="primFontSz" for="des" forName="Child6" refType="primFontSz" refFor="des" refForName="Parent4" op="lte"/>
+              <dgm:constr type="primFontSz" for="des" forName="Child1" refType="primFontSz" refFor="des" refForName="Parent5" op="lte"/>
+              <dgm:constr type="primFontSz" for="des" forName="Child2" refType="primFontSz" refFor="des" refForName="Parent5" op="lte"/>
+              <dgm:constr type="primFontSz" for="des" forName="Child3" refType="primFontSz" refFor="des" refForName="Parent5" op="lte"/>
+              <dgm:constr type="primFontSz" for="des" forName="Child4" refType="primFontSz" refFor="des" refForName="Parent5" op="lte"/>
+              <dgm:constr type="primFontSz" for="des" forName="Child5" refType="primFontSz" refFor="des" refForName="Parent5" op="lte"/>
+              <dgm:constr type="primFontSz" for="des" forName="Child6" refType="primFontSz" refFor="des" refForName="Parent5" op="lte"/>
+              <dgm:constr type="primFontSz" for="des" forName="Child1" refType="primFontSz" refFor="des" refForName="Parent6" op="lte"/>
+              <dgm:constr type="primFontSz" for="des" forName="Child2" refType="primFontSz" refFor="des" refForName="Parent6" op="lte"/>
+              <dgm:constr type="primFontSz" for="des" forName="Child3" refType="primFontSz" refFor="des" refForName="Parent6" op="lte"/>
+              <dgm:constr type="primFontSz" for="des" forName="Child4" refType="primFontSz" refFor="des" refForName="Parent6" op="lte"/>
+              <dgm:constr type="primFontSz" for="des" forName="Child5" refType="primFontSz" refFor="des" refForName="Parent6" op="lte"/>
+              <dgm:constr type="primFontSz" for="des" forName="Child6" refType="primFontSz" refFor="des" refForName="Parent6" op="lte"/>
+              <dgm:constr type="primFontSz" for="des" forName="Parent2" refType="primFontSz" refFor="des" refForName="Parent1" op="equ"/>
+              <dgm:constr type="primFontSz" for="des" forName="Parent3" refType="primFontSz" refFor="des" refForName="Parent1" op="equ"/>
+              <dgm:constr type="primFontSz" for="des" forName="Parent4" refType="primFontSz" refFor="des" refForName="Parent1" op="equ"/>
+              <dgm:constr type="primFontSz" for="des" forName="Parent5" refType="primFontSz" refFor="des" refForName="Parent1" op="equ"/>
+              <dgm:constr type="primFontSz" for="des" forName="Parent6" refType="primFontSz" refFor="des" refForName="Parent1" op="equ"/>
+              <dgm:constr type="primFontSz" for="des" forName="Child2" refType="primFontSz" refFor="des" refForName="Child1" op="equ"/>
+              <dgm:constr type="primFontSz" for="des" forName="Child3" refType="primFontSz" refFor="des" refForName="Child1" op="equ"/>
+              <dgm:constr type="primFontSz" for="des" forName="Child4" refType="primFontSz" refFor="des" refForName="Child1" op="equ"/>
+              <dgm:constr type="primFontSz" for="des" forName="Child5" refType="primFontSz" refFor="des" refForName="Child1" op="equ"/>
+              <dgm:constr type="primFontSz" for="des" forName="Child6" refType="primFontSz" refFor="des" refForName="Child1" op="equ"/>
+              <dgm:constr type="l" for="ch" forName="Accent1" refType="w" fact="0"/>
+              <dgm:constr type="t" for="ch" forName="Accent1" refType="h" fact="0"/>
+              <dgm:constr type="w" for="ch" forName="Accent1" refType="w" fact="0.5331"/>
+              <dgm:constr type="h" for="ch" forName="Accent1" refType="h" fact="0.2629"/>
+              <dgm:constr type="l" for="ch" forName="Accent2" refType="w" fact="0.1481"/>
+              <dgm:constr type="t" for="ch" forName="Accent2" refType="h" fact="0.1511"/>
+              <dgm:constr type="w" for="ch" forName="Accent2" refType="w" fact="0.5331"/>
+              <dgm:constr type="h" for="ch" forName="Accent2" refType="h" fact="0.2629"/>
+              <dgm:constr type="l" for="ch" forName="Accent3" refType="w" fact="0"/>
+              <dgm:constr type="t" for="ch" forName="Accent3" refType="h" fact="0.3027"/>
+              <dgm:constr type="w" for="ch" forName="Accent3" refType="w" fact="0.5331"/>
+              <dgm:constr type="h" for="ch" forName="Accent3" refType="h" fact="0.2629"/>
+              <dgm:constr type="l" for="ch" forName="Accent4" refType="w" fact="0.1481"/>
+              <dgm:constr type="t" for="ch" forName="Accent4" refType="h" fact="0.4541"/>
+              <dgm:constr type="w" for="ch" forName="Accent4" refType="w" fact="0.5331"/>
+              <dgm:constr type="h" for="ch" forName="Accent4" refType="h" fact="0.2629"/>
+              <dgm:constr type="l" for="ch" forName="Accent5" refType="w" fact="0"/>
+              <dgm:constr type="t" for="ch" forName="Accent5" refType="h" fact="0.6053"/>
+              <dgm:constr type="w" for="ch" forName="Accent5" refType="w" fact="0.5331"/>
+              <dgm:constr type="h" for="ch" forName="Accent5" refType="h" fact="0.2629"/>
+              <dgm:constr type="l" for="ch" forName="Accent6" refType="w" fact="0.186"/>
+              <dgm:constr type="t" for="ch" forName="Accent6" refType="h" fact="0.774"/>
+              <dgm:constr type="w" for="ch" forName="Accent6" refType="w" fact="0.458"/>
+              <dgm:constr type="h" for="ch" forName="Accent6" refType="h" fact="0.226"/>
+              <dgm:constr type="l" for="ch" forName="Parent1" refType="w" fact="0.1171"/>
+              <dgm:constr type="t" for="ch" forName="Parent1" refType="h" fact="0.0952"/>
+              <dgm:constr type="w" for="ch" forName="Parent1" refType="w" fact="0.2975"/>
+              <dgm:constr type="h" for="ch" forName="Parent1" refType="h" fact="0.0733"/>
+              <dgm:constr type="l" for="ch" forName="Parent2" refType="w" fact="0.2658"/>
+              <dgm:constr type="t" for="ch" forName="Parent2" refType="h" fact="0.2466"/>
+              <dgm:constr type="w" for="ch" forName="Parent2" refType="w" fact="0.2975"/>
+              <dgm:constr type="h" for="ch" forName="Parent2" refType="h" fact="0.0733"/>
+              <dgm:constr type="l" for="ch" forName="Parent3" refType="w" fact="0.1171"/>
+              <dgm:constr type="t" for="ch" forName="Parent3" refType="h" fact="0.3979"/>
+              <dgm:constr type="w" for="ch" forName="Parent3" refType="w" fact="0.2975"/>
+              <dgm:constr type="h" for="ch" forName="Parent3" refType="h" fact="0.0733"/>
+              <dgm:constr type="l" for="ch" forName="Parent4" refType="w" fact="0.2658"/>
+              <dgm:constr type="t" for="ch" forName="Parent4" refType="h" fact="0.5493"/>
+              <dgm:constr type="w" for="ch" forName="Parent4" refType="w" fact="0.2975"/>
+              <dgm:constr type="h" for="ch" forName="Parent4" refType="h" fact="0.0733"/>
+              <dgm:constr type="l" for="ch" forName="Parent5" refType="w" fact="0.1171"/>
+              <dgm:constr type="t" for="ch" forName="Parent5" refType="h" fact="0.7005"/>
+              <dgm:constr type="w" for="ch" forName="Parent5" refType="w" fact="0.2975"/>
+              <dgm:constr type="h" for="ch" forName="Parent5" refType="h" fact="0.0733"/>
+              <dgm:constr type="l" for="ch" forName="Parent6" refType="w" fact="0.2658"/>
+              <dgm:constr type="t" for="ch" forName="Parent6" refType="h" fact="0.8519"/>
+              <dgm:constr type="w" for="ch" forName="Parent6" refType="w" fact="0.2975"/>
+              <dgm:constr type="h" for="ch" forName="Parent6" refType="h" fact="0.0733"/>
+              <dgm:constr type="l" for="ch" forName="Child1" refType="w" fact="0.5348"/>
+              <dgm:constr type="t" for="ch" forName="Child1" refType="h" fact="0.078"/>
+              <dgm:constr type="w" for="ch" forName="Child1" refType="w" fact="0.3196"/>
+              <dgm:constr type="h" for="ch" forName="Child1" refType="h" fact="0.1046"/>
+              <dgm:constr type="l" for="ch" forName="Child2" refType="w" fact="0.6804"/>
+              <dgm:constr type="t" for="ch" forName="Child2" refType="h" fact="0.231"/>
+              <dgm:constr type="w" for="ch" forName="Child2" refType="w" fact="0.3196"/>
+              <dgm:constr type="h" for="ch" forName="Child2" refType="h" fact="0.1046"/>
+              <dgm:constr type="l" for="ch" forName="Child3" refType="w" fact="0.5348"/>
+              <dgm:constr type="t" for="ch" forName="Child3" refType="h" fact="0.3808"/>
+              <dgm:constr type="w" for="ch" forName="Child3" refType="w" fact="0.3196"/>
+              <dgm:constr type="h" for="ch" forName="Child3" refType="h" fact="0.1046"/>
+              <dgm:constr type="l" for="ch" forName="Child4" refType="w" fact="0.6804"/>
+              <dgm:constr type="t" for="ch" forName="Child4" refType="h" fact="0.5322"/>
+              <dgm:constr type="w" for="ch" forName="Child4" refType="w" fact="0.3196"/>
+              <dgm:constr type="h" for="ch" forName="Child4" refType="h" fact="0.1046"/>
+              <dgm:constr type="l" for="ch" forName="Child5" refType="w" fact="0.5348"/>
+              <dgm:constr type="t" for="ch" forName="Child5" refType="h" fact="0.6833"/>
+              <dgm:constr type="w" for="ch" forName="Child5" refType="w" fact="0.3196"/>
+              <dgm:constr type="h" for="ch" forName="Child5" refType="h" fact="0.1046"/>
+              <dgm:constr type="l" for="ch" forName="Child6" refType="w" fact="0.6804"/>
+              <dgm:constr type="t" for="ch" forName="Child6" refType="h" fact="0.8347"/>
+              <dgm:constr type="w" for="ch" forName="Child6" refType="w" fact="0.3196"/>
+              <dgm:constr type="h" for="ch" forName="Child6" refType="h" fact="0.1046"/>
+            </dgm:constrLst>
+          </dgm:if>
+          <dgm:else name="Name19">
+            <dgm:alg type="composite">
+              <dgm:param type="ar" val="0.4284"/>
+            </dgm:alg>
+            <dgm:constrLst>
+              <dgm:constr type="primFontSz" for="des" forName="Child1" val="65"/>
+              <dgm:constr type="primFontSz" for="des" forName="Parent1" val="65"/>
+              <dgm:constr type="primFontSz" for="des" forName="Child1" refType="primFontSz" refFor="des" refForName="Parent1" op="lte"/>
+              <dgm:constr type="primFontSz" for="des" forName="Child2" refType="primFontSz" refFor="des" refForName="Parent1" op="lte"/>
+              <dgm:constr type="primFontSz" for="des" forName="Child3" refType="primFontSz" refFor="des" refForName="Parent1" op="lte"/>
+              <dgm:constr type="primFontSz" for="des" forName="Child4" refType="primFontSz" refFor="des" refForName="Parent1" op="lte"/>
+              <dgm:constr type="primFontSz" for="des" forName="Child5" refType="primFontSz" refFor="des" refForName="Parent1" op="lte"/>
+              <dgm:constr type="primFontSz" for="des" forName="Child6" refType="primFontSz" refFor="des" refForName="Parent1" op="lte"/>
+              <dgm:constr type="primFontSz" for="des" forName="Child7" refType="primFontSz" refFor="des" refForName="Parent1" op="lte"/>
+              <dgm:constr type="primFontSz" for="des" forName="Child1" refType="primFontSz" refFor="des" refForName="Parent2" op="lte"/>
+              <dgm:constr type="primFontSz" for="des" forName="Child2" refType="primFontSz" refFor="des" refForName="Parent2" op="lte"/>
+              <dgm:constr type="primFontSz" for="des" forName="Child3" refType="primFontSz" refFor="des" refForName="Parent2" op="lte"/>
+              <dgm:constr type="primFontSz" for="des" forName="Child4" refType="primFontSz" refFor="des" refForName="Parent2" op="lte"/>
+              <dgm:constr type="primFontSz" for="des" forName="Child5" refType="primFontSz" refFor="des" refForName="Parent2" op="lte"/>
+              <dgm:constr type="primFontSz" for="des" forName="Child6" refType="primFontSz" refFor="des" refForName="Parent2" op="lte"/>
+              <dgm:constr type="primFontSz" for="des" forName="Child7" refType="primFontSz" refFor="des" refForName="Parent2" op="lte"/>
+              <dgm:constr type="primFontSz" for="des" forName="Child1" refType="primFontSz" refFor="des" refForName="Parent3" op="lte"/>
+              <dgm:constr type="primFontSz" for="des" forName="Child2" refType="primFontSz" refFor="des" refForName="Parent3" op="lte"/>
+              <dgm:constr type="primFontSz" for="des" forName="Child3" refType="primFontSz" refFor="des" refForName="Parent3" op="lte"/>
+              <dgm:constr type="primFontSz" for="des" forName="Child4" refType="primFontSz" refFor="des" refForName="Parent3" op="lte"/>
+              <dgm:constr type="primFontSz" for="des" forName="Child5" refType="primFontSz" refFor="des" refForName="Parent3" op="lte"/>
+              <dgm:constr type="primFontSz" for="des" forName="Child6" refType="primFontSz" refFor="des" refForName="Parent3" op="lte"/>
+              <dgm:constr type="primFontSz" for="des" forName="Child7" refType="primFontSz" refFor="des" refForName="Parent3" op="lte"/>
+              <dgm:constr type="primFontSz" for="des" forName="Child1" refType="primFontSz" refFor="des" refForName="Parent4" op="lte"/>
+              <dgm:constr type="primFontSz" for="des" forName="Child2" refType="primFontSz" refFor="des" refForName="Parent4" op="lte"/>
+              <dgm:constr type="primFontSz" for="des" forName="Child3" refType="primFontSz" refFor="des" refForName="Parent4" op="lte"/>
+              <dgm:constr type="primFontSz" for="des" forName="Child4" refType="primFontSz" refFor="des" refForName="Parent4" op="lte"/>
+              <dgm:constr type="primFontSz" for="des" forName="Child5" refType="primFontSz" refFor="des" refForName="Parent4" op="lte"/>
+              <dgm:constr type="primFontSz" for="des" forName="Child6" refType="primFontSz" refFor="des" refForName="Parent4" op="lte"/>
+              <dgm:constr type="primFontSz" for="des" forName="Child7" refType="primFontSz" refFor="des" refForName="Parent4" op="lte"/>
+              <dgm:constr type="primFontSz" for="des" forName="Child1" refType="primFontSz" refFor="des" refForName="Parent5" op="lte"/>
+              <dgm:constr type="primFontSz" for="des" forName="Child2" refType="primFontSz" refFor="des" refForName="Parent5" op="lte"/>
+              <dgm:constr type="primFontSz" for="des" forName="Child3" refType="primFontSz" refFor="des" refForName="Parent5" op="lte"/>
+              <dgm:constr type="primFontSz" for="des" forName="Child4" refType="primFontSz" refFor="des" refForName="Parent5" op="lte"/>
+              <dgm:constr type="primFontSz" for="des" forName="Child5" refType="primFontSz" refFor="des" refForName="Parent5" op="lte"/>
+              <dgm:constr type="primFontSz" for="des" forName="Child6" refType="primFontSz" refFor="des" refForName="Parent5" op="lte"/>
+              <dgm:constr type="primFontSz" for="des" forName="Child7" refType="primFontSz" refFor="des" refForName="Parent5" op="lte"/>
+              <dgm:constr type="primFontSz" for="des" forName="Child1" refType="primFontSz" refFor="des" refForName="Parent6" op="lte"/>
+              <dgm:constr type="primFontSz" for="des" forName="Child2" refType="primFontSz" refFor="des" refForName="Parent6" op="lte"/>
+              <dgm:constr type="primFontSz" for="des" forName="Child3" refType="primFontSz" refFor="des" refForName="Parent6" op="lte"/>
+              <dgm:constr type="primFontSz" for="des" forName="Child4" refType="primFontSz" refFor="des" refForName="Parent6" op="lte"/>
+              <dgm:constr type="primFontSz" for="des" forName="Child5" refType="primFontSz" refFor="des" refForName="Parent6" op="lte"/>
+              <dgm:constr type="primFontSz" for="des" forName="Child6" refType="primFontSz" refFor="des" refForName="Parent6" op="lte"/>
+              <dgm:constr type="primFontSz" for="des" forName="Child7" refType="primFontSz" refFor="des" refForName="Parent6" op="lte"/>
+              <dgm:constr type="primFontSz" for="des" forName="Child1" refType="primFontSz" refFor="des" refForName="Parent7" op="lte"/>
+              <dgm:constr type="primFontSz" for="des" forName="Child2" refType="primFontSz" refFor="des" refForName="Parent7" op="lte"/>
+              <dgm:constr type="primFontSz" for="des" forName="Child3" refType="primFontSz" refFor="des" refForName="Parent7" op="lte"/>
+              <dgm:constr type="primFontSz" for="des" forName="Child4" refType="primFontSz" refFor="des" refForName="Parent7" op="lte"/>
+              <dgm:constr type="primFontSz" for="des" forName="Child5" refType="primFontSz" refFor="des" refForName="Parent7" op="lte"/>
+              <dgm:constr type="primFontSz" for="des" forName="Child6" refType="primFontSz" refFor="des" refForName="Parent7" op="lte"/>
+              <dgm:constr type="primFontSz" for="des" forName="Child7" refType="primFontSz" refFor="des" refForName="Parent7" op="lte"/>
+              <dgm:constr type="primFontSz" for="des" forName="Parent2" refType="primFontSz" refFor="des" refForName="Parent1" op="equ"/>
+              <dgm:constr type="primFontSz" for="des" forName="Parent3" refType="primFontSz" refFor="des" refForName="Parent1" op="equ"/>
+              <dgm:constr type="primFontSz" for="des" forName="Parent4" refType="primFontSz" refFor="des" refForName="Parent1" op="equ"/>
+              <dgm:constr type="primFontSz" for="des" forName="Parent5" refType="primFontSz" refFor="des" refForName="Parent1" op="equ"/>
+              <dgm:constr type="primFontSz" for="des" forName="Parent6" refType="primFontSz" refFor="des" refForName="Parent1" op="equ"/>
+              <dgm:constr type="primFontSz" for="des" forName="Parent7" refType="primFontSz" refFor="des" refForName="Parent1" op="equ"/>
+              <dgm:constr type="primFontSz" for="des" forName="Child2" refType="primFontSz" refFor="des" refForName="Child1" op="equ"/>
+              <dgm:constr type="primFontSz" for="des" forName="Child3" refType="primFontSz" refFor="des" refForName="Child1" op="equ"/>
+              <dgm:constr type="primFontSz" for="des" forName="Child4" refType="primFontSz" refFor="des" refForName="Child1" op="equ"/>
+              <dgm:constr type="primFontSz" for="des" forName="Child5" refType="primFontSz" refFor="des" refForName="Child1" op="equ"/>
+              <dgm:constr type="primFontSz" for="des" forName="Child6" refType="primFontSz" refFor="des" refForName="Child1" op="equ"/>
+              <dgm:constr type="primFontSz" for="des" forName="Child7" refType="primFontSz" refFor="des" refForName="Child1" op="equ"/>
+              <dgm:constr type="l" for="ch" forName="Accent1" refType="w" fact="0"/>
+              <dgm:constr type="t" for="ch" forName="Accent1" refType="h" fact="0"/>
+              <dgm:constr type="w" for="ch" forName="Accent1" refType="w" fact="0.5331"/>
+              <dgm:constr type="h" for="ch" forName="Accent1" refType="h" fact="0.2284"/>
+              <dgm:constr type="l" for="ch" forName="Accent2" refType="w" fact="0.1481"/>
+              <dgm:constr type="t" for="ch" forName="Accent2" refType="h" fact="0.1312"/>
+              <dgm:constr type="w" for="ch" forName="Accent2" refType="w" fact="0.5331"/>
+              <dgm:constr type="h" for="ch" forName="Accent2" refType="h" fact="0.2284"/>
+              <dgm:constr type="l" for="ch" forName="Accent3" refType="w" fact="0"/>
+              <dgm:constr type="t" for="ch" forName="Accent3" refType="h" fact="0.263"/>
+              <dgm:constr type="w" for="ch" forName="Accent3" refType="w" fact="0.5331"/>
+              <dgm:constr type="h" for="ch" forName="Accent3" refType="h" fact="0.2284"/>
+              <dgm:constr type="l" for="ch" forName="Accent4" refType="w" fact="0.1481"/>
+              <dgm:constr type="t" for="ch" forName="Accent4" refType="h" fact="0.3945"/>
+              <dgm:constr type="w" for="ch" forName="Accent4" refType="w" fact="0.5331"/>
+              <dgm:constr type="h" for="ch" forName="Accent4" refType="h" fact="0.2284"/>
+              <dgm:constr type="l" for="ch" forName="Accent5" refType="w" fact="0"/>
+              <dgm:constr type="t" for="ch" forName="Accent5" refType="h" fact="0.5258"/>
+              <dgm:constr type="w" for="ch" forName="Accent5" refType="w" fact="0.5331"/>
+              <dgm:constr type="h" for="ch" forName="Accent5" refType="h" fact="0.2284"/>
+              <dgm:constr type="l" for="ch" forName="Accent6" refType="w" fact="0.1481"/>
+              <dgm:constr type="t" for="ch" forName="Accent6" refType="h" fact="0.6573"/>
+              <dgm:constr type="w" for="ch" forName="Accent6" refType="w" fact="0.5331"/>
+              <dgm:constr type="h" for="ch" forName="Accent6" refType="h" fact="0.2284"/>
+              <dgm:constr type="l" for="ch" forName="Accent7" refType="w" fact="0.0378"/>
+              <dgm:constr type="t" for="ch" forName="Accent7" refType="h" fact="0.8037"/>
+              <dgm:constr type="w" for="ch" forName="Accent7" refType="w" fact="0.458"/>
+              <dgm:constr type="h" for="ch" forName="Accent7" refType="h" fact="0.1963"/>
+              <dgm:constr type="l" for="ch" forName="Parent1" refType="w" fact="0.1171"/>
+              <dgm:constr type="t" for="ch" forName="Parent1" refType="h" fact="0.0827"/>
+              <dgm:constr type="w" for="ch" forName="Parent1" refType="w" fact="0.2975"/>
+              <dgm:constr type="h" for="ch" forName="Parent1" refType="h" fact="0.0637"/>
+              <dgm:constr type="l" for="ch" forName="Parent2" refType="w" fact="0.2658"/>
+              <dgm:constr type="t" for="ch" forName="Parent2" refType="h" fact="0.2142"/>
+              <dgm:constr type="w" for="ch" forName="Parent2" refType="w" fact="0.2975"/>
+              <dgm:constr type="h" for="ch" forName="Parent2" refType="h" fact="0.0637"/>
+              <dgm:constr type="l" for="ch" forName="Parent3" refType="w" fact="0.1171"/>
+              <dgm:constr type="t" for="ch" forName="Parent3" refType="h" fact="0.3457"/>
+              <dgm:constr type="w" for="ch" forName="Parent3" refType="w" fact="0.2975"/>
+              <dgm:constr type="h" for="ch" forName="Parent3" refType="h" fact="0.0637"/>
+              <dgm:constr type="l" for="ch" forName="Parent4" refType="w" fact="0.2658"/>
+              <dgm:constr type="t" for="ch" forName="Parent4" refType="h" fact="0.4772"/>
+              <dgm:constr type="w" for="ch" forName="Parent4" refType="w" fact="0.2975"/>
+              <dgm:constr type="h" for="ch" forName="Parent4" refType="h" fact="0.0637"/>
+              <dgm:constr type="l" for="ch" forName="Parent5" refType="w" fact="0.1171"/>
+              <dgm:constr type="t" for="ch" forName="Parent5" refType="h" fact="0.6085"/>
+              <dgm:constr type="w" for="ch" forName="Parent5" refType="w" fact="0.2975"/>
+              <dgm:constr type="h" for="ch" forName="Parent5" refType="h" fact="0.0637"/>
+              <dgm:constr type="l" for="ch" forName="Parent6" refType="w" fact="0.2658"/>
+              <dgm:constr type="t" for="ch" forName="Parent6" refType="h" fact="0.74"/>
+              <dgm:constr type="w" for="ch" forName="Parent6" refType="w" fact="0.2975"/>
+              <dgm:constr type="h" for="ch" forName="Parent6" refType="h" fact="0.0637"/>
+              <dgm:constr type="l" for="ch" forName="Parent7" refType="w" fact="0.1171"/>
+              <dgm:constr type="t" for="ch" forName="Parent7" refType="h" fact="0.8715"/>
+              <dgm:constr type="w" for="ch" forName="Parent7" refType="w" fact="0.2975"/>
+              <dgm:constr type="h" for="ch" forName="Parent7" refType="h" fact="0.0637"/>
+              <dgm:constr type="l" for="ch" forName="Child1" refType="w" fact="0.5348"/>
+              <dgm:constr type="t" for="ch" forName="Child1" refType="h" fact="0.0678"/>
+              <dgm:constr type="w" for="ch" forName="Child1" refType="w" fact="0.3196"/>
+              <dgm:constr type="h" for="ch" forName="Child1" refType="h" fact="0.0908"/>
+              <dgm:constr type="l" for="ch" forName="Child2" refType="w" fact="0.6804"/>
+              <dgm:constr type="t" for="ch" forName="Child2" refType="h" fact="0.2006"/>
+              <dgm:constr type="w" for="ch" forName="Child2" refType="w" fact="0.3196"/>
+              <dgm:constr type="h" for="ch" forName="Child2" refType="h" fact="0.0908"/>
+              <dgm:constr type="l" for="ch" forName="Child3" refType="w" fact="0.5348"/>
+              <dgm:constr type="t" for="ch" forName="Child3" refType="h" fact="0.3308"/>
+              <dgm:constr type="w" for="ch" forName="Child3" refType="w" fact="0.3196"/>
+              <dgm:constr type="h" for="ch" forName="Child3" refType="h" fact="0.0908"/>
+              <dgm:constr type="l" for="ch" forName="Child4" refType="w" fact="0.6804"/>
+              <dgm:constr type="t" for="ch" forName="Child4" refType="h" fact="0.4623"/>
+              <dgm:constr type="w" for="ch" forName="Child4" refType="w" fact="0.3196"/>
+              <dgm:constr type="h" for="ch" forName="Child4" refType="h" fact="0.0908"/>
+              <dgm:constr type="l" for="ch" forName="Child5" refType="w" fact="0.5348"/>
+              <dgm:constr type="t" for="ch" forName="Child5" refType="h" fact="0.5936"/>
+              <dgm:constr type="w" for="ch" forName="Child5" refType="w" fact="0.3196"/>
+              <dgm:constr type="h" for="ch" forName="Child5" refType="h" fact="0.0908"/>
+              <dgm:constr type="l" for="ch" forName="Child6" refType="w" fact="0.6804"/>
+              <dgm:constr type="t" for="ch" forName="Child6" refType="h" fact="0.7251"/>
+              <dgm:constr type="w" for="ch" forName="Child6" refType="w" fact="0.3196"/>
+              <dgm:constr type="h" for="ch" forName="Child6" refType="h" fact="0.0908"/>
+              <dgm:constr type="l" for="ch" forName="Child7" refType="w" fact="0.5348"/>
+              <dgm:constr type="t" for="ch" forName="Child7" refType="h" fact="0.8579"/>
+              <dgm:constr type="w" for="ch" forName="Child7" refType="w" fact="0.3196"/>
+              <dgm:constr type="h" for="ch" forName="Child7" refType="h" fact="0.0908"/>
+            </dgm:constrLst>
+          </dgm:else>
+        </dgm:choose>
+      </dgm:else>
+    </dgm:choose>
+    <dgm:forEach name="wrapper" axis="self" ptType="parTrans">
+      <dgm:forEach name="accentRepeat" axis="self">
+        <dgm:layoutNode name="Accent" styleLbl="node1">
+          <dgm:alg type="sp"/>
+          <dgm:choose name="Name20">
+            <dgm:if name="Name21" func="var" arg="dir" op="equ" val="norm">
+              <dgm:choose name="Name22">
+                <dgm:if name="Name23" axis="precedSib" ptType="node" func="cnt" op="equ" val="0">
+                  <dgm:choose name="Name24">
+                    <dgm:if name="Name25" axis="followSib" ptType="node" func="cnt" op="equ" val="0">
+                      <dgm:shape xmlns:r="http://schemas.openxmlformats.org/officeDocument/2006/relationships" type="circularArrow" r:blip="">
+                        <dgm:adjLst>
+                          <dgm:adj idx="1" val="0.1098"/>
+                          <dgm:adj idx="2" val="19.0387"/>
+                          <dgm:adj idx="3" val="150"/>
+                          <dgm:adj idx="4" val="180"/>
+                          <dgm:adj idx="5" val="0.125"/>
+                        </dgm:adjLst>
+                      </dgm:shape>
+                    </dgm:if>
+                    <dgm:else name="Name26">
+                      <dgm:shape xmlns:r="http://schemas.openxmlformats.org/officeDocument/2006/relationships" type="circularArrow" r:blip="">
+                        <dgm:adjLst>
+                          <dgm:adj idx="1" val="0.1098"/>
+                          <dgm:adj idx="2" val="19.0387"/>
+                          <dgm:adj idx="3" val="75"/>
+                          <dgm:adj idx="4" val="180"/>
+                          <dgm:adj idx="5" val="0.125"/>
+                        </dgm:adjLst>
+                      </dgm:shape>
+                    </dgm:else>
+                  </dgm:choose>
+                </dgm:if>
+                <dgm:else name="Name27">
+                  <dgm:choose name="Name28">
+                    <dgm:if name="Name29" axis="followSib" ptType="node" func="cnt" op="equ" val="0">
+                      <dgm:choose name="Name30">
+                        <dgm:if name="Name31" axis="precedSib" ptType="node" func="cnt" op="equ" val="1">
+                          <dgm:shape xmlns:r="http://schemas.openxmlformats.org/officeDocument/2006/relationships" type="blockArc" r:blip="">
+                            <dgm:adjLst>
+                              <dgm:adj idx="1" val="0"/>
+                              <dgm:adj idx="2" val="-45"/>
+                              <dgm:adj idx="3" val="0.1274"/>
+                            </dgm:adjLst>
+                          </dgm:shape>
+                        </dgm:if>
+                        <dgm:if name="Name32" axis="precedSib" ptType="node" func="cnt" op="equ" val="2">
+                          <dgm:shape xmlns:r="http://schemas.openxmlformats.org/officeDocument/2006/relationships" type="blockArc" r:blip="">
+                            <dgm:adjLst>
+                              <dgm:adj idx="1" val="-135"/>
+                              <dgm:adj idx="2" val="180"/>
+                              <dgm:adj idx="3" val="0.1274"/>
+                            </dgm:adjLst>
+                          </dgm:shape>
+                        </dgm:if>
+                        <dgm:if name="Name33" axis="precedSib" ptType="node" func="cnt" op="equ" val="3">
+                          <dgm:shape xmlns:r="http://schemas.openxmlformats.org/officeDocument/2006/relationships" type="blockArc" r:blip="">
+                            <dgm:adjLst>
+                              <dgm:adj idx="1" val="0"/>
+                              <dgm:adj idx="2" val="-45"/>
+                              <dgm:adj idx="3" val="0.1274"/>
+                            </dgm:adjLst>
+                          </dgm:shape>
+                        </dgm:if>
+                        <dgm:if name="Name34" axis="precedSib" ptType="node" func="cnt" op="equ" val="4">
+                          <dgm:shape xmlns:r="http://schemas.openxmlformats.org/officeDocument/2006/relationships" type="blockArc" r:blip="">
+                            <dgm:adjLst>
+                              <dgm:adj idx="1" val="-135"/>
+                              <dgm:adj idx="2" val="180"/>
+                              <dgm:adj idx="3" val="0.1274"/>
+                            </dgm:adjLst>
+                          </dgm:shape>
+                        </dgm:if>
+                        <dgm:if name="Name35" axis="precedSib" ptType="node" func="cnt" op="equ" val="5">
+                          <dgm:shape xmlns:r="http://schemas.openxmlformats.org/officeDocument/2006/relationships" type="blockArc" r:blip="">
+                            <dgm:adjLst>
+                              <dgm:adj idx="1" val="0"/>
+                              <dgm:adj idx="2" val="-45"/>
+                              <dgm:adj idx="3" val="0.1274"/>
+                            </dgm:adjLst>
+                          </dgm:shape>
+                        </dgm:if>
+                        <dgm:if name="Name36" axis="precedSib" ptType="node" func="cnt" op="equ" val="6">
+                          <dgm:shape xmlns:r="http://schemas.openxmlformats.org/officeDocument/2006/relationships" type="blockArc" r:blip="">
+                            <dgm:adjLst>
+                              <dgm:adj idx="1" val="-135"/>
+                              <dgm:adj idx="2" val="180"/>
+                              <dgm:adj idx="3" val="0.1274"/>
+                            </dgm:adjLst>
+                          </dgm:shape>
+                        </dgm:if>
+                        <dgm:else name="Name37"/>
+                      </dgm:choose>
+                    </dgm:if>
+                    <dgm:else name="Name38">
+                      <dgm:choose name="Name39">
+                        <dgm:if name="Name40" axis="precedSib" ptType="node" func="cnt" op="equ" val="0">
+                          <dgm:shape xmlns:r="http://schemas.openxmlformats.org/officeDocument/2006/relationships" type="blockArc" r:blip="">
+                            <dgm:adjLst>
+                              <dgm:adj idx="1" val="-133.1632"/>
+                              <dgm:adj idx="2" val="65"/>
+                              <dgm:adj idx="3" val="0.13"/>
+                            </dgm:adjLst>
+                          </dgm:shape>
+                        </dgm:if>
+                        <dgm:if name="Name41" axis="precedSib" ptType="node" func="cnt" op="equ" val="1">
+                          <dgm:shape xmlns:r="http://schemas.openxmlformats.org/officeDocument/2006/relationships" type="leftCircularArrow" r:blip="">
+                            <dgm:adjLst>
+                              <dgm:adj idx="1" val="0.1098"/>
+                              <dgm:adj idx="2" val="19.0387"/>
+                              <dgm:adj idx="3" val="105"/>
+                              <dgm:adj idx="4" val="-45"/>
+                              <dgm:adj idx="5" val="0.125"/>
+                            </dgm:adjLst>
+                          </dgm:shape>
+                        </dgm:if>
+                        <dgm:if name="Name42" axis="precedSib" ptType="node" func="cnt" op="equ" val="2">
+                          <dgm:shape xmlns:r="http://schemas.openxmlformats.org/officeDocument/2006/relationships" type="circularArrow" r:blip="">
+                            <dgm:adjLst>
+                              <dgm:adj idx="1" val="0.1098"/>
+                              <dgm:adj idx="2" val="19.0387"/>
+                              <dgm:adj idx="3" val="75"/>
+                              <dgm:adj idx="4" val="-135"/>
+                              <dgm:adj idx="5" val="0.125"/>
+                            </dgm:adjLst>
+                          </dgm:shape>
+                        </dgm:if>
+                        <dgm:if name="Name43" axis="precedSib" ptType="node" func="cnt" op="equ" val="3">
+                          <dgm:shape xmlns:r="http://schemas.openxmlformats.org/officeDocument/2006/relationships" type="leftCircularArrow" r:blip="">
+                            <dgm:adjLst>
+                              <dgm:adj idx="1" val="0.1098"/>
+                              <dgm:adj idx="2" val="19.0387"/>
+                              <dgm:adj idx="3" val="105"/>
+                              <dgm:adj idx="4" val="-45"/>
+                              <dgm:adj idx="5" val="0.125"/>
+                            </dgm:adjLst>
+                          </dgm:shape>
+                        </dgm:if>
+                        <dgm:if name="Name44" axis="precedSib" ptType="node" func="cnt" op="equ" val="4">
+                          <dgm:shape xmlns:r="http://schemas.openxmlformats.org/officeDocument/2006/relationships" type="circularArrow" r:blip="">
+                            <dgm:adjLst>
+                              <dgm:adj idx="1" val="0.1098"/>
+                              <dgm:adj idx="2" val="19.0387"/>
+                              <dgm:adj idx="3" val="75"/>
+                              <dgm:adj idx="4" val="-135"/>
+                              <dgm:adj idx="5" val="0.125"/>
+                            </dgm:adjLst>
+                          </dgm:shape>
+                        </dgm:if>
+                        <dgm:if name="Name45" axis="precedSib" ptType="node" func="cnt" op="equ" val="5">
+                          <dgm:shape xmlns:r="http://schemas.openxmlformats.org/officeDocument/2006/relationships" type="leftCircularArrow" r:blip="">
+                            <dgm:adjLst>
+                              <dgm:adj idx="1" val="0.1098"/>
+                              <dgm:adj idx="2" val="19.0387"/>
+                              <dgm:adj idx="3" val="105"/>
+                              <dgm:adj idx="4" val="-45"/>
+                              <dgm:adj idx="5" val="0.125"/>
+                            </dgm:adjLst>
+                          </dgm:shape>
+                        </dgm:if>
+                        <dgm:if name="Name46" axis="precedSib" ptType="node" func="cnt" op="equ" val="6">
+                          <dgm:shape xmlns:r="http://schemas.openxmlformats.org/officeDocument/2006/relationships" type="blockArc" r:blip="">
+                            <dgm:adjLst>
+                              <dgm:adj idx="1" val="-135"/>
+                              <dgm:adj idx="2" val="180"/>
+                              <dgm:adj idx="3" val="0.1274"/>
+                            </dgm:adjLst>
+                          </dgm:shape>
+                        </dgm:if>
+                        <dgm:else name="Name47"/>
+                      </dgm:choose>
+                    </dgm:else>
+                  </dgm:choose>
+                </dgm:else>
+              </dgm:choose>
+            </dgm:if>
+            <dgm:else name="Name48">
+              <dgm:choose name="Name49">
+                <dgm:if name="Name50" axis="precedSib" ptType="node" func="cnt" op="equ" val="0">
+                  <dgm:choose name="Name51">
+                    <dgm:if name="Name52" axis="followSib" ptType="node" func="cnt" op="equ" val="0">
+                      <dgm:shape xmlns:r="http://schemas.openxmlformats.org/officeDocument/2006/relationships" type="leftCircularArrow" r:blip="">
+                        <dgm:adjLst>
+                          <dgm:adj idx="1" val="0.1098"/>
+                          <dgm:adj idx="2" val="19.0387"/>
+                          <dgm:adj idx="3" val="30"/>
+                          <dgm:adj idx="4" val="0"/>
+                          <dgm:adj idx="5" val="0.125"/>
+                        </dgm:adjLst>
+                      </dgm:shape>
+                    </dgm:if>
+                    <dgm:else name="Name53">
+                      <dgm:shape xmlns:r="http://schemas.openxmlformats.org/officeDocument/2006/relationships" type="leftCircularArrow" r:blip="">
+                        <dgm:adjLst>
+                          <dgm:adj idx="1" val="0.1098"/>
+                          <dgm:adj idx="2" val="19.0387"/>
+                          <dgm:adj idx="3" val="105"/>
+                          <dgm:adj idx="4" val="0"/>
+                          <dgm:adj idx="5" val="0.125"/>
+                        </dgm:adjLst>
+                      </dgm:shape>
+                    </dgm:else>
+                  </dgm:choose>
+                </dgm:if>
+                <dgm:else name="Name54">
+                  <dgm:choose name="Name55">
+                    <dgm:if name="Name56" axis="followSib" ptType="node" func="cnt" op="equ" val="0">
+                      <dgm:choose name="Name57">
+                        <dgm:if name="Name58" axis="precedSib" ptType="node" func="cnt" op="equ" val="1">
+                          <dgm:shape xmlns:r="http://schemas.openxmlformats.org/officeDocument/2006/relationships" type="blockArc" r:blip="">
+                            <dgm:adjLst>
+                              <dgm:adj idx="1" val="-135"/>
+                              <dgm:adj idx="2" val="180"/>
+                              <dgm:adj idx="3" val="0.1274"/>
+                            </dgm:adjLst>
+                          </dgm:shape>
+                        </dgm:if>
+                        <dgm:if name="Name59" axis="precedSib" ptType="node" func="cnt" op="equ" val="2">
+                          <dgm:shape xmlns:r="http://schemas.openxmlformats.org/officeDocument/2006/relationships" type="blockArc" r:blip="">
+                            <dgm:adjLst>
+                              <dgm:adj idx="1" val="0"/>
+                              <dgm:adj idx="2" val="-45"/>
+                              <dgm:adj idx="3" val="0.1274"/>
+                            </dgm:adjLst>
+                          </dgm:shape>
+                        </dgm:if>
+                        <dgm:if name="Name60" axis="precedSib" ptType="node" func="cnt" op="equ" val="3">
+                          <dgm:shape xmlns:r="http://schemas.openxmlformats.org/officeDocument/2006/relationships" type="blockArc" r:blip="">
+                            <dgm:adjLst>
+                              <dgm:adj idx="1" val="-135"/>
+                              <dgm:adj idx="2" val="180"/>
+                              <dgm:adj idx="3" val="0.1274"/>
+                            </dgm:adjLst>
+                          </dgm:shape>
+                        </dgm:if>
+                        <dgm:if name="Name61" axis="precedSib" ptType="node" func="cnt" op="equ" val="4">
+                          <dgm:shape xmlns:r="http://schemas.openxmlformats.org/officeDocument/2006/relationships" type="blockArc" r:blip="">
+                            <dgm:adjLst>
+                              <dgm:adj idx="1" val="0"/>
+                              <dgm:adj idx="2" val="-45"/>
+                              <dgm:adj idx="3" val="0.1274"/>
+                            </dgm:adjLst>
+                          </dgm:shape>
+                        </dgm:if>
+                        <dgm:if name="Name62" axis="precedSib" ptType="node" func="cnt" op="equ" val="5">
+                          <dgm:shape xmlns:r="http://schemas.openxmlformats.org/officeDocument/2006/relationships" type="blockArc" r:blip="">
+                            <dgm:adjLst>
+                              <dgm:adj idx="1" val="-135"/>
+                              <dgm:adj idx="2" val="180"/>
+                              <dgm:adj idx="3" val="0.1274"/>
+                            </dgm:adjLst>
+                          </dgm:shape>
+                        </dgm:if>
+                        <dgm:if name="Name63" axis="precedSib" ptType="node" func="cnt" op="equ" val="6">
+                          <dgm:shape xmlns:r="http://schemas.openxmlformats.org/officeDocument/2006/relationships" type="blockArc" r:blip="">
+                            <dgm:adjLst>
+                              <dgm:adj idx="1" val="0"/>
+                              <dgm:adj idx="2" val="-45"/>
+                              <dgm:adj idx="3" val="0.1274"/>
+                            </dgm:adjLst>
+                          </dgm:shape>
+                        </dgm:if>
+                        <dgm:else name="Name64"/>
+                      </dgm:choose>
+                    </dgm:if>
+                    <dgm:else name="Name65">
+                      <dgm:choose name="Name66">
+                        <dgm:if name="Name67" axis="precedSib" ptType="node" func="cnt" op="equ" val="0">
+                          <dgm:shape xmlns:r="http://schemas.openxmlformats.org/officeDocument/2006/relationships" type="blockArc" r:blip="">
+                            <dgm:adjLst>
+                              <dgm:adj idx="1" val="-133.1632"/>
+                              <dgm:adj idx="2" val="65"/>
+                              <dgm:adj idx="3" val="0.13"/>
+                            </dgm:adjLst>
+                          </dgm:shape>
+                        </dgm:if>
+                        <dgm:if name="Name68" axis="precedSib" ptType="node" func="cnt" op="equ" val="1">
+                          <dgm:shape xmlns:r="http://schemas.openxmlformats.org/officeDocument/2006/relationships" type="circularArrow" r:blip="">
+                            <dgm:adjLst>
+                              <dgm:adj idx="1" val="0.1098"/>
+                              <dgm:adj idx="2" val="19.0387"/>
+                              <dgm:adj idx="3" val="75"/>
+                              <dgm:adj idx="4" val="-135"/>
+                              <dgm:adj idx="5" val="0.125"/>
+                            </dgm:adjLst>
+                          </dgm:shape>
+                        </dgm:if>
+                        <dgm:if name="Name69" axis="precedSib" ptType="node" func="cnt" op="equ" val="2">
+                          <dgm:shape xmlns:r="http://schemas.openxmlformats.org/officeDocument/2006/relationships" type="leftCircularArrow" r:blip="">
+                            <dgm:adjLst>
+                              <dgm:adj idx="1" val="0.1098"/>
+                              <dgm:adj idx="2" val="19.0387"/>
+                              <dgm:adj idx="3" val="105"/>
+                              <dgm:adj idx="4" val="-45"/>
+                              <dgm:adj idx="5" val="0.125"/>
+                            </dgm:adjLst>
+                          </dgm:shape>
+                        </dgm:if>
+                        <dgm:if name="Name70" axis="precedSib" ptType="node" func="cnt" op="equ" val="3">
+                          <dgm:shape xmlns:r="http://schemas.openxmlformats.org/officeDocument/2006/relationships" type="circularArrow" r:blip="">
+                            <dgm:adjLst>
+                              <dgm:adj idx="1" val="0.1098"/>
+                              <dgm:adj idx="2" val="19.0387"/>
+                              <dgm:adj idx="3" val="75"/>
+                              <dgm:adj idx="4" val="-135"/>
+                              <dgm:adj idx="5" val="0.125"/>
+                            </dgm:adjLst>
+                          </dgm:shape>
+                        </dgm:if>
+                        <dgm:if name="Name71" axis="precedSib" ptType="node" func="cnt" op="equ" val="4">
+                          <dgm:shape xmlns:r="http://schemas.openxmlformats.org/officeDocument/2006/relationships" type="leftCircularArrow" r:blip="">
+                            <dgm:adjLst>
+                              <dgm:adj idx="1" val="0.1098"/>
+                              <dgm:adj idx="2" val="19.0387"/>
+                              <dgm:adj idx="3" val="105"/>
+                              <dgm:adj idx="4" val="-45"/>
+                              <dgm:adj idx="5" val="0.125"/>
+                            </dgm:adjLst>
+                          </dgm:shape>
+                        </dgm:if>
+                        <dgm:if name="Name72" axis="precedSib" ptType="node" func="cnt" op="equ" val="5">
+                          <dgm:shape xmlns:r="http://schemas.openxmlformats.org/officeDocument/2006/relationships" type="circularArrow" r:blip="">
+                            <dgm:adjLst>
+                              <dgm:adj idx="1" val="0.1098"/>
+                              <dgm:adj idx="2" val="19.0387"/>
+                              <dgm:adj idx="3" val="75"/>
+                              <dgm:adj idx="4" val="-135"/>
+                              <dgm:adj idx="5" val="0.125"/>
+                            </dgm:adjLst>
+                          </dgm:shape>
+                        </dgm:if>
+                        <dgm:if name="Name73" axis="precedSib" ptType="node" func="cnt" op="equ" val="6">
+                          <dgm:shape xmlns:r="http://schemas.openxmlformats.org/officeDocument/2006/relationships" type="blockArc" r:blip="">
+                            <dgm:adjLst>
+                              <dgm:adj idx="1" val="0"/>
+                              <dgm:adj idx="2" val="-45"/>
+                              <dgm:adj idx="3" val="0.1274"/>
+                            </dgm:adjLst>
+                          </dgm:shape>
+                        </dgm:if>
+                        <dgm:else name="Name74"/>
+                      </dgm:choose>
+                    </dgm:else>
+                  </dgm:choose>
+                </dgm:else>
+              </dgm:choose>
+            </dgm:else>
+          </dgm:choose>
+          <dgm:presOf/>
+        </dgm:layoutNode>
+      </dgm:forEach>
+    </dgm:forEach>
+    <dgm:forEach name="Name75" axis="ch" ptType="node" cnt="1">
+      <dgm:layoutNode name="Accent1">
+        <dgm:alg type="sp"/>
+        <dgm:shape xmlns:r="http://schemas.openxmlformats.org/officeDocument/2006/relationships" r:blip="">
+          <dgm:adjLst/>
+        </dgm:shape>
+        <dgm:presOf/>
+        <dgm:constrLst/>
+        <dgm:forEach name="Name76" ref="accentRepeat"/>
+      </dgm:layoutNode>
+      <dgm:choose name="Name77">
+        <dgm:if name="Name78" axis="ch" ptType="node" func="cnt" op="gte" val="1">
+          <dgm:layoutNode name="Child1" styleLbl="revTx">
+            <dgm:varLst>
+              <dgm:chMax val="0"/>
+              <dgm:chPref val="0"/>
+              <dgm:bulletEnabled val="1"/>
+            </dgm:varLst>
+            <dgm:alg type="tx">
+              <dgm:param type="stBulletLvl" val="1"/>
+              <dgm:param type="parTxLTRAlign" val="l"/>
+              <dgm:param type="txAnchorVertCh" val="mid"/>
+            </dgm:alg>
+            <dgm:shape xmlns:r="http://schemas.openxmlformats.org/officeDocument/2006/relationships" type="rect" r:blip="">
+              <dgm:adjLst/>
+            </dgm:shape>
+            <dgm:presOf axis="des" ptType="node"/>
+            <dgm:constrLst>
+              <dgm:constr type="lMarg" refType="primFontSz" fact="0.05"/>
+              <dgm:constr type="rMarg" refType="primFontSz" fact="0.05"/>
+              <dgm:constr type="tMarg" refType="primFontSz" fact="0.05"/>
+              <dgm:constr type="bMarg" refType="primFontSz" fact="0.05"/>
+            </dgm:constrLst>
+            <dgm:ruleLst>
+              <dgm:rule type="primFontSz" val="5" fact="NaN" max="NaN"/>
+            </dgm:ruleLst>
+          </dgm:layoutNode>
+        </dgm:if>
+        <dgm:else name="Name79"/>
+      </dgm:choose>
+      <dgm:layoutNode name="Parent1" styleLbl="revTx">
+        <dgm:varLst>
+          <dgm:chMax val="1"/>
+          <dgm:chPref val="1"/>
+          <dgm:bulletEnabled val="1"/>
+        </dgm:varLst>
+        <dgm:alg type="tx">
+          <dgm:param type="shpTxLTRAlignCh" val="ctr"/>
+          <dgm:param type="txAnchorVertCh" val="mid"/>
+        </dgm:alg>
+        <dgm:shape xmlns:r="http://schemas.openxmlformats.org/officeDocument/2006/relationships" type="rect" r:blip="">
+          <dgm:adjLst/>
+        </dgm:shape>
+        <dgm:presOf axis="self" ptType="node"/>
+        <dgm:constrLst>
+          <dgm:constr type="lMarg" refType="primFontSz" fact="0.05"/>
+          <dgm:constr type="rMarg" refType="primFontSz" fact="0.05"/>
+          <dgm:constr type="tMarg" refType="primFontSz" fact="0.05"/>
+          <dgm:constr type="bMarg" refType="primFontSz" fact="0.05"/>
+        </dgm:constrLst>
+        <dgm:ruleLst>
+          <dgm:rule type="primFontSz" val="5" fact="NaN" max="NaN"/>
+        </dgm:ruleLst>
+      </dgm:layoutNode>
+    </dgm:forEach>
+    <dgm:forEach name="Name80" axis="ch" ptType="node" st="2" cnt="1">
+      <dgm:layoutNode name="Accent2">
+        <dgm:alg type="sp"/>
+        <dgm:shape xmlns:r="http://schemas.openxmlformats.org/officeDocument/2006/relationships" r:blip="">
+          <dgm:adjLst/>
+        </dgm:shape>
+        <dgm:presOf/>
+        <dgm:constrLst/>
+        <dgm:forEach name="Name81" ref="accentRepeat"/>
+      </dgm:layoutNode>
+      <dgm:choose name="Name82">
+        <dgm:if name="Name83" axis="ch" ptType="node" func="cnt" op="gte" val="1">
+          <dgm:layoutNode name="Child2" styleLbl="revTx">
+            <dgm:varLst>
+              <dgm:chMax val="0"/>
+              <dgm:chPref val="0"/>
+              <dgm:bulletEnabled val="1"/>
+            </dgm:varLst>
+            <dgm:alg type="tx">
+              <dgm:param type="stBulletLvl" val="1"/>
+              <dgm:param type="parTxLTRAlign" val="l"/>
+              <dgm:param type="txAnchorVertCh" val="mid"/>
+            </dgm:alg>
+            <dgm:shape xmlns:r="http://schemas.openxmlformats.org/officeDocument/2006/relationships" type="rect" r:blip="">
+              <dgm:adjLst/>
+            </dgm:shape>
+            <dgm:presOf axis="des" ptType="node"/>
+            <dgm:constrLst>
+              <dgm:constr type="lMarg" refType="primFontSz" fact="0.05"/>
+              <dgm:constr type="rMarg" refType="primFontSz" fact="0.05"/>
+              <dgm:constr type="tMarg" refType="primFontSz" fact="0.05"/>
+              <dgm:constr type="bMarg" refType="primFontSz" fact="0.05"/>
+            </dgm:constrLst>
+            <dgm:ruleLst>
+              <dgm:rule type="primFontSz" val="5" fact="NaN" max="NaN"/>
+            </dgm:ruleLst>
+          </dgm:layoutNode>
+        </dgm:if>
+        <dgm:else name="Name84"/>
+      </dgm:choose>
+      <dgm:layoutNode name="Parent2" styleLbl="revTx">
+        <dgm:varLst>
+          <dgm:chMax val="1"/>
+          <dgm:chPref val="1"/>
+          <dgm:bulletEnabled val="1"/>
+        </dgm:varLst>
+        <dgm:alg type="tx">
+          <dgm:param type="shpTxLTRAlignCh" val="ctr"/>
+          <dgm:param type="txAnchorVertCh" val="mid"/>
+        </dgm:alg>
+        <dgm:shape xmlns:r="http://schemas.openxmlformats.org/officeDocument/2006/relationships" type="rect" r:blip="">
+          <dgm:adjLst/>
+        </dgm:shape>
+        <dgm:presOf axis="self" ptType="node"/>
+        <dgm:constrLst>
+          <dgm:constr type="lMarg" refType="primFontSz" fact="0.05"/>
+          <dgm:constr type="rMarg" refType="primFontSz" fact="0.05"/>
+          <dgm:constr type="tMarg" refType="primFontSz" fact="0.05"/>
+          <dgm:constr type="bMarg" refType="primFontSz" fact="0.05"/>
+        </dgm:constrLst>
+        <dgm:ruleLst>
+          <dgm:rule type="primFontSz" val="5" fact="NaN" max="NaN"/>
+        </dgm:ruleLst>
+      </dgm:layoutNode>
+    </dgm:forEach>
+    <dgm:forEach name="Name85" axis="ch" ptType="node" st="3" cnt="1">
+      <dgm:layoutNode name="Accent3">
+        <dgm:alg type="sp"/>
+        <dgm:shape xmlns:r="http://schemas.openxmlformats.org/officeDocument/2006/relationships" r:blip="">
+          <dgm:adjLst/>
+        </dgm:shape>
+        <dgm:presOf/>
+        <dgm:constrLst/>
+        <dgm:forEach name="Name86" ref="accentRepeat"/>
+      </dgm:layoutNode>
+      <dgm:choose name="Name87">
+        <dgm:if name="Name88" axis="ch" ptType="node" func="cnt" op="gte" val="1">
+          <dgm:layoutNode name="Child3" styleLbl="revTx">
+            <dgm:varLst>
+              <dgm:chMax val="0"/>
+              <dgm:chPref val="0"/>
+              <dgm:bulletEnabled val="1"/>
+            </dgm:varLst>
+            <dgm:alg type="tx">
+              <dgm:param type="stBulletLvl" val="1"/>
+              <dgm:param type="parTxLTRAlign" val="l"/>
+              <dgm:param type="txAnchorVertCh" val="mid"/>
+            </dgm:alg>
+            <dgm:shape xmlns:r="http://schemas.openxmlformats.org/officeDocument/2006/relationships" type="rect" r:blip="">
+              <dgm:adjLst/>
+            </dgm:shape>
+            <dgm:presOf axis="des" ptType="node"/>
+            <dgm:constrLst>
+              <dgm:constr type="lMarg" refType="primFontSz" fact="0.05"/>
+              <dgm:constr type="rMarg" refType="primFontSz" fact="0.05"/>
+              <dgm:constr type="tMarg" refType="primFontSz" fact="0.05"/>
+              <dgm:constr type="bMarg" refType="primFontSz" fact="0.05"/>
+            </dgm:constrLst>
+            <dgm:ruleLst>
+              <dgm:rule type="primFontSz" val="5" fact="NaN" max="NaN"/>
+            </dgm:ruleLst>
+          </dgm:layoutNode>
+        </dgm:if>
+        <dgm:else name="Name89"/>
+      </dgm:choose>
+      <dgm:layoutNode name="Parent3" styleLbl="revTx">
+        <dgm:varLst>
+          <dgm:chMax val="1"/>
+          <dgm:chPref val="1"/>
+          <dgm:bulletEnabled val="1"/>
+        </dgm:varLst>
+        <dgm:alg type="tx">
+          <dgm:param type="shpTxLTRAlignCh" val="ctr"/>
+          <dgm:param type="txAnchorVertCh" val="mid"/>
+        </dgm:alg>
+        <dgm:shape xmlns:r="http://schemas.openxmlformats.org/officeDocument/2006/relationships" type="rect" r:blip="">
+          <dgm:adjLst/>
+        </dgm:shape>
+        <dgm:presOf axis="self" ptType="node"/>
+        <dgm:constrLst>
+          <dgm:constr type="lMarg" refType="primFontSz" fact="0.05"/>
+          <dgm:constr type="rMarg" refType="primFontSz" fact="0.05"/>
+          <dgm:constr type="tMarg" refType="primFontSz" fact="0.05"/>
+          <dgm:constr type="bMarg" refType="primFontSz" fact="0.05"/>
+        </dgm:constrLst>
+        <dgm:ruleLst>
+          <dgm:rule type="primFontSz" val="5" fact="NaN" max="NaN"/>
+        </dgm:ruleLst>
+      </dgm:layoutNode>
+    </dgm:forEach>
+    <dgm:forEach name="Name90" axis="ch" ptType="node" st="4" cnt="1">
+      <dgm:layoutNode name="Accent4">
+        <dgm:alg type="sp"/>
+        <dgm:shape xmlns:r="http://schemas.openxmlformats.org/officeDocument/2006/relationships" r:blip="">
+          <dgm:adjLst/>
+        </dgm:shape>
+        <dgm:presOf/>
+        <dgm:constrLst/>
+        <dgm:forEach name="Name91" ref="accentRepeat"/>
+      </dgm:layoutNode>
+      <dgm:choose name="Name92">
+        <dgm:if name="Name93" axis="ch" ptType="node" func="cnt" op="gte" val="1">
+          <dgm:layoutNode name="Child4" styleLbl="revTx">
+            <dgm:varLst>
+              <dgm:chMax val="0"/>
+              <dgm:chPref val="0"/>
+              <dgm:bulletEnabled val="1"/>
+            </dgm:varLst>
+            <dgm:alg type="tx">
+              <dgm:param type="stBulletLvl" val="1"/>
+              <dgm:param type="parTxLTRAlign" val="l"/>
+              <dgm:param type="txAnchorVertCh" val="mid"/>
+            </dgm:alg>
+            <dgm:shape xmlns:r="http://schemas.openxmlformats.org/officeDocument/2006/relationships" type="rect" r:blip="">
+              <dgm:adjLst/>
+            </dgm:shape>
+            <dgm:presOf axis="des" ptType="node"/>
+            <dgm:constrLst>
+              <dgm:constr type="lMarg" refType="primFontSz" fact="0.05"/>
+              <dgm:constr type="rMarg" refType="primFontSz" fact="0.05"/>
+              <dgm:constr type="tMarg" refType="primFontSz" fact="0.05"/>
+              <dgm:constr type="bMarg" refType="primFontSz" fact="0.05"/>
+            </dgm:constrLst>
+            <dgm:ruleLst>
+              <dgm:rule type="primFontSz" val="5" fact="NaN" max="NaN"/>
+            </dgm:ruleLst>
+          </dgm:layoutNode>
+        </dgm:if>
+        <dgm:else name="Name94"/>
+      </dgm:choose>
+      <dgm:layoutNode name="Parent4" styleLbl="revTx">
+        <dgm:varLst>
+          <dgm:chMax val="1"/>
+          <dgm:chPref val="1"/>
+          <dgm:bulletEnabled val="1"/>
+        </dgm:varLst>
+        <dgm:alg type="tx">
+          <dgm:param type="shpTxLTRAlignCh" val="ctr"/>
+          <dgm:param type="txAnchorVertCh" val="mid"/>
+        </dgm:alg>
+        <dgm:shape xmlns:r="http://schemas.openxmlformats.org/officeDocument/2006/relationships" type="rect" r:blip="">
+          <dgm:adjLst/>
+        </dgm:shape>
+        <dgm:presOf axis="self" ptType="node"/>
+        <dgm:constrLst>
+          <dgm:constr type="lMarg" refType="primFontSz" fact="0.05"/>
+          <dgm:constr type="rMarg" refType="primFontSz" fact="0.05"/>
+          <dgm:constr type="tMarg" refType="primFontSz" fact="0.05"/>
+          <dgm:constr type="bMarg" refType="primFontSz" fact="0.05"/>
+        </dgm:constrLst>
+        <dgm:ruleLst>
+          <dgm:rule type="primFontSz" val="5" fact="NaN" max="NaN"/>
+        </dgm:ruleLst>
+      </dgm:layoutNode>
+    </dgm:forEach>
+    <dgm:forEach name="Name95" axis="ch" ptType="node" st="5" cnt="1">
+      <dgm:layoutNode name="Accent5">
+        <dgm:alg type="sp"/>
+        <dgm:shape xmlns:r="http://schemas.openxmlformats.org/officeDocument/2006/relationships" r:blip="">
+          <dgm:adjLst/>
+        </dgm:shape>
+        <dgm:presOf/>
+        <dgm:constrLst/>
+        <dgm:forEach name="Name96" ref="accentRepeat"/>
+      </dgm:layoutNode>
+      <dgm:choose name="Name97">
+        <dgm:if name="Name98" axis="ch" ptType="node" func="cnt" op="gte" val="1">
+          <dgm:layoutNode name="Child5" styleLbl="revTx">
+            <dgm:varLst>
+              <dgm:chMax val="0"/>
+              <dgm:chPref val="0"/>
+              <dgm:bulletEnabled val="1"/>
+            </dgm:varLst>
+            <dgm:alg type="tx">
+              <dgm:param type="stBulletLvl" val="1"/>
+              <dgm:param type="parTxLTRAlign" val="l"/>
+              <dgm:param type="txAnchorVertCh" val="mid"/>
+            </dgm:alg>
+            <dgm:shape xmlns:r="http://schemas.openxmlformats.org/officeDocument/2006/relationships" type="rect" r:blip="">
+              <dgm:adjLst/>
+            </dgm:shape>
+            <dgm:presOf axis="des" ptType="node"/>
+            <dgm:constrLst>
+              <dgm:constr type="lMarg" refType="primFontSz" fact="0.05"/>
+              <dgm:constr type="rMarg" refType="primFontSz" fact="0.05"/>
+              <dgm:constr type="tMarg" refType="primFontSz" fact="0.05"/>
+              <dgm:constr type="bMarg" refType="primFontSz" fact="0.05"/>
+            </dgm:constrLst>
+            <dgm:ruleLst>
+              <dgm:rule type="primFontSz" val="5" fact="NaN" max="NaN"/>
+            </dgm:ruleLst>
+          </dgm:layoutNode>
+        </dgm:if>
+        <dgm:else name="Name99"/>
+      </dgm:choose>
+      <dgm:layoutNode name="Parent5" styleLbl="revTx">
+        <dgm:varLst>
+          <dgm:chMax val="1"/>
+          <dgm:chPref val="1"/>
+          <dgm:bulletEnabled val="1"/>
+        </dgm:varLst>
+        <dgm:alg type="tx">
+          <dgm:param type="shpTxLTRAlignCh" val="ctr"/>
+          <dgm:param type="txAnchorVertCh" val="mid"/>
+        </dgm:alg>
+        <dgm:shape xmlns:r="http://schemas.openxmlformats.org/officeDocument/2006/relationships" type="rect" r:blip="">
+          <dgm:adjLst/>
+        </dgm:shape>
+        <dgm:presOf axis="self" ptType="node"/>
+        <dgm:constrLst>
+          <dgm:constr type="lMarg" refType="primFontSz" fact="0.05"/>
+          <dgm:constr type="rMarg" refType="primFontSz" fact="0.05"/>
+          <dgm:constr type="tMarg" refType="primFontSz" fact="0.05"/>
+          <dgm:constr type="bMarg" refType="primFontSz" fact="0.05"/>
+        </dgm:constrLst>
+        <dgm:ruleLst>
+          <dgm:rule type="primFontSz" val="5" fact="NaN" max="NaN"/>
+        </dgm:ruleLst>
+      </dgm:layoutNode>
+    </dgm:forEach>
+    <dgm:forEach name="Name100" axis="ch" ptType="node" st="6" cnt="1">
+      <dgm:layoutNode name="Accent6">
+        <dgm:alg type="sp"/>
+        <dgm:shape xmlns:r="http://schemas.openxmlformats.org/officeDocument/2006/relationships" r:blip="">
+          <dgm:adjLst/>
+        </dgm:shape>
+        <dgm:presOf/>
+        <dgm:constrLst/>
+        <dgm:forEach name="Name101" ref="accentRepeat"/>
+      </dgm:layoutNode>
+      <dgm:choose name="Name102">
+        <dgm:if name="Name103" axis="ch" ptType="node" func="cnt" op="gte" val="1">
+          <dgm:layoutNode name="Child6" styleLbl="revTx">
+            <dgm:varLst>
+              <dgm:chMax val="0"/>
+              <dgm:chPref val="0"/>
+              <dgm:bulletEnabled val="1"/>
+            </dgm:varLst>
+            <dgm:alg type="tx">
+              <dgm:param type="stBulletLvl" val="1"/>
+              <dgm:param type="parTxLTRAlign" val="l"/>
+              <dgm:param type="txAnchorVertCh" val="mid"/>
+            </dgm:alg>
+            <dgm:shape xmlns:r="http://schemas.openxmlformats.org/officeDocument/2006/relationships" type="rect" r:blip="">
+              <dgm:adjLst/>
+            </dgm:shape>
+            <dgm:presOf axis="des" ptType="node"/>
+            <dgm:constrLst>
+              <dgm:constr type="lMarg" refType="primFontSz" fact="0.05"/>
+              <dgm:constr type="rMarg" refType="primFontSz" fact="0.05"/>
+              <dgm:constr type="tMarg" refType="primFontSz" fact="0.05"/>
+              <dgm:constr type="bMarg" refType="primFontSz" fact="0.05"/>
+            </dgm:constrLst>
+            <dgm:ruleLst>
+              <dgm:rule type="primFontSz" val="5" fact="NaN" max="NaN"/>
+            </dgm:ruleLst>
+          </dgm:layoutNode>
+        </dgm:if>
+        <dgm:else name="Name104"/>
+      </dgm:choose>
+      <dgm:layoutNode name="Parent6" styleLbl="revTx">
+        <dgm:varLst>
+          <dgm:chMax val="1"/>
+          <dgm:chPref val="1"/>
+          <dgm:bulletEnabled val="1"/>
+        </dgm:varLst>
+        <dgm:alg type="tx">
+          <dgm:param type="shpTxLTRAlignCh" val="ctr"/>
+          <dgm:param type="txAnchorVertCh" val="mid"/>
+        </dgm:alg>
+        <dgm:shape xmlns:r="http://schemas.openxmlformats.org/officeDocument/2006/relationships" type="rect" r:blip="">
+          <dgm:adjLst/>
+        </dgm:shape>
+        <dgm:presOf axis="self" ptType="node"/>
+        <dgm:constrLst>
+          <dgm:constr type="lMarg" refType="primFontSz" fact="0.05"/>
+          <dgm:constr type="rMarg" refType="primFontSz" fact="0.05"/>
+          <dgm:constr type="tMarg" refType="primFontSz" fact="0.05"/>
+          <dgm:constr type="bMarg" refType="primFontSz" fact="0.05"/>
+        </dgm:constrLst>
+        <dgm:ruleLst>
+          <dgm:rule type="primFontSz" val="5" fact="NaN" max="NaN"/>
+        </dgm:ruleLst>
+      </dgm:layoutNode>
+    </dgm:forEach>
+    <dgm:forEach name="Name105" axis="ch" ptType="node" st="7" cnt="1">
+      <dgm:layoutNode name="Accent7">
+        <dgm:alg type="sp"/>
+        <dgm:shape xmlns:r="http://schemas.openxmlformats.org/officeDocument/2006/relationships" r:blip="">
+          <dgm:adjLst/>
+        </dgm:shape>
+        <dgm:presOf/>
+        <dgm:constrLst/>
+        <dgm:forEach name="Name106" ref="accentRepeat"/>
+      </dgm:layoutNode>
+      <dgm:choose name="Name107">
+        <dgm:if name="Name108" axis="ch" ptType="node" func="cnt" op="gte" val="1">
+          <dgm:layoutNode name="Child7" styleLbl="revTx">
+            <dgm:varLst>
+              <dgm:chMax val="0"/>
+              <dgm:chPref val="0"/>
+              <dgm:bulletEnabled val="1"/>
+            </dgm:varLst>
+            <dgm:alg type="tx">
+              <dgm:param type="stBulletLvl" val="1"/>
+              <dgm:param type="parTxLTRAlign" val="l"/>
+              <dgm:param type="txAnchorVertCh" val="mid"/>
+            </dgm:alg>
+            <dgm:shape xmlns:r="http://schemas.openxmlformats.org/officeDocument/2006/relationships" type="rect" r:blip="">
+              <dgm:adjLst/>
+            </dgm:shape>
+            <dgm:presOf axis="des" ptType="node"/>
+            <dgm:constrLst>
+              <dgm:constr type="lMarg" refType="primFontSz" fact="0.05"/>
+              <dgm:constr type="rMarg" refType="primFontSz" fact="0.05"/>
+              <dgm:constr type="tMarg" refType="primFontSz" fact="0.05"/>
+              <dgm:constr type="bMarg" refType="primFontSz" fact="0.05"/>
+            </dgm:constrLst>
+            <dgm:ruleLst>
+              <dgm:rule type="primFontSz" val="5" fact="NaN" max="NaN"/>
+            </dgm:ruleLst>
+          </dgm:layoutNode>
+        </dgm:if>
+        <dgm:else name="Name109"/>
+      </dgm:choose>
+      <dgm:layoutNode name="Parent7" styleLbl="revTx">
+        <dgm:varLst>
+          <dgm:chMax val="1"/>
+          <dgm:chPref val="1"/>
+          <dgm:bulletEnabled val="1"/>
+        </dgm:varLst>
+        <dgm:alg type="tx">
+          <dgm:param type="shpTxLTRAlignCh" val="ctr"/>
+          <dgm:param type="txAnchorVertCh" val="mid"/>
+        </dgm:alg>
+        <dgm:shape xmlns:r="http://schemas.openxmlformats.org/officeDocument/2006/relationships" type="rect" r:blip="">
+          <dgm:adjLst/>
+        </dgm:shape>
+        <dgm:presOf axis="self" ptType="node"/>
+        <dgm:constrLst>
+          <dgm:constr type="lMarg" refType="primFontSz" fact="0.05"/>
+          <dgm:constr type="rMarg" refType="primFontSz" fact="0.05"/>
+          <dgm:constr type="tMarg" refType="primFontSz" fact="0.05"/>
+          <dgm:constr type="bMarg" refType="primFontSz" fact="0.05"/>
+        </dgm:constrLst>
+        <dgm:ruleLst>
+          <dgm:rule type="primFontSz" val="5" fact="NaN" max="NaN"/>
+        </dgm:ruleLst>
+      </dgm:layoutNode>
+    </dgm:forEach>
+  </dgm:layoutNode>
+</dgm:layoutDef>
+</file>
+
+<file path=ppt/diagrams/quickStyle1.xml><?xml version="1.0" encoding="utf-8"?>
+<dgm:styleDef xmlns:dgm="http://schemas.openxmlformats.org/drawingml/2006/diagram" xmlns:a="http://schemas.openxmlformats.org/drawingml/2006/main" uniqueId="urn:microsoft.com/office/officeart/2005/8/quickstyle/simple5">
+  <dgm:title val=""/>
+  <dgm:desc val=""/>
+  <dgm:catLst>
+    <dgm:cat type="simple" pri="10500"/>
+  </dgm:catLst>
+  <dgm:scene3d>
+    <a:camera prst="orthographicFront"/>
+    <a:lightRig rig="threePt" dir="t"/>
+  </dgm:scene3d>
+  <dgm:styleLbl name="node0">
+    <dgm:scene3d>
+      <a:camera prst="orthographicFront"/>
+      <a:lightRig rig="threePt" dir="t"/>
+    </dgm:scene3d>
+    <dgm:sp3d/>
+    <dgm:txPr/>
+    <dgm:style>
+      <a:lnRef idx="0">
+        <a:scrgbClr r="0" g="0" b="0"/>
+      </a:lnRef>
+      <a:fillRef idx="3">
+        <a:scrgbClr r="0" g="0" b="0"/>
+      </a:fillRef>
+      <a:effectRef idx="3">
+        <a:scrgbClr r="0" g="0" b="0"/>
+      </a:effectRef>
+      <a:fontRef idx="minor">
+        <a:schemeClr val="lt1"/>
+      </a:fontRef>
+    </dgm:style>
+  </dgm:styleLbl>
+  <dgm:styleLbl name="lnNode1">
+    <dgm:scene3d>
+      <a:camera prst="orthographicFront"/>
+      <a:lightRig rig="threePt" dir="t"/>
+    </dgm:scene3d>
+    <dgm:sp3d/>
+    <dgm:txPr/>
+    <dgm:style>
+      <a:lnRef idx="0">
+        <a:scrgbClr r="0" g="0" b="0"/>
+      </a:lnRef>
+      <a:fillRef idx="3">
+        <a:scrgbClr r="0" g="0" b="0"/>
+      </a:fillRef>
+      <a:effectRef idx="3">
+        <a:scrgbClr r="0" g="0" b="0"/>
+      </a:effectRef>
+      <a:fontRef idx="minor">
+        <a:schemeClr val="lt1"/>
+      </a:fontRef>
+    </dgm:style>
+  </dgm:styleLbl>
+  <dgm:styleLbl name="vennNode1">
+    <dgm:scene3d>
+      <a:camera prst="orthographicFront"/>
+      <a:lightRig rig="threePt" dir="t"/>
+    </dgm:scene3d>
+    <dgm:sp3d/>
+    <dgm:txPr/>
+    <dgm:style>
+      <a:lnRef idx="0">
+        <a:scrgbClr r="0" g="0" b="0"/>
+      </a:lnRef>
+      <a:fillRef idx="3">
+        <a:scrgbClr r="0" g="0" b="0"/>
+      </a:fillRef>
+      <a:effectRef idx="3">
+        <a:scrgbClr r="0" g="0" b="0"/>
+      </a:effectRef>
+      <a:fontRef idx="minor">
+        <a:schemeClr val="tx1"/>
+      </a:fontRef>
+    </dgm:style>
+  </dgm:styleLbl>
+  <dgm:styleLbl name="alignNode1">
+    <dgm:scene3d>
+      <a:camera prst="orthographicFront"/>
+      <a:lightRig rig="threePt" dir="t"/>
+    </dgm:scene3d>
+    <dgm:sp3d/>
+    <dgm:txPr/>
+    <dgm:style>
+      <a:lnRef idx="1">
+        <a:scrgbClr r="0" g="0" b="0"/>
+      </a:lnRef>
+      <a:fillRef idx="3">
+        <a:scrgbClr r="0" g="0" b="0"/>
+      </a:fillRef>
+      <a:effectRef idx="3">
+        <a:scrgbClr r="0" g="0" b="0"/>
+      </a:effectRef>
+      <a:fontRef idx="minor">
+        <a:schemeClr val="lt1"/>
+      </a:fontRef>
+    </dgm:style>
+  </dgm:styleLbl>
+  <dgm:styleLbl name="node1">
+    <dgm:scene3d>
+      <a:camera prst="orthographicFront"/>
+      <a:lightRig rig="threePt" dir="t"/>
+    </dgm:scene3d>
+    <dgm:sp3d/>
+    <dgm:txPr/>
+    <dgm:style>
+      <a:lnRef idx="0">
+        <a:scrgbClr r="0" g="0" b="0"/>
+      </a:lnRef>
+      <a:fillRef idx="3">
+        <a:scrgbClr r="0" g="0" b="0"/>
+      </a:fillRef>
+      <a:effectRef idx="3">
+        <a:scrgbClr r="0" g="0" b="0"/>
+      </a:effectRef>
+      <a:fontRef idx="minor">
+        <a:schemeClr val="lt1"/>
+      </a:fontRef>
+    </dgm:style>
+  </dgm:styleLbl>
+  <dgm:styleLbl name="node2">
+    <dgm:scene3d>
+      <a:camera prst="orthographicFront"/>
+      <a:lightRig rig="threePt" dir="t"/>
+    </dgm:scene3d>
+    <dgm:sp3d/>
+    <dgm:txPr/>
+    <dgm:style>
+      <a:lnRef idx="0">
+        <a:scrgbClr r="0" g="0" b="0"/>
+      </a:lnRef>
+      <a:fillRef idx="3">
+        <a:scrgbClr r="0" g="0" b="0"/>
+      </a:fillRef>
+      <a:effectRef idx="3">
+        <a:scrgbClr r="0" g="0" b="0"/>
+      </a:effectRef>
+      <a:fontRef idx="minor">
+        <a:schemeClr val="lt1"/>
+      </a:fontRef>
+    </dgm:style>
+  </dgm:styleLbl>
+  <dgm:styleLbl name="node3">
+    <dgm:scene3d>
+      <a:camera prst="orthographicFront"/>
+      <a:lightRig rig="threePt" dir="t"/>
+    </dgm:scene3d>
+    <dgm:sp3d/>
+    <dgm:txPr/>
+    <dgm:style>
+      <a:lnRef idx="0">
+        <a:scrgbClr r="0" g="0" b="0"/>
+      </a:lnRef>
+      <a:fillRef idx="3">
+        <a:scrgbClr r="0" g="0" b="0"/>
+      </a:fillRef>
+      <a:effectRef idx="3">
+        <a:scrgbClr r="0" g="0" b="0"/>
+      </a:effectRef>
+      <a:fontRef idx="minor">
+        <a:schemeClr val="lt1"/>
+      </a:fontRef>
+    </dgm:style>
+  </dgm:styleLbl>
+  <dgm:styleLbl name="node4">
+    <dgm:scene3d>
+      <a:camera prst="orthographicFront"/>
+      <a:lightRig rig="threePt" dir="t"/>
+    </dgm:scene3d>
+    <dgm:sp3d/>
+    <dgm:txPr/>
+    <dgm:style>
+      <a:lnRef idx="0">
+        <a:scrgbClr r="0" g="0" b="0"/>
+      </a:lnRef>
+      <a:fillRef idx="3">
+        <a:scrgbClr r="0" g="0" b="0"/>
+      </a:fillRef>
+      <a:effectRef idx="3">
+        <a:scrgbClr r="0" g="0" b="0"/>
+      </a:effectRef>
+      <a:fontRef idx="minor">
+        <a:schemeClr val="lt1"/>
+      </a:fontRef>
+    </dgm:style>
+  </dgm:styleLbl>
+  <dgm:styleLbl name="fgImgPlace1">
+    <dgm:scene3d>
+      <a:camera prst="orthographicFront"/>
+      <a:lightRig rig="threePt" dir="t"/>
+    </dgm:scene3d>
+    <dgm:sp3d/>
+    <dgm:txPr/>
+    <dgm:style>
+      <a:lnRef idx="0">
+        <a:scrgbClr r="0" g="0" b="0"/>
+      </a:lnRef>
+      <a:fillRef idx="1">
+        <a:scrgbClr r="0" g="0" b="0"/>
+      </a:fillRef>
+      <a:effectRef idx="3">
+        <a:scrgbClr r="0" g="0" b="0"/>
+      </a:effectRef>
+      <a:fontRef idx="minor"/>
+    </dgm:style>
+  </dgm:styleLbl>
+  <dgm:styleLbl name="alignImgPlace1">
+    <dgm:scene3d>
+      <a:camera prst="orthographicFront"/>
+      <a:lightRig rig="threePt" dir="t"/>
+    </dgm:scene3d>
+    <dgm:sp3d/>
+    <dgm:txPr/>
+    <dgm:style>
+      <a:lnRef idx="0">
+        <a:scrgbClr r="0" g="0" b="0"/>
+      </a:lnRef>
+      <a:fillRef idx="1">
+        <a:scrgbClr r="0" g="0" b="0"/>
+      </a:fillRef>
+      <a:effectRef idx="3">
+        <a:scrgbClr r="0" g="0" b="0"/>
+      </a:effectRef>
+      <a:fontRef idx="minor"/>
+    </dgm:style>
+  </dgm:styleLbl>
+  <dgm:styleLbl name="bgImgPlace1">
+    <dgm:scene3d>
+      <a:camera prst="orthographicFront"/>
+      <a:lightRig rig="threePt" dir="t"/>
+    </dgm:scene3d>
+    <dgm:sp3d/>
+    <dgm:txPr/>
+    <dgm:style>
+      <a:lnRef idx="0">
+        <a:scrgbClr r="0" g="0" b="0"/>
+      </a:lnRef>
+      <a:fillRef idx="1">
+        <a:scrgbClr r="0" g="0" b="0"/>
+      </a:fillRef>
+      <a:effectRef idx="3">
+        <a:scrgbClr r="0" g="0" b="0"/>
+      </a:effectRef>
+      <a:fontRef idx="minor"/>
+    </dgm:style>
+  </dgm:styleLbl>
+  <dgm:styleLbl name="sibTrans2D1">
+    <dgm:scene3d>
+      <a:camera prst="orthographicFront"/>
+      <a:lightRig rig="threePt" dir="t"/>
+    </dgm:scene3d>
+    <dgm:sp3d/>
+    <dgm:txPr/>
+    <dgm:style>
+      <a:lnRef idx="0">
+        <a:scrgbClr r="0" g="0" b="0"/>
+      </a:lnRef>
+      <a:fillRef idx="3">
+        <a:scrgbClr r="0" g="0" b="0"/>
+      </a:fillRef>
+      <a:effectRef idx="3">
+        <a:scrgbClr r="0" g="0" b="0"/>
+      </a:effectRef>
+      <a:fontRef idx="minor">
+        <a:schemeClr val="lt1"/>
+      </a:fontRef>
+    </dgm:style>
+  </dgm:styleLbl>
+  <dgm:styleLbl name="fgSibTrans2D1">
+    <dgm:scene3d>
+      <a:camera prst="orthographicFront"/>
+      <a:lightRig rig="threePt" dir="t"/>
+    </dgm:scene3d>
+    <dgm:sp3d/>
+    <dgm:txPr/>
+    <dgm:style>
+      <a:lnRef idx="0">
+        <a:scrgbClr r="0" g="0" b="0"/>
+      </a:lnRef>
+      <a:fillRef idx="3">
+        <a:scrgbClr r="0" g="0" b="0"/>
+      </a:fillRef>
+      <a:effectRef idx="3">
+        <a:scrgbClr r="0" g="0" b="0"/>
+      </a:effectRef>
+      <a:fontRef idx="minor">
+        <a:schemeClr val="lt1"/>
+      </a:fontRef>
+    </dgm:style>
+  </dgm:styleLbl>
+  <dgm:styleLbl name="bgSibTrans2D1">
+    <dgm:scene3d>
+      <a:camera prst="orthographicFront"/>
+      <a:lightRig rig="threePt" dir="t"/>
+    </dgm:scene3d>
+    <dgm:sp3d/>
+    <dgm:txPr/>
+    <dgm:style>
+      <a:lnRef idx="0">
+        <a:scrgbClr r="0" g="0" b="0"/>
+      </a:lnRef>
+      <a:fillRef idx="3">
+        <a:scrgbClr r="0" g="0" b="0"/>
+      </a:fillRef>
+      <a:effectRef idx="3">
+        <a:scrgbClr r="0" g="0" b="0"/>
+      </a:effectRef>
+      <a:fontRef idx="minor">
+        <a:schemeClr val="lt1"/>
+      </a:fontRef>
+    </dgm:style>
+  </dgm:styleLbl>
+  <dgm:styleLbl name="sibTrans1D1">
+    <dgm:scene3d>
+      <a:camera prst="orthographicFront"/>
+      <a:lightRig rig="threePt" dir="t"/>
+    </dgm:scene3d>
+    <dgm:sp3d/>
+    <dgm:txPr/>
+    <dgm:style>
+      <a:lnRef idx="1">
+        <a:scrgbClr r="0" g="0" b="0"/>
+      </a:lnRef>
+      <a:fillRef idx="0">
+        <a:scrgbClr r="0" g="0" b="0"/>
+      </a:fillRef>
+      <a:effectRef idx="0">
+        <a:scrgbClr r="0" g="0" b="0"/>
+      </a:effectRef>
+      <a:fontRef idx="minor"/>
+    </dgm:style>
+  </dgm:styleLbl>
+  <dgm:styleLbl name="callout">
+    <dgm:scene3d>
+      <a:camera prst="orthographicFront"/>
+      <a:lightRig rig="threePt" dir="t"/>
+    </dgm:scene3d>
+    <dgm:sp3d/>
+    <dgm:txPr/>
+    <dgm:style>
+      <a:lnRef idx="1">
+        <a:scrgbClr r="0" g="0" b="0"/>
+      </a:lnRef>
+      <a:fillRef idx="0">
+        <a:scrgbClr r="0" g="0" b="0"/>
+      </a:fillRef>
+      <a:effectRef idx="1">
+        <a:scrgbClr r="0" g="0" b="0"/>
+      </a:effectRef>
+      <a:fontRef idx="minor"/>
+    </dgm:style>
+  </dgm:styleLbl>
+  <dgm:styleLbl name="asst0">
+    <dgm:scene3d>
+      <a:camera prst="orthographicFront"/>
+      <a:lightRig rig="threePt" dir="t"/>
+    </dgm:scene3d>
+    <dgm:sp3d/>
+    <dgm:txPr/>
+    <dgm:style>
+      <a:lnRef idx="0">
+        <a:scrgbClr r="0" g="0" b="0"/>
+      </a:lnRef>
+      <a:fillRef idx="3">
+        <a:scrgbClr r="0" g="0" b="0"/>
+      </a:fillRef>
+      <a:effectRef idx="3">
+        <a:scrgbClr r="0" g="0" b="0"/>
+      </a:effectRef>
+      <a:fontRef idx="minor">
+        <a:schemeClr val="lt1"/>
+      </a:fontRef>
+    </dgm:style>
+  </dgm:styleLbl>
+  <dgm:styleLbl name="asst1">
+    <dgm:scene3d>
+      <a:camera prst="orthographicFront"/>
+      <a:lightRig rig="threePt" dir="t"/>
+    </dgm:scene3d>
+    <dgm:sp3d/>
+    <dgm:txPr/>
+    <dgm:style>
+      <a:lnRef idx="0">
+        <a:scrgbClr r="0" g="0" b="0"/>
+      </a:lnRef>
+      <a:fillRef idx="3">
+        <a:scrgbClr r="0" g="0" b="0"/>
+      </a:fillRef>
+      <a:effectRef idx="3">
+        <a:scrgbClr r="0" g="0" b="0"/>
+      </a:effectRef>
+      <a:fontRef idx="minor">
+        <a:schemeClr val="lt1"/>
+      </a:fontRef>
+    </dgm:style>
+  </dgm:styleLbl>
+  <dgm:styleLbl name="asst2">
+    <dgm:scene3d>
+      <a:camera prst="orthographicFront"/>
+      <a:lightRig rig="threePt" dir="t"/>
+    </dgm:scene3d>
+    <dgm:sp3d/>
+    <dgm:txPr/>
+    <dgm:style>
+      <a:lnRef idx="0">
+        <a:scrgbClr r="0" g="0" b="0"/>
+      </a:lnRef>
+      <a:fillRef idx="3">
+        <a:scrgbClr r="0" g="0" b="0"/>
+      </a:fillRef>
+      <a:effectRef idx="3">
+        <a:scrgbClr r="0" g="0" b="0"/>
+      </a:effectRef>
+      <a:fontRef idx="minor">
+        <a:schemeClr val="lt1"/>
+      </a:fontRef>
+    </dgm:style>
+  </dgm:styleLbl>
+  <dgm:styleLbl name="asst3">
+    <dgm:scene3d>
+      <a:camera prst="orthographicFront"/>
+      <a:lightRig rig="threePt" dir="t"/>
+    </dgm:scene3d>
+    <dgm:sp3d/>
+    <dgm:txPr/>
+    <dgm:style>
+      <a:lnRef idx="0">
+        <a:scrgbClr r="0" g="0" b="0"/>
+      </a:lnRef>
+      <a:fillRef idx="3">
+        <a:scrgbClr r="0" g="0" b="0"/>
+      </a:fillRef>
+      <a:effectRef idx="3">
+        <a:scrgbClr r="0" g="0" b="0"/>
+      </a:effectRef>
+      <a:fontRef idx="minor">
+        <a:schemeClr val="lt1"/>
+      </a:fontRef>
+    </dgm:style>
+  </dgm:styleLbl>
+  <dgm:styleLbl name="asst4">
+    <dgm:scene3d>
+      <a:camera prst="orthographicFront"/>
+      <a:lightRig rig="threePt" dir="t"/>
+    </dgm:scene3d>
+    <dgm:sp3d/>
+    <dgm:txPr/>
+    <dgm:style>
+      <a:lnRef idx="0">
+        <a:scrgbClr r="0" g="0" b="0"/>
+      </a:lnRef>
+      <a:fillRef idx="3">
+        <a:scrgbClr r="0" g="0" b="0"/>
+      </a:fillRef>
+      <a:effectRef idx="3">
+        <a:scrgbClr r="0" g="0" b="0"/>
+      </a:effectRef>
+      <a:fontRef idx="minor">
+        <a:schemeClr val="lt1"/>
+      </a:fontRef>
+    </dgm:style>
+  </dgm:styleLbl>
+  <dgm:styleLbl name="parChTrans2D1">
+    <dgm:scene3d>
+      <a:camera prst="orthographicFront"/>
+      <a:lightRig rig="threePt" dir="t"/>
+    </dgm:scene3d>
+    <dgm:sp3d/>
+    <dgm:txPr/>
+    <dgm:style>
+      <a:lnRef idx="0">
+        <a:scrgbClr r="0" g="0" b="0"/>
+      </a:lnRef>
+      <a:fillRef idx="3">
+        <a:scrgbClr r="0" g="0" b="0"/>
+      </a:fillRef>
+      <a:effectRef idx="3">
+        <a:scrgbClr r="0" g="0" b="0"/>
+      </a:effectRef>
+      <a:fontRef idx="minor">
+        <a:schemeClr val="lt1"/>
+      </a:fontRef>
+    </dgm:style>
+  </dgm:styleLbl>
+  <dgm:styleLbl name="parChTrans2D2">
+    <dgm:scene3d>
+      <a:camera prst="orthographicFront"/>
+      <a:lightRig rig="threePt" dir="t"/>
+    </dgm:scene3d>
+    <dgm:sp3d/>
+    <dgm:txPr/>
+    <dgm:style>
+      <a:lnRef idx="0">
+        <a:scrgbClr r="0" g="0" b="0"/>
+      </a:lnRef>
+      <a:fillRef idx="3">
+        <a:scrgbClr r="0" g="0" b="0"/>
+      </a:fillRef>
+      <a:effectRef idx="3">
+        <a:scrgbClr r="0" g="0" b="0"/>
+      </a:effectRef>
+      <a:fontRef idx="minor">
+        <a:schemeClr val="lt1"/>
+      </a:fontRef>
+    </dgm:style>
+  </dgm:styleLbl>
+  <dgm:styleLbl name="parChTrans2D3">
+    <dgm:scene3d>
+      <a:camera prst="orthographicFront"/>
+      <a:lightRig rig="threePt" dir="t"/>
+    </dgm:scene3d>
+    <dgm:sp3d/>
+    <dgm:txPr/>
+    <dgm:style>
+      <a:lnRef idx="0">
+        <a:scrgbClr r="0" g="0" b="0"/>
+      </a:lnRef>
+      <a:fillRef idx="3">
+        <a:scrgbClr r="0" g="0" b="0"/>
+      </a:fillRef>
+      <a:effectRef idx="3">
+        <a:scrgbClr r="0" g="0" b="0"/>
+      </a:effectRef>
+      <a:fontRef idx="minor">
+        <a:schemeClr val="lt1"/>
+      </a:fontRef>
+    </dgm:style>
+  </dgm:styleLbl>
+  <dgm:styleLbl name="parChTrans2D4">
+    <dgm:scene3d>
+      <a:camera prst="orthographicFront"/>
+      <a:lightRig rig="threePt" dir="t"/>
+    </dgm:scene3d>
+    <dgm:sp3d/>
+    <dgm:txPr/>
+    <dgm:style>
+      <a:lnRef idx="0">
+        <a:scrgbClr r="0" g="0" b="0"/>
+      </a:lnRef>
+      <a:fillRef idx="3">
+        <a:scrgbClr r="0" g="0" b="0"/>
+      </a:fillRef>
+      <a:effectRef idx="3">
+        <a:scrgbClr r="0" g="0" b="0"/>
+      </a:effectRef>
+      <a:fontRef idx="minor">
+        <a:schemeClr val="lt1"/>
+      </a:fontRef>
+    </dgm:style>
+  </dgm:styleLbl>
+  <dgm:styleLbl name="parChTrans1D1">
+    <dgm:scene3d>
+      <a:camera prst="orthographicFront"/>
+      <a:lightRig rig="threePt" dir="t"/>
+    </dgm:scene3d>
+    <dgm:sp3d/>
+    <dgm:txPr/>
+    <dgm:style>
+      <a:lnRef idx="2">
+        <a:scrgbClr r="0" g="0" b="0"/>
+      </a:lnRef>
+      <a:fillRef idx="0">
+        <a:scrgbClr r="0" g="0" b="0"/>
+      </a:fillRef>
+      <a:effectRef idx="0">
+        <a:scrgbClr r="0" g="0" b="0"/>
+      </a:effectRef>
+      <a:fontRef idx="minor"/>
+    </dgm:style>
+  </dgm:styleLbl>
+  <dgm:styleLbl name="parChTrans1D2">
+    <dgm:scene3d>
+      <a:camera prst="orthographicFront"/>
+      <a:lightRig rig="threePt" dir="t"/>
+    </dgm:scene3d>
+    <dgm:sp3d/>
+    <dgm:txPr/>
+    <dgm:style>
+      <a:lnRef idx="2">
+        <a:scrgbClr r="0" g="0" b="0"/>
+      </a:lnRef>
+      <a:fillRef idx="0">
+        <a:scrgbClr r="0" g="0" b="0"/>
+      </a:fillRef>
+      <a:effectRef idx="0">
+        <a:scrgbClr r="0" g="0" b="0"/>
+      </a:effectRef>
+      <a:fontRef idx="minor"/>
+    </dgm:style>
+  </dgm:styleLbl>
+  <dgm:styleLbl name="parChTrans1D3">
+    <dgm:scene3d>
+      <a:camera prst="orthographicFront"/>
+      <a:lightRig rig="threePt" dir="t"/>
+    </dgm:scene3d>
+    <dgm:sp3d/>
+    <dgm:txPr/>
+    <dgm:style>
+      <a:lnRef idx="2">
+        <a:scrgbClr r="0" g="0" b="0"/>
+      </a:lnRef>
+      <a:fillRef idx="0">
+        <a:scrgbClr r="0" g="0" b="0"/>
+      </a:fillRef>
+      <a:effectRef idx="0">
+        <a:scrgbClr r="0" g="0" b="0"/>
+      </a:effectRef>
+      <a:fontRef idx="minor"/>
+    </dgm:style>
+  </dgm:styleLbl>
+  <dgm:styleLbl name="parChTrans1D4">
+    <dgm:scene3d>
+      <a:camera prst="orthographicFront"/>
+      <a:lightRig rig="threePt" dir="t"/>
+    </dgm:scene3d>
+    <dgm:sp3d/>
+    <dgm:txPr/>
+    <dgm:style>
+      <a:lnRef idx="2">
+        <a:scrgbClr r="0" g="0" b="0"/>
+      </a:lnRef>
+      <a:fillRef idx="0">
+        <a:scrgbClr r="0" g="0" b="0"/>
+      </a:fillRef>
+      <a:effectRef idx="0">
+        <a:scrgbClr r="0" g="0" b="0"/>
+      </a:effectRef>
+      <a:fontRef idx="minor"/>
+    </dgm:style>
+  </dgm:styleLbl>
+  <dgm:styleLbl name="fgAcc1">
+    <dgm:scene3d>
+      <a:camera prst="orthographicFront"/>
+      <a:lightRig rig="threePt" dir="t"/>
+    </dgm:scene3d>
+    <dgm:sp3d/>
+    <dgm:txPr/>
+    <dgm:style>
+      <a:lnRef idx="1">
+        <a:scrgbClr r="0" g="0" b="0"/>
+      </a:lnRef>
+      <a:fillRef idx="1">
+        <a:scrgbClr r="0" g="0" b="0"/>
+      </a:fillRef>
+      <a:effectRef idx="2">
+        <a:scrgbClr r="0" g="0" b="0"/>
+      </a:effectRef>
+      <a:fontRef idx="minor"/>
+    </dgm:style>
+  </dgm:styleLbl>
+  <dgm:styleLbl name="conFgAcc1">
+    <dgm:scene3d>
+      <a:camera prst="orthographicFront"/>
+      <a:lightRig rig="threePt" dir="t"/>
+    </dgm:scene3d>
+    <dgm:sp3d/>
+    <dgm:txPr/>
+    <dgm:style>
+      <a:lnRef idx="1">
+        <a:scrgbClr r="0" g="0" b="0"/>
+      </a:lnRef>
+      <a:fillRef idx="1">
+        <a:scrgbClr r="0" g="0" b="0"/>
+      </a:fillRef>
+      <a:effectRef idx="2">
+        <a:scrgbClr r="0" g="0" b="0"/>
+      </a:effectRef>
+      <a:fontRef idx="minor"/>
+    </dgm:style>
+  </dgm:styleLbl>
+  <dgm:styleLbl name="alignAcc1">
+    <dgm:scene3d>
+      <a:camera prst="orthographicFront"/>
+      <a:lightRig rig="threePt" dir="t"/>
+    </dgm:scene3d>
+    <dgm:sp3d/>
+    <dgm:txPr/>
+    <dgm:style>
+      <a:lnRef idx="1">
+        <a:scrgbClr r="0" g="0" b="0"/>
+      </a:lnRef>
+      <a:fillRef idx="1">
+        <a:scrgbClr r="0" g="0" b="0"/>
+      </a:fillRef>
+      <a:effectRef idx="2">
+        <a:scrgbClr r="0" g="0" b="0"/>
+      </a:effectRef>
+      <a:fontRef idx="minor"/>
+    </dgm:style>
+  </dgm:styleLbl>
+  <dgm:styleLbl name="trAlignAcc1">
+    <dgm:scene3d>
+      <a:camera prst="orthographicFront"/>
+      <a:lightRig rig="threePt" dir="t"/>
+    </dgm:scene3d>
+    <dgm:sp3d/>
+    <dgm:txPr/>
+    <dgm:style>
+      <a:lnRef idx="1">
+        <a:scrgbClr r="0" g="0" b="0"/>
+      </a:lnRef>
+      <a:fillRef idx="1">
+        <a:scrgbClr r="0" g="0" b="0"/>
+      </a:fillRef>
+      <a:effectRef idx="0">
+        <a:scrgbClr r="0" g="0" b="0"/>
+      </a:effectRef>
+      <a:fontRef idx="minor"/>
+    </dgm:style>
+  </dgm:styleLbl>
+  <dgm:styleLbl name="bgAcc1">
+    <dgm:scene3d>
+      <a:camera prst="orthographicFront"/>
+      <a:lightRig rig="threePt" dir="t"/>
+    </dgm:scene3d>
+    <dgm:sp3d/>
+    <dgm:txPr/>
+    <dgm:style>
+      <a:lnRef idx="1">
+        <a:scrgbClr r="0" g="0" b="0"/>
+      </a:lnRef>
+      <a:fillRef idx="1">
+        <a:scrgbClr r="0" g="0" b="0"/>
+      </a:fillRef>
+      <a:effectRef idx="2">
+        <a:scrgbClr r="0" g="0" b="0"/>
+      </a:effectRef>
+      <a:fontRef idx="minor"/>
+    </dgm:style>
+  </dgm:styleLbl>
+  <dgm:styleLbl name="solidFgAcc1">
+    <dgm:scene3d>
+      <a:camera prst="orthographicFront"/>
+      <a:lightRig rig="threePt" dir="t"/>
+    </dgm:scene3d>
+    <dgm:sp3d/>
+    <dgm:txPr/>
+    <dgm:style>
+      <a:lnRef idx="1">
+        <a:scrgbClr r="0" g="0" b="0"/>
+      </a:lnRef>
+      <a:fillRef idx="1">
+        <a:scrgbClr r="0" g="0" b="0"/>
+      </a:fillRef>
+      <a:effectRef idx="2">
+        <a:scrgbClr r="0" g="0" b="0"/>
+      </a:effectRef>
+      <a:fontRef idx="minor"/>
+    </dgm:style>
+  </dgm:styleLbl>
+  <dgm:styleLbl name="solidAlignAcc1">
+    <dgm:scene3d>
+      <a:camera prst="orthographicFront"/>
+      <a:lightRig rig="threePt" dir="t"/>
+    </dgm:scene3d>
+    <dgm:sp3d/>
+    <dgm:txPr/>
+    <dgm:style>
+      <a:lnRef idx="1">
+        <a:scrgbClr r="0" g="0" b="0"/>
+      </a:lnRef>
+      <a:fillRef idx="1">
+        <a:scrgbClr r="0" g="0" b="0"/>
+      </a:fillRef>
+      <a:effectRef idx="3">
+        <a:scrgbClr r="0" g="0" b="0"/>
+      </a:effectRef>
+      <a:fontRef idx="minor"/>
+    </dgm:style>
+  </dgm:styleLbl>
+  <dgm:styleLbl name="solidBgAcc1">
+    <dgm:scene3d>
+      <a:camera prst="orthographicFront"/>
+      <a:lightRig rig="threePt" dir="t"/>
+    </dgm:scene3d>
+    <dgm:sp3d/>
+    <dgm:txPr/>
+    <dgm:style>
+      <a:lnRef idx="1">
+        <a:scrgbClr r="0" g="0" b="0"/>
+      </a:lnRef>
+      <a:fillRef idx="1">
+        <a:scrgbClr r="0" g="0" b="0"/>
+      </a:fillRef>
+      <a:effectRef idx="3">
+        <a:scrgbClr r="0" g="0" b="0"/>
+      </a:effectRef>
+      <a:fontRef idx="minor"/>
+    </dgm:style>
+  </dgm:styleLbl>
+  <dgm:styleLbl name="fgAccFollowNode1">
+    <dgm:scene3d>
+      <a:camera prst="orthographicFront"/>
+      <a:lightRig rig="threePt" dir="t"/>
+    </dgm:scene3d>
+    <dgm:sp3d/>
+    <dgm:txPr/>
+    <dgm:style>
+      <a:lnRef idx="1">
+        <a:scrgbClr r="0" g="0" b="0"/>
+      </a:lnRef>
+      <a:fillRef idx="1">
+        <a:scrgbClr r="0" g="0" b="0"/>
+      </a:fillRef>
+      <a:effectRef idx="2">
+        <a:scrgbClr r="0" g="0" b="0"/>
+      </a:effectRef>
+      <a:fontRef idx="minor"/>
+    </dgm:style>
+  </dgm:styleLbl>
+  <dgm:styleLbl name="alignAccFollowNode1">
+    <dgm:scene3d>
+      <a:camera prst="orthographicFront"/>
+      <a:lightRig rig="threePt" dir="t"/>
+    </dgm:scene3d>
+    <dgm:sp3d/>
+    <dgm:txPr/>
+    <dgm:style>
+      <a:lnRef idx="1">
+        <a:scrgbClr r="0" g="0" b="0"/>
+      </a:lnRef>
+      <a:fillRef idx="1">
+        <a:scrgbClr r="0" g="0" b="0"/>
+      </a:fillRef>
+      <a:effectRef idx="2">
+        <a:scrgbClr r="0" g="0" b="0"/>
+      </a:effectRef>
+      <a:fontRef idx="minor"/>
+    </dgm:style>
+  </dgm:styleLbl>
+  <dgm:styleLbl name="bgAccFollowNode1">
+    <dgm:scene3d>
+      <a:camera prst="orthographicFront"/>
+      <a:lightRig rig="threePt" dir="t"/>
+    </dgm:scene3d>
+    <dgm:sp3d/>
+    <dgm:txPr/>
+    <dgm:style>
+      <a:lnRef idx="1">
+        <a:scrgbClr r="0" g="0" b="0"/>
+      </a:lnRef>
+      <a:fillRef idx="1">
+        <a:scrgbClr r="0" g="0" b="0"/>
+      </a:fillRef>
+      <a:effectRef idx="2">
+        <a:scrgbClr r="0" g="0" b="0"/>
+      </a:effectRef>
+      <a:fontRef idx="minor"/>
+    </dgm:style>
+  </dgm:styleLbl>
+  <dgm:styleLbl name="fgAcc0">
+    <dgm:scene3d>
+      <a:camera prst="orthographicFront"/>
+      <a:lightRig rig="threePt" dir="t"/>
+    </dgm:scene3d>
+    <dgm:sp3d/>
+    <dgm:txPr/>
+    <dgm:style>
+      <a:lnRef idx="1">
+        <a:scrgbClr r="0" g="0" b="0"/>
+      </a:lnRef>
+      <a:fillRef idx="1">
+        <a:scrgbClr r="0" g="0" b="0"/>
+      </a:fillRef>
+      <a:effectRef idx="2">
+        <a:scrgbClr r="0" g="0" b="0"/>
+      </a:effectRef>
+      <a:fontRef idx="minor"/>
+    </dgm:style>
+  </dgm:styleLbl>
+  <dgm:styleLbl name="fgAcc2">
+    <dgm:scene3d>
+      <a:camera prst="orthographicFront"/>
+      <a:lightRig rig="threePt" dir="t"/>
+    </dgm:scene3d>
+    <dgm:sp3d/>
+    <dgm:txPr/>
+    <dgm:style>
+      <a:lnRef idx="1">
+        <a:scrgbClr r="0" g="0" b="0"/>
+      </a:lnRef>
+      <a:fillRef idx="1">
+        <a:scrgbClr r="0" g="0" b="0"/>
+      </a:fillRef>
+      <a:effectRef idx="2">
+        <a:scrgbClr r="0" g="0" b="0"/>
+      </a:effectRef>
+      <a:fontRef idx="minor"/>
+    </dgm:style>
+  </dgm:styleLbl>
+  <dgm:styleLbl name="fgAcc3">
+    <dgm:scene3d>
+      <a:camera prst="orthographicFront"/>
+      <a:lightRig rig="threePt" dir="t"/>
+    </dgm:scene3d>
+    <dgm:sp3d/>
+    <dgm:txPr/>
+    <dgm:style>
+      <a:lnRef idx="1">
+        <a:scrgbClr r="0" g="0" b="0"/>
+      </a:lnRef>
+      <a:fillRef idx="1">
+        <a:scrgbClr r="0" g="0" b="0"/>
+      </a:fillRef>
+      <a:effectRef idx="2">
+        <a:scrgbClr r="0" g="0" b="0"/>
+      </a:effectRef>
+      <a:fontRef idx="minor"/>
+    </dgm:style>
+  </dgm:styleLbl>
+  <dgm:styleLbl name="fgAcc4">
+    <dgm:scene3d>
+      <a:camera prst="orthographicFront"/>
+      <a:lightRig rig="threePt" dir="t"/>
+    </dgm:scene3d>
+    <dgm:sp3d/>
+    <dgm:txPr/>
+    <dgm:style>
+      <a:lnRef idx="1">
+        <a:scrgbClr r="0" g="0" b="0"/>
+      </a:lnRef>
+      <a:fillRef idx="1">
+        <a:scrgbClr r="0" g="0" b="0"/>
+      </a:fillRef>
+      <a:effectRef idx="2">
+        <a:scrgbClr r="0" g="0" b="0"/>
+      </a:effectRef>
+      <a:fontRef idx="minor"/>
+    </dgm:style>
+  </dgm:styleLbl>
+  <dgm:styleLbl name="bgShp">
+    <dgm:scene3d>
+      <a:camera prst="orthographicFront"/>
+      <a:lightRig rig="threePt" dir="t"/>
+    </dgm:scene3d>
+    <dgm:sp3d/>
+    <dgm:txPr/>
+    <dgm:style>
+      <a:lnRef idx="0">
+        <a:scrgbClr r="0" g="0" b="0"/>
+      </a:lnRef>
+      <a:fillRef idx="1">
+        <a:scrgbClr r="0" g="0" b="0"/>
+      </a:fillRef>
+      <a:effectRef idx="2">
+        <a:scrgbClr r="0" g="0" b="0"/>
+      </a:effectRef>
+      <a:fontRef idx="minor"/>
+    </dgm:style>
+  </dgm:styleLbl>
+  <dgm:styleLbl name="dkBgShp">
+    <dgm:scene3d>
+      <a:camera prst="orthographicFront"/>
+      <a:lightRig rig="threePt" dir="t"/>
+    </dgm:scene3d>
+    <dgm:sp3d/>
+    <dgm:txPr/>
+    <dgm:style>
+      <a:lnRef idx="0">
+        <a:scrgbClr r="0" g="0" b="0"/>
+      </a:lnRef>
+      <a:fillRef idx="1">
+        <a:scrgbClr r="0" g="0" b="0"/>
+      </a:fillRef>
+      <a:effectRef idx="3">
+        <a:scrgbClr r="0" g="0" b="0"/>
+      </a:effectRef>
+      <a:fontRef idx="minor"/>
+    </dgm:style>
+  </dgm:styleLbl>
+  <dgm:styleLbl name="trBgShp">
+    <dgm:scene3d>
+      <a:camera prst="orthographicFront"/>
+      <a:lightRig rig="threePt" dir="t"/>
+    </dgm:scene3d>
+    <dgm:sp3d/>
+    <dgm:txPr/>
+    <dgm:style>
+      <a:lnRef idx="0">
+        <a:scrgbClr r="0" g="0" b="0"/>
+      </a:lnRef>
+      <a:fillRef idx="1">
+        <a:scrgbClr r="0" g="0" b="0"/>
+      </a:fillRef>
+      <a:effectRef idx="0">
+        <a:scrgbClr r="0" g="0" b="0"/>
+      </a:effectRef>
+      <a:fontRef idx="minor"/>
+    </dgm:style>
+  </dgm:styleLbl>
+  <dgm:styleLbl name="fgShp">
+    <dgm:scene3d>
+      <a:camera prst="orthographicFront"/>
+      <a:lightRig rig="threePt" dir="t"/>
+    </dgm:scene3d>
+    <dgm:sp3d/>
+    <dgm:txPr/>
+    <dgm:style>
+      <a:lnRef idx="0">
+        <a:scrgbClr r="0" g="0" b="0"/>
+      </a:lnRef>
+      <a:fillRef idx="3">
+        <a:scrgbClr r="0" g="0" b="0"/>
+      </a:fillRef>
+      <a:effectRef idx="3">
+        <a:scrgbClr r="0" g="0" b="0"/>
+      </a:effectRef>
+      <a:fontRef idx="minor"/>
+    </dgm:style>
+  </dgm:styleLbl>
+  <dgm:styleLbl name="revTx">
+    <dgm:scene3d>
+      <a:camera prst="orthographicFront"/>
+      <a:lightRig rig="threePt" dir="t"/>
+    </dgm:scene3d>
+    <dgm:sp3d/>
+    <dgm:txPr/>
+    <dgm:style>
+      <a:lnRef idx="0">
+        <a:scrgbClr r="0" g="0" b="0"/>
+      </a:lnRef>
+      <a:fillRef idx="0">
+        <a:scrgbClr r="0" g="0" b="0"/>
+      </a:fillRef>
+      <a:effectRef idx="0">
+        <a:scrgbClr r="0" g="0" b="0"/>
+      </a:effectRef>
+      <a:fontRef idx="minor"/>
+    </dgm:style>
+  </dgm:styleLbl>
+</dgm:styleDef>
 </file>
 
 <file path=ppt/slideLayouts/slideLayout1.xml><?xml version="1.0" encoding="utf-8"?>
@@ -241,7 +4802,7 @@
           <a:p>
             <a:fld id="{8DCFADB0-1534-4436-A86E-B538C33C538A}" type="datetimeFigureOut">
               <a:rPr lang="fr-FR" smtClean="0"/>
-              <a:t>04/06/2017</a:t>
+              <a:t>10/06/2017</a:t>
             </a:fld>
             <a:endParaRPr lang="fr-FR"/>
           </a:p>
@@ -299,13 +4860,13 @@
   <p:clrMapOvr>
     <a:masterClrMapping/>
   </p:clrMapOvr>
-  <mc:AlternateContent xmlns:mc="http://schemas.openxmlformats.org/markup-compatibility/2006">
-    <mc:Choice xmlns:p14="http://schemas.microsoft.com/office/powerpoint/2010/main" Requires="p14">
+  <mc:AlternateContent xmlns:mc="http://schemas.openxmlformats.org/markup-compatibility/2006" xmlns:p14="http://schemas.microsoft.com/office/powerpoint/2010/main">
+    <mc:Choice Requires="p14">
       <p:transition spd="slow" p14:dur="1200">
         <p14:prism/>
       </p:transition>
     </mc:Choice>
-    <mc:Fallback>
+    <mc:Fallback xmlns="">
       <p:transition spd="slow">
         <p:fade/>
       </p:transition>
@@ -423,7 +4984,7 @@
           <a:p>
             <a:fld id="{8DCFADB0-1534-4436-A86E-B538C33C538A}" type="datetimeFigureOut">
               <a:rPr lang="fr-FR" smtClean="0"/>
-              <a:t>04/06/2017</a:t>
+              <a:t>10/06/2017</a:t>
             </a:fld>
             <a:endParaRPr lang="fr-FR"/>
           </a:p>
@@ -481,13 +5042,13 @@
   <p:clrMapOvr>
     <a:masterClrMapping/>
   </p:clrMapOvr>
-  <mc:AlternateContent xmlns:mc="http://schemas.openxmlformats.org/markup-compatibility/2006">
-    <mc:Choice xmlns:p14="http://schemas.microsoft.com/office/powerpoint/2010/main" Requires="p14">
+  <mc:AlternateContent xmlns:mc="http://schemas.openxmlformats.org/markup-compatibility/2006" xmlns:p14="http://schemas.microsoft.com/office/powerpoint/2010/main">
+    <mc:Choice Requires="p14">
       <p:transition spd="slow" p14:dur="1200">
         <p14:prism/>
       </p:transition>
     </mc:Choice>
-    <mc:Fallback>
+    <mc:Fallback xmlns="">
       <p:transition spd="slow">
         <p:fade/>
       </p:transition>
@@ -615,7 +5176,7 @@
           <a:p>
             <a:fld id="{8DCFADB0-1534-4436-A86E-B538C33C538A}" type="datetimeFigureOut">
               <a:rPr lang="fr-FR" smtClean="0"/>
-              <a:t>04/06/2017</a:t>
+              <a:t>10/06/2017</a:t>
             </a:fld>
             <a:endParaRPr lang="fr-FR"/>
           </a:p>
@@ -673,13 +5234,13 @@
   <p:clrMapOvr>
     <a:masterClrMapping/>
   </p:clrMapOvr>
-  <mc:AlternateContent xmlns:mc="http://schemas.openxmlformats.org/markup-compatibility/2006">
-    <mc:Choice xmlns:p14="http://schemas.microsoft.com/office/powerpoint/2010/main" Requires="p14">
+  <mc:AlternateContent xmlns:mc="http://schemas.openxmlformats.org/markup-compatibility/2006" xmlns:p14="http://schemas.microsoft.com/office/powerpoint/2010/main">
+    <mc:Choice Requires="p14">
       <p:transition spd="slow" p14:dur="1200">
         <p14:prism/>
       </p:transition>
     </mc:Choice>
-    <mc:Fallback>
+    <mc:Fallback xmlns="">
       <p:transition spd="slow">
         <p:fade/>
       </p:transition>
@@ -797,7 +5358,7 @@
           <a:p>
             <a:fld id="{8DCFADB0-1534-4436-A86E-B538C33C538A}" type="datetimeFigureOut">
               <a:rPr lang="fr-FR" smtClean="0"/>
-              <a:t>04/06/2017</a:t>
+              <a:t>10/06/2017</a:t>
             </a:fld>
             <a:endParaRPr lang="fr-FR"/>
           </a:p>
@@ -855,13 +5416,13 @@
   <p:clrMapOvr>
     <a:masterClrMapping/>
   </p:clrMapOvr>
-  <mc:AlternateContent xmlns:mc="http://schemas.openxmlformats.org/markup-compatibility/2006">
-    <mc:Choice xmlns:p14="http://schemas.microsoft.com/office/powerpoint/2010/main" Requires="p14">
+  <mc:AlternateContent xmlns:mc="http://schemas.openxmlformats.org/markup-compatibility/2006" xmlns:p14="http://schemas.microsoft.com/office/powerpoint/2010/main">
+    <mc:Choice Requires="p14">
       <p:transition spd="slow" p14:dur="1200">
         <p14:prism/>
       </p:transition>
     </mc:Choice>
-    <mc:Fallback>
+    <mc:Fallback xmlns="">
       <p:transition spd="slow">
         <p:fade/>
       </p:transition>
@@ -1055,7 +5616,7 @@
           <a:p>
             <a:fld id="{8DCFADB0-1534-4436-A86E-B538C33C538A}" type="datetimeFigureOut">
               <a:rPr lang="fr-FR" smtClean="0"/>
-              <a:t>04/06/2017</a:t>
+              <a:t>10/06/2017</a:t>
             </a:fld>
             <a:endParaRPr lang="fr-FR"/>
           </a:p>
@@ -1113,13 +5674,13 @@
   <p:clrMapOvr>
     <a:masterClrMapping/>
   </p:clrMapOvr>
-  <mc:AlternateContent xmlns:mc="http://schemas.openxmlformats.org/markup-compatibility/2006">
-    <mc:Choice xmlns:p14="http://schemas.microsoft.com/office/powerpoint/2010/main" Requires="p14">
+  <mc:AlternateContent xmlns:mc="http://schemas.openxmlformats.org/markup-compatibility/2006" xmlns:p14="http://schemas.microsoft.com/office/powerpoint/2010/main">
+    <mc:Choice Requires="p14">
       <p:transition spd="slow" p14:dur="1200">
         <p14:prism/>
       </p:transition>
     </mc:Choice>
-    <mc:Fallback>
+    <mc:Fallback xmlns="">
       <p:transition spd="slow">
         <p:fade/>
       </p:transition>
@@ -1299,7 +5860,7 @@
           <a:p>
             <a:fld id="{8DCFADB0-1534-4436-A86E-B538C33C538A}" type="datetimeFigureOut">
               <a:rPr lang="fr-FR" smtClean="0"/>
-              <a:t>04/06/2017</a:t>
+              <a:t>10/06/2017</a:t>
             </a:fld>
             <a:endParaRPr lang="fr-FR"/>
           </a:p>
@@ -1357,13 +5918,13 @@
   <p:clrMapOvr>
     <a:masterClrMapping/>
   </p:clrMapOvr>
-  <mc:AlternateContent xmlns:mc="http://schemas.openxmlformats.org/markup-compatibility/2006">
-    <mc:Choice xmlns:p14="http://schemas.microsoft.com/office/powerpoint/2010/main" Requires="p14">
+  <mc:AlternateContent xmlns:mc="http://schemas.openxmlformats.org/markup-compatibility/2006" xmlns:p14="http://schemas.microsoft.com/office/powerpoint/2010/main">
+    <mc:Choice Requires="p14">
       <p:transition spd="slow" p14:dur="1200">
         <p14:prism/>
       </p:transition>
     </mc:Choice>
-    <mc:Fallback>
+    <mc:Fallback xmlns="">
       <p:transition spd="slow">
         <p:fade/>
       </p:transition>
@@ -1678,7 +6239,7 @@
           <a:p>
             <a:fld id="{8DCFADB0-1534-4436-A86E-B538C33C538A}" type="datetimeFigureOut">
               <a:rPr lang="fr-FR" smtClean="0"/>
-              <a:t>04/06/2017</a:t>
+              <a:t>10/06/2017</a:t>
             </a:fld>
             <a:endParaRPr lang="fr-FR"/>
           </a:p>
@@ -1736,13 +6297,13 @@
   <p:clrMapOvr>
     <a:masterClrMapping/>
   </p:clrMapOvr>
-  <mc:AlternateContent xmlns:mc="http://schemas.openxmlformats.org/markup-compatibility/2006">
-    <mc:Choice xmlns:p14="http://schemas.microsoft.com/office/powerpoint/2010/main" Requires="p14">
+  <mc:AlternateContent xmlns:mc="http://schemas.openxmlformats.org/markup-compatibility/2006" xmlns:p14="http://schemas.microsoft.com/office/powerpoint/2010/main">
+    <mc:Choice Requires="p14">
       <p:transition spd="slow" p14:dur="1200">
         <p14:prism/>
       </p:transition>
     </mc:Choice>
-    <mc:Fallback>
+    <mc:Fallback xmlns="">
       <p:transition spd="slow">
         <p:fade/>
       </p:transition>
@@ -1808,7 +6369,7 @@
           <a:p>
             <a:fld id="{8DCFADB0-1534-4436-A86E-B538C33C538A}" type="datetimeFigureOut">
               <a:rPr lang="fr-FR" smtClean="0"/>
-              <a:t>04/06/2017</a:t>
+              <a:t>10/06/2017</a:t>
             </a:fld>
             <a:endParaRPr lang="fr-FR"/>
           </a:p>
@@ -1866,13 +6427,13 @@
   <p:clrMapOvr>
     <a:masterClrMapping/>
   </p:clrMapOvr>
-  <mc:AlternateContent xmlns:mc="http://schemas.openxmlformats.org/markup-compatibility/2006">
-    <mc:Choice xmlns:p14="http://schemas.microsoft.com/office/powerpoint/2010/main" Requires="p14">
+  <mc:AlternateContent xmlns:mc="http://schemas.openxmlformats.org/markup-compatibility/2006" xmlns:p14="http://schemas.microsoft.com/office/powerpoint/2010/main">
+    <mc:Choice Requires="p14">
       <p:transition spd="slow" p14:dur="1200">
         <p14:prism/>
       </p:transition>
     </mc:Choice>
-    <mc:Fallback>
+    <mc:Fallback xmlns="">
       <p:transition spd="slow">
         <p:fade/>
       </p:transition>
@@ -1915,7 +6476,7 @@
           <a:p>
             <a:fld id="{8DCFADB0-1534-4436-A86E-B538C33C538A}" type="datetimeFigureOut">
               <a:rPr lang="fr-FR" smtClean="0"/>
-              <a:t>04/06/2017</a:t>
+              <a:t>10/06/2017</a:t>
             </a:fld>
             <a:endParaRPr lang="fr-FR"/>
           </a:p>
@@ -1973,13 +6534,13 @@
   <p:clrMapOvr>
     <a:masterClrMapping/>
   </p:clrMapOvr>
-  <mc:AlternateContent xmlns:mc="http://schemas.openxmlformats.org/markup-compatibility/2006">
-    <mc:Choice xmlns:p14="http://schemas.microsoft.com/office/powerpoint/2010/main" Requires="p14">
+  <mc:AlternateContent xmlns:mc="http://schemas.openxmlformats.org/markup-compatibility/2006" xmlns:p14="http://schemas.microsoft.com/office/powerpoint/2010/main">
+    <mc:Choice Requires="p14">
       <p:transition spd="slow" p14:dur="1200">
         <p14:prism/>
       </p:transition>
     </mc:Choice>
-    <mc:Fallback>
+    <mc:Fallback xmlns="">
       <p:transition spd="slow">
         <p:fade/>
       </p:transition>
@@ -2204,7 +6765,7 @@
           <a:p>
             <a:fld id="{8DCFADB0-1534-4436-A86E-B538C33C538A}" type="datetimeFigureOut">
               <a:rPr lang="fr-FR" smtClean="0"/>
-              <a:t>04/06/2017</a:t>
+              <a:t>10/06/2017</a:t>
             </a:fld>
             <a:endParaRPr lang="fr-FR"/>
           </a:p>
@@ -2262,13 +6823,13 @@
   <p:clrMapOvr>
     <a:masterClrMapping/>
   </p:clrMapOvr>
-  <mc:AlternateContent xmlns:mc="http://schemas.openxmlformats.org/markup-compatibility/2006">
-    <mc:Choice xmlns:p14="http://schemas.microsoft.com/office/powerpoint/2010/main" Requires="p14">
+  <mc:AlternateContent xmlns:mc="http://schemas.openxmlformats.org/markup-compatibility/2006" xmlns:p14="http://schemas.microsoft.com/office/powerpoint/2010/main">
+    <mc:Choice Requires="p14">
       <p:transition spd="slow" p14:dur="1200">
         <p14:prism/>
       </p:transition>
     </mc:Choice>
-    <mc:Fallback>
+    <mc:Fallback xmlns="">
       <p:transition spd="slow">
         <p:fade/>
       </p:transition>
@@ -2469,7 +7030,7 @@
           <a:p>
             <a:fld id="{8DCFADB0-1534-4436-A86E-B538C33C538A}" type="datetimeFigureOut">
               <a:rPr lang="fr-FR" smtClean="0"/>
-              <a:t>04/06/2017</a:t>
+              <a:t>10/06/2017</a:t>
             </a:fld>
             <a:endParaRPr lang="fr-FR"/>
           </a:p>
@@ -2527,13 +7088,13 @@
   <p:clrMapOvr>
     <a:masterClrMapping/>
   </p:clrMapOvr>
-  <mc:AlternateContent xmlns:mc="http://schemas.openxmlformats.org/markup-compatibility/2006">
-    <mc:Choice xmlns:p14="http://schemas.microsoft.com/office/powerpoint/2010/main" Requires="p14">
+  <mc:AlternateContent xmlns:mc="http://schemas.openxmlformats.org/markup-compatibility/2006" xmlns:p14="http://schemas.microsoft.com/office/powerpoint/2010/main">
+    <mc:Choice Requires="p14">
       <p:transition spd="slow" p14:dur="1200">
         <p14:prism/>
       </p:transition>
     </mc:Choice>
-    <mc:Fallback>
+    <mc:Fallback xmlns="">
       <p:transition spd="slow">
         <p:fade/>
       </p:transition>
@@ -2694,7 +7255,7 @@
           <a:p>
             <a:fld id="{8DCFADB0-1534-4436-A86E-B538C33C538A}" type="datetimeFigureOut">
               <a:rPr lang="fr-FR" smtClean="0"/>
-              <a:t>04/06/2017</a:t>
+              <a:t>10/06/2017</a:t>
             </a:fld>
             <a:endParaRPr lang="fr-FR"/>
           </a:p>
@@ -2799,13 +7360,13 @@
     <p:sldLayoutId id="2147483658" r:id="rId10"/>
     <p:sldLayoutId id="2147483659" r:id="rId11"/>
   </p:sldLayoutIdLst>
-  <mc:AlternateContent xmlns:mc="http://schemas.openxmlformats.org/markup-compatibility/2006">
-    <mc:Choice xmlns:p14="http://schemas.microsoft.com/office/powerpoint/2010/main" Requires="p14">
+  <mc:AlternateContent xmlns:mc="http://schemas.openxmlformats.org/markup-compatibility/2006" xmlns:p14="http://schemas.microsoft.com/office/powerpoint/2010/main">
+    <mc:Choice Requires="p14">
       <p:transition spd="slow" p14:dur="1200">
         <p14:prism/>
       </p:transition>
     </mc:Choice>
-    <mc:Fallback>
+    <mc:Fallback xmlns="">
       <p:transition spd="slow">
         <p:fade/>
       </p:transition>
@@ -3602,13 +8163,141 @@
   <p:clrMapOvr>
     <a:masterClrMapping/>
   </p:clrMapOvr>
-  <mc:AlternateContent xmlns:mc="http://schemas.openxmlformats.org/markup-compatibility/2006">
-    <mc:Choice xmlns:p14="http://schemas.microsoft.com/office/powerpoint/2010/main" Requires="p14">
+  <mc:AlternateContent xmlns:mc="http://schemas.openxmlformats.org/markup-compatibility/2006" xmlns:p14="http://schemas.microsoft.com/office/powerpoint/2010/main">
+    <mc:Choice Requires="p14">
       <p:transition spd="slow" p14:dur="1200">
         <p14:prism/>
       </p:transition>
     </mc:Choice>
-    <mc:Fallback>
+    <mc:Fallback xmlns="">
+      <p:transition spd="slow">
+        <p:fade/>
+      </p:transition>
+    </mc:Fallback>
+  </mc:AlternateContent>
+  <p:timing>
+    <p:tnLst>
+      <p:par>
+        <p:cTn id="1" dur="indefinite" restart="never" nodeType="tmRoot"/>
+      </p:par>
+    </p:tnLst>
+  </p:timing>
+</p:sld>
+</file>
+
+<file path=ppt/slides/slide10.xml><?xml version="1.0" encoding="utf-8"?>
+<p:sld xmlns:a="http://schemas.openxmlformats.org/drawingml/2006/main" xmlns:r="http://schemas.openxmlformats.org/officeDocument/2006/relationships" xmlns:p="http://schemas.openxmlformats.org/presentationml/2006/main">
+  <p:cSld>
+    <p:spTree>
+      <p:nvGrpSpPr>
+        <p:cNvPr id="1" name=""/>
+        <p:cNvGrpSpPr/>
+        <p:nvPr/>
+      </p:nvGrpSpPr>
+      <p:grpSpPr>
+        <a:xfrm>
+          <a:off x="0" y="0"/>
+          <a:ext cx="0" cy="0"/>
+          <a:chOff x="0" y="0"/>
+          <a:chExt cx="0" cy="0"/>
+        </a:xfrm>
+      </p:grpSpPr>
+      <p:sp>
+        <p:nvSpPr>
+          <p:cNvPr id="2" name="Titre 1"/>
+          <p:cNvSpPr>
+            <a:spLocks noGrp="1"/>
+          </p:cNvSpPr>
+          <p:nvPr>
+            <p:ph type="title"/>
+          </p:nvPr>
+        </p:nvSpPr>
+        <p:spPr/>
+        <p:txBody>
+          <a:bodyPr/>
+          <a:lstStyle/>
+          <a:p>
+            <a:endParaRPr lang="fr-FR"/>
+          </a:p>
+        </p:txBody>
+      </p:sp>
+      <p:sp>
+        <p:nvSpPr>
+          <p:cNvPr id="3" name="Espace réservé du contenu 2"/>
+          <p:cNvSpPr>
+            <a:spLocks noGrp="1"/>
+          </p:cNvSpPr>
+          <p:nvPr>
+            <p:ph idx="1"/>
+          </p:nvPr>
+        </p:nvSpPr>
+        <p:spPr/>
+        <p:txBody>
+          <a:bodyPr/>
+          <a:lstStyle/>
+          <a:p>
+            <a:endParaRPr lang="fr-FR"/>
+          </a:p>
+        </p:txBody>
+      </p:sp>
+      <p:pic>
+        <p:nvPicPr>
+          <p:cNvPr id="2050" name="Picture 2" descr="Image associée"/>
+          <p:cNvPicPr>
+            <a:picLocks noChangeAspect="1" noChangeArrowheads="1"/>
+          </p:cNvPicPr>
+          <p:nvPr/>
+        </p:nvPicPr>
+        <p:blipFill>
+          <a:blip r:embed="rId2">
+            <a:extLst>
+              <a:ext uri="{28A0092B-C50C-407E-A947-70E740481C1C}">
+                <a14:useLocalDpi xmlns:a14="http://schemas.microsoft.com/office/drawing/2010/main" val="0"/>
+              </a:ext>
+            </a:extLst>
+          </a:blip>
+          <a:srcRect/>
+          <a:stretch>
+            <a:fillRect/>
+          </a:stretch>
+        </p:blipFill>
+        <p:spPr bwMode="auto">
+          <a:xfrm>
+            <a:off x="2051050" y="666750"/>
+            <a:ext cx="8572500" cy="5238750"/>
+          </a:xfrm>
+          <a:prstGeom prst="rect">
+            <a:avLst/>
+          </a:prstGeom>
+          <a:noFill/>
+          <a:extLst>
+            <a:ext uri="{909E8E84-426E-40DD-AFC4-6F175D3DCCD1}">
+              <a14:hiddenFill xmlns:a14="http://schemas.microsoft.com/office/drawing/2010/main">
+                <a:solidFill>
+                  <a:srgbClr val="FFFFFF"/>
+                </a:solidFill>
+              </a14:hiddenFill>
+            </a:ext>
+          </a:extLst>
+        </p:spPr>
+      </p:pic>
+    </p:spTree>
+    <p:extLst>
+      <p:ext uri="{BB962C8B-B14F-4D97-AF65-F5344CB8AC3E}">
+        <p14:creationId xmlns:p14="http://schemas.microsoft.com/office/powerpoint/2010/main" val="2702261917"/>
+      </p:ext>
+    </p:extLst>
+  </p:cSld>
+  <p:clrMapOvr>
+    <a:masterClrMapping/>
+  </p:clrMapOvr>
+  <mc:AlternateContent xmlns:mc="http://schemas.openxmlformats.org/markup-compatibility/2006" xmlns:p14="http://schemas.microsoft.com/office/powerpoint/2010/main">
+    <mc:Choice Requires="p14">
+      <p:transition spd="slow" p14:dur="1200">
+        <p14:prism/>
+      </p:transition>
+    </mc:Choice>
+    <mc:Fallback xmlns="">
       <p:transition spd="slow">
         <p:fade/>
       </p:transition>
@@ -3837,7 +8526,7 @@
         </p:nvSpPr>
         <p:spPr>
           <a:xfrm>
-            <a:off x="2464593" y="2637235"/>
+            <a:off x="2455068" y="2637235"/>
             <a:ext cx="928688" cy="862806"/>
           </a:xfrm>
         </p:spPr>
@@ -4448,6 +9137,295 @@
           </a:p>
         </p:txBody>
       </p:sp>
+      <p:sp>
+        <p:nvSpPr>
+          <p:cNvPr id="13" name="Rectangle 12"/>
+          <p:cNvSpPr/>
+          <p:nvPr/>
+        </p:nvSpPr>
+        <p:spPr>
+          <a:xfrm>
+            <a:off x="11658600" y="133350"/>
+            <a:ext cx="371475" cy="371475"/>
+          </a:xfrm>
+          <a:prstGeom prst="rect">
+            <a:avLst/>
+          </a:prstGeom>
+          <a:solidFill>
+            <a:srgbClr val="8EC56A"/>
+          </a:solidFill>
+          <a:ln>
+            <a:noFill/>
+          </a:ln>
+          <a:effectLst>
+            <a:outerShdw blurRad="50800" dist="38100" dir="13500000" algn="br" rotWithShape="0">
+              <a:prstClr val="black">
+                <a:alpha val="40000"/>
+              </a:prstClr>
+            </a:outerShdw>
+          </a:effectLst>
+        </p:spPr>
+        <p:style>
+          <a:lnRef idx="2">
+            <a:schemeClr val="accent1">
+              <a:shade val="50000"/>
+            </a:schemeClr>
+          </a:lnRef>
+          <a:fillRef idx="1">
+            <a:schemeClr val="accent1"/>
+          </a:fillRef>
+          <a:effectRef idx="0">
+            <a:schemeClr val="accent1"/>
+          </a:effectRef>
+          <a:fontRef idx="minor">
+            <a:schemeClr val="lt1"/>
+          </a:fontRef>
+        </p:style>
+        <p:txBody>
+          <a:bodyPr rtlCol="0" anchor="ctr"/>
+          <a:lstStyle/>
+          <a:p>
+            <a:pPr algn="ctr"/>
+            <a:endParaRPr lang="fr-FR" dirty="0"/>
+          </a:p>
+        </p:txBody>
+      </p:sp>
+      <p:sp>
+        <p:nvSpPr>
+          <p:cNvPr id="14" name="Sous-titre 2"/>
+          <p:cNvSpPr txBox="1">
+            <a:spLocks/>
+          </p:cNvSpPr>
+          <p:nvPr/>
+        </p:nvSpPr>
+        <p:spPr>
+          <a:xfrm>
+            <a:off x="723900" y="6284994"/>
+            <a:ext cx="10934700" cy="323686"/>
+          </a:xfrm>
+          <a:prstGeom prst="rect">
+            <a:avLst/>
+          </a:prstGeom>
+        </p:spPr>
+        <p:txBody>
+          <a:bodyPr vert="horz" lIns="91440" tIns="45720" rIns="91440" bIns="45720" rtlCol="0">
+            <a:noAutofit/>
+          </a:bodyPr>
+          <a:lstStyle>
+            <a:lvl1pPr marL="0" indent="0" algn="ctr" defTabSz="914400" rtl="0" eaLnBrk="1" latinLnBrk="0" hangingPunct="1">
+              <a:lnSpc>
+                <a:spcPct val="90000"/>
+              </a:lnSpc>
+              <a:spcBef>
+                <a:spcPts val="1000"/>
+              </a:spcBef>
+              <a:buFont typeface="Arial" panose="020B0604020202020204" pitchFamily="34" charset="0"/>
+              <a:buNone/>
+              <a:defRPr sz="2400" kern="1200">
+                <a:solidFill>
+                  <a:schemeClr val="tx1"/>
+                </a:solidFill>
+                <a:latin typeface="+mn-lt"/>
+                <a:ea typeface="+mn-ea"/>
+                <a:cs typeface="+mn-cs"/>
+              </a:defRPr>
+            </a:lvl1pPr>
+            <a:lvl2pPr marL="457200" indent="0" algn="ctr" defTabSz="914400" rtl="0" eaLnBrk="1" latinLnBrk="0" hangingPunct="1">
+              <a:lnSpc>
+                <a:spcPct val="90000"/>
+              </a:lnSpc>
+              <a:spcBef>
+                <a:spcPts val="500"/>
+              </a:spcBef>
+              <a:buFont typeface="Arial" panose="020B0604020202020204" pitchFamily="34" charset="0"/>
+              <a:buNone/>
+              <a:defRPr sz="2000" kern="1200">
+                <a:solidFill>
+                  <a:schemeClr val="tx1"/>
+                </a:solidFill>
+                <a:latin typeface="+mn-lt"/>
+                <a:ea typeface="+mn-ea"/>
+                <a:cs typeface="+mn-cs"/>
+              </a:defRPr>
+            </a:lvl2pPr>
+            <a:lvl3pPr marL="914400" indent="0" algn="ctr" defTabSz="914400" rtl="0" eaLnBrk="1" latinLnBrk="0" hangingPunct="1">
+              <a:lnSpc>
+                <a:spcPct val="90000"/>
+              </a:lnSpc>
+              <a:spcBef>
+                <a:spcPts val="500"/>
+              </a:spcBef>
+              <a:buFont typeface="Arial" panose="020B0604020202020204" pitchFamily="34" charset="0"/>
+              <a:buNone/>
+              <a:defRPr sz="1800" kern="1200">
+                <a:solidFill>
+                  <a:schemeClr val="tx1"/>
+                </a:solidFill>
+                <a:latin typeface="+mn-lt"/>
+                <a:ea typeface="+mn-ea"/>
+                <a:cs typeface="+mn-cs"/>
+              </a:defRPr>
+            </a:lvl3pPr>
+            <a:lvl4pPr marL="1371600" indent="0" algn="ctr" defTabSz="914400" rtl="0" eaLnBrk="1" latinLnBrk="0" hangingPunct="1">
+              <a:lnSpc>
+                <a:spcPct val="90000"/>
+              </a:lnSpc>
+              <a:spcBef>
+                <a:spcPts val="500"/>
+              </a:spcBef>
+              <a:buFont typeface="Arial" panose="020B0604020202020204" pitchFamily="34" charset="0"/>
+              <a:buNone/>
+              <a:defRPr sz="1600" kern="1200">
+                <a:solidFill>
+                  <a:schemeClr val="tx1"/>
+                </a:solidFill>
+                <a:latin typeface="+mn-lt"/>
+                <a:ea typeface="+mn-ea"/>
+                <a:cs typeface="+mn-cs"/>
+              </a:defRPr>
+            </a:lvl4pPr>
+            <a:lvl5pPr marL="1828800" indent="0" algn="ctr" defTabSz="914400" rtl="0" eaLnBrk="1" latinLnBrk="0" hangingPunct="1">
+              <a:lnSpc>
+                <a:spcPct val="90000"/>
+              </a:lnSpc>
+              <a:spcBef>
+                <a:spcPts val="500"/>
+              </a:spcBef>
+              <a:buFont typeface="Arial" panose="020B0604020202020204" pitchFamily="34" charset="0"/>
+              <a:buNone/>
+              <a:defRPr sz="1600" kern="1200">
+                <a:solidFill>
+                  <a:schemeClr val="tx1"/>
+                </a:solidFill>
+                <a:latin typeface="+mn-lt"/>
+                <a:ea typeface="+mn-ea"/>
+                <a:cs typeface="+mn-cs"/>
+              </a:defRPr>
+            </a:lvl5pPr>
+            <a:lvl6pPr marL="2286000" indent="0" algn="ctr" defTabSz="914400" rtl="0" eaLnBrk="1" latinLnBrk="0" hangingPunct="1">
+              <a:lnSpc>
+                <a:spcPct val="90000"/>
+              </a:lnSpc>
+              <a:spcBef>
+                <a:spcPts val="500"/>
+              </a:spcBef>
+              <a:buFont typeface="Arial" panose="020B0604020202020204" pitchFamily="34" charset="0"/>
+              <a:buNone/>
+              <a:defRPr sz="1600" kern="1200">
+                <a:solidFill>
+                  <a:schemeClr val="tx1"/>
+                </a:solidFill>
+                <a:latin typeface="+mn-lt"/>
+                <a:ea typeface="+mn-ea"/>
+                <a:cs typeface="+mn-cs"/>
+              </a:defRPr>
+            </a:lvl6pPr>
+            <a:lvl7pPr marL="2743200" indent="0" algn="ctr" defTabSz="914400" rtl="0" eaLnBrk="1" latinLnBrk="0" hangingPunct="1">
+              <a:lnSpc>
+                <a:spcPct val="90000"/>
+              </a:lnSpc>
+              <a:spcBef>
+                <a:spcPts val="500"/>
+              </a:spcBef>
+              <a:buFont typeface="Arial" panose="020B0604020202020204" pitchFamily="34" charset="0"/>
+              <a:buNone/>
+              <a:defRPr sz="1600" kern="1200">
+                <a:solidFill>
+                  <a:schemeClr val="tx1"/>
+                </a:solidFill>
+                <a:latin typeface="+mn-lt"/>
+                <a:ea typeface="+mn-ea"/>
+                <a:cs typeface="+mn-cs"/>
+              </a:defRPr>
+            </a:lvl7pPr>
+            <a:lvl8pPr marL="3200400" indent="0" algn="ctr" defTabSz="914400" rtl="0" eaLnBrk="1" latinLnBrk="0" hangingPunct="1">
+              <a:lnSpc>
+                <a:spcPct val="90000"/>
+              </a:lnSpc>
+              <a:spcBef>
+                <a:spcPts val="500"/>
+              </a:spcBef>
+              <a:buFont typeface="Arial" panose="020B0604020202020204" pitchFamily="34" charset="0"/>
+              <a:buNone/>
+              <a:defRPr sz="1600" kern="1200">
+                <a:solidFill>
+                  <a:schemeClr val="tx1"/>
+                </a:solidFill>
+                <a:latin typeface="+mn-lt"/>
+                <a:ea typeface="+mn-ea"/>
+                <a:cs typeface="+mn-cs"/>
+              </a:defRPr>
+            </a:lvl8pPr>
+            <a:lvl9pPr marL="3657600" indent="0" algn="ctr" defTabSz="914400" rtl="0" eaLnBrk="1" latinLnBrk="0" hangingPunct="1">
+              <a:lnSpc>
+                <a:spcPct val="90000"/>
+              </a:lnSpc>
+              <a:spcBef>
+                <a:spcPts val="500"/>
+              </a:spcBef>
+              <a:buFont typeface="Arial" panose="020B0604020202020204" pitchFamily="34" charset="0"/>
+              <a:buNone/>
+              <a:defRPr sz="1600" kern="1200">
+                <a:solidFill>
+                  <a:schemeClr val="tx1"/>
+                </a:solidFill>
+                <a:latin typeface="+mn-lt"/>
+                <a:ea typeface="+mn-ea"/>
+                <a:cs typeface="+mn-cs"/>
+              </a:defRPr>
+            </a:lvl9pPr>
+          </a:lstStyle>
+          <a:p>
+            <a:r>
+              <a:rPr lang="fr-FR" sz="2000" b="1" dirty="0" smtClean="0">
+                <a:solidFill>
+                  <a:schemeClr val="bg1"/>
+                </a:solidFill>
+                <a:latin typeface="Open Sans" panose="020B0606030504020204" pitchFamily="34" charset="0"/>
+                <a:ea typeface="Open Sans" panose="020B0606030504020204" pitchFamily="34" charset="0"/>
+                <a:cs typeface="Open Sans" panose="020B0606030504020204" pitchFamily="34" charset="0"/>
+              </a:rPr>
+              <a:t>PROJET JAVA JEE </a:t>
+            </a:r>
+            <a:r>
+              <a:rPr lang="fr-FR" sz="2000" dirty="0">
+                <a:solidFill>
+                  <a:schemeClr val="bg1">
+                    <a:lumMod val="65000"/>
+                  </a:schemeClr>
+                </a:solidFill>
+                <a:latin typeface="Open Sans" panose="020B0606030504020204" pitchFamily="34" charset="0"/>
+                <a:ea typeface="Open Sans" panose="020B0606030504020204" pitchFamily="34" charset="0"/>
+                <a:cs typeface="Open Sans" panose="020B0606030504020204" pitchFamily="34" charset="0"/>
+              </a:rPr>
+              <a:t>~</a:t>
+            </a:r>
+            <a:r>
+              <a:rPr lang="fr-FR" sz="2000" dirty="0" smtClean="0">
+                <a:solidFill>
+                  <a:schemeClr val="bg1">
+                    <a:lumMod val="65000"/>
+                  </a:schemeClr>
+                </a:solidFill>
+                <a:latin typeface="Open Sans" panose="020B0606030504020204" pitchFamily="34" charset="0"/>
+                <a:ea typeface="Open Sans" panose="020B0606030504020204" pitchFamily="34" charset="0"/>
+                <a:cs typeface="Open Sans" panose="020B0606030504020204" pitchFamily="34" charset="0"/>
+              </a:rPr>
+              <a:t> Application de gestion pour les pré-inscriptions à des UV ~</a:t>
+            </a:r>
+            <a:endParaRPr lang="fr-FR" sz="2000" dirty="0">
+              <a:solidFill>
+                <a:schemeClr val="bg1">
+                  <a:lumMod val="65000"/>
+                </a:schemeClr>
+              </a:solidFill>
+              <a:latin typeface="Open Sans" panose="020B0606030504020204" pitchFamily="34" charset="0"/>
+              <a:ea typeface="Open Sans" panose="020B0606030504020204" pitchFamily="34" charset="0"/>
+              <a:cs typeface="Open Sans" panose="020B0606030504020204" pitchFamily="34" charset="0"/>
+            </a:endParaRPr>
+          </a:p>
+        </p:txBody>
+      </p:sp>
     </p:spTree>
     <p:extLst>
       <p:ext uri="{BB962C8B-B14F-4D97-AF65-F5344CB8AC3E}">
@@ -4458,13 +9436,13 @@
   <p:clrMapOvr>
     <a:masterClrMapping/>
   </p:clrMapOvr>
-  <mc:AlternateContent xmlns:mc="http://schemas.openxmlformats.org/markup-compatibility/2006">
-    <mc:Choice xmlns:p14="http://schemas.microsoft.com/office/powerpoint/2010/main" Requires="p14">
+  <mc:AlternateContent xmlns:mc="http://schemas.openxmlformats.org/markup-compatibility/2006" xmlns:p14="http://schemas.microsoft.com/office/powerpoint/2010/main">
+    <mc:Choice Requires="p14">
       <p:transition spd="slow" p14:dur="1200">
         <p14:prism/>
       </p:transition>
     </mc:Choice>
-    <mc:Fallback>
+    <mc:Fallback xmlns="">
       <p:transition spd="slow">
         <p:fade/>
       </p:transition>
@@ -4537,6 +9515,3456 @@
       </p:sp>
       <p:pic>
         <p:nvPicPr>
+          <p:cNvPr id="1026" name="Picture 2" descr="Résultat de recherche d'images pour &quot;sql wallpaper&quot;"/>
+          <p:cNvPicPr>
+            <a:picLocks noChangeAspect="1" noChangeArrowheads="1"/>
+          </p:cNvPicPr>
+          <p:nvPr/>
+        </p:nvPicPr>
+        <p:blipFill>
+          <a:blip r:embed="rId2">
+            <a:extLst>
+              <a:ext uri="{28A0092B-C50C-407E-A947-70E740481C1C}">
+                <a14:useLocalDpi xmlns:a14="http://schemas.microsoft.com/office/drawing/2010/main" val="0"/>
+              </a:ext>
+            </a:extLst>
+          </a:blip>
+          <a:srcRect/>
+          <a:stretch>
+            <a:fillRect/>
+          </a:stretch>
+        </p:blipFill>
+        <p:spPr bwMode="auto">
+          <a:xfrm>
+            <a:off x="0" y="-483080"/>
+            <a:ext cx="12192000" cy="7581534"/>
+          </a:xfrm>
+          <a:prstGeom prst="rect">
+            <a:avLst/>
+          </a:prstGeom>
+          <a:noFill/>
+          <a:extLst>
+            <a:ext uri="{909E8E84-426E-40DD-AFC4-6F175D3DCCD1}">
+              <a14:hiddenFill xmlns:a14="http://schemas.microsoft.com/office/drawing/2010/main">
+                <a:solidFill>
+                  <a:srgbClr val="FFFFFF"/>
+                </a:solidFill>
+              </a14:hiddenFill>
+            </a:ext>
+          </a:extLst>
+        </p:spPr>
+      </p:pic>
+      <p:sp>
+        <p:nvSpPr>
+          <p:cNvPr id="4" name="Rectangle 3"/>
+          <p:cNvSpPr/>
+          <p:nvPr/>
+        </p:nvSpPr>
+        <p:spPr>
+          <a:xfrm>
+            <a:off x="0" y="-483080"/>
+            <a:ext cx="12192000" cy="7581534"/>
+          </a:xfrm>
+          <a:prstGeom prst="rect">
+            <a:avLst/>
+          </a:prstGeom>
+          <a:solidFill>
+            <a:srgbClr val="22303B">
+              <a:alpha val="80000"/>
+            </a:srgbClr>
+          </a:solidFill>
+        </p:spPr>
+        <p:style>
+          <a:lnRef idx="2">
+            <a:schemeClr val="accent1">
+              <a:shade val="50000"/>
+            </a:schemeClr>
+          </a:lnRef>
+          <a:fillRef idx="1">
+            <a:schemeClr val="accent1"/>
+          </a:fillRef>
+          <a:effectRef idx="0">
+            <a:schemeClr val="accent1"/>
+          </a:effectRef>
+          <a:fontRef idx="minor">
+            <a:schemeClr val="lt1"/>
+          </a:fontRef>
+        </p:style>
+        <p:txBody>
+          <a:bodyPr rtlCol="0" anchor="ctr"/>
+          <a:lstStyle/>
+          <a:p>
+            <a:pPr algn="ctr"/>
+            <a:endParaRPr lang="fr-FR"/>
+          </a:p>
+        </p:txBody>
+      </p:sp>
+      <p:sp>
+        <p:nvSpPr>
+          <p:cNvPr id="7" name="Titre 1"/>
+          <p:cNvSpPr txBox="1">
+            <a:spLocks/>
+          </p:cNvSpPr>
+          <p:nvPr/>
+        </p:nvSpPr>
+        <p:spPr>
+          <a:xfrm>
+            <a:off x="1295400" y="365125"/>
+            <a:ext cx="10058400" cy="1325563"/>
+          </a:xfrm>
+          <a:prstGeom prst="rect">
+            <a:avLst/>
+          </a:prstGeom>
+        </p:spPr>
+        <p:txBody>
+          <a:bodyPr vert="horz" lIns="91440" tIns="45720" rIns="91440" bIns="45720" rtlCol="0" anchor="ctr">
+            <a:normAutofit/>
+          </a:bodyPr>
+          <a:lstStyle>
+            <a:lvl1pPr algn="l" defTabSz="914400" rtl="0" eaLnBrk="1" latinLnBrk="0" hangingPunct="1">
+              <a:lnSpc>
+                <a:spcPct val="90000"/>
+              </a:lnSpc>
+              <a:spcBef>
+                <a:spcPct val="0"/>
+              </a:spcBef>
+              <a:buNone/>
+              <a:defRPr sz="4400" kern="1200">
+                <a:solidFill>
+                  <a:schemeClr val="tx1"/>
+                </a:solidFill>
+                <a:latin typeface="+mj-lt"/>
+                <a:ea typeface="+mj-ea"/>
+                <a:cs typeface="+mj-cs"/>
+              </a:defRPr>
+            </a:lvl1pPr>
+          </a:lstStyle>
+          <a:p>
+            <a:r>
+              <a:rPr lang="fr-FR" b="1" dirty="0" smtClean="0">
+                <a:solidFill>
+                  <a:schemeClr val="bg1"/>
+                </a:solidFill>
+                <a:latin typeface="Open Sans" panose="020B0606030504020204" pitchFamily="34" charset="0"/>
+                <a:ea typeface="Open Sans" panose="020B0606030504020204" pitchFamily="34" charset="0"/>
+                <a:cs typeface="Open Sans" panose="020B0606030504020204" pitchFamily="34" charset="0"/>
+              </a:rPr>
+              <a:t>SQL vs NoSQL</a:t>
+            </a:r>
+            <a:endParaRPr lang="fr-FR" b="1" dirty="0">
+              <a:solidFill>
+                <a:schemeClr val="bg1"/>
+              </a:solidFill>
+              <a:latin typeface="Open Sans" panose="020B0606030504020204" pitchFamily="34" charset="0"/>
+              <a:ea typeface="Open Sans" panose="020B0606030504020204" pitchFamily="34" charset="0"/>
+              <a:cs typeface="Open Sans" panose="020B0606030504020204" pitchFamily="34" charset="0"/>
+            </a:endParaRPr>
+          </a:p>
+        </p:txBody>
+      </p:sp>
+      <p:sp>
+        <p:nvSpPr>
+          <p:cNvPr id="8" name="Rectangle 7"/>
+          <p:cNvSpPr/>
+          <p:nvPr/>
+        </p:nvSpPr>
+        <p:spPr>
+          <a:xfrm>
+            <a:off x="11658600" y="133350"/>
+            <a:ext cx="371475" cy="371475"/>
+          </a:xfrm>
+          <a:prstGeom prst="rect">
+            <a:avLst/>
+          </a:prstGeom>
+          <a:solidFill>
+            <a:srgbClr val="8EC56A"/>
+          </a:solidFill>
+          <a:ln>
+            <a:noFill/>
+          </a:ln>
+          <a:effectLst>
+            <a:outerShdw blurRad="50800" dist="38100" dir="13500000" algn="br" rotWithShape="0">
+              <a:prstClr val="black">
+                <a:alpha val="40000"/>
+              </a:prstClr>
+            </a:outerShdw>
+          </a:effectLst>
+        </p:spPr>
+        <p:style>
+          <a:lnRef idx="2">
+            <a:schemeClr val="accent1">
+              <a:shade val="50000"/>
+            </a:schemeClr>
+          </a:lnRef>
+          <a:fillRef idx="1">
+            <a:schemeClr val="accent1"/>
+          </a:fillRef>
+          <a:effectRef idx="0">
+            <a:schemeClr val="accent1"/>
+          </a:effectRef>
+          <a:fontRef idx="minor">
+            <a:schemeClr val="lt1"/>
+          </a:fontRef>
+        </p:style>
+        <p:txBody>
+          <a:bodyPr rtlCol="0" anchor="ctr"/>
+          <a:lstStyle/>
+          <a:p>
+            <a:pPr algn="ctr"/>
+            <a:endParaRPr lang="fr-FR" dirty="0"/>
+          </a:p>
+        </p:txBody>
+      </p:sp>
+      <p:cxnSp>
+        <p:nvCxnSpPr>
+          <p:cNvPr id="9" name="Connecteur droit 8"/>
+          <p:cNvCxnSpPr/>
+          <p:nvPr/>
+        </p:nvCxnSpPr>
+        <p:spPr>
+          <a:xfrm>
+            <a:off x="981075" y="385763"/>
+            <a:ext cx="0" cy="1276350"/>
+          </a:xfrm>
+          <a:prstGeom prst="line">
+            <a:avLst/>
+          </a:prstGeom>
+          <a:ln w="76200">
+            <a:solidFill>
+              <a:srgbClr val="80BC58"/>
+            </a:solidFill>
+          </a:ln>
+          <a:effectLst>
+            <a:outerShdw blurRad="50800" dist="38100" dir="13500000" algn="br" rotWithShape="0">
+              <a:prstClr val="black">
+                <a:alpha val="40000"/>
+              </a:prstClr>
+            </a:outerShdw>
+          </a:effectLst>
+        </p:spPr>
+        <p:style>
+          <a:lnRef idx="1">
+            <a:schemeClr val="accent1"/>
+          </a:lnRef>
+          <a:fillRef idx="0">
+            <a:schemeClr val="accent1"/>
+          </a:fillRef>
+          <a:effectRef idx="0">
+            <a:schemeClr val="accent1"/>
+          </a:effectRef>
+          <a:fontRef idx="minor">
+            <a:schemeClr val="tx1"/>
+          </a:fontRef>
+        </p:style>
+      </p:cxnSp>
+      <p:sp>
+        <p:nvSpPr>
+          <p:cNvPr id="11" name="Sous-titre 2"/>
+          <p:cNvSpPr txBox="1">
+            <a:spLocks/>
+          </p:cNvSpPr>
+          <p:nvPr/>
+        </p:nvSpPr>
+        <p:spPr>
+          <a:xfrm>
+            <a:off x="723900" y="6284994"/>
+            <a:ext cx="10934700" cy="323686"/>
+          </a:xfrm>
+          <a:prstGeom prst="rect">
+            <a:avLst/>
+          </a:prstGeom>
+        </p:spPr>
+        <p:txBody>
+          <a:bodyPr vert="horz" lIns="91440" tIns="45720" rIns="91440" bIns="45720" rtlCol="0">
+            <a:noAutofit/>
+          </a:bodyPr>
+          <a:lstStyle>
+            <a:lvl1pPr marL="0" indent="0" algn="ctr" defTabSz="914400" rtl="0" eaLnBrk="1" latinLnBrk="0" hangingPunct="1">
+              <a:lnSpc>
+                <a:spcPct val="90000"/>
+              </a:lnSpc>
+              <a:spcBef>
+                <a:spcPts val="1000"/>
+              </a:spcBef>
+              <a:buFont typeface="Arial" panose="020B0604020202020204" pitchFamily="34" charset="0"/>
+              <a:buNone/>
+              <a:defRPr sz="2400" kern="1200">
+                <a:solidFill>
+                  <a:schemeClr val="tx1"/>
+                </a:solidFill>
+                <a:latin typeface="+mn-lt"/>
+                <a:ea typeface="+mn-ea"/>
+                <a:cs typeface="+mn-cs"/>
+              </a:defRPr>
+            </a:lvl1pPr>
+            <a:lvl2pPr marL="457200" indent="0" algn="ctr" defTabSz="914400" rtl="0" eaLnBrk="1" latinLnBrk="0" hangingPunct="1">
+              <a:lnSpc>
+                <a:spcPct val="90000"/>
+              </a:lnSpc>
+              <a:spcBef>
+                <a:spcPts val="500"/>
+              </a:spcBef>
+              <a:buFont typeface="Arial" panose="020B0604020202020204" pitchFamily="34" charset="0"/>
+              <a:buNone/>
+              <a:defRPr sz="2000" kern="1200">
+                <a:solidFill>
+                  <a:schemeClr val="tx1"/>
+                </a:solidFill>
+                <a:latin typeface="+mn-lt"/>
+                <a:ea typeface="+mn-ea"/>
+                <a:cs typeface="+mn-cs"/>
+              </a:defRPr>
+            </a:lvl2pPr>
+            <a:lvl3pPr marL="914400" indent="0" algn="ctr" defTabSz="914400" rtl="0" eaLnBrk="1" latinLnBrk="0" hangingPunct="1">
+              <a:lnSpc>
+                <a:spcPct val="90000"/>
+              </a:lnSpc>
+              <a:spcBef>
+                <a:spcPts val="500"/>
+              </a:spcBef>
+              <a:buFont typeface="Arial" panose="020B0604020202020204" pitchFamily="34" charset="0"/>
+              <a:buNone/>
+              <a:defRPr sz="1800" kern="1200">
+                <a:solidFill>
+                  <a:schemeClr val="tx1"/>
+                </a:solidFill>
+                <a:latin typeface="+mn-lt"/>
+                <a:ea typeface="+mn-ea"/>
+                <a:cs typeface="+mn-cs"/>
+              </a:defRPr>
+            </a:lvl3pPr>
+            <a:lvl4pPr marL="1371600" indent="0" algn="ctr" defTabSz="914400" rtl="0" eaLnBrk="1" latinLnBrk="0" hangingPunct="1">
+              <a:lnSpc>
+                <a:spcPct val="90000"/>
+              </a:lnSpc>
+              <a:spcBef>
+                <a:spcPts val="500"/>
+              </a:spcBef>
+              <a:buFont typeface="Arial" panose="020B0604020202020204" pitchFamily="34" charset="0"/>
+              <a:buNone/>
+              <a:defRPr sz="1600" kern="1200">
+                <a:solidFill>
+                  <a:schemeClr val="tx1"/>
+                </a:solidFill>
+                <a:latin typeface="+mn-lt"/>
+                <a:ea typeface="+mn-ea"/>
+                <a:cs typeface="+mn-cs"/>
+              </a:defRPr>
+            </a:lvl4pPr>
+            <a:lvl5pPr marL="1828800" indent="0" algn="ctr" defTabSz="914400" rtl="0" eaLnBrk="1" latinLnBrk="0" hangingPunct="1">
+              <a:lnSpc>
+                <a:spcPct val="90000"/>
+              </a:lnSpc>
+              <a:spcBef>
+                <a:spcPts val="500"/>
+              </a:spcBef>
+              <a:buFont typeface="Arial" panose="020B0604020202020204" pitchFamily="34" charset="0"/>
+              <a:buNone/>
+              <a:defRPr sz="1600" kern="1200">
+                <a:solidFill>
+                  <a:schemeClr val="tx1"/>
+                </a:solidFill>
+                <a:latin typeface="+mn-lt"/>
+                <a:ea typeface="+mn-ea"/>
+                <a:cs typeface="+mn-cs"/>
+              </a:defRPr>
+            </a:lvl5pPr>
+            <a:lvl6pPr marL="2286000" indent="0" algn="ctr" defTabSz="914400" rtl="0" eaLnBrk="1" latinLnBrk="0" hangingPunct="1">
+              <a:lnSpc>
+                <a:spcPct val="90000"/>
+              </a:lnSpc>
+              <a:spcBef>
+                <a:spcPts val="500"/>
+              </a:spcBef>
+              <a:buFont typeface="Arial" panose="020B0604020202020204" pitchFamily="34" charset="0"/>
+              <a:buNone/>
+              <a:defRPr sz="1600" kern="1200">
+                <a:solidFill>
+                  <a:schemeClr val="tx1"/>
+                </a:solidFill>
+                <a:latin typeface="+mn-lt"/>
+                <a:ea typeface="+mn-ea"/>
+                <a:cs typeface="+mn-cs"/>
+              </a:defRPr>
+            </a:lvl6pPr>
+            <a:lvl7pPr marL="2743200" indent="0" algn="ctr" defTabSz="914400" rtl="0" eaLnBrk="1" latinLnBrk="0" hangingPunct="1">
+              <a:lnSpc>
+                <a:spcPct val="90000"/>
+              </a:lnSpc>
+              <a:spcBef>
+                <a:spcPts val="500"/>
+              </a:spcBef>
+              <a:buFont typeface="Arial" panose="020B0604020202020204" pitchFamily="34" charset="0"/>
+              <a:buNone/>
+              <a:defRPr sz="1600" kern="1200">
+                <a:solidFill>
+                  <a:schemeClr val="tx1"/>
+                </a:solidFill>
+                <a:latin typeface="+mn-lt"/>
+                <a:ea typeface="+mn-ea"/>
+                <a:cs typeface="+mn-cs"/>
+              </a:defRPr>
+            </a:lvl7pPr>
+            <a:lvl8pPr marL="3200400" indent="0" algn="ctr" defTabSz="914400" rtl="0" eaLnBrk="1" latinLnBrk="0" hangingPunct="1">
+              <a:lnSpc>
+                <a:spcPct val="90000"/>
+              </a:lnSpc>
+              <a:spcBef>
+                <a:spcPts val="500"/>
+              </a:spcBef>
+              <a:buFont typeface="Arial" panose="020B0604020202020204" pitchFamily="34" charset="0"/>
+              <a:buNone/>
+              <a:defRPr sz="1600" kern="1200">
+                <a:solidFill>
+                  <a:schemeClr val="tx1"/>
+                </a:solidFill>
+                <a:latin typeface="+mn-lt"/>
+                <a:ea typeface="+mn-ea"/>
+                <a:cs typeface="+mn-cs"/>
+              </a:defRPr>
+            </a:lvl8pPr>
+            <a:lvl9pPr marL="3657600" indent="0" algn="ctr" defTabSz="914400" rtl="0" eaLnBrk="1" latinLnBrk="0" hangingPunct="1">
+              <a:lnSpc>
+                <a:spcPct val="90000"/>
+              </a:lnSpc>
+              <a:spcBef>
+                <a:spcPts val="500"/>
+              </a:spcBef>
+              <a:buFont typeface="Arial" panose="020B0604020202020204" pitchFamily="34" charset="0"/>
+              <a:buNone/>
+              <a:defRPr sz="1600" kern="1200">
+                <a:solidFill>
+                  <a:schemeClr val="tx1"/>
+                </a:solidFill>
+                <a:latin typeface="+mn-lt"/>
+                <a:ea typeface="+mn-ea"/>
+                <a:cs typeface="+mn-cs"/>
+              </a:defRPr>
+            </a:lvl9pPr>
+          </a:lstStyle>
+          <a:p>
+            <a:r>
+              <a:rPr lang="fr-FR" sz="2000" b="1" dirty="0" smtClean="0">
+                <a:solidFill>
+                  <a:schemeClr val="bg1"/>
+                </a:solidFill>
+                <a:latin typeface="Open Sans" panose="020B0606030504020204" pitchFamily="34" charset="0"/>
+                <a:ea typeface="Open Sans" panose="020B0606030504020204" pitchFamily="34" charset="0"/>
+                <a:cs typeface="Open Sans" panose="020B0606030504020204" pitchFamily="34" charset="0"/>
+              </a:rPr>
+              <a:t>PROJET JAVA JEE </a:t>
+            </a:r>
+            <a:r>
+              <a:rPr lang="fr-FR" sz="2000" dirty="0">
+                <a:solidFill>
+                  <a:schemeClr val="bg1">
+                    <a:lumMod val="65000"/>
+                  </a:schemeClr>
+                </a:solidFill>
+                <a:latin typeface="Open Sans" panose="020B0606030504020204" pitchFamily="34" charset="0"/>
+                <a:ea typeface="Open Sans" panose="020B0606030504020204" pitchFamily="34" charset="0"/>
+                <a:cs typeface="Open Sans" panose="020B0606030504020204" pitchFamily="34" charset="0"/>
+              </a:rPr>
+              <a:t>~</a:t>
+            </a:r>
+            <a:r>
+              <a:rPr lang="fr-FR" sz="2000" dirty="0" smtClean="0">
+                <a:solidFill>
+                  <a:schemeClr val="bg1">
+                    <a:lumMod val="65000"/>
+                  </a:schemeClr>
+                </a:solidFill>
+                <a:latin typeface="Open Sans" panose="020B0606030504020204" pitchFamily="34" charset="0"/>
+                <a:ea typeface="Open Sans" panose="020B0606030504020204" pitchFamily="34" charset="0"/>
+                <a:cs typeface="Open Sans" panose="020B0606030504020204" pitchFamily="34" charset="0"/>
+              </a:rPr>
+              <a:t> Application de gestion pour les pré-inscriptions à des UV ~</a:t>
+            </a:r>
+            <a:endParaRPr lang="fr-FR" sz="2000" dirty="0">
+              <a:solidFill>
+                <a:schemeClr val="bg1">
+                  <a:lumMod val="65000"/>
+                </a:schemeClr>
+              </a:solidFill>
+              <a:latin typeface="Open Sans" panose="020B0606030504020204" pitchFamily="34" charset="0"/>
+              <a:ea typeface="Open Sans" panose="020B0606030504020204" pitchFamily="34" charset="0"/>
+              <a:cs typeface="Open Sans" panose="020B0606030504020204" pitchFamily="34" charset="0"/>
+            </a:endParaRPr>
+          </a:p>
+        </p:txBody>
+      </p:sp>
+    </p:spTree>
+    <p:extLst>
+      <p:ext uri="{BB962C8B-B14F-4D97-AF65-F5344CB8AC3E}">
+        <p14:creationId xmlns:p14="http://schemas.microsoft.com/office/powerpoint/2010/main" val="1906212202"/>
+      </p:ext>
+    </p:extLst>
+  </p:cSld>
+  <p:clrMapOvr>
+    <a:masterClrMapping/>
+  </p:clrMapOvr>
+  <mc:AlternateContent xmlns:mc="http://schemas.openxmlformats.org/markup-compatibility/2006" xmlns:p14="http://schemas.microsoft.com/office/powerpoint/2010/main">
+    <mc:Choice Requires="p14">
+      <p:transition spd="slow" p14:dur="1200">
+        <p14:prism/>
+      </p:transition>
+    </mc:Choice>
+    <mc:Fallback xmlns="">
+      <p:transition spd="slow">
+        <p:fade/>
+      </p:transition>
+    </mc:Fallback>
+  </mc:AlternateContent>
+  <p:timing>
+    <p:tnLst>
+      <p:par>
+        <p:cTn id="1" dur="indefinite" restart="never" nodeType="tmRoot"/>
+      </p:par>
+    </p:tnLst>
+  </p:timing>
+</p:sld>
+</file>
+
+<file path=ppt/slides/slide4.xml><?xml version="1.0" encoding="utf-8"?>
+<p:sld xmlns:a="http://schemas.openxmlformats.org/drawingml/2006/main" xmlns:r="http://schemas.openxmlformats.org/officeDocument/2006/relationships" xmlns:p="http://schemas.openxmlformats.org/presentationml/2006/main">
+  <p:cSld>
+    <p:bg>
+      <p:bgPr>
+        <a:solidFill>
+          <a:srgbClr val="22303B"/>
+        </a:solidFill>
+        <a:effectLst/>
+      </p:bgPr>
+    </p:bg>
+    <p:spTree>
+      <p:nvGrpSpPr>
+        <p:cNvPr id="1" name=""/>
+        <p:cNvGrpSpPr/>
+        <p:nvPr/>
+      </p:nvGrpSpPr>
+      <p:grpSpPr>
+        <a:xfrm>
+          <a:off x="0" y="0"/>
+          <a:ext cx="0" cy="0"/>
+          <a:chOff x="0" y="0"/>
+          <a:chExt cx="0" cy="0"/>
+        </a:xfrm>
+      </p:grpSpPr>
+      <p:sp>
+        <p:nvSpPr>
+          <p:cNvPr id="2" name="Titre 1"/>
+          <p:cNvSpPr>
+            <a:spLocks noGrp="1"/>
+          </p:cNvSpPr>
+          <p:nvPr>
+            <p:ph type="title"/>
+          </p:nvPr>
+        </p:nvSpPr>
+        <p:spPr>
+          <a:xfrm>
+            <a:off x="1295400" y="365125"/>
+            <a:ext cx="10058400" cy="1325563"/>
+          </a:xfrm>
+        </p:spPr>
+        <p:txBody>
+          <a:bodyPr/>
+          <a:lstStyle/>
+          <a:p>
+            <a:r>
+              <a:rPr lang="fr-FR" b="1" dirty="0" smtClean="0">
+                <a:solidFill>
+                  <a:schemeClr val="bg1"/>
+                </a:solidFill>
+                <a:latin typeface="Open Sans" panose="020B0606030504020204" pitchFamily="34" charset="0"/>
+                <a:ea typeface="Open Sans" panose="020B0606030504020204" pitchFamily="34" charset="0"/>
+                <a:cs typeface="Open Sans" panose="020B0606030504020204" pitchFamily="34" charset="0"/>
+              </a:rPr>
+              <a:t>Solutions NoSQL</a:t>
+            </a:r>
+            <a:endParaRPr lang="fr-FR" b="1" dirty="0">
+              <a:solidFill>
+                <a:schemeClr val="bg1"/>
+              </a:solidFill>
+              <a:latin typeface="Open Sans" panose="020B0606030504020204" pitchFamily="34" charset="0"/>
+              <a:ea typeface="Open Sans" panose="020B0606030504020204" pitchFamily="34" charset="0"/>
+              <a:cs typeface="Open Sans" panose="020B0606030504020204" pitchFamily="34" charset="0"/>
+            </a:endParaRPr>
+          </a:p>
+        </p:txBody>
+      </p:sp>
+      <p:cxnSp>
+        <p:nvCxnSpPr>
+          <p:cNvPr id="5" name="Connecteur droit 4"/>
+          <p:cNvCxnSpPr/>
+          <p:nvPr/>
+        </p:nvCxnSpPr>
+        <p:spPr>
+          <a:xfrm>
+            <a:off x="981075" y="385763"/>
+            <a:ext cx="0" cy="1276350"/>
+          </a:xfrm>
+          <a:prstGeom prst="line">
+            <a:avLst/>
+          </a:prstGeom>
+          <a:ln w="76200">
+            <a:solidFill>
+              <a:srgbClr val="80BC58"/>
+            </a:solidFill>
+          </a:ln>
+          <a:effectLst>
+            <a:outerShdw blurRad="50800" dist="38100" dir="13500000" algn="br" rotWithShape="0">
+              <a:prstClr val="black">
+                <a:alpha val="40000"/>
+              </a:prstClr>
+            </a:outerShdw>
+          </a:effectLst>
+        </p:spPr>
+        <p:style>
+          <a:lnRef idx="1">
+            <a:schemeClr val="accent1"/>
+          </a:lnRef>
+          <a:fillRef idx="0">
+            <a:schemeClr val="accent1"/>
+          </a:fillRef>
+          <a:effectRef idx="0">
+            <a:schemeClr val="accent1"/>
+          </a:effectRef>
+          <a:fontRef idx="minor">
+            <a:schemeClr val="tx1"/>
+          </a:fontRef>
+        </p:style>
+      </p:cxnSp>
+      <p:sp>
+        <p:nvSpPr>
+          <p:cNvPr id="13" name="Rectangle 12"/>
+          <p:cNvSpPr/>
+          <p:nvPr/>
+        </p:nvSpPr>
+        <p:spPr>
+          <a:xfrm>
+            <a:off x="11658600" y="133350"/>
+            <a:ext cx="371475" cy="371475"/>
+          </a:xfrm>
+          <a:prstGeom prst="rect">
+            <a:avLst/>
+          </a:prstGeom>
+          <a:solidFill>
+            <a:srgbClr val="8EC56A"/>
+          </a:solidFill>
+          <a:ln>
+            <a:noFill/>
+          </a:ln>
+          <a:effectLst>
+            <a:outerShdw blurRad="50800" dist="38100" dir="13500000" algn="br" rotWithShape="0">
+              <a:prstClr val="black">
+                <a:alpha val="40000"/>
+              </a:prstClr>
+            </a:outerShdw>
+          </a:effectLst>
+        </p:spPr>
+        <p:style>
+          <a:lnRef idx="2">
+            <a:schemeClr val="accent1">
+              <a:shade val="50000"/>
+            </a:schemeClr>
+          </a:lnRef>
+          <a:fillRef idx="1">
+            <a:schemeClr val="accent1"/>
+          </a:fillRef>
+          <a:effectRef idx="0">
+            <a:schemeClr val="accent1"/>
+          </a:effectRef>
+          <a:fontRef idx="minor">
+            <a:schemeClr val="lt1"/>
+          </a:fontRef>
+        </p:style>
+        <p:txBody>
+          <a:bodyPr rtlCol="0" anchor="ctr"/>
+          <a:lstStyle/>
+          <a:p>
+            <a:pPr algn="ctr"/>
+            <a:endParaRPr lang="fr-FR" dirty="0"/>
+          </a:p>
+        </p:txBody>
+      </p:sp>
+      <p:sp>
+        <p:nvSpPr>
+          <p:cNvPr id="6" name="Sous-titre 2"/>
+          <p:cNvSpPr txBox="1">
+            <a:spLocks/>
+          </p:cNvSpPr>
+          <p:nvPr/>
+        </p:nvSpPr>
+        <p:spPr>
+          <a:xfrm>
+            <a:off x="723900" y="6284994"/>
+            <a:ext cx="10934700" cy="323686"/>
+          </a:xfrm>
+          <a:prstGeom prst="rect">
+            <a:avLst/>
+          </a:prstGeom>
+        </p:spPr>
+        <p:txBody>
+          <a:bodyPr vert="horz" lIns="91440" tIns="45720" rIns="91440" bIns="45720" rtlCol="0">
+            <a:noAutofit/>
+          </a:bodyPr>
+          <a:lstStyle>
+            <a:lvl1pPr marL="0" indent="0" algn="ctr" defTabSz="914400" rtl="0" eaLnBrk="1" latinLnBrk="0" hangingPunct="1">
+              <a:lnSpc>
+                <a:spcPct val="90000"/>
+              </a:lnSpc>
+              <a:spcBef>
+                <a:spcPts val="1000"/>
+              </a:spcBef>
+              <a:buFont typeface="Arial" panose="020B0604020202020204" pitchFamily="34" charset="0"/>
+              <a:buNone/>
+              <a:defRPr sz="2400" kern="1200">
+                <a:solidFill>
+                  <a:schemeClr val="tx1"/>
+                </a:solidFill>
+                <a:latin typeface="+mn-lt"/>
+                <a:ea typeface="+mn-ea"/>
+                <a:cs typeface="+mn-cs"/>
+              </a:defRPr>
+            </a:lvl1pPr>
+            <a:lvl2pPr marL="457200" indent="0" algn="ctr" defTabSz="914400" rtl="0" eaLnBrk="1" latinLnBrk="0" hangingPunct="1">
+              <a:lnSpc>
+                <a:spcPct val="90000"/>
+              </a:lnSpc>
+              <a:spcBef>
+                <a:spcPts val="500"/>
+              </a:spcBef>
+              <a:buFont typeface="Arial" panose="020B0604020202020204" pitchFamily="34" charset="0"/>
+              <a:buNone/>
+              <a:defRPr sz="2000" kern="1200">
+                <a:solidFill>
+                  <a:schemeClr val="tx1"/>
+                </a:solidFill>
+                <a:latin typeface="+mn-lt"/>
+                <a:ea typeface="+mn-ea"/>
+                <a:cs typeface="+mn-cs"/>
+              </a:defRPr>
+            </a:lvl2pPr>
+            <a:lvl3pPr marL="914400" indent="0" algn="ctr" defTabSz="914400" rtl="0" eaLnBrk="1" latinLnBrk="0" hangingPunct="1">
+              <a:lnSpc>
+                <a:spcPct val="90000"/>
+              </a:lnSpc>
+              <a:spcBef>
+                <a:spcPts val="500"/>
+              </a:spcBef>
+              <a:buFont typeface="Arial" panose="020B0604020202020204" pitchFamily="34" charset="0"/>
+              <a:buNone/>
+              <a:defRPr sz="1800" kern="1200">
+                <a:solidFill>
+                  <a:schemeClr val="tx1"/>
+                </a:solidFill>
+                <a:latin typeface="+mn-lt"/>
+                <a:ea typeface="+mn-ea"/>
+                <a:cs typeface="+mn-cs"/>
+              </a:defRPr>
+            </a:lvl3pPr>
+            <a:lvl4pPr marL="1371600" indent="0" algn="ctr" defTabSz="914400" rtl="0" eaLnBrk="1" latinLnBrk="0" hangingPunct="1">
+              <a:lnSpc>
+                <a:spcPct val="90000"/>
+              </a:lnSpc>
+              <a:spcBef>
+                <a:spcPts val="500"/>
+              </a:spcBef>
+              <a:buFont typeface="Arial" panose="020B0604020202020204" pitchFamily="34" charset="0"/>
+              <a:buNone/>
+              <a:defRPr sz="1600" kern="1200">
+                <a:solidFill>
+                  <a:schemeClr val="tx1"/>
+                </a:solidFill>
+                <a:latin typeface="+mn-lt"/>
+                <a:ea typeface="+mn-ea"/>
+                <a:cs typeface="+mn-cs"/>
+              </a:defRPr>
+            </a:lvl4pPr>
+            <a:lvl5pPr marL="1828800" indent="0" algn="ctr" defTabSz="914400" rtl="0" eaLnBrk="1" latinLnBrk="0" hangingPunct="1">
+              <a:lnSpc>
+                <a:spcPct val="90000"/>
+              </a:lnSpc>
+              <a:spcBef>
+                <a:spcPts val="500"/>
+              </a:spcBef>
+              <a:buFont typeface="Arial" panose="020B0604020202020204" pitchFamily="34" charset="0"/>
+              <a:buNone/>
+              <a:defRPr sz="1600" kern="1200">
+                <a:solidFill>
+                  <a:schemeClr val="tx1"/>
+                </a:solidFill>
+                <a:latin typeface="+mn-lt"/>
+                <a:ea typeface="+mn-ea"/>
+                <a:cs typeface="+mn-cs"/>
+              </a:defRPr>
+            </a:lvl5pPr>
+            <a:lvl6pPr marL="2286000" indent="0" algn="ctr" defTabSz="914400" rtl="0" eaLnBrk="1" latinLnBrk="0" hangingPunct="1">
+              <a:lnSpc>
+                <a:spcPct val="90000"/>
+              </a:lnSpc>
+              <a:spcBef>
+                <a:spcPts val="500"/>
+              </a:spcBef>
+              <a:buFont typeface="Arial" panose="020B0604020202020204" pitchFamily="34" charset="0"/>
+              <a:buNone/>
+              <a:defRPr sz="1600" kern="1200">
+                <a:solidFill>
+                  <a:schemeClr val="tx1"/>
+                </a:solidFill>
+                <a:latin typeface="+mn-lt"/>
+                <a:ea typeface="+mn-ea"/>
+                <a:cs typeface="+mn-cs"/>
+              </a:defRPr>
+            </a:lvl6pPr>
+            <a:lvl7pPr marL="2743200" indent="0" algn="ctr" defTabSz="914400" rtl="0" eaLnBrk="1" latinLnBrk="0" hangingPunct="1">
+              <a:lnSpc>
+                <a:spcPct val="90000"/>
+              </a:lnSpc>
+              <a:spcBef>
+                <a:spcPts val="500"/>
+              </a:spcBef>
+              <a:buFont typeface="Arial" panose="020B0604020202020204" pitchFamily="34" charset="0"/>
+              <a:buNone/>
+              <a:defRPr sz="1600" kern="1200">
+                <a:solidFill>
+                  <a:schemeClr val="tx1"/>
+                </a:solidFill>
+                <a:latin typeface="+mn-lt"/>
+                <a:ea typeface="+mn-ea"/>
+                <a:cs typeface="+mn-cs"/>
+              </a:defRPr>
+            </a:lvl7pPr>
+            <a:lvl8pPr marL="3200400" indent="0" algn="ctr" defTabSz="914400" rtl="0" eaLnBrk="1" latinLnBrk="0" hangingPunct="1">
+              <a:lnSpc>
+                <a:spcPct val="90000"/>
+              </a:lnSpc>
+              <a:spcBef>
+                <a:spcPts val="500"/>
+              </a:spcBef>
+              <a:buFont typeface="Arial" panose="020B0604020202020204" pitchFamily="34" charset="0"/>
+              <a:buNone/>
+              <a:defRPr sz="1600" kern="1200">
+                <a:solidFill>
+                  <a:schemeClr val="tx1"/>
+                </a:solidFill>
+                <a:latin typeface="+mn-lt"/>
+                <a:ea typeface="+mn-ea"/>
+                <a:cs typeface="+mn-cs"/>
+              </a:defRPr>
+            </a:lvl8pPr>
+            <a:lvl9pPr marL="3657600" indent="0" algn="ctr" defTabSz="914400" rtl="0" eaLnBrk="1" latinLnBrk="0" hangingPunct="1">
+              <a:lnSpc>
+                <a:spcPct val="90000"/>
+              </a:lnSpc>
+              <a:spcBef>
+                <a:spcPts val="500"/>
+              </a:spcBef>
+              <a:buFont typeface="Arial" panose="020B0604020202020204" pitchFamily="34" charset="0"/>
+              <a:buNone/>
+              <a:defRPr sz="1600" kern="1200">
+                <a:solidFill>
+                  <a:schemeClr val="tx1"/>
+                </a:solidFill>
+                <a:latin typeface="+mn-lt"/>
+                <a:ea typeface="+mn-ea"/>
+                <a:cs typeface="+mn-cs"/>
+              </a:defRPr>
+            </a:lvl9pPr>
+          </a:lstStyle>
+          <a:p>
+            <a:r>
+              <a:rPr lang="fr-FR" sz="2000" b="1" dirty="0" smtClean="0">
+                <a:solidFill>
+                  <a:schemeClr val="bg1"/>
+                </a:solidFill>
+                <a:latin typeface="Open Sans" panose="020B0606030504020204" pitchFamily="34" charset="0"/>
+                <a:ea typeface="Open Sans" panose="020B0606030504020204" pitchFamily="34" charset="0"/>
+                <a:cs typeface="Open Sans" panose="020B0606030504020204" pitchFamily="34" charset="0"/>
+              </a:rPr>
+              <a:t>PROJET JAVA JEE </a:t>
+            </a:r>
+            <a:r>
+              <a:rPr lang="fr-FR" sz="2000" dirty="0">
+                <a:solidFill>
+                  <a:schemeClr val="bg1">
+                    <a:lumMod val="65000"/>
+                  </a:schemeClr>
+                </a:solidFill>
+                <a:latin typeface="Open Sans" panose="020B0606030504020204" pitchFamily="34" charset="0"/>
+                <a:ea typeface="Open Sans" panose="020B0606030504020204" pitchFamily="34" charset="0"/>
+                <a:cs typeface="Open Sans" panose="020B0606030504020204" pitchFamily="34" charset="0"/>
+              </a:rPr>
+              <a:t>~</a:t>
+            </a:r>
+            <a:r>
+              <a:rPr lang="fr-FR" sz="2000" dirty="0" smtClean="0">
+                <a:solidFill>
+                  <a:schemeClr val="bg1">
+                    <a:lumMod val="65000"/>
+                  </a:schemeClr>
+                </a:solidFill>
+                <a:latin typeface="Open Sans" panose="020B0606030504020204" pitchFamily="34" charset="0"/>
+                <a:ea typeface="Open Sans" panose="020B0606030504020204" pitchFamily="34" charset="0"/>
+                <a:cs typeface="Open Sans" panose="020B0606030504020204" pitchFamily="34" charset="0"/>
+              </a:rPr>
+              <a:t> Application de gestion pour les pré-inscriptions à des UV ~</a:t>
+            </a:r>
+            <a:endParaRPr lang="fr-FR" sz="2000" dirty="0">
+              <a:solidFill>
+                <a:schemeClr val="bg1">
+                  <a:lumMod val="65000"/>
+                </a:schemeClr>
+              </a:solidFill>
+              <a:latin typeface="Open Sans" panose="020B0606030504020204" pitchFamily="34" charset="0"/>
+              <a:ea typeface="Open Sans" panose="020B0606030504020204" pitchFamily="34" charset="0"/>
+              <a:cs typeface="Open Sans" panose="020B0606030504020204" pitchFamily="34" charset="0"/>
+            </a:endParaRPr>
+          </a:p>
+        </p:txBody>
+      </p:sp>
+      <p:sp>
+        <p:nvSpPr>
+          <p:cNvPr id="8" name="Rectangle 7"/>
+          <p:cNvSpPr/>
+          <p:nvPr/>
+        </p:nvSpPr>
+        <p:spPr>
+          <a:xfrm>
+            <a:off x="0" y="2060616"/>
+            <a:ext cx="4362450" cy="1644609"/>
+          </a:xfrm>
+          <a:prstGeom prst="rect">
+            <a:avLst/>
+          </a:prstGeom>
+          <a:solidFill>
+            <a:srgbClr val="80BC58"/>
+          </a:solidFill>
+          <a:ln w="28575">
+            <a:noFill/>
+          </a:ln>
+        </p:spPr>
+        <p:style>
+          <a:lnRef idx="2">
+            <a:schemeClr val="accent1">
+              <a:shade val="50000"/>
+            </a:schemeClr>
+          </a:lnRef>
+          <a:fillRef idx="1">
+            <a:schemeClr val="accent1"/>
+          </a:fillRef>
+          <a:effectRef idx="0">
+            <a:schemeClr val="accent1"/>
+          </a:effectRef>
+          <a:fontRef idx="minor">
+            <a:schemeClr val="lt1"/>
+          </a:fontRef>
+        </p:style>
+        <p:txBody>
+          <a:bodyPr rtlCol="0" anchor="ctr"/>
+          <a:lstStyle/>
+          <a:p>
+            <a:pPr algn="ctr"/>
+            <a:endParaRPr lang="fr-FR"/>
+          </a:p>
+        </p:txBody>
+      </p:sp>
+      <p:sp>
+        <p:nvSpPr>
+          <p:cNvPr id="9" name="Rectangle 8"/>
+          <p:cNvSpPr/>
+          <p:nvPr/>
+        </p:nvSpPr>
+        <p:spPr>
+          <a:xfrm>
+            <a:off x="4543426" y="2060615"/>
+            <a:ext cx="2190750" cy="1644609"/>
+          </a:xfrm>
+          <a:prstGeom prst="rect">
+            <a:avLst/>
+          </a:prstGeom>
+          <a:solidFill>
+            <a:schemeClr val="bg1"/>
+          </a:solidFill>
+          <a:ln w="28575">
+            <a:noFill/>
+          </a:ln>
+        </p:spPr>
+        <p:style>
+          <a:lnRef idx="2">
+            <a:schemeClr val="accent1">
+              <a:shade val="50000"/>
+            </a:schemeClr>
+          </a:lnRef>
+          <a:fillRef idx="1">
+            <a:schemeClr val="accent1"/>
+          </a:fillRef>
+          <a:effectRef idx="0">
+            <a:schemeClr val="accent1"/>
+          </a:effectRef>
+          <a:fontRef idx="minor">
+            <a:schemeClr val="lt1"/>
+          </a:fontRef>
+        </p:style>
+        <p:txBody>
+          <a:bodyPr rtlCol="0" anchor="ctr"/>
+          <a:lstStyle/>
+          <a:p>
+            <a:pPr algn="ctr"/>
+            <a:endParaRPr lang="fr-FR"/>
+          </a:p>
+        </p:txBody>
+      </p:sp>
+      <p:sp>
+        <p:nvSpPr>
+          <p:cNvPr id="10" name="Rectangle 9"/>
+          <p:cNvSpPr/>
+          <p:nvPr/>
+        </p:nvSpPr>
+        <p:spPr>
+          <a:xfrm>
+            <a:off x="6915152" y="2060615"/>
+            <a:ext cx="2190750" cy="1644609"/>
+          </a:xfrm>
+          <a:prstGeom prst="rect">
+            <a:avLst/>
+          </a:prstGeom>
+          <a:solidFill>
+            <a:schemeClr val="bg1"/>
+          </a:solidFill>
+          <a:ln w="28575">
+            <a:noFill/>
+          </a:ln>
+        </p:spPr>
+        <p:style>
+          <a:lnRef idx="2">
+            <a:schemeClr val="accent1">
+              <a:shade val="50000"/>
+            </a:schemeClr>
+          </a:lnRef>
+          <a:fillRef idx="1">
+            <a:schemeClr val="accent1"/>
+          </a:fillRef>
+          <a:effectRef idx="0">
+            <a:schemeClr val="accent1"/>
+          </a:effectRef>
+          <a:fontRef idx="minor">
+            <a:schemeClr val="lt1"/>
+          </a:fontRef>
+        </p:style>
+        <p:txBody>
+          <a:bodyPr rtlCol="0" anchor="ctr"/>
+          <a:lstStyle/>
+          <a:p>
+            <a:pPr algn="ctr"/>
+            <a:endParaRPr lang="fr-FR"/>
+          </a:p>
+        </p:txBody>
+      </p:sp>
+      <p:sp>
+        <p:nvSpPr>
+          <p:cNvPr id="11" name="Rectangle 10"/>
+          <p:cNvSpPr/>
+          <p:nvPr/>
+        </p:nvSpPr>
+        <p:spPr>
+          <a:xfrm>
+            <a:off x="7829550" y="3844945"/>
+            <a:ext cx="4362450" cy="1644609"/>
+          </a:xfrm>
+          <a:prstGeom prst="rect">
+            <a:avLst/>
+          </a:prstGeom>
+          <a:solidFill>
+            <a:srgbClr val="80BC58"/>
+          </a:solidFill>
+          <a:ln w="28575">
+            <a:noFill/>
+          </a:ln>
+        </p:spPr>
+        <p:style>
+          <a:lnRef idx="2">
+            <a:schemeClr val="accent1">
+              <a:shade val="50000"/>
+            </a:schemeClr>
+          </a:lnRef>
+          <a:fillRef idx="1">
+            <a:schemeClr val="accent1"/>
+          </a:fillRef>
+          <a:effectRef idx="0">
+            <a:schemeClr val="accent1"/>
+          </a:effectRef>
+          <a:fontRef idx="minor">
+            <a:schemeClr val="lt1"/>
+          </a:fontRef>
+        </p:style>
+        <p:txBody>
+          <a:bodyPr rtlCol="0" anchor="ctr"/>
+          <a:lstStyle/>
+          <a:p>
+            <a:pPr algn="ctr"/>
+            <a:endParaRPr lang="fr-FR"/>
+          </a:p>
+        </p:txBody>
+      </p:sp>
+      <p:sp>
+        <p:nvSpPr>
+          <p:cNvPr id="16" name="Rectangle 15"/>
+          <p:cNvSpPr/>
+          <p:nvPr/>
+        </p:nvSpPr>
+        <p:spPr>
+          <a:xfrm>
+            <a:off x="3133726" y="3844945"/>
+            <a:ext cx="2190750" cy="1644609"/>
+          </a:xfrm>
+          <a:prstGeom prst="rect">
+            <a:avLst/>
+          </a:prstGeom>
+          <a:solidFill>
+            <a:schemeClr val="bg1"/>
+          </a:solidFill>
+          <a:ln w="28575">
+            <a:noFill/>
+          </a:ln>
+        </p:spPr>
+        <p:style>
+          <a:lnRef idx="2">
+            <a:schemeClr val="accent1">
+              <a:shade val="50000"/>
+            </a:schemeClr>
+          </a:lnRef>
+          <a:fillRef idx="1">
+            <a:schemeClr val="accent1"/>
+          </a:fillRef>
+          <a:effectRef idx="0">
+            <a:schemeClr val="accent1"/>
+          </a:effectRef>
+          <a:fontRef idx="minor">
+            <a:schemeClr val="lt1"/>
+          </a:fontRef>
+        </p:style>
+        <p:txBody>
+          <a:bodyPr rtlCol="0" anchor="ctr"/>
+          <a:lstStyle/>
+          <a:p>
+            <a:pPr algn="ctr"/>
+            <a:endParaRPr lang="fr-FR"/>
+          </a:p>
+        </p:txBody>
+      </p:sp>
+      <p:sp>
+        <p:nvSpPr>
+          <p:cNvPr id="17" name="Rectangle 16"/>
+          <p:cNvSpPr/>
+          <p:nvPr/>
+        </p:nvSpPr>
+        <p:spPr>
+          <a:xfrm>
+            <a:off x="5505452" y="3844945"/>
+            <a:ext cx="2190750" cy="1644609"/>
+          </a:xfrm>
+          <a:prstGeom prst="rect">
+            <a:avLst/>
+          </a:prstGeom>
+          <a:solidFill>
+            <a:schemeClr val="bg1"/>
+          </a:solidFill>
+          <a:ln w="28575">
+            <a:noFill/>
+          </a:ln>
+        </p:spPr>
+        <p:style>
+          <a:lnRef idx="2">
+            <a:schemeClr val="accent1">
+              <a:shade val="50000"/>
+            </a:schemeClr>
+          </a:lnRef>
+          <a:fillRef idx="1">
+            <a:schemeClr val="accent1"/>
+          </a:fillRef>
+          <a:effectRef idx="0">
+            <a:schemeClr val="accent1"/>
+          </a:effectRef>
+          <a:fontRef idx="minor">
+            <a:schemeClr val="lt1"/>
+          </a:fontRef>
+        </p:style>
+        <p:txBody>
+          <a:bodyPr rtlCol="0" anchor="ctr"/>
+          <a:lstStyle/>
+          <a:p>
+            <a:pPr algn="ctr"/>
+            <a:endParaRPr lang="fr-FR"/>
+          </a:p>
+        </p:txBody>
+      </p:sp>
+      <p:sp>
+        <p:nvSpPr>
+          <p:cNvPr id="18" name="Rectangle 17"/>
+          <p:cNvSpPr/>
+          <p:nvPr/>
+        </p:nvSpPr>
+        <p:spPr>
+          <a:xfrm>
+            <a:off x="762000" y="3844945"/>
+            <a:ext cx="2190750" cy="1644609"/>
+          </a:xfrm>
+          <a:prstGeom prst="rect">
+            <a:avLst/>
+          </a:prstGeom>
+          <a:solidFill>
+            <a:schemeClr val="bg1"/>
+          </a:solidFill>
+          <a:ln w="28575">
+            <a:noFill/>
+          </a:ln>
+        </p:spPr>
+        <p:style>
+          <a:lnRef idx="2">
+            <a:schemeClr val="accent1">
+              <a:shade val="50000"/>
+            </a:schemeClr>
+          </a:lnRef>
+          <a:fillRef idx="1">
+            <a:schemeClr val="accent1"/>
+          </a:fillRef>
+          <a:effectRef idx="0">
+            <a:schemeClr val="accent1"/>
+          </a:effectRef>
+          <a:fontRef idx="minor">
+            <a:schemeClr val="lt1"/>
+          </a:fontRef>
+        </p:style>
+        <p:txBody>
+          <a:bodyPr rtlCol="0" anchor="ctr"/>
+          <a:lstStyle/>
+          <a:p>
+            <a:pPr algn="ctr"/>
+            <a:endParaRPr lang="fr-FR"/>
+          </a:p>
+        </p:txBody>
+      </p:sp>
+      <p:sp>
+        <p:nvSpPr>
+          <p:cNvPr id="19" name="Rectangle 18"/>
+          <p:cNvSpPr/>
+          <p:nvPr/>
+        </p:nvSpPr>
+        <p:spPr>
+          <a:xfrm>
+            <a:off x="9286878" y="2060615"/>
+            <a:ext cx="2190750" cy="1644609"/>
+          </a:xfrm>
+          <a:prstGeom prst="rect">
+            <a:avLst/>
+          </a:prstGeom>
+          <a:solidFill>
+            <a:schemeClr val="bg1"/>
+          </a:solidFill>
+          <a:ln w="28575">
+            <a:noFill/>
+          </a:ln>
+        </p:spPr>
+        <p:style>
+          <a:lnRef idx="2">
+            <a:schemeClr val="accent1">
+              <a:shade val="50000"/>
+            </a:schemeClr>
+          </a:lnRef>
+          <a:fillRef idx="1">
+            <a:schemeClr val="accent1"/>
+          </a:fillRef>
+          <a:effectRef idx="0">
+            <a:schemeClr val="accent1"/>
+          </a:effectRef>
+          <a:fontRef idx="minor">
+            <a:schemeClr val="lt1"/>
+          </a:fontRef>
+        </p:style>
+        <p:txBody>
+          <a:bodyPr rtlCol="0" anchor="ctr"/>
+          <a:lstStyle/>
+          <a:p>
+            <a:pPr algn="ctr"/>
+            <a:endParaRPr lang="fr-FR"/>
+          </a:p>
+        </p:txBody>
+      </p:sp>
+      <p:pic>
+        <p:nvPicPr>
+          <p:cNvPr id="3074" name="Picture 2" descr="Résultat de recherche d'images pour &quot;cassandra&quot;"/>
+          <p:cNvPicPr>
+            <a:picLocks noChangeAspect="1" noChangeArrowheads="1"/>
+          </p:cNvPicPr>
+          <p:nvPr/>
+        </p:nvPicPr>
+        <p:blipFill>
+          <a:blip r:embed="rId2" cstate="print">
+            <a:extLst>
+              <a:ext uri="{28A0092B-C50C-407E-A947-70E740481C1C}">
+                <a14:useLocalDpi xmlns:a14="http://schemas.microsoft.com/office/drawing/2010/main" val="0"/>
+              </a:ext>
+            </a:extLst>
+          </a:blip>
+          <a:srcRect/>
+          <a:stretch>
+            <a:fillRect/>
+          </a:stretch>
+        </p:blipFill>
+        <p:spPr bwMode="auto">
+          <a:xfrm>
+            <a:off x="4788554" y="2264244"/>
+            <a:ext cx="1717021" cy="1150941"/>
+          </a:xfrm>
+          <a:prstGeom prst="rect">
+            <a:avLst/>
+          </a:prstGeom>
+          <a:noFill/>
+          <a:extLst>
+            <a:ext uri="{909E8E84-426E-40DD-AFC4-6F175D3DCCD1}">
+              <a14:hiddenFill xmlns:a14="http://schemas.microsoft.com/office/drawing/2010/main">
+                <a:solidFill>
+                  <a:srgbClr val="FFFFFF"/>
+                </a:solidFill>
+              </a14:hiddenFill>
+            </a:ext>
+          </a:extLst>
+        </p:spPr>
+      </p:pic>
+      <p:pic>
+        <p:nvPicPr>
+          <p:cNvPr id="3076" name="Picture 4" descr="Résultat de recherche d'images pour &quot;mongodb&quot;"/>
+          <p:cNvPicPr>
+            <a:picLocks noChangeAspect="1" noChangeArrowheads="1"/>
+          </p:cNvPicPr>
+          <p:nvPr/>
+        </p:nvPicPr>
+        <p:blipFill>
+          <a:blip r:embed="rId3" cstate="print">
+            <a:extLst>
+              <a:ext uri="{28A0092B-C50C-407E-A947-70E740481C1C}">
+                <a14:useLocalDpi xmlns:a14="http://schemas.microsoft.com/office/drawing/2010/main" val="0"/>
+              </a:ext>
+            </a:extLst>
+          </a:blip>
+          <a:srcRect/>
+          <a:stretch>
+            <a:fillRect/>
+          </a:stretch>
+        </p:blipFill>
+        <p:spPr bwMode="auto">
+          <a:xfrm>
+            <a:off x="981075" y="4418501"/>
+            <a:ext cx="1899045" cy="515856"/>
+          </a:xfrm>
+          <a:prstGeom prst="rect">
+            <a:avLst/>
+          </a:prstGeom>
+          <a:noFill/>
+          <a:extLst>
+            <a:ext uri="{909E8E84-426E-40DD-AFC4-6F175D3DCCD1}">
+              <a14:hiddenFill xmlns:a14="http://schemas.microsoft.com/office/drawing/2010/main">
+                <a:solidFill>
+                  <a:srgbClr val="FFFFFF"/>
+                </a:solidFill>
+              </a14:hiddenFill>
+            </a:ext>
+          </a:extLst>
+        </p:spPr>
+      </p:pic>
+      <p:pic>
+        <p:nvPicPr>
+          <p:cNvPr id="3078" name="Picture 6" descr="Résultat de recherche d'images pour &quot;DynamoDB&quot;"/>
+          <p:cNvPicPr>
+            <a:picLocks noChangeAspect="1" noChangeArrowheads="1"/>
+          </p:cNvPicPr>
+          <p:nvPr/>
+        </p:nvPicPr>
+        <p:blipFill rotWithShape="1">
+          <a:blip r:embed="rId4">
+            <a:extLst>
+              <a:ext uri="{28A0092B-C50C-407E-A947-70E740481C1C}">
+                <a14:useLocalDpi xmlns:a14="http://schemas.microsoft.com/office/drawing/2010/main" val="0"/>
+              </a:ext>
+            </a:extLst>
+          </a:blip>
+          <a:srcRect t="14011" b="14143"/>
+          <a:stretch/>
+        </p:blipFill>
+        <p:spPr bwMode="auto">
+          <a:xfrm>
+            <a:off x="3278995" y="3993814"/>
+            <a:ext cx="1900212" cy="1365229"/>
+          </a:xfrm>
+          <a:prstGeom prst="rect">
+            <a:avLst/>
+          </a:prstGeom>
+          <a:noFill/>
+          <a:extLst>
+            <a:ext uri="{909E8E84-426E-40DD-AFC4-6F175D3DCCD1}">
+              <a14:hiddenFill xmlns:a14="http://schemas.microsoft.com/office/drawing/2010/main">
+                <a:solidFill>
+                  <a:srgbClr val="FFFFFF"/>
+                </a:solidFill>
+              </a14:hiddenFill>
+            </a:ext>
+          </a:extLst>
+        </p:spPr>
+      </p:pic>
+      <p:pic>
+        <p:nvPicPr>
+          <p:cNvPr id="3080" name="Picture 8" descr="Résultat de recherche d'images pour &quot;HBase&quot;"/>
+          <p:cNvPicPr>
+            <a:picLocks noChangeAspect="1" noChangeArrowheads="1"/>
+          </p:cNvPicPr>
+          <p:nvPr/>
+        </p:nvPicPr>
+        <p:blipFill>
+          <a:blip r:embed="rId5">
+            <a:extLst>
+              <a:ext uri="{28A0092B-C50C-407E-A947-70E740481C1C}">
+                <a14:useLocalDpi xmlns:a14="http://schemas.microsoft.com/office/drawing/2010/main" val="0"/>
+              </a:ext>
+            </a:extLst>
+          </a:blip>
+          <a:srcRect/>
+          <a:stretch>
+            <a:fillRect/>
+          </a:stretch>
+        </p:blipFill>
+        <p:spPr bwMode="auto">
+          <a:xfrm>
+            <a:off x="5590611" y="4409321"/>
+            <a:ext cx="2020432" cy="515856"/>
+          </a:xfrm>
+          <a:prstGeom prst="rect">
+            <a:avLst/>
+          </a:prstGeom>
+          <a:noFill/>
+          <a:extLst>
+            <a:ext uri="{909E8E84-426E-40DD-AFC4-6F175D3DCCD1}">
+              <a14:hiddenFill xmlns:a14="http://schemas.microsoft.com/office/drawing/2010/main">
+                <a:solidFill>
+                  <a:srgbClr val="FFFFFF"/>
+                </a:solidFill>
+              </a14:hiddenFill>
+            </a:ext>
+          </a:extLst>
+        </p:spPr>
+      </p:pic>
+      <p:pic>
+        <p:nvPicPr>
+          <p:cNvPr id="3082" name="Picture 10" descr="Résultat de recherche d'images pour &quot;oracle nosql&quot;"/>
+          <p:cNvPicPr>
+            <a:picLocks noChangeAspect="1" noChangeArrowheads="1"/>
+          </p:cNvPicPr>
+          <p:nvPr/>
+        </p:nvPicPr>
+        <p:blipFill>
+          <a:blip r:embed="rId6" cstate="print">
+            <a:extLst>
+              <a:ext uri="{28A0092B-C50C-407E-A947-70E740481C1C}">
+                <a14:useLocalDpi xmlns:a14="http://schemas.microsoft.com/office/drawing/2010/main" val="0"/>
+              </a:ext>
+            </a:extLst>
+          </a:blip>
+          <a:srcRect/>
+          <a:stretch>
+            <a:fillRect/>
+          </a:stretch>
+        </p:blipFill>
+        <p:spPr bwMode="auto">
+          <a:xfrm>
+            <a:off x="6915152" y="2443320"/>
+            <a:ext cx="2178317" cy="971865"/>
+          </a:xfrm>
+          <a:prstGeom prst="rect">
+            <a:avLst/>
+          </a:prstGeom>
+          <a:noFill/>
+          <a:extLst>
+            <a:ext uri="{909E8E84-426E-40DD-AFC4-6F175D3DCCD1}">
+              <a14:hiddenFill xmlns:a14="http://schemas.microsoft.com/office/drawing/2010/main">
+                <a:solidFill>
+                  <a:srgbClr val="FFFFFF"/>
+                </a:solidFill>
+              </a14:hiddenFill>
+            </a:ext>
+          </a:extLst>
+        </p:spPr>
+      </p:pic>
+      <p:pic>
+        <p:nvPicPr>
+          <p:cNvPr id="3084" name="Picture 12" descr="Résultat de recherche d'images pour &quot;Neo4j&quot;"/>
+          <p:cNvPicPr>
+            <a:picLocks noChangeAspect="1" noChangeArrowheads="1"/>
+          </p:cNvPicPr>
+          <p:nvPr/>
+        </p:nvPicPr>
+        <p:blipFill>
+          <a:blip r:embed="rId7" cstate="print">
+            <a:extLst>
+              <a:ext uri="{28A0092B-C50C-407E-A947-70E740481C1C}">
+                <a14:useLocalDpi xmlns:a14="http://schemas.microsoft.com/office/drawing/2010/main" val="0"/>
+              </a:ext>
+            </a:extLst>
+          </a:blip>
+          <a:srcRect/>
+          <a:stretch>
+            <a:fillRect/>
+          </a:stretch>
+        </p:blipFill>
+        <p:spPr bwMode="auto">
+          <a:xfrm>
+            <a:off x="9334503" y="2394555"/>
+            <a:ext cx="2018819" cy="1052670"/>
+          </a:xfrm>
+          <a:prstGeom prst="rect">
+            <a:avLst/>
+          </a:prstGeom>
+          <a:noFill/>
+          <a:extLst>
+            <a:ext uri="{909E8E84-426E-40DD-AFC4-6F175D3DCCD1}">
+              <a14:hiddenFill xmlns:a14="http://schemas.microsoft.com/office/drawing/2010/main">
+                <a:solidFill>
+                  <a:srgbClr val="FFFFFF"/>
+                </a:solidFill>
+              </a14:hiddenFill>
+            </a:ext>
+          </a:extLst>
+        </p:spPr>
+      </p:pic>
+    </p:spTree>
+    <p:extLst>
+      <p:ext uri="{BB962C8B-B14F-4D97-AF65-F5344CB8AC3E}">
+        <p14:creationId xmlns:p14="http://schemas.microsoft.com/office/powerpoint/2010/main" val="1256920595"/>
+      </p:ext>
+    </p:extLst>
+  </p:cSld>
+  <p:clrMapOvr>
+    <a:masterClrMapping/>
+  </p:clrMapOvr>
+  <mc:AlternateContent xmlns:mc="http://schemas.openxmlformats.org/markup-compatibility/2006" xmlns:p14="http://schemas.microsoft.com/office/powerpoint/2010/main">
+    <mc:Choice Requires="p14">
+      <p:transition spd="slow" p14:dur="1200">
+        <p14:prism/>
+      </p:transition>
+    </mc:Choice>
+    <mc:Fallback xmlns="">
+      <p:transition spd="slow">
+        <p:fade/>
+      </p:transition>
+    </mc:Fallback>
+  </mc:AlternateContent>
+  <p:timing>
+    <p:tnLst>
+      <p:par>
+        <p:cTn id="1" dur="indefinite" restart="never" nodeType="tmRoot"/>
+      </p:par>
+    </p:tnLst>
+  </p:timing>
+</p:sld>
+</file>
+
+<file path=ppt/slides/slide5.xml><?xml version="1.0" encoding="utf-8"?>
+<p:sld xmlns:a="http://schemas.openxmlformats.org/drawingml/2006/main" xmlns:r="http://schemas.openxmlformats.org/officeDocument/2006/relationships" xmlns:p="http://schemas.openxmlformats.org/presentationml/2006/main">
+  <p:cSld>
+    <p:bg>
+      <p:bgPr>
+        <a:solidFill>
+          <a:srgbClr val="22303B"/>
+        </a:solidFill>
+        <a:effectLst/>
+      </p:bgPr>
+    </p:bg>
+    <p:spTree>
+      <p:nvGrpSpPr>
+        <p:cNvPr id="1" name=""/>
+        <p:cNvGrpSpPr/>
+        <p:nvPr/>
+      </p:nvGrpSpPr>
+      <p:grpSpPr>
+        <a:xfrm>
+          <a:off x="0" y="0"/>
+          <a:ext cx="0" cy="0"/>
+          <a:chOff x="0" y="0"/>
+          <a:chExt cx="0" cy="0"/>
+        </a:xfrm>
+      </p:grpSpPr>
+      <p:sp>
+        <p:nvSpPr>
+          <p:cNvPr id="2" name="Titre 1"/>
+          <p:cNvSpPr>
+            <a:spLocks noGrp="1"/>
+          </p:cNvSpPr>
+          <p:nvPr>
+            <p:ph type="title"/>
+          </p:nvPr>
+        </p:nvSpPr>
+        <p:spPr>
+          <a:xfrm>
+            <a:off x="1295400" y="365125"/>
+            <a:ext cx="10058400" cy="1325563"/>
+          </a:xfrm>
+        </p:spPr>
+        <p:txBody>
+          <a:bodyPr/>
+          <a:lstStyle/>
+          <a:p>
+            <a:r>
+              <a:rPr lang="fr-FR" b="1" dirty="0" smtClean="0">
+                <a:solidFill>
+                  <a:schemeClr val="bg1"/>
+                </a:solidFill>
+                <a:latin typeface="Open Sans" panose="020B0606030504020204" pitchFamily="34" charset="0"/>
+                <a:ea typeface="Open Sans" panose="020B0606030504020204" pitchFamily="34" charset="0"/>
+                <a:cs typeface="Open Sans" panose="020B0606030504020204" pitchFamily="34" charset="0"/>
+              </a:rPr>
+              <a:t>Mise en place</a:t>
+            </a:r>
+            <a:endParaRPr lang="fr-FR" b="1" dirty="0">
+              <a:solidFill>
+                <a:schemeClr val="bg1"/>
+              </a:solidFill>
+              <a:latin typeface="Open Sans" panose="020B0606030504020204" pitchFamily="34" charset="0"/>
+              <a:ea typeface="Open Sans" panose="020B0606030504020204" pitchFamily="34" charset="0"/>
+              <a:cs typeface="Open Sans" panose="020B0606030504020204" pitchFamily="34" charset="0"/>
+            </a:endParaRPr>
+          </a:p>
+        </p:txBody>
+      </p:sp>
+      <p:cxnSp>
+        <p:nvCxnSpPr>
+          <p:cNvPr id="5" name="Connecteur droit 4"/>
+          <p:cNvCxnSpPr/>
+          <p:nvPr/>
+        </p:nvCxnSpPr>
+        <p:spPr>
+          <a:xfrm>
+            <a:off x="981075" y="385763"/>
+            <a:ext cx="0" cy="1276350"/>
+          </a:xfrm>
+          <a:prstGeom prst="line">
+            <a:avLst/>
+          </a:prstGeom>
+          <a:ln w="76200">
+            <a:solidFill>
+              <a:srgbClr val="80BC58"/>
+            </a:solidFill>
+          </a:ln>
+          <a:effectLst>
+            <a:outerShdw blurRad="50800" dist="38100" dir="13500000" algn="br" rotWithShape="0">
+              <a:prstClr val="black">
+                <a:alpha val="40000"/>
+              </a:prstClr>
+            </a:outerShdw>
+          </a:effectLst>
+        </p:spPr>
+        <p:style>
+          <a:lnRef idx="1">
+            <a:schemeClr val="accent1"/>
+          </a:lnRef>
+          <a:fillRef idx="0">
+            <a:schemeClr val="accent1"/>
+          </a:fillRef>
+          <a:effectRef idx="0">
+            <a:schemeClr val="accent1"/>
+          </a:effectRef>
+          <a:fontRef idx="minor">
+            <a:schemeClr val="tx1"/>
+          </a:fontRef>
+        </p:style>
+      </p:cxnSp>
+      <p:sp>
+        <p:nvSpPr>
+          <p:cNvPr id="13" name="Rectangle 12"/>
+          <p:cNvSpPr/>
+          <p:nvPr/>
+        </p:nvSpPr>
+        <p:spPr>
+          <a:xfrm>
+            <a:off x="11658600" y="133350"/>
+            <a:ext cx="371475" cy="371475"/>
+          </a:xfrm>
+          <a:prstGeom prst="rect">
+            <a:avLst/>
+          </a:prstGeom>
+          <a:solidFill>
+            <a:srgbClr val="8EC56A"/>
+          </a:solidFill>
+          <a:ln>
+            <a:noFill/>
+          </a:ln>
+          <a:effectLst>
+            <a:outerShdw blurRad="50800" dist="38100" dir="13500000" algn="br" rotWithShape="0">
+              <a:prstClr val="black">
+                <a:alpha val="40000"/>
+              </a:prstClr>
+            </a:outerShdw>
+          </a:effectLst>
+        </p:spPr>
+        <p:style>
+          <a:lnRef idx="2">
+            <a:schemeClr val="accent1">
+              <a:shade val="50000"/>
+            </a:schemeClr>
+          </a:lnRef>
+          <a:fillRef idx="1">
+            <a:schemeClr val="accent1"/>
+          </a:fillRef>
+          <a:effectRef idx="0">
+            <a:schemeClr val="accent1"/>
+          </a:effectRef>
+          <a:fontRef idx="minor">
+            <a:schemeClr val="lt1"/>
+          </a:fontRef>
+        </p:style>
+        <p:txBody>
+          <a:bodyPr rtlCol="0" anchor="ctr"/>
+          <a:lstStyle/>
+          <a:p>
+            <a:pPr algn="ctr"/>
+            <a:endParaRPr lang="fr-FR" dirty="0"/>
+          </a:p>
+        </p:txBody>
+      </p:sp>
+      <p:sp>
+        <p:nvSpPr>
+          <p:cNvPr id="4" name="Espace réservé du contenu 3"/>
+          <p:cNvSpPr>
+            <a:spLocks noGrp="1"/>
+          </p:cNvSpPr>
+          <p:nvPr>
+            <p:ph idx="1"/>
+          </p:nvPr>
+        </p:nvSpPr>
+        <p:spPr/>
+        <p:txBody>
+          <a:bodyPr/>
+          <a:lstStyle/>
+          <a:p>
+            <a:endParaRPr lang="fr-FR"/>
+          </a:p>
+        </p:txBody>
+      </p:sp>
+      <p:pic>
+        <p:nvPicPr>
+          <p:cNvPr id="15" name="Picture 4" descr="Résultat de recherche d'images pour &quot;nosql&quot;"/>
+          <p:cNvPicPr>
+            <a:picLocks noChangeAspect="1" noChangeArrowheads="1"/>
+          </p:cNvPicPr>
+          <p:nvPr/>
+        </p:nvPicPr>
+        <p:blipFill rotWithShape="1">
+          <a:blip r:embed="rId2">
+            <a:extLst>
+              <a:ext uri="{28A0092B-C50C-407E-A947-70E740481C1C}">
+                <a14:useLocalDpi xmlns:a14="http://schemas.microsoft.com/office/drawing/2010/main" val="0"/>
+              </a:ext>
+            </a:extLst>
+          </a:blip>
+          <a:srcRect l="1315" t="3605" r="1151" b="1714"/>
+          <a:stretch/>
+        </p:blipFill>
+        <p:spPr bwMode="auto">
+          <a:xfrm>
+            <a:off x="4657725" y="2628900"/>
+            <a:ext cx="7534275" cy="2543175"/>
+          </a:xfrm>
+          <a:prstGeom prst="rect">
+            <a:avLst/>
+          </a:prstGeom>
+          <a:noFill/>
+          <a:extLst>
+            <a:ext uri="{909E8E84-426E-40DD-AFC4-6F175D3DCCD1}">
+              <a14:hiddenFill xmlns:a14="http://schemas.microsoft.com/office/drawing/2010/main">
+                <a:solidFill>
+                  <a:srgbClr val="FFFFFF"/>
+                </a:solidFill>
+              </a14:hiddenFill>
+            </a:ext>
+          </a:extLst>
+        </p:spPr>
+      </p:pic>
+      <p:sp>
+        <p:nvSpPr>
+          <p:cNvPr id="22" name="Sous-titre 2"/>
+          <p:cNvSpPr txBox="1">
+            <a:spLocks/>
+          </p:cNvSpPr>
+          <p:nvPr/>
+        </p:nvSpPr>
+        <p:spPr>
+          <a:xfrm>
+            <a:off x="723900" y="6284994"/>
+            <a:ext cx="10934700" cy="323686"/>
+          </a:xfrm>
+          <a:prstGeom prst="rect">
+            <a:avLst/>
+          </a:prstGeom>
+        </p:spPr>
+        <p:txBody>
+          <a:bodyPr vert="horz" lIns="91440" tIns="45720" rIns="91440" bIns="45720" rtlCol="0">
+            <a:noAutofit/>
+          </a:bodyPr>
+          <a:lstStyle>
+            <a:lvl1pPr marL="0" indent="0" algn="ctr" defTabSz="914400" rtl="0" eaLnBrk="1" latinLnBrk="0" hangingPunct="1">
+              <a:lnSpc>
+                <a:spcPct val="90000"/>
+              </a:lnSpc>
+              <a:spcBef>
+                <a:spcPts val="1000"/>
+              </a:spcBef>
+              <a:buFont typeface="Arial" panose="020B0604020202020204" pitchFamily="34" charset="0"/>
+              <a:buNone/>
+              <a:defRPr sz="2400" kern="1200">
+                <a:solidFill>
+                  <a:schemeClr val="tx1"/>
+                </a:solidFill>
+                <a:latin typeface="+mn-lt"/>
+                <a:ea typeface="+mn-ea"/>
+                <a:cs typeface="+mn-cs"/>
+              </a:defRPr>
+            </a:lvl1pPr>
+            <a:lvl2pPr marL="457200" indent="0" algn="ctr" defTabSz="914400" rtl="0" eaLnBrk="1" latinLnBrk="0" hangingPunct="1">
+              <a:lnSpc>
+                <a:spcPct val="90000"/>
+              </a:lnSpc>
+              <a:spcBef>
+                <a:spcPts val="500"/>
+              </a:spcBef>
+              <a:buFont typeface="Arial" panose="020B0604020202020204" pitchFamily="34" charset="0"/>
+              <a:buNone/>
+              <a:defRPr sz="2000" kern="1200">
+                <a:solidFill>
+                  <a:schemeClr val="tx1"/>
+                </a:solidFill>
+                <a:latin typeface="+mn-lt"/>
+                <a:ea typeface="+mn-ea"/>
+                <a:cs typeface="+mn-cs"/>
+              </a:defRPr>
+            </a:lvl2pPr>
+            <a:lvl3pPr marL="914400" indent="0" algn="ctr" defTabSz="914400" rtl="0" eaLnBrk="1" latinLnBrk="0" hangingPunct="1">
+              <a:lnSpc>
+                <a:spcPct val="90000"/>
+              </a:lnSpc>
+              <a:spcBef>
+                <a:spcPts val="500"/>
+              </a:spcBef>
+              <a:buFont typeface="Arial" panose="020B0604020202020204" pitchFamily="34" charset="0"/>
+              <a:buNone/>
+              <a:defRPr sz="1800" kern="1200">
+                <a:solidFill>
+                  <a:schemeClr val="tx1"/>
+                </a:solidFill>
+                <a:latin typeface="+mn-lt"/>
+                <a:ea typeface="+mn-ea"/>
+                <a:cs typeface="+mn-cs"/>
+              </a:defRPr>
+            </a:lvl3pPr>
+            <a:lvl4pPr marL="1371600" indent="0" algn="ctr" defTabSz="914400" rtl="0" eaLnBrk="1" latinLnBrk="0" hangingPunct="1">
+              <a:lnSpc>
+                <a:spcPct val="90000"/>
+              </a:lnSpc>
+              <a:spcBef>
+                <a:spcPts val="500"/>
+              </a:spcBef>
+              <a:buFont typeface="Arial" panose="020B0604020202020204" pitchFamily="34" charset="0"/>
+              <a:buNone/>
+              <a:defRPr sz="1600" kern="1200">
+                <a:solidFill>
+                  <a:schemeClr val="tx1"/>
+                </a:solidFill>
+                <a:latin typeface="+mn-lt"/>
+                <a:ea typeface="+mn-ea"/>
+                <a:cs typeface="+mn-cs"/>
+              </a:defRPr>
+            </a:lvl4pPr>
+            <a:lvl5pPr marL="1828800" indent="0" algn="ctr" defTabSz="914400" rtl="0" eaLnBrk="1" latinLnBrk="0" hangingPunct="1">
+              <a:lnSpc>
+                <a:spcPct val="90000"/>
+              </a:lnSpc>
+              <a:spcBef>
+                <a:spcPts val="500"/>
+              </a:spcBef>
+              <a:buFont typeface="Arial" panose="020B0604020202020204" pitchFamily="34" charset="0"/>
+              <a:buNone/>
+              <a:defRPr sz="1600" kern="1200">
+                <a:solidFill>
+                  <a:schemeClr val="tx1"/>
+                </a:solidFill>
+                <a:latin typeface="+mn-lt"/>
+                <a:ea typeface="+mn-ea"/>
+                <a:cs typeface="+mn-cs"/>
+              </a:defRPr>
+            </a:lvl5pPr>
+            <a:lvl6pPr marL="2286000" indent="0" algn="ctr" defTabSz="914400" rtl="0" eaLnBrk="1" latinLnBrk="0" hangingPunct="1">
+              <a:lnSpc>
+                <a:spcPct val="90000"/>
+              </a:lnSpc>
+              <a:spcBef>
+                <a:spcPts val="500"/>
+              </a:spcBef>
+              <a:buFont typeface="Arial" panose="020B0604020202020204" pitchFamily="34" charset="0"/>
+              <a:buNone/>
+              <a:defRPr sz="1600" kern="1200">
+                <a:solidFill>
+                  <a:schemeClr val="tx1"/>
+                </a:solidFill>
+                <a:latin typeface="+mn-lt"/>
+                <a:ea typeface="+mn-ea"/>
+                <a:cs typeface="+mn-cs"/>
+              </a:defRPr>
+            </a:lvl6pPr>
+            <a:lvl7pPr marL="2743200" indent="0" algn="ctr" defTabSz="914400" rtl="0" eaLnBrk="1" latinLnBrk="0" hangingPunct="1">
+              <a:lnSpc>
+                <a:spcPct val="90000"/>
+              </a:lnSpc>
+              <a:spcBef>
+                <a:spcPts val="500"/>
+              </a:spcBef>
+              <a:buFont typeface="Arial" panose="020B0604020202020204" pitchFamily="34" charset="0"/>
+              <a:buNone/>
+              <a:defRPr sz="1600" kern="1200">
+                <a:solidFill>
+                  <a:schemeClr val="tx1"/>
+                </a:solidFill>
+                <a:latin typeface="+mn-lt"/>
+                <a:ea typeface="+mn-ea"/>
+                <a:cs typeface="+mn-cs"/>
+              </a:defRPr>
+            </a:lvl7pPr>
+            <a:lvl8pPr marL="3200400" indent="0" algn="ctr" defTabSz="914400" rtl="0" eaLnBrk="1" latinLnBrk="0" hangingPunct="1">
+              <a:lnSpc>
+                <a:spcPct val="90000"/>
+              </a:lnSpc>
+              <a:spcBef>
+                <a:spcPts val="500"/>
+              </a:spcBef>
+              <a:buFont typeface="Arial" panose="020B0604020202020204" pitchFamily="34" charset="0"/>
+              <a:buNone/>
+              <a:defRPr sz="1600" kern="1200">
+                <a:solidFill>
+                  <a:schemeClr val="tx1"/>
+                </a:solidFill>
+                <a:latin typeface="+mn-lt"/>
+                <a:ea typeface="+mn-ea"/>
+                <a:cs typeface="+mn-cs"/>
+              </a:defRPr>
+            </a:lvl8pPr>
+            <a:lvl9pPr marL="3657600" indent="0" algn="ctr" defTabSz="914400" rtl="0" eaLnBrk="1" latinLnBrk="0" hangingPunct="1">
+              <a:lnSpc>
+                <a:spcPct val="90000"/>
+              </a:lnSpc>
+              <a:spcBef>
+                <a:spcPts val="500"/>
+              </a:spcBef>
+              <a:buFont typeface="Arial" panose="020B0604020202020204" pitchFamily="34" charset="0"/>
+              <a:buNone/>
+              <a:defRPr sz="1600" kern="1200">
+                <a:solidFill>
+                  <a:schemeClr val="tx1"/>
+                </a:solidFill>
+                <a:latin typeface="+mn-lt"/>
+                <a:ea typeface="+mn-ea"/>
+                <a:cs typeface="+mn-cs"/>
+              </a:defRPr>
+            </a:lvl9pPr>
+          </a:lstStyle>
+          <a:p>
+            <a:r>
+              <a:rPr lang="fr-FR" sz="2000" b="1" dirty="0" smtClean="0">
+                <a:solidFill>
+                  <a:schemeClr val="bg1"/>
+                </a:solidFill>
+                <a:latin typeface="Open Sans" panose="020B0606030504020204" pitchFamily="34" charset="0"/>
+                <a:ea typeface="Open Sans" panose="020B0606030504020204" pitchFamily="34" charset="0"/>
+                <a:cs typeface="Open Sans" panose="020B0606030504020204" pitchFamily="34" charset="0"/>
+              </a:rPr>
+              <a:t>PROJET JAVA JEE </a:t>
+            </a:r>
+            <a:r>
+              <a:rPr lang="fr-FR" sz="2000" dirty="0">
+                <a:solidFill>
+                  <a:schemeClr val="bg1">
+                    <a:lumMod val="65000"/>
+                  </a:schemeClr>
+                </a:solidFill>
+                <a:latin typeface="Open Sans" panose="020B0606030504020204" pitchFamily="34" charset="0"/>
+                <a:ea typeface="Open Sans" panose="020B0606030504020204" pitchFamily="34" charset="0"/>
+                <a:cs typeface="Open Sans" panose="020B0606030504020204" pitchFamily="34" charset="0"/>
+              </a:rPr>
+              <a:t>~</a:t>
+            </a:r>
+            <a:r>
+              <a:rPr lang="fr-FR" sz="2000" dirty="0" smtClean="0">
+                <a:solidFill>
+                  <a:schemeClr val="bg1">
+                    <a:lumMod val="65000"/>
+                  </a:schemeClr>
+                </a:solidFill>
+                <a:latin typeface="Open Sans" panose="020B0606030504020204" pitchFamily="34" charset="0"/>
+                <a:ea typeface="Open Sans" panose="020B0606030504020204" pitchFamily="34" charset="0"/>
+                <a:cs typeface="Open Sans" panose="020B0606030504020204" pitchFamily="34" charset="0"/>
+              </a:rPr>
+              <a:t> Application de gestion pour les pré-inscriptions à des UV ~</a:t>
+            </a:r>
+            <a:endParaRPr lang="fr-FR" sz="2000" dirty="0">
+              <a:solidFill>
+                <a:schemeClr val="bg1">
+                  <a:lumMod val="65000"/>
+                </a:schemeClr>
+              </a:solidFill>
+              <a:latin typeface="Open Sans" panose="020B0606030504020204" pitchFamily="34" charset="0"/>
+              <a:ea typeface="Open Sans" panose="020B0606030504020204" pitchFamily="34" charset="0"/>
+              <a:cs typeface="Open Sans" panose="020B0606030504020204" pitchFamily="34" charset="0"/>
+            </a:endParaRPr>
+          </a:p>
+        </p:txBody>
+      </p:sp>
+    </p:spTree>
+    <p:extLst>
+      <p:ext uri="{BB962C8B-B14F-4D97-AF65-F5344CB8AC3E}">
+        <p14:creationId xmlns:p14="http://schemas.microsoft.com/office/powerpoint/2010/main" val="3356235453"/>
+      </p:ext>
+    </p:extLst>
+  </p:cSld>
+  <p:clrMapOvr>
+    <a:masterClrMapping/>
+  </p:clrMapOvr>
+  <mc:AlternateContent xmlns:mc="http://schemas.openxmlformats.org/markup-compatibility/2006" xmlns:p14="http://schemas.microsoft.com/office/powerpoint/2010/main">
+    <mc:Choice Requires="p14">
+      <p:transition spd="slow" p14:dur="1200">
+        <p14:prism/>
+      </p:transition>
+    </mc:Choice>
+    <mc:Fallback xmlns="">
+      <p:transition spd="slow">
+        <p:fade/>
+      </p:transition>
+    </mc:Fallback>
+  </mc:AlternateContent>
+  <p:timing>
+    <p:tnLst>
+      <p:par>
+        <p:cTn id="1" dur="indefinite" restart="never" nodeType="tmRoot"/>
+      </p:par>
+    </p:tnLst>
+  </p:timing>
+</p:sld>
+</file>
+
+<file path=ppt/slides/slide6.xml><?xml version="1.0" encoding="utf-8"?>
+<p:sld xmlns:a="http://schemas.openxmlformats.org/drawingml/2006/main" xmlns:r="http://schemas.openxmlformats.org/officeDocument/2006/relationships" xmlns:p="http://schemas.openxmlformats.org/presentationml/2006/main">
+  <p:cSld>
+    <p:bg>
+      <p:bgPr>
+        <a:solidFill>
+          <a:srgbClr val="22303B"/>
+        </a:solidFill>
+        <a:effectLst/>
+      </p:bgPr>
+    </p:bg>
+    <p:spTree>
+      <p:nvGrpSpPr>
+        <p:cNvPr id="1" name=""/>
+        <p:cNvGrpSpPr/>
+        <p:nvPr/>
+      </p:nvGrpSpPr>
+      <p:grpSpPr>
+        <a:xfrm>
+          <a:off x="0" y="0"/>
+          <a:ext cx="0" cy="0"/>
+          <a:chOff x="0" y="0"/>
+          <a:chExt cx="0" cy="0"/>
+        </a:xfrm>
+      </p:grpSpPr>
+      <p:sp>
+        <p:nvSpPr>
+          <p:cNvPr id="2" name="Titre 1"/>
+          <p:cNvSpPr>
+            <a:spLocks noGrp="1"/>
+          </p:cNvSpPr>
+          <p:nvPr>
+            <p:ph type="title"/>
+          </p:nvPr>
+        </p:nvSpPr>
+        <p:spPr>
+          <a:xfrm>
+            <a:off x="1295400" y="365125"/>
+            <a:ext cx="10058400" cy="1325563"/>
+          </a:xfrm>
+        </p:spPr>
+        <p:txBody>
+          <a:bodyPr/>
+          <a:lstStyle/>
+          <a:p>
+            <a:r>
+              <a:rPr lang="fr-FR" b="1" dirty="0" smtClean="0">
+                <a:solidFill>
+                  <a:schemeClr val="bg1"/>
+                </a:solidFill>
+                <a:latin typeface="Open Sans" panose="020B0606030504020204" pitchFamily="34" charset="0"/>
+                <a:ea typeface="Open Sans" panose="020B0606030504020204" pitchFamily="34" charset="0"/>
+                <a:cs typeface="Open Sans" panose="020B0606030504020204" pitchFamily="34" charset="0"/>
+              </a:rPr>
+              <a:t>Système de collections</a:t>
+            </a:r>
+            <a:endParaRPr lang="fr-FR" b="1" dirty="0">
+              <a:solidFill>
+                <a:schemeClr val="bg1"/>
+              </a:solidFill>
+              <a:latin typeface="Open Sans" panose="020B0606030504020204" pitchFamily="34" charset="0"/>
+              <a:ea typeface="Open Sans" panose="020B0606030504020204" pitchFamily="34" charset="0"/>
+              <a:cs typeface="Open Sans" panose="020B0606030504020204" pitchFamily="34" charset="0"/>
+            </a:endParaRPr>
+          </a:p>
+        </p:txBody>
+      </p:sp>
+      <p:cxnSp>
+        <p:nvCxnSpPr>
+          <p:cNvPr id="5" name="Connecteur droit 4"/>
+          <p:cNvCxnSpPr/>
+          <p:nvPr/>
+        </p:nvCxnSpPr>
+        <p:spPr>
+          <a:xfrm>
+            <a:off x="981075" y="385763"/>
+            <a:ext cx="0" cy="1276350"/>
+          </a:xfrm>
+          <a:prstGeom prst="line">
+            <a:avLst/>
+          </a:prstGeom>
+          <a:ln w="76200">
+            <a:solidFill>
+              <a:srgbClr val="80BC58"/>
+            </a:solidFill>
+          </a:ln>
+          <a:effectLst>
+            <a:outerShdw blurRad="50800" dist="38100" dir="13500000" algn="br" rotWithShape="0">
+              <a:prstClr val="black">
+                <a:alpha val="40000"/>
+              </a:prstClr>
+            </a:outerShdw>
+          </a:effectLst>
+        </p:spPr>
+        <p:style>
+          <a:lnRef idx="1">
+            <a:schemeClr val="accent1"/>
+          </a:lnRef>
+          <a:fillRef idx="0">
+            <a:schemeClr val="accent1"/>
+          </a:fillRef>
+          <a:effectRef idx="0">
+            <a:schemeClr val="accent1"/>
+          </a:effectRef>
+          <a:fontRef idx="minor">
+            <a:schemeClr val="tx1"/>
+          </a:fontRef>
+        </p:style>
+      </p:cxnSp>
+      <p:sp>
+        <p:nvSpPr>
+          <p:cNvPr id="13" name="Rectangle 12"/>
+          <p:cNvSpPr/>
+          <p:nvPr/>
+        </p:nvSpPr>
+        <p:spPr>
+          <a:xfrm>
+            <a:off x="11658600" y="133350"/>
+            <a:ext cx="371475" cy="371475"/>
+          </a:xfrm>
+          <a:prstGeom prst="rect">
+            <a:avLst/>
+          </a:prstGeom>
+          <a:solidFill>
+            <a:srgbClr val="8EC56A"/>
+          </a:solidFill>
+          <a:ln>
+            <a:noFill/>
+          </a:ln>
+          <a:effectLst>
+            <a:outerShdw blurRad="50800" dist="38100" dir="13500000" algn="br" rotWithShape="0">
+              <a:prstClr val="black">
+                <a:alpha val="40000"/>
+              </a:prstClr>
+            </a:outerShdw>
+          </a:effectLst>
+        </p:spPr>
+        <p:style>
+          <a:lnRef idx="2">
+            <a:schemeClr val="accent1">
+              <a:shade val="50000"/>
+            </a:schemeClr>
+          </a:lnRef>
+          <a:fillRef idx="1">
+            <a:schemeClr val="accent1"/>
+          </a:fillRef>
+          <a:effectRef idx="0">
+            <a:schemeClr val="accent1"/>
+          </a:effectRef>
+          <a:fontRef idx="minor">
+            <a:schemeClr val="lt1"/>
+          </a:fontRef>
+        </p:style>
+        <p:txBody>
+          <a:bodyPr rtlCol="0" anchor="ctr"/>
+          <a:lstStyle/>
+          <a:p>
+            <a:pPr algn="ctr"/>
+            <a:endParaRPr lang="fr-FR" dirty="0"/>
+          </a:p>
+        </p:txBody>
+      </p:sp>
+      <p:graphicFrame>
+        <p:nvGraphicFramePr>
+          <p:cNvPr id="3" name="Espace réservé du contenu 2"/>
+          <p:cNvGraphicFramePr>
+            <a:graphicFrameLocks noGrp="1"/>
+          </p:cNvGraphicFramePr>
+          <p:nvPr>
+            <p:ph idx="1"/>
+            <p:extLst>
+              <p:ext uri="{D42A27DB-BD31-4B8C-83A1-F6EECF244321}">
+                <p14:modId xmlns:p14="http://schemas.microsoft.com/office/powerpoint/2010/main" val="2204484366"/>
+              </p:ext>
+            </p:extLst>
+          </p:nvPr>
+        </p:nvGraphicFramePr>
+        <p:xfrm>
+          <a:off x="838200" y="1625600"/>
+          <a:ext cx="10515600" cy="4351338"/>
+        </p:xfrm>
+        <a:graphic>
+          <a:graphicData uri="http://schemas.openxmlformats.org/drawingml/2006/diagram">
+            <dgm:relIds xmlns:dgm="http://schemas.openxmlformats.org/drawingml/2006/diagram" xmlns:r="http://schemas.openxmlformats.org/officeDocument/2006/relationships" r:dm="rId2" r:lo="rId3" r:qs="rId4" r:cs="rId5"/>
+          </a:graphicData>
+        </a:graphic>
+      </p:graphicFrame>
+      <p:sp>
+        <p:nvSpPr>
+          <p:cNvPr id="7" name="Sous-titre 2"/>
+          <p:cNvSpPr txBox="1">
+            <a:spLocks/>
+          </p:cNvSpPr>
+          <p:nvPr/>
+        </p:nvSpPr>
+        <p:spPr>
+          <a:xfrm>
+            <a:off x="723900" y="6284994"/>
+            <a:ext cx="10934700" cy="323686"/>
+          </a:xfrm>
+          <a:prstGeom prst="rect">
+            <a:avLst/>
+          </a:prstGeom>
+        </p:spPr>
+        <p:txBody>
+          <a:bodyPr vert="horz" lIns="91440" tIns="45720" rIns="91440" bIns="45720" rtlCol="0">
+            <a:noAutofit/>
+          </a:bodyPr>
+          <a:lstStyle>
+            <a:lvl1pPr marL="0" indent="0" algn="ctr" defTabSz="914400" rtl="0" eaLnBrk="1" latinLnBrk="0" hangingPunct="1">
+              <a:lnSpc>
+                <a:spcPct val="90000"/>
+              </a:lnSpc>
+              <a:spcBef>
+                <a:spcPts val="1000"/>
+              </a:spcBef>
+              <a:buFont typeface="Arial" panose="020B0604020202020204" pitchFamily="34" charset="0"/>
+              <a:buNone/>
+              <a:defRPr sz="2400" kern="1200">
+                <a:solidFill>
+                  <a:schemeClr val="tx1"/>
+                </a:solidFill>
+                <a:latin typeface="+mn-lt"/>
+                <a:ea typeface="+mn-ea"/>
+                <a:cs typeface="+mn-cs"/>
+              </a:defRPr>
+            </a:lvl1pPr>
+            <a:lvl2pPr marL="457200" indent="0" algn="ctr" defTabSz="914400" rtl="0" eaLnBrk="1" latinLnBrk="0" hangingPunct="1">
+              <a:lnSpc>
+                <a:spcPct val="90000"/>
+              </a:lnSpc>
+              <a:spcBef>
+                <a:spcPts val="500"/>
+              </a:spcBef>
+              <a:buFont typeface="Arial" panose="020B0604020202020204" pitchFamily="34" charset="0"/>
+              <a:buNone/>
+              <a:defRPr sz="2000" kern="1200">
+                <a:solidFill>
+                  <a:schemeClr val="tx1"/>
+                </a:solidFill>
+                <a:latin typeface="+mn-lt"/>
+                <a:ea typeface="+mn-ea"/>
+                <a:cs typeface="+mn-cs"/>
+              </a:defRPr>
+            </a:lvl2pPr>
+            <a:lvl3pPr marL="914400" indent="0" algn="ctr" defTabSz="914400" rtl="0" eaLnBrk="1" latinLnBrk="0" hangingPunct="1">
+              <a:lnSpc>
+                <a:spcPct val="90000"/>
+              </a:lnSpc>
+              <a:spcBef>
+                <a:spcPts val="500"/>
+              </a:spcBef>
+              <a:buFont typeface="Arial" panose="020B0604020202020204" pitchFamily="34" charset="0"/>
+              <a:buNone/>
+              <a:defRPr sz="1800" kern="1200">
+                <a:solidFill>
+                  <a:schemeClr val="tx1"/>
+                </a:solidFill>
+                <a:latin typeface="+mn-lt"/>
+                <a:ea typeface="+mn-ea"/>
+                <a:cs typeface="+mn-cs"/>
+              </a:defRPr>
+            </a:lvl3pPr>
+            <a:lvl4pPr marL="1371600" indent="0" algn="ctr" defTabSz="914400" rtl="0" eaLnBrk="1" latinLnBrk="0" hangingPunct="1">
+              <a:lnSpc>
+                <a:spcPct val="90000"/>
+              </a:lnSpc>
+              <a:spcBef>
+                <a:spcPts val="500"/>
+              </a:spcBef>
+              <a:buFont typeface="Arial" panose="020B0604020202020204" pitchFamily="34" charset="0"/>
+              <a:buNone/>
+              <a:defRPr sz="1600" kern="1200">
+                <a:solidFill>
+                  <a:schemeClr val="tx1"/>
+                </a:solidFill>
+                <a:latin typeface="+mn-lt"/>
+                <a:ea typeface="+mn-ea"/>
+                <a:cs typeface="+mn-cs"/>
+              </a:defRPr>
+            </a:lvl4pPr>
+            <a:lvl5pPr marL="1828800" indent="0" algn="ctr" defTabSz="914400" rtl="0" eaLnBrk="1" latinLnBrk="0" hangingPunct="1">
+              <a:lnSpc>
+                <a:spcPct val="90000"/>
+              </a:lnSpc>
+              <a:spcBef>
+                <a:spcPts val="500"/>
+              </a:spcBef>
+              <a:buFont typeface="Arial" panose="020B0604020202020204" pitchFamily="34" charset="0"/>
+              <a:buNone/>
+              <a:defRPr sz="1600" kern="1200">
+                <a:solidFill>
+                  <a:schemeClr val="tx1"/>
+                </a:solidFill>
+                <a:latin typeface="+mn-lt"/>
+                <a:ea typeface="+mn-ea"/>
+                <a:cs typeface="+mn-cs"/>
+              </a:defRPr>
+            </a:lvl5pPr>
+            <a:lvl6pPr marL="2286000" indent="0" algn="ctr" defTabSz="914400" rtl="0" eaLnBrk="1" latinLnBrk="0" hangingPunct="1">
+              <a:lnSpc>
+                <a:spcPct val="90000"/>
+              </a:lnSpc>
+              <a:spcBef>
+                <a:spcPts val="500"/>
+              </a:spcBef>
+              <a:buFont typeface="Arial" panose="020B0604020202020204" pitchFamily="34" charset="0"/>
+              <a:buNone/>
+              <a:defRPr sz="1600" kern="1200">
+                <a:solidFill>
+                  <a:schemeClr val="tx1"/>
+                </a:solidFill>
+                <a:latin typeface="+mn-lt"/>
+                <a:ea typeface="+mn-ea"/>
+                <a:cs typeface="+mn-cs"/>
+              </a:defRPr>
+            </a:lvl6pPr>
+            <a:lvl7pPr marL="2743200" indent="0" algn="ctr" defTabSz="914400" rtl="0" eaLnBrk="1" latinLnBrk="0" hangingPunct="1">
+              <a:lnSpc>
+                <a:spcPct val="90000"/>
+              </a:lnSpc>
+              <a:spcBef>
+                <a:spcPts val="500"/>
+              </a:spcBef>
+              <a:buFont typeface="Arial" panose="020B0604020202020204" pitchFamily="34" charset="0"/>
+              <a:buNone/>
+              <a:defRPr sz="1600" kern="1200">
+                <a:solidFill>
+                  <a:schemeClr val="tx1"/>
+                </a:solidFill>
+                <a:latin typeface="+mn-lt"/>
+                <a:ea typeface="+mn-ea"/>
+                <a:cs typeface="+mn-cs"/>
+              </a:defRPr>
+            </a:lvl7pPr>
+            <a:lvl8pPr marL="3200400" indent="0" algn="ctr" defTabSz="914400" rtl="0" eaLnBrk="1" latinLnBrk="0" hangingPunct="1">
+              <a:lnSpc>
+                <a:spcPct val="90000"/>
+              </a:lnSpc>
+              <a:spcBef>
+                <a:spcPts val="500"/>
+              </a:spcBef>
+              <a:buFont typeface="Arial" panose="020B0604020202020204" pitchFamily="34" charset="0"/>
+              <a:buNone/>
+              <a:defRPr sz="1600" kern="1200">
+                <a:solidFill>
+                  <a:schemeClr val="tx1"/>
+                </a:solidFill>
+                <a:latin typeface="+mn-lt"/>
+                <a:ea typeface="+mn-ea"/>
+                <a:cs typeface="+mn-cs"/>
+              </a:defRPr>
+            </a:lvl8pPr>
+            <a:lvl9pPr marL="3657600" indent="0" algn="ctr" defTabSz="914400" rtl="0" eaLnBrk="1" latinLnBrk="0" hangingPunct="1">
+              <a:lnSpc>
+                <a:spcPct val="90000"/>
+              </a:lnSpc>
+              <a:spcBef>
+                <a:spcPts val="500"/>
+              </a:spcBef>
+              <a:buFont typeface="Arial" panose="020B0604020202020204" pitchFamily="34" charset="0"/>
+              <a:buNone/>
+              <a:defRPr sz="1600" kern="1200">
+                <a:solidFill>
+                  <a:schemeClr val="tx1"/>
+                </a:solidFill>
+                <a:latin typeface="+mn-lt"/>
+                <a:ea typeface="+mn-ea"/>
+                <a:cs typeface="+mn-cs"/>
+              </a:defRPr>
+            </a:lvl9pPr>
+          </a:lstStyle>
+          <a:p>
+            <a:r>
+              <a:rPr lang="fr-FR" sz="2000" b="1" dirty="0" smtClean="0">
+                <a:solidFill>
+                  <a:schemeClr val="bg1"/>
+                </a:solidFill>
+                <a:latin typeface="Open Sans" panose="020B0606030504020204" pitchFamily="34" charset="0"/>
+                <a:ea typeface="Open Sans" panose="020B0606030504020204" pitchFamily="34" charset="0"/>
+                <a:cs typeface="Open Sans" panose="020B0606030504020204" pitchFamily="34" charset="0"/>
+              </a:rPr>
+              <a:t>PROJET JAVA JEE </a:t>
+            </a:r>
+            <a:r>
+              <a:rPr lang="fr-FR" sz="2000" dirty="0">
+                <a:solidFill>
+                  <a:schemeClr val="bg1">
+                    <a:lumMod val="65000"/>
+                  </a:schemeClr>
+                </a:solidFill>
+                <a:latin typeface="Open Sans" panose="020B0606030504020204" pitchFamily="34" charset="0"/>
+                <a:ea typeface="Open Sans" panose="020B0606030504020204" pitchFamily="34" charset="0"/>
+                <a:cs typeface="Open Sans" panose="020B0606030504020204" pitchFamily="34" charset="0"/>
+              </a:rPr>
+              <a:t>~</a:t>
+            </a:r>
+            <a:r>
+              <a:rPr lang="fr-FR" sz="2000" dirty="0" smtClean="0">
+                <a:solidFill>
+                  <a:schemeClr val="bg1">
+                    <a:lumMod val="65000"/>
+                  </a:schemeClr>
+                </a:solidFill>
+                <a:latin typeface="Open Sans" panose="020B0606030504020204" pitchFamily="34" charset="0"/>
+                <a:ea typeface="Open Sans" panose="020B0606030504020204" pitchFamily="34" charset="0"/>
+                <a:cs typeface="Open Sans" panose="020B0606030504020204" pitchFamily="34" charset="0"/>
+              </a:rPr>
+              <a:t> Application de gestion pour les pré-inscriptions à des UV ~</a:t>
+            </a:r>
+            <a:endParaRPr lang="fr-FR" sz="2000" dirty="0">
+              <a:solidFill>
+                <a:schemeClr val="bg1">
+                  <a:lumMod val="65000"/>
+                </a:schemeClr>
+              </a:solidFill>
+              <a:latin typeface="Open Sans" panose="020B0606030504020204" pitchFamily="34" charset="0"/>
+              <a:ea typeface="Open Sans" panose="020B0606030504020204" pitchFamily="34" charset="0"/>
+              <a:cs typeface="Open Sans" panose="020B0606030504020204" pitchFamily="34" charset="0"/>
+            </a:endParaRPr>
+          </a:p>
+        </p:txBody>
+      </p:sp>
+    </p:spTree>
+    <p:extLst>
+      <p:ext uri="{BB962C8B-B14F-4D97-AF65-F5344CB8AC3E}">
+        <p14:creationId xmlns:p14="http://schemas.microsoft.com/office/powerpoint/2010/main" val="1794015903"/>
+      </p:ext>
+    </p:extLst>
+  </p:cSld>
+  <p:clrMapOvr>
+    <a:masterClrMapping/>
+  </p:clrMapOvr>
+  <mc:AlternateContent xmlns:mc="http://schemas.openxmlformats.org/markup-compatibility/2006" xmlns:p14="http://schemas.microsoft.com/office/powerpoint/2010/main">
+    <mc:Choice Requires="p14">
+      <p:transition spd="slow" p14:dur="1200">
+        <p14:prism/>
+      </p:transition>
+    </mc:Choice>
+    <mc:Fallback xmlns="">
+      <p:transition spd="slow">
+        <p:fade/>
+      </p:transition>
+    </mc:Fallback>
+  </mc:AlternateContent>
+  <p:timing>
+    <p:tnLst>
+      <p:par>
+        <p:cTn id="1" dur="indefinite" restart="never" nodeType="tmRoot"/>
+      </p:par>
+    </p:tnLst>
+  </p:timing>
+</p:sld>
+</file>
+
+<file path=ppt/slides/slide7.xml><?xml version="1.0" encoding="utf-8"?>
+<p:sld xmlns:a="http://schemas.openxmlformats.org/drawingml/2006/main" xmlns:r="http://schemas.openxmlformats.org/officeDocument/2006/relationships" xmlns:p="http://schemas.openxmlformats.org/presentationml/2006/main">
+  <p:cSld>
+    <p:bg>
+      <p:bgPr>
+        <a:solidFill>
+          <a:srgbClr val="22303B"/>
+        </a:solidFill>
+        <a:effectLst/>
+      </p:bgPr>
+    </p:bg>
+    <p:spTree>
+      <p:nvGrpSpPr>
+        <p:cNvPr id="1" name=""/>
+        <p:cNvGrpSpPr/>
+        <p:nvPr/>
+      </p:nvGrpSpPr>
+      <p:grpSpPr>
+        <a:xfrm>
+          <a:off x="0" y="0"/>
+          <a:ext cx="0" cy="0"/>
+          <a:chOff x="0" y="0"/>
+          <a:chExt cx="0" cy="0"/>
+        </a:xfrm>
+      </p:grpSpPr>
+      <p:sp>
+        <p:nvSpPr>
+          <p:cNvPr id="2" name="Titre 1"/>
+          <p:cNvSpPr>
+            <a:spLocks noGrp="1"/>
+          </p:cNvSpPr>
+          <p:nvPr>
+            <p:ph type="title"/>
+          </p:nvPr>
+        </p:nvSpPr>
+        <p:spPr>
+          <a:xfrm>
+            <a:off x="1295400" y="365125"/>
+            <a:ext cx="10058400" cy="1325563"/>
+          </a:xfrm>
+        </p:spPr>
+        <p:txBody>
+          <a:bodyPr/>
+          <a:lstStyle/>
+          <a:p>
+            <a:r>
+              <a:rPr lang="fr-FR" b="1" dirty="0" smtClean="0">
+                <a:solidFill>
+                  <a:schemeClr val="bg1"/>
+                </a:solidFill>
+                <a:latin typeface="Open Sans" panose="020B0606030504020204" pitchFamily="34" charset="0"/>
+                <a:ea typeface="Open Sans" panose="020B0606030504020204" pitchFamily="34" charset="0"/>
+                <a:cs typeface="Open Sans" panose="020B0606030504020204" pitchFamily="34" charset="0"/>
+              </a:rPr>
+              <a:t>Difficultés liées</a:t>
+            </a:r>
+            <a:endParaRPr lang="fr-FR" b="1" dirty="0">
+              <a:solidFill>
+                <a:schemeClr val="bg1"/>
+              </a:solidFill>
+              <a:latin typeface="Open Sans" panose="020B0606030504020204" pitchFamily="34" charset="0"/>
+              <a:ea typeface="Open Sans" panose="020B0606030504020204" pitchFamily="34" charset="0"/>
+              <a:cs typeface="Open Sans" panose="020B0606030504020204" pitchFamily="34" charset="0"/>
+            </a:endParaRPr>
+          </a:p>
+        </p:txBody>
+      </p:sp>
+      <p:cxnSp>
+        <p:nvCxnSpPr>
+          <p:cNvPr id="5" name="Connecteur droit 4"/>
+          <p:cNvCxnSpPr/>
+          <p:nvPr/>
+        </p:nvCxnSpPr>
+        <p:spPr>
+          <a:xfrm>
+            <a:off x="981075" y="385763"/>
+            <a:ext cx="0" cy="1276350"/>
+          </a:xfrm>
+          <a:prstGeom prst="line">
+            <a:avLst/>
+          </a:prstGeom>
+          <a:ln w="76200">
+            <a:solidFill>
+              <a:srgbClr val="80BC58"/>
+            </a:solidFill>
+          </a:ln>
+          <a:effectLst>
+            <a:outerShdw blurRad="50800" dist="38100" dir="13500000" algn="br" rotWithShape="0">
+              <a:prstClr val="black">
+                <a:alpha val="40000"/>
+              </a:prstClr>
+            </a:outerShdw>
+          </a:effectLst>
+        </p:spPr>
+        <p:style>
+          <a:lnRef idx="1">
+            <a:schemeClr val="accent1"/>
+          </a:lnRef>
+          <a:fillRef idx="0">
+            <a:schemeClr val="accent1"/>
+          </a:fillRef>
+          <a:effectRef idx="0">
+            <a:schemeClr val="accent1"/>
+          </a:effectRef>
+          <a:fontRef idx="minor">
+            <a:schemeClr val="tx1"/>
+          </a:fontRef>
+        </p:style>
+      </p:cxnSp>
+      <p:sp>
+        <p:nvSpPr>
+          <p:cNvPr id="13" name="Rectangle 12"/>
+          <p:cNvSpPr/>
+          <p:nvPr/>
+        </p:nvSpPr>
+        <p:spPr>
+          <a:xfrm>
+            <a:off x="11658600" y="133350"/>
+            <a:ext cx="371475" cy="371475"/>
+          </a:xfrm>
+          <a:prstGeom prst="rect">
+            <a:avLst/>
+          </a:prstGeom>
+          <a:solidFill>
+            <a:srgbClr val="8EC56A"/>
+          </a:solidFill>
+          <a:ln>
+            <a:noFill/>
+          </a:ln>
+          <a:effectLst>
+            <a:outerShdw blurRad="50800" dist="38100" dir="13500000" algn="br" rotWithShape="0">
+              <a:prstClr val="black">
+                <a:alpha val="40000"/>
+              </a:prstClr>
+            </a:outerShdw>
+          </a:effectLst>
+        </p:spPr>
+        <p:style>
+          <a:lnRef idx="2">
+            <a:schemeClr val="accent1">
+              <a:shade val="50000"/>
+            </a:schemeClr>
+          </a:lnRef>
+          <a:fillRef idx="1">
+            <a:schemeClr val="accent1"/>
+          </a:fillRef>
+          <a:effectRef idx="0">
+            <a:schemeClr val="accent1"/>
+          </a:effectRef>
+          <a:fontRef idx="minor">
+            <a:schemeClr val="lt1"/>
+          </a:fontRef>
+        </p:style>
+        <p:txBody>
+          <a:bodyPr rtlCol="0" anchor="ctr"/>
+          <a:lstStyle/>
+          <a:p>
+            <a:pPr algn="ctr"/>
+            <a:endParaRPr lang="fr-FR" dirty="0"/>
+          </a:p>
+        </p:txBody>
+      </p:sp>
+      <p:sp>
+        <p:nvSpPr>
+          <p:cNvPr id="4" name="Espace réservé du contenu 3"/>
+          <p:cNvSpPr>
+            <a:spLocks noGrp="1"/>
+          </p:cNvSpPr>
+          <p:nvPr>
+            <p:ph idx="1"/>
+          </p:nvPr>
+        </p:nvSpPr>
+        <p:spPr/>
+        <p:txBody>
+          <a:bodyPr/>
+          <a:lstStyle/>
+          <a:p>
+            <a:endParaRPr lang="fr-FR"/>
+          </a:p>
+        </p:txBody>
+      </p:sp>
+      <p:sp>
+        <p:nvSpPr>
+          <p:cNvPr id="6" name="Sous-titre 2"/>
+          <p:cNvSpPr txBox="1">
+            <a:spLocks/>
+          </p:cNvSpPr>
+          <p:nvPr/>
+        </p:nvSpPr>
+        <p:spPr>
+          <a:xfrm>
+            <a:off x="723900" y="6284994"/>
+            <a:ext cx="10934700" cy="323686"/>
+          </a:xfrm>
+          <a:prstGeom prst="rect">
+            <a:avLst/>
+          </a:prstGeom>
+        </p:spPr>
+        <p:txBody>
+          <a:bodyPr vert="horz" lIns="91440" tIns="45720" rIns="91440" bIns="45720" rtlCol="0">
+            <a:noAutofit/>
+          </a:bodyPr>
+          <a:lstStyle>
+            <a:lvl1pPr marL="0" indent="0" algn="ctr" defTabSz="914400" rtl="0" eaLnBrk="1" latinLnBrk="0" hangingPunct="1">
+              <a:lnSpc>
+                <a:spcPct val="90000"/>
+              </a:lnSpc>
+              <a:spcBef>
+                <a:spcPts val="1000"/>
+              </a:spcBef>
+              <a:buFont typeface="Arial" panose="020B0604020202020204" pitchFamily="34" charset="0"/>
+              <a:buNone/>
+              <a:defRPr sz="2400" kern="1200">
+                <a:solidFill>
+                  <a:schemeClr val="tx1"/>
+                </a:solidFill>
+                <a:latin typeface="+mn-lt"/>
+                <a:ea typeface="+mn-ea"/>
+                <a:cs typeface="+mn-cs"/>
+              </a:defRPr>
+            </a:lvl1pPr>
+            <a:lvl2pPr marL="457200" indent="0" algn="ctr" defTabSz="914400" rtl="0" eaLnBrk="1" latinLnBrk="0" hangingPunct="1">
+              <a:lnSpc>
+                <a:spcPct val="90000"/>
+              </a:lnSpc>
+              <a:spcBef>
+                <a:spcPts val="500"/>
+              </a:spcBef>
+              <a:buFont typeface="Arial" panose="020B0604020202020204" pitchFamily="34" charset="0"/>
+              <a:buNone/>
+              <a:defRPr sz="2000" kern="1200">
+                <a:solidFill>
+                  <a:schemeClr val="tx1"/>
+                </a:solidFill>
+                <a:latin typeface="+mn-lt"/>
+                <a:ea typeface="+mn-ea"/>
+                <a:cs typeface="+mn-cs"/>
+              </a:defRPr>
+            </a:lvl2pPr>
+            <a:lvl3pPr marL="914400" indent="0" algn="ctr" defTabSz="914400" rtl="0" eaLnBrk="1" latinLnBrk="0" hangingPunct="1">
+              <a:lnSpc>
+                <a:spcPct val="90000"/>
+              </a:lnSpc>
+              <a:spcBef>
+                <a:spcPts val="500"/>
+              </a:spcBef>
+              <a:buFont typeface="Arial" panose="020B0604020202020204" pitchFamily="34" charset="0"/>
+              <a:buNone/>
+              <a:defRPr sz="1800" kern="1200">
+                <a:solidFill>
+                  <a:schemeClr val="tx1"/>
+                </a:solidFill>
+                <a:latin typeface="+mn-lt"/>
+                <a:ea typeface="+mn-ea"/>
+                <a:cs typeface="+mn-cs"/>
+              </a:defRPr>
+            </a:lvl3pPr>
+            <a:lvl4pPr marL="1371600" indent="0" algn="ctr" defTabSz="914400" rtl="0" eaLnBrk="1" latinLnBrk="0" hangingPunct="1">
+              <a:lnSpc>
+                <a:spcPct val="90000"/>
+              </a:lnSpc>
+              <a:spcBef>
+                <a:spcPts val="500"/>
+              </a:spcBef>
+              <a:buFont typeface="Arial" panose="020B0604020202020204" pitchFamily="34" charset="0"/>
+              <a:buNone/>
+              <a:defRPr sz="1600" kern="1200">
+                <a:solidFill>
+                  <a:schemeClr val="tx1"/>
+                </a:solidFill>
+                <a:latin typeface="+mn-lt"/>
+                <a:ea typeface="+mn-ea"/>
+                <a:cs typeface="+mn-cs"/>
+              </a:defRPr>
+            </a:lvl4pPr>
+            <a:lvl5pPr marL="1828800" indent="0" algn="ctr" defTabSz="914400" rtl="0" eaLnBrk="1" latinLnBrk="0" hangingPunct="1">
+              <a:lnSpc>
+                <a:spcPct val="90000"/>
+              </a:lnSpc>
+              <a:spcBef>
+                <a:spcPts val="500"/>
+              </a:spcBef>
+              <a:buFont typeface="Arial" panose="020B0604020202020204" pitchFamily="34" charset="0"/>
+              <a:buNone/>
+              <a:defRPr sz="1600" kern="1200">
+                <a:solidFill>
+                  <a:schemeClr val="tx1"/>
+                </a:solidFill>
+                <a:latin typeface="+mn-lt"/>
+                <a:ea typeface="+mn-ea"/>
+                <a:cs typeface="+mn-cs"/>
+              </a:defRPr>
+            </a:lvl5pPr>
+            <a:lvl6pPr marL="2286000" indent="0" algn="ctr" defTabSz="914400" rtl="0" eaLnBrk="1" latinLnBrk="0" hangingPunct="1">
+              <a:lnSpc>
+                <a:spcPct val="90000"/>
+              </a:lnSpc>
+              <a:spcBef>
+                <a:spcPts val="500"/>
+              </a:spcBef>
+              <a:buFont typeface="Arial" panose="020B0604020202020204" pitchFamily="34" charset="0"/>
+              <a:buNone/>
+              <a:defRPr sz="1600" kern="1200">
+                <a:solidFill>
+                  <a:schemeClr val="tx1"/>
+                </a:solidFill>
+                <a:latin typeface="+mn-lt"/>
+                <a:ea typeface="+mn-ea"/>
+                <a:cs typeface="+mn-cs"/>
+              </a:defRPr>
+            </a:lvl6pPr>
+            <a:lvl7pPr marL="2743200" indent="0" algn="ctr" defTabSz="914400" rtl="0" eaLnBrk="1" latinLnBrk="0" hangingPunct="1">
+              <a:lnSpc>
+                <a:spcPct val="90000"/>
+              </a:lnSpc>
+              <a:spcBef>
+                <a:spcPts val="500"/>
+              </a:spcBef>
+              <a:buFont typeface="Arial" panose="020B0604020202020204" pitchFamily="34" charset="0"/>
+              <a:buNone/>
+              <a:defRPr sz="1600" kern="1200">
+                <a:solidFill>
+                  <a:schemeClr val="tx1"/>
+                </a:solidFill>
+                <a:latin typeface="+mn-lt"/>
+                <a:ea typeface="+mn-ea"/>
+                <a:cs typeface="+mn-cs"/>
+              </a:defRPr>
+            </a:lvl7pPr>
+            <a:lvl8pPr marL="3200400" indent="0" algn="ctr" defTabSz="914400" rtl="0" eaLnBrk="1" latinLnBrk="0" hangingPunct="1">
+              <a:lnSpc>
+                <a:spcPct val="90000"/>
+              </a:lnSpc>
+              <a:spcBef>
+                <a:spcPts val="500"/>
+              </a:spcBef>
+              <a:buFont typeface="Arial" panose="020B0604020202020204" pitchFamily="34" charset="0"/>
+              <a:buNone/>
+              <a:defRPr sz="1600" kern="1200">
+                <a:solidFill>
+                  <a:schemeClr val="tx1"/>
+                </a:solidFill>
+                <a:latin typeface="+mn-lt"/>
+                <a:ea typeface="+mn-ea"/>
+                <a:cs typeface="+mn-cs"/>
+              </a:defRPr>
+            </a:lvl8pPr>
+            <a:lvl9pPr marL="3657600" indent="0" algn="ctr" defTabSz="914400" rtl="0" eaLnBrk="1" latinLnBrk="0" hangingPunct="1">
+              <a:lnSpc>
+                <a:spcPct val="90000"/>
+              </a:lnSpc>
+              <a:spcBef>
+                <a:spcPts val="500"/>
+              </a:spcBef>
+              <a:buFont typeface="Arial" panose="020B0604020202020204" pitchFamily="34" charset="0"/>
+              <a:buNone/>
+              <a:defRPr sz="1600" kern="1200">
+                <a:solidFill>
+                  <a:schemeClr val="tx1"/>
+                </a:solidFill>
+                <a:latin typeface="+mn-lt"/>
+                <a:ea typeface="+mn-ea"/>
+                <a:cs typeface="+mn-cs"/>
+              </a:defRPr>
+            </a:lvl9pPr>
+          </a:lstStyle>
+          <a:p>
+            <a:r>
+              <a:rPr lang="fr-FR" sz="2000" b="1" dirty="0" smtClean="0">
+                <a:solidFill>
+                  <a:schemeClr val="bg1"/>
+                </a:solidFill>
+                <a:latin typeface="Open Sans" panose="020B0606030504020204" pitchFamily="34" charset="0"/>
+                <a:ea typeface="Open Sans" panose="020B0606030504020204" pitchFamily="34" charset="0"/>
+                <a:cs typeface="Open Sans" panose="020B0606030504020204" pitchFamily="34" charset="0"/>
+              </a:rPr>
+              <a:t>PROJET JAVA JEE </a:t>
+            </a:r>
+            <a:r>
+              <a:rPr lang="fr-FR" sz="2000" dirty="0">
+                <a:solidFill>
+                  <a:schemeClr val="bg1">
+                    <a:lumMod val="65000"/>
+                  </a:schemeClr>
+                </a:solidFill>
+                <a:latin typeface="Open Sans" panose="020B0606030504020204" pitchFamily="34" charset="0"/>
+                <a:ea typeface="Open Sans" panose="020B0606030504020204" pitchFamily="34" charset="0"/>
+                <a:cs typeface="Open Sans" panose="020B0606030504020204" pitchFamily="34" charset="0"/>
+              </a:rPr>
+              <a:t>~</a:t>
+            </a:r>
+            <a:r>
+              <a:rPr lang="fr-FR" sz="2000" dirty="0" smtClean="0">
+                <a:solidFill>
+                  <a:schemeClr val="bg1">
+                    <a:lumMod val="65000"/>
+                  </a:schemeClr>
+                </a:solidFill>
+                <a:latin typeface="Open Sans" panose="020B0606030504020204" pitchFamily="34" charset="0"/>
+                <a:ea typeface="Open Sans" panose="020B0606030504020204" pitchFamily="34" charset="0"/>
+                <a:cs typeface="Open Sans" panose="020B0606030504020204" pitchFamily="34" charset="0"/>
+              </a:rPr>
+              <a:t> Application de gestion pour les pré-inscriptions à des UV ~</a:t>
+            </a:r>
+            <a:endParaRPr lang="fr-FR" sz="2000" dirty="0">
+              <a:solidFill>
+                <a:schemeClr val="bg1">
+                  <a:lumMod val="65000"/>
+                </a:schemeClr>
+              </a:solidFill>
+              <a:latin typeface="Open Sans" panose="020B0606030504020204" pitchFamily="34" charset="0"/>
+              <a:ea typeface="Open Sans" panose="020B0606030504020204" pitchFamily="34" charset="0"/>
+              <a:cs typeface="Open Sans" panose="020B0606030504020204" pitchFamily="34" charset="0"/>
+            </a:endParaRPr>
+          </a:p>
+        </p:txBody>
+      </p:sp>
+    </p:spTree>
+    <p:extLst>
+      <p:ext uri="{BB962C8B-B14F-4D97-AF65-F5344CB8AC3E}">
+        <p14:creationId xmlns:p14="http://schemas.microsoft.com/office/powerpoint/2010/main" val="230183883"/>
+      </p:ext>
+    </p:extLst>
+  </p:cSld>
+  <p:clrMapOvr>
+    <a:masterClrMapping/>
+  </p:clrMapOvr>
+  <mc:AlternateContent xmlns:mc="http://schemas.openxmlformats.org/markup-compatibility/2006" xmlns:p14="http://schemas.microsoft.com/office/powerpoint/2010/main">
+    <mc:Choice Requires="p14">
+      <p:transition spd="slow" p14:dur="1200">
+        <p14:prism/>
+      </p:transition>
+    </mc:Choice>
+    <mc:Fallback xmlns="">
+      <p:transition spd="slow">
+        <p:fade/>
+      </p:transition>
+    </mc:Fallback>
+  </mc:AlternateContent>
+  <p:timing>
+    <p:tnLst>
+      <p:par>
+        <p:cTn id="1" dur="indefinite" restart="never" nodeType="tmRoot"/>
+      </p:par>
+    </p:tnLst>
+  </p:timing>
+</p:sld>
+</file>
+
+<file path=ppt/slides/slide8.xml><?xml version="1.0" encoding="utf-8"?>
+<p:sld xmlns:a="http://schemas.openxmlformats.org/drawingml/2006/main" xmlns:r="http://schemas.openxmlformats.org/officeDocument/2006/relationships" xmlns:p="http://schemas.openxmlformats.org/presentationml/2006/main">
+  <p:cSld>
+    <p:bg>
+      <p:bgPr>
+        <a:solidFill>
+          <a:srgbClr val="22303B"/>
+        </a:solidFill>
+        <a:effectLst/>
+      </p:bgPr>
+    </p:bg>
+    <p:spTree>
+      <p:nvGrpSpPr>
+        <p:cNvPr id="1" name=""/>
+        <p:cNvGrpSpPr/>
+        <p:nvPr/>
+      </p:nvGrpSpPr>
+      <p:grpSpPr>
+        <a:xfrm>
+          <a:off x="0" y="0"/>
+          <a:ext cx="0" cy="0"/>
+          <a:chOff x="0" y="0"/>
+          <a:chExt cx="0" cy="0"/>
+        </a:xfrm>
+      </p:grpSpPr>
+      <p:sp>
+        <p:nvSpPr>
+          <p:cNvPr id="2" name="Titre 1"/>
+          <p:cNvSpPr>
+            <a:spLocks noGrp="1"/>
+          </p:cNvSpPr>
+          <p:nvPr>
+            <p:ph type="title"/>
+          </p:nvPr>
+        </p:nvSpPr>
+        <p:spPr>
+          <a:xfrm>
+            <a:off x="1295400" y="365125"/>
+            <a:ext cx="10058400" cy="1325563"/>
+          </a:xfrm>
+        </p:spPr>
+        <p:txBody>
+          <a:bodyPr/>
+          <a:lstStyle/>
+          <a:p>
+            <a:r>
+              <a:rPr lang="fr-FR" b="1" dirty="0" err="1" smtClean="0">
+                <a:solidFill>
+                  <a:schemeClr val="bg1"/>
+                </a:solidFill>
+                <a:latin typeface="Open Sans" panose="020B0606030504020204" pitchFamily="34" charset="0"/>
+                <a:ea typeface="Open Sans" panose="020B0606030504020204" pitchFamily="34" charset="0"/>
+                <a:cs typeface="Open Sans" panose="020B0606030504020204" pitchFamily="34" charset="0"/>
+              </a:rPr>
+              <a:t>Conlusion</a:t>
+            </a:r>
+            <a:endParaRPr lang="fr-FR" b="1" dirty="0">
+              <a:solidFill>
+                <a:schemeClr val="bg1"/>
+              </a:solidFill>
+              <a:latin typeface="Open Sans" panose="020B0606030504020204" pitchFamily="34" charset="0"/>
+              <a:ea typeface="Open Sans" panose="020B0606030504020204" pitchFamily="34" charset="0"/>
+              <a:cs typeface="Open Sans" panose="020B0606030504020204" pitchFamily="34" charset="0"/>
+            </a:endParaRPr>
+          </a:p>
+        </p:txBody>
+      </p:sp>
+      <p:cxnSp>
+        <p:nvCxnSpPr>
+          <p:cNvPr id="5" name="Connecteur droit 4"/>
+          <p:cNvCxnSpPr/>
+          <p:nvPr/>
+        </p:nvCxnSpPr>
+        <p:spPr>
+          <a:xfrm>
+            <a:off x="981075" y="385763"/>
+            <a:ext cx="0" cy="1276350"/>
+          </a:xfrm>
+          <a:prstGeom prst="line">
+            <a:avLst/>
+          </a:prstGeom>
+          <a:ln w="76200">
+            <a:solidFill>
+              <a:srgbClr val="80BC58"/>
+            </a:solidFill>
+          </a:ln>
+          <a:effectLst>
+            <a:outerShdw blurRad="50800" dist="38100" dir="13500000" algn="br" rotWithShape="0">
+              <a:prstClr val="black">
+                <a:alpha val="40000"/>
+              </a:prstClr>
+            </a:outerShdw>
+          </a:effectLst>
+        </p:spPr>
+        <p:style>
+          <a:lnRef idx="1">
+            <a:schemeClr val="accent1"/>
+          </a:lnRef>
+          <a:fillRef idx="0">
+            <a:schemeClr val="accent1"/>
+          </a:fillRef>
+          <a:effectRef idx="0">
+            <a:schemeClr val="accent1"/>
+          </a:effectRef>
+          <a:fontRef idx="minor">
+            <a:schemeClr val="tx1"/>
+          </a:fontRef>
+        </p:style>
+      </p:cxnSp>
+      <p:sp>
+        <p:nvSpPr>
+          <p:cNvPr id="13" name="Rectangle 12"/>
+          <p:cNvSpPr/>
+          <p:nvPr/>
+        </p:nvSpPr>
+        <p:spPr>
+          <a:xfrm>
+            <a:off x="11658600" y="133350"/>
+            <a:ext cx="371475" cy="371475"/>
+          </a:xfrm>
+          <a:prstGeom prst="rect">
+            <a:avLst/>
+          </a:prstGeom>
+          <a:solidFill>
+            <a:srgbClr val="8EC56A"/>
+          </a:solidFill>
+          <a:ln>
+            <a:noFill/>
+          </a:ln>
+          <a:effectLst>
+            <a:outerShdw blurRad="50800" dist="38100" dir="13500000" algn="br" rotWithShape="0">
+              <a:prstClr val="black">
+                <a:alpha val="40000"/>
+              </a:prstClr>
+            </a:outerShdw>
+          </a:effectLst>
+        </p:spPr>
+        <p:style>
+          <a:lnRef idx="2">
+            <a:schemeClr val="accent1">
+              <a:shade val="50000"/>
+            </a:schemeClr>
+          </a:lnRef>
+          <a:fillRef idx="1">
+            <a:schemeClr val="accent1"/>
+          </a:fillRef>
+          <a:effectRef idx="0">
+            <a:schemeClr val="accent1"/>
+          </a:effectRef>
+          <a:fontRef idx="minor">
+            <a:schemeClr val="lt1"/>
+          </a:fontRef>
+        </p:style>
+        <p:txBody>
+          <a:bodyPr rtlCol="0" anchor="ctr"/>
+          <a:lstStyle/>
+          <a:p>
+            <a:pPr algn="ctr"/>
+            <a:endParaRPr lang="fr-FR" dirty="0"/>
+          </a:p>
+        </p:txBody>
+      </p:sp>
+      <p:sp>
+        <p:nvSpPr>
+          <p:cNvPr id="4" name="Espace réservé du contenu 3"/>
+          <p:cNvSpPr>
+            <a:spLocks noGrp="1"/>
+          </p:cNvSpPr>
+          <p:nvPr>
+            <p:ph idx="1"/>
+          </p:nvPr>
+        </p:nvSpPr>
+        <p:spPr/>
+        <p:txBody>
+          <a:bodyPr/>
+          <a:lstStyle/>
+          <a:p>
+            <a:endParaRPr lang="fr-FR"/>
+          </a:p>
+        </p:txBody>
+      </p:sp>
+      <p:sp>
+        <p:nvSpPr>
+          <p:cNvPr id="6" name="Sous-titre 2"/>
+          <p:cNvSpPr txBox="1">
+            <a:spLocks/>
+          </p:cNvSpPr>
+          <p:nvPr/>
+        </p:nvSpPr>
+        <p:spPr>
+          <a:xfrm>
+            <a:off x="723900" y="6284994"/>
+            <a:ext cx="10934700" cy="323686"/>
+          </a:xfrm>
+          <a:prstGeom prst="rect">
+            <a:avLst/>
+          </a:prstGeom>
+        </p:spPr>
+        <p:txBody>
+          <a:bodyPr vert="horz" lIns="91440" tIns="45720" rIns="91440" bIns="45720" rtlCol="0">
+            <a:noAutofit/>
+          </a:bodyPr>
+          <a:lstStyle>
+            <a:lvl1pPr marL="0" indent="0" algn="ctr" defTabSz="914400" rtl="0" eaLnBrk="1" latinLnBrk="0" hangingPunct="1">
+              <a:lnSpc>
+                <a:spcPct val="90000"/>
+              </a:lnSpc>
+              <a:spcBef>
+                <a:spcPts val="1000"/>
+              </a:spcBef>
+              <a:buFont typeface="Arial" panose="020B0604020202020204" pitchFamily="34" charset="0"/>
+              <a:buNone/>
+              <a:defRPr sz="2400" kern="1200">
+                <a:solidFill>
+                  <a:schemeClr val="tx1"/>
+                </a:solidFill>
+                <a:latin typeface="+mn-lt"/>
+                <a:ea typeface="+mn-ea"/>
+                <a:cs typeface="+mn-cs"/>
+              </a:defRPr>
+            </a:lvl1pPr>
+            <a:lvl2pPr marL="457200" indent="0" algn="ctr" defTabSz="914400" rtl="0" eaLnBrk="1" latinLnBrk="0" hangingPunct="1">
+              <a:lnSpc>
+                <a:spcPct val="90000"/>
+              </a:lnSpc>
+              <a:spcBef>
+                <a:spcPts val="500"/>
+              </a:spcBef>
+              <a:buFont typeface="Arial" panose="020B0604020202020204" pitchFamily="34" charset="0"/>
+              <a:buNone/>
+              <a:defRPr sz="2000" kern="1200">
+                <a:solidFill>
+                  <a:schemeClr val="tx1"/>
+                </a:solidFill>
+                <a:latin typeface="+mn-lt"/>
+                <a:ea typeface="+mn-ea"/>
+                <a:cs typeface="+mn-cs"/>
+              </a:defRPr>
+            </a:lvl2pPr>
+            <a:lvl3pPr marL="914400" indent="0" algn="ctr" defTabSz="914400" rtl="0" eaLnBrk="1" latinLnBrk="0" hangingPunct="1">
+              <a:lnSpc>
+                <a:spcPct val="90000"/>
+              </a:lnSpc>
+              <a:spcBef>
+                <a:spcPts val="500"/>
+              </a:spcBef>
+              <a:buFont typeface="Arial" panose="020B0604020202020204" pitchFamily="34" charset="0"/>
+              <a:buNone/>
+              <a:defRPr sz="1800" kern="1200">
+                <a:solidFill>
+                  <a:schemeClr val="tx1"/>
+                </a:solidFill>
+                <a:latin typeface="+mn-lt"/>
+                <a:ea typeface="+mn-ea"/>
+                <a:cs typeface="+mn-cs"/>
+              </a:defRPr>
+            </a:lvl3pPr>
+            <a:lvl4pPr marL="1371600" indent="0" algn="ctr" defTabSz="914400" rtl="0" eaLnBrk="1" latinLnBrk="0" hangingPunct="1">
+              <a:lnSpc>
+                <a:spcPct val="90000"/>
+              </a:lnSpc>
+              <a:spcBef>
+                <a:spcPts val="500"/>
+              </a:spcBef>
+              <a:buFont typeface="Arial" panose="020B0604020202020204" pitchFamily="34" charset="0"/>
+              <a:buNone/>
+              <a:defRPr sz="1600" kern="1200">
+                <a:solidFill>
+                  <a:schemeClr val="tx1"/>
+                </a:solidFill>
+                <a:latin typeface="+mn-lt"/>
+                <a:ea typeface="+mn-ea"/>
+                <a:cs typeface="+mn-cs"/>
+              </a:defRPr>
+            </a:lvl4pPr>
+            <a:lvl5pPr marL="1828800" indent="0" algn="ctr" defTabSz="914400" rtl="0" eaLnBrk="1" latinLnBrk="0" hangingPunct="1">
+              <a:lnSpc>
+                <a:spcPct val="90000"/>
+              </a:lnSpc>
+              <a:spcBef>
+                <a:spcPts val="500"/>
+              </a:spcBef>
+              <a:buFont typeface="Arial" panose="020B0604020202020204" pitchFamily="34" charset="0"/>
+              <a:buNone/>
+              <a:defRPr sz="1600" kern="1200">
+                <a:solidFill>
+                  <a:schemeClr val="tx1"/>
+                </a:solidFill>
+                <a:latin typeface="+mn-lt"/>
+                <a:ea typeface="+mn-ea"/>
+                <a:cs typeface="+mn-cs"/>
+              </a:defRPr>
+            </a:lvl5pPr>
+            <a:lvl6pPr marL="2286000" indent="0" algn="ctr" defTabSz="914400" rtl="0" eaLnBrk="1" latinLnBrk="0" hangingPunct="1">
+              <a:lnSpc>
+                <a:spcPct val="90000"/>
+              </a:lnSpc>
+              <a:spcBef>
+                <a:spcPts val="500"/>
+              </a:spcBef>
+              <a:buFont typeface="Arial" panose="020B0604020202020204" pitchFamily="34" charset="0"/>
+              <a:buNone/>
+              <a:defRPr sz="1600" kern="1200">
+                <a:solidFill>
+                  <a:schemeClr val="tx1"/>
+                </a:solidFill>
+                <a:latin typeface="+mn-lt"/>
+                <a:ea typeface="+mn-ea"/>
+                <a:cs typeface="+mn-cs"/>
+              </a:defRPr>
+            </a:lvl6pPr>
+            <a:lvl7pPr marL="2743200" indent="0" algn="ctr" defTabSz="914400" rtl="0" eaLnBrk="1" latinLnBrk="0" hangingPunct="1">
+              <a:lnSpc>
+                <a:spcPct val="90000"/>
+              </a:lnSpc>
+              <a:spcBef>
+                <a:spcPts val="500"/>
+              </a:spcBef>
+              <a:buFont typeface="Arial" panose="020B0604020202020204" pitchFamily="34" charset="0"/>
+              <a:buNone/>
+              <a:defRPr sz="1600" kern="1200">
+                <a:solidFill>
+                  <a:schemeClr val="tx1"/>
+                </a:solidFill>
+                <a:latin typeface="+mn-lt"/>
+                <a:ea typeface="+mn-ea"/>
+                <a:cs typeface="+mn-cs"/>
+              </a:defRPr>
+            </a:lvl7pPr>
+            <a:lvl8pPr marL="3200400" indent="0" algn="ctr" defTabSz="914400" rtl="0" eaLnBrk="1" latinLnBrk="0" hangingPunct="1">
+              <a:lnSpc>
+                <a:spcPct val="90000"/>
+              </a:lnSpc>
+              <a:spcBef>
+                <a:spcPts val="500"/>
+              </a:spcBef>
+              <a:buFont typeface="Arial" panose="020B0604020202020204" pitchFamily="34" charset="0"/>
+              <a:buNone/>
+              <a:defRPr sz="1600" kern="1200">
+                <a:solidFill>
+                  <a:schemeClr val="tx1"/>
+                </a:solidFill>
+                <a:latin typeface="+mn-lt"/>
+                <a:ea typeface="+mn-ea"/>
+                <a:cs typeface="+mn-cs"/>
+              </a:defRPr>
+            </a:lvl8pPr>
+            <a:lvl9pPr marL="3657600" indent="0" algn="ctr" defTabSz="914400" rtl="0" eaLnBrk="1" latinLnBrk="0" hangingPunct="1">
+              <a:lnSpc>
+                <a:spcPct val="90000"/>
+              </a:lnSpc>
+              <a:spcBef>
+                <a:spcPts val="500"/>
+              </a:spcBef>
+              <a:buFont typeface="Arial" panose="020B0604020202020204" pitchFamily="34" charset="0"/>
+              <a:buNone/>
+              <a:defRPr sz="1600" kern="1200">
+                <a:solidFill>
+                  <a:schemeClr val="tx1"/>
+                </a:solidFill>
+                <a:latin typeface="+mn-lt"/>
+                <a:ea typeface="+mn-ea"/>
+                <a:cs typeface="+mn-cs"/>
+              </a:defRPr>
+            </a:lvl9pPr>
+          </a:lstStyle>
+          <a:p>
+            <a:r>
+              <a:rPr lang="fr-FR" sz="2000" b="1" dirty="0" smtClean="0">
+                <a:solidFill>
+                  <a:schemeClr val="bg1"/>
+                </a:solidFill>
+                <a:latin typeface="Open Sans" panose="020B0606030504020204" pitchFamily="34" charset="0"/>
+                <a:ea typeface="Open Sans" panose="020B0606030504020204" pitchFamily="34" charset="0"/>
+                <a:cs typeface="Open Sans" panose="020B0606030504020204" pitchFamily="34" charset="0"/>
+              </a:rPr>
+              <a:t>PROJET JAVA JEE </a:t>
+            </a:r>
+            <a:r>
+              <a:rPr lang="fr-FR" sz="2000" dirty="0">
+                <a:solidFill>
+                  <a:schemeClr val="bg1">
+                    <a:lumMod val="65000"/>
+                  </a:schemeClr>
+                </a:solidFill>
+                <a:latin typeface="Open Sans" panose="020B0606030504020204" pitchFamily="34" charset="0"/>
+                <a:ea typeface="Open Sans" panose="020B0606030504020204" pitchFamily="34" charset="0"/>
+                <a:cs typeface="Open Sans" panose="020B0606030504020204" pitchFamily="34" charset="0"/>
+              </a:rPr>
+              <a:t>~</a:t>
+            </a:r>
+            <a:r>
+              <a:rPr lang="fr-FR" sz="2000" dirty="0" smtClean="0">
+                <a:solidFill>
+                  <a:schemeClr val="bg1">
+                    <a:lumMod val="65000"/>
+                  </a:schemeClr>
+                </a:solidFill>
+                <a:latin typeface="Open Sans" panose="020B0606030504020204" pitchFamily="34" charset="0"/>
+                <a:ea typeface="Open Sans" panose="020B0606030504020204" pitchFamily="34" charset="0"/>
+                <a:cs typeface="Open Sans" panose="020B0606030504020204" pitchFamily="34" charset="0"/>
+              </a:rPr>
+              <a:t> Application de gestion pour les pré-inscriptions à des UV ~</a:t>
+            </a:r>
+            <a:endParaRPr lang="fr-FR" sz="2000" dirty="0">
+              <a:solidFill>
+                <a:schemeClr val="bg1">
+                  <a:lumMod val="65000"/>
+                </a:schemeClr>
+              </a:solidFill>
+              <a:latin typeface="Open Sans" panose="020B0606030504020204" pitchFamily="34" charset="0"/>
+              <a:ea typeface="Open Sans" panose="020B0606030504020204" pitchFamily="34" charset="0"/>
+              <a:cs typeface="Open Sans" panose="020B0606030504020204" pitchFamily="34" charset="0"/>
+            </a:endParaRPr>
+          </a:p>
+        </p:txBody>
+      </p:sp>
+    </p:spTree>
+    <p:extLst>
+      <p:ext uri="{BB962C8B-B14F-4D97-AF65-F5344CB8AC3E}">
+        <p14:creationId xmlns:p14="http://schemas.microsoft.com/office/powerpoint/2010/main" val="872680984"/>
+      </p:ext>
+    </p:extLst>
+  </p:cSld>
+  <p:clrMapOvr>
+    <a:masterClrMapping/>
+  </p:clrMapOvr>
+  <mc:AlternateContent xmlns:mc="http://schemas.openxmlformats.org/markup-compatibility/2006" xmlns:p14="http://schemas.microsoft.com/office/powerpoint/2010/main">
+    <mc:Choice Requires="p14">
+      <p:transition spd="slow" p14:dur="1200">
+        <p14:prism/>
+      </p:transition>
+    </mc:Choice>
+    <mc:Fallback xmlns="">
+      <p:transition spd="slow">
+        <p:fade/>
+      </p:transition>
+    </mc:Fallback>
+  </mc:AlternateContent>
+  <p:timing>
+    <p:tnLst>
+      <p:par>
+        <p:cTn id="1" dur="indefinite" restart="never" nodeType="tmRoot"/>
+      </p:par>
+    </p:tnLst>
+  </p:timing>
+</p:sld>
+</file>
+
+<file path=ppt/slides/slide9.xml><?xml version="1.0" encoding="utf-8"?>
+<p:sld xmlns:a="http://schemas.openxmlformats.org/drawingml/2006/main" xmlns:r="http://schemas.openxmlformats.org/officeDocument/2006/relationships" xmlns:p="http://schemas.openxmlformats.org/presentationml/2006/main">
+  <p:cSld>
+    <p:spTree>
+      <p:nvGrpSpPr>
+        <p:cNvPr id="1" name=""/>
+        <p:cNvGrpSpPr/>
+        <p:nvPr/>
+      </p:nvGrpSpPr>
+      <p:grpSpPr>
+        <a:xfrm>
+          <a:off x="0" y="0"/>
+          <a:ext cx="0" cy="0"/>
+          <a:chOff x="0" y="0"/>
+          <a:chExt cx="0" cy="0"/>
+        </a:xfrm>
+      </p:grpSpPr>
+      <p:sp>
+        <p:nvSpPr>
+          <p:cNvPr id="2" name="Titre 1"/>
+          <p:cNvSpPr>
+            <a:spLocks noGrp="1"/>
+          </p:cNvSpPr>
+          <p:nvPr>
+            <p:ph type="title"/>
+          </p:nvPr>
+        </p:nvSpPr>
+        <p:spPr/>
+        <p:txBody>
+          <a:bodyPr/>
+          <a:lstStyle/>
+          <a:p>
+            <a:endParaRPr lang="fr-FR"/>
+          </a:p>
+        </p:txBody>
+      </p:sp>
+      <p:sp>
+        <p:nvSpPr>
+          <p:cNvPr id="3" name="Espace réservé du contenu 2"/>
+          <p:cNvSpPr>
+            <a:spLocks noGrp="1"/>
+          </p:cNvSpPr>
+          <p:nvPr>
+            <p:ph idx="1"/>
+          </p:nvPr>
+        </p:nvSpPr>
+        <p:spPr/>
+        <p:txBody>
+          <a:bodyPr/>
+          <a:lstStyle/>
+          <a:p>
+            <a:endParaRPr lang="fr-FR"/>
+          </a:p>
+        </p:txBody>
+      </p:sp>
+      <p:pic>
+        <p:nvPicPr>
           <p:cNvPr id="4" name="Picture 2" descr="Image associée"/>
           <p:cNvPicPr>
             <a:picLocks noChangeAspect="1" noChangeArrowheads="1"/>
@@ -4586,141 +13014,13 @@
   <p:clrMapOvr>
     <a:masterClrMapping/>
   </p:clrMapOvr>
-  <mc:AlternateContent xmlns:mc="http://schemas.openxmlformats.org/markup-compatibility/2006">
-    <mc:Choice xmlns:p14="http://schemas.microsoft.com/office/powerpoint/2010/main" Requires="p14">
+  <mc:AlternateContent xmlns:mc="http://schemas.openxmlformats.org/markup-compatibility/2006" xmlns:p14="http://schemas.microsoft.com/office/powerpoint/2010/main">
+    <mc:Choice Requires="p14">
       <p:transition spd="slow" p14:dur="1200">
         <p14:prism/>
       </p:transition>
     </mc:Choice>
-    <mc:Fallback>
-      <p:transition spd="slow">
-        <p:fade/>
-      </p:transition>
-    </mc:Fallback>
-  </mc:AlternateContent>
-  <p:timing>
-    <p:tnLst>
-      <p:par>
-        <p:cTn id="1" dur="indefinite" restart="never" nodeType="tmRoot"/>
-      </p:par>
-    </p:tnLst>
-  </p:timing>
-</p:sld>
-</file>
-
-<file path=ppt/slides/slide4.xml><?xml version="1.0" encoding="utf-8"?>
-<p:sld xmlns:a="http://schemas.openxmlformats.org/drawingml/2006/main" xmlns:r="http://schemas.openxmlformats.org/officeDocument/2006/relationships" xmlns:p="http://schemas.openxmlformats.org/presentationml/2006/main">
-  <p:cSld>
-    <p:spTree>
-      <p:nvGrpSpPr>
-        <p:cNvPr id="1" name=""/>
-        <p:cNvGrpSpPr/>
-        <p:nvPr/>
-      </p:nvGrpSpPr>
-      <p:grpSpPr>
-        <a:xfrm>
-          <a:off x="0" y="0"/>
-          <a:ext cx="0" cy="0"/>
-          <a:chOff x="0" y="0"/>
-          <a:chExt cx="0" cy="0"/>
-        </a:xfrm>
-      </p:grpSpPr>
-      <p:sp>
-        <p:nvSpPr>
-          <p:cNvPr id="2" name="Titre 1"/>
-          <p:cNvSpPr>
-            <a:spLocks noGrp="1"/>
-          </p:cNvSpPr>
-          <p:nvPr>
-            <p:ph type="title"/>
-          </p:nvPr>
-        </p:nvSpPr>
-        <p:spPr/>
-        <p:txBody>
-          <a:bodyPr/>
-          <a:lstStyle/>
-          <a:p>
-            <a:endParaRPr lang="fr-FR"/>
-          </a:p>
-        </p:txBody>
-      </p:sp>
-      <p:sp>
-        <p:nvSpPr>
-          <p:cNvPr id="3" name="Espace réservé du contenu 2"/>
-          <p:cNvSpPr>
-            <a:spLocks noGrp="1"/>
-          </p:cNvSpPr>
-          <p:nvPr>
-            <p:ph idx="1"/>
-          </p:nvPr>
-        </p:nvSpPr>
-        <p:spPr/>
-        <p:txBody>
-          <a:bodyPr/>
-          <a:lstStyle/>
-          <a:p>
-            <a:endParaRPr lang="fr-FR"/>
-          </a:p>
-        </p:txBody>
-      </p:sp>
-      <p:pic>
-        <p:nvPicPr>
-          <p:cNvPr id="2050" name="Picture 2" descr="Image associée"/>
-          <p:cNvPicPr>
-            <a:picLocks noChangeAspect="1" noChangeArrowheads="1"/>
-          </p:cNvPicPr>
-          <p:nvPr/>
-        </p:nvPicPr>
-        <p:blipFill>
-          <a:blip r:embed="rId2">
-            <a:extLst>
-              <a:ext uri="{28A0092B-C50C-407E-A947-70E740481C1C}">
-                <a14:useLocalDpi xmlns:a14="http://schemas.microsoft.com/office/drawing/2010/main" val="0"/>
-              </a:ext>
-            </a:extLst>
-          </a:blip>
-          <a:srcRect/>
-          <a:stretch>
-            <a:fillRect/>
-          </a:stretch>
-        </p:blipFill>
-        <p:spPr bwMode="auto">
-          <a:xfrm>
-            <a:off x="2051050" y="666750"/>
-            <a:ext cx="8572500" cy="5238750"/>
-          </a:xfrm>
-          <a:prstGeom prst="rect">
-            <a:avLst/>
-          </a:prstGeom>
-          <a:noFill/>
-          <a:extLst>
-            <a:ext uri="{909E8E84-426E-40DD-AFC4-6F175D3DCCD1}">
-              <a14:hiddenFill xmlns:a14="http://schemas.microsoft.com/office/drawing/2010/main">
-                <a:solidFill>
-                  <a:srgbClr val="FFFFFF"/>
-                </a:solidFill>
-              </a14:hiddenFill>
-            </a:ext>
-          </a:extLst>
-        </p:spPr>
-      </p:pic>
-    </p:spTree>
-    <p:extLst>
-      <p:ext uri="{BB962C8B-B14F-4D97-AF65-F5344CB8AC3E}">
-        <p14:creationId xmlns:p14="http://schemas.microsoft.com/office/powerpoint/2010/main" val="2702261917"/>
-      </p:ext>
-    </p:extLst>
-  </p:cSld>
-  <p:clrMapOvr>
-    <a:masterClrMapping/>
-  </p:clrMapOvr>
-  <mc:AlternateContent xmlns:mc="http://schemas.openxmlformats.org/markup-compatibility/2006">
-    <mc:Choice xmlns:p14="http://schemas.microsoft.com/office/powerpoint/2010/main" Requires="p14">
-      <p:transition spd="slow" p14:dur="1200">
-        <p14:prism/>
-      </p:transition>
-    </mc:Choice>
-    <mc:Fallback>
+    <mc:Fallback xmlns="">
       <p:transition spd="slow">
         <p:fade/>
       </p:transition>

--- a/LO54 P17.pptx
+++ b/LO54 P17.pptx
@@ -6,15 +6,17 @@
   </p:sldMasterIdLst>
   <p:sldIdLst>
     <p:sldId id="256" r:id="rId2"/>
-    <p:sldId id="257" r:id="rId3"/>
-    <p:sldId id="260" r:id="rId4"/>
-    <p:sldId id="264" r:id="rId5"/>
-    <p:sldId id="261" r:id="rId6"/>
-    <p:sldId id="263" r:id="rId7"/>
-    <p:sldId id="262" r:id="rId8"/>
-    <p:sldId id="265" r:id="rId9"/>
-    <p:sldId id="258" r:id="rId10"/>
-    <p:sldId id="259" r:id="rId11"/>
+    <p:sldId id="266" r:id="rId3"/>
+    <p:sldId id="267" r:id="rId4"/>
+    <p:sldId id="260" r:id="rId5"/>
+    <p:sldId id="264" r:id="rId6"/>
+    <p:sldId id="261" r:id="rId7"/>
+    <p:sldId id="263" r:id="rId8"/>
+    <p:sldId id="262" r:id="rId9"/>
+    <p:sldId id="265" r:id="rId10"/>
+    <p:sldId id="258" r:id="rId11"/>
+    <p:sldId id="259" r:id="rId12"/>
+    <p:sldId id="257" r:id="rId13"/>
   </p:sldIdLst>
   <p:sldSz cx="12192000" cy="6858000"/>
   <p:notesSz cx="6858000" cy="9144000"/>
@@ -1038,6 +1040,13 @@
         </dgm:presLayoutVars>
       </dgm:prSet>
       <dgm:spPr/>
+      <dgm:t>
+        <a:bodyPr/>
+        <a:lstStyle/>
+        <a:p>
+          <a:endParaRPr lang="fr-FR"/>
+        </a:p>
+      </dgm:t>
     </dgm:pt>
     <dgm:pt modelId="{B8ACC661-D3D8-41C3-86BE-CFB09B971C50}" type="pres">
       <dgm:prSet presAssocID="{391A2327-DE2D-4CF2-9BC9-220593ABD6BD}" presName="Accent1" presStyleCnt="0"/>
@@ -1056,6 +1065,13 @@
         </dgm:presLayoutVars>
       </dgm:prSet>
       <dgm:spPr/>
+      <dgm:t>
+        <a:bodyPr/>
+        <a:lstStyle/>
+        <a:p>
+          <a:endParaRPr lang="fr-FR"/>
+        </a:p>
+      </dgm:t>
     </dgm:pt>
     <dgm:pt modelId="{F74B5BD8-4E45-4317-9E3D-A3DEE6EF49AB}" type="pres">
       <dgm:prSet presAssocID="{8BDD87AE-99D0-4245-BC2C-B391A338C3F7}" presName="Accent2" presStyleCnt="0"/>
@@ -1074,6 +1090,13 @@
         </dgm:presLayoutVars>
       </dgm:prSet>
       <dgm:spPr/>
+      <dgm:t>
+        <a:bodyPr/>
+        <a:lstStyle/>
+        <a:p>
+          <a:endParaRPr lang="fr-FR"/>
+        </a:p>
+      </dgm:t>
     </dgm:pt>
     <dgm:pt modelId="{02240DFF-A7B3-4C00-9A58-9FB386B7DF96}" type="pres">
       <dgm:prSet presAssocID="{E5A8DF6C-A030-4119-BC41-B92505695001}" presName="Accent3" presStyleCnt="0"/>
@@ -1092,6 +1115,13 @@
         </dgm:presLayoutVars>
       </dgm:prSet>
       <dgm:spPr/>
+      <dgm:t>
+        <a:bodyPr/>
+        <a:lstStyle/>
+        <a:p>
+          <a:endParaRPr lang="fr-FR"/>
+        </a:p>
+      </dgm:t>
     </dgm:pt>
   </dgm:ptLst>
   <dgm:cxnLst>
@@ -4802,7 +4832,7 @@
           <a:p>
             <a:fld id="{8DCFADB0-1534-4436-A86E-B538C33C538A}" type="datetimeFigureOut">
               <a:rPr lang="fr-FR" smtClean="0"/>
-              <a:t>10/06/2017</a:t>
+              <a:t>16/06/2017</a:t>
             </a:fld>
             <a:endParaRPr lang="fr-FR"/>
           </a:p>
@@ -4984,7 +5014,7 @@
           <a:p>
             <a:fld id="{8DCFADB0-1534-4436-A86E-B538C33C538A}" type="datetimeFigureOut">
               <a:rPr lang="fr-FR" smtClean="0"/>
-              <a:t>10/06/2017</a:t>
+              <a:t>16/06/2017</a:t>
             </a:fld>
             <a:endParaRPr lang="fr-FR"/>
           </a:p>
@@ -5176,7 +5206,7 @@
           <a:p>
             <a:fld id="{8DCFADB0-1534-4436-A86E-B538C33C538A}" type="datetimeFigureOut">
               <a:rPr lang="fr-FR" smtClean="0"/>
-              <a:t>10/06/2017</a:t>
+              <a:t>16/06/2017</a:t>
             </a:fld>
             <a:endParaRPr lang="fr-FR"/>
           </a:p>
@@ -5358,7 +5388,7 @@
           <a:p>
             <a:fld id="{8DCFADB0-1534-4436-A86E-B538C33C538A}" type="datetimeFigureOut">
               <a:rPr lang="fr-FR" smtClean="0"/>
-              <a:t>10/06/2017</a:t>
+              <a:t>16/06/2017</a:t>
             </a:fld>
             <a:endParaRPr lang="fr-FR"/>
           </a:p>
@@ -5616,7 +5646,7 @@
           <a:p>
             <a:fld id="{8DCFADB0-1534-4436-A86E-B538C33C538A}" type="datetimeFigureOut">
               <a:rPr lang="fr-FR" smtClean="0"/>
-              <a:t>10/06/2017</a:t>
+              <a:t>16/06/2017</a:t>
             </a:fld>
             <a:endParaRPr lang="fr-FR"/>
           </a:p>
@@ -5860,7 +5890,7 @@
           <a:p>
             <a:fld id="{8DCFADB0-1534-4436-A86E-B538C33C538A}" type="datetimeFigureOut">
               <a:rPr lang="fr-FR" smtClean="0"/>
-              <a:t>10/06/2017</a:t>
+              <a:t>16/06/2017</a:t>
             </a:fld>
             <a:endParaRPr lang="fr-FR"/>
           </a:p>
@@ -6239,7 +6269,7 @@
           <a:p>
             <a:fld id="{8DCFADB0-1534-4436-A86E-B538C33C538A}" type="datetimeFigureOut">
               <a:rPr lang="fr-FR" smtClean="0"/>
-              <a:t>10/06/2017</a:t>
+              <a:t>16/06/2017</a:t>
             </a:fld>
             <a:endParaRPr lang="fr-FR"/>
           </a:p>
@@ -6369,7 +6399,7 @@
           <a:p>
             <a:fld id="{8DCFADB0-1534-4436-A86E-B538C33C538A}" type="datetimeFigureOut">
               <a:rPr lang="fr-FR" smtClean="0"/>
-              <a:t>10/06/2017</a:t>
+              <a:t>16/06/2017</a:t>
             </a:fld>
             <a:endParaRPr lang="fr-FR"/>
           </a:p>
@@ -6476,7 +6506,7 @@
           <a:p>
             <a:fld id="{8DCFADB0-1534-4436-A86E-B538C33C538A}" type="datetimeFigureOut">
               <a:rPr lang="fr-FR" smtClean="0"/>
-              <a:t>10/06/2017</a:t>
+              <a:t>16/06/2017</a:t>
             </a:fld>
             <a:endParaRPr lang="fr-FR"/>
           </a:p>
@@ -6765,7 +6795,7 @@
           <a:p>
             <a:fld id="{8DCFADB0-1534-4436-A86E-B538C33C538A}" type="datetimeFigureOut">
               <a:rPr lang="fr-FR" smtClean="0"/>
-              <a:t>10/06/2017</a:t>
+              <a:t>16/06/2017</a:t>
             </a:fld>
             <a:endParaRPr lang="fr-FR"/>
           </a:p>
@@ -7030,7 +7060,7 @@
           <a:p>
             <a:fld id="{8DCFADB0-1534-4436-A86E-B538C33C538A}" type="datetimeFigureOut">
               <a:rPr lang="fr-FR" smtClean="0"/>
-              <a:t>10/06/2017</a:t>
+              <a:t>16/06/2017</a:t>
             </a:fld>
             <a:endParaRPr lang="fr-FR"/>
           </a:p>
@@ -7255,7 +7285,7 @@
           <a:p>
             <a:fld id="{8DCFADB0-1534-4436-A86E-B538C33C538A}" type="datetimeFigureOut">
               <a:rPr lang="fr-FR" smtClean="0"/>
-              <a:t>10/06/2017</a:t>
+              <a:t>16/06/2017</a:t>
             </a:fld>
             <a:endParaRPr lang="fr-FR"/>
           </a:p>
@@ -7866,59 +7896,6 @@
       </p:cxnSp>
       <p:sp>
         <p:nvSpPr>
-          <p:cNvPr id="8" name="Rectangle 7"/>
-          <p:cNvSpPr/>
-          <p:nvPr/>
-        </p:nvSpPr>
-        <p:spPr>
-          <a:xfrm>
-            <a:off x="11658600" y="133350"/>
-            <a:ext cx="371475" cy="371475"/>
-          </a:xfrm>
-          <a:prstGeom prst="rect">
-            <a:avLst/>
-          </a:prstGeom>
-          <a:solidFill>
-            <a:srgbClr val="8EC56A"/>
-          </a:solidFill>
-          <a:ln>
-            <a:noFill/>
-          </a:ln>
-          <a:effectLst>
-            <a:outerShdw blurRad="50800" dist="38100" dir="13500000" algn="br" rotWithShape="0">
-              <a:prstClr val="black">
-                <a:alpha val="40000"/>
-              </a:prstClr>
-            </a:outerShdw>
-          </a:effectLst>
-        </p:spPr>
-        <p:style>
-          <a:lnRef idx="2">
-            <a:schemeClr val="accent1">
-              <a:shade val="50000"/>
-            </a:schemeClr>
-          </a:lnRef>
-          <a:fillRef idx="1">
-            <a:schemeClr val="accent1"/>
-          </a:fillRef>
-          <a:effectRef idx="0">
-            <a:schemeClr val="accent1"/>
-          </a:effectRef>
-          <a:fontRef idx="minor">
-            <a:schemeClr val="lt1"/>
-          </a:fontRef>
-        </p:style>
-        <p:txBody>
-          <a:bodyPr rtlCol="0" anchor="ctr"/>
-          <a:lstStyle/>
-          <a:p>
-            <a:pPr algn="ctr"/>
-            <a:endParaRPr lang="fr-FR" dirty="0"/>
-          </a:p>
-        </p:txBody>
-      </p:sp>
-      <p:sp>
-        <p:nvSpPr>
           <p:cNvPr id="11" name="Sous-titre 2"/>
           <p:cNvSpPr txBox="1">
             <a:spLocks/>
@@ -8150,6 +8127,207 @@
               <a:ea typeface="Open Sans" panose="020B0606030504020204" pitchFamily="34" charset="0"/>
               <a:cs typeface="Open Sans" panose="020B0606030504020204" pitchFamily="34" charset="0"/>
             </a:endParaRPr>
+          </a:p>
+        </p:txBody>
+      </p:sp>
+      <p:sp>
+        <p:nvSpPr>
+          <p:cNvPr id="9" name="Espace réservé du contenu 2"/>
+          <p:cNvSpPr txBox="1">
+            <a:spLocks/>
+          </p:cNvSpPr>
+          <p:nvPr/>
+        </p:nvSpPr>
+        <p:spPr>
+          <a:xfrm>
+            <a:off x="11518106" y="76200"/>
+            <a:ext cx="673894" cy="619125"/>
+          </a:xfrm>
+          <a:prstGeom prst="rect">
+            <a:avLst/>
+          </a:prstGeom>
+        </p:spPr>
+        <p:txBody>
+          <a:bodyPr vert="horz" lIns="91440" tIns="45720" rIns="91440" bIns="45720" rtlCol="0">
+            <a:normAutofit/>
+          </a:bodyPr>
+          <a:lstStyle>
+            <a:lvl1pPr marL="228600" indent="-228600" algn="l" defTabSz="914400" rtl="0" eaLnBrk="1" latinLnBrk="0" hangingPunct="1">
+              <a:lnSpc>
+                <a:spcPct val="90000"/>
+              </a:lnSpc>
+              <a:spcBef>
+                <a:spcPts val="1000"/>
+              </a:spcBef>
+              <a:buFont typeface="Arial" panose="020B0604020202020204" pitchFamily="34" charset="0"/>
+              <a:buChar char="•"/>
+              <a:defRPr sz="2800" kern="1200">
+                <a:solidFill>
+                  <a:schemeClr val="tx1"/>
+                </a:solidFill>
+                <a:latin typeface="+mn-lt"/>
+                <a:ea typeface="+mn-ea"/>
+                <a:cs typeface="+mn-cs"/>
+              </a:defRPr>
+            </a:lvl1pPr>
+            <a:lvl2pPr marL="685800" indent="-228600" algn="l" defTabSz="914400" rtl="0" eaLnBrk="1" latinLnBrk="0" hangingPunct="1">
+              <a:lnSpc>
+                <a:spcPct val="90000"/>
+              </a:lnSpc>
+              <a:spcBef>
+                <a:spcPts val="500"/>
+              </a:spcBef>
+              <a:buFont typeface="Arial" panose="020B0604020202020204" pitchFamily="34" charset="0"/>
+              <a:buChar char="•"/>
+              <a:defRPr sz="2400" kern="1200">
+                <a:solidFill>
+                  <a:schemeClr val="tx1"/>
+                </a:solidFill>
+                <a:latin typeface="+mn-lt"/>
+                <a:ea typeface="+mn-ea"/>
+                <a:cs typeface="+mn-cs"/>
+              </a:defRPr>
+            </a:lvl2pPr>
+            <a:lvl3pPr marL="1143000" indent="-228600" algn="l" defTabSz="914400" rtl="0" eaLnBrk="1" latinLnBrk="0" hangingPunct="1">
+              <a:lnSpc>
+                <a:spcPct val="90000"/>
+              </a:lnSpc>
+              <a:spcBef>
+                <a:spcPts val="500"/>
+              </a:spcBef>
+              <a:buFont typeface="Arial" panose="020B0604020202020204" pitchFamily="34" charset="0"/>
+              <a:buChar char="•"/>
+              <a:defRPr sz="2000" kern="1200">
+                <a:solidFill>
+                  <a:schemeClr val="tx1"/>
+                </a:solidFill>
+                <a:latin typeface="+mn-lt"/>
+                <a:ea typeface="+mn-ea"/>
+                <a:cs typeface="+mn-cs"/>
+              </a:defRPr>
+            </a:lvl3pPr>
+            <a:lvl4pPr marL="1600200" indent="-228600" algn="l" defTabSz="914400" rtl="0" eaLnBrk="1" latinLnBrk="0" hangingPunct="1">
+              <a:lnSpc>
+                <a:spcPct val="90000"/>
+              </a:lnSpc>
+              <a:spcBef>
+                <a:spcPts val="500"/>
+              </a:spcBef>
+              <a:buFont typeface="Arial" panose="020B0604020202020204" pitchFamily="34" charset="0"/>
+              <a:buChar char="•"/>
+              <a:defRPr sz="1800" kern="1200">
+                <a:solidFill>
+                  <a:schemeClr val="tx1"/>
+                </a:solidFill>
+                <a:latin typeface="+mn-lt"/>
+                <a:ea typeface="+mn-ea"/>
+                <a:cs typeface="+mn-cs"/>
+              </a:defRPr>
+            </a:lvl4pPr>
+            <a:lvl5pPr marL="2057400" indent="-228600" algn="l" defTabSz="914400" rtl="0" eaLnBrk="1" latinLnBrk="0" hangingPunct="1">
+              <a:lnSpc>
+                <a:spcPct val="90000"/>
+              </a:lnSpc>
+              <a:spcBef>
+                <a:spcPts val="500"/>
+              </a:spcBef>
+              <a:buFont typeface="Arial" panose="020B0604020202020204" pitchFamily="34" charset="0"/>
+              <a:buChar char="•"/>
+              <a:defRPr sz="1800" kern="1200">
+                <a:solidFill>
+                  <a:schemeClr val="tx1"/>
+                </a:solidFill>
+                <a:latin typeface="+mn-lt"/>
+                <a:ea typeface="+mn-ea"/>
+                <a:cs typeface="+mn-cs"/>
+              </a:defRPr>
+            </a:lvl5pPr>
+            <a:lvl6pPr marL="2514600" indent="-228600" algn="l" defTabSz="914400" rtl="0" eaLnBrk="1" latinLnBrk="0" hangingPunct="1">
+              <a:lnSpc>
+                <a:spcPct val="90000"/>
+              </a:lnSpc>
+              <a:spcBef>
+                <a:spcPts val="500"/>
+              </a:spcBef>
+              <a:buFont typeface="Arial" panose="020B0604020202020204" pitchFamily="34" charset="0"/>
+              <a:buChar char="•"/>
+              <a:defRPr sz="1800" kern="1200">
+                <a:solidFill>
+                  <a:schemeClr val="tx1"/>
+                </a:solidFill>
+                <a:latin typeface="+mn-lt"/>
+                <a:ea typeface="+mn-ea"/>
+                <a:cs typeface="+mn-cs"/>
+              </a:defRPr>
+            </a:lvl6pPr>
+            <a:lvl7pPr marL="2971800" indent="-228600" algn="l" defTabSz="914400" rtl="0" eaLnBrk="1" latinLnBrk="0" hangingPunct="1">
+              <a:lnSpc>
+                <a:spcPct val="90000"/>
+              </a:lnSpc>
+              <a:spcBef>
+                <a:spcPts val="500"/>
+              </a:spcBef>
+              <a:buFont typeface="Arial" panose="020B0604020202020204" pitchFamily="34" charset="0"/>
+              <a:buChar char="•"/>
+              <a:defRPr sz="1800" kern="1200">
+                <a:solidFill>
+                  <a:schemeClr val="tx1"/>
+                </a:solidFill>
+                <a:latin typeface="+mn-lt"/>
+                <a:ea typeface="+mn-ea"/>
+                <a:cs typeface="+mn-cs"/>
+              </a:defRPr>
+            </a:lvl7pPr>
+            <a:lvl8pPr marL="3429000" indent="-228600" algn="l" defTabSz="914400" rtl="0" eaLnBrk="1" latinLnBrk="0" hangingPunct="1">
+              <a:lnSpc>
+                <a:spcPct val="90000"/>
+              </a:lnSpc>
+              <a:spcBef>
+                <a:spcPts val="500"/>
+              </a:spcBef>
+              <a:buFont typeface="Arial" panose="020B0604020202020204" pitchFamily="34" charset="0"/>
+              <a:buChar char="•"/>
+              <a:defRPr sz="1800" kern="1200">
+                <a:solidFill>
+                  <a:schemeClr val="tx1"/>
+                </a:solidFill>
+                <a:latin typeface="+mn-lt"/>
+                <a:ea typeface="+mn-ea"/>
+                <a:cs typeface="+mn-cs"/>
+              </a:defRPr>
+            </a:lvl8pPr>
+            <a:lvl9pPr marL="3886200" indent="-228600" algn="l" defTabSz="914400" rtl="0" eaLnBrk="1" latinLnBrk="0" hangingPunct="1">
+              <a:lnSpc>
+                <a:spcPct val="90000"/>
+              </a:lnSpc>
+              <a:spcBef>
+                <a:spcPts val="500"/>
+              </a:spcBef>
+              <a:buFont typeface="Arial" panose="020B0604020202020204" pitchFamily="34" charset="0"/>
+              <a:buChar char="•"/>
+              <a:defRPr sz="1800" kern="1200">
+                <a:solidFill>
+                  <a:schemeClr val="tx1"/>
+                </a:solidFill>
+                <a:latin typeface="+mn-lt"/>
+                <a:ea typeface="+mn-ea"/>
+                <a:cs typeface="+mn-cs"/>
+              </a:defRPr>
+            </a:lvl9pPr>
+          </a:lstStyle>
+          <a:p>
+            <a:pPr marL="0" indent="0">
+              <a:buNone/>
+            </a:pPr>
+            <a:r>
+              <a:rPr lang="fr-FR" sz="3600" dirty="0">
+                <a:solidFill>
+                  <a:srgbClr val="80BC58"/>
+                </a:solidFill>
+                <a:latin typeface="FontAwesome" pitchFamily="50" charset="0"/>
+              </a:rPr>
+              <a:t></a:t>
+            </a:r>
           </a:p>
         </p:txBody>
       </p:sp>
@@ -8242,6 +8420,134 @@
       </p:sp>
       <p:pic>
         <p:nvPicPr>
+          <p:cNvPr id="4" name="Picture 2" descr="Image associée"/>
+          <p:cNvPicPr>
+            <a:picLocks noChangeAspect="1" noChangeArrowheads="1"/>
+          </p:cNvPicPr>
+          <p:nvPr/>
+        </p:nvPicPr>
+        <p:blipFill>
+          <a:blip r:embed="rId2">
+            <a:extLst>
+              <a:ext uri="{28A0092B-C50C-407E-A947-70E740481C1C}">
+                <a14:useLocalDpi xmlns:a14="http://schemas.microsoft.com/office/drawing/2010/main" val="0"/>
+              </a:ext>
+            </a:extLst>
+          </a:blip>
+          <a:srcRect/>
+          <a:stretch>
+            <a:fillRect/>
+          </a:stretch>
+        </p:blipFill>
+        <p:spPr bwMode="auto">
+          <a:xfrm>
+            <a:off x="2003425" y="658813"/>
+            <a:ext cx="8572500" cy="5238750"/>
+          </a:xfrm>
+          <a:prstGeom prst="rect">
+            <a:avLst/>
+          </a:prstGeom>
+          <a:noFill/>
+          <a:extLst>
+            <a:ext uri="{909E8E84-426E-40DD-AFC4-6F175D3DCCD1}">
+              <a14:hiddenFill xmlns:a14="http://schemas.microsoft.com/office/drawing/2010/main">
+                <a:solidFill>
+                  <a:srgbClr val="FFFFFF"/>
+                </a:solidFill>
+              </a14:hiddenFill>
+            </a:ext>
+          </a:extLst>
+        </p:spPr>
+      </p:pic>
+    </p:spTree>
+    <p:extLst>
+      <p:ext uri="{BB962C8B-B14F-4D97-AF65-F5344CB8AC3E}">
+        <p14:creationId xmlns:p14="http://schemas.microsoft.com/office/powerpoint/2010/main" val="1590141450"/>
+      </p:ext>
+    </p:extLst>
+  </p:cSld>
+  <p:clrMapOvr>
+    <a:masterClrMapping/>
+  </p:clrMapOvr>
+  <mc:AlternateContent xmlns:mc="http://schemas.openxmlformats.org/markup-compatibility/2006" xmlns:p14="http://schemas.microsoft.com/office/powerpoint/2010/main">
+    <mc:Choice Requires="p14">
+      <p:transition spd="slow" p14:dur="1200">
+        <p14:prism/>
+      </p:transition>
+    </mc:Choice>
+    <mc:Fallback xmlns="">
+      <p:transition spd="slow">
+        <p:fade/>
+      </p:transition>
+    </mc:Fallback>
+  </mc:AlternateContent>
+  <p:timing>
+    <p:tnLst>
+      <p:par>
+        <p:cTn id="1" dur="indefinite" restart="never" nodeType="tmRoot"/>
+      </p:par>
+    </p:tnLst>
+  </p:timing>
+</p:sld>
+</file>
+
+<file path=ppt/slides/slide11.xml><?xml version="1.0" encoding="utf-8"?>
+<p:sld xmlns:a="http://schemas.openxmlformats.org/drawingml/2006/main" xmlns:r="http://schemas.openxmlformats.org/officeDocument/2006/relationships" xmlns:p="http://schemas.openxmlformats.org/presentationml/2006/main">
+  <p:cSld>
+    <p:spTree>
+      <p:nvGrpSpPr>
+        <p:cNvPr id="1" name=""/>
+        <p:cNvGrpSpPr/>
+        <p:nvPr/>
+      </p:nvGrpSpPr>
+      <p:grpSpPr>
+        <a:xfrm>
+          <a:off x="0" y="0"/>
+          <a:ext cx="0" cy="0"/>
+          <a:chOff x="0" y="0"/>
+          <a:chExt cx="0" cy="0"/>
+        </a:xfrm>
+      </p:grpSpPr>
+      <p:sp>
+        <p:nvSpPr>
+          <p:cNvPr id="2" name="Titre 1"/>
+          <p:cNvSpPr>
+            <a:spLocks noGrp="1"/>
+          </p:cNvSpPr>
+          <p:nvPr>
+            <p:ph type="title"/>
+          </p:nvPr>
+        </p:nvSpPr>
+        <p:spPr/>
+        <p:txBody>
+          <a:bodyPr/>
+          <a:lstStyle/>
+          <a:p>
+            <a:endParaRPr lang="fr-FR"/>
+          </a:p>
+        </p:txBody>
+      </p:sp>
+      <p:sp>
+        <p:nvSpPr>
+          <p:cNvPr id="3" name="Espace réservé du contenu 2"/>
+          <p:cNvSpPr>
+            <a:spLocks noGrp="1"/>
+          </p:cNvSpPr>
+          <p:nvPr>
+            <p:ph idx="1"/>
+          </p:nvPr>
+        </p:nvSpPr>
+        <p:spPr/>
+        <p:txBody>
+          <a:bodyPr/>
+          <a:lstStyle/>
+          <a:p>
+            <a:endParaRPr lang="fr-FR"/>
+          </a:p>
+        </p:txBody>
+      </p:sp>
+      <p:pic>
+        <p:nvPicPr>
           <p:cNvPr id="2050" name="Picture 2" descr="Image associée"/>
           <p:cNvPicPr>
             <a:picLocks noChangeAspect="1" noChangeArrowheads="1"/>
@@ -8313,7 +8619,7 @@
 </p:sld>
 </file>
 
-<file path=ppt/slides/slide2.xml><?xml version="1.0" encoding="utf-8"?>
+<file path=ppt/slides/slide12.xml><?xml version="1.0" encoding="utf-8"?>
 <p:sld xmlns:a="http://schemas.openxmlformats.org/drawingml/2006/main" xmlns:r="http://schemas.openxmlformats.org/officeDocument/2006/relationships" xmlns:p="http://schemas.openxmlformats.org/presentationml/2006/main">
   <p:cSld>
     <p:bg>
@@ -8355,11 +8661,13 @@
           </a:xfrm>
         </p:spPr>
         <p:txBody>
-          <a:bodyPr/>
+          <a:bodyPr>
+            <a:normAutofit/>
+          </a:bodyPr>
           <a:lstStyle/>
           <a:p>
             <a:r>
-              <a:rPr lang="fr-FR" b="1" dirty="0" smtClean="0">
+              <a:rPr lang="fr-FR" b="1" dirty="0">
                 <a:solidFill>
                   <a:schemeClr val="bg1"/>
                 </a:solidFill>
@@ -8367,7 +8675,18 @@
                 <a:ea typeface="Open Sans" panose="020B0606030504020204" pitchFamily="34" charset="0"/>
                 <a:cs typeface="Open Sans" panose="020B0606030504020204" pitchFamily="34" charset="0"/>
               </a:rPr>
-              <a:t>Nos objectifs </a:t>
+              <a:t>Naissance du </a:t>
+            </a:r>
+            <a:r>
+              <a:rPr lang="fr-FR" b="1" dirty="0" err="1">
+                <a:solidFill>
+                  <a:schemeClr val="bg1"/>
+                </a:solidFill>
+                <a:latin typeface="Open Sans" panose="020B0606030504020204" pitchFamily="34" charset="0"/>
+                <a:ea typeface="Open Sans" panose="020B0606030504020204" pitchFamily="34" charset="0"/>
+                <a:cs typeface="Open Sans" panose="020B0606030504020204" pitchFamily="34" charset="0"/>
+              </a:rPr>
+              <a:t>No-SQL</a:t>
             </a:r>
             <a:endParaRPr lang="fr-FR" b="1" dirty="0">
               <a:solidFill>
@@ -9458,7 +9777,1419 @@
 </p:sld>
 </file>
 
+<file path=ppt/slides/slide2.xml><?xml version="1.0" encoding="utf-8"?>
+<p:sld xmlns:a="http://schemas.openxmlformats.org/drawingml/2006/main" xmlns:r="http://schemas.openxmlformats.org/officeDocument/2006/relationships" xmlns:p="http://schemas.openxmlformats.org/presentationml/2006/main">
+  <p:cSld>
+    <p:bg>
+      <p:bgPr>
+        <a:solidFill>
+          <a:srgbClr val="22303B"/>
+        </a:solidFill>
+        <a:effectLst/>
+      </p:bgPr>
+    </p:bg>
+    <p:spTree>
+      <p:nvGrpSpPr>
+        <p:cNvPr id="1" name=""/>
+        <p:cNvGrpSpPr/>
+        <p:nvPr/>
+      </p:nvGrpSpPr>
+      <p:grpSpPr>
+        <a:xfrm>
+          <a:off x="0" y="0"/>
+          <a:ext cx="0" cy="0"/>
+          <a:chOff x="0" y="0"/>
+          <a:chExt cx="0" cy="0"/>
+        </a:xfrm>
+      </p:grpSpPr>
+      <p:sp>
+        <p:nvSpPr>
+          <p:cNvPr id="2" name="Titre 1"/>
+          <p:cNvSpPr>
+            <a:spLocks noGrp="1"/>
+          </p:cNvSpPr>
+          <p:nvPr>
+            <p:ph type="title"/>
+          </p:nvPr>
+        </p:nvSpPr>
+        <p:spPr>
+          <a:xfrm>
+            <a:off x="1295400" y="365125"/>
+            <a:ext cx="10058400" cy="1325563"/>
+          </a:xfrm>
+        </p:spPr>
+        <p:txBody>
+          <a:bodyPr/>
+          <a:lstStyle/>
+          <a:p>
+            <a:r>
+              <a:rPr lang="fr-FR" b="1" dirty="0" smtClean="0">
+                <a:solidFill>
+                  <a:schemeClr val="bg1"/>
+                </a:solidFill>
+                <a:latin typeface="Open Sans" panose="020B0606030504020204" pitchFamily="34" charset="0"/>
+                <a:ea typeface="Open Sans" panose="020B0606030504020204" pitchFamily="34" charset="0"/>
+                <a:cs typeface="Open Sans" panose="020B0606030504020204" pitchFamily="34" charset="0"/>
+              </a:rPr>
+              <a:t>Sommaire</a:t>
+            </a:r>
+            <a:endParaRPr lang="fr-FR" b="1" dirty="0">
+              <a:solidFill>
+                <a:schemeClr val="bg1"/>
+              </a:solidFill>
+              <a:latin typeface="Open Sans" panose="020B0606030504020204" pitchFamily="34" charset="0"/>
+              <a:ea typeface="Open Sans" panose="020B0606030504020204" pitchFamily="34" charset="0"/>
+              <a:cs typeface="Open Sans" panose="020B0606030504020204" pitchFamily="34" charset="0"/>
+            </a:endParaRPr>
+          </a:p>
+        </p:txBody>
+      </p:sp>
+      <p:cxnSp>
+        <p:nvCxnSpPr>
+          <p:cNvPr id="5" name="Connecteur droit 4"/>
+          <p:cNvCxnSpPr/>
+          <p:nvPr/>
+        </p:nvCxnSpPr>
+        <p:spPr>
+          <a:xfrm>
+            <a:off x="981075" y="385763"/>
+            <a:ext cx="0" cy="1276350"/>
+          </a:xfrm>
+          <a:prstGeom prst="line">
+            <a:avLst/>
+          </a:prstGeom>
+          <a:ln w="76200">
+            <a:solidFill>
+              <a:srgbClr val="80BC58"/>
+            </a:solidFill>
+          </a:ln>
+          <a:effectLst>
+            <a:outerShdw blurRad="50800" dist="38100" dir="13500000" algn="br" rotWithShape="0">
+              <a:prstClr val="black">
+                <a:alpha val="40000"/>
+              </a:prstClr>
+            </a:outerShdw>
+          </a:effectLst>
+        </p:spPr>
+        <p:style>
+          <a:lnRef idx="1">
+            <a:schemeClr val="accent1"/>
+          </a:lnRef>
+          <a:fillRef idx="0">
+            <a:schemeClr val="accent1"/>
+          </a:fillRef>
+          <a:effectRef idx="0">
+            <a:schemeClr val="accent1"/>
+          </a:effectRef>
+          <a:fontRef idx="minor">
+            <a:schemeClr val="tx1"/>
+          </a:fontRef>
+        </p:style>
+      </p:cxnSp>
+      <p:sp>
+        <p:nvSpPr>
+          <p:cNvPr id="14" name="Sous-titre 2"/>
+          <p:cNvSpPr txBox="1">
+            <a:spLocks/>
+          </p:cNvSpPr>
+          <p:nvPr/>
+        </p:nvSpPr>
+        <p:spPr>
+          <a:xfrm>
+            <a:off x="723900" y="6284994"/>
+            <a:ext cx="10934700" cy="323686"/>
+          </a:xfrm>
+          <a:prstGeom prst="rect">
+            <a:avLst/>
+          </a:prstGeom>
+        </p:spPr>
+        <p:txBody>
+          <a:bodyPr vert="horz" lIns="91440" tIns="45720" rIns="91440" bIns="45720" rtlCol="0">
+            <a:noAutofit/>
+          </a:bodyPr>
+          <a:lstStyle>
+            <a:lvl1pPr marL="0" indent="0" algn="ctr" defTabSz="914400" rtl="0" eaLnBrk="1" latinLnBrk="0" hangingPunct="1">
+              <a:lnSpc>
+                <a:spcPct val="90000"/>
+              </a:lnSpc>
+              <a:spcBef>
+                <a:spcPts val="1000"/>
+              </a:spcBef>
+              <a:buFont typeface="Arial" panose="020B0604020202020204" pitchFamily="34" charset="0"/>
+              <a:buNone/>
+              <a:defRPr sz="2400" kern="1200">
+                <a:solidFill>
+                  <a:schemeClr val="tx1"/>
+                </a:solidFill>
+                <a:latin typeface="+mn-lt"/>
+                <a:ea typeface="+mn-ea"/>
+                <a:cs typeface="+mn-cs"/>
+              </a:defRPr>
+            </a:lvl1pPr>
+            <a:lvl2pPr marL="457200" indent="0" algn="ctr" defTabSz="914400" rtl="0" eaLnBrk="1" latinLnBrk="0" hangingPunct="1">
+              <a:lnSpc>
+                <a:spcPct val="90000"/>
+              </a:lnSpc>
+              <a:spcBef>
+                <a:spcPts val="500"/>
+              </a:spcBef>
+              <a:buFont typeface="Arial" panose="020B0604020202020204" pitchFamily="34" charset="0"/>
+              <a:buNone/>
+              <a:defRPr sz="2000" kern="1200">
+                <a:solidFill>
+                  <a:schemeClr val="tx1"/>
+                </a:solidFill>
+                <a:latin typeface="+mn-lt"/>
+                <a:ea typeface="+mn-ea"/>
+                <a:cs typeface="+mn-cs"/>
+              </a:defRPr>
+            </a:lvl2pPr>
+            <a:lvl3pPr marL="914400" indent="0" algn="ctr" defTabSz="914400" rtl="0" eaLnBrk="1" latinLnBrk="0" hangingPunct="1">
+              <a:lnSpc>
+                <a:spcPct val="90000"/>
+              </a:lnSpc>
+              <a:spcBef>
+                <a:spcPts val="500"/>
+              </a:spcBef>
+              <a:buFont typeface="Arial" panose="020B0604020202020204" pitchFamily="34" charset="0"/>
+              <a:buNone/>
+              <a:defRPr sz="1800" kern="1200">
+                <a:solidFill>
+                  <a:schemeClr val="tx1"/>
+                </a:solidFill>
+                <a:latin typeface="+mn-lt"/>
+                <a:ea typeface="+mn-ea"/>
+                <a:cs typeface="+mn-cs"/>
+              </a:defRPr>
+            </a:lvl3pPr>
+            <a:lvl4pPr marL="1371600" indent="0" algn="ctr" defTabSz="914400" rtl="0" eaLnBrk="1" latinLnBrk="0" hangingPunct="1">
+              <a:lnSpc>
+                <a:spcPct val="90000"/>
+              </a:lnSpc>
+              <a:spcBef>
+                <a:spcPts val="500"/>
+              </a:spcBef>
+              <a:buFont typeface="Arial" panose="020B0604020202020204" pitchFamily="34" charset="0"/>
+              <a:buNone/>
+              <a:defRPr sz="1600" kern="1200">
+                <a:solidFill>
+                  <a:schemeClr val="tx1"/>
+                </a:solidFill>
+                <a:latin typeface="+mn-lt"/>
+                <a:ea typeface="+mn-ea"/>
+                <a:cs typeface="+mn-cs"/>
+              </a:defRPr>
+            </a:lvl4pPr>
+            <a:lvl5pPr marL="1828800" indent="0" algn="ctr" defTabSz="914400" rtl="0" eaLnBrk="1" latinLnBrk="0" hangingPunct="1">
+              <a:lnSpc>
+                <a:spcPct val="90000"/>
+              </a:lnSpc>
+              <a:spcBef>
+                <a:spcPts val="500"/>
+              </a:spcBef>
+              <a:buFont typeface="Arial" panose="020B0604020202020204" pitchFamily="34" charset="0"/>
+              <a:buNone/>
+              <a:defRPr sz="1600" kern="1200">
+                <a:solidFill>
+                  <a:schemeClr val="tx1"/>
+                </a:solidFill>
+                <a:latin typeface="+mn-lt"/>
+                <a:ea typeface="+mn-ea"/>
+                <a:cs typeface="+mn-cs"/>
+              </a:defRPr>
+            </a:lvl5pPr>
+            <a:lvl6pPr marL="2286000" indent="0" algn="ctr" defTabSz="914400" rtl="0" eaLnBrk="1" latinLnBrk="0" hangingPunct="1">
+              <a:lnSpc>
+                <a:spcPct val="90000"/>
+              </a:lnSpc>
+              <a:spcBef>
+                <a:spcPts val="500"/>
+              </a:spcBef>
+              <a:buFont typeface="Arial" panose="020B0604020202020204" pitchFamily="34" charset="0"/>
+              <a:buNone/>
+              <a:defRPr sz="1600" kern="1200">
+                <a:solidFill>
+                  <a:schemeClr val="tx1"/>
+                </a:solidFill>
+                <a:latin typeface="+mn-lt"/>
+                <a:ea typeface="+mn-ea"/>
+                <a:cs typeface="+mn-cs"/>
+              </a:defRPr>
+            </a:lvl6pPr>
+            <a:lvl7pPr marL="2743200" indent="0" algn="ctr" defTabSz="914400" rtl="0" eaLnBrk="1" latinLnBrk="0" hangingPunct="1">
+              <a:lnSpc>
+                <a:spcPct val="90000"/>
+              </a:lnSpc>
+              <a:spcBef>
+                <a:spcPts val="500"/>
+              </a:spcBef>
+              <a:buFont typeface="Arial" panose="020B0604020202020204" pitchFamily="34" charset="0"/>
+              <a:buNone/>
+              <a:defRPr sz="1600" kern="1200">
+                <a:solidFill>
+                  <a:schemeClr val="tx1"/>
+                </a:solidFill>
+                <a:latin typeface="+mn-lt"/>
+                <a:ea typeface="+mn-ea"/>
+                <a:cs typeface="+mn-cs"/>
+              </a:defRPr>
+            </a:lvl7pPr>
+            <a:lvl8pPr marL="3200400" indent="0" algn="ctr" defTabSz="914400" rtl="0" eaLnBrk="1" latinLnBrk="0" hangingPunct="1">
+              <a:lnSpc>
+                <a:spcPct val="90000"/>
+              </a:lnSpc>
+              <a:spcBef>
+                <a:spcPts val="500"/>
+              </a:spcBef>
+              <a:buFont typeface="Arial" panose="020B0604020202020204" pitchFamily="34" charset="0"/>
+              <a:buNone/>
+              <a:defRPr sz="1600" kern="1200">
+                <a:solidFill>
+                  <a:schemeClr val="tx1"/>
+                </a:solidFill>
+                <a:latin typeface="+mn-lt"/>
+                <a:ea typeface="+mn-ea"/>
+                <a:cs typeface="+mn-cs"/>
+              </a:defRPr>
+            </a:lvl8pPr>
+            <a:lvl9pPr marL="3657600" indent="0" algn="ctr" defTabSz="914400" rtl="0" eaLnBrk="1" latinLnBrk="0" hangingPunct="1">
+              <a:lnSpc>
+                <a:spcPct val="90000"/>
+              </a:lnSpc>
+              <a:spcBef>
+                <a:spcPts val="500"/>
+              </a:spcBef>
+              <a:buFont typeface="Arial" panose="020B0604020202020204" pitchFamily="34" charset="0"/>
+              <a:buNone/>
+              <a:defRPr sz="1600" kern="1200">
+                <a:solidFill>
+                  <a:schemeClr val="tx1"/>
+                </a:solidFill>
+                <a:latin typeface="+mn-lt"/>
+                <a:ea typeface="+mn-ea"/>
+                <a:cs typeface="+mn-cs"/>
+              </a:defRPr>
+            </a:lvl9pPr>
+          </a:lstStyle>
+          <a:p>
+            <a:r>
+              <a:rPr lang="fr-FR" sz="2000" b="1" dirty="0" smtClean="0">
+                <a:solidFill>
+                  <a:schemeClr val="bg1"/>
+                </a:solidFill>
+                <a:latin typeface="Open Sans" panose="020B0606030504020204" pitchFamily="34" charset="0"/>
+                <a:ea typeface="Open Sans" panose="020B0606030504020204" pitchFamily="34" charset="0"/>
+                <a:cs typeface="Open Sans" panose="020B0606030504020204" pitchFamily="34" charset="0"/>
+              </a:rPr>
+              <a:t>PROJET JAVA JEE </a:t>
+            </a:r>
+            <a:r>
+              <a:rPr lang="fr-FR" sz="2000" dirty="0">
+                <a:solidFill>
+                  <a:schemeClr val="bg1">
+                    <a:lumMod val="65000"/>
+                  </a:schemeClr>
+                </a:solidFill>
+                <a:latin typeface="Open Sans" panose="020B0606030504020204" pitchFamily="34" charset="0"/>
+                <a:ea typeface="Open Sans" panose="020B0606030504020204" pitchFamily="34" charset="0"/>
+                <a:cs typeface="Open Sans" panose="020B0606030504020204" pitchFamily="34" charset="0"/>
+              </a:rPr>
+              <a:t>~</a:t>
+            </a:r>
+            <a:r>
+              <a:rPr lang="fr-FR" sz="2000" dirty="0" smtClean="0">
+                <a:solidFill>
+                  <a:schemeClr val="bg1">
+                    <a:lumMod val="65000"/>
+                  </a:schemeClr>
+                </a:solidFill>
+                <a:latin typeface="Open Sans" panose="020B0606030504020204" pitchFamily="34" charset="0"/>
+                <a:ea typeface="Open Sans" panose="020B0606030504020204" pitchFamily="34" charset="0"/>
+                <a:cs typeface="Open Sans" panose="020B0606030504020204" pitchFamily="34" charset="0"/>
+              </a:rPr>
+              <a:t> Application de gestion pour les pré-inscriptions à des UV ~</a:t>
+            </a:r>
+            <a:endParaRPr lang="fr-FR" sz="2000" dirty="0">
+              <a:solidFill>
+                <a:schemeClr val="bg1">
+                  <a:lumMod val="65000"/>
+                </a:schemeClr>
+              </a:solidFill>
+              <a:latin typeface="Open Sans" panose="020B0606030504020204" pitchFamily="34" charset="0"/>
+              <a:ea typeface="Open Sans" panose="020B0606030504020204" pitchFamily="34" charset="0"/>
+              <a:cs typeface="Open Sans" panose="020B0606030504020204" pitchFamily="34" charset="0"/>
+            </a:endParaRPr>
+          </a:p>
+        </p:txBody>
+      </p:sp>
+      <p:sp>
+        <p:nvSpPr>
+          <p:cNvPr id="4" name="Espace réservé du contenu 3"/>
+          <p:cNvSpPr>
+            <a:spLocks noGrp="1"/>
+          </p:cNvSpPr>
+          <p:nvPr>
+            <p:ph idx="1"/>
+          </p:nvPr>
+        </p:nvSpPr>
+        <p:spPr/>
+        <p:txBody>
+          <a:bodyPr/>
+          <a:lstStyle/>
+          <a:p>
+            <a:pPr marL="0" indent="0">
+              <a:buNone/>
+            </a:pPr>
+            <a:r>
+              <a:rPr lang="fr-FR" b="1" dirty="0" smtClean="0">
+                <a:solidFill>
+                  <a:schemeClr val="bg1"/>
+                </a:solidFill>
+              </a:rPr>
+              <a:t>	I - Naissance du </a:t>
+            </a:r>
+            <a:r>
+              <a:rPr lang="fr-FR" b="1" dirty="0" err="1" smtClean="0">
+                <a:solidFill>
+                  <a:schemeClr val="bg1"/>
+                </a:solidFill>
+              </a:rPr>
+              <a:t>No-SQL</a:t>
+            </a:r>
+            <a:endParaRPr lang="fr-FR" b="1" dirty="0" smtClean="0">
+              <a:solidFill>
+                <a:schemeClr val="bg1"/>
+              </a:solidFill>
+            </a:endParaRPr>
+          </a:p>
+          <a:p>
+            <a:pPr marL="0" indent="0">
+              <a:buNone/>
+            </a:pPr>
+            <a:r>
+              <a:rPr lang="fr-FR" b="1" dirty="0">
+                <a:solidFill>
+                  <a:schemeClr val="bg1"/>
+                </a:solidFill>
+              </a:rPr>
+              <a:t>	</a:t>
+            </a:r>
+            <a:r>
+              <a:rPr lang="fr-FR" b="1" smtClean="0">
+                <a:solidFill>
+                  <a:schemeClr val="bg1"/>
+                </a:solidFill>
+              </a:rPr>
+              <a:t>II -  </a:t>
+            </a:r>
+            <a:endParaRPr lang="fr-FR" b="1" dirty="0" smtClean="0">
+              <a:solidFill>
+                <a:schemeClr val="bg1"/>
+              </a:solidFill>
+            </a:endParaRPr>
+          </a:p>
+          <a:p>
+            <a:pPr marL="0" indent="0">
+              <a:buNone/>
+            </a:pPr>
+            <a:r>
+              <a:rPr lang="fr-FR" b="1" dirty="0" smtClean="0">
+                <a:solidFill>
+                  <a:schemeClr val="bg1"/>
+                </a:solidFill>
+              </a:rPr>
+              <a:t>	III - </a:t>
+            </a:r>
+            <a:endParaRPr lang="fr-FR" b="1" dirty="0">
+              <a:solidFill>
+                <a:schemeClr val="bg1"/>
+              </a:solidFill>
+            </a:endParaRPr>
+          </a:p>
+        </p:txBody>
+      </p:sp>
+      <p:sp>
+        <p:nvSpPr>
+          <p:cNvPr id="22" name="Espace réservé du contenu 2"/>
+          <p:cNvSpPr txBox="1">
+            <a:spLocks/>
+          </p:cNvSpPr>
+          <p:nvPr/>
+        </p:nvSpPr>
+        <p:spPr>
+          <a:xfrm>
+            <a:off x="11518106" y="76200"/>
+            <a:ext cx="673894" cy="619125"/>
+          </a:xfrm>
+          <a:prstGeom prst="rect">
+            <a:avLst/>
+          </a:prstGeom>
+        </p:spPr>
+        <p:txBody>
+          <a:bodyPr vert="horz" lIns="91440" tIns="45720" rIns="91440" bIns="45720" rtlCol="0">
+            <a:normAutofit/>
+          </a:bodyPr>
+          <a:lstStyle>
+            <a:lvl1pPr marL="228600" indent="-228600" algn="l" defTabSz="914400" rtl="0" eaLnBrk="1" latinLnBrk="0" hangingPunct="1">
+              <a:lnSpc>
+                <a:spcPct val="90000"/>
+              </a:lnSpc>
+              <a:spcBef>
+                <a:spcPts val="1000"/>
+              </a:spcBef>
+              <a:buFont typeface="Arial" panose="020B0604020202020204" pitchFamily="34" charset="0"/>
+              <a:buChar char="•"/>
+              <a:defRPr sz="2800" kern="1200">
+                <a:solidFill>
+                  <a:schemeClr val="tx1"/>
+                </a:solidFill>
+                <a:latin typeface="+mn-lt"/>
+                <a:ea typeface="+mn-ea"/>
+                <a:cs typeface="+mn-cs"/>
+              </a:defRPr>
+            </a:lvl1pPr>
+            <a:lvl2pPr marL="685800" indent="-228600" algn="l" defTabSz="914400" rtl="0" eaLnBrk="1" latinLnBrk="0" hangingPunct="1">
+              <a:lnSpc>
+                <a:spcPct val="90000"/>
+              </a:lnSpc>
+              <a:spcBef>
+                <a:spcPts val="500"/>
+              </a:spcBef>
+              <a:buFont typeface="Arial" panose="020B0604020202020204" pitchFamily="34" charset="0"/>
+              <a:buChar char="•"/>
+              <a:defRPr sz="2400" kern="1200">
+                <a:solidFill>
+                  <a:schemeClr val="tx1"/>
+                </a:solidFill>
+                <a:latin typeface="+mn-lt"/>
+                <a:ea typeface="+mn-ea"/>
+                <a:cs typeface="+mn-cs"/>
+              </a:defRPr>
+            </a:lvl2pPr>
+            <a:lvl3pPr marL="1143000" indent="-228600" algn="l" defTabSz="914400" rtl="0" eaLnBrk="1" latinLnBrk="0" hangingPunct="1">
+              <a:lnSpc>
+                <a:spcPct val="90000"/>
+              </a:lnSpc>
+              <a:spcBef>
+                <a:spcPts val="500"/>
+              </a:spcBef>
+              <a:buFont typeface="Arial" panose="020B0604020202020204" pitchFamily="34" charset="0"/>
+              <a:buChar char="•"/>
+              <a:defRPr sz="2000" kern="1200">
+                <a:solidFill>
+                  <a:schemeClr val="tx1"/>
+                </a:solidFill>
+                <a:latin typeface="+mn-lt"/>
+                <a:ea typeface="+mn-ea"/>
+                <a:cs typeface="+mn-cs"/>
+              </a:defRPr>
+            </a:lvl3pPr>
+            <a:lvl4pPr marL="1600200" indent="-228600" algn="l" defTabSz="914400" rtl="0" eaLnBrk="1" latinLnBrk="0" hangingPunct="1">
+              <a:lnSpc>
+                <a:spcPct val="90000"/>
+              </a:lnSpc>
+              <a:spcBef>
+                <a:spcPts val="500"/>
+              </a:spcBef>
+              <a:buFont typeface="Arial" panose="020B0604020202020204" pitchFamily="34" charset="0"/>
+              <a:buChar char="•"/>
+              <a:defRPr sz="1800" kern="1200">
+                <a:solidFill>
+                  <a:schemeClr val="tx1"/>
+                </a:solidFill>
+                <a:latin typeface="+mn-lt"/>
+                <a:ea typeface="+mn-ea"/>
+                <a:cs typeface="+mn-cs"/>
+              </a:defRPr>
+            </a:lvl4pPr>
+            <a:lvl5pPr marL="2057400" indent="-228600" algn="l" defTabSz="914400" rtl="0" eaLnBrk="1" latinLnBrk="0" hangingPunct="1">
+              <a:lnSpc>
+                <a:spcPct val="90000"/>
+              </a:lnSpc>
+              <a:spcBef>
+                <a:spcPts val="500"/>
+              </a:spcBef>
+              <a:buFont typeface="Arial" panose="020B0604020202020204" pitchFamily="34" charset="0"/>
+              <a:buChar char="•"/>
+              <a:defRPr sz="1800" kern="1200">
+                <a:solidFill>
+                  <a:schemeClr val="tx1"/>
+                </a:solidFill>
+                <a:latin typeface="+mn-lt"/>
+                <a:ea typeface="+mn-ea"/>
+                <a:cs typeface="+mn-cs"/>
+              </a:defRPr>
+            </a:lvl5pPr>
+            <a:lvl6pPr marL="2514600" indent="-228600" algn="l" defTabSz="914400" rtl="0" eaLnBrk="1" latinLnBrk="0" hangingPunct="1">
+              <a:lnSpc>
+                <a:spcPct val="90000"/>
+              </a:lnSpc>
+              <a:spcBef>
+                <a:spcPts val="500"/>
+              </a:spcBef>
+              <a:buFont typeface="Arial" panose="020B0604020202020204" pitchFamily="34" charset="0"/>
+              <a:buChar char="•"/>
+              <a:defRPr sz="1800" kern="1200">
+                <a:solidFill>
+                  <a:schemeClr val="tx1"/>
+                </a:solidFill>
+                <a:latin typeface="+mn-lt"/>
+                <a:ea typeface="+mn-ea"/>
+                <a:cs typeface="+mn-cs"/>
+              </a:defRPr>
+            </a:lvl6pPr>
+            <a:lvl7pPr marL="2971800" indent="-228600" algn="l" defTabSz="914400" rtl="0" eaLnBrk="1" latinLnBrk="0" hangingPunct="1">
+              <a:lnSpc>
+                <a:spcPct val="90000"/>
+              </a:lnSpc>
+              <a:spcBef>
+                <a:spcPts val="500"/>
+              </a:spcBef>
+              <a:buFont typeface="Arial" panose="020B0604020202020204" pitchFamily="34" charset="0"/>
+              <a:buChar char="•"/>
+              <a:defRPr sz="1800" kern="1200">
+                <a:solidFill>
+                  <a:schemeClr val="tx1"/>
+                </a:solidFill>
+                <a:latin typeface="+mn-lt"/>
+                <a:ea typeface="+mn-ea"/>
+                <a:cs typeface="+mn-cs"/>
+              </a:defRPr>
+            </a:lvl7pPr>
+            <a:lvl8pPr marL="3429000" indent="-228600" algn="l" defTabSz="914400" rtl="0" eaLnBrk="1" latinLnBrk="0" hangingPunct="1">
+              <a:lnSpc>
+                <a:spcPct val="90000"/>
+              </a:lnSpc>
+              <a:spcBef>
+                <a:spcPts val="500"/>
+              </a:spcBef>
+              <a:buFont typeface="Arial" panose="020B0604020202020204" pitchFamily="34" charset="0"/>
+              <a:buChar char="•"/>
+              <a:defRPr sz="1800" kern="1200">
+                <a:solidFill>
+                  <a:schemeClr val="tx1"/>
+                </a:solidFill>
+                <a:latin typeface="+mn-lt"/>
+                <a:ea typeface="+mn-ea"/>
+                <a:cs typeface="+mn-cs"/>
+              </a:defRPr>
+            </a:lvl8pPr>
+            <a:lvl9pPr marL="3886200" indent="-228600" algn="l" defTabSz="914400" rtl="0" eaLnBrk="1" latinLnBrk="0" hangingPunct="1">
+              <a:lnSpc>
+                <a:spcPct val="90000"/>
+              </a:lnSpc>
+              <a:spcBef>
+                <a:spcPts val="500"/>
+              </a:spcBef>
+              <a:buFont typeface="Arial" panose="020B0604020202020204" pitchFamily="34" charset="0"/>
+              <a:buChar char="•"/>
+              <a:defRPr sz="1800" kern="1200">
+                <a:solidFill>
+                  <a:schemeClr val="tx1"/>
+                </a:solidFill>
+                <a:latin typeface="+mn-lt"/>
+                <a:ea typeface="+mn-ea"/>
+                <a:cs typeface="+mn-cs"/>
+              </a:defRPr>
+            </a:lvl9pPr>
+          </a:lstStyle>
+          <a:p>
+            <a:pPr marL="0" indent="0">
+              <a:buNone/>
+            </a:pPr>
+            <a:r>
+              <a:rPr lang="fr-FR" sz="3600" dirty="0">
+                <a:solidFill>
+                  <a:srgbClr val="80BC58"/>
+                </a:solidFill>
+                <a:latin typeface="FontAwesome" pitchFamily="50" charset="0"/>
+              </a:rPr>
+              <a:t></a:t>
+            </a:r>
+          </a:p>
+        </p:txBody>
+      </p:sp>
+    </p:spTree>
+    <p:extLst>
+      <p:ext uri="{BB962C8B-B14F-4D97-AF65-F5344CB8AC3E}">
+        <p14:creationId xmlns:p14="http://schemas.microsoft.com/office/powerpoint/2010/main" val="2219467342"/>
+      </p:ext>
+    </p:extLst>
+  </p:cSld>
+  <p:clrMapOvr>
+    <a:masterClrMapping/>
+  </p:clrMapOvr>
+  <mc:AlternateContent xmlns:mc="http://schemas.openxmlformats.org/markup-compatibility/2006" xmlns:p14="http://schemas.microsoft.com/office/powerpoint/2010/main">
+    <mc:Choice Requires="p14">
+      <p:transition spd="slow" p14:dur="1200">
+        <p14:prism/>
+      </p:transition>
+    </mc:Choice>
+    <mc:Fallback xmlns="">
+      <p:transition spd="slow">
+        <p:fade/>
+      </p:transition>
+    </mc:Fallback>
+  </mc:AlternateContent>
+  <p:timing>
+    <p:tnLst>
+      <p:par>
+        <p:cTn id="1" dur="indefinite" restart="never" nodeType="tmRoot"/>
+      </p:par>
+    </p:tnLst>
+  </p:timing>
+</p:sld>
+</file>
+
 <file path=ppt/slides/slide3.xml><?xml version="1.0" encoding="utf-8"?>
+<p:sld xmlns:a="http://schemas.openxmlformats.org/drawingml/2006/main" xmlns:r="http://schemas.openxmlformats.org/officeDocument/2006/relationships" xmlns:p="http://schemas.openxmlformats.org/presentationml/2006/main">
+  <p:cSld>
+    <p:bg>
+      <p:bgPr>
+        <a:solidFill>
+          <a:srgbClr val="22303B"/>
+        </a:solidFill>
+        <a:effectLst/>
+      </p:bgPr>
+    </p:bg>
+    <p:spTree>
+      <p:nvGrpSpPr>
+        <p:cNvPr id="1" name=""/>
+        <p:cNvGrpSpPr/>
+        <p:nvPr/>
+      </p:nvGrpSpPr>
+      <p:grpSpPr>
+        <a:xfrm>
+          <a:off x="0" y="0"/>
+          <a:ext cx="0" cy="0"/>
+          <a:chOff x="0" y="0"/>
+          <a:chExt cx="0" cy="0"/>
+        </a:xfrm>
+      </p:grpSpPr>
+      <p:sp>
+        <p:nvSpPr>
+          <p:cNvPr id="2" name="Titre 1"/>
+          <p:cNvSpPr>
+            <a:spLocks noGrp="1"/>
+          </p:cNvSpPr>
+          <p:nvPr>
+            <p:ph type="title"/>
+          </p:nvPr>
+        </p:nvSpPr>
+        <p:spPr>
+          <a:xfrm>
+            <a:off x="1295400" y="365125"/>
+            <a:ext cx="10058400" cy="1325563"/>
+          </a:xfrm>
+        </p:spPr>
+        <p:txBody>
+          <a:bodyPr>
+            <a:normAutofit/>
+          </a:bodyPr>
+          <a:lstStyle/>
+          <a:p>
+            <a:r>
+              <a:rPr lang="fr-FR" b="1" dirty="0">
+                <a:solidFill>
+                  <a:schemeClr val="bg1"/>
+                </a:solidFill>
+                <a:latin typeface="Open Sans" panose="020B0606030504020204" pitchFamily="34" charset="0"/>
+                <a:ea typeface="Open Sans" panose="020B0606030504020204" pitchFamily="34" charset="0"/>
+                <a:cs typeface="Open Sans" panose="020B0606030504020204" pitchFamily="34" charset="0"/>
+              </a:rPr>
+              <a:t>Naissance du </a:t>
+            </a:r>
+            <a:r>
+              <a:rPr lang="fr-FR" b="1" dirty="0" err="1">
+                <a:solidFill>
+                  <a:schemeClr val="bg1"/>
+                </a:solidFill>
+                <a:latin typeface="Open Sans" panose="020B0606030504020204" pitchFamily="34" charset="0"/>
+                <a:ea typeface="Open Sans" panose="020B0606030504020204" pitchFamily="34" charset="0"/>
+                <a:cs typeface="Open Sans" panose="020B0606030504020204" pitchFamily="34" charset="0"/>
+              </a:rPr>
+              <a:t>No-SQL</a:t>
+            </a:r>
+            <a:endParaRPr lang="fr-FR" b="1" dirty="0">
+              <a:solidFill>
+                <a:schemeClr val="bg1"/>
+              </a:solidFill>
+              <a:latin typeface="Open Sans" panose="020B0606030504020204" pitchFamily="34" charset="0"/>
+              <a:ea typeface="Open Sans" panose="020B0606030504020204" pitchFamily="34" charset="0"/>
+              <a:cs typeface="Open Sans" panose="020B0606030504020204" pitchFamily="34" charset="0"/>
+            </a:endParaRPr>
+          </a:p>
+        </p:txBody>
+      </p:sp>
+      <p:cxnSp>
+        <p:nvCxnSpPr>
+          <p:cNvPr id="5" name="Connecteur droit 4"/>
+          <p:cNvCxnSpPr/>
+          <p:nvPr/>
+        </p:nvCxnSpPr>
+        <p:spPr>
+          <a:xfrm>
+            <a:off x="981075" y="385763"/>
+            <a:ext cx="0" cy="1276350"/>
+          </a:xfrm>
+          <a:prstGeom prst="line">
+            <a:avLst/>
+          </a:prstGeom>
+          <a:ln w="76200">
+            <a:solidFill>
+              <a:srgbClr val="80BC58"/>
+            </a:solidFill>
+          </a:ln>
+          <a:effectLst>
+            <a:outerShdw blurRad="50800" dist="38100" dir="13500000" algn="br" rotWithShape="0">
+              <a:prstClr val="black">
+                <a:alpha val="40000"/>
+              </a:prstClr>
+            </a:outerShdw>
+          </a:effectLst>
+        </p:spPr>
+        <p:style>
+          <a:lnRef idx="1">
+            <a:schemeClr val="accent1"/>
+          </a:lnRef>
+          <a:fillRef idx="0">
+            <a:schemeClr val="accent1"/>
+          </a:fillRef>
+          <a:effectRef idx="0">
+            <a:schemeClr val="accent1"/>
+          </a:effectRef>
+          <a:fontRef idx="minor">
+            <a:schemeClr val="tx1"/>
+          </a:fontRef>
+        </p:style>
+      </p:cxnSp>
+      <p:sp>
+        <p:nvSpPr>
+          <p:cNvPr id="7" name="Rectangle 6"/>
+          <p:cNvSpPr/>
+          <p:nvPr/>
+        </p:nvSpPr>
+        <p:spPr>
+          <a:xfrm>
+            <a:off x="2245518" y="2516188"/>
+            <a:ext cx="1195388" cy="1265237"/>
+          </a:xfrm>
+          <a:prstGeom prst="rect">
+            <a:avLst/>
+          </a:prstGeom>
+          <a:solidFill>
+            <a:srgbClr val="22303B"/>
+          </a:solidFill>
+          <a:ln w="57150">
+            <a:noFill/>
+          </a:ln>
+        </p:spPr>
+        <p:style>
+          <a:lnRef idx="2">
+            <a:schemeClr val="accent1">
+              <a:shade val="50000"/>
+            </a:schemeClr>
+          </a:lnRef>
+          <a:fillRef idx="1">
+            <a:schemeClr val="accent1"/>
+          </a:fillRef>
+          <a:effectRef idx="0">
+            <a:schemeClr val="accent1"/>
+          </a:effectRef>
+          <a:fontRef idx="minor">
+            <a:schemeClr val="lt1"/>
+          </a:fontRef>
+        </p:style>
+        <p:txBody>
+          <a:bodyPr rtlCol="0" anchor="ctr"/>
+          <a:lstStyle/>
+          <a:p>
+            <a:pPr algn="ctr"/>
+            <a:endParaRPr lang="fr-FR"/>
+          </a:p>
+        </p:txBody>
+      </p:sp>
+      <p:sp>
+        <p:nvSpPr>
+          <p:cNvPr id="17" name="Rectangle 16"/>
+          <p:cNvSpPr/>
+          <p:nvPr/>
+        </p:nvSpPr>
+        <p:spPr>
+          <a:xfrm>
+            <a:off x="5560218" y="2516188"/>
+            <a:ext cx="1195388" cy="1265237"/>
+          </a:xfrm>
+          <a:prstGeom prst="rect">
+            <a:avLst/>
+          </a:prstGeom>
+          <a:solidFill>
+            <a:srgbClr val="22303B"/>
+          </a:solidFill>
+          <a:ln w="57150">
+            <a:noFill/>
+          </a:ln>
+        </p:spPr>
+        <p:style>
+          <a:lnRef idx="2">
+            <a:schemeClr val="accent1">
+              <a:shade val="50000"/>
+            </a:schemeClr>
+          </a:lnRef>
+          <a:fillRef idx="1">
+            <a:schemeClr val="accent1"/>
+          </a:fillRef>
+          <a:effectRef idx="0">
+            <a:schemeClr val="accent1"/>
+          </a:effectRef>
+          <a:fontRef idx="minor">
+            <a:schemeClr val="lt1"/>
+          </a:fontRef>
+        </p:style>
+        <p:txBody>
+          <a:bodyPr rtlCol="0" anchor="ctr"/>
+          <a:lstStyle/>
+          <a:p>
+            <a:pPr algn="ctr"/>
+            <a:endParaRPr lang="fr-FR"/>
+          </a:p>
+        </p:txBody>
+      </p:sp>
+      <p:sp>
+        <p:nvSpPr>
+          <p:cNvPr id="20" name="Rectangle 19"/>
+          <p:cNvSpPr/>
+          <p:nvPr/>
+        </p:nvSpPr>
+        <p:spPr>
+          <a:xfrm>
+            <a:off x="8874917" y="2516188"/>
+            <a:ext cx="1195388" cy="1265237"/>
+          </a:xfrm>
+          <a:prstGeom prst="rect">
+            <a:avLst/>
+          </a:prstGeom>
+          <a:solidFill>
+            <a:srgbClr val="22303B"/>
+          </a:solidFill>
+          <a:ln w="57150">
+            <a:noFill/>
+          </a:ln>
+        </p:spPr>
+        <p:style>
+          <a:lnRef idx="2">
+            <a:schemeClr val="accent1">
+              <a:shade val="50000"/>
+            </a:schemeClr>
+          </a:lnRef>
+          <a:fillRef idx="1">
+            <a:schemeClr val="accent1"/>
+          </a:fillRef>
+          <a:effectRef idx="0">
+            <a:schemeClr val="accent1"/>
+          </a:effectRef>
+          <a:fontRef idx="minor">
+            <a:schemeClr val="lt1"/>
+          </a:fontRef>
+        </p:style>
+        <p:txBody>
+          <a:bodyPr rtlCol="0" anchor="ctr"/>
+          <a:lstStyle/>
+          <a:p>
+            <a:pPr algn="ctr"/>
+            <a:endParaRPr lang="fr-FR"/>
+          </a:p>
+        </p:txBody>
+      </p:sp>
+      <p:sp>
+        <p:nvSpPr>
+          <p:cNvPr id="14" name="Sous-titre 2"/>
+          <p:cNvSpPr txBox="1">
+            <a:spLocks/>
+          </p:cNvSpPr>
+          <p:nvPr/>
+        </p:nvSpPr>
+        <p:spPr>
+          <a:xfrm>
+            <a:off x="723900" y="6284994"/>
+            <a:ext cx="10934700" cy="323686"/>
+          </a:xfrm>
+          <a:prstGeom prst="rect">
+            <a:avLst/>
+          </a:prstGeom>
+        </p:spPr>
+        <p:txBody>
+          <a:bodyPr vert="horz" lIns="91440" tIns="45720" rIns="91440" bIns="45720" rtlCol="0">
+            <a:noAutofit/>
+          </a:bodyPr>
+          <a:lstStyle>
+            <a:lvl1pPr marL="0" indent="0" algn="ctr" defTabSz="914400" rtl="0" eaLnBrk="1" latinLnBrk="0" hangingPunct="1">
+              <a:lnSpc>
+                <a:spcPct val="90000"/>
+              </a:lnSpc>
+              <a:spcBef>
+                <a:spcPts val="1000"/>
+              </a:spcBef>
+              <a:buFont typeface="Arial" panose="020B0604020202020204" pitchFamily="34" charset="0"/>
+              <a:buNone/>
+              <a:defRPr sz="2400" kern="1200">
+                <a:solidFill>
+                  <a:schemeClr val="tx1"/>
+                </a:solidFill>
+                <a:latin typeface="+mn-lt"/>
+                <a:ea typeface="+mn-ea"/>
+                <a:cs typeface="+mn-cs"/>
+              </a:defRPr>
+            </a:lvl1pPr>
+            <a:lvl2pPr marL="457200" indent="0" algn="ctr" defTabSz="914400" rtl="0" eaLnBrk="1" latinLnBrk="0" hangingPunct="1">
+              <a:lnSpc>
+                <a:spcPct val="90000"/>
+              </a:lnSpc>
+              <a:spcBef>
+                <a:spcPts val="500"/>
+              </a:spcBef>
+              <a:buFont typeface="Arial" panose="020B0604020202020204" pitchFamily="34" charset="0"/>
+              <a:buNone/>
+              <a:defRPr sz="2000" kern="1200">
+                <a:solidFill>
+                  <a:schemeClr val="tx1"/>
+                </a:solidFill>
+                <a:latin typeface="+mn-lt"/>
+                <a:ea typeface="+mn-ea"/>
+                <a:cs typeface="+mn-cs"/>
+              </a:defRPr>
+            </a:lvl2pPr>
+            <a:lvl3pPr marL="914400" indent="0" algn="ctr" defTabSz="914400" rtl="0" eaLnBrk="1" latinLnBrk="0" hangingPunct="1">
+              <a:lnSpc>
+                <a:spcPct val="90000"/>
+              </a:lnSpc>
+              <a:spcBef>
+                <a:spcPts val="500"/>
+              </a:spcBef>
+              <a:buFont typeface="Arial" panose="020B0604020202020204" pitchFamily="34" charset="0"/>
+              <a:buNone/>
+              <a:defRPr sz="1800" kern="1200">
+                <a:solidFill>
+                  <a:schemeClr val="tx1"/>
+                </a:solidFill>
+                <a:latin typeface="+mn-lt"/>
+                <a:ea typeface="+mn-ea"/>
+                <a:cs typeface="+mn-cs"/>
+              </a:defRPr>
+            </a:lvl3pPr>
+            <a:lvl4pPr marL="1371600" indent="0" algn="ctr" defTabSz="914400" rtl="0" eaLnBrk="1" latinLnBrk="0" hangingPunct="1">
+              <a:lnSpc>
+                <a:spcPct val="90000"/>
+              </a:lnSpc>
+              <a:spcBef>
+                <a:spcPts val="500"/>
+              </a:spcBef>
+              <a:buFont typeface="Arial" panose="020B0604020202020204" pitchFamily="34" charset="0"/>
+              <a:buNone/>
+              <a:defRPr sz="1600" kern="1200">
+                <a:solidFill>
+                  <a:schemeClr val="tx1"/>
+                </a:solidFill>
+                <a:latin typeface="+mn-lt"/>
+                <a:ea typeface="+mn-ea"/>
+                <a:cs typeface="+mn-cs"/>
+              </a:defRPr>
+            </a:lvl4pPr>
+            <a:lvl5pPr marL="1828800" indent="0" algn="ctr" defTabSz="914400" rtl="0" eaLnBrk="1" latinLnBrk="0" hangingPunct="1">
+              <a:lnSpc>
+                <a:spcPct val="90000"/>
+              </a:lnSpc>
+              <a:spcBef>
+                <a:spcPts val="500"/>
+              </a:spcBef>
+              <a:buFont typeface="Arial" panose="020B0604020202020204" pitchFamily="34" charset="0"/>
+              <a:buNone/>
+              <a:defRPr sz="1600" kern="1200">
+                <a:solidFill>
+                  <a:schemeClr val="tx1"/>
+                </a:solidFill>
+                <a:latin typeface="+mn-lt"/>
+                <a:ea typeface="+mn-ea"/>
+                <a:cs typeface="+mn-cs"/>
+              </a:defRPr>
+            </a:lvl5pPr>
+            <a:lvl6pPr marL="2286000" indent="0" algn="ctr" defTabSz="914400" rtl="0" eaLnBrk="1" latinLnBrk="0" hangingPunct="1">
+              <a:lnSpc>
+                <a:spcPct val="90000"/>
+              </a:lnSpc>
+              <a:spcBef>
+                <a:spcPts val="500"/>
+              </a:spcBef>
+              <a:buFont typeface="Arial" panose="020B0604020202020204" pitchFamily="34" charset="0"/>
+              <a:buNone/>
+              <a:defRPr sz="1600" kern="1200">
+                <a:solidFill>
+                  <a:schemeClr val="tx1"/>
+                </a:solidFill>
+                <a:latin typeface="+mn-lt"/>
+                <a:ea typeface="+mn-ea"/>
+                <a:cs typeface="+mn-cs"/>
+              </a:defRPr>
+            </a:lvl6pPr>
+            <a:lvl7pPr marL="2743200" indent="0" algn="ctr" defTabSz="914400" rtl="0" eaLnBrk="1" latinLnBrk="0" hangingPunct="1">
+              <a:lnSpc>
+                <a:spcPct val="90000"/>
+              </a:lnSpc>
+              <a:spcBef>
+                <a:spcPts val="500"/>
+              </a:spcBef>
+              <a:buFont typeface="Arial" panose="020B0604020202020204" pitchFamily="34" charset="0"/>
+              <a:buNone/>
+              <a:defRPr sz="1600" kern="1200">
+                <a:solidFill>
+                  <a:schemeClr val="tx1"/>
+                </a:solidFill>
+                <a:latin typeface="+mn-lt"/>
+                <a:ea typeface="+mn-ea"/>
+                <a:cs typeface="+mn-cs"/>
+              </a:defRPr>
+            </a:lvl7pPr>
+            <a:lvl8pPr marL="3200400" indent="0" algn="ctr" defTabSz="914400" rtl="0" eaLnBrk="1" latinLnBrk="0" hangingPunct="1">
+              <a:lnSpc>
+                <a:spcPct val="90000"/>
+              </a:lnSpc>
+              <a:spcBef>
+                <a:spcPts val="500"/>
+              </a:spcBef>
+              <a:buFont typeface="Arial" panose="020B0604020202020204" pitchFamily="34" charset="0"/>
+              <a:buNone/>
+              <a:defRPr sz="1600" kern="1200">
+                <a:solidFill>
+                  <a:schemeClr val="tx1"/>
+                </a:solidFill>
+                <a:latin typeface="+mn-lt"/>
+                <a:ea typeface="+mn-ea"/>
+                <a:cs typeface="+mn-cs"/>
+              </a:defRPr>
+            </a:lvl8pPr>
+            <a:lvl9pPr marL="3657600" indent="0" algn="ctr" defTabSz="914400" rtl="0" eaLnBrk="1" latinLnBrk="0" hangingPunct="1">
+              <a:lnSpc>
+                <a:spcPct val="90000"/>
+              </a:lnSpc>
+              <a:spcBef>
+                <a:spcPts val="500"/>
+              </a:spcBef>
+              <a:buFont typeface="Arial" panose="020B0604020202020204" pitchFamily="34" charset="0"/>
+              <a:buNone/>
+              <a:defRPr sz="1600" kern="1200">
+                <a:solidFill>
+                  <a:schemeClr val="tx1"/>
+                </a:solidFill>
+                <a:latin typeface="+mn-lt"/>
+                <a:ea typeface="+mn-ea"/>
+                <a:cs typeface="+mn-cs"/>
+              </a:defRPr>
+            </a:lvl9pPr>
+          </a:lstStyle>
+          <a:p>
+            <a:r>
+              <a:rPr lang="fr-FR" sz="2000" b="1" dirty="0" smtClean="0">
+                <a:solidFill>
+                  <a:schemeClr val="bg1"/>
+                </a:solidFill>
+                <a:latin typeface="Open Sans" panose="020B0606030504020204" pitchFamily="34" charset="0"/>
+                <a:ea typeface="Open Sans" panose="020B0606030504020204" pitchFamily="34" charset="0"/>
+                <a:cs typeface="Open Sans" panose="020B0606030504020204" pitchFamily="34" charset="0"/>
+              </a:rPr>
+              <a:t>PROJET JAVA JEE </a:t>
+            </a:r>
+            <a:r>
+              <a:rPr lang="fr-FR" sz="2000" dirty="0">
+                <a:solidFill>
+                  <a:schemeClr val="bg1">
+                    <a:lumMod val="65000"/>
+                  </a:schemeClr>
+                </a:solidFill>
+                <a:latin typeface="Open Sans" panose="020B0606030504020204" pitchFamily="34" charset="0"/>
+                <a:ea typeface="Open Sans" panose="020B0606030504020204" pitchFamily="34" charset="0"/>
+                <a:cs typeface="Open Sans" panose="020B0606030504020204" pitchFamily="34" charset="0"/>
+              </a:rPr>
+              <a:t>~</a:t>
+            </a:r>
+            <a:r>
+              <a:rPr lang="fr-FR" sz="2000" dirty="0" smtClean="0">
+                <a:solidFill>
+                  <a:schemeClr val="bg1">
+                    <a:lumMod val="65000"/>
+                  </a:schemeClr>
+                </a:solidFill>
+                <a:latin typeface="Open Sans" panose="020B0606030504020204" pitchFamily="34" charset="0"/>
+                <a:ea typeface="Open Sans" panose="020B0606030504020204" pitchFamily="34" charset="0"/>
+                <a:cs typeface="Open Sans" panose="020B0606030504020204" pitchFamily="34" charset="0"/>
+              </a:rPr>
+              <a:t> Application de gestion pour les pré-inscriptions à des UV ~</a:t>
+            </a:r>
+            <a:endParaRPr lang="fr-FR" sz="2000" dirty="0">
+              <a:solidFill>
+                <a:schemeClr val="bg1">
+                  <a:lumMod val="65000"/>
+                </a:schemeClr>
+              </a:solidFill>
+              <a:latin typeface="Open Sans" panose="020B0606030504020204" pitchFamily="34" charset="0"/>
+              <a:ea typeface="Open Sans" panose="020B0606030504020204" pitchFamily="34" charset="0"/>
+              <a:cs typeface="Open Sans" panose="020B0606030504020204" pitchFamily="34" charset="0"/>
+            </a:endParaRPr>
+          </a:p>
+        </p:txBody>
+      </p:sp>
+      <p:sp>
+        <p:nvSpPr>
+          <p:cNvPr id="4" name="Espace réservé du contenu 3"/>
+          <p:cNvSpPr>
+            <a:spLocks noGrp="1"/>
+          </p:cNvSpPr>
+          <p:nvPr>
+            <p:ph idx="1"/>
+          </p:nvPr>
+        </p:nvSpPr>
+        <p:spPr/>
+        <p:txBody>
+          <a:bodyPr/>
+          <a:lstStyle/>
+          <a:p>
+            <a:endParaRPr lang="fr-FR" dirty="0"/>
+          </a:p>
+        </p:txBody>
+      </p:sp>
+      <p:sp>
+        <p:nvSpPr>
+          <p:cNvPr id="22" name="Espace réservé du contenu 2"/>
+          <p:cNvSpPr txBox="1">
+            <a:spLocks/>
+          </p:cNvSpPr>
+          <p:nvPr/>
+        </p:nvSpPr>
+        <p:spPr>
+          <a:xfrm>
+            <a:off x="11518106" y="76200"/>
+            <a:ext cx="673894" cy="619125"/>
+          </a:xfrm>
+          <a:prstGeom prst="rect">
+            <a:avLst/>
+          </a:prstGeom>
+        </p:spPr>
+        <p:txBody>
+          <a:bodyPr vert="horz" lIns="91440" tIns="45720" rIns="91440" bIns="45720" rtlCol="0">
+            <a:normAutofit/>
+          </a:bodyPr>
+          <a:lstStyle>
+            <a:lvl1pPr marL="228600" indent="-228600" algn="l" defTabSz="914400" rtl="0" eaLnBrk="1" latinLnBrk="0" hangingPunct="1">
+              <a:lnSpc>
+                <a:spcPct val="90000"/>
+              </a:lnSpc>
+              <a:spcBef>
+                <a:spcPts val="1000"/>
+              </a:spcBef>
+              <a:buFont typeface="Arial" panose="020B0604020202020204" pitchFamily="34" charset="0"/>
+              <a:buChar char="•"/>
+              <a:defRPr sz="2800" kern="1200">
+                <a:solidFill>
+                  <a:schemeClr val="tx1"/>
+                </a:solidFill>
+                <a:latin typeface="+mn-lt"/>
+                <a:ea typeface="+mn-ea"/>
+                <a:cs typeface="+mn-cs"/>
+              </a:defRPr>
+            </a:lvl1pPr>
+            <a:lvl2pPr marL="685800" indent="-228600" algn="l" defTabSz="914400" rtl="0" eaLnBrk="1" latinLnBrk="0" hangingPunct="1">
+              <a:lnSpc>
+                <a:spcPct val="90000"/>
+              </a:lnSpc>
+              <a:spcBef>
+                <a:spcPts val="500"/>
+              </a:spcBef>
+              <a:buFont typeface="Arial" panose="020B0604020202020204" pitchFamily="34" charset="0"/>
+              <a:buChar char="•"/>
+              <a:defRPr sz="2400" kern="1200">
+                <a:solidFill>
+                  <a:schemeClr val="tx1"/>
+                </a:solidFill>
+                <a:latin typeface="+mn-lt"/>
+                <a:ea typeface="+mn-ea"/>
+                <a:cs typeface="+mn-cs"/>
+              </a:defRPr>
+            </a:lvl2pPr>
+            <a:lvl3pPr marL="1143000" indent="-228600" algn="l" defTabSz="914400" rtl="0" eaLnBrk="1" latinLnBrk="0" hangingPunct="1">
+              <a:lnSpc>
+                <a:spcPct val="90000"/>
+              </a:lnSpc>
+              <a:spcBef>
+                <a:spcPts val="500"/>
+              </a:spcBef>
+              <a:buFont typeface="Arial" panose="020B0604020202020204" pitchFamily="34" charset="0"/>
+              <a:buChar char="•"/>
+              <a:defRPr sz="2000" kern="1200">
+                <a:solidFill>
+                  <a:schemeClr val="tx1"/>
+                </a:solidFill>
+                <a:latin typeface="+mn-lt"/>
+                <a:ea typeface="+mn-ea"/>
+                <a:cs typeface="+mn-cs"/>
+              </a:defRPr>
+            </a:lvl3pPr>
+            <a:lvl4pPr marL="1600200" indent="-228600" algn="l" defTabSz="914400" rtl="0" eaLnBrk="1" latinLnBrk="0" hangingPunct="1">
+              <a:lnSpc>
+                <a:spcPct val="90000"/>
+              </a:lnSpc>
+              <a:spcBef>
+                <a:spcPts val="500"/>
+              </a:spcBef>
+              <a:buFont typeface="Arial" panose="020B0604020202020204" pitchFamily="34" charset="0"/>
+              <a:buChar char="•"/>
+              <a:defRPr sz="1800" kern="1200">
+                <a:solidFill>
+                  <a:schemeClr val="tx1"/>
+                </a:solidFill>
+                <a:latin typeface="+mn-lt"/>
+                <a:ea typeface="+mn-ea"/>
+                <a:cs typeface="+mn-cs"/>
+              </a:defRPr>
+            </a:lvl4pPr>
+            <a:lvl5pPr marL="2057400" indent="-228600" algn="l" defTabSz="914400" rtl="0" eaLnBrk="1" latinLnBrk="0" hangingPunct="1">
+              <a:lnSpc>
+                <a:spcPct val="90000"/>
+              </a:lnSpc>
+              <a:spcBef>
+                <a:spcPts val="500"/>
+              </a:spcBef>
+              <a:buFont typeface="Arial" panose="020B0604020202020204" pitchFamily="34" charset="0"/>
+              <a:buChar char="•"/>
+              <a:defRPr sz="1800" kern="1200">
+                <a:solidFill>
+                  <a:schemeClr val="tx1"/>
+                </a:solidFill>
+                <a:latin typeface="+mn-lt"/>
+                <a:ea typeface="+mn-ea"/>
+                <a:cs typeface="+mn-cs"/>
+              </a:defRPr>
+            </a:lvl5pPr>
+            <a:lvl6pPr marL="2514600" indent="-228600" algn="l" defTabSz="914400" rtl="0" eaLnBrk="1" latinLnBrk="0" hangingPunct="1">
+              <a:lnSpc>
+                <a:spcPct val="90000"/>
+              </a:lnSpc>
+              <a:spcBef>
+                <a:spcPts val="500"/>
+              </a:spcBef>
+              <a:buFont typeface="Arial" panose="020B0604020202020204" pitchFamily="34" charset="0"/>
+              <a:buChar char="•"/>
+              <a:defRPr sz="1800" kern="1200">
+                <a:solidFill>
+                  <a:schemeClr val="tx1"/>
+                </a:solidFill>
+                <a:latin typeface="+mn-lt"/>
+                <a:ea typeface="+mn-ea"/>
+                <a:cs typeface="+mn-cs"/>
+              </a:defRPr>
+            </a:lvl6pPr>
+            <a:lvl7pPr marL="2971800" indent="-228600" algn="l" defTabSz="914400" rtl="0" eaLnBrk="1" latinLnBrk="0" hangingPunct="1">
+              <a:lnSpc>
+                <a:spcPct val="90000"/>
+              </a:lnSpc>
+              <a:spcBef>
+                <a:spcPts val="500"/>
+              </a:spcBef>
+              <a:buFont typeface="Arial" panose="020B0604020202020204" pitchFamily="34" charset="0"/>
+              <a:buChar char="•"/>
+              <a:defRPr sz="1800" kern="1200">
+                <a:solidFill>
+                  <a:schemeClr val="tx1"/>
+                </a:solidFill>
+                <a:latin typeface="+mn-lt"/>
+                <a:ea typeface="+mn-ea"/>
+                <a:cs typeface="+mn-cs"/>
+              </a:defRPr>
+            </a:lvl7pPr>
+            <a:lvl8pPr marL="3429000" indent="-228600" algn="l" defTabSz="914400" rtl="0" eaLnBrk="1" latinLnBrk="0" hangingPunct="1">
+              <a:lnSpc>
+                <a:spcPct val="90000"/>
+              </a:lnSpc>
+              <a:spcBef>
+                <a:spcPts val="500"/>
+              </a:spcBef>
+              <a:buFont typeface="Arial" panose="020B0604020202020204" pitchFamily="34" charset="0"/>
+              <a:buChar char="•"/>
+              <a:defRPr sz="1800" kern="1200">
+                <a:solidFill>
+                  <a:schemeClr val="tx1"/>
+                </a:solidFill>
+                <a:latin typeface="+mn-lt"/>
+                <a:ea typeface="+mn-ea"/>
+                <a:cs typeface="+mn-cs"/>
+              </a:defRPr>
+            </a:lvl8pPr>
+            <a:lvl9pPr marL="3886200" indent="-228600" algn="l" defTabSz="914400" rtl="0" eaLnBrk="1" latinLnBrk="0" hangingPunct="1">
+              <a:lnSpc>
+                <a:spcPct val="90000"/>
+              </a:lnSpc>
+              <a:spcBef>
+                <a:spcPts val="500"/>
+              </a:spcBef>
+              <a:buFont typeface="Arial" panose="020B0604020202020204" pitchFamily="34" charset="0"/>
+              <a:buChar char="•"/>
+              <a:defRPr sz="1800" kern="1200">
+                <a:solidFill>
+                  <a:schemeClr val="tx1"/>
+                </a:solidFill>
+                <a:latin typeface="+mn-lt"/>
+                <a:ea typeface="+mn-ea"/>
+                <a:cs typeface="+mn-cs"/>
+              </a:defRPr>
+            </a:lvl9pPr>
+          </a:lstStyle>
+          <a:p>
+            <a:pPr marL="0" indent="0">
+              <a:buNone/>
+            </a:pPr>
+            <a:r>
+              <a:rPr lang="fr-FR" sz="3600" dirty="0">
+                <a:solidFill>
+                  <a:srgbClr val="80BC58"/>
+                </a:solidFill>
+                <a:latin typeface="FontAwesome" pitchFamily="50" charset="0"/>
+              </a:rPr>
+              <a:t></a:t>
+            </a:r>
+          </a:p>
+        </p:txBody>
+      </p:sp>
+    </p:spTree>
+    <p:extLst>
+      <p:ext uri="{BB962C8B-B14F-4D97-AF65-F5344CB8AC3E}">
+        <p14:creationId xmlns:p14="http://schemas.microsoft.com/office/powerpoint/2010/main" val="496255912"/>
+      </p:ext>
+    </p:extLst>
+  </p:cSld>
+  <p:clrMapOvr>
+    <a:masterClrMapping/>
+  </p:clrMapOvr>
+  <mc:AlternateContent xmlns:mc="http://schemas.openxmlformats.org/markup-compatibility/2006" xmlns:p14="http://schemas.microsoft.com/office/powerpoint/2010/main">
+    <mc:Choice Requires="p14">
+      <p:transition spd="slow" p14:dur="1200">
+        <p14:prism/>
+      </p:transition>
+    </mc:Choice>
+    <mc:Fallback xmlns="">
+      <p:transition spd="slow">
+        <p:fade/>
+      </p:transition>
+    </mc:Fallback>
+  </mc:AlternateContent>
+  <p:timing>
+    <p:tnLst>
+      <p:par>
+        <p:cTn id="1" dur="indefinite" restart="never" nodeType="tmRoot"/>
+      </p:par>
+    </p:tnLst>
+  </p:timing>
+</p:sld>
+</file>
+
+<file path=ppt/slides/slide4.xml><?xml version="1.0" encoding="utf-8"?>
 <p:sld xmlns:a="http://schemas.openxmlformats.org/drawingml/2006/main" xmlns:r="http://schemas.openxmlformats.org/officeDocument/2006/relationships" xmlns:p="http://schemas.openxmlformats.org/presentationml/2006/main">
   <p:cSld>
     <p:spTree>
@@ -9659,59 +11390,6 @@
               <a:ea typeface="Open Sans" panose="020B0606030504020204" pitchFamily="34" charset="0"/>
               <a:cs typeface="Open Sans" panose="020B0606030504020204" pitchFamily="34" charset="0"/>
             </a:endParaRPr>
-          </a:p>
-        </p:txBody>
-      </p:sp>
-      <p:sp>
-        <p:nvSpPr>
-          <p:cNvPr id="8" name="Rectangle 7"/>
-          <p:cNvSpPr/>
-          <p:nvPr/>
-        </p:nvSpPr>
-        <p:spPr>
-          <a:xfrm>
-            <a:off x="11658600" y="133350"/>
-            <a:ext cx="371475" cy="371475"/>
-          </a:xfrm>
-          <a:prstGeom prst="rect">
-            <a:avLst/>
-          </a:prstGeom>
-          <a:solidFill>
-            <a:srgbClr val="8EC56A"/>
-          </a:solidFill>
-          <a:ln>
-            <a:noFill/>
-          </a:ln>
-          <a:effectLst>
-            <a:outerShdw blurRad="50800" dist="38100" dir="13500000" algn="br" rotWithShape="0">
-              <a:prstClr val="black">
-                <a:alpha val="40000"/>
-              </a:prstClr>
-            </a:outerShdw>
-          </a:effectLst>
-        </p:spPr>
-        <p:style>
-          <a:lnRef idx="2">
-            <a:schemeClr val="accent1">
-              <a:shade val="50000"/>
-            </a:schemeClr>
-          </a:lnRef>
-          <a:fillRef idx="1">
-            <a:schemeClr val="accent1"/>
-          </a:fillRef>
-          <a:effectRef idx="0">
-            <a:schemeClr val="accent1"/>
-          </a:effectRef>
-          <a:fontRef idx="minor">
-            <a:schemeClr val="lt1"/>
-          </a:fontRef>
-        </p:style>
-        <p:txBody>
-          <a:bodyPr rtlCol="0" anchor="ctr"/>
-          <a:lstStyle/>
-          <a:p>
-            <a:pPr algn="ctr"/>
-            <a:endParaRPr lang="fr-FR" dirty="0"/>
           </a:p>
         </p:txBody>
       </p:sp>
@@ -9993,203 +11671,9 @@
           </a:p>
         </p:txBody>
       </p:sp>
-    </p:spTree>
-    <p:extLst>
-      <p:ext uri="{BB962C8B-B14F-4D97-AF65-F5344CB8AC3E}">
-        <p14:creationId xmlns:p14="http://schemas.microsoft.com/office/powerpoint/2010/main" val="1906212202"/>
-      </p:ext>
-    </p:extLst>
-  </p:cSld>
-  <p:clrMapOvr>
-    <a:masterClrMapping/>
-  </p:clrMapOvr>
-  <mc:AlternateContent xmlns:mc="http://schemas.openxmlformats.org/markup-compatibility/2006" xmlns:p14="http://schemas.microsoft.com/office/powerpoint/2010/main">
-    <mc:Choice Requires="p14">
-      <p:transition spd="slow" p14:dur="1200">
-        <p14:prism/>
-      </p:transition>
-    </mc:Choice>
-    <mc:Fallback xmlns="">
-      <p:transition spd="slow">
-        <p:fade/>
-      </p:transition>
-    </mc:Fallback>
-  </mc:AlternateContent>
-  <p:timing>
-    <p:tnLst>
-      <p:par>
-        <p:cTn id="1" dur="indefinite" restart="never" nodeType="tmRoot"/>
-      </p:par>
-    </p:tnLst>
-  </p:timing>
-</p:sld>
-</file>
-
-<file path=ppt/slides/slide4.xml><?xml version="1.0" encoding="utf-8"?>
-<p:sld xmlns:a="http://schemas.openxmlformats.org/drawingml/2006/main" xmlns:r="http://schemas.openxmlformats.org/officeDocument/2006/relationships" xmlns:p="http://schemas.openxmlformats.org/presentationml/2006/main">
-  <p:cSld>
-    <p:bg>
-      <p:bgPr>
-        <a:solidFill>
-          <a:srgbClr val="22303B"/>
-        </a:solidFill>
-        <a:effectLst/>
-      </p:bgPr>
-    </p:bg>
-    <p:spTree>
-      <p:nvGrpSpPr>
-        <p:cNvPr id="1" name=""/>
-        <p:cNvGrpSpPr/>
-        <p:nvPr/>
-      </p:nvGrpSpPr>
-      <p:grpSpPr>
-        <a:xfrm>
-          <a:off x="0" y="0"/>
-          <a:ext cx="0" cy="0"/>
-          <a:chOff x="0" y="0"/>
-          <a:chExt cx="0" cy="0"/>
-        </a:xfrm>
-      </p:grpSpPr>
       <p:sp>
         <p:nvSpPr>
-          <p:cNvPr id="2" name="Titre 1"/>
-          <p:cNvSpPr>
-            <a:spLocks noGrp="1"/>
-          </p:cNvSpPr>
-          <p:nvPr>
-            <p:ph type="title"/>
-          </p:nvPr>
-        </p:nvSpPr>
-        <p:spPr>
-          <a:xfrm>
-            <a:off x="1295400" y="365125"/>
-            <a:ext cx="10058400" cy="1325563"/>
-          </a:xfrm>
-        </p:spPr>
-        <p:txBody>
-          <a:bodyPr/>
-          <a:lstStyle/>
-          <a:p>
-            <a:r>
-              <a:rPr lang="fr-FR" b="1" dirty="0" smtClean="0">
-                <a:solidFill>
-                  <a:schemeClr val="bg1"/>
-                </a:solidFill>
-                <a:latin typeface="Open Sans" panose="020B0606030504020204" pitchFamily="34" charset="0"/>
-                <a:ea typeface="Open Sans" panose="020B0606030504020204" pitchFamily="34" charset="0"/>
-                <a:cs typeface="Open Sans" panose="020B0606030504020204" pitchFamily="34" charset="0"/>
-              </a:rPr>
-              <a:t>Solutions NoSQL</a:t>
-            </a:r>
-            <a:endParaRPr lang="fr-FR" b="1" dirty="0">
-              <a:solidFill>
-                <a:schemeClr val="bg1"/>
-              </a:solidFill>
-              <a:latin typeface="Open Sans" panose="020B0606030504020204" pitchFamily="34" charset="0"/>
-              <a:ea typeface="Open Sans" panose="020B0606030504020204" pitchFamily="34" charset="0"/>
-              <a:cs typeface="Open Sans" panose="020B0606030504020204" pitchFamily="34" charset="0"/>
-            </a:endParaRPr>
-          </a:p>
-        </p:txBody>
-      </p:sp>
-      <p:cxnSp>
-        <p:nvCxnSpPr>
-          <p:cNvPr id="5" name="Connecteur droit 4"/>
-          <p:cNvCxnSpPr/>
-          <p:nvPr/>
-        </p:nvCxnSpPr>
-        <p:spPr>
-          <a:xfrm>
-            <a:off x="981075" y="385763"/>
-            <a:ext cx="0" cy="1276350"/>
-          </a:xfrm>
-          <a:prstGeom prst="line">
-            <a:avLst/>
-          </a:prstGeom>
-          <a:ln w="76200">
-            <a:solidFill>
-              <a:srgbClr val="80BC58"/>
-            </a:solidFill>
-          </a:ln>
-          <a:effectLst>
-            <a:outerShdw blurRad="50800" dist="38100" dir="13500000" algn="br" rotWithShape="0">
-              <a:prstClr val="black">
-                <a:alpha val="40000"/>
-              </a:prstClr>
-            </a:outerShdw>
-          </a:effectLst>
-        </p:spPr>
-        <p:style>
-          <a:lnRef idx="1">
-            <a:schemeClr val="accent1"/>
-          </a:lnRef>
-          <a:fillRef idx="0">
-            <a:schemeClr val="accent1"/>
-          </a:fillRef>
-          <a:effectRef idx="0">
-            <a:schemeClr val="accent1"/>
-          </a:effectRef>
-          <a:fontRef idx="minor">
-            <a:schemeClr val="tx1"/>
-          </a:fontRef>
-        </p:style>
-      </p:cxnSp>
-      <p:sp>
-        <p:nvSpPr>
-          <p:cNvPr id="13" name="Rectangle 12"/>
-          <p:cNvSpPr/>
-          <p:nvPr/>
-        </p:nvSpPr>
-        <p:spPr>
-          <a:xfrm>
-            <a:off x="11658600" y="133350"/>
-            <a:ext cx="371475" cy="371475"/>
-          </a:xfrm>
-          <a:prstGeom prst="rect">
-            <a:avLst/>
-          </a:prstGeom>
-          <a:solidFill>
-            <a:srgbClr val="8EC56A"/>
-          </a:solidFill>
-          <a:ln>
-            <a:noFill/>
-          </a:ln>
-          <a:effectLst>
-            <a:outerShdw blurRad="50800" dist="38100" dir="13500000" algn="br" rotWithShape="0">
-              <a:prstClr val="black">
-                <a:alpha val="40000"/>
-              </a:prstClr>
-            </a:outerShdw>
-          </a:effectLst>
-        </p:spPr>
-        <p:style>
-          <a:lnRef idx="2">
-            <a:schemeClr val="accent1">
-              <a:shade val="50000"/>
-            </a:schemeClr>
-          </a:lnRef>
-          <a:fillRef idx="1">
-            <a:schemeClr val="accent1"/>
-          </a:fillRef>
-          <a:effectRef idx="0">
-            <a:schemeClr val="accent1"/>
-          </a:effectRef>
-          <a:fontRef idx="minor">
-            <a:schemeClr val="lt1"/>
-          </a:fontRef>
-        </p:style>
-        <p:txBody>
-          <a:bodyPr rtlCol="0" anchor="ctr"/>
-          <a:lstStyle/>
-          <a:p>
-            <a:pPr algn="ctr"/>
-            <a:endParaRPr lang="fr-FR" dirty="0"/>
-          </a:p>
-        </p:txBody>
-      </p:sp>
-      <p:sp>
-        <p:nvSpPr>
-          <p:cNvPr id="6" name="Sous-titre 2"/>
+          <p:cNvPr id="10" name="Espace réservé du contenu 2"/>
           <p:cNvSpPr txBox="1">
             <a:spLocks/>
           </p:cNvSpPr>
@@ -10197,8 +11681,8 @@
         </p:nvSpPr>
         <p:spPr>
           <a:xfrm>
-            <a:off x="723900" y="6284994"/>
-            <a:ext cx="10934700" cy="323686"/>
+            <a:off x="11518106" y="76200"/>
+            <a:ext cx="673894" cy="619125"/>
           </a:xfrm>
           <a:prstGeom prst="rect">
             <a:avLst/>
@@ -10206,10 +11690,10 @@
         </p:spPr>
         <p:txBody>
           <a:bodyPr vert="horz" lIns="91440" tIns="45720" rIns="91440" bIns="45720" rtlCol="0">
-            <a:noAutofit/>
+            <a:normAutofit/>
           </a:bodyPr>
           <a:lstStyle>
-            <a:lvl1pPr marL="0" indent="0" algn="ctr" defTabSz="914400" rtl="0" eaLnBrk="1" latinLnBrk="0" hangingPunct="1">
+            <a:lvl1pPr marL="228600" indent="-228600" algn="l" defTabSz="914400" rtl="0" eaLnBrk="1" latinLnBrk="0" hangingPunct="1">
               <a:lnSpc>
                 <a:spcPct val="90000"/>
               </a:lnSpc>
@@ -10217,7 +11701,25 @@
                 <a:spcPts val="1000"/>
               </a:spcBef>
               <a:buFont typeface="Arial" panose="020B0604020202020204" pitchFamily="34" charset="0"/>
-              <a:buNone/>
+              <a:buChar char="•"/>
+              <a:defRPr sz="2800" kern="1200">
+                <a:solidFill>
+                  <a:schemeClr val="tx1"/>
+                </a:solidFill>
+                <a:latin typeface="+mn-lt"/>
+                <a:ea typeface="+mn-ea"/>
+                <a:cs typeface="+mn-cs"/>
+              </a:defRPr>
+            </a:lvl1pPr>
+            <a:lvl2pPr marL="685800" indent="-228600" algn="l" defTabSz="914400" rtl="0" eaLnBrk="1" latinLnBrk="0" hangingPunct="1">
+              <a:lnSpc>
+                <a:spcPct val="90000"/>
+              </a:lnSpc>
+              <a:spcBef>
+                <a:spcPts val="500"/>
+              </a:spcBef>
+              <a:buFont typeface="Arial" panose="020B0604020202020204" pitchFamily="34" charset="0"/>
+              <a:buChar char="•"/>
               <a:defRPr sz="2400" kern="1200">
                 <a:solidFill>
                   <a:schemeClr val="tx1"/>
@@ -10226,16 +11728,16 @@
                 <a:ea typeface="+mn-ea"/>
                 <a:cs typeface="+mn-cs"/>
               </a:defRPr>
-            </a:lvl1pPr>
-            <a:lvl2pPr marL="457200" indent="0" algn="ctr" defTabSz="914400" rtl="0" eaLnBrk="1" latinLnBrk="0" hangingPunct="1">
-              <a:lnSpc>
-                <a:spcPct val="90000"/>
-              </a:lnSpc>
-              <a:spcBef>
-                <a:spcPts val="500"/>
-              </a:spcBef>
-              <a:buFont typeface="Arial" panose="020B0604020202020204" pitchFamily="34" charset="0"/>
-              <a:buNone/>
+            </a:lvl2pPr>
+            <a:lvl3pPr marL="1143000" indent="-228600" algn="l" defTabSz="914400" rtl="0" eaLnBrk="1" latinLnBrk="0" hangingPunct="1">
+              <a:lnSpc>
+                <a:spcPct val="90000"/>
+              </a:lnSpc>
+              <a:spcBef>
+                <a:spcPts val="500"/>
+              </a:spcBef>
+              <a:buFont typeface="Arial" panose="020B0604020202020204" pitchFamily="34" charset="0"/>
+              <a:buChar char="•"/>
               <a:defRPr sz="2000" kern="1200">
                 <a:solidFill>
                   <a:schemeClr val="tx1"/>
@@ -10244,16 +11746,16 @@
                 <a:ea typeface="+mn-ea"/>
                 <a:cs typeface="+mn-cs"/>
               </a:defRPr>
-            </a:lvl2pPr>
-            <a:lvl3pPr marL="914400" indent="0" algn="ctr" defTabSz="914400" rtl="0" eaLnBrk="1" latinLnBrk="0" hangingPunct="1">
-              <a:lnSpc>
-                <a:spcPct val="90000"/>
-              </a:lnSpc>
-              <a:spcBef>
-                <a:spcPts val="500"/>
-              </a:spcBef>
-              <a:buFont typeface="Arial" panose="020B0604020202020204" pitchFamily="34" charset="0"/>
-              <a:buNone/>
+            </a:lvl3pPr>
+            <a:lvl4pPr marL="1600200" indent="-228600" algn="l" defTabSz="914400" rtl="0" eaLnBrk="1" latinLnBrk="0" hangingPunct="1">
+              <a:lnSpc>
+                <a:spcPct val="90000"/>
+              </a:lnSpc>
+              <a:spcBef>
+                <a:spcPts val="500"/>
+              </a:spcBef>
+              <a:buFont typeface="Arial" panose="020B0604020202020204" pitchFamily="34" charset="0"/>
+              <a:buChar char="•"/>
               <a:defRPr sz="1800" kern="1200">
                 <a:solidFill>
                   <a:schemeClr val="tx1"/>
@@ -10262,35 +11764,17 @@
                 <a:ea typeface="+mn-ea"/>
                 <a:cs typeface="+mn-cs"/>
               </a:defRPr>
-            </a:lvl3pPr>
-            <a:lvl4pPr marL="1371600" indent="0" algn="ctr" defTabSz="914400" rtl="0" eaLnBrk="1" latinLnBrk="0" hangingPunct="1">
-              <a:lnSpc>
-                <a:spcPct val="90000"/>
-              </a:lnSpc>
-              <a:spcBef>
-                <a:spcPts val="500"/>
-              </a:spcBef>
-              <a:buFont typeface="Arial" panose="020B0604020202020204" pitchFamily="34" charset="0"/>
-              <a:buNone/>
-              <a:defRPr sz="1600" kern="1200">
-                <a:solidFill>
-                  <a:schemeClr val="tx1"/>
-                </a:solidFill>
-                <a:latin typeface="+mn-lt"/>
-                <a:ea typeface="+mn-ea"/>
-                <a:cs typeface="+mn-cs"/>
-              </a:defRPr>
             </a:lvl4pPr>
-            <a:lvl5pPr marL="1828800" indent="0" algn="ctr" defTabSz="914400" rtl="0" eaLnBrk="1" latinLnBrk="0" hangingPunct="1">
-              <a:lnSpc>
-                <a:spcPct val="90000"/>
-              </a:lnSpc>
-              <a:spcBef>
-                <a:spcPts val="500"/>
-              </a:spcBef>
-              <a:buFont typeface="Arial" panose="020B0604020202020204" pitchFamily="34" charset="0"/>
-              <a:buNone/>
-              <a:defRPr sz="1600" kern="1200">
+            <a:lvl5pPr marL="2057400" indent="-228600" algn="l" defTabSz="914400" rtl="0" eaLnBrk="1" latinLnBrk="0" hangingPunct="1">
+              <a:lnSpc>
+                <a:spcPct val="90000"/>
+              </a:lnSpc>
+              <a:spcBef>
+                <a:spcPts val="500"/>
+              </a:spcBef>
+              <a:buFont typeface="Arial" panose="020B0604020202020204" pitchFamily="34" charset="0"/>
+              <a:buChar char="•"/>
+              <a:defRPr sz="1800" kern="1200">
                 <a:solidFill>
                   <a:schemeClr val="tx1"/>
                 </a:solidFill>
@@ -10299,16 +11783,16 @@
                 <a:cs typeface="+mn-cs"/>
               </a:defRPr>
             </a:lvl5pPr>
-            <a:lvl6pPr marL="2286000" indent="0" algn="ctr" defTabSz="914400" rtl="0" eaLnBrk="1" latinLnBrk="0" hangingPunct="1">
-              <a:lnSpc>
-                <a:spcPct val="90000"/>
-              </a:lnSpc>
-              <a:spcBef>
-                <a:spcPts val="500"/>
-              </a:spcBef>
-              <a:buFont typeface="Arial" panose="020B0604020202020204" pitchFamily="34" charset="0"/>
-              <a:buNone/>
-              <a:defRPr sz="1600" kern="1200">
+            <a:lvl6pPr marL="2514600" indent="-228600" algn="l" defTabSz="914400" rtl="0" eaLnBrk="1" latinLnBrk="0" hangingPunct="1">
+              <a:lnSpc>
+                <a:spcPct val="90000"/>
+              </a:lnSpc>
+              <a:spcBef>
+                <a:spcPts val="500"/>
+              </a:spcBef>
+              <a:buFont typeface="Arial" panose="020B0604020202020204" pitchFamily="34" charset="0"/>
+              <a:buChar char="•"/>
+              <a:defRPr sz="1800" kern="1200">
                 <a:solidFill>
                   <a:schemeClr val="tx1"/>
                 </a:solidFill>
@@ -10317,16 +11801,16 @@
                 <a:cs typeface="+mn-cs"/>
               </a:defRPr>
             </a:lvl6pPr>
-            <a:lvl7pPr marL="2743200" indent="0" algn="ctr" defTabSz="914400" rtl="0" eaLnBrk="1" latinLnBrk="0" hangingPunct="1">
-              <a:lnSpc>
-                <a:spcPct val="90000"/>
-              </a:lnSpc>
-              <a:spcBef>
-                <a:spcPts val="500"/>
-              </a:spcBef>
-              <a:buFont typeface="Arial" panose="020B0604020202020204" pitchFamily="34" charset="0"/>
-              <a:buNone/>
-              <a:defRPr sz="1600" kern="1200">
+            <a:lvl7pPr marL="2971800" indent="-228600" algn="l" defTabSz="914400" rtl="0" eaLnBrk="1" latinLnBrk="0" hangingPunct="1">
+              <a:lnSpc>
+                <a:spcPct val="90000"/>
+              </a:lnSpc>
+              <a:spcBef>
+                <a:spcPts val="500"/>
+              </a:spcBef>
+              <a:buFont typeface="Arial" panose="020B0604020202020204" pitchFamily="34" charset="0"/>
+              <a:buChar char="•"/>
+              <a:defRPr sz="1800" kern="1200">
                 <a:solidFill>
                   <a:schemeClr val="tx1"/>
                 </a:solidFill>
@@ -10335,16 +11819,16 @@
                 <a:cs typeface="+mn-cs"/>
               </a:defRPr>
             </a:lvl7pPr>
-            <a:lvl8pPr marL="3200400" indent="0" algn="ctr" defTabSz="914400" rtl="0" eaLnBrk="1" latinLnBrk="0" hangingPunct="1">
-              <a:lnSpc>
-                <a:spcPct val="90000"/>
-              </a:lnSpc>
-              <a:spcBef>
-                <a:spcPts val="500"/>
-              </a:spcBef>
-              <a:buFont typeface="Arial" panose="020B0604020202020204" pitchFamily="34" charset="0"/>
-              <a:buNone/>
-              <a:defRPr sz="1600" kern="1200">
+            <a:lvl8pPr marL="3429000" indent="-228600" algn="l" defTabSz="914400" rtl="0" eaLnBrk="1" latinLnBrk="0" hangingPunct="1">
+              <a:lnSpc>
+                <a:spcPct val="90000"/>
+              </a:lnSpc>
+              <a:spcBef>
+                <a:spcPts val="500"/>
+              </a:spcBef>
+              <a:buFont typeface="Arial" panose="020B0604020202020204" pitchFamily="34" charset="0"/>
+              <a:buChar char="•"/>
+              <a:defRPr sz="1800" kern="1200">
                 <a:solidFill>
                   <a:schemeClr val="tx1"/>
                 </a:solidFill>
@@ -10353,16 +11837,16 @@
                 <a:cs typeface="+mn-cs"/>
               </a:defRPr>
             </a:lvl8pPr>
-            <a:lvl9pPr marL="3657600" indent="0" algn="ctr" defTabSz="914400" rtl="0" eaLnBrk="1" latinLnBrk="0" hangingPunct="1">
-              <a:lnSpc>
-                <a:spcPct val="90000"/>
-              </a:lnSpc>
-              <a:spcBef>
-                <a:spcPts val="500"/>
-              </a:spcBef>
-              <a:buFont typeface="Arial" panose="020B0604020202020204" pitchFamily="34" charset="0"/>
-              <a:buNone/>
-              <a:defRPr sz="1600" kern="1200">
+            <a:lvl9pPr marL="3886200" indent="-228600" algn="l" defTabSz="914400" rtl="0" eaLnBrk="1" latinLnBrk="0" hangingPunct="1">
+              <a:lnSpc>
+                <a:spcPct val="90000"/>
+              </a:lnSpc>
+              <a:spcBef>
+                <a:spcPts val="500"/>
+              </a:spcBef>
+              <a:buFont typeface="Arial" panose="020B0604020202020204" pitchFamily="34" charset="0"/>
+              <a:buChar char="•"/>
+              <a:defRPr sz="1800" kern="1200">
                 <a:solidFill>
                   <a:schemeClr val="tx1"/>
                 </a:solidFill>
@@ -10373,672 +11857,25 @@
             </a:lvl9pPr>
           </a:lstStyle>
           <a:p>
+            <a:pPr marL="0" indent="0">
+              <a:buNone/>
+            </a:pPr>
             <a:r>
-              <a:rPr lang="fr-FR" sz="2000" b="1" dirty="0" smtClean="0">
-                <a:solidFill>
-                  <a:schemeClr val="bg1"/>
-                </a:solidFill>
-                <a:latin typeface="Open Sans" panose="020B0606030504020204" pitchFamily="34" charset="0"/>
-                <a:ea typeface="Open Sans" panose="020B0606030504020204" pitchFamily="34" charset="0"/>
-                <a:cs typeface="Open Sans" panose="020B0606030504020204" pitchFamily="34" charset="0"/>
+              <a:rPr lang="fr-FR" sz="3600" dirty="0">
+                <a:solidFill>
+                  <a:srgbClr val="80BC58"/>
+                </a:solidFill>
+                <a:latin typeface="FontAwesome" pitchFamily="50" charset="0"/>
               </a:rPr>
-              <a:t>PROJET JAVA JEE </a:t>
+              <a:t></a:t>
             </a:r>
-            <a:r>
-              <a:rPr lang="fr-FR" sz="2000" dirty="0">
-                <a:solidFill>
-                  <a:schemeClr val="bg1">
-                    <a:lumMod val="65000"/>
-                  </a:schemeClr>
-                </a:solidFill>
-                <a:latin typeface="Open Sans" panose="020B0606030504020204" pitchFamily="34" charset="0"/>
-                <a:ea typeface="Open Sans" panose="020B0606030504020204" pitchFamily="34" charset="0"/>
-                <a:cs typeface="Open Sans" panose="020B0606030504020204" pitchFamily="34" charset="0"/>
-              </a:rPr>
-              <a:t>~</a:t>
-            </a:r>
-            <a:r>
-              <a:rPr lang="fr-FR" sz="2000" dirty="0" smtClean="0">
-                <a:solidFill>
-                  <a:schemeClr val="bg1">
-                    <a:lumMod val="65000"/>
-                  </a:schemeClr>
-                </a:solidFill>
-                <a:latin typeface="Open Sans" panose="020B0606030504020204" pitchFamily="34" charset="0"/>
-                <a:ea typeface="Open Sans" panose="020B0606030504020204" pitchFamily="34" charset="0"/>
-                <a:cs typeface="Open Sans" panose="020B0606030504020204" pitchFamily="34" charset="0"/>
-              </a:rPr>
-              <a:t> Application de gestion pour les pré-inscriptions à des UV ~</a:t>
-            </a:r>
-            <a:endParaRPr lang="fr-FR" sz="2000" dirty="0">
-              <a:solidFill>
-                <a:schemeClr val="bg1">
-                  <a:lumMod val="65000"/>
-                </a:schemeClr>
-              </a:solidFill>
-              <a:latin typeface="Open Sans" panose="020B0606030504020204" pitchFamily="34" charset="0"/>
-              <a:ea typeface="Open Sans" panose="020B0606030504020204" pitchFamily="34" charset="0"/>
-              <a:cs typeface="Open Sans" panose="020B0606030504020204" pitchFamily="34" charset="0"/>
-            </a:endParaRPr>
           </a:p>
         </p:txBody>
       </p:sp>
-      <p:sp>
-        <p:nvSpPr>
-          <p:cNvPr id="8" name="Rectangle 7"/>
-          <p:cNvSpPr/>
-          <p:nvPr/>
-        </p:nvSpPr>
-        <p:spPr>
-          <a:xfrm>
-            <a:off x="0" y="2060616"/>
-            <a:ext cx="4362450" cy="1644609"/>
-          </a:xfrm>
-          <a:prstGeom prst="rect">
-            <a:avLst/>
-          </a:prstGeom>
-          <a:solidFill>
-            <a:srgbClr val="80BC58"/>
-          </a:solidFill>
-          <a:ln w="28575">
-            <a:noFill/>
-          </a:ln>
-        </p:spPr>
-        <p:style>
-          <a:lnRef idx="2">
-            <a:schemeClr val="accent1">
-              <a:shade val="50000"/>
-            </a:schemeClr>
-          </a:lnRef>
-          <a:fillRef idx="1">
-            <a:schemeClr val="accent1"/>
-          </a:fillRef>
-          <a:effectRef idx="0">
-            <a:schemeClr val="accent1"/>
-          </a:effectRef>
-          <a:fontRef idx="minor">
-            <a:schemeClr val="lt1"/>
-          </a:fontRef>
-        </p:style>
-        <p:txBody>
-          <a:bodyPr rtlCol="0" anchor="ctr"/>
-          <a:lstStyle/>
-          <a:p>
-            <a:pPr algn="ctr"/>
-            <a:endParaRPr lang="fr-FR"/>
-          </a:p>
-        </p:txBody>
-      </p:sp>
-      <p:sp>
-        <p:nvSpPr>
-          <p:cNvPr id="9" name="Rectangle 8"/>
-          <p:cNvSpPr/>
-          <p:nvPr/>
-        </p:nvSpPr>
-        <p:spPr>
-          <a:xfrm>
-            <a:off x="4543426" y="2060615"/>
-            <a:ext cx="2190750" cy="1644609"/>
-          </a:xfrm>
-          <a:prstGeom prst="rect">
-            <a:avLst/>
-          </a:prstGeom>
-          <a:solidFill>
-            <a:schemeClr val="bg1"/>
-          </a:solidFill>
-          <a:ln w="28575">
-            <a:noFill/>
-          </a:ln>
-        </p:spPr>
-        <p:style>
-          <a:lnRef idx="2">
-            <a:schemeClr val="accent1">
-              <a:shade val="50000"/>
-            </a:schemeClr>
-          </a:lnRef>
-          <a:fillRef idx="1">
-            <a:schemeClr val="accent1"/>
-          </a:fillRef>
-          <a:effectRef idx="0">
-            <a:schemeClr val="accent1"/>
-          </a:effectRef>
-          <a:fontRef idx="minor">
-            <a:schemeClr val="lt1"/>
-          </a:fontRef>
-        </p:style>
-        <p:txBody>
-          <a:bodyPr rtlCol="0" anchor="ctr"/>
-          <a:lstStyle/>
-          <a:p>
-            <a:pPr algn="ctr"/>
-            <a:endParaRPr lang="fr-FR"/>
-          </a:p>
-        </p:txBody>
-      </p:sp>
-      <p:sp>
-        <p:nvSpPr>
-          <p:cNvPr id="10" name="Rectangle 9"/>
-          <p:cNvSpPr/>
-          <p:nvPr/>
-        </p:nvSpPr>
-        <p:spPr>
-          <a:xfrm>
-            <a:off x="6915152" y="2060615"/>
-            <a:ext cx="2190750" cy="1644609"/>
-          </a:xfrm>
-          <a:prstGeom prst="rect">
-            <a:avLst/>
-          </a:prstGeom>
-          <a:solidFill>
-            <a:schemeClr val="bg1"/>
-          </a:solidFill>
-          <a:ln w="28575">
-            <a:noFill/>
-          </a:ln>
-        </p:spPr>
-        <p:style>
-          <a:lnRef idx="2">
-            <a:schemeClr val="accent1">
-              <a:shade val="50000"/>
-            </a:schemeClr>
-          </a:lnRef>
-          <a:fillRef idx="1">
-            <a:schemeClr val="accent1"/>
-          </a:fillRef>
-          <a:effectRef idx="0">
-            <a:schemeClr val="accent1"/>
-          </a:effectRef>
-          <a:fontRef idx="minor">
-            <a:schemeClr val="lt1"/>
-          </a:fontRef>
-        </p:style>
-        <p:txBody>
-          <a:bodyPr rtlCol="0" anchor="ctr"/>
-          <a:lstStyle/>
-          <a:p>
-            <a:pPr algn="ctr"/>
-            <a:endParaRPr lang="fr-FR"/>
-          </a:p>
-        </p:txBody>
-      </p:sp>
-      <p:sp>
-        <p:nvSpPr>
-          <p:cNvPr id="11" name="Rectangle 10"/>
-          <p:cNvSpPr/>
-          <p:nvPr/>
-        </p:nvSpPr>
-        <p:spPr>
-          <a:xfrm>
-            <a:off x="7829550" y="3844945"/>
-            <a:ext cx="4362450" cy="1644609"/>
-          </a:xfrm>
-          <a:prstGeom prst="rect">
-            <a:avLst/>
-          </a:prstGeom>
-          <a:solidFill>
-            <a:srgbClr val="80BC58"/>
-          </a:solidFill>
-          <a:ln w="28575">
-            <a:noFill/>
-          </a:ln>
-        </p:spPr>
-        <p:style>
-          <a:lnRef idx="2">
-            <a:schemeClr val="accent1">
-              <a:shade val="50000"/>
-            </a:schemeClr>
-          </a:lnRef>
-          <a:fillRef idx="1">
-            <a:schemeClr val="accent1"/>
-          </a:fillRef>
-          <a:effectRef idx="0">
-            <a:schemeClr val="accent1"/>
-          </a:effectRef>
-          <a:fontRef idx="minor">
-            <a:schemeClr val="lt1"/>
-          </a:fontRef>
-        </p:style>
-        <p:txBody>
-          <a:bodyPr rtlCol="0" anchor="ctr"/>
-          <a:lstStyle/>
-          <a:p>
-            <a:pPr algn="ctr"/>
-            <a:endParaRPr lang="fr-FR"/>
-          </a:p>
-        </p:txBody>
-      </p:sp>
-      <p:sp>
-        <p:nvSpPr>
-          <p:cNvPr id="16" name="Rectangle 15"/>
-          <p:cNvSpPr/>
-          <p:nvPr/>
-        </p:nvSpPr>
-        <p:spPr>
-          <a:xfrm>
-            <a:off x="3133726" y="3844945"/>
-            <a:ext cx="2190750" cy="1644609"/>
-          </a:xfrm>
-          <a:prstGeom prst="rect">
-            <a:avLst/>
-          </a:prstGeom>
-          <a:solidFill>
-            <a:schemeClr val="bg1"/>
-          </a:solidFill>
-          <a:ln w="28575">
-            <a:noFill/>
-          </a:ln>
-        </p:spPr>
-        <p:style>
-          <a:lnRef idx="2">
-            <a:schemeClr val="accent1">
-              <a:shade val="50000"/>
-            </a:schemeClr>
-          </a:lnRef>
-          <a:fillRef idx="1">
-            <a:schemeClr val="accent1"/>
-          </a:fillRef>
-          <a:effectRef idx="0">
-            <a:schemeClr val="accent1"/>
-          </a:effectRef>
-          <a:fontRef idx="minor">
-            <a:schemeClr val="lt1"/>
-          </a:fontRef>
-        </p:style>
-        <p:txBody>
-          <a:bodyPr rtlCol="0" anchor="ctr"/>
-          <a:lstStyle/>
-          <a:p>
-            <a:pPr algn="ctr"/>
-            <a:endParaRPr lang="fr-FR"/>
-          </a:p>
-        </p:txBody>
-      </p:sp>
-      <p:sp>
-        <p:nvSpPr>
-          <p:cNvPr id="17" name="Rectangle 16"/>
-          <p:cNvSpPr/>
-          <p:nvPr/>
-        </p:nvSpPr>
-        <p:spPr>
-          <a:xfrm>
-            <a:off x="5505452" y="3844945"/>
-            <a:ext cx="2190750" cy="1644609"/>
-          </a:xfrm>
-          <a:prstGeom prst="rect">
-            <a:avLst/>
-          </a:prstGeom>
-          <a:solidFill>
-            <a:schemeClr val="bg1"/>
-          </a:solidFill>
-          <a:ln w="28575">
-            <a:noFill/>
-          </a:ln>
-        </p:spPr>
-        <p:style>
-          <a:lnRef idx="2">
-            <a:schemeClr val="accent1">
-              <a:shade val="50000"/>
-            </a:schemeClr>
-          </a:lnRef>
-          <a:fillRef idx="1">
-            <a:schemeClr val="accent1"/>
-          </a:fillRef>
-          <a:effectRef idx="0">
-            <a:schemeClr val="accent1"/>
-          </a:effectRef>
-          <a:fontRef idx="minor">
-            <a:schemeClr val="lt1"/>
-          </a:fontRef>
-        </p:style>
-        <p:txBody>
-          <a:bodyPr rtlCol="0" anchor="ctr"/>
-          <a:lstStyle/>
-          <a:p>
-            <a:pPr algn="ctr"/>
-            <a:endParaRPr lang="fr-FR"/>
-          </a:p>
-        </p:txBody>
-      </p:sp>
-      <p:sp>
-        <p:nvSpPr>
-          <p:cNvPr id="18" name="Rectangle 17"/>
-          <p:cNvSpPr/>
-          <p:nvPr/>
-        </p:nvSpPr>
-        <p:spPr>
-          <a:xfrm>
-            <a:off x="762000" y="3844945"/>
-            <a:ext cx="2190750" cy="1644609"/>
-          </a:xfrm>
-          <a:prstGeom prst="rect">
-            <a:avLst/>
-          </a:prstGeom>
-          <a:solidFill>
-            <a:schemeClr val="bg1"/>
-          </a:solidFill>
-          <a:ln w="28575">
-            <a:noFill/>
-          </a:ln>
-        </p:spPr>
-        <p:style>
-          <a:lnRef idx="2">
-            <a:schemeClr val="accent1">
-              <a:shade val="50000"/>
-            </a:schemeClr>
-          </a:lnRef>
-          <a:fillRef idx="1">
-            <a:schemeClr val="accent1"/>
-          </a:fillRef>
-          <a:effectRef idx="0">
-            <a:schemeClr val="accent1"/>
-          </a:effectRef>
-          <a:fontRef idx="minor">
-            <a:schemeClr val="lt1"/>
-          </a:fontRef>
-        </p:style>
-        <p:txBody>
-          <a:bodyPr rtlCol="0" anchor="ctr"/>
-          <a:lstStyle/>
-          <a:p>
-            <a:pPr algn="ctr"/>
-            <a:endParaRPr lang="fr-FR"/>
-          </a:p>
-        </p:txBody>
-      </p:sp>
-      <p:sp>
-        <p:nvSpPr>
-          <p:cNvPr id="19" name="Rectangle 18"/>
-          <p:cNvSpPr/>
-          <p:nvPr/>
-        </p:nvSpPr>
-        <p:spPr>
-          <a:xfrm>
-            <a:off x="9286878" y="2060615"/>
-            <a:ext cx="2190750" cy="1644609"/>
-          </a:xfrm>
-          <a:prstGeom prst="rect">
-            <a:avLst/>
-          </a:prstGeom>
-          <a:solidFill>
-            <a:schemeClr val="bg1"/>
-          </a:solidFill>
-          <a:ln w="28575">
-            <a:noFill/>
-          </a:ln>
-        </p:spPr>
-        <p:style>
-          <a:lnRef idx="2">
-            <a:schemeClr val="accent1">
-              <a:shade val="50000"/>
-            </a:schemeClr>
-          </a:lnRef>
-          <a:fillRef idx="1">
-            <a:schemeClr val="accent1"/>
-          </a:fillRef>
-          <a:effectRef idx="0">
-            <a:schemeClr val="accent1"/>
-          </a:effectRef>
-          <a:fontRef idx="minor">
-            <a:schemeClr val="lt1"/>
-          </a:fontRef>
-        </p:style>
-        <p:txBody>
-          <a:bodyPr rtlCol="0" anchor="ctr"/>
-          <a:lstStyle/>
-          <a:p>
-            <a:pPr algn="ctr"/>
-            <a:endParaRPr lang="fr-FR"/>
-          </a:p>
-        </p:txBody>
-      </p:sp>
-      <p:pic>
-        <p:nvPicPr>
-          <p:cNvPr id="3074" name="Picture 2" descr="Résultat de recherche d'images pour &quot;cassandra&quot;"/>
-          <p:cNvPicPr>
-            <a:picLocks noChangeAspect="1" noChangeArrowheads="1"/>
-          </p:cNvPicPr>
-          <p:nvPr/>
-        </p:nvPicPr>
-        <p:blipFill>
-          <a:blip r:embed="rId2" cstate="print">
-            <a:extLst>
-              <a:ext uri="{28A0092B-C50C-407E-A947-70E740481C1C}">
-                <a14:useLocalDpi xmlns:a14="http://schemas.microsoft.com/office/drawing/2010/main" val="0"/>
-              </a:ext>
-            </a:extLst>
-          </a:blip>
-          <a:srcRect/>
-          <a:stretch>
-            <a:fillRect/>
-          </a:stretch>
-        </p:blipFill>
-        <p:spPr bwMode="auto">
-          <a:xfrm>
-            <a:off x="4788554" y="2264244"/>
-            <a:ext cx="1717021" cy="1150941"/>
-          </a:xfrm>
-          <a:prstGeom prst="rect">
-            <a:avLst/>
-          </a:prstGeom>
-          <a:noFill/>
-          <a:extLst>
-            <a:ext uri="{909E8E84-426E-40DD-AFC4-6F175D3DCCD1}">
-              <a14:hiddenFill xmlns:a14="http://schemas.microsoft.com/office/drawing/2010/main">
-                <a:solidFill>
-                  <a:srgbClr val="FFFFFF"/>
-                </a:solidFill>
-              </a14:hiddenFill>
-            </a:ext>
-          </a:extLst>
-        </p:spPr>
-      </p:pic>
-      <p:pic>
-        <p:nvPicPr>
-          <p:cNvPr id="3076" name="Picture 4" descr="Résultat de recherche d'images pour &quot;mongodb&quot;"/>
-          <p:cNvPicPr>
-            <a:picLocks noChangeAspect="1" noChangeArrowheads="1"/>
-          </p:cNvPicPr>
-          <p:nvPr/>
-        </p:nvPicPr>
-        <p:blipFill>
-          <a:blip r:embed="rId3" cstate="print">
-            <a:extLst>
-              <a:ext uri="{28A0092B-C50C-407E-A947-70E740481C1C}">
-                <a14:useLocalDpi xmlns:a14="http://schemas.microsoft.com/office/drawing/2010/main" val="0"/>
-              </a:ext>
-            </a:extLst>
-          </a:blip>
-          <a:srcRect/>
-          <a:stretch>
-            <a:fillRect/>
-          </a:stretch>
-        </p:blipFill>
-        <p:spPr bwMode="auto">
-          <a:xfrm>
-            <a:off x="981075" y="4418501"/>
-            <a:ext cx="1899045" cy="515856"/>
-          </a:xfrm>
-          <a:prstGeom prst="rect">
-            <a:avLst/>
-          </a:prstGeom>
-          <a:noFill/>
-          <a:extLst>
-            <a:ext uri="{909E8E84-426E-40DD-AFC4-6F175D3DCCD1}">
-              <a14:hiddenFill xmlns:a14="http://schemas.microsoft.com/office/drawing/2010/main">
-                <a:solidFill>
-                  <a:srgbClr val="FFFFFF"/>
-                </a:solidFill>
-              </a14:hiddenFill>
-            </a:ext>
-          </a:extLst>
-        </p:spPr>
-      </p:pic>
-      <p:pic>
-        <p:nvPicPr>
-          <p:cNvPr id="3078" name="Picture 6" descr="Résultat de recherche d'images pour &quot;DynamoDB&quot;"/>
-          <p:cNvPicPr>
-            <a:picLocks noChangeAspect="1" noChangeArrowheads="1"/>
-          </p:cNvPicPr>
-          <p:nvPr/>
-        </p:nvPicPr>
-        <p:blipFill rotWithShape="1">
-          <a:blip r:embed="rId4">
-            <a:extLst>
-              <a:ext uri="{28A0092B-C50C-407E-A947-70E740481C1C}">
-                <a14:useLocalDpi xmlns:a14="http://schemas.microsoft.com/office/drawing/2010/main" val="0"/>
-              </a:ext>
-            </a:extLst>
-          </a:blip>
-          <a:srcRect t="14011" b="14143"/>
-          <a:stretch/>
-        </p:blipFill>
-        <p:spPr bwMode="auto">
-          <a:xfrm>
-            <a:off x="3278995" y="3993814"/>
-            <a:ext cx="1900212" cy="1365229"/>
-          </a:xfrm>
-          <a:prstGeom prst="rect">
-            <a:avLst/>
-          </a:prstGeom>
-          <a:noFill/>
-          <a:extLst>
-            <a:ext uri="{909E8E84-426E-40DD-AFC4-6F175D3DCCD1}">
-              <a14:hiddenFill xmlns:a14="http://schemas.microsoft.com/office/drawing/2010/main">
-                <a:solidFill>
-                  <a:srgbClr val="FFFFFF"/>
-                </a:solidFill>
-              </a14:hiddenFill>
-            </a:ext>
-          </a:extLst>
-        </p:spPr>
-      </p:pic>
-      <p:pic>
-        <p:nvPicPr>
-          <p:cNvPr id="3080" name="Picture 8" descr="Résultat de recherche d'images pour &quot;HBase&quot;"/>
-          <p:cNvPicPr>
-            <a:picLocks noChangeAspect="1" noChangeArrowheads="1"/>
-          </p:cNvPicPr>
-          <p:nvPr/>
-        </p:nvPicPr>
-        <p:blipFill>
-          <a:blip r:embed="rId5">
-            <a:extLst>
-              <a:ext uri="{28A0092B-C50C-407E-A947-70E740481C1C}">
-                <a14:useLocalDpi xmlns:a14="http://schemas.microsoft.com/office/drawing/2010/main" val="0"/>
-              </a:ext>
-            </a:extLst>
-          </a:blip>
-          <a:srcRect/>
-          <a:stretch>
-            <a:fillRect/>
-          </a:stretch>
-        </p:blipFill>
-        <p:spPr bwMode="auto">
-          <a:xfrm>
-            <a:off x="5590611" y="4409321"/>
-            <a:ext cx="2020432" cy="515856"/>
-          </a:xfrm>
-          <a:prstGeom prst="rect">
-            <a:avLst/>
-          </a:prstGeom>
-          <a:noFill/>
-          <a:extLst>
-            <a:ext uri="{909E8E84-426E-40DD-AFC4-6F175D3DCCD1}">
-              <a14:hiddenFill xmlns:a14="http://schemas.microsoft.com/office/drawing/2010/main">
-                <a:solidFill>
-                  <a:srgbClr val="FFFFFF"/>
-                </a:solidFill>
-              </a14:hiddenFill>
-            </a:ext>
-          </a:extLst>
-        </p:spPr>
-      </p:pic>
-      <p:pic>
-        <p:nvPicPr>
-          <p:cNvPr id="3082" name="Picture 10" descr="Résultat de recherche d'images pour &quot;oracle nosql&quot;"/>
-          <p:cNvPicPr>
-            <a:picLocks noChangeAspect="1" noChangeArrowheads="1"/>
-          </p:cNvPicPr>
-          <p:nvPr/>
-        </p:nvPicPr>
-        <p:blipFill>
-          <a:blip r:embed="rId6" cstate="print">
-            <a:extLst>
-              <a:ext uri="{28A0092B-C50C-407E-A947-70E740481C1C}">
-                <a14:useLocalDpi xmlns:a14="http://schemas.microsoft.com/office/drawing/2010/main" val="0"/>
-              </a:ext>
-            </a:extLst>
-          </a:blip>
-          <a:srcRect/>
-          <a:stretch>
-            <a:fillRect/>
-          </a:stretch>
-        </p:blipFill>
-        <p:spPr bwMode="auto">
-          <a:xfrm>
-            <a:off x="6915152" y="2443320"/>
-            <a:ext cx="2178317" cy="971865"/>
-          </a:xfrm>
-          <a:prstGeom prst="rect">
-            <a:avLst/>
-          </a:prstGeom>
-          <a:noFill/>
-          <a:extLst>
-            <a:ext uri="{909E8E84-426E-40DD-AFC4-6F175D3DCCD1}">
-              <a14:hiddenFill xmlns:a14="http://schemas.microsoft.com/office/drawing/2010/main">
-                <a:solidFill>
-                  <a:srgbClr val="FFFFFF"/>
-                </a:solidFill>
-              </a14:hiddenFill>
-            </a:ext>
-          </a:extLst>
-        </p:spPr>
-      </p:pic>
-      <p:pic>
-        <p:nvPicPr>
-          <p:cNvPr id="3084" name="Picture 12" descr="Résultat de recherche d'images pour &quot;Neo4j&quot;"/>
-          <p:cNvPicPr>
-            <a:picLocks noChangeAspect="1" noChangeArrowheads="1"/>
-          </p:cNvPicPr>
-          <p:nvPr/>
-        </p:nvPicPr>
-        <p:blipFill>
-          <a:blip r:embed="rId7" cstate="print">
-            <a:extLst>
-              <a:ext uri="{28A0092B-C50C-407E-A947-70E740481C1C}">
-                <a14:useLocalDpi xmlns:a14="http://schemas.microsoft.com/office/drawing/2010/main" val="0"/>
-              </a:ext>
-            </a:extLst>
-          </a:blip>
-          <a:srcRect/>
-          <a:stretch>
-            <a:fillRect/>
-          </a:stretch>
-        </p:blipFill>
-        <p:spPr bwMode="auto">
-          <a:xfrm>
-            <a:off x="9334503" y="2394555"/>
-            <a:ext cx="2018819" cy="1052670"/>
-          </a:xfrm>
-          <a:prstGeom prst="rect">
-            <a:avLst/>
-          </a:prstGeom>
-          <a:noFill/>
-          <a:extLst>
-            <a:ext uri="{909E8E84-426E-40DD-AFC4-6F175D3DCCD1}">
-              <a14:hiddenFill xmlns:a14="http://schemas.microsoft.com/office/drawing/2010/main">
-                <a:solidFill>
-                  <a:srgbClr val="FFFFFF"/>
-                </a:solidFill>
-              </a14:hiddenFill>
-            </a:ext>
-          </a:extLst>
-        </p:spPr>
-      </p:pic>
     </p:spTree>
     <p:extLst>
       <p:ext uri="{BB962C8B-B14F-4D97-AF65-F5344CB8AC3E}">
-        <p14:creationId xmlns:p14="http://schemas.microsoft.com/office/powerpoint/2010/main" val="1256920595"/>
+        <p14:creationId xmlns:p14="http://schemas.microsoft.com/office/powerpoint/2010/main" val="1906212202"/>
       </p:ext>
     </p:extLst>
   </p:cSld>
@@ -11121,7 +11958,7 @@
                 <a:ea typeface="Open Sans" panose="020B0606030504020204" pitchFamily="34" charset="0"/>
                 <a:cs typeface="Open Sans" panose="020B0606030504020204" pitchFamily="34" charset="0"/>
               </a:rPr>
-              <a:t>Mise en place</a:t>
+              <a:t>Solutions NoSQL</a:t>
             </a:r>
             <a:endParaRPr lang="fr-FR" b="1" dirty="0">
               <a:solidFill>
@@ -11178,31 +12015,260 @@
       </p:cxnSp>
       <p:sp>
         <p:nvSpPr>
-          <p:cNvPr id="13" name="Rectangle 12"/>
+          <p:cNvPr id="6" name="Sous-titre 2"/>
+          <p:cNvSpPr txBox="1">
+            <a:spLocks/>
+          </p:cNvSpPr>
+          <p:nvPr/>
+        </p:nvSpPr>
+        <p:spPr>
+          <a:xfrm>
+            <a:off x="723900" y="6284994"/>
+            <a:ext cx="10934700" cy="323686"/>
+          </a:xfrm>
+          <a:prstGeom prst="rect">
+            <a:avLst/>
+          </a:prstGeom>
+        </p:spPr>
+        <p:txBody>
+          <a:bodyPr vert="horz" lIns="91440" tIns="45720" rIns="91440" bIns="45720" rtlCol="0">
+            <a:noAutofit/>
+          </a:bodyPr>
+          <a:lstStyle>
+            <a:lvl1pPr marL="0" indent="0" algn="ctr" defTabSz="914400" rtl="0" eaLnBrk="1" latinLnBrk="0" hangingPunct="1">
+              <a:lnSpc>
+                <a:spcPct val="90000"/>
+              </a:lnSpc>
+              <a:spcBef>
+                <a:spcPts val="1000"/>
+              </a:spcBef>
+              <a:buFont typeface="Arial" panose="020B0604020202020204" pitchFamily="34" charset="0"/>
+              <a:buNone/>
+              <a:defRPr sz="2400" kern="1200">
+                <a:solidFill>
+                  <a:schemeClr val="tx1"/>
+                </a:solidFill>
+                <a:latin typeface="+mn-lt"/>
+                <a:ea typeface="+mn-ea"/>
+                <a:cs typeface="+mn-cs"/>
+              </a:defRPr>
+            </a:lvl1pPr>
+            <a:lvl2pPr marL="457200" indent="0" algn="ctr" defTabSz="914400" rtl="0" eaLnBrk="1" latinLnBrk="0" hangingPunct="1">
+              <a:lnSpc>
+                <a:spcPct val="90000"/>
+              </a:lnSpc>
+              <a:spcBef>
+                <a:spcPts val="500"/>
+              </a:spcBef>
+              <a:buFont typeface="Arial" panose="020B0604020202020204" pitchFamily="34" charset="0"/>
+              <a:buNone/>
+              <a:defRPr sz="2000" kern="1200">
+                <a:solidFill>
+                  <a:schemeClr val="tx1"/>
+                </a:solidFill>
+                <a:latin typeface="+mn-lt"/>
+                <a:ea typeface="+mn-ea"/>
+                <a:cs typeface="+mn-cs"/>
+              </a:defRPr>
+            </a:lvl2pPr>
+            <a:lvl3pPr marL="914400" indent="0" algn="ctr" defTabSz="914400" rtl="0" eaLnBrk="1" latinLnBrk="0" hangingPunct="1">
+              <a:lnSpc>
+                <a:spcPct val="90000"/>
+              </a:lnSpc>
+              <a:spcBef>
+                <a:spcPts val="500"/>
+              </a:spcBef>
+              <a:buFont typeface="Arial" panose="020B0604020202020204" pitchFamily="34" charset="0"/>
+              <a:buNone/>
+              <a:defRPr sz="1800" kern="1200">
+                <a:solidFill>
+                  <a:schemeClr val="tx1"/>
+                </a:solidFill>
+                <a:latin typeface="+mn-lt"/>
+                <a:ea typeface="+mn-ea"/>
+                <a:cs typeface="+mn-cs"/>
+              </a:defRPr>
+            </a:lvl3pPr>
+            <a:lvl4pPr marL="1371600" indent="0" algn="ctr" defTabSz="914400" rtl="0" eaLnBrk="1" latinLnBrk="0" hangingPunct="1">
+              <a:lnSpc>
+                <a:spcPct val="90000"/>
+              </a:lnSpc>
+              <a:spcBef>
+                <a:spcPts val="500"/>
+              </a:spcBef>
+              <a:buFont typeface="Arial" panose="020B0604020202020204" pitchFamily="34" charset="0"/>
+              <a:buNone/>
+              <a:defRPr sz="1600" kern="1200">
+                <a:solidFill>
+                  <a:schemeClr val="tx1"/>
+                </a:solidFill>
+                <a:latin typeface="+mn-lt"/>
+                <a:ea typeface="+mn-ea"/>
+                <a:cs typeface="+mn-cs"/>
+              </a:defRPr>
+            </a:lvl4pPr>
+            <a:lvl5pPr marL="1828800" indent="0" algn="ctr" defTabSz="914400" rtl="0" eaLnBrk="1" latinLnBrk="0" hangingPunct="1">
+              <a:lnSpc>
+                <a:spcPct val="90000"/>
+              </a:lnSpc>
+              <a:spcBef>
+                <a:spcPts val="500"/>
+              </a:spcBef>
+              <a:buFont typeface="Arial" panose="020B0604020202020204" pitchFamily="34" charset="0"/>
+              <a:buNone/>
+              <a:defRPr sz="1600" kern="1200">
+                <a:solidFill>
+                  <a:schemeClr val="tx1"/>
+                </a:solidFill>
+                <a:latin typeface="+mn-lt"/>
+                <a:ea typeface="+mn-ea"/>
+                <a:cs typeface="+mn-cs"/>
+              </a:defRPr>
+            </a:lvl5pPr>
+            <a:lvl6pPr marL="2286000" indent="0" algn="ctr" defTabSz="914400" rtl="0" eaLnBrk="1" latinLnBrk="0" hangingPunct="1">
+              <a:lnSpc>
+                <a:spcPct val="90000"/>
+              </a:lnSpc>
+              <a:spcBef>
+                <a:spcPts val="500"/>
+              </a:spcBef>
+              <a:buFont typeface="Arial" panose="020B0604020202020204" pitchFamily="34" charset="0"/>
+              <a:buNone/>
+              <a:defRPr sz="1600" kern="1200">
+                <a:solidFill>
+                  <a:schemeClr val="tx1"/>
+                </a:solidFill>
+                <a:latin typeface="+mn-lt"/>
+                <a:ea typeface="+mn-ea"/>
+                <a:cs typeface="+mn-cs"/>
+              </a:defRPr>
+            </a:lvl6pPr>
+            <a:lvl7pPr marL="2743200" indent="0" algn="ctr" defTabSz="914400" rtl="0" eaLnBrk="1" latinLnBrk="0" hangingPunct="1">
+              <a:lnSpc>
+                <a:spcPct val="90000"/>
+              </a:lnSpc>
+              <a:spcBef>
+                <a:spcPts val="500"/>
+              </a:spcBef>
+              <a:buFont typeface="Arial" panose="020B0604020202020204" pitchFamily="34" charset="0"/>
+              <a:buNone/>
+              <a:defRPr sz="1600" kern="1200">
+                <a:solidFill>
+                  <a:schemeClr val="tx1"/>
+                </a:solidFill>
+                <a:latin typeface="+mn-lt"/>
+                <a:ea typeface="+mn-ea"/>
+                <a:cs typeface="+mn-cs"/>
+              </a:defRPr>
+            </a:lvl7pPr>
+            <a:lvl8pPr marL="3200400" indent="0" algn="ctr" defTabSz="914400" rtl="0" eaLnBrk="1" latinLnBrk="0" hangingPunct="1">
+              <a:lnSpc>
+                <a:spcPct val="90000"/>
+              </a:lnSpc>
+              <a:spcBef>
+                <a:spcPts val="500"/>
+              </a:spcBef>
+              <a:buFont typeface="Arial" panose="020B0604020202020204" pitchFamily="34" charset="0"/>
+              <a:buNone/>
+              <a:defRPr sz="1600" kern="1200">
+                <a:solidFill>
+                  <a:schemeClr val="tx1"/>
+                </a:solidFill>
+                <a:latin typeface="+mn-lt"/>
+                <a:ea typeface="+mn-ea"/>
+                <a:cs typeface="+mn-cs"/>
+              </a:defRPr>
+            </a:lvl8pPr>
+            <a:lvl9pPr marL="3657600" indent="0" algn="ctr" defTabSz="914400" rtl="0" eaLnBrk="1" latinLnBrk="0" hangingPunct="1">
+              <a:lnSpc>
+                <a:spcPct val="90000"/>
+              </a:lnSpc>
+              <a:spcBef>
+                <a:spcPts val="500"/>
+              </a:spcBef>
+              <a:buFont typeface="Arial" panose="020B0604020202020204" pitchFamily="34" charset="0"/>
+              <a:buNone/>
+              <a:defRPr sz="1600" kern="1200">
+                <a:solidFill>
+                  <a:schemeClr val="tx1"/>
+                </a:solidFill>
+                <a:latin typeface="+mn-lt"/>
+                <a:ea typeface="+mn-ea"/>
+                <a:cs typeface="+mn-cs"/>
+              </a:defRPr>
+            </a:lvl9pPr>
+          </a:lstStyle>
+          <a:p>
+            <a:r>
+              <a:rPr lang="fr-FR" sz="2000" b="1" dirty="0" smtClean="0">
+                <a:solidFill>
+                  <a:schemeClr val="bg1"/>
+                </a:solidFill>
+                <a:latin typeface="Open Sans" panose="020B0606030504020204" pitchFamily="34" charset="0"/>
+                <a:ea typeface="Open Sans" panose="020B0606030504020204" pitchFamily="34" charset="0"/>
+                <a:cs typeface="Open Sans" panose="020B0606030504020204" pitchFamily="34" charset="0"/>
+              </a:rPr>
+              <a:t>PROJET JAVA JEE </a:t>
+            </a:r>
+            <a:r>
+              <a:rPr lang="fr-FR" sz="2000" dirty="0">
+                <a:solidFill>
+                  <a:schemeClr val="bg1">
+                    <a:lumMod val="65000"/>
+                  </a:schemeClr>
+                </a:solidFill>
+                <a:latin typeface="Open Sans" panose="020B0606030504020204" pitchFamily="34" charset="0"/>
+                <a:ea typeface="Open Sans" panose="020B0606030504020204" pitchFamily="34" charset="0"/>
+                <a:cs typeface="Open Sans" panose="020B0606030504020204" pitchFamily="34" charset="0"/>
+              </a:rPr>
+              <a:t>~</a:t>
+            </a:r>
+            <a:r>
+              <a:rPr lang="fr-FR" sz="2000" dirty="0" smtClean="0">
+                <a:solidFill>
+                  <a:schemeClr val="bg1">
+                    <a:lumMod val="65000"/>
+                  </a:schemeClr>
+                </a:solidFill>
+                <a:latin typeface="Open Sans" panose="020B0606030504020204" pitchFamily="34" charset="0"/>
+                <a:ea typeface="Open Sans" panose="020B0606030504020204" pitchFamily="34" charset="0"/>
+                <a:cs typeface="Open Sans" panose="020B0606030504020204" pitchFamily="34" charset="0"/>
+              </a:rPr>
+              <a:t> Application de gestion pour les pré-inscriptions à des UV ~</a:t>
+            </a:r>
+            <a:endParaRPr lang="fr-FR" sz="2000" dirty="0">
+              <a:solidFill>
+                <a:schemeClr val="bg1">
+                  <a:lumMod val="65000"/>
+                </a:schemeClr>
+              </a:solidFill>
+              <a:latin typeface="Open Sans" panose="020B0606030504020204" pitchFamily="34" charset="0"/>
+              <a:ea typeface="Open Sans" panose="020B0606030504020204" pitchFamily="34" charset="0"/>
+              <a:cs typeface="Open Sans" panose="020B0606030504020204" pitchFamily="34" charset="0"/>
+            </a:endParaRPr>
+          </a:p>
+        </p:txBody>
+      </p:sp>
+      <p:sp>
+        <p:nvSpPr>
+          <p:cNvPr id="8" name="Rectangle 7"/>
           <p:cNvSpPr/>
           <p:nvPr/>
         </p:nvSpPr>
         <p:spPr>
           <a:xfrm>
-            <a:off x="11658600" y="133350"/>
-            <a:ext cx="371475" cy="371475"/>
+            <a:off x="0" y="2060616"/>
+            <a:ext cx="4362450" cy="1644609"/>
           </a:xfrm>
           <a:prstGeom prst="rect">
             <a:avLst/>
           </a:prstGeom>
           <a:solidFill>
-            <a:srgbClr val="8EC56A"/>
+            <a:srgbClr val="80BC58"/>
           </a:solidFill>
-          <a:ln>
+          <a:ln w="28575">
             <a:noFill/>
           </a:ln>
-          <a:effectLst>
-            <a:outerShdw blurRad="50800" dist="38100" dir="13500000" algn="br" rotWithShape="0">
-              <a:prstClr val="black">
-                <a:alpha val="40000"/>
-              </a:prstClr>
-            </a:outerShdw>
-          </a:effectLst>
         </p:spPr>
         <p:style>
           <a:lnRef idx="2">
@@ -11225,52 +12291,357 @@
           <a:lstStyle/>
           <a:p>
             <a:pPr algn="ctr"/>
-            <a:endParaRPr lang="fr-FR" dirty="0"/>
+            <a:endParaRPr lang="fr-FR"/>
           </a:p>
         </p:txBody>
       </p:sp>
       <p:sp>
         <p:nvSpPr>
-          <p:cNvPr id="4" name="Espace réservé du contenu 3"/>
-          <p:cNvSpPr>
-            <a:spLocks noGrp="1"/>
-          </p:cNvSpPr>
-          <p:nvPr>
-            <p:ph idx="1"/>
-          </p:nvPr>
+          <p:cNvPr id="9" name="Rectangle 8"/>
+          <p:cNvSpPr/>
+          <p:nvPr/>
         </p:nvSpPr>
-        <p:spPr/>
+        <p:spPr>
+          <a:xfrm>
+            <a:off x="4543426" y="2060615"/>
+            <a:ext cx="2190750" cy="1644609"/>
+          </a:xfrm>
+          <a:prstGeom prst="rect">
+            <a:avLst/>
+          </a:prstGeom>
+          <a:solidFill>
+            <a:schemeClr val="bg1"/>
+          </a:solidFill>
+          <a:ln w="28575">
+            <a:noFill/>
+          </a:ln>
+        </p:spPr>
+        <p:style>
+          <a:lnRef idx="2">
+            <a:schemeClr val="accent1">
+              <a:shade val="50000"/>
+            </a:schemeClr>
+          </a:lnRef>
+          <a:fillRef idx="1">
+            <a:schemeClr val="accent1"/>
+          </a:fillRef>
+          <a:effectRef idx="0">
+            <a:schemeClr val="accent1"/>
+          </a:effectRef>
+          <a:fontRef idx="minor">
+            <a:schemeClr val="lt1"/>
+          </a:fontRef>
+        </p:style>
         <p:txBody>
-          <a:bodyPr/>
+          <a:bodyPr rtlCol="0" anchor="ctr"/>
           <a:lstStyle/>
           <a:p>
+            <a:pPr algn="ctr"/>
+            <a:endParaRPr lang="fr-FR"/>
+          </a:p>
+        </p:txBody>
+      </p:sp>
+      <p:sp>
+        <p:nvSpPr>
+          <p:cNvPr id="10" name="Rectangle 9"/>
+          <p:cNvSpPr/>
+          <p:nvPr/>
+        </p:nvSpPr>
+        <p:spPr>
+          <a:xfrm>
+            <a:off x="6915152" y="2060615"/>
+            <a:ext cx="2190750" cy="1644609"/>
+          </a:xfrm>
+          <a:prstGeom prst="rect">
+            <a:avLst/>
+          </a:prstGeom>
+          <a:solidFill>
+            <a:schemeClr val="bg1"/>
+          </a:solidFill>
+          <a:ln w="28575">
+            <a:noFill/>
+          </a:ln>
+        </p:spPr>
+        <p:style>
+          <a:lnRef idx="2">
+            <a:schemeClr val="accent1">
+              <a:shade val="50000"/>
+            </a:schemeClr>
+          </a:lnRef>
+          <a:fillRef idx="1">
+            <a:schemeClr val="accent1"/>
+          </a:fillRef>
+          <a:effectRef idx="0">
+            <a:schemeClr val="accent1"/>
+          </a:effectRef>
+          <a:fontRef idx="minor">
+            <a:schemeClr val="lt1"/>
+          </a:fontRef>
+        </p:style>
+        <p:txBody>
+          <a:bodyPr rtlCol="0" anchor="ctr"/>
+          <a:lstStyle/>
+          <a:p>
+            <a:pPr algn="ctr"/>
+            <a:endParaRPr lang="fr-FR"/>
+          </a:p>
+        </p:txBody>
+      </p:sp>
+      <p:sp>
+        <p:nvSpPr>
+          <p:cNvPr id="11" name="Rectangle 10"/>
+          <p:cNvSpPr/>
+          <p:nvPr/>
+        </p:nvSpPr>
+        <p:spPr>
+          <a:xfrm>
+            <a:off x="7829550" y="3844945"/>
+            <a:ext cx="4362450" cy="1644609"/>
+          </a:xfrm>
+          <a:prstGeom prst="rect">
+            <a:avLst/>
+          </a:prstGeom>
+          <a:solidFill>
+            <a:srgbClr val="80BC58"/>
+          </a:solidFill>
+          <a:ln w="28575">
+            <a:noFill/>
+          </a:ln>
+        </p:spPr>
+        <p:style>
+          <a:lnRef idx="2">
+            <a:schemeClr val="accent1">
+              <a:shade val="50000"/>
+            </a:schemeClr>
+          </a:lnRef>
+          <a:fillRef idx="1">
+            <a:schemeClr val="accent1"/>
+          </a:fillRef>
+          <a:effectRef idx="0">
+            <a:schemeClr val="accent1"/>
+          </a:effectRef>
+          <a:fontRef idx="minor">
+            <a:schemeClr val="lt1"/>
+          </a:fontRef>
+        </p:style>
+        <p:txBody>
+          <a:bodyPr rtlCol="0" anchor="ctr"/>
+          <a:lstStyle/>
+          <a:p>
+            <a:pPr algn="ctr"/>
+            <a:endParaRPr lang="fr-FR"/>
+          </a:p>
+        </p:txBody>
+      </p:sp>
+      <p:sp>
+        <p:nvSpPr>
+          <p:cNvPr id="16" name="Rectangle 15"/>
+          <p:cNvSpPr/>
+          <p:nvPr/>
+        </p:nvSpPr>
+        <p:spPr>
+          <a:xfrm>
+            <a:off x="3133726" y="3844945"/>
+            <a:ext cx="2190750" cy="1644609"/>
+          </a:xfrm>
+          <a:prstGeom prst="rect">
+            <a:avLst/>
+          </a:prstGeom>
+          <a:solidFill>
+            <a:schemeClr val="bg1"/>
+          </a:solidFill>
+          <a:ln w="28575">
+            <a:noFill/>
+          </a:ln>
+        </p:spPr>
+        <p:style>
+          <a:lnRef idx="2">
+            <a:schemeClr val="accent1">
+              <a:shade val="50000"/>
+            </a:schemeClr>
+          </a:lnRef>
+          <a:fillRef idx="1">
+            <a:schemeClr val="accent1"/>
+          </a:fillRef>
+          <a:effectRef idx="0">
+            <a:schemeClr val="accent1"/>
+          </a:effectRef>
+          <a:fontRef idx="minor">
+            <a:schemeClr val="lt1"/>
+          </a:fontRef>
+        </p:style>
+        <p:txBody>
+          <a:bodyPr rtlCol="0" anchor="ctr"/>
+          <a:lstStyle/>
+          <a:p>
+            <a:pPr algn="ctr"/>
+            <a:endParaRPr lang="fr-FR"/>
+          </a:p>
+        </p:txBody>
+      </p:sp>
+      <p:sp>
+        <p:nvSpPr>
+          <p:cNvPr id="17" name="Rectangle 16"/>
+          <p:cNvSpPr/>
+          <p:nvPr/>
+        </p:nvSpPr>
+        <p:spPr>
+          <a:xfrm>
+            <a:off x="5505452" y="3844945"/>
+            <a:ext cx="2190750" cy="1644609"/>
+          </a:xfrm>
+          <a:prstGeom prst="rect">
+            <a:avLst/>
+          </a:prstGeom>
+          <a:solidFill>
+            <a:schemeClr val="bg1"/>
+          </a:solidFill>
+          <a:ln w="28575">
+            <a:noFill/>
+          </a:ln>
+        </p:spPr>
+        <p:style>
+          <a:lnRef idx="2">
+            <a:schemeClr val="accent1">
+              <a:shade val="50000"/>
+            </a:schemeClr>
+          </a:lnRef>
+          <a:fillRef idx="1">
+            <a:schemeClr val="accent1"/>
+          </a:fillRef>
+          <a:effectRef idx="0">
+            <a:schemeClr val="accent1"/>
+          </a:effectRef>
+          <a:fontRef idx="minor">
+            <a:schemeClr val="lt1"/>
+          </a:fontRef>
+        </p:style>
+        <p:txBody>
+          <a:bodyPr rtlCol="0" anchor="ctr"/>
+          <a:lstStyle/>
+          <a:p>
+            <a:pPr algn="ctr"/>
+            <a:endParaRPr lang="fr-FR"/>
+          </a:p>
+        </p:txBody>
+      </p:sp>
+      <p:sp>
+        <p:nvSpPr>
+          <p:cNvPr id="18" name="Rectangle 17"/>
+          <p:cNvSpPr/>
+          <p:nvPr/>
+        </p:nvSpPr>
+        <p:spPr>
+          <a:xfrm>
+            <a:off x="762000" y="3844945"/>
+            <a:ext cx="2190750" cy="1644609"/>
+          </a:xfrm>
+          <a:prstGeom prst="rect">
+            <a:avLst/>
+          </a:prstGeom>
+          <a:solidFill>
+            <a:schemeClr val="bg1"/>
+          </a:solidFill>
+          <a:ln w="28575">
+            <a:noFill/>
+          </a:ln>
+        </p:spPr>
+        <p:style>
+          <a:lnRef idx="2">
+            <a:schemeClr val="accent1">
+              <a:shade val="50000"/>
+            </a:schemeClr>
+          </a:lnRef>
+          <a:fillRef idx="1">
+            <a:schemeClr val="accent1"/>
+          </a:fillRef>
+          <a:effectRef idx="0">
+            <a:schemeClr val="accent1"/>
+          </a:effectRef>
+          <a:fontRef idx="minor">
+            <a:schemeClr val="lt1"/>
+          </a:fontRef>
+        </p:style>
+        <p:txBody>
+          <a:bodyPr rtlCol="0" anchor="ctr"/>
+          <a:lstStyle/>
+          <a:p>
+            <a:pPr algn="ctr"/>
+            <a:endParaRPr lang="fr-FR"/>
+          </a:p>
+        </p:txBody>
+      </p:sp>
+      <p:sp>
+        <p:nvSpPr>
+          <p:cNvPr id="19" name="Rectangle 18"/>
+          <p:cNvSpPr/>
+          <p:nvPr/>
+        </p:nvSpPr>
+        <p:spPr>
+          <a:xfrm>
+            <a:off x="9286878" y="2060615"/>
+            <a:ext cx="2190750" cy="1644609"/>
+          </a:xfrm>
+          <a:prstGeom prst="rect">
+            <a:avLst/>
+          </a:prstGeom>
+          <a:solidFill>
+            <a:schemeClr val="bg1"/>
+          </a:solidFill>
+          <a:ln w="28575">
+            <a:noFill/>
+          </a:ln>
+        </p:spPr>
+        <p:style>
+          <a:lnRef idx="2">
+            <a:schemeClr val="accent1">
+              <a:shade val="50000"/>
+            </a:schemeClr>
+          </a:lnRef>
+          <a:fillRef idx="1">
+            <a:schemeClr val="accent1"/>
+          </a:fillRef>
+          <a:effectRef idx="0">
+            <a:schemeClr val="accent1"/>
+          </a:effectRef>
+          <a:fontRef idx="minor">
+            <a:schemeClr val="lt1"/>
+          </a:fontRef>
+        </p:style>
+        <p:txBody>
+          <a:bodyPr rtlCol="0" anchor="ctr"/>
+          <a:lstStyle/>
+          <a:p>
+            <a:pPr algn="ctr"/>
             <a:endParaRPr lang="fr-FR"/>
           </a:p>
         </p:txBody>
       </p:sp>
       <p:pic>
         <p:nvPicPr>
-          <p:cNvPr id="15" name="Picture 4" descr="Résultat de recherche d'images pour &quot;nosql&quot;"/>
+          <p:cNvPr id="3074" name="Picture 2" descr="Résultat de recherche d'images pour &quot;cassandra&quot;"/>
           <p:cNvPicPr>
             <a:picLocks noChangeAspect="1" noChangeArrowheads="1"/>
           </p:cNvPicPr>
           <p:nvPr/>
         </p:nvPicPr>
-        <p:blipFill rotWithShape="1">
-          <a:blip r:embed="rId2">
+        <p:blipFill>
+          <a:blip r:embed="rId2" cstate="print">
             <a:extLst>
               <a:ext uri="{28A0092B-C50C-407E-A947-70E740481C1C}">
                 <a14:useLocalDpi xmlns:a14="http://schemas.microsoft.com/office/drawing/2010/main" val="0"/>
               </a:ext>
             </a:extLst>
           </a:blip>
-          <a:srcRect l="1315" t="3605" r="1151" b="1714"/>
-          <a:stretch/>
+          <a:srcRect/>
+          <a:stretch>
+            <a:fillRect/>
+          </a:stretch>
         </p:blipFill>
         <p:spPr bwMode="auto">
           <a:xfrm>
-            <a:off x="4657725" y="2628900"/>
-            <a:ext cx="7534275" cy="2543175"/>
+            <a:off x="4788554" y="2264244"/>
+            <a:ext cx="1717021" cy="1150941"/>
           </a:xfrm>
           <a:prstGeom prst="rect">
             <a:avLst/>
@@ -11287,9 +12658,212 @@
           </a:extLst>
         </p:spPr>
       </p:pic>
+      <p:pic>
+        <p:nvPicPr>
+          <p:cNvPr id="3076" name="Picture 4" descr="Résultat de recherche d'images pour &quot;mongodb&quot;"/>
+          <p:cNvPicPr>
+            <a:picLocks noChangeAspect="1" noChangeArrowheads="1"/>
+          </p:cNvPicPr>
+          <p:nvPr/>
+        </p:nvPicPr>
+        <p:blipFill>
+          <a:blip r:embed="rId3" cstate="print">
+            <a:extLst>
+              <a:ext uri="{28A0092B-C50C-407E-A947-70E740481C1C}">
+                <a14:useLocalDpi xmlns:a14="http://schemas.microsoft.com/office/drawing/2010/main" val="0"/>
+              </a:ext>
+            </a:extLst>
+          </a:blip>
+          <a:srcRect/>
+          <a:stretch>
+            <a:fillRect/>
+          </a:stretch>
+        </p:blipFill>
+        <p:spPr bwMode="auto">
+          <a:xfrm>
+            <a:off x="981075" y="4418501"/>
+            <a:ext cx="1899045" cy="515856"/>
+          </a:xfrm>
+          <a:prstGeom prst="rect">
+            <a:avLst/>
+          </a:prstGeom>
+          <a:noFill/>
+          <a:extLst>
+            <a:ext uri="{909E8E84-426E-40DD-AFC4-6F175D3DCCD1}">
+              <a14:hiddenFill xmlns:a14="http://schemas.microsoft.com/office/drawing/2010/main">
+                <a:solidFill>
+                  <a:srgbClr val="FFFFFF"/>
+                </a:solidFill>
+              </a14:hiddenFill>
+            </a:ext>
+          </a:extLst>
+        </p:spPr>
+      </p:pic>
+      <p:pic>
+        <p:nvPicPr>
+          <p:cNvPr id="3078" name="Picture 6" descr="Résultat de recherche d'images pour &quot;DynamoDB&quot;"/>
+          <p:cNvPicPr>
+            <a:picLocks noChangeAspect="1" noChangeArrowheads="1"/>
+          </p:cNvPicPr>
+          <p:nvPr/>
+        </p:nvPicPr>
+        <p:blipFill rotWithShape="1">
+          <a:blip r:embed="rId4">
+            <a:extLst>
+              <a:ext uri="{28A0092B-C50C-407E-A947-70E740481C1C}">
+                <a14:useLocalDpi xmlns:a14="http://schemas.microsoft.com/office/drawing/2010/main" val="0"/>
+              </a:ext>
+            </a:extLst>
+          </a:blip>
+          <a:srcRect t="14011" b="14143"/>
+          <a:stretch/>
+        </p:blipFill>
+        <p:spPr bwMode="auto">
+          <a:xfrm>
+            <a:off x="3278995" y="3993814"/>
+            <a:ext cx="1900212" cy="1365229"/>
+          </a:xfrm>
+          <a:prstGeom prst="rect">
+            <a:avLst/>
+          </a:prstGeom>
+          <a:noFill/>
+          <a:extLst>
+            <a:ext uri="{909E8E84-426E-40DD-AFC4-6F175D3DCCD1}">
+              <a14:hiddenFill xmlns:a14="http://schemas.microsoft.com/office/drawing/2010/main">
+                <a:solidFill>
+                  <a:srgbClr val="FFFFFF"/>
+                </a:solidFill>
+              </a14:hiddenFill>
+            </a:ext>
+          </a:extLst>
+        </p:spPr>
+      </p:pic>
+      <p:pic>
+        <p:nvPicPr>
+          <p:cNvPr id="3080" name="Picture 8" descr="Résultat de recherche d'images pour &quot;HBase&quot;"/>
+          <p:cNvPicPr>
+            <a:picLocks noChangeAspect="1" noChangeArrowheads="1"/>
+          </p:cNvPicPr>
+          <p:nvPr/>
+        </p:nvPicPr>
+        <p:blipFill>
+          <a:blip r:embed="rId5">
+            <a:extLst>
+              <a:ext uri="{28A0092B-C50C-407E-A947-70E740481C1C}">
+                <a14:useLocalDpi xmlns:a14="http://schemas.microsoft.com/office/drawing/2010/main" val="0"/>
+              </a:ext>
+            </a:extLst>
+          </a:blip>
+          <a:srcRect/>
+          <a:stretch>
+            <a:fillRect/>
+          </a:stretch>
+        </p:blipFill>
+        <p:spPr bwMode="auto">
+          <a:xfrm>
+            <a:off x="5590611" y="4409321"/>
+            <a:ext cx="2020432" cy="515856"/>
+          </a:xfrm>
+          <a:prstGeom prst="rect">
+            <a:avLst/>
+          </a:prstGeom>
+          <a:noFill/>
+          <a:extLst>
+            <a:ext uri="{909E8E84-426E-40DD-AFC4-6F175D3DCCD1}">
+              <a14:hiddenFill xmlns:a14="http://schemas.microsoft.com/office/drawing/2010/main">
+                <a:solidFill>
+                  <a:srgbClr val="FFFFFF"/>
+                </a:solidFill>
+              </a14:hiddenFill>
+            </a:ext>
+          </a:extLst>
+        </p:spPr>
+      </p:pic>
+      <p:pic>
+        <p:nvPicPr>
+          <p:cNvPr id="3082" name="Picture 10" descr="Résultat de recherche d'images pour &quot;oracle nosql&quot;"/>
+          <p:cNvPicPr>
+            <a:picLocks noChangeAspect="1" noChangeArrowheads="1"/>
+          </p:cNvPicPr>
+          <p:nvPr/>
+        </p:nvPicPr>
+        <p:blipFill>
+          <a:blip r:embed="rId6" cstate="print">
+            <a:extLst>
+              <a:ext uri="{28A0092B-C50C-407E-A947-70E740481C1C}">
+                <a14:useLocalDpi xmlns:a14="http://schemas.microsoft.com/office/drawing/2010/main" val="0"/>
+              </a:ext>
+            </a:extLst>
+          </a:blip>
+          <a:srcRect/>
+          <a:stretch>
+            <a:fillRect/>
+          </a:stretch>
+        </p:blipFill>
+        <p:spPr bwMode="auto">
+          <a:xfrm>
+            <a:off x="6915152" y="2443320"/>
+            <a:ext cx="2178317" cy="971865"/>
+          </a:xfrm>
+          <a:prstGeom prst="rect">
+            <a:avLst/>
+          </a:prstGeom>
+          <a:noFill/>
+          <a:extLst>
+            <a:ext uri="{909E8E84-426E-40DD-AFC4-6F175D3DCCD1}">
+              <a14:hiddenFill xmlns:a14="http://schemas.microsoft.com/office/drawing/2010/main">
+                <a:solidFill>
+                  <a:srgbClr val="FFFFFF"/>
+                </a:solidFill>
+              </a14:hiddenFill>
+            </a:ext>
+          </a:extLst>
+        </p:spPr>
+      </p:pic>
+      <p:pic>
+        <p:nvPicPr>
+          <p:cNvPr id="3084" name="Picture 12" descr="Résultat de recherche d'images pour &quot;Neo4j&quot;"/>
+          <p:cNvPicPr>
+            <a:picLocks noChangeAspect="1" noChangeArrowheads="1"/>
+          </p:cNvPicPr>
+          <p:nvPr/>
+        </p:nvPicPr>
+        <p:blipFill>
+          <a:blip r:embed="rId7" cstate="print">
+            <a:extLst>
+              <a:ext uri="{28A0092B-C50C-407E-A947-70E740481C1C}">
+                <a14:useLocalDpi xmlns:a14="http://schemas.microsoft.com/office/drawing/2010/main" val="0"/>
+              </a:ext>
+            </a:extLst>
+          </a:blip>
+          <a:srcRect/>
+          <a:stretch>
+            <a:fillRect/>
+          </a:stretch>
+        </p:blipFill>
+        <p:spPr bwMode="auto">
+          <a:xfrm>
+            <a:off x="9334503" y="2394555"/>
+            <a:ext cx="2018819" cy="1052670"/>
+          </a:xfrm>
+          <a:prstGeom prst="rect">
+            <a:avLst/>
+          </a:prstGeom>
+          <a:noFill/>
+          <a:extLst>
+            <a:ext uri="{909E8E84-426E-40DD-AFC4-6F175D3DCCD1}">
+              <a14:hiddenFill xmlns:a14="http://schemas.microsoft.com/office/drawing/2010/main">
+                <a:solidFill>
+                  <a:srgbClr val="FFFFFF"/>
+                </a:solidFill>
+              </a14:hiddenFill>
+            </a:ext>
+          </a:extLst>
+        </p:spPr>
+      </p:pic>
       <p:sp>
         <p:nvSpPr>
-          <p:cNvPr id="22" name="Sous-titre 2"/>
+          <p:cNvPr id="20" name="Espace réservé du contenu 2"/>
           <p:cNvSpPr txBox="1">
             <a:spLocks/>
           </p:cNvSpPr>
@@ -11297,8 +12871,8 @@
         </p:nvSpPr>
         <p:spPr>
           <a:xfrm>
-            <a:off x="723900" y="6284994"/>
-            <a:ext cx="10934700" cy="323686"/>
+            <a:off x="11518106" y="76200"/>
+            <a:ext cx="673894" cy="619125"/>
           </a:xfrm>
           <a:prstGeom prst="rect">
             <a:avLst/>
@@ -11306,10 +12880,10 @@
         </p:spPr>
         <p:txBody>
           <a:bodyPr vert="horz" lIns="91440" tIns="45720" rIns="91440" bIns="45720" rtlCol="0">
-            <a:noAutofit/>
+            <a:normAutofit/>
           </a:bodyPr>
           <a:lstStyle>
-            <a:lvl1pPr marL="0" indent="0" algn="ctr" defTabSz="914400" rtl="0" eaLnBrk="1" latinLnBrk="0" hangingPunct="1">
+            <a:lvl1pPr marL="228600" indent="-228600" algn="l" defTabSz="914400" rtl="0" eaLnBrk="1" latinLnBrk="0" hangingPunct="1">
               <a:lnSpc>
                 <a:spcPct val="90000"/>
               </a:lnSpc>
@@ -11317,7 +12891,25 @@
                 <a:spcPts val="1000"/>
               </a:spcBef>
               <a:buFont typeface="Arial" panose="020B0604020202020204" pitchFamily="34" charset="0"/>
-              <a:buNone/>
+              <a:buChar char="•"/>
+              <a:defRPr sz="2800" kern="1200">
+                <a:solidFill>
+                  <a:schemeClr val="tx1"/>
+                </a:solidFill>
+                <a:latin typeface="+mn-lt"/>
+                <a:ea typeface="+mn-ea"/>
+                <a:cs typeface="+mn-cs"/>
+              </a:defRPr>
+            </a:lvl1pPr>
+            <a:lvl2pPr marL="685800" indent="-228600" algn="l" defTabSz="914400" rtl="0" eaLnBrk="1" latinLnBrk="0" hangingPunct="1">
+              <a:lnSpc>
+                <a:spcPct val="90000"/>
+              </a:lnSpc>
+              <a:spcBef>
+                <a:spcPts val="500"/>
+              </a:spcBef>
+              <a:buFont typeface="Arial" panose="020B0604020202020204" pitchFamily="34" charset="0"/>
+              <a:buChar char="•"/>
               <a:defRPr sz="2400" kern="1200">
                 <a:solidFill>
                   <a:schemeClr val="tx1"/>
@@ -11326,16 +12918,16 @@
                 <a:ea typeface="+mn-ea"/>
                 <a:cs typeface="+mn-cs"/>
               </a:defRPr>
-            </a:lvl1pPr>
-            <a:lvl2pPr marL="457200" indent="0" algn="ctr" defTabSz="914400" rtl="0" eaLnBrk="1" latinLnBrk="0" hangingPunct="1">
-              <a:lnSpc>
-                <a:spcPct val="90000"/>
-              </a:lnSpc>
-              <a:spcBef>
-                <a:spcPts val="500"/>
-              </a:spcBef>
-              <a:buFont typeface="Arial" panose="020B0604020202020204" pitchFamily="34" charset="0"/>
-              <a:buNone/>
+            </a:lvl2pPr>
+            <a:lvl3pPr marL="1143000" indent="-228600" algn="l" defTabSz="914400" rtl="0" eaLnBrk="1" latinLnBrk="0" hangingPunct="1">
+              <a:lnSpc>
+                <a:spcPct val="90000"/>
+              </a:lnSpc>
+              <a:spcBef>
+                <a:spcPts val="500"/>
+              </a:spcBef>
+              <a:buFont typeface="Arial" panose="020B0604020202020204" pitchFamily="34" charset="0"/>
+              <a:buChar char="•"/>
               <a:defRPr sz="2000" kern="1200">
                 <a:solidFill>
                   <a:schemeClr val="tx1"/>
@@ -11344,16 +12936,16 @@
                 <a:ea typeface="+mn-ea"/>
                 <a:cs typeface="+mn-cs"/>
               </a:defRPr>
-            </a:lvl2pPr>
-            <a:lvl3pPr marL="914400" indent="0" algn="ctr" defTabSz="914400" rtl="0" eaLnBrk="1" latinLnBrk="0" hangingPunct="1">
-              <a:lnSpc>
-                <a:spcPct val="90000"/>
-              </a:lnSpc>
-              <a:spcBef>
-                <a:spcPts val="500"/>
-              </a:spcBef>
-              <a:buFont typeface="Arial" panose="020B0604020202020204" pitchFamily="34" charset="0"/>
-              <a:buNone/>
+            </a:lvl3pPr>
+            <a:lvl4pPr marL="1600200" indent="-228600" algn="l" defTabSz="914400" rtl="0" eaLnBrk="1" latinLnBrk="0" hangingPunct="1">
+              <a:lnSpc>
+                <a:spcPct val="90000"/>
+              </a:lnSpc>
+              <a:spcBef>
+                <a:spcPts val="500"/>
+              </a:spcBef>
+              <a:buFont typeface="Arial" panose="020B0604020202020204" pitchFamily="34" charset="0"/>
+              <a:buChar char="•"/>
               <a:defRPr sz="1800" kern="1200">
                 <a:solidFill>
                   <a:schemeClr val="tx1"/>
@@ -11362,35 +12954,17 @@
                 <a:ea typeface="+mn-ea"/>
                 <a:cs typeface="+mn-cs"/>
               </a:defRPr>
-            </a:lvl3pPr>
-            <a:lvl4pPr marL="1371600" indent="0" algn="ctr" defTabSz="914400" rtl="0" eaLnBrk="1" latinLnBrk="0" hangingPunct="1">
-              <a:lnSpc>
-                <a:spcPct val="90000"/>
-              </a:lnSpc>
-              <a:spcBef>
-                <a:spcPts val="500"/>
-              </a:spcBef>
-              <a:buFont typeface="Arial" panose="020B0604020202020204" pitchFamily="34" charset="0"/>
-              <a:buNone/>
-              <a:defRPr sz="1600" kern="1200">
-                <a:solidFill>
-                  <a:schemeClr val="tx1"/>
-                </a:solidFill>
-                <a:latin typeface="+mn-lt"/>
-                <a:ea typeface="+mn-ea"/>
-                <a:cs typeface="+mn-cs"/>
-              </a:defRPr>
             </a:lvl4pPr>
-            <a:lvl5pPr marL="1828800" indent="0" algn="ctr" defTabSz="914400" rtl="0" eaLnBrk="1" latinLnBrk="0" hangingPunct="1">
-              <a:lnSpc>
-                <a:spcPct val="90000"/>
-              </a:lnSpc>
-              <a:spcBef>
-                <a:spcPts val="500"/>
-              </a:spcBef>
-              <a:buFont typeface="Arial" panose="020B0604020202020204" pitchFamily="34" charset="0"/>
-              <a:buNone/>
-              <a:defRPr sz="1600" kern="1200">
+            <a:lvl5pPr marL="2057400" indent="-228600" algn="l" defTabSz="914400" rtl="0" eaLnBrk="1" latinLnBrk="0" hangingPunct="1">
+              <a:lnSpc>
+                <a:spcPct val="90000"/>
+              </a:lnSpc>
+              <a:spcBef>
+                <a:spcPts val="500"/>
+              </a:spcBef>
+              <a:buFont typeface="Arial" panose="020B0604020202020204" pitchFamily="34" charset="0"/>
+              <a:buChar char="•"/>
+              <a:defRPr sz="1800" kern="1200">
                 <a:solidFill>
                   <a:schemeClr val="tx1"/>
                 </a:solidFill>
@@ -11399,16 +12973,16 @@
                 <a:cs typeface="+mn-cs"/>
               </a:defRPr>
             </a:lvl5pPr>
-            <a:lvl6pPr marL="2286000" indent="0" algn="ctr" defTabSz="914400" rtl="0" eaLnBrk="1" latinLnBrk="0" hangingPunct="1">
-              <a:lnSpc>
-                <a:spcPct val="90000"/>
-              </a:lnSpc>
-              <a:spcBef>
-                <a:spcPts val="500"/>
-              </a:spcBef>
-              <a:buFont typeface="Arial" panose="020B0604020202020204" pitchFamily="34" charset="0"/>
-              <a:buNone/>
-              <a:defRPr sz="1600" kern="1200">
+            <a:lvl6pPr marL="2514600" indent="-228600" algn="l" defTabSz="914400" rtl="0" eaLnBrk="1" latinLnBrk="0" hangingPunct="1">
+              <a:lnSpc>
+                <a:spcPct val="90000"/>
+              </a:lnSpc>
+              <a:spcBef>
+                <a:spcPts val="500"/>
+              </a:spcBef>
+              <a:buFont typeface="Arial" panose="020B0604020202020204" pitchFamily="34" charset="0"/>
+              <a:buChar char="•"/>
+              <a:defRPr sz="1800" kern="1200">
                 <a:solidFill>
                   <a:schemeClr val="tx1"/>
                 </a:solidFill>
@@ -11417,16 +12991,16 @@
                 <a:cs typeface="+mn-cs"/>
               </a:defRPr>
             </a:lvl6pPr>
-            <a:lvl7pPr marL="2743200" indent="0" algn="ctr" defTabSz="914400" rtl="0" eaLnBrk="1" latinLnBrk="0" hangingPunct="1">
-              <a:lnSpc>
-                <a:spcPct val="90000"/>
-              </a:lnSpc>
-              <a:spcBef>
-                <a:spcPts val="500"/>
-              </a:spcBef>
-              <a:buFont typeface="Arial" panose="020B0604020202020204" pitchFamily="34" charset="0"/>
-              <a:buNone/>
-              <a:defRPr sz="1600" kern="1200">
+            <a:lvl7pPr marL="2971800" indent="-228600" algn="l" defTabSz="914400" rtl="0" eaLnBrk="1" latinLnBrk="0" hangingPunct="1">
+              <a:lnSpc>
+                <a:spcPct val="90000"/>
+              </a:lnSpc>
+              <a:spcBef>
+                <a:spcPts val="500"/>
+              </a:spcBef>
+              <a:buFont typeface="Arial" panose="020B0604020202020204" pitchFamily="34" charset="0"/>
+              <a:buChar char="•"/>
+              <a:defRPr sz="1800" kern="1200">
                 <a:solidFill>
                   <a:schemeClr val="tx1"/>
                 </a:solidFill>
@@ -11435,16 +13009,16 @@
                 <a:cs typeface="+mn-cs"/>
               </a:defRPr>
             </a:lvl7pPr>
-            <a:lvl8pPr marL="3200400" indent="0" algn="ctr" defTabSz="914400" rtl="0" eaLnBrk="1" latinLnBrk="0" hangingPunct="1">
-              <a:lnSpc>
-                <a:spcPct val="90000"/>
-              </a:lnSpc>
-              <a:spcBef>
-                <a:spcPts val="500"/>
-              </a:spcBef>
-              <a:buFont typeface="Arial" panose="020B0604020202020204" pitchFamily="34" charset="0"/>
-              <a:buNone/>
-              <a:defRPr sz="1600" kern="1200">
+            <a:lvl8pPr marL="3429000" indent="-228600" algn="l" defTabSz="914400" rtl="0" eaLnBrk="1" latinLnBrk="0" hangingPunct="1">
+              <a:lnSpc>
+                <a:spcPct val="90000"/>
+              </a:lnSpc>
+              <a:spcBef>
+                <a:spcPts val="500"/>
+              </a:spcBef>
+              <a:buFont typeface="Arial" panose="020B0604020202020204" pitchFamily="34" charset="0"/>
+              <a:buChar char="•"/>
+              <a:defRPr sz="1800" kern="1200">
                 <a:solidFill>
                   <a:schemeClr val="tx1"/>
                 </a:solidFill>
@@ -11453,16 +13027,16 @@
                 <a:cs typeface="+mn-cs"/>
               </a:defRPr>
             </a:lvl8pPr>
-            <a:lvl9pPr marL="3657600" indent="0" algn="ctr" defTabSz="914400" rtl="0" eaLnBrk="1" latinLnBrk="0" hangingPunct="1">
-              <a:lnSpc>
-                <a:spcPct val="90000"/>
-              </a:lnSpc>
-              <a:spcBef>
-                <a:spcPts val="500"/>
-              </a:spcBef>
-              <a:buFont typeface="Arial" panose="020B0604020202020204" pitchFamily="34" charset="0"/>
-              <a:buNone/>
-              <a:defRPr sz="1600" kern="1200">
+            <a:lvl9pPr marL="3886200" indent="-228600" algn="l" defTabSz="914400" rtl="0" eaLnBrk="1" latinLnBrk="0" hangingPunct="1">
+              <a:lnSpc>
+                <a:spcPct val="90000"/>
+              </a:lnSpc>
+              <a:spcBef>
+                <a:spcPts val="500"/>
+              </a:spcBef>
+              <a:buFont typeface="Arial" panose="020B0604020202020204" pitchFamily="34" charset="0"/>
+              <a:buChar char="•"/>
+              <a:defRPr sz="1800" kern="1200">
                 <a:solidFill>
                   <a:schemeClr val="tx1"/>
                 </a:solidFill>
@@ -11473,60 +13047,25 @@
             </a:lvl9pPr>
           </a:lstStyle>
           <a:p>
+            <a:pPr marL="0" indent="0">
+              <a:buNone/>
+            </a:pPr>
             <a:r>
-              <a:rPr lang="fr-FR" sz="2000" b="1" dirty="0" smtClean="0">
-                <a:solidFill>
-                  <a:schemeClr val="bg1"/>
-                </a:solidFill>
-                <a:latin typeface="Open Sans" panose="020B0606030504020204" pitchFamily="34" charset="0"/>
-                <a:ea typeface="Open Sans" panose="020B0606030504020204" pitchFamily="34" charset="0"/>
-                <a:cs typeface="Open Sans" panose="020B0606030504020204" pitchFamily="34" charset="0"/>
+              <a:rPr lang="fr-FR" sz="3600" dirty="0">
+                <a:solidFill>
+                  <a:srgbClr val="80BC58"/>
+                </a:solidFill>
+                <a:latin typeface="FontAwesome" pitchFamily="50" charset="0"/>
               </a:rPr>
-              <a:t>PROJET JAVA JEE </a:t>
+              <a:t></a:t>
             </a:r>
-            <a:r>
-              <a:rPr lang="fr-FR" sz="2000" dirty="0">
-                <a:solidFill>
-                  <a:schemeClr val="bg1">
-                    <a:lumMod val="65000"/>
-                  </a:schemeClr>
-                </a:solidFill>
-                <a:latin typeface="Open Sans" panose="020B0606030504020204" pitchFamily="34" charset="0"/>
-                <a:ea typeface="Open Sans" panose="020B0606030504020204" pitchFamily="34" charset="0"/>
-                <a:cs typeface="Open Sans" panose="020B0606030504020204" pitchFamily="34" charset="0"/>
-              </a:rPr>
-              <a:t>~</a:t>
-            </a:r>
-            <a:r>
-              <a:rPr lang="fr-FR" sz="2000" dirty="0" smtClean="0">
-                <a:solidFill>
-                  <a:schemeClr val="bg1">
-                    <a:lumMod val="65000"/>
-                  </a:schemeClr>
-                </a:solidFill>
-                <a:latin typeface="Open Sans" panose="020B0606030504020204" pitchFamily="34" charset="0"/>
-                <a:ea typeface="Open Sans" panose="020B0606030504020204" pitchFamily="34" charset="0"/>
-                <a:cs typeface="Open Sans" panose="020B0606030504020204" pitchFamily="34" charset="0"/>
-              </a:rPr>
-              <a:t> Application de gestion pour les pré-inscriptions à des UV ~</a:t>
-            </a:r>
-            <a:endParaRPr lang="fr-FR" sz="2000" dirty="0">
-              <a:solidFill>
-                <a:schemeClr val="bg1">
-                  <a:lumMod val="65000"/>
-                </a:schemeClr>
-              </a:solidFill>
-              <a:latin typeface="Open Sans" panose="020B0606030504020204" pitchFamily="34" charset="0"/>
-              <a:ea typeface="Open Sans" panose="020B0606030504020204" pitchFamily="34" charset="0"/>
-              <a:cs typeface="Open Sans" panose="020B0606030504020204" pitchFamily="34" charset="0"/>
-            </a:endParaRPr>
           </a:p>
         </p:txBody>
       </p:sp>
     </p:spTree>
     <p:extLst>
       <p:ext uri="{BB962C8B-B14F-4D97-AF65-F5344CB8AC3E}">
-        <p14:creationId xmlns:p14="http://schemas.microsoft.com/office/powerpoint/2010/main" val="3356235453"/>
+        <p14:creationId xmlns:p14="http://schemas.microsoft.com/office/powerpoint/2010/main" val="1256920595"/>
       </p:ext>
     </p:extLst>
   </p:cSld>
@@ -11609,7 +13148,7 @@
                 <a:ea typeface="Open Sans" panose="020B0606030504020204" pitchFamily="34" charset="0"/>
                 <a:cs typeface="Open Sans" panose="020B0606030504020204" pitchFamily="34" charset="0"/>
               </a:rPr>
-              <a:t>Système de collections</a:t>
+              <a:t>Mise en place</a:t>
             </a:r>
             <a:endParaRPr lang="fr-FR" b="1" dirty="0">
               <a:solidFill>
@@ -11666,85 +13205,65 @@
       </p:cxnSp>
       <p:sp>
         <p:nvSpPr>
-          <p:cNvPr id="13" name="Rectangle 12"/>
-          <p:cNvSpPr/>
+          <p:cNvPr id="4" name="Espace réservé du contenu 3"/>
+          <p:cNvSpPr>
+            <a:spLocks noGrp="1"/>
+          </p:cNvSpPr>
+          <p:nvPr>
+            <p:ph idx="1"/>
+          </p:nvPr>
+        </p:nvSpPr>
+        <p:spPr/>
+        <p:txBody>
+          <a:bodyPr/>
+          <a:lstStyle/>
+          <a:p>
+            <a:endParaRPr lang="fr-FR"/>
+          </a:p>
+        </p:txBody>
+      </p:sp>
+      <p:pic>
+        <p:nvPicPr>
+          <p:cNvPr id="15" name="Picture 4" descr="Résultat de recherche d'images pour &quot;nosql&quot;"/>
+          <p:cNvPicPr>
+            <a:picLocks noChangeAspect="1" noChangeArrowheads="1"/>
+          </p:cNvPicPr>
           <p:nvPr/>
-        </p:nvSpPr>
-        <p:spPr>
+        </p:nvPicPr>
+        <p:blipFill rotWithShape="1">
+          <a:blip r:embed="rId2">
+            <a:extLst>
+              <a:ext uri="{28A0092B-C50C-407E-A947-70E740481C1C}">
+                <a14:useLocalDpi xmlns:a14="http://schemas.microsoft.com/office/drawing/2010/main" val="0"/>
+              </a:ext>
+            </a:extLst>
+          </a:blip>
+          <a:srcRect l="1315" t="3605" r="1151" b="1714"/>
+          <a:stretch/>
+        </p:blipFill>
+        <p:spPr bwMode="auto">
           <a:xfrm>
-            <a:off x="11658600" y="133350"/>
-            <a:ext cx="371475" cy="371475"/>
+            <a:off x="2424112" y="2416216"/>
+            <a:ext cx="7534275" cy="2543175"/>
           </a:xfrm>
           <a:prstGeom prst="rect">
             <a:avLst/>
           </a:prstGeom>
-          <a:solidFill>
-            <a:srgbClr val="8EC56A"/>
-          </a:solidFill>
-          <a:ln>
-            <a:noFill/>
-          </a:ln>
-          <a:effectLst>
-            <a:outerShdw blurRad="50800" dist="38100" dir="13500000" algn="br" rotWithShape="0">
-              <a:prstClr val="black">
-                <a:alpha val="40000"/>
-              </a:prstClr>
-            </a:outerShdw>
-          </a:effectLst>
+          <a:noFill/>
+          <a:extLst>
+            <a:ext uri="{909E8E84-426E-40DD-AFC4-6F175D3DCCD1}">
+              <a14:hiddenFill xmlns:a14="http://schemas.microsoft.com/office/drawing/2010/main">
+                <a:solidFill>
+                  <a:srgbClr val="FFFFFF"/>
+                </a:solidFill>
+              </a14:hiddenFill>
+            </a:ext>
+          </a:extLst>
         </p:spPr>
-        <p:style>
-          <a:lnRef idx="2">
-            <a:schemeClr val="accent1">
-              <a:shade val="50000"/>
-            </a:schemeClr>
-          </a:lnRef>
-          <a:fillRef idx="1">
-            <a:schemeClr val="accent1"/>
-          </a:fillRef>
-          <a:effectRef idx="0">
-            <a:schemeClr val="accent1"/>
-          </a:effectRef>
-          <a:fontRef idx="minor">
-            <a:schemeClr val="lt1"/>
-          </a:fontRef>
-        </p:style>
-        <p:txBody>
-          <a:bodyPr rtlCol="0" anchor="ctr"/>
-          <a:lstStyle/>
-          <a:p>
-            <a:pPr algn="ctr"/>
-            <a:endParaRPr lang="fr-FR" dirty="0"/>
-          </a:p>
-        </p:txBody>
-      </p:sp>
-      <p:graphicFrame>
-        <p:nvGraphicFramePr>
-          <p:cNvPr id="3" name="Espace réservé du contenu 2"/>
-          <p:cNvGraphicFramePr>
-            <a:graphicFrameLocks noGrp="1"/>
-          </p:cNvGraphicFramePr>
-          <p:nvPr>
-            <p:ph idx="1"/>
-            <p:extLst>
-              <p:ext uri="{D42A27DB-BD31-4B8C-83A1-F6EECF244321}">
-                <p14:modId xmlns:p14="http://schemas.microsoft.com/office/powerpoint/2010/main" val="2204484366"/>
-              </p:ext>
-            </p:extLst>
-          </p:nvPr>
-        </p:nvGraphicFramePr>
-        <p:xfrm>
-          <a:off x="838200" y="1625600"/>
-          <a:ext cx="10515600" cy="4351338"/>
-        </p:xfrm>
-        <a:graphic>
-          <a:graphicData uri="http://schemas.openxmlformats.org/drawingml/2006/diagram">
-            <dgm:relIds xmlns:dgm="http://schemas.openxmlformats.org/drawingml/2006/diagram" xmlns:r="http://schemas.openxmlformats.org/officeDocument/2006/relationships" r:dm="rId2" r:lo="rId3" r:qs="rId4" r:cs="rId5"/>
-          </a:graphicData>
-        </a:graphic>
-      </p:graphicFrame>
+      </p:pic>
       <p:sp>
         <p:nvSpPr>
-          <p:cNvPr id="7" name="Sous-titre 2"/>
+          <p:cNvPr id="22" name="Sous-titre 2"/>
           <p:cNvSpPr txBox="1">
             <a:spLocks/>
           </p:cNvSpPr>
@@ -11978,10 +13497,211 @@
           </a:p>
         </p:txBody>
       </p:sp>
+      <p:sp>
+        <p:nvSpPr>
+          <p:cNvPr id="8" name="Espace réservé du contenu 2"/>
+          <p:cNvSpPr txBox="1">
+            <a:spLocks/>
+          </p:cNvSpPr>
+          <p:nvPr/>
+        </p:nvSpPr>
+        <p:spPr>
+          <a:xfrm>
+            <a:off x="11518106" y="76200"/>
+            <a:ext cx="673894" cy="619125"/>
+          </a:xfrm>
+          <a:prstGeom prst="rect">
+            <a:avLst/>
+          </a:prstGeom>
+        </p:spPr>
+        <p:txBody>
+          <a:bodyPr vert="horz" lIns="91440" tIns="45720" rIns="91440" bIns="45720" rtlCol="0">
+            <a:normAutofit/>
+          </a:bodyPr>
+          <a:lstStyle>
+            <a:lvl1pPr marL="228600" indent="-228600" algn="l" defTabSz="914400" rtl="0" eaLnBrk="1" latinLnBrk="0" hangingPunct="1">
+              <a:lnSpc>
+                <a:spcPct val="90000"/>
+              </a:lnSpc>
+              <a:spcBef>
+                <a:spcPts val="1000"/>
+              </a:spcBef>
+              <a:buFont typeface="Arial" panose="020B0604020202020204" pitchFamily="34" charset="0"/>
+              <a:buChar char="•"/>
+              <a:defRPr sz="2800" kern="1200">
+                <a:solidFill>
+                  <a:schemeClr val="tx1"/>
+                </a:solidFill>
+                <a:latin typeface="+mn-lt"/>
+                <a:ea typeface="+mn-ea"/>
+                <a:cs typeface="+mn-cs"/>
+              </a:defRPr>
+            </a:lvl1pPr>
+            <a:lvl2pPr marL="685800" indent="-228600" algn="l" defTabSz="914400" rtl="0" eaLnBrk="1" latinLnBrk="0" hangingPunct="1">
+              <a:lnSpc>
+                <a:spcPct val="90000"/>
+              </a:lnSpc>
+              <a:spcBef>
+                <a:spcPts val="500"/>
+              </a:spcBef>
+              <a:buFont typeface="Arial" panose="020B0604020202020204" pitchFamily="34" charset="0"/>
+              <a:buChar char="•"/>
+              <a:defRPr sz="2400" kern="1200">
+                <a:solidFill>
+                  <a:schemeClr val="tx1"/>
+                </a:solidFill>
+                <a:latin typeface="+mn-lt"/>
+                <a:ea typeface="+mn-ea"/>
+                <a:cs typeface="+mn-cs"/>
+              </a:defRPr>
+            </a:lvl2pPr>
+            <a:lvl3pPr marL="1143000" indent="-228600" algn="l" defTabSz="914400" rtl="0" eaLnBrk="1" latinLnBrk="0" hangingPunct="1">
+              <a:lnSpc>
+                <a:spcPct val="90000"/>
+              </a:lnSpc>
+              <a:spcBef>
+                <a:spcPts val="500"/>
+              </a:spcBef>
+              <a:buFont typeface="Arial" panose="020B0604020202020204" pitchFamily="34" charset="0"/>
+              <a:buChar char="•"/>
+              <a:defRPr sz="2000" kern="1200">
+                <a:solidFill>
+                  <a:schemeClr val="tx1"/>
+                </a:solidFill>
+                <a:latin typeface="+mn-lt"/>
+                <a:ea typeface="+mn-ea"/>
+                <a:cs typeface="+mn-cs"/>
+              </a:defRPr>
+            </a:lvl3pPr>
+            <a:lvl4pPr marL="1600200" indent="-228600" algn="l" defTabSz="914400" rtl="0" eaLnBrk="1" latinLnBrk="0" hangingPunct="1">
+              <a:lnSpc>
+                <a:spcPct val="90000"/>
+              </a:lnSpc>
+              <a:spcBef>
+                <a:spcPts val="500"/>
+              </a:spcBef>
+              <a:buFont typeface="Arial" panose="020B0604020202020204" pitchFamily="34" charset="0"/>
+              <a:buChar char="•"/>
+              <a:defRPr sz="1800" kern="1200">
+                <a:solidFill>
+                  <a:schemeClr val="tx1"/>
+                </a:solidFill>
+                <a:latin typeface="+mn-lt"/>
+                <a:ea typeface="+mn-ea"/>
+                <a:cs typeface="+mn-cs"/>
+              </a:defRPr>
+            </a:lvl4pPr>
+            <a:lvl5pPr marL="2057400" indent="-228600" algn="l" defTabSz="914400" rtl="0" eaLnBrk="1" latinLnBrk="0" hangingPunct="1">
+              <a:lnSpc>
+                <a:spcPct val="90000"/>
+              </a:lnSpc>
+              <a:spcBef>
+                <a:spcPts val="500"/>
+              </a:spcBef>
+              <a:buFont typeface="Arial" panose="020B0604020202020204" pitchFamily="34" charset="0"/>
+              <a:buChar char="•"/>
+              <a:defRPr sz="1800" kern="1200">
+                <a:solidFill>
+                  <a:schemeClr val="tx1"/>
+                </a:solidFill>
+                <a:latin typeface="+mn-lt"/>
+                <a:ea typeface="+mn-ea"/>
+                <a:cs typeface="+mn-cs"/>
+              </a:defRPr>
+            </a:lvl5pPr>
+            <a:lvl6pPr marL="2514600" indent="-228600" algn="l" defTabSz="914400" rtl="0" eaLnBrk="1" latinLnBrk="0" hangingPunct="1">
+              <a:lnSpc>
+                <a:spcPct val="90000"/>
+              </a:lnSpc>
+              <a:spcBef>
+                <a:spcPts val="500"/>
+              </a:spcBef>
+              <a:buFont typeface="Arial" panose="020B0604020202020204" pitchFamily="34" charset="0"/>
+              <a:buChar char="•"/>
+              <a:defRPr sz="1800" kern="1200">
+                <a:solidFill>
+                  <a:schemeClr val="tx1"/>
+                </a:solidFill>
+                <a:latin typeface="+mn-lt"/>
+                <a:ea typeface="+mn-ea"/>
+                <a:cs typeface="+mn-cs"/>
+              </a:defRPr>
+            </a:lvl6pPr>
+            <a:lvl7pPr marL="2971800" indent="-228600" algn="l" defTabSz="914400" rtl="0" eaLnBrk="1" latinLnBrk="0" hangingPunct="1">
+              <a:lnSpc>
+                <a:spcPct val="90000"/>
+              </a:lnSpc>
+              <a:spcBef>
+                <a:spcPts val="500"/>
+              </a:spcBef>
+              <a:buFont typeface="Arial" panose="020B0604020202020204" pitchFamily="34" charset="0"/>
+              <a:buChar char="•"/>
+              <a:defRPr sz="1800" kern="1200">
+                <a:solidFill>
+                  <a:schemeClr val="tx1"/>
+                </a:solidFill>
+                <a:latin typeface="+mn-lt"/>
+                <a:ea typeface="+mn-ea"/>
+                <a:cs typeface="+mn-cs"/>
+              </a:defRPr>
+            </a:lvl7pPr>
+            <a:lvl8pPr marL="3429000" indent="-228600" algn="l" defTabSz="914400" rtl="0" eaLnBrk="1" latinLnBrk="0" hangingPunct="1">
+              <a:lnSpc>
+                <a:spcPct val="90000"/>
+              </a:lnSpc>
+              <a:spcBef>
+                <a:spcPts val="500"/>
+              </a:spcBef>
+              <a:buFont typeface="Arial" panose="020B0604020202020204" pitchFamily="34" charset="0"/>
+              <a:buChar char="•"/>
+              <a:defRPr sz="1800" kern="1200">
+                <a:solidFill>
+                  <a:schemeClr val="tx1"/>
+                </a:solidFill>
+                <a:latin typeface="+mn-lt"/>
+                <a:ea typeface="+mn-ea"/>
+                <a:cs typeface="+mn-cs"/>
+              </a:defRPr>
+            </a:lvl8pPr>
+            <a:lvl9pPr marL="3886200" indent="-228600" algn="l" defTabSz="914400" rtl="0" eaLnBrk="1" latinLnBrk="0" hangingPunct="1">
+              <a:lnSpc>
+                <a:spcPct val="90000"/>
+              </a:lnSpc>
+              <a:spcBef>
+                <a:spcPts val="500"/>
+              </a:spcBef>
+              <a:buFont typeface="Arial" panose="020B0604020202020204" pitchFamily="34" charset="0"/>
+              <a:buChar char="•"/>
+              <a:defRPr sz="1800" kern="1200">
+                <a:solidFill>
+                  <a:schemeClr val="tx1"/>
+                </a:solidFill>
+                <a:latin typeface="+mn-lt"/>
+                <a:ea typeface="+mn-ea"/>
+                <a:cs typeface="+mn-cs"/>
+              </a:defRPr>
+            </a:lvl9pPr>
+          </a:lstStyle>
+          <a:p>
+            <a:pPr marL="0" indent="0">
+              <a:buNone/>
+            </a:pPr>
+            <a:r>
+              <a:rPr lang="fr-FR" sz="3600" dirty="0">
+                <a:solidFill>
+                  <a:srgbClr val="80BC58"/>
+                </a:solidFill>
+                <a:latin typeface="FontAwesome" pitchFamily="50" charset="0"/>
+              </a:rPr>
+              <a:t></a:t>
+            </a:r>
+          </a:p>
+        </p:txBody>
+      </p:sp>
     </p:spTree>
     <p:extLst>
       <p:ext uri="{BB962C8B-B14F-4D97-AF65-F5344CB8AC3E}">
-        <p14:creationId xmlns:p14="http://schemas.microsoft.com/office/powerpoint/2010/main" val="1794015903"/>
+        <p14:creationId xmlns:p14="http://schemas.microsoft.com/office/powerpoint/2010/main" val="3356235453"/>
       </p:ext>
     </p:extLst>
   </p:cSld>
@@ -12064,7 +13784,7 @@
                 <a:ea typeface="Open Sans" panose="020B0606030504020204" pitchFamily="34" charset="0"/>
                 <a:cs typeface="Open Sans" panose="020B0606030504020204" pitchFamily="34" charset="0"/>
               </a:rPr>
-              <a:t>Difficultés liées</a:t>
+              <a:t>Système de collections</a:t>
             </a:r>
             <a:endParaRPr lang="fr-FR" b="1" dirty="0">
               <a:solidFill>
@@ -12119,81 +13839,34 @@
           </a:fontRef>
         </p:style>
       </p:cxnSp>
+      <p:graphicFrame>
+        <p:nvGraphicFramePr>
+          <p:cNvPr id="3" name="Espace réservé du contenu 2"/>
+          <p:cNvGraphicFramePr>
+            <a:graphicFrameLocks noGrp="1"/>
+          </p:cNvGraphicFramePr>
+          <p:nvPr>
+            <p:ph idx="1"/>
+            <p:extLst>
+              <p:ext uri="{D42A27DB-BD31-4B8C-83A1-F6EECF244321}">
+                <p14:modId xmlns:p14="http://schemas.microsoft.com/office/powerpoint/2010/main" val="2204484366"/>
+              </p:ext>
+            </p:extLst>
+          </p:nvPr>
+        </p:nvGraphicFramePr>
+        <p:xfrm>
+          <a:off x="838200" y="1625600"/>
+          <a:ext cx="10515600" cy="4351338"/>
+        </p:xfrm>
+        <a:graphic>
+          <a:graphicData uri="http://schemas.openxmlformats.org/drawingml/2006/diagram">
+            <dgm:relIds xmlns:dgm="http://schemas.openxmlformats.org/drawingml/2006/diagram" xmlns:r="http://schemas.openxmlformats.org/officeDocument/2006/relationships" r:dm="rId2" r:lo="rId3" r:qs="rId4" r:cs="rId5"/>
+          </a:graphicData>
+        </a:graphic>
+      </p:graphicFrame>
       <p:sp>
         <p:nvSpPr>
-          <p:cNvPr id="13" name="Rectangle 12"/>
-          <p:cNvSpPr/>
-          <p:nvPr/>
-        </p:nvSpPr>
-        <p:spPr>
-          <a:xfrm>
-            <a:off x="11658600" y="133350"/>
-            <a:ext cx="371475" cy="371475"/>
-          </a:xfrm>
-          <a:prstGeom prst="rect">
-            <a:avLst/>
-          </a:prstGeom>
-          <a:solidFill>
-            <a:srgbClr val="8EC56A"/>
-          </a:solidFill>
-          <a:ln>
-            <a:noFill/>
-          </a:ln>
-          <a:effectLst>
-            <a:outerShdw blurRad="50800" dist="38100" dir="13500000" algn="br" rotWithShape="0">
-              <a:prstClr val="black">
-                <a:alpha val="40000"/>
-              </a:prstClr>
-            </a:outerShdw>
-          </a:effectLst>
-        </p:spPr>
-        <p:style>
-          <a:lnRef idx="2">
-            <a:schemeClr val="accent1">
-              <a:shade val="50000"/>
-            </a:schemeClr>
-          </a:lnRef>
-          <a:fillRef idx="1">
-            <a:schemeClr val="accent1"/>
-          </a:fillRef>
-          <a:effectRef idx="0">
-            <a:schemeClr val="accent1"/>
-          </a:effectRef>
-          <a:fontRef idx="minor">
-            <a:schemeClr val="lt1"/>
-          </a:fontRef>
-        </p:style>
-        <p:txBody>
-          <a:bodyPr rtlCol="0" anchor="ctr"/>
-          <a:lstStyle/>
-          <a:p>
-            <a:pPr algn="ctr"/>
-            <a:endParaRPr lang="fr-FR" dirty="0"/>
-          </a:p>
-        </p:txBody>
-      </p:sp>
-      <p:sp>
-        <p:nvSpPr>
-          <p:cNvPr id="4" name="Espace réservé du contenu 3"/>
-          <p:cNvSpPr>
-            <a:spLocks noGrp="1"/>
-          </p:cNvSpPr>
-          <p:nvPr>
-            <p:ph idx="1"/>
-          </p:nvPr>
-        </p:nvSpPr>
-        <p:spPr/>
-        <p:txBody>
-          <a:bodyPr/>
-          <a:lstStyle/>
-          <a:p>
-            <a:endParaRPr lang="fr-FR"/>
-          </a:p>
-        </p:txBody>
-      </p:sp>
-      <p:sp>
-        <p:nvSpPr>
-          <p:cNvPr id="6" name="Sous-titre 2"/>
+          <p:cNvPr id="7" name="Sous-titre 2"/>
           <p:cNvSpPr txBox="1">
             <a:spLocks/>
           </p:cNvSpPr>
@@ -12427,10 +14100,211 @@
           </a:p>
         </p:txBody>
       </p:sp>
+      <p:sp>
+        <p:nvSpPr>
+          <p:cNvPr id="8" name="Espace réservé du contenu 2"/>
+          <p:cNvSpPr txBox="1">
+            <a:spLocks/>
+          </p:cNvSpPr>
+          <p:nvPr/>
+        </p:nvSpPr>
+        <p:spPr>
+          <a:xfrm>
+            <a:off x="11518106" y="76200"/>
+            <a:ext cx="673894" cy="619125"/>
+          </a:xfrm>
+          <a:prstGeom prst="rect">
+            <a:avLst/>
+          </a:prstGeom>
+        </p:spPr>
+        <p:txBody>
+          <a:bodyPr vert="horz" lIns="91440" tIns="45720" rIns="91440" bIns="45720" rtlCol="0">
+            <a:normAutofit/>
+          </a:bodyPr>
+          <a:lstStyle>
+            <a:lvl1pPr marL="228600" indent="-228600" algn="l" defTabSz="914400" rtl="0" eaLnBrk="1" latinLnBrk="0" hangingPunct="1">
+              <a:lnSpc>
+                <a:spcPct val="90000"/>
+              </a:lnSpc>
+              <a:spcBef>
+                <a:spcPts val="1000"/>
+              </a:spcBef>
+              <a:buFont typeface="Arial" panose="020B0604020202020204" pitchFamily="34" charset="0"/>
+              <a:buChar char="•"/>
+              <a:defRPr sz="2800" kern="1200">
+                <a:solidFill>
+                  <a:schemeClr val="tx1"/>
+                </a:solidFill>
+                <a:latin typeface="+mn-lt"/>
+                <a:ea typeface="+mn-ea"/>
+                <a:cs typeface="+mn-cs"/>
+              </a:defRPr>
+            </a:lvl1pPr>
+            <a:lvl2pPr marL="685800" indent="-228600" algn="l" defTabSz="914400" rtl="0" eaLnBrk="1" latinLnBrk="0" hangingPunct="1">
+              <a:lnSpc>
+                <a:spcPct val="90000"/>
+              </a:lnSpc>
+              <a:spcBef>
+                <a:spcPts val="500"/>
+              </a:spcBef>
+              <a:buFont typeface="Arial" panose="020B0604020202020204" pitchFamily="34" charset="0"/>
+              <a:buChar char="•"/>
+              <a:defRPr sz="2400" kern="1200">
+                <a:solidFill>
+                  <a:schemeClr val="tx1"/>
+                </a:solidFill>
+                <a:latin typeface="+mn-lt"/>
+                <a:ea typeface="+mn-ea"/>
+                <a:cs typeface="+mn-cs"/>
+              </a:defRPr>
+            </a:lvl2pPr>
+            <a:lvl3pPr marL="1143000" indent="-228600" algn="l" defTabSz="914400" rtl="0" eaLnBrk="1" latinLnBrk="0" hangingPunct="1">
+              <a:lnSpc>
+                <a:spcPct val="90000"/>
+              </a:lnSpc>
+              <a:spcBef>
+                <a:spcPts val="500"/>
+              </a:spcBef>
+              <a:buFont typeface="Arial" panose="020B0604020202020204" pitchFamily="34" charset="0"/>
+              <a:buChar char="•"/>
+              <a:defRPr sz="2000" kern="1200">
+                <a:solidFill>
+                  <a:schemeClr val="tx1"/>
+                </a:solidFill>
+                <a:latin typeface="+mn-lt"/>
+                <a:ea typeface="+mn-ea"/>
+                <a:cs typeface="+mn-cs"/>
+              </a:defRPr>
+            </a:lvl3pPr>
+            <a:lvl4pPr marL="1600200" indent="-228600" algn="l" defTabSz="914400" rtl="0" eaLnBrk="1" latinLnBrk="0" hangingPunct="1">
+              <a:lnSpc>
+                <a:spcPct val="90000"/>
+              </a:lnSpc>
+              <a:spcBef>
+                <a:spcPts val="500"/>
+              </a:spcBef>
+              <a:buFont typeface="Arial" panose="020B0604020202020204" pitchFamily="34" charset="0"/>
+              <a:buChar char="•"/>
+              <a:defRPr sz="1800" kern="1200">
+                <a:solidFill>
+                  <a:schemeClr val="tx1"/>
+                </a:solidFill>
+                <a:latin typeface="+mn-lt"/>
+                <a:ea typeface="+mn-ea"/>
+                <a:cs typeface="+mn-cs"/>
+              </a:defRPr>
+            </a:lvl4pPr>
+            <a:lvl5pPr marL="2057400" indent="-228600" algn="l" defTabSz="914400" rtl="0" eaLnBrk="1" latinLnBrk="0" hangingPunct="1">
+              <a:lnSpc>
+                <a:spcPct val="90000"/>
+              </a:lnSpc>
+              <a:spcBef>
+                <a:spcPts val="500"/>
+              </a:spcBef>
+              <a:buFont typeface="Arial" panose="020B0604020202020204" pitchFamily="34" charset="0"/>
+              <a:buChar char="•"/>
+              <a:defRPr sz="1800" kern="1200">
+                <a:solidFill>
+                  <a:schemeClr val="tx1"/>
+                </a:solidFill>
+                <a:latin typeface="+mn-lt"/>
+                <a:ea typeface="+mn-ea"/>
+                <a:cs typeface="+mn-cs"/>
+              </a:defRPr>
+            </a:lvl5pPr>
+            <a:lvl6pPr marL="2514600" indent="-228600" algn="l" defTabSz="914400" rtl="0" eaLnBrk="1" latinLnBrk="0" hangingPunct="1">
+              <a:lnSpc>
+                <a:spcPct val="90000"/>
+              </a:lnSpc>
+              <a:spcBef>
+                <a:spcPts val="500"/>
+              </a:spcBef>
+              <a:buFont typeface="Arial" panose="020B0604020202020204" pitchFamily="34" charset="0"/>
+              <a:buChar char="•"/>
+              <a:defRPr sz="1800" kern="1200">
+                <a:solidFill>
+                  <a:schemeClr val="tx1"/>
+                </a:solidFill>
+                <a:latin typeface="+mn-lt"/>
+                <a:ea typeface="+mn-ea"/>
+                <a:cs typeface="+mn-cs"/>
+              </a:defRPr>
+            </a:lvl6pPr>
+            <a:lvl7pPr marL="2971800" indent="-228600" algn="l" defTabSz="914400" rtl="0" eaLnBrk="1" latinLnBrk="0" hangingPunct="1">
+              <a:lnSpc>
+                <a:spcPct val="90000"/>
+              </a:lnSpc>
+              <a:spcBef>
+                <a:spcPts val="500"/>
+              </a:spcBef>
+              <a:buFont typeface="Arial" panose="020B0604020202020204" pitchFamily="34" charset="0"/>
+              <a:buChar char="•"/>
+              <a:defRPr sz="1800" kern="1200">
+                <a:solidFill>
+                  <a:schemeClr val="tx1"/>
+                </a:solidFill>
+                <a:latin typeface="+mn-lt"/>
+                <a:ea typeface="+mn-ea"/>
+                <a:cs typeface="+mn-cs"/>
+              </a:defRPr>
+            </a:lvl7pPr>
+            <a:lvl8pPr marL="3429000" indent="-228600" algn="l" defTabSz="914400" rtl="0" eaLnBrk="1" latinLnBrk="0" hangingPunct="1">
+              <a:lnSpc>
+                <a:spcPct val="90000"/>
+              </a:lnSpc>
+              <a:spcBef>
+                <a:spcPts val="500"/>
+              </a:spcBef>
+              <a:buFont typeface="Arial" panose="020B0604020202020204" pitchFamily="34" charset="0"/>
+              <a:buChar char="•"/>
+              <a:defRPr sz="1800" kern="1200">
+                <a:solidFill>
+                  <a:schemeClr val="tx1"/>
+                </a:solidFill>
+                <a:latin typeface="+mn-lt"/>
+                <a:ea typeface="+mn-ea"/>
+                <a:cs typeface="+mn-cs"/>
+              </a:defRPr>
+            </a:lvl8pPr>
+            <a:lvl9pPr marL="3886200" indent="-228600" algn="l" defTabSz="914400" rtl="0" eaLnBrk="1" latinLnBrk="0" hangingPunct="1">
+              <a:lnSpc>
+                <a:spcPct val="90000"/>
+              </a:lnSpc>
+              <a:spcBef>
+                <a:spcPts val="500"/>
+              </a:spcBef>
+              <a:buFont typeface="Arial" panose="020B0604020202020204" pitchFamily="34" charset="0"/>
+              <a:buChar char="•"/>
+              <a:defRPr sz="1800" kern="1200">
+                <a:solidFill>
+                  <a:schemeClr val="tx1"/>
+                </a:solidFill>
+                <a:latin typeface="+mn-lt"/>
+                <a:ea typeface="+mn-ea"/>
+                <a:cs typeface="+mn-cs"/>
+              </a:defRPr>
+            </a:lvl9pPr>
+          </a:lstStyle>
+          <a:p>
+            <a:pPr marL="0" indent="0">
+              <a:buNone/>
+            </a:pPr>
+            <a:r>
+              <a:rPr lang="fr-FR" sz="3600" dirty="0">
+                <a:solidFill>
+                  <a:srgbClr val="80BC58"/>
+                </a:solidFill>
+                <a:latin typeface="FontAwesome" pitchFamily="50" charset="0"/>
+              </a:rPr>
+              <a:t></a:t>
+            </a:r>
+          </a:p>
+        </p:txBody>
+      </p:sp>
     </p:spTree>
     <p:extLst>
       <p:ext uri="{BB962C8B-B14F-4D97-AF65-F5344CB8AC3E}">
-        <p14:creationId xmlns:p14="http://schemas.microsoft.com/office/powerpoint/2010/main" val="230183883"/>
+        <p14:creationId xmlns:p14="http://schemas.microsoft.com/office/powerpoint/2010/main" val="1794015903"/>
       </p:ext>
     </p:extLst>
   </p:cSld>
@@ -12505,7 +14379,7 @@
           <a:lstStyle/>
           <a:p>
             <a:r>
-              <a:rPr lang="fr-FR" b="1" dirty="0" err="1" smtClean="0">
+              <a:rPr lang="fr-FR" b="1" dirty="0" smtClean="0">
                 <a:solidFill>
                   <a:schemeClr val="bg1"/>
                 </a:solidFill>
@@ -12513,7 +14387,7 @@
                 <a:ea typeface="Open Sans" panose="020B0606030504020204" pitchFamily="34" charset="0"/>
                 <a:cs typeface="Open Sans" panose="020B0606030504020204" pitchFamily="34" charset="0"/>
               </a:rPr>
-              <a:t>Conlusion</a:t>
+              <a:t>Difficultés liées</a:t>
             </a:r>
             <a:endParaRPr lang="fr-FR" b="1" dirty="0">
               <a:solidFill>
@@ -12570,59 +14444,6 @@
       </p:cxnSp>
       <p:sp>
         <p:nvSpPr>
-          <p:cNvPr id="13" name="Rectangle 12"/>
-          <p:cNvSpPr/>
-          <p:nvPr/>
-        </p:nvSpPr>
-        <p:spPr>
-          <a:xfrm>
-            <a:off x="11658600" y="133350"/>
-            <a:ext cx="371475" cy="371475"/>
-          </a:xfrm>
-          <a:prstGeom prst="rect">
-            <a:avLst/>
-          </a:prstGeom>
-          <a:solidFill>
-            <a:srgbClr val="8EC56A"/>
-          </a:solidFill>
-          <a:ln>
-            <a:noFill/>
-          </a:ln>
-          <a:effectLst>
-            <a:outerShdw blurRad="50800" dist="38100" dir="13500000" algn="br" rotWithShape="0">
-              <a:prstClr val="black">
-                <a:alpha val="40000"/>
-              </a:prstClr>
-            </a:outerShdw>
-          </a:effectLst>
-        </p:spPr>
-        <p:style>
-          <a:lnRef idx="2">
-            <a:schemeClr val="accent1">
-              <a:shade val="50000"/>
-            </a:schemeClr>
-          </a:lnRef>
-          <a:fillRef idx="1">
-            <a:schemeClr val="accent1"/>
-          </a:fillRef>
-          <a:effectRef idx="0">
-            <a:schemeClr val="accent1"/>
-          </a:effectRef>
-          <a:fontRef idx="minor">
-            <a:schemeClr val="lt1"/>
-          </a:fontRef>
-        </p:style>
-        <p:txBody>
-          <a:bodyPr rtlCol="0" anchor="ctr"/>
-          <a:lstStyle/>
-          <a:p>
-            <a:pPr algn="ctr"/>
-            <a:endParaRPr lang="fr-FR" dirty="0"/>
-          </a:p>
-        </p:txBody>
-      </p:sp>
-      <p:sp>
-        <p:nvSpPr>
           <p:cNvPr id="4" name="Espace réservé du contenu 3"/>
           <p:cNvSpPr>
             <a:spLocks noGrp="1"/>
@@ -12876,10 +14697,211 @@
           </a:p>
         </p:txBody>
       </p:sp>
+      <p:sp>
+        <p:nvSpPr>
+          <p:cNvPr id="7" name="Espace réservé du contenu 2"/>
+          <p:cNvSpPr txBox="1">
+            <a:spLocks/>
+          </p:cNvSpPr>
+          <p:nvPr/>
+        </p:nvSpPr>
+        <p:spPr>
+          <a:xfrm>
+            <a:off x="11518106" y="76200"/>
+            <a:ext cx="673894" cy="619125"/>
+          </a:xfrm>
+          <a:prstGeom prst="rect">
+            <a:avLst/>
+          </a:prstGeom>
+        </p:spPr>
+        <p:txBody>
+          <a:bodyPr vert="horz" lIns="91440" tIns="45720" rIns="91440" bIns="45720" rtlCol="0">
+            <a:normAutofit/>
+          </a:bodyPr>
+          <a:lstStyle>
+            <a:lvl1pPr marL="228600" indent="-228600" algn="l" defTabSz="914400" rtl="0" eaLnBrk="1" latinLnBrk="0" hangingPunct="1">
+              <a:lnSpc>
+                <a:spcPct val="90000"/>
+              </a:lnSpc>
+              <a:spcBef>
+                <a:spcPts val="1000"/>
+              </a:spcBef>
+              <a:buFont typeface="Arial" panose="020B0604020202020204" pitchFamily="34" charset="0"/>
+              <a:buChar char="•"/>
+              <a:defRPr sz="2800" kern="1200">
+                <a:solidFill>
+                  <a:schemeClr val="tx1"/>
+                </a:solidFill>
+                <a:latin typeface="+mn-lt"/>
+                <a:ea typeface="+mn-ea"/>
+                <a:cs typeface="+mn-cs"/>
+              </a:defRPr>
+            </a:lvl1pPr>
+            <a:lvl2pPr marL="685800" indent="-228600" algn="l" defTabSz="914400" rtl="0" eaLnBrk="1" latinLnBrk="0" hangingPunct="1">
+              <a:lnSpc>
+                <a:spcPct val="90000"/>
+              </a:lnSpc>
+              <a:spcBef>
+                <a:spcPts val="500"/>
+              </a:spcBef>
+              <a:buFont typeface="Arial" panose="020B0604020202020204" pitchFamily="34" charset="0"/>
+              <a:buChar char="•"/>
+              <a:defRPr sz="2400" kern="1200">
+                <a:solidFill>
+                  <a:schemeClr val="tx1"/>
+                </a:solidFill>
+                <a:latin typeface="+mn-lt"/>
+                <a:ea typeface="+mn-ea"/>
+                <a:cs typeface="+mn-cs"/>
+              </a:defRPr>
+            </a:lvl2pPr>
+            <a:lvl3pPr marL="1143000" indent="-228600" algn="l" defTabSz="914400" rtl="0" eaLnBrk="1" latinLnBrk="0" hangingPunct="1">
+              <a:lnSpc>
+                <a:spcPct val="90000"/>
+              </a:lnSpc>
+              <a:spcBef>
+                <a:spcPts val="500"/>
+              </a:spcBef>
+              <a:buFont typeface="Arial" panose="020B0604020202020204" pitchFamily="34" charset="0"/>
+              <a:buChar char="•"/>
+              <a:defRPr sz="2000" kern="1200">
+                <a:solidFill>
+                  <a:schemeClr val="tx1"/>
+                </a:solidFill>
+                <a:latin typeface="+mn-lt"/>
+                <a:ea typeface="+mn-ea"/>
+                <a:cs typeface="+mn-cs"/>
+              </a:defRPr>
+            </a:lvl3pPr>
+            <a:lvl4pPr marL="1600200" indent="-228600" algn="l" defTabSz="914400" rtl="0" eaLnBrk="1" latinLnBrk="0" hangingPunct="1">
+              <a:lnSpc>
+                <a:spcPct val="90000"/>
+              </a:lnSpc>
+              <a:spcBef>
+                <a:spcPts val="500"/>
+              </a:spcBef>
+              <a:buFont typeface="Arial" panose="020B0604020202020204" pitchFamily="34" charset="0"/>
+              <a:buChar char="•"/>
+              <a:defRPr sz="1800" kern="1200">
+                <a:solidFill>
+                  <a:schemeClr val="tx1"/>
+                </a:solidFill>
+                <a:latin typeface="+mn-lt"/>
+                <a:ea typeface="+mn-ea"/>
+                <a:cs typeface="+mn-cs"/>
+              </a:defRPr>
+            </a:lvl4pPr>
+            <a:lvl5pPr marL="2057400" indent="-228600" algn="l" defTabSz="914400" rtl="0" eaLnBrk="1" latinLnBrk="0" hangingPunct="1">
+              <a:lnSpc>
+                <a:spcPct val="90000"/>
+              </a:lnSpc>
+              <a:spcBef>
+                <a:spcPts val="500"/>
+              </a:spcBef>
+              <a:buFont typeface="Arial" panose="020B0604020202020204" pitchFamily="34" charset="0"/>
+              <a:buChar char="•"/>
+              <a:defRPr sz="1800" kern="1200">
+                <a:solidFill>
+                  <a:schemeClr val="tx1"/>
+                </a:solidFill>
+                <a:latin typeface="+mn-lt"/>
+                <a:ea typeface="+mn-ea"/>
+                <a:cs typeface="+mn-cs"/>
+              </a:defRPr>
+            </a:lvl5pPr>
+            <a:lvl6pPr marL="2514600" indent="-228600" algn="l" defTabSz="914400" rtl="0" eaLnBrk="1" latinLnBrk="0" hangingPunct="1">
+              <a:lnSpc>
+                <a:spcPct val="90000"/>
+              </a:lnSpc>
+              <a:spcBef>
+                <a:spcPts val="500"/>
+              </a:spcBef>
+              <a:buFont typeface="Arial" panose="020B0604020202020204" pitchFamily="34" charset="0"/>
+              <a:buChar char="•"/>
+              <a:defRPr sz="1800" kern="1200">
+                <a:solidFill>
+                  <a:schemeClr val="tx1"/>
+                </a:solidFill>
+                <a:latin typeface="+mn-lt"/>
+                <a:ea typeface="+mn-ea"/>
+                <a:cs typeface="+mn-cs"/>
+              </a:defRPr>
+            </a:lvl6pPr>
+            <a:lvl7pPr marL="2971800" indent="-228600" algn="l" defTabSz="914400" rtl="0" eaLnBrk="1" latinLnBrk="0" hangingPunct="1">
+              <a:lnSpc>
+                <a:spcPct val="90000"/>
+              </a:lnSpc>
+              <a:spcBef>
+                <a:spcPts val="500"/>
+              </a:spcBef>
+              <a:buFont typeface="Arial" panose="020B0604020202020204" pitchFamily="34" charset="0"/>
+              <a:buChar char="•"/>
+              <a:defRPr sz="1800" kern="1200">
+                <a:solidFill>
+                  <a:schemeClr val="tx1"/>
+                </a:solidFill>
+                <a:latin typeface="+mn-lt"/>
+                <a:ea typeface="+mn-ea"/>
+                <a:cs typeface="+mn-cs"/>
+              </a:defRPr>
+            </a:lvl7pPr>
+            <a:lvl8pPr marL="3429000" indent="-228600" algn="l" defTabSz="914400" rtl="0" eaLnBrk="1" latinLnBrk="0" hangingPunct="1">
+              <a:lnSpc>
+                <a:spcPct val="90000"/>
+              </a:lnSpc>
+              <a:spcBef>
+                <a:spcPts val="500"/>
+              </a:spcBef>
+              <a:buFont typeface="Arial" panose="020B0604020202020204" pitchFamily="34" charset="0"/>
+              <a:buChar char="•"/>
+              <a:defRPr sz="1800" kern="1200">
+                <a:solidFill>
+                  <a:schemeClr val="tx1"/>
+                </a:solidFill>
+                <a:latin typeface="+mn-lt"/>
+                <a:ea typeface="+mn-ea"/>
+                <a:cs typeface="+mn-cs"/>
+              </a:defRPr>
+            </a:lvl8pPr>
+            <a:lvl9pPr marL="3886200" indent="-228600" algn="l" defTabSz="914400" rtl="0" eaLnBrk="1" latinLnBrk="0" hangingPunct="1">
+              <a:lnSpc>
+                <a:spcPct val="90000"/>
+              </a:lnSpc>
+              <a:spcBef>
+                <a:spcPts val="500"/>
+              </a:spcBef>
+              <a:buFont typeface="Arial" panose="020B0604020202020204" pitchFamily="34" charset="0"/>
+              <a:buChar char="•"/>
+              <a:defRPr sz="1800" kern="1200">
+                <a:solidFill>
+                  <a:schemeClr val="tx1"/>
+                </a:solidFill>
+                <a:latin typeface="+mn-lt"/>
+                <a:ea typeface="+mn-ea"/>
+                <a:cs typeface="+mn-cs"/>
+              </a:defRPr>
+            </a:lvl9pPr>
+          </a:lstStyle>
+          <a:p>
+            <a:pPr marL="0" indent="0">
+              <a:buNone/>
+            </a:pPr>
+            <a:r>
+              <a:rPr lang="fr-FR" sz="3600" dirty="0">
+                <a:solidFill>
+                  <a:srgbClr val="80BC58"/>
+                </a:solidFill>
+                <a:latin typeface="FontAwesome" pitchFamily="50" charset="0"/>
+              </a:rPr>
+              <a:t></a:t>
+            </a:r>
+          </a:p>
+        </p:txBody>
+      </p:sp>
     </p:spTree>
     <p:extLst>
       <p:ext uri="{BB962C8B-B14F-4D97-AF65-F5344CB8AC3E}">
-        <p14:creationId xmlns:p14="http://schemas.microsoft.com/office/powerpoint/2010/main" val="872680984"/>
+        <p14:creationId xmlns:p14="http://schemas.microsoft.com/office/powerpoint/2010/main" val="230183883"/>
       </p:ext>
     </p:extLst>
   </p:cSld>
@@ -12911,6 +14933,14 @@
 <file path=ppt/slides/slide9.xml><?xml version="1.0" encoding="utf-8"?>
 <p:sld xmlns:a="http://schemas.openxmlformats.org/drawingml/2006/main" xmlns:r="http://schemas.openxmlformats.org/officeDocument/2006/relationships" xmlns:p="http://schemas.openxmlformats.org/presentationml/2006/main">
   <p:cSld>
+    <p:bg>
+      <p:bgPr>
+        <a:solidFill>
+          <a:srgbClr val="22303B"/>
+        </a:solidFill>
+        <a:effectLst/>
+      </p:bgPr>
+    </p:bg>
     <p:spTree>
       <p:nvGrpSpPr>
         <p:cNvPr id="1" name=""/>
@@ -12935,18 +14965,83 @@
             <p:ph type="title"/>
           </p:nvPr>
         </p:nvSpPr>
-        <p:spPr/>
+        <p:spPr>
+          <a:xfrm>
+            <a:off x="1295400" y="365125"/>
+            <a:ext cx="10058400" cy="1325563"/>
+          </a:xfrm>
+        </p:spPr>
         <p:txBody>
           <a:bodyPr/>
           <a:lstStyle/>
           <a:p>
-            <a:endParaRPr lang="fr-FR"/>
+            <a:r>
+              <a:rPr lang="fr-FR" b="1" dirty="0" err="1" smtClean="0">
+                <a:solidFill>
+                  <a:schemeClr val="bg1"/>
+                </a:solidFill>
+                <a:latin typeface="Open Sans" panose="020B0606030504020204" pitchFamily="34" charset="0"/>
+                <a:ea typeface="Open Sans" panose="020B0606030504020204" pitchFamily="34" charset="0"/>
+                <a:cs typeface="Open Sans" panose="020B0606030504020204" pitchFamily="34" charset="0"/>
+              </a:rPr>
+              <a:t>Conlusion</a:t>
+            </a:r>
+            <a:endParaRPr lang="fr-FR" b="1" dirty="0">
+              <a:solidFill>
+                <a:schemeClr val="bg1"/>
+              </a:solidFill>
+              <a:latin typeface="Open Sans" panose="020B0606030504020204" pitchFamily="34" charset="0"/>
+              <a:ea typeface="Open Sans" panose="020B0606030504020204" pitchFamily="34" charset="0"/>
+              <a:cs typeface="Open Sans" panose="020B0606030504020204" pitchFamily="34" charset="0"/>
+            </a:endParaRPr>
           </a:p>
         </p:txBody>
       </p:sp>
+      <p:cxnSp>
+        <p:nvCxnSpPr>
+          <p:cNvPr id="5" name="Connecteur droit 4"/>
+          <p:cNvCxnSpPr/>
+          <p:nvPr/>
+        </p:nvCxnSpPr>
+        <p:spPr>
+          <a:xfrm>
+            <a:off x="981075" y="385763"/>
+            <a:ext cx="0" cy="1276350"/>
+          </a:xfrm>
+          <a:prstGeom prst="line">
+            <a:avLst/>
+          </a:prstGeom>
+          <a:ln w="76200">
+            <a:solidFill>
+              <a:srgbClr val="80BC58"/>
+            </a:solidFill>
+          </a:ln>
+          <a:effectLst>
+            <a:outerShdw blurRad="50800" dist="38100" dir="13500000" algn="br" rotWithShape="0">
+              <a:prstClr val="black">
+                <a:alpha val="40000"/>
+              </a:prstClr>
+            </a:outerShdw>
+          </a:effectLst>
+        </p:spPr>
+        <p:style>
+          <a:lnRef idx="1">
+            <a:schemeClr val="accent1"/>
+          </a:lnRef>
+          <a:fillRef idx="0">
+            <a:schemeClr val="accent1"/>
+          </a:fillRef>
+          <a:effectRef idx="0">
+            <a:schemeClr val="accent1"/>
+          </a:effectRef>
+          <a:fontRef idx="minor">
+            <a:schemeClr val="tx1"/>
+          </a:fontRef>
+        </p:style>
+      </p:cxnSp>
       <p:sp>
         <p:nvSpPr>
-          <p:cNvPr id="3" name="Espace réservé du contenu 2"/>
+          <p:cNvPr id="4" name="Espace réservé du contenu 3"/>
           <p:cNvSpPr>
             <a:spLocks noGrp="1"/>
           </p:cNvSpPr>
@@ -12963,51 +15058,447 @@
           </a:p>
         </p:txBody>
       </p:sp>
-      <p:pic>
-        <p:nvPicPr>
-          <p:cNvPr id="4" name="Picture 2" descr="Image associée"/>
-          <p:cNvPicPr>
-            <a:picLocks noChangeAspect="1" noChangeArrowheads="1"/>
-          </p:cNvPicPr>
+      <p:sp>
+        <p:nvSpPr>
+          <p:cNvPr id="6" name="Sous-titre 2"/>
+          <p:cNvSpPr txBox="1">
+            <a:spLocks/>
+          </p:cNvSpPr>
           <p:nvPr/>
-        </p:nvPicPr>
-        <p:blipFill>
-          <a:blip r:embed="rId2">
-            <a:extLst>
-              <a:ext uri="{28A0092B-C50C-407E-A947-70E740481C1C}">
-                <a14:useLocalDpi xmlns:a14="http://schemas.microsoft.com/office/drawing/2010/main" val="0"/>
-              </a:ext>
-            </a:extLst>
-          </a:blip>
-          <a:srcRect/>
-          <a:stretch>
-            <a:fillRect/>
-          </a:stretch>
-        </p:blipFill>
-        <p:spPr bwMode="auto">
+        </p:nvSpPr>
+        <p:spPr>
           <a:xfrm>
-            <a:off x="2003425" y="658813"/>
-            <a:ext cx="8572500" cy="5238750"/>
+            <a:off x="723900" y="6284994"/>
+            <a:ext cx="10934700" cy="323686"/>
           </a:xfrm>
           <a:prstGeom prst="rect">
             <a:avLst/>
           </a:prstGeom>
-          <a:noFill/>
-          <a:extLst>
-            <a:ext uri="{909E8E84-426E-40DD-AFC4-6F175D3DCCD1}">
-              <a14:hiddenFill xmlns:a14="http://schemas.microsoft.com/office/drawing/2010/main">
-                <a:solidFill>
-                  <a:srgbClr val="FFFFFF"/>
-                </a:solidFill>
-              </a14:hiddenFill>
-            </a:ext>
-          </a:extLst>
         </p:spPr>
-      </p:pic>
+        <p:txBody>
+          <a:bodyPr vert="horz" lIns="91440" tIns="45720" rIns="91440" bIns="45720" rtlCol="0">
+            <a:noAutofit/>
+          </a:bodyPr>
+          <a:lstStyle>
+            <a:lvl1pPr marL="0" indent="0" algn="ctr" defTabSz="914400" rtl="0" eaLnBrk="1" latinLnBrk="0" hangingPunct="1">
+              <a:lnSpc>
+                <a:spcPct val="90000"/>
+              </a:lnSpc>
+              <a:spcBef>
+                <a:spcPts val="1000"/>
+              </a:spcBef>
+              <a:buFont typeface="Arial" panose="020B0604020202020204" pitchFamily="34" charset="0"/>
+              <a:buNone/>
+              <a:defRPr sz="2400" kern="1200">
+                <a:solidFill>
+                  <a:schemeClr val="tx1"/>
+                </a:solidFill>
+                <a:latin typeface="+mn-lt"/>
+                <a:ea typeface="+mn-ea"/>
+                <a:cs typeface="+mn-cs"/>
+              </a:defRPr>
+            </a:lvl1pPr>
+            <a:lvl2pPr marL="457200" indent="0" algn="ctr" defTabSz="914400" rtl="0" eaLnBrk="1" latinLnBrk="0" hangingPunct="1">
+              <a:lnSpc>
+                <a:spcPct val="90000"/>
+              </a:lnSpc>
+              <a:spcBef>
+                <a:spcPts val="500"/>
+              </a:spcBef>
+              <a:buFont typeface="Arial" panose="020B0604020202020204" pitchFamily="34" charset="0"/>
+              <a:buNone/>
+              <a:defRPr sz="2000" kern="1200">
+                <a:solidFill>
+                  <a:schemeClr val="tx1"/>
+                </a:solidFill>
+                <a:latin typeface="+mn-lt"/>
+                <a:ea typeface="+mn-ea"/>
+                <a:cs typeface="+mn-cs"/>
+              </a:defRPr>
+            </a:lvl2pPr>
+            <a:lvl3pPr marL="914400" indent="0" algn="ctr" defTabSz="914400" rtl="0" eaLnBrk="1" latinLnBrk="0" hangingPunct="1">
+              <a:lnSpc>
+                <a:spcPct val="90000"/>
+              </a:lnSpc>
+              <a:spcBef>
+                <a:spcPts val="500"/>
+              </a:spcBef>
+              <a:buFont typeface="Arial" panose="020B0604020202020204" pitchFamily="34" charset="0"/>
+              <a:buNone/>
+              <a:defRPr sz="1800" kern="1200">
+                <a:solidFill>
+                  <a:schemeClr val="tx1"/>
+                </a:solidFill>
+                <a:latin typeface="+mn-lt"/>
+                <a:ea typeface="+mn-ea"/>
+                <a:cs typeface="+mn-cs"/>
+              </a:defRPr>
+            </a:lvl3pPr>
+            <a:lvl4pPr marL="1371600" indent="0" algn="ctr" defTabSz="914400" rtl="0" eaLnBrk="1" latinLnBrk="0" hangingPunct="1">
+              <a:lnSpc>
+                <a:spcPct val="90000"/>
+              </a:lnSpc>
+              <a:spcBef>
+                <a:spcPts val="500"/>
+              </a:spcBef>
+              <a:buFont typeface="Arial" panose="020B0604020202020204" pitchFamily="34" charset="0"/>
+              <a:buNone/>
+              <a:defRPr sz="1600" kern="1200">
+                <a:solidFill>
+                  <a:schemeClr val="tx1"/>
+                </a:solidFill>
+                <a:latin typeface="+mn-lt"/>
+                <a:ea typeface="+mn-ea"/>
+                <a:cs typeface="+mn-cs"/>
+              </a:defRPr>
+            </a:lvl4pPr>
+            <a:lvl5pPr marL="1828800" indent="0" algn="ctr" defTabSz="914400" rtl="0" eaLnBrk="1" latinLnBrk="0" hangingPunct="1">
+              <a:lnSpc>
+                <a:spcPct val="90000"/>
+              </a:lnSpc>
+              <a:spcBef>
+                <a:spcPts val="500"/>
+              </a:spcBef>
+              <a:buFont typeface="Arial" panose="020B0604020202020204" pitchFamily="34" charset="0"/>
+              <a:buNone/>
+              <a:defRPr sz="1600" kern="1200">
+                <a:solidFill>
+                  <a:schemeClr val="tx1"/>
+                </a:solidFill>
+                <a:latin typeface="+mn-lt"/>
+                <a:ea typeface="+mn-ea"/>
+                <a:cs typeface="+mn-cs"/>
+              </a:defRPr>
+            </a:lvl5pPr>
+            <a:lvl6pPr marL="2286000" indent="0" algn="ctr" defTabSz="914400" rtl="0" eaLnBrk="1" latinLnBrk="0" hangingPunct="1">
+              <a:lnSpc>
+                <a:spcPct val="90000"/>
+              </a:lnSpc>
+              <a:spcBef>
+                <a:spcPts val="500"/>
+              </a:spcBef>
+              <a:buFont typeface="Arial" panose="020B0604020202020204" pitchFamily="34" charset="0"/>
+              <a:buNone/>
+              <a:defRPr sz="1600" kern="1200">
+                <a:solidFill>
+                  <a:schemeClr val="tx1"/>
+                </a:solidFill>
+                <a:latin typeface="+mn-lt"/>
+                <a:ea typeface="+mn-ea"/>
+                <a:cs typeface="+mn-cs"/>
+              </a:defRPr>
+            </a:lvl6pPr>
+            <a:lvl7pPr marL="2743200" indent="0" algn="ctr" defTabSz="914400" rtl="0" eaLnBrk="1" latinLnBrk="0" hangingPunct="1">
+              <a:lnSpc>
+                <a:spcPct val="90000"/>
+              </a:lnSpc>
+              <a:spcBef>
+                <a:spcPts val="500"/>
+              </a:spcBef>
+              <a:buFont typeface="Arial" panose="020B0604020202020204" pitchFamily="34" charset="0"/>
+              <a:buNone/>
+              <a:defRPr sz="1600" kern="1200">
+                <a:solidFill>
+                  <a:schemeClr val="tx1"/>
+                </a:solidFill>
+                <a:latin typeface="+mn-lt"/>
+                <a:ea typeface="+mn-ea"/>
+                <a:cs typeface="+mn-cs"/>
+              </a:defRPr>
+            </a:lvl7pPr>
+            <a:lvl8pPr marL="3200400" indent="0" algn="ctr" defTabSz="914400" rtl="0" eaLnBrk="1" latinLnBrk="0" hangingPunct="1">
+              <a:lnSpc>
+                <a:spcPct val="90000"/>
+              </a:lnSpc>
+              <a:spcBef>
+                <a:spcPts val="500"/>
+              </a:spcBef>
+              <a:buFont typeface="Arial" panose="020B0604020202020204" pitchFamily="34" charset="0"/>
+              <a:buNone/>
+              <a:defRPr sz="1600" kern="1200">
+                <a:solidFill>
+                  <a:schemeClr val="tx1"/>
+                </a:solidFill>
+                <a:latin typeface="+mn-lt"/>
+                <a:ea typeface="+mn-ea"/>
+                <a:cs typeface="+mn-cs"/>
+              </a:defRPr>
+            </a:lvl8pPr>
+            <a:lvl9pPr marL="3657600" indent="0" algn="ctr" defTabSz="914400" rtl="0" eaLnBrk="1" latinLnBrk="0" hangingPunct="1">
+              <a:lnSpc>
+                <a:spcPct val="90000"/>
+              </a:lnSpc>
+              <a:spcBef>
+                <a:spcPts val="500"/>
+              </a:spcBef>
+              <a:buFont typeface="Arial" panose="020B0604020202020204" pitchFamily="34" charset="0"/>
+              <a:buNone/>
+              <a:defRPr sz="1600" kern="1200">
+                <a:solidFill>
+                  <a:schemeClr val="tx1"/>
+                </a:solidFill>
+                <a:latin typeface="+mn-lt"/>
+                <a:ea typeface="+mn-ea"/>
+                <a:cs typeface="+mn-cs"/>
+              </a:defRPr>
+            </a:lvl9pPr>
+          </a:lstStyle>
+          <a:p>
+            <a:r>
+              <a:rPr lang="fr-FR" sz="2000" b="1" dirty="0" smtClean="0">
+                <a:solidFill>
+                  <a:schemeClr val="bg1"/>
+                </a:solidFill>
+                <a:latin typeface="Open Sans" panose="020B0606030504020204" pitchFamily="34" charset="0"/>
+                <a:ea typeface="Open Sans" panose="020B0606030504020204" pitchFamily="34" charset="0"/>
+                <a:cs typeface="Open Sans" panose="020B0606030504020204" pitchFamily="34" charset="0"/>
+              </a:rPr>
+              <a:t>PROJET JAVA JEE </a:t>
+            </a:r>
+            <a:r>
+              <a:rPr lang="fr-FR" sz="2000" dirty="0">
+                <a:solidFill>
+                  <a:schemeClr val="bg1">
+                    <a:lumMod val="65000"/>
+                  </a:schemeClr>
+                </a:solidFill>
+                <a:latin typeface="Open Sans" panose="020B0606030504020204" pitchFamily="34" charset="0"/>
+                <a:ea typeface="Open Sans" panose="020B0606030504020204" pitchFamily="34" charset="0"/>
+                <a:cs typeface="Open Sans" panose="020B0606030504020204" pitchFamily="34" charset="0"/>
+              </a:rPr>
+              <a:t>~</a:t>
+            </a:r>
+            <a:r>
+              <a:rPr lang="fr-FR" sz="2000" dirty="0" smtClean="0">
+                <a:solidFill>
+                  <a:schemeClr val="bg1">
+                    <a:lumMod val="65000"/>
+                  </a:schemeClr>
+                </a:solidFill>
+                <a:latin typeface="Open Sans" panose="020B0606030504020204" pitchFamily="34" charset="0"/>
+                <a:ea typeface="Open Sans" panose="020B0606030504020204" pitchFamily="34" charset="0"/>
+                <a:cs typeface="Open Sans" panose="020B0606030504020204" pitchFamily="34" charset="0"/>
+              </a:rPr>
+              <a:t> Application de gestion pour les pré-inscriptions à des UV ~</a:t>
+            </a:r>
+            <a:endParaRPr lang="fr-FR" sz="2000" dirty="0">
+              <a:solidFill>
+                <a:schemeClr val="bg1">
+                  <a:lumMod val="65000"/>
+                </a:schemeClr>
+              </a:solidFill>
+              <a:latin typeface="Open Sans" panose="020B0606030504020204" pitchFamily="34" charset="0"/>
+              <a:ea typeface="Open Sans" panose="020B0606030504020204" pitchFamily="34" charset="0"/>
+              <a:cs typeface="Open Sans" panose="020B0606030504020204" pitchFamily="34" charset="0"/>
+            </a:endParaRPr>
+          </a:p>
+        </p:txBody>
+      </p:sp>
+      <p:sp>
+        <p:nvSpPr>
+          <p:cNvPr id="7" name="Espace réservé du contenu 2"/>
+          <p:cNvSpPr txBox="1">
+            <a:spLocks/>
+          </p:cNvSpPr>
+          <p:nvPr/>
+        </p:nvSpPr>
+        <p:spPr>
+          <a:xfrm>
+            <a:off x="11518106" y="76200"/>
+            <a:ext cx="673894" cy="619125"/>
+          </a:xfrm>
+          <a:prstGeom prst="rect">
+            <a:avLst/>
+          </a:prstGeom>
+        </p:spPr>
+        <p:txBody>
+          <a:bodyPr vert="horz" lIns="91440" tIns="45720" rIns="91440" bIns="45720" rtlCol="0">
+            <a:normAutofit/>
+          </a:bodyPr>
+          <a:lstStyle>
+            <a:lvl1pPr marL="228600" indent="-228600" algn="l" defTabSz="914400" rtl="0" eaLnBrk="1" latinLnBrk="0" hangingPunct="1">
+              <a:lnSpc>
+                <a:spcPct val="90000"/>
+              </a:lnSpc>
+              <a:spcBef>
+                <a:spcPts val="1000"/>
+              </a:spcBef>
+              <a:buFont typeface="Arial" panose="020B0604020202020204" pitchFamily="34" charset="0"/>
+              <a:buChar char="•"/>
+              <a:defRPr sz="2800" kern="1200">
+                <a:solidFill>
+                  <a:schemeClr val="tx1"/>
+                </a:solidFill>
+                <a:latin typeface="+mn-lt"/>
+                <a:ea typeface="+mn-ea"/>
+                <a:cs typeface="+mn-cs"/>
+              </a:defRPr>
+            </a:lvl1pPr>
+            <a:lvl2pPr marL="685800" indent="-228600" algn="l" defTabSz="914400" rtl="0" eaLnBrk="1" latinLnBrk="0" hangingPunct="1">
+              <a:lnSpc>
+                <a:spcPct val="90000"/>
+              </a:lnSpc>
+              <a:spcBef>
+                <a:spcPts val="500"/>
+              </a:spcBef>
+              <a:buFont typeface="Arial" panose="020B0604020202020204" pitchFamily="34" charset="0"/>
+              <a:buChar char="•"/>
+              <a:defRPr sz="2400" kern="1200">
+                <a:solidFill>
+                  <a:schemeClr val="tx1"/>
+                </a:solidFill>
+                <a:latin typeface="+mn-lt"/>
+                <a:ea typeface="+mn-ea"/>
+                <a:cs typeface="+mn-cs"/>
+              </a:defRPr>
+            </a:lvl2pPr>
+            <a:lvl3pPr marL="1143000" indent="-228600" algn="l" defTabSz="914400" rtl="0" eaLnBrk="1" latinLnBrk="0" hangingPunct="1">
+              <a:lnSpc>
+                <a:spcPct val="90000"/>
+              </a:lnSpc>
+              <a:spcBef>
+                <a:spcPts val="500"/>
+              </a:spcBef>
+              <a:buFont typeface="Arial" panose="020B0604020202020204" pitchFamily="34" charset="0"/>
+              <a:buChar char="•"/>
+              <a:defRPr sz="2000" kern="1200">
+                <a:solidFill>
+                  <a:schemeClr val="tx1"/>
+                </a:solidFill>
+                <a:latin typeface="+mn-lt"/>
+                <a:ea typeface="+mn-ea"/>
+                <a:cs typeface="+mn-cs"/>
+              </a:defRPr>
+            </a:lvl3pPr>
+            <a:lvl4pPr marL="1600200" indent="-228600" algn="l" defTabSz="914400" rtl="0" eaLnBrk="1" latinLnBrk="0" hangingPunct="1">
+              <a:lnSpc>
+                <a:spcPct val="90000"/>
+              </a:lnSpc>
+              <a:spcBef>
+                <a:spcPts val="500"/>
+              </a:spcBef>
+              <a:buFont typeface="Arial" panose="020B0604020202020204" pitchFamily="34" charset="0"/>
+              <a:buChar char="•"/>
+              <a:defRPr sz="1800" kern="1200">
+                <a:solidFill>
+                  <a:schemeClr val="tx1"/>
+                </a:solidFill>
+                <a:latin typeface="+mn-lt"/>
+                <a:ea typeface="+mn-ea"/>
+                <a:cs typeface="+mn-cs"/>
+              </a:defRPr>
+            </a:lvl4pPr>
+            <a:lvl5pPr marL="2057400" indent="-228600" algn="l" defTabSz="914400" rtl="0" eaLnBrk="1" latinLnBrk="0" hangingPunct="1">
+              <a:lnSpc>
+                <a:spcPct val="90000"/>
+              </a:lnSpc>
+              <a:spcBef>
+                <a:spcPts val="500"/>
+              </a:spcBef>
+              <a:buFont typeface="Arial" panose="020B0604020202020204" pitchFamily="34" charset="0"/>
+              <a:buChar char="•"/>
+              <a:defRPr sz="1800" kern="1200">
+                <a:solidFill>
+                  <a:schemeClr val="tx1"/>
+                </a:solidFill>
+                <a:latin typeface="+mn-lt"/>
+                <a:ea typeface="+mn-ea"/>
+                <a:cs typeface="+mn-cs"/>
+              </a:defRPr>
+            </a:lvl5pPr>
+            <a:lvl6pPr marL="2514600" indent="-228600" algn="l" defTabSz="914400" rtl="0" eaLnBrk="1" latinLnBrk="0" hangingPunct="1">
+              <a:lnSpc>
+                <a:spcPct val="90000"/>
+              </a:lnSpc>
+              <a:spcBef>
+                <a:spcPts val="500"/>
+              </a:spcBef>
+              <a:buFont typeface="Arial" panose="020B0604020202020204" pitchFamily="34" charset="0"/>
+              <a:buChar char="•"/>
+              <a:defRPr sz="1800" kern="1200">
+                <a:solidFill>
+                  <a:schemeClr val="tx1"/>
+                </a:solidFill>
+                <a:latin typeface="+mn-lt"/>
+                <a:ea typeface="+mn-ea"/>
+                <a:cs typeface="+mn-cs"/>
+              </a:defRPr>
+            </a:lvl6pPr>
+            <a:lvl7pPr marL="2971800" indent="-228600" algn="l" defTabSz="914400" rtl="0" eaLnBrk="1" latinLnBrk="0" hangingPunct="1">
+              <a:lnSpc>
+                <a:spcPct val="90000"/>
+              </a:lnSpc>
+              <a:spcBef>
+                <a:spcPts val="500"/>
+              </a:spcBef>
+              <a:buFont typeface="Arial" panose="020B0604020202020204" pitchFamily="34" charset="0"/>
+              <a:buChar char="•"/>
+              <a:defRPr sz="1800" kern="1200">
+                <a:solidFill>
+                  <a:schemeClr val="tx1"/>
+                </a:solidFill>
+                <a:latin typeface="+mn-lt"/>
+                <a:ea typeface="+mn-ea"/>
+                <a:cs typeface="+mn-cs"/>
+              </a:defRPr>
+            </a:lvl7pPr>
+            <a:lvl8pPr marL="3429000" indent="-228600" algn="l" defTabSz="914400" rtl="0" eaLnBrk="1" latinLnBrk="0" hangingPunct="1">
+              <a:lnSpc>
+                <a:spcPct val="90000"/>
+              </a:lnSpc>
+              <a:spcBef>
+                <a:spcPts val="500"/>
+              </a:spcBef>
+              <a:buFont typeface="Arial" panose="020B0604020202020204" pitchFamily="34" charset="0"/>
+              <a:buChar char="•"/>
+              <a:defRPr sz="1800" kern="1200">
+                <a:solidFill>
+                  <a:schemeClr val="tx1"/>
+                </a:solidFill>
+                <a:latin typeface="+mn-lt"/>
+                <a:ea typeface="+mn-ea"/>
+                <a:cs typeface="+mn-cs"/>
+              </a:defRPr>
+            </a:lvl8pPr>
+            <a:lvl9pPr marL="3886200" indent="-228600" algn="l" defTabSz="914400" rtl="0" eaLnBrk="1" latinLnBrk="0" hangingPunct="1">
+              <a:lnSpc>
+                <a:spcPct val="90000"/>
+              </a:lnSpc>
+              <a:spcBef>
+                <a:spcPts val="500"/>
+              </a:spcBef>
+              <a:buFont typeface="Arial" panose="020B0604020202020204" pitchFamily="34" charset="0"/>
+              <a:buChar char="•"/>
+              <a:defRPr sz="1800" kern="1200">
+                <a:solidFill>
+                  <a:schemeClr val="tx1"/>
+                </a:solidFill>
+                <a:latin typeface="+mn-lt"/>
+                <a:ea typeface="+mn-ea"/>
+                <a:cs typeface="+mn-cs"/>
+              </a:defRPr>
+            </a:lvl9pPr>
+          </a:lstStyle>
+          <a:p>
+            <a:pPr marL="0" indent="0">
+              <a:buNone/>
+            </a:pPr>
+            <a:r>
+              <a:rPr lang="fr-FR" sz="3600" dirty="0">
+                <a:solidFill>
+                  <a:srgbClr val="80BC58"/>
+                </a:solidFill>
+                <a:latin typeface="FontAwesome" pitchFamily="50" charset="0"/>
+              </a:rPr>
+              <a:t></a:t>
+            </a:r>
+          </a:p>
+        </p:txBody>
+      </p:sp>
     </p:spTree>
     <p:extLst>
       <p:ext uri="{BB962C8B-B14F-4D97-AF65-F5344CB8AC3E}">
-        <p14:creationId xmlns:p14="http://schemas.microsoft.com/office/powerpoint/2010/main" val="1590141450"/>
+        <p14:creationId xmlns:p14="http://schemas.microsoft.com/office/powerpoint/2010/main" val="872680984"/>
       </p:ext>
     </p:extLst>
   </p:cSld>

--- a/LO54 P17.pptx
+++ b/LO54 P17.pptx
@@ -7,16 +7,13 @@
   <p:sldIdLst>
     <p:sldId id="256" r:id="rId2"/>
     <p:sldId id="266" r:id="rId3"/>
-    <p:sldId id="267" r:id="rId4"/>
-    <p:sldId id="260" r:id="rId5"/>
+    <p:sldId id="260" r:id="rId4"/>
+    <p:sldId id="267" r:id="rId5"/>
     <p:sldId id="264" r:id="rId6"/>
-    <p:sldId id="261" r:id="rId7"/>
+    <p:sldId id="268" r:id="rId7"/>
     <p:sldId id="263" r:id="rId8"/>
     <p:sldId id="262" r:id="rId9"/>
     <p:sldId id="265" r:id="rId10"/>
-    <p:sldId id="258" r:id="rId11"/>
-    <p:sldId id="259" r:id="rId12"/>
-    <p:sldId id="257" r:id="rId13"/>
   </p:sldIdLst>
   <p:sldSz cx="12192000" cy="6858000"/>
   <p:notesSz cx="6858000" cy="9144000"/>
@@ -909,7 +906,7 @@
 <dgm:dataModel xmlns:dgm="http://schemas.openxmlformats.org/drawingml/2006/diagram" xmlns:a="http://schemas.openxmlformats.org/drawingml/2006/main">
   <dgm:ptLst>
     <dgm:pt modelId="{1CBD7E33-0806-4E0E-8C81-469763E93CBC}" type="doc">
-      <dgm:prSet loTypeId="urn:microsoft.com/office/officeart/2009/layout/CircleArrowProcess" loCatId="process" qsTypeId="urn:microsoft.com/office/officeart/2005/8/quickstyle/simple5" qsCatId="simple" csTypeId="urn:microsoft.com/office/officeart/2005/8/colors/colorful4" csCatId="colorful" phldr="0"/>
+      <dgm:prSet loTypeId="urn:microsoft.com/office/officeart/2009/layout/CircleArrowProcess" loCatId="process" qsTypeId="urn:microsoft.com/office/officeart/2005/8/quickstyle/simple5" qsCatId="simple" csTypeId="urn:microsoft.com/office/officeart/2005/8/colors/colorful4" csCatId="colorful" phldr="1"/>
       <dgm:spPr/>
       <dgm:t>
         <a:bodyPr/>
@@ -920,13 +917,21 @@
       </dgm:t>
     </dgm:pt>
     <dgm:pt modelId="{391A2327-DE2D-4CF2-9BC9-220593ABD6BD}">
-      <dgm:prSet phldrT="[Texte]" phldr="1"/>
+      <dgm:prSet phldrT="[Texte]" custT="1"/>
       <dgm:spPr/>
       <dgm:t>
         <a:bodyPr/>
         <a:lstStyle/>
         <a:p>
-          <a:endParaRPr lang="fr-FR" dirty="0">
+          <a:r>
+            <a:rPr lang="fr-FR" sz="1600" dirty="0" err="1" smtClean="0">
+              <a:solidFill>
+                <a:schemeClr val="bg1"/>
+              </a:solidFill>
+            </a:rPr>
+            <a:t>MongoClient</a:t>
+          </a:r>
+          <a:endParaRPr lang="fr-FR" sz="1600" dirty="0">
             <a:solidFill>
               <a:schemeClr val="bg1"/>
             </a:solidFill>
@@ -957,13 +962,21 @@
       </dgm:t>
     </dgm:pt>
     <dgm:pt modelId="{8BDD87AE-99D0-4245-BC2C-B391A338C3F7}">
-      <dgm:prSet phldrT="[Texte]" phldr="1"/>
+      <dgm:prSet phldrT="[Texte]" custT="1"/>
       <dgm:spPr/>
       <dgm:t>
         <a:bodyPr/>
         <a:lstStyle/>
         <a:p>
-          <a:endParaRPr lang="fr-FR" dirty="0">
+          <a:r>
+            <a:rPr lang="fr-FR" sz="1600" dirty="0" err="1" smtClean="0">
+              <a:solidFill>
+                <a:schemeClr val="bg1"/>
+              </a:solidFill>
+            </a:rPr>
+            <a:t>MongoDataBase</a:t>
+          </a:r>
+          <a:endParaRPr lang="fr-FR" sz="1600" dirty="0">
             <a:solidFill>
               <a:schemeClr val="bg1"/>
             </a:solidFill>
@@ -994,13 +1007,21 @@
       </dgm:t>
     </dgm:pt>
     <dgm:pt modelId="{E5A8DF6C-A030-4119-BC41-B92505695001}">
-      <dgm:prSet phldrT="[Texte]" phldr="1"/>
+      <dgm:prSet phldrT="[Texte]" custT="1"/>
       <dgm:spPr/>
       <dgm:t>
         <a:bodyPr/>
         <a:lstStyle/>
         <a:p>
-          <a:endParaRPr lang="fr-FR" dirty="0">
+          <a:r>
+            <a:rPr lang="fr-FR" sz="1600" dirty="0" err="1" smtClean="0">
+              <a:solidFill>
+                <a:schemeClr val="bg1"/>
+              </a:solidFill>
+            </a:rPr>
+            <a:t>MongoCollection</a:t>
+          </a:r>
+          <a:endParaRPr lang="fr-FR" sz="1600" dirty="0">
             <a:solidFill>
               <a:schemeClr val="bg1"/>
             </a:solidFill>
@@ -1082,7 +1103,7 @@
       <dgm:spPr/>
     </dgm:pt>
     <dgm:pt modelId="{798EACB5-FD1B-4964-8F5F-12544C917D0D}" type="pres">
-      <dgm:prSet presAssocID="{8BDD87AE-99D0-4245-BC2C-B391A338C3F7}" presName="Parent2" presStyleLbl="revTx" presStyleIdx="1" presStyleCnt="3">
+      <dgm:prSet presAssocID="{8BDD87AE-99D0-4245-BC2C-B391A338C3F7}" presName="Parent2" presStyleLbl="revTx" presStyleIdx="1" presStyleCnt="3" custScaleX="127626">
         <dgm:presLayoutVars>
           <dgm:chMax val="1"/>
           <dgm:chPref val="1"/>
@@ -1107,7 +1128,7 @@
       <dgm:spPr/>
     </dgm:pt>
     <dgm:pt modelId="{9CBC6A2F-99D9-49BA-8AAB-FCA5F9B33069}" type="pres">
-      <dgm:prSet presAssocID="{E5A8DF6C-A030-4119-BC41-B92505695001}" presName="Parent3" presStyleLbl="revTx" presStyleIdx="2" presStyleCnt="3">
+      <dgm:prSet presAssocID="{E5A8DF6C-A030-4119-BC41-B92505695001}" presName="Parent3" presStyleLbl="revTx" presStyleIdx="2" presStyleCnt="3" custScaleX="127678">
         <dgm:presLayoutVars>
           <dgm:chMax val="1"/>
           <dgm:chPref val="1"/>
@@ -1167,8 +1188,8 @@
       </dsp:nvSpPr>
       <dsp:spPr>
         <a:xfrm>
-          <a:off x="4501450" y="0"/>
-          <a:ext cx="2094415" cy="2094734"/>
+          <a:off x="1386874" y="147593"/>
+          <a:ext cx="2400099" cy="2400465"/>
         </a:xfrm>
         <a:prstGeom prst="circularArrow">
           <a:avLst>
@@ -1250,8 +1271,8 @@
       </dsp:nvSpPr>
       <dsp:spPr>
         <a:xfrm>
-          <a:off x="4964385" y="756262"/>
-          <a:ext cx="1163826" cy="581773"/>
+          <a:off x="1917375" y="1014234"/>
+          <a:ext cx="1333689" cy="666685"/>
         </a:xfrm>
         <a:prstGeom prst="rect">
           <a:avLst/>
@@ -1275,12 +1296,12 @@
         <a:fontRef idx="minor"/>
       </dsp:style>
       <dsp:txBody>
-        <a:bodyPr spcFirstLastPara="0" vert="horz" wrap="square" lIns="20320" tIns="20320" rIns="20320" bIns="20320" numCol="1" spcCol="1270" anchor="ctr" anchorCtr="0">
+        <a:bodyPr spcFirstLastPara="0" vert="horz" wrap="square" lIns="10160" tIns="10160" rIns="10160" bIns="10160" numCol="1" spcCol="1270" anchor="ctr" anchorCtr="0">
           <a:noAutofit/>
         </a:bodyPr>
         <a:lstStyle/>
         <a:p>
-          <a:pPr lvl="0" algn="ctr" defTabSz="1422400">
+          <a:pPr lvl="0" algn="ctr" defTabSz="711200">
             <a:lnSpc>
               <a:spcPct val="90000"/>
             </a:lnSpc>
@@ -1291,7 +1312,15 @@
               <a:spcPct val="35000"/>
             </a:spcAft>
           </a:pPr>
-          <a:endParaRPr lang="fr-FR" sz="3200" kern="1200" dirty="0">
+          <a:r>
+            <a:rPr lang="fr-FR" sz="1600" kern="1200" dirty="0" err="1" smtClean="0">
+              <a:solidFill>
+                <a:schemeClr val="bg1"/>
+              </a:solidFill>
+            </a:rPr>
+            <a:t>MongoClient</a:t>
+          </a:r>
+          <a:endParaRPr lang="fr-FR" sz="1600" kern="1200" dirty="0">
             <a:solidFill>
               <a:schemeClr val="bg1"/>
             </a:solidFill>
@@ -1299,8 +1328,8 @@
         </a:p>
       </dsp:txBody>
       <dsp:txXfrm>
-        <a:off x="4964385" y="756262"/>
-        <a:ext cx="1163826" cy="581773"/>
+        <a:off x="1917375" y="1014234"/>
+        <a:ext cx="1333689" cy="666685"/>
       </dsp:txXfrm>
     </dsp:sp>
     <dsp:sp modelId="{6137B0FF-FE03-4DA8-A34D-6DED9A022FEB}">
@@ -1310,8 +1339,8 @@
       </dsp:nvSpPr>
       <dsp:spPr>
         <a:xfrm>
-          <a:off x="3919734" y="1203580"/>
-          <a:ext cx="2094415" cy="2094734"/>
+          <a:off x="720255" y="1526839"/>
+          <a:ext cx="2400099" cy="2400465"/>
         </a:xfrm>
         <a:prstGeom prst="leftCircularArrow">
           <a:avLst>
@@ -1393,8 +1422,8 @@
       </dsp:nvSpPr>
       <dsp:spPr>
         <a:xfrm>
-          <a:off x="4385028" y="1966804"/>
-          <a:ext cx="1163826" cy="581773"/>
+          <a:off x="1069238" y="2401458"/>
+          <a:ext cx="1702134" cy="666685"/>
         </a:xfrm>
         <a:prstGeom prst="rect">
           <a:avLst/>
@@ -1418,12 +1447,12 @@
         <a:fontRef idx="minor"/>
       </dsp:style>
       <dsp:txBody>
-        <a:bodyPr spcFirstLastPara="0" vert="horz" wrap="square" lIns="20320" tIns="20320" rIns="20320" bIns="20320" numCol="1" spcCol="1270" anchor="ctr" anchorCtr="0">
+        <a:bodyPr spcFirstLastPara="0" vert="horz" wrap="square" lIns="10160" tIns="10160" rIns="10160" bIns="10160" numCol="1" spcCol="1270" anchor="ctr" anchorCtr="0">
           <a:noAutofit/>
         </a:bodyPr>
         <a:lstStyle/>
         <a:p>
-          <a:pPr lvl="0" algn="ctr" defTabSz="1422400">
+          <a:pPr lvl="0" algn="ctr" defTabSz="711200">
             <a:lnSpc>
               <a:spcPct val="90000"/>
             </a:lnSpc>
@@ -1434,7 +1463,15 @@
               <a:spcPct val="35000"/>
             </a:spcAft>
           </a:pPr>
-          <a:endParaRPr lang="fr-FR" sz="3200" kern="1200" dirty="0">
+          <a:r>
+            <a:rPr lang="fr-FR" sz="1600" kern="1200" dirty="0" err="1" smtClean="0">
+              <a:solidFill>
+                <a:schemeClr val="bg1"/>
+              </a:solidFill>
+            </a:rPr>
+            <a:t>MongoDataBase</a:t>
+          </a:r>
+          <a:endParaRPr lang="fr-FR" sz="1600" kern="1200" dirty="0">
             <a:solidFill>
               <a:schemeClr val="bg1"/>
             </a:solidFill>
@@ -1442,8 +1479,8 @@
         </a:p>
       </dsp:txBody>
       <dsp:txXfrm>
-        <a:off x="4385028" y="1966804"/>
-        <a:ext cx="1163826" cy="581773"/>
+        <a:off x="1069238" y="2401458"/>
+        <a:ext cx="1702134" cy="666685"/>
       </dsp:txXfrm>
     </dsp:sp>
     <dsp:sp modelId="{42B30EE9-F5F6-455B-B9EB-6D2A4051FB80}">
@@ -1453,8 +1490,8 @@
       </dsp:nvSpPr>
       <dsp:spPr>
         <a:xfrm>
-          <a:off x="4650517" y="2551189"/>
-          <a:ext cx="1799427" cy="1800148"/>
+          <a:off x="1557698" y="3071135"/>
+          <a:ext cx="2062057" cy="2062884"/>
         </a:xfrm>
         <a:prstGeom prst="blockArc">
           <a:avLst>
@@ -1534,8 +1571,8 @@
       </dsp:nvSpPr>
       <dsp:spPr>
         <a:xfrm>
-          <a:off x="4967138" y="3179087"/>
-          <a:ext cx="1163826" cy="581773"/>
+          <a:off x="1735961" y="3790676"/>
+          <a:ext cx="1702827" cy="666685"/>
         </a:xfrm>
         <a:prstGeom prst="rect">
           <a:avLst/>
@@ -1559,12 +1596,12 @@
         <a:fontRef idx="minor"/>
       </dsp:style>
       <dsp:txBody>
-        <a:bodyPr spcFirstLastPara="0" vert="horz" wrap="square" lIns="20320" tIns="20320" rIns="20320" bIns="20320" numCol="1" spcCol="1270" anchor="ctr" anchorCtr="0">
+        <a:bodyPr spcFirstLastPara="0" vert="horz" wrap="square" lIns="10160" tIns="10160" rIns="10160" bIns="10160" numCol="1" spcCol="1270" anchor="ctr" anchorCtr="0">
           <a:noAutofit/>
         </a:bodyPr>
         <a:lstStyle/>
         <a:p>
-          <a:pPr lvl="0" algn="ctr" defTabSz="1422400">
+          <a:pPr lvl="0" algn="ctr" defTabSz="711200">
             <a:lnSpc>
               <a:spcPct val="90000"/>
             </a:lnSpc>
@@ -1575,7 +1612,15 @@
               <a:spcPct val="35000"/>
             </a:spcAft>
           </a:pPr>
-          <a:endParaRPr lang="fr-FR" sz="3200" kern="1200" dirty="0">
+          <a:r>
+            <a:rPr lang="fr-FR" sz="1600" kern="1200" dirty="0" err="1" smtClean="0">
+              <a:solidFill>
+                <a:schemeClr val="bg1"/>
+              </a:solidFill>
+            </a:rPr>
+            <a:t>MongoCollection</a:t>
+          </a:r>
+          <a:endParaRPr lang="fr-FR" sz="1600" kern="1200" dirty="0">
             <a:solidFill>
               <a:schemeClr val="bg1"/>
             </a:solidFill>
@@ -1583,8 +1628,8 @@
         </a:p>
       </dsp:txBody>
       <dsp:txXfrm>
-        <a:off x="4967138" y="3179087"/>
-        <a:ext cx="1163826" cy="581773"/>
+        <a:off x="1735961" y="3790676"/>
+        <a:ext cx="1702827" cy="666685"/>
       </dsp:txXfrm>
     </dsp:sp>
   </dsp:spTree>
@@ -4874,7 +4919,7 @@
           <a:p>
             <a:fld id="{640C5A8C-2C2D-4844-9AA3-2EDC8CD7AFEA}" type="slidenum">
               <a:rPr lang="fr-FR" smtClean="0"/>
-              <a:t>‹N°›</a:t>
+              <a:t>‹#›</a:t>
             </a:fld>
             <a:endParaRPr lang="fr-FR"/>
           </a:p>
@@ -5056,7 +5101,7 @@
           <a:p>
             <a:fld id="{640C5A8C-2C2D-4844-9AA3-2EDC8CD7AFEA}" type="slidenum">
               <a:rPr lang="fr-FR" smtClean="0"/>
-              <a:t>‹N°›</a:t>
+              <a:t>‹#›</a:t>
             </a:fld>
             <a:endParaRPr lang="fr-FR"/>
           </a:p>
@@ -5248,7 +5293,7 @@
           <a:p>
             <a:fld id="{640C5A8C-2C2D-4844-9AA3-2EDC8CD7AFEA}" type="slidenum">
               <a:rPr lang="fr-FR" smtClean="0"/>
-              <a:t>‹N°›</a:t>
+              <a:t>‹#›</a:t>
             </a:fld>
             <a:endParaRPr lang="fr-FR"/>
           </a:p>
@@ -5430,7 +5475,7 @@
           <a:p>
             <a:fld id="{640C5A8C-2C2D-4844-9AA3-2EDC8CD7AFEA}" type="slidenum">
               <a:rPr lang="fr-FR" smtClean="0"/>
-              <a:t>‹N°›</a:t>
+              <a:t>‹#›</a:t>
             </a:fld>
             <a:endParaRPr lang="fr-FR"/>
           </a:p>
@@ -5688,7 +5733,7 @@
           <a:p>
             <a:fld id="{640C5A8C-2C2D-4844-9AA3-2EDC8CD7AFEA}" type="slidenum">
               <a:rPr lang="fr-FR" smtClean="0"/>
-              <a:t>‹N°›</a:t>
+              <a:t>‹#›</a:t>
             </a:fld>
             <a:endParaRPr lang="fr-FR"/>
           </a:p>
@@ -5932,7 +5977,7 @@
           <a:p>
             <a:fld id="{640C5A8C-2C2D-4844-9AA3-2EDC8CD7AFEA}" type="slidenum">
               <a:rPr lang="fr-FR" smtClean="0"/>
-              <a:t>‹N°›</a:t>
+              <a:t>‹#›</a:t>
             </a:fld>
             <a:endParaRPr lang="fr-FR"/>
           </a:p>
@@ -6311,7 +6356,7 @@
           <a:p>
             <a:fld id="{640C5A8C-2C2D-4844-9AA3-2EDC8CD7AFEA}" type="slidenum">
               <a:rPr lang="fr-FR" smtClean="0"/>
-              <a:t>‹N°›</a:t>
+              <a:t>‹#›</a:t>
             </a:fld>
             <a:endParaRPr lang="fr-FR"/>
           </a:p>
@@ -6441,7 +6486,7 @@
           <a:p>
             <a:fld id="{640C5A8C-2C2D-4844-9AA3-2EDC8CD7AFEA}" type="slidenum">
               <a:rPr lang="fr-FR" smtClean="0"/>
-              <a:t>‹N°›</a:t>
+              <a:t>‹#›</a:t>
             </a:fld>
             <a:endParaRPr lang="fr-FR"/>
           </a:p>
@@ -6548,7 +6593,7 @@
           <a:p>
             <a:fld id="{640C5A8C-2C2D-4844-9AA3-2EDC8CD7AFEA}" type="slidenum">
               <a:rPr lang="fr-FR" smtClean="0"/>
-              <a:t>‹N°›</a:t>
+              <a:t>‹#›</a:t>
             </a:fld>
             <a:endParaRPr lang="fr-FR"/>
           </a:p>
@@ -6837,7 +6882,7 @@
           <a:p>
             <a:fld id="{640C5A8C-2C2D-4844-9AA3-2EDC8CD7AFEA}" type="slidenum">
               <a:rPr lang="fr-FR" smtClean="0"/>
-              <a:t>‹N°›</a:t>
+              <a:t>‹#›</a:t>
             </a:fld>
             <a:endParaRPr lang="fr-FR"/>
           </a:p>
@@ -7102,7 +7147,7 @@
           <a:p>
             <a:fld id="{640C5A8C-2C2D-4844-9AA3-2EDC8CD7AFEA}" type="slidenum">
               <a:rPr lang="fr-FR" smtClean="0"/>
-              <a:t>‹N°›</a:t>
+              <a:t>‹#›</a:t>
             </a:fld>
             <a:endParaRPr lang="fr-FR"/>
           </a:p>
@@ -7363,7 +7408,7 @@
           <a:p>
             <a:fld id="{640C5A8C-2C2D-4844-9AA3-2EDC8CD7AFEA}" type="slidenum">
               <a:rPr lang="fr-FR" smtClean="0"/>
-              <a:t>‹N°›</a:t>
+              <a:t>‹#›</a:t>
             </a:fld>
             <a:endParaRPr lang="fr-FR"/>
           </a:p>
@@ -8363,1420 +8408,6 @@
 </p:sld>
 </file>
 
-<file path=ppt/slides/slide10.xml><?xml version="1.0" encoding="utf-8"?>
-<p:sld xmlns:a="http://schemas.openxmlformats.org/drawingml/2006/main" xmlns:r="http://schemas.openxmlformats.org/officeDocument/2006/relationships" xmlns:p="http://schemas.openxmlformats.org/presentationml/2006/main">
-  <p:cSld>
-    <p:spTree>
-      <p:nvGrpSpPr>
-        <p:cNvPr id="1" name=""/>
-        <p:cNvGrpSpPr/>
-        <p:nvPr/>
-      </p:nvGrpSpPr>
-      <p:grpSpPr>
-        <a:xfrm>
-          <a:off x="0" y="0"/>
-          <a:ext cx="0" cy="0"/>
-          <a:chOff x="0" y="0"/>
-          <a:chExt cx="0" cy="0"/>
-        </a:xfrm>
-      </p:grpSpPr>
-      <p:sp>
-        <p:nvSpPr>
-          <p:cNvPr id="2" name="Titre 1"/>
-          <p:cNvSpPr>
-            <a:spLocks noGrp="1"/>
-          </p:cNvSpPr>
-          <p:nvPr>
-            <p:ph type="title"/>
-          </p:nvPr>
-        </p:nvSpPr>
-        <p:spPr/>
-        <p:txBody>
-          <a:bodyPr/>
-          <a:lstStyle/>
-          <a:p>
-            <a:endParaRPr lang="fr-FR"/>
-          </a:p>
-        </p:txBody>
-      </p:sp>
-      <p:sp>
-        <p:nvSpPr>
-          <p:cNvPr id="3" name="Espace réservé du contenu 2"/>
-          <p:cNvSpPr>
-            <a:spLocks noGrp="1"/>
-          </p:cNvSpPr>
-          <p:nvPr>
-            <p:ph idx="1"/>
-          </p:nvPr>
-        </p:nvSpPr>
-        <p:spPr/>
-        <p:txBody>
-          <a:bodyPr/>
-          <a:lstStyle/>
-          <a:p>
-            <a:endParaRPr lang="fr-FR"/>
-          </a:p>
-        </p:txBody>
-      </p:sp>
-      <p:pic>
-        <p:nvPicPr>
-          <p:cNvPr id="4" name="Picture 2" descr="Image associée"/>
-          <p:cNvPicPr>
-            <a:picLocks noChangeAspect="1" noChangeArrowheads="1"/>
-          </p:cNvPicPr>
-          <p:nvPr/>
-        </p:nvPicPr>
-        <p:blipFill>
-          <a:blip r:embed="rId2">
-            <a:extLst>
-              <a:ext uri="{28A0092B-C50C-407E-A947-70E740481C1C}">
-                <a14:useLocalDpi xmlns:a14="http://schemas.microsoft.com/office/drawing/2010/main" val="0"/>
-              </a:ext>
-            </a:extLst>
-          </a:blip>
-          <a:srcRect/>
-          <a:stretch>
-            <a:fillRect/>
-          </a:stretch>
-        </p:blipFill>
-        <p:spPr bwMode="auto">
-          <a:xfrm>
-            <a:off x="2003425" y="658813"/>
-            <a:ext cx="8572500" cy="5238750"/>
-          </a:xfrm>
-          <a:prstGeom prst="rect">
-            <a:avLst/>
-          </a:prstGeom>
-          <a:noFill/>
-          <a:extLst>
-            <a:ext uri="{909E8E84-426E-40DD-AFC4-6F175D3DCCD1}">
-              <a14:hiddenFill xmlns:a14="http://schemas.microsoft.com/office/drawing/2010/main">
-                <a:solidFill>
-                  <a:srgbClr val="FFFFFF"/>
-                </a:solidFill>
-              </a14:hiddenFill>
-            </a:ext>
-          </a:extLst>
-        </p:spPr>
-      </p:pic>
-    </p:spTree>
-    <p:extLst>
-      <p:ext uri="{BB962C8B-B14F-4D97-AF65-F5344CB8AC3E}">
-        <p14:creationId xmlns:p14="http://schemas.microsoft.com/office/powerpoint/2010/main" val="1590141450"/>
-      </p:ext>
-    </p:extLst>
-  </p:cSld>
-  <p:clrMapOvr>
-    <a:masterClrMapping/>
-  </p:clrMapOvr>
-  <mc:AlternateContent xmlns:mc="http://schemas.openxmlformats.org/markup-compatibility/2006" xmlns:p14="http://schemas.microsoft.com/office/powerpoint/2010/main">
-    <mc:Choice Requires="p14">
-      <p:transition spd="slow" p14:dur="1200">
-        <p14:prism/>
-      </p:transition>
-    </mc:Choice>
-    <mc:Fallback xmlns="">
-      <p:transition spd="slow">
-        <p:fade/>
-      </p:transition>
-    </mc:Fallback>
-  </mc:AlternateContent>
-  <p:timing>
-    <p:tnLst>
-      <p:par>
-        <p:cTn id="1" dur="indefinite" restart="never" nodeType="tmRoot"/>
-      </p:par>
-    </p:tnLst>
-  </p:timing>
-</p:sld>
-</file>
-
-<file path=ppt/slides/slide11.xml><?xml version="1.0" encoding="utf-8"?>
-<p:sld xmlns:a="http://schemas.openxmlformats.org/drawingml/2006/main" xmlns:r="http://schemas.openxmlformats.org/officeDocument/2006/relationships" xmlns:p="http://schemas.openxmlformats.org/presentationml/2006/main">
-  <p:cSld>
-    <p:spTree>
-      <p:nvGrpSpPr>
-        <p:cNvPr id="1" name=""/>
-        <p:cNvGrpSpPr/>
-        <p:nvPr/>
-      </p:nvGrpSpPr>
-      <p:grpSpPr>
-        <a:xfrm>
-          <a:off x="0" y="0"/>
-          <a:ext cx="0" cy="0"/>
-          <a:chOff x="0" y="0"/>
-          <a:chExt cx="0" cy="0"/>
-        </a:xfrm>
-      </p:grpSpPr>
-      <p:sp>
-        <p:nvSpPr>
-          <p:cNvPr id="2" name="Titre 1"/>
-          <p:cNvSpPr>
-            <a:spLocks noGrp="1"/>
-          </p:cNvSpPr>
-          <p:nvPr>
-            <p:ph type="title"/>
-          </p:nvPr>
-        </p:nvSpPr>
-        <p:spPr/>
-        <p:txBody>
-          <a:bodyPr/>
-          <a:lstStyle/>
-          <a:p>
-            <a:endParaRPr lang="fr-FR"/>
-          </a:p>
-        </p:txBody>
-      </p:sp>
-      <p:sp>
-        <p:nvSpPr>
-          <p:cNvPr id="3" name="Espace réservé du contenu 2"/>
-          <p:cNvSpPr>
-            <a:spLocks noGrp="1"/>
-          </p:cNvSpPr>
-          <p:nvPr>
-            <p:ph idx="1"/>
-          </p:nvPr>
-        </p:nvSpPr>
-        <p:spPr/>
-        <p:txBody>
-          <a:bodyPr/>
-          <a:lstStyle/>
-          <a:p>
-            <a:endParaRPr lang="fr-FR"/>
-          </a:p>
-        </p:txBody>
-      </p:sp>
-      <p:pic>
-        <p:nvPicPr>
-          <p:cNvPr id="2050" name="Picture 2" descr="Image associée"/>
-          <p:cNvPicPr>
-            <a:picLocks noChangeAspect="1" noChangeArrowheads="1"/>
-          </p:cNvPicPr>
-          <p:nvPr/>
-        </p:nvPicPr>
-        <p:blipFill>
-          <a:blip r:embed="rId2">
-            <a:extLst>
-              <a:ext uri="{28A0092B-C50C-407E-A947-70E740481C1C}">
-                <a14:useLocalDpi xmlns:a14="http://schemas.microsoft.com/office/drawing/2010/main" val="0"/>
-              </a:ext>
-            </a:extLst>
-          </a:blip>
-          <a:srcRect/>
-          <a:stretch>
-            <a:fillRect/>
-          </a:stretch>
-        </p:blipFill>
-        <p:spPr bwMode="auto">
-          <a:xfrm>
-            <a:off x="2051050" y="666750"/>
-            <a:ext cx="8572500" cy="5238750"/>
-          </a:xfrm>
-          <a:prstGeom prst="rect">
-            <a:avLst/>
-          </a:prstGeom>
-          <a:noFill/>
-          <a:extLst>
-            <a:ext uri="{909E8E84-426E-40DD-AFC4-6F175D3DCCD1}">
-              <a14:hiddenFill xmlns:a14="http://schemas.microsoft.com/office/drawing/2010/main">
-                <a:solidFill>
-                  <a:srgbClr val="FFFFFF"/>
-                </a:solidFill>
-              </a14:hiddenFill>
-            </a:ext>
-          </a:extLst>
-        </p:spPr>
-      </p:pic>
-    </p:spTree>
-    <p:extLst>
-      <p:ext uri="{BB962C8B-B14F-4D97-AF65-F5344CB8AC3E}">
-        <p14:creationId xmlns:p14="http://schemas.microsoft.com/office/powerpoint/2010/main" val="2702261917"/>
-      </p:ext>
-    </p:extLst>
-  </p:cSld>
-  <p:clrMapOvr>
-    <a:masterClrMapping/>
-  </p:clrMapOvr>
-  <mc:AlternateContent xmlns:mc="http://schemas.openxmlformats.org/markup-compatibility/2006" xmlns:p14="http://schemas.microsoft.com/office/powerpoint/2010/main">
-    <mc:Choice Requires="p14">
-      <p:transition spd="slow" p14:dur="1200">
-        <p14:prism/>
-      </p:transition>
-    </mc:Choice>
-    <mc:Fallback xmlns="">
-      <p:transition spd="slow">
-        <p:fade/>
-      </p:transition>
-    </mc:Fallback>
-  </mc:AlternateContent>
-  <p:timing>
-    <p:tnLst>
-      <p:par>
-        <p:cTn id="1" dur="indefinite" restart="never" nodeType="tmRoot"/>
-      </p:par>
-    </p:tnLst>
-  </p:timing>
-</p:sld>
-</file>
-
-<file path=ppt/slides/slide12.xml><?xml version="1.0" encoding="utf-8"?>
-<p:sld xmlns:a="http://schemas.openxmlformats.org/drawingml/2006/main" xmlns:r="http://schemas.openxmlformats.org/officeDocument/2006/relationships" xmlns:p="http://schemas.openxmlformats.org/presentationml/2006/main">
-  <p:cSld>
-    <p:bg>
-      <p:bgPr>
-        <a:solidFill>
-          <a:srgbClr val="22303B"/>
-        </a:solidFill>
-        <a:effectLst/>
-      </p:bgPr>
-    </p:bg>
-    <p:spTree>
-      <p:nvGrpSpPr>
-        <p:cNvPr id="1" name=""/>
-        <p:cNvGrpSpPr/>
-        <p:nvPr/>
-      </p:nvGrpSpPr>
-      <p:grpSpPr>
-        <a:xfrm>
-          <a:off x="0" y="0"/>
-          <a:ext cx="0" cy="0"/>
-          <a:chOff x="0" y="0"/>
-          <a:chExt cx="0" cy="0"/>
-        </a:xfrm>
-      </p:grpSpPr>
-      <p:sp>
-        <p:nvSpPr>
-          <p:cNvPr id="2" name="Titre 1"/>
-          <p:cNvSpPr>
-            <a:spLocks noGrp="1"/>
-          </p:cNvSpPr>
-          <p:nvPr>
-            <p:ph type="title"/>
-          </p:nvPr>
-        </p:nvSpPr>
-        <p:spPr>
-          <a:xfrm>
-            <a:off x="1295400" y="365125"/>
-            <a:ext cx="10058400" cy="1325563"/>
-          </a:xfrm>
-        </p:spPr>
-        <p:txBody>
-          <a:bodyPr>
-            <a:normAutofit/>
-          </a:bodyPr>
-          <a:lstStyle/>
-          <a:p>
-            <a:r>
-              <a:rPr lang="fr-FR" b="1" dirty="0">
-                <a:solidFill>
-                  <a:schemeClr val="bg1"/>
-                </a:solidFill>
-                <a:latin typeface="Open Sans" panose="020B0606030504020204" pitchFamily="34" charset="0"/>
-                <a:ea typeface="Open Sans" panose="020B0606030504020204" pitchFamily="34" charset="0"/>
-                <a:cs typeface="Open Sans" panose="020B0606030504020204" pitchFamily="34" charset="0"/>
-              </a:rPr>
-              <a:t>Naissance du </a:t>
-            </a:r>
-            <a:r>
-              <a:rPr lang="fr-FR" b="1" dirty="0" err="1">
-                <a:solidFill>
-                  <a:schemeClr val="bg1"/>
-                </a:solidFill>
-                <a:latin typeface="Open Sans" panose="020B0606030504020204" pitchFamily="34" charset="0"/>
-                <a:ea typeface="Open Sans" panose="020B0606030504020204" pitchFamily="34" charset="0"/>
-                <a:cs typeface="Open Sans" panose="020B0606030504020204" pitchFamily="34" charset="0"/>
-              </a:rPr>
-              <a:t>No-SQL</a:t>
-            </a:r>
-            <a:endParaRPr lang="fr-FR" b="1" dirty="0">
-              <a:solidFill>
-                <a:schemeClr val="bg1"/>
-              </a:solidFill>
-              <a:latin typeface="Open Sans" panose="020B0606030504020204" pitchFamily="34" charset="0"/>
-              <a:ea typeface="Open Sans" panose="020B0606030504020204" pitchFamily="34" charset="0"/>
-              <a:cs typeface="Open Sans" panose="020B0606030504020204" pitchFamily="34" charset="0"/>
-            </a:endParaRPr>
-          </a:p>
-        </p:txBody>
-      </p:sp>
-      <p:cxnSp>
-        <p:nvCxnSpPr>
-          <p:cNvPr id="5" name="Connecteur droit 4"/>
-          <p:cNvCxnSpPr/>
-          <p:nvPr/>
-        </p:nvCxnSpPr>
-        <p:spPr>
-          <a:xfrm>
-            <a:off x="981075" y="385763"/>
-            <a:ext cx="0" cy="1276350"/>
-          </a:xfrm>
-          <a:prstGeom prst="line">
-            <a:avLst/>
-          </a:prstGeom>
-          <a:ln w="76200">
-            <a:solidFill>
-              <a:srgbClr val="80BC58"/>
-            </a:solidFill>
-          </a:ln>
-          <a:effectLst>
-            <a:outerShdw blurRad="50800" dist="38100" dir="13500000" algn="br" rotWithShape="0">
-              <a:prstClr val="black">
-                <a:alpha val="40000"/>
-              </a:prstClr>
-            </a:outerShdw>
-          </a:effectLst>
-        </p:spPr>
-        <p:style>
-          <a:lnRef idx="1">
-            <a:schemeClr val="accent1"/>
-          </a:lnRef>
-          <a:fillRef idx="0">
-            <a:schemeClr val="accent1"/>
-          </a:fillRef>
-          <a:effectRef idx="0">
-            <a:schemeClr val="accent1"/>
-          </a:effectRef>
-          <a:fontRef idx="minor">
-            <a:schemeClr val="tx1"/>
-          </a:fontRef>
-        </p:style>
-      </p:cxnSp>
-      <p:sp>
-        <p:nvSpPr>
-          <p:cNvPr id="6" name="Rectangle 5"/>
-          <p:cNvSpPr/>
-          <p:nvPr/>
-        </p:nvSpPr>
-        <p:spPr>
-          <a:xfrm>
-            <a:off x="1295400" y="3068638"/>
-            <a:ext cx="3095625" cy="2560637"/>
-          </a:xfrm>
-          <a:prstGeom prst="rect">
-            <a:avLst/>
-          </a:prstGeom>
-          <a:noFill/>
-          <a:ln w="28575">
-            <a:solidFill>
-              <a:srgbClr val="80BC58"/>
-            </a:solidFill>
-          </a:ln>
-        </p:spPr>
-        <p:style>
-          <a:lnRef idx="2">
-            <a:schemeClr val="accent1">
-              <a:shade val="50000"/>
-            </a:schemeClr>
-          </a:lnRef>
-          <a:fillRef idx="1">
-            <a:schemeClr val="accent1"/>
-          </a:fillRef>
-          <a:effectRef idx="0">
-            <a:schemeClr val="accent1"/>
-          </a:effectRef>
-          <a:fontRef idx="minor">
-            <a:schemeClr val="lt1"/>
-          </a:fontRef>
-        </p:style>
-        <p:txBody>
-          <a:bodyPr rtlCol="0" anchor="ctr"/>
-          <a:lstStyle/>
-          <a:p>
-            <a:pPr algn="ctr"/>
-            <a:endParaRPr lang="fr-FR"/>
-          </a:p>
-        </p:txBody>
-      </p:sp>
-      <p:sp>
-        <p:nvSpPr>
-          <p:cNvPr id="7" name="Rectangle 6"/>
-          <p:cNvSpPr/>
-          <p:nvPr/>
-        </p:nvSpPr>
-        <p:spPr>
-          <a:xfrm>
-            <a:off x="2245518" y="2516188"/>
-            <a:ext cx="1195388" cy="1265237"/>
-          </a:xfrm>
-          <a:prstGeom prst="rect">
-            <a:avLst/>
-          </a:prstGeom>
-          <a:solidFill>
-            <a:srgbClr val="22303B"/>
-          </a:solidFill>
-          <a:ln w="57150">
-            <a:noFill/>
-          </a:ln>
-        </p:spPr>
-        <p:style>
-          <a:lnRef idx="2">
-            <a:schemeClr val="accent1">
-              <a:shade val="50000"/>
-            </a:schemeClr>
-          </a:lnRef>
-          <a:fillRef idx="1">
-            <a:schemeClr val="accent1"/>
-          </a:fillRef>
-          <a:effectRef idx="0">
-            <a:schemeClr val="accent1"/>
-          </a:effectRef>
-          <a:fontRef idx="minor">
-            <a:schemeClr val="lt1"/>
-          </a:fontRef>
-        </p:style>
-        <p:txBody>
-          <a:bodyPr rtlCol="0" anchor="ctr"/>
-          <a:lstStyle/>
-          <a:p>
-            <a:pPr algn="ctr"/>
-            <a:endParaRPr lang="fr-FR"/>
-          </a:p>
-        </p:txBody>
-      </p:sp>
-      <p:sp>
-        <p:nvSpPr>
-          <p:cNvPr id="3" name="Espace réservé du contenu 2"/>
-          <p:cNvSpPr>
-            <a:spLocks noGrp="1"/>
-          </p:cNvSpPr>
-          <p:nvPr>
-            <p:ph idx="1"/>
-          </p:nvPr>
-        </p:nvSpPr>
-        <p:spPr>
-          <a:xfrm>
-            <a:off x="2455068" y="2637235"/>
-            <a:ext cx="928688" cy="862806"/>
-          </a:xfrm>
-        </p:spPr>
-        <p:txBody>
-          <a:bodyPr>
-            <a:normAutofit/>
-          </a:bodyPr>
-          <a:lstStyle/>
-          <a:p>
-            <a:pPr marL="0" indent="0">
-              <a:buNone/>
-            </a:pPr>
-            <a:r>
-              <a:rPr lang="fr-FR" sz="5400" dirty="0">
-                <a:solidFill>
-                  <a:srgbClr val="80BC58"/>
-                </a:solidFill>
-                <a:latin typeface="FontAwesome" pitchFamily="50" charset="0"/>
-              </a:rPr>
-              <a:t></a:t>
-            </a:r>
-          </a:p>
-        </p:txBody>
-      </p:sp>
-      <p:sp>
-        <p:nvSpPr>
-          <p:cNvPr id="16" name="Rectangle 15"/>
-          <p:cNvSpPr/>
-          <p:nvPr/>
-        </p:nvSpPr>
-        <p:spPr>
-          <a:xfrm>
-            <a:off x="4610100" y="3068638"/>
-            <a:ext cx="3095625" cy="2560637"/>
-          </a:xfrm>
-          <a:prstGeom prst="rect">
-            <a:avLst/>
-          </a:prstGeom>
-          <a:noFill/>
-          <a:ln w="28575">
-            <a:solidFill>
-              <a:srgbClr val="80BC58"/>
-            </a:solidFill>
-          </a:ln>
-        </p:spPr>
-        <p:style>
-          <a:lnRef idx="2">
-            <a:schemeClr val="accent1">
-              <a:shade val="50000"/>
-            </a:schemeClr>
-          </a:lnRef>
-          <a:fillRef idx="1">
-            <a:schemeClr val="accent1"/>
-          </a:fillRef>
-          <a:effectRef idx="0">
-            <a:schemeClr val="accent1"/>
-          </a:effectRef>
-          <a:fontRef idx="minor">
-            <a:schemeClr val="lt1"/>
-          </a:fontRef>
-        </p:style>
-        <p:txBody>
-          <a:bodyPr rtlCol="0" anchor="ctr"/>
-          <a:lstStyle/>
-          <a:p>
-            <a:pPr algn="ctr"/>
-            <a:endParaRPr lang="fr-FR"/>
-          </a:p>
-        </p:txBody>
-      </p:sp>
-      <p:sp>
-        <p:nvSpPr>
-          <p:cNvPr id="17" name="Rectangle 16"/>
-          <p:cNvSpPr/>
-          <p:nvPr/>
-        </p:nvSpPr>
-        <p:spPr>
-          <a:xfrm>
-            <a:off x="5560218" y="2516188"/>
-            <a:ext cx="1195388" cy="1265237"/>
-          </a:xfrm>
-          <a:prstGeom prst="rect">
-            <a:avLst/>
-          </a:prstGeom>
-          <a:solidFill>
-            <a:srgbClr val="22303B"/>
-          </a:solidFill>
-          <a:ln w="57150">
-            <a:noFill/>
-          </a:ln>
-        </p:spPr>
-        <p:style>
-          <a:lnRef idx="2">
-            <a:schemeClr val="accent1">
-              <a:shade val="50000"/>
-            </a:schemeClr>
-          </a:lnRef>
-          <a:fillRef idx="1">
-            <a:schemeClr val="accent1"/>
-          </a:fillRef>
-          <a:effectRef idx="0">
-            <a:schemeClr val="accent1"/>
-          </a:effectRef>
-          <a:fontRef idx="minor">
-            <a:schemeClr val="lt1"/>
-          </a:fontRef>
-        </p:style>
-        <p:txBody>
-          <a:bodyPr rtlCol="0" anchor="ctr"/>
-          <a:lstStyle/>
-          <a:p>
-            <a:pPr algn="ctr"/>
-            <a:endParaRPr lang="fr-FR"/>
-          </a:p>
-        </p:txBody>
-      </p:sp>
-      <p:sp>
-        <p:nvSpPr>
-          <p:cNvPr id="18" name="Espace réservé du contenu 2"/>
-          <p:cNvSpPr txBox="1">
-            <a:spLocks/>
-          </p:cNvSpPr>
-          <p:nvPr/>
-        </p:nvSpPr>
-        <p:spPr>
-          <a:xfrm>
-            <a:off x="5769768" y="2637235"/>
-            <a:ext cx="928688" cy="862806"/>
-          </a:xfrm>
-          <a:prstGeom prst="rect">
-            <a:avLst/>
-          </a:prstGeom>
-        </p:spPr>
-        <p:txBody>
-          <a:bodyPr vert="horz" lIns="91440" tIns="45720" rIns="91440" bIns="45720" rtlCol="0">
-            <a:normAutofit/>
-          </a:bodyPr>
-          <a:lstStyle>
-            <a:lvl1pPr marL="228600" indent="-228600" algn="l" defTabSz="914400" rtl="0" eaLnBrk="1" latinLnBrk="0" hangingPunct="1">
-              <a:lnSpc>
-                <a:spcPct val="90000"/>
-              </a:lnSpc>
-              <a:spcBef>
-                <a:spcPts val="1000"/>
-              </a:spcBef>
-              <a:buFont typeface="Arial" panose="020B0604020202020204" pitchFamily="34" charset="0"/>
-              <a:buChar char="•"/>
-              <a:defRPr sz="2800" kern="1200">
-                <a:solidFill>
-                  <a:schemeClr val="tx1"/>
-                </a:solidFill>
-                <a:latin typeface="+mn-lt"/>
-                <a:ea typeface="+mn-ea"/>
-                <a:cs typeface="+mn-cs"/>
-              </a:defRPr>
-            </a:lvl1pPr>
-            <a:lvl2pPr marL="685800" indent="-228600" algn="l" defTabSz="914400" rtl="0" eaLnBrk="1" latinLnBrk="0" hangingPunct="1">
-              <a:lnSpc>
-                <a:spcPct val="90000"/>
-              </a:lnSpc>
-              <a:spcBef>
-                <a:spcPts val="500"/>
-              </a:spcBef>
-              <a:buFont typeface="Arial" panose="020B0604020202020204" pitchFamily="34" charset="0"/>
-              <a:buChar char="•"/>
-              <a:defRPr sz="2400" kern="1200">
-                <a:solidFill>
-                  <a:schemeClr val="tx1"/>
-                </a:solidFill>
-                <a:latin typeface="+mn-lt"/>
-                <a:ea typeface="+mn-ea"/>
-                <a:cs typeface="+mn-cs"/>
-              </a:defRPr>
-            </a:lvl2pPr>
-            <a:lvl3pPr marL="1143000" indent="-228600" algn="l" defTabSz="914400" rtl="0" eaLnBrk="1" latinLnBrk="0" hangingPunct="1">
-              <a:lnSpc>
-                <a:spcPct val="90000"/>
-              </a:lnSpc>
-              <a:spcBef>
-                <a:spcPts val="500"/>
-              </a:spcBef>
-              <a:buFont typeface="Arial" panose="020B0604020202020204" pitchFamily="34" charset="0"/>
-              <a:buChar char="•"/>
-              <a:defRPr sz="2000" kern="1200">
-                <a:solidFill>
-                  <a:schemeClr val="tx1"/>
-                </a:solidFill>
-                <a:latin typeface="+mn-lt"/>
-                <a:ea typeface="+mn-ea"/>
-                <a:cs typeface="+mn-cs"/>
-              </a:defRPr>
-            </a:lvl3pPr>
-            <a:lvl4pPr marL="1600200" indent="-228600" algn="l" defTabSz="914400" rtl="0" eaLnBrk="1" latinLnBrk="0" hangingPunct="1">
-              <a:lnSpc>
-                <a:spcPct val="90000"/>
-              </a:lnSpc>
-              <a:spcBef>
-                <a:spcPts val="500"/>
-              </a:spcBef>
-              <a:buFont typeface="Arial" panose="020B0604020202020204" pitchFamily="34" charset="0"/>
-              <a:buChar char="•"/>
-              <a:defRPr sz="1800" kern="1200">
-                <a:solidFill>
-                  <a:schemeClr val="tx1"/>
-                </a:solidFill>
-                <a:latin typeface="+mn-lt"/>
-                <a:ea typeface="+mn-ea"/>
-                <a:cs typeface="+mn-cs"/>
-              </a:defRPr>
-            </a:lvl4pPr>
-            <a:lvl5pPr marL="2057400" indent="-228600" algn="l" defTabSz="914400" rtl="0" eaLnBrk="1" latinLnBrk="0" hangingPunct="1">
-              <a:lnSpc>
-                <a:spcPct val="90000"/>
-              </a:lnSpc>
-              <a:spcBef>
-                <a:spcPts val="500"/>
-              </a:spcBef>
-              <a:buFont typeface="Arial" panose="020B0604020202020204" pitchFamily="34" charset="0"/>
-              <a:buChar char="•"/>
-              <a:defRPr sz="1800" kern="1200">
-                <a:solidFill>
-                  <a:schemeClr val="tx1"/>
-                </a:solidFill>
-                <a:latin typeface="+mn-lt"/>
-                <a:ea typeface="+mn-ea"/>
-                <a:cs typeface="+mn-cs"/>
-              </a:defRPr>
-            </a:lvl5pPr>
-            <a:lvl6pPr marL="2514600" indent="-228600" algn="l" defTabSz="914400" rtl="0" eaLnBrk="1" latinLnBrk="0" hangingPunct="1">
-              <a:lnSpc>
-                <a:spcPct val="90000"/>
-              </a:lnSpc>
-              <a:spcBef>
-                <a:spcPts val="500"/>
-              </a:spcBef>
-              <a:buFont typeface="Arial" panose="020B0604020202020204" pitchFamily="34" charset="0"/>
-              <a:buChar char="•"/>
-              <a:defRPr sz="1800" kern="1200">
-                <a:solidFill>
-                  <a:schemeClr val="tx1"/>
-                </a:solidFill>
-                <a:latin typeface="+mn-lt"/>
-                <a:ea typeface="+mn-ea"/>
-                <a:cs typeface="+mn-cs"/>
-              </a:defRPr>
-            </a:lvl6pPr>
-            <a:lvl7pPr marL="2971800" indent="-228600" algn="l" defTabSz="914400" rtl="0" eaLnBrk="1" latinLnBrk="0" hangingPunct="1">
-              <a:lnSpc>
-                <a:spcPct val="90000"/>
-              </a:lnSpc>
-              <a:spcBef>
-                <a:spcPts val="500"/>
-              </a:spcBef>
-              <a:buFont typeface="Arial" panose="020B0604020202020204" pitchFamily="34" charset="0"/>
-              <a:buChar char="•"/>
-              <a:defRPr sz="1800" kern="1200">
-                <a:solidFill>
-                  <a:schemeClr val="tx1"/>
-                </a:solidFill>
-                <a:latin typeface="+mn-lt"/>
-                <a:ea typeface="+mn-ea"/>
-                <a:cs typeface="+mn-cs"/>
-              </a:defRPr>
-            </a:lvl7pPr>
-            <a:lvl8pPr marL="3429000" indent="-228600" algn="l" defTabSz="914400" rtl="0" eaLnBrk="1" latinLnBrk="0" hangingPunct="1">
-              <a:lnSpc>
-                <a:spcPct val="90000"/>
-              </a:lnSpc>
-              <a:spcBef>
-                <a:spcPts val="500"/>
-              </a:spcBef>
-              <a:buFont typeface="Arial" panose="020B0604020202020204" pitchFamily="34" charset="0"/>
-              <a:buChar char="•"/>
-              <a:defRPr sz="1800" kern="1200">
-                <a:solidFill>
-                  <a:schemeClr val="tx1"/>
-                </a:solidFill>
-                <a:latin typeface="+mn-lt"/>
-                <a:ea typeface="+mn-ea"/>
-                <a:cs typeface="+mn-cs"/>
-              </a:defRPr>
-            </a:lvl8pPr>
-            <a:lvl9pPr marL="3886200" indent="-228600" algn="l" defTabSz="914400" rtl="0" eaLnBrk="1" latinLnBrk="0" hangingPunct="1">
-              <a:lnSpc>
-                <a:spcPct val="90000"/>
-              </a:lnSpc>
-              <a:spcBef>
-                <a:spcPts val="500"/>
-              </a:spcBef>
-              <a:buFont typeface="Arial" panose="020B0604020202020204" pitchFamily="34" charset="0"/>
-              <a:buChar char="•"/>
-              <a:defRPr sz="1800" kern="1200">
-                <a:solidFill>
-                  <a:schemeClr val="tx1"/>
-                </a:solidFill>
-                <a:latin typeface="+mn-lt"/>
-                <a:ea typeface="+mn-ea"/>
-                <a:cs typeface="+mn-cs"/>
-              </a:defRPr>
-            </a:lvl9pPr>
-          </a:lstStyle>
-          <a:p>
-            <a:pPr marL="0" indent="0">
-              <a:buNone/>
-            </a:pPr>
-            <a:r>
-              <a:rPr lang="fr-FR" sz="5400" dirty="0">
-                <a:solidFill>
-                  <a:srgbClr val="80BC58"/>
-                </a:solidFill>
-                <a:latin typeface="FontAwesome" pitchFamily="50" charset="0"/>
-              </a:rPr>
-              <a:t></a:t>
-            </a:r>
-          </a:p>
-        </p:txBody>
-      </p:sp>
-      <p:sp>
-        <p:nvSpPr>
-          <p:cNvPr id="19" name="Rectangle 18"/>
-          <p:cNvSpPr/>
-          <p:nvPr/>
-        </p:nvSpPr>
-        <p:spPr>
-          <a:xfrm>
-            <a:off x="7924799" y="3068638"/>
-            <a:ext cx="3095625" cy="2560637"/>
-          </a:xfrm>
-          <a:prstGeom prst="rect">
-            <a:avLst/>
-          </a:prstGeom>
-          <a:noFill/>
-          <a:ln w="28575">
-            <a:solidFill>
-              <a:srgbClr val="80BC58"/>
-            </a:solidFill>
-          </a:ln>
-        </p:spPr>
-        <p:style>
-          <a:lnRef idx="2">
-            <a:schemeClr val="accent1">
-              <a:shade val="50000"/>
-            </a:schemeClr>
-          </a:lnRef>
-          <a:fillRef idx="1">
-            <a:schemeClr val="accent1"/>
-          </a:fillRef>
-          <a:effectRef idx="0">
-            <a:schemeClr val="accent1"/>
-          </a:effectRef>
-          <a:fontRef idx="minor">
-            <a:schemeClr val="lt1"/>
-          </a:fontRef>
-        </p:style>
-        <p:txBody>
-          <a:bodyPr rtlCol="0" anchor="ctr"/>
-          <a:lstStyle/>
-          <a:p>
-            <a:pPr algn="ctr"/>
-            <a:endParaRPr lang="fr-FR"/>
-          </a:p>
-        </p:txBody>
-      </p:sp>
-      <p:sp>
-        <p:nvSpPr>
-          <p:cNvPr id="20" name="Rectangle 19"/>
-          <p:cNvSpPr/>
-          <p:nvPr/>
-        </p:nvSpPr>
-        <p:spPr>
-          <a:xfrm>
-            <a:off x="8874917" y="2516188"/>
-            <a:ext cx="1195388" cy="1265237"/>
-          </a:xfrm>
-          <a:prstGeom prst="rect">
-            <a:avLst/>
-          </a:prstGeom>
-          <a:solidFill>
-            <a:srgbClr val="22303B"/>
-          </a:solidFill>
-          <a:ln w="57150">
-            <a:noFill/>
-          </a:ln>
-        </p:spPr>
-        <p:style>
-          <a:lnRef idx="2">
-            <a:schemeClr val="accent1">
-              <a:shade val="50000"/>
-            </a:schemeClr>
-          </a:lnRef>
-          <a:fillRef idx="1">
-            <a:schemeClr val="accent1"/>
-          </a:fillRef>
-          <a:effectRef idx="0">
-            <a:schemeClr val="accent1"/>
-          </a:effectRef>
-          <a:fontRef idx="minor">
-            <a:schemeClr val="lt1"/>
-          </a:fontRef>
-        </p:style>
-        <p:txBody>
-          <a:bodyPr rtlCol="0" anchor="ctr"/>
-          <a:lstStyle/>
-          <a:p>
-            <a:pPr algn="ctr"/>
-            <a:endParaRPr lang="fr-FR"/>
-          </a:p>
-        </p:txBody>
-      </p:sp>
-      <p:sp>
-        <p:nvSpPr>
-          <p:cNvPr id="21" name="Espace réservé du contenu 2"/>
-          <p:cNvSpPr txBox="1">
-            <a:spLocks/>
-          </p:cNvSpPr>
-          <p:nvPr/>
-        </p:nvSpPr>
-        <p:spPr>
-          <a:xfrm>
-            <a:off x="9074942" y="2637235"/>
-            <a:ext cx="928688" cy="862806"/>
-          </a:xfrm>
-          <a:prstGeom prst="rect">
-            <a:avLst/>
-          </a:prstGeom>
-        </p:spPr>
-        <p:txBody>
-          <a:bodyPr vert="horz" lIns="91440" tIns="45720" rIns="91440" bIns="45720" rtlCol="0">
-            <a:normAutofit/>
-          </a:bodyPr>
-          <a:lstStyle>
-            <a:lvl1pPr marL="228600" indent="-228600" algn="l" defTabSz="914400" rtl="0" eaLnBrk="1" latinLnBrk="0" hangingPunct="1">
-              <a:lnSpc>
-                <a:spcPct val="90000"/>
-              </a:lnSpc>
-              <a:spcBef>
-                <a:spcPts val="1000"/>
-              </a:spcBef>
-              <a:buFont typeface="Arial" panose="020B0604020202020204" pitchFamily="34" charset="0"/>
-              <a:buChar char="•"/>
-              <a:defRPr sz="2800" kern="1200">
-                <a:solidFill>
-                  <a:schemeClr val="tx1"/>
-                </a:solidFill>
-                <a:latin typeface="+mn-lt"/>
-                <a:ea typeface="+mn-ea"/>
-                <a:cs typeface="+mn-cs"/>
-              </a:defRPr>
-            </a:lvl1pPr>
-            <a:lvl2pPr marL="685800" indent="-228600" algn="l" defTabSz="914400" rtl="0" eaLnBrk="1" latinLnBrk="0" hangingPunct="1">
-              <a:lnSpc>
-                <a:spcPct val="90000"/>
-              </a:lnSpc>
-              <a:spcBef>
-                <a:spcPts val="500"/>
-              </a:spcBef>
-              <a:buFont typeface="Arial" panose="020B0604020202020204" pitchFamily="34" charset="0"/>
-              <a:buChar char="•"/>
-              <a:defRPr sz="2400" kern="1200">
-                <a:solidFill>
-                  <a:schemeClr val="tx1"/>
-                </a:solidFill>
-                <a:latin typeface="+mn-lt"/>
-                <a:ea typeface="+mn-ea"/>
-                <a:cs typeface="+mn-cs"/>
-              </a:defRPr>
-            </a:lvl2pPr>
-            <a:lvl3pPr marL="1143000" indent="-228600" algn="l" defTabSz="914400" rtl="0" eaLnBrk="1" latinLnBrk="0" hangingPunct="1">
-              <a:lnSpc>
-                <a:spcPct val="90000"/>
-              </a:lnSpc>
-              <a:spcBef>
-                <a:spcPts val="500"/>
-              </a:spcBef>
-              <a:buFont typeface="Arial" panose="020B0604020202020204" pitchFamily="34" charset="0"/>
-              <a:buChar char="•"/>
-              <a:defRPr sz="2000" kern="1200">
-                <a:solidFill>
-                  <a:schemeClr val="tx1"/>
-                </a:solidFill>
-                <a:latin typeface="+mn-lt"/>
-                <a:ea typeface="+mn-ea"/>
-                <a:cs typeface="+mn-cs"/>
-              </a:defRPr>
-            </a:lvl3pPr>
-            <a:lvl4pPr marL="1600200" indent="-228600" algn="l" defTabSz="914400" rtl="0" eaLnBrk="1" latinLnBrk="0" hangingPunct="1">
-              <a:lnSpc>
-                <a:spcPct val="90000"/>
-              </a:lnSpc>
-              <a:spcBef>
-                <a:spcPts val="500"/>
-              </a:spcBef>
-              <a:buFont typeface="Arial" panose="020B0604020202020204" pitchFamily="34" charset="0"/>
-              <a:buChar char="•"/>
-              <a:defRPr sz="1800" kern="1200">
-                <a:solidFill>
-                  <a:schemeClr val="tx1"/>
-                </a:solidFill>
-                <a:latin typeface="+mn-lt"/>
-                <a:ea typeface="+mn-ea"/>
-                <a:cs typeface="+mn-cs"/>
-              </a:defRPr>
-            </a:lvl4pPr>
-            <a:lvl5pPr marL="2057400" indent="-228600" algn="l" defTabSz="914400" rtl="0" eaLnBrk="1" latinLnBrk="0" hangingPunct="1">
-              <a:lnSpc>
-                <a:spcPct val="90000"/>
-              </a:lnSpc>
-              <a:spcBef>
-                <a:spcPts val="500"/>
-              </a:spcBef>
-              <a:buFont typeface="Arial" panose="020B0604020202020204" pitchFamily="34" charset="0"/>
-              <a:buChar char="•"/>
-              <a:defRPr sz="1800" kern="1200">
-                <a:solidFill>
-                  <a:schemeClr val="tx1"/>
-                </a:solidFill>
-                <a:latin typeface="+mn-lt"/>
-                <a:ea typeface="+mn-ea"/>
-                <a:cs typeface="+mn-cs"/>
-              </a:defRPr>
-            </a:lvl5pPr>
-            <a:lvl6pPr marL="2514600" indent="-228600" algn="l" defTabSz="914400" rtl="0" eaLnBrk="1" latinLnBrk="0" hangingPunct="1">
-              <a:lnSpc>
-                <a:spcPct val="90000"/>
-              </a:lnSpc>
-              <a:spcBef>
-                <a:spcPts val="500"/>
-              </a:spcBef>
-              <a:buFont typeface="Arial" panose="020B0604020202020204" pitchFamily="34" charset="0"/>
-              <a:buChar char="•"/>
-              <a:defRPr sz="1800" kern="1200">
-                <a:solidFill>
-                  <a:schemeClr val="tx1"/>
-                </a:solidFill>
-                <a:latin typeface="+mn-lt"/>
-                <a:ea typeface="+mn-ea"/>
-                <a:cs typeface="+mn-cs"/>
-              </a:defRPr>
-            </a:lvl6pPr>
-            <a:lvl7pPr marL="2971800" indent="-228600" algn="l" defTabSz="914400" rtl="0" eaLnBrk="1" latinLnBrk="0" hangingPunct="1">
-              <a:lnSpc>
-                <a:spcPct val="90000"/>
-              </a:lnSpc>
-              <a:spcBef>
-                <a:spcPts val="500"/>
-              </a:spcBef>
-              <a:buFont typeface="Arial" panose="020B0604020202020204" pitchFamily="34" charset="0"/>
-              <a:buChar char="•"/>
-              <a:defRPr sz="1800" kern="1200">
-                <a:solidFill>
-                  <a:schemeClr val="tx1"/>
-                </a:solidFill>
-                <a:latin typeface="+mn-lt"/>
-                <a:ea typeface="+mn-ea"/>
-                <a:cs typeface="+mn-cs"/>
-              </a:defRPr>
-            </a:lvl7pPr>
-            <a:lvl8pPr marL="3429000" indent="-228600" algn="l" defTabSz="914400" rtl="0" eaLnBrk="1" latinLnBrk="0" hangingPunct="1">
-              <a:lnSpc>
-                <a:spcPct val="90000"/>
-              </a:lnSpc>
-              <a:spcBef>
-                <a:spcPts val="500"/>
-              </a:spcBef>
-              <a:buFont typeface="Arial" panose="020B0604020202020204" pitchFamily="34" charset="0"/>
-              <a:buChar char="•"/>
-              <a:defRPr sz="1800" kern="1200">
-                <a:solidFill>
-                  <a:schemeClr val="tx1"/>
-                </a:solidFill>
-                <a:latin typeface="+mn-lt"/>
-                <a:ea typeface="+mn-ea"/>
-                <a:cs typeface="+mn-cs"/>
-              </a:defRPr>
-            </a:lvl8pPr>
-            <a:lvl9pPr marL="3886200" indent="-228600" algn="l" defTabSz="914400" rtl="0" eaLnBrk="1" latinLnBrk="0" hangingPunct="1">
-              <a:lnSpc>
-                <a:spcPct val="90000"/>
-              </a:lnSpc>
-              <a:spcBef>
-                <a:spcPts val="500"/>
-              </a:spcBef>
-              <a:buFont typeface="Arial" panose="020B0604020202020204" pitchFamily="34" charset="0"/>
-              <a:buChar char="•"/>
-              <a:defRPr sz="1800" kern="1200">
-                <a:solidFill>
-                  <a:schemeClr val="tx1"/>
-                </a:solidFill>
-                <a:latin typeface="+mn-lt"/>
-                <a:ea typeface="+mn-ea"/>
-                <a:cs typeface="+mn-cs"/>
-              </a:defRPr>
-            </a:lvl9pPr>
-          </a:lstStyle>
-          <a:p>
-            <a:pPr marL="0" indent="0">
-              <a:buNone/>
-            </a:pPr>
-            <a:r>
-              <a:rPr lang="fr-FR" sz="5400" dirty="0">
-                <a:solidFill>
-                  <a:srgbClr val="80BC58"/>
-                </a:solidFill>
-                <a:latin typeface="FontAwesome" pitchFamily="50" charset="0"/>
-              </a:rPr>
-              <a:t></a:t>
-            </a:r>
-          </a:p>
-        </p:txBody>
-      </p:sp>
-      <p:sp>
-        <p:nvSpPr>
-          <p:cNvPr id="13" name="Rectangle 12"/>
-          <p:cNvSpPr/>
-          <p:nvPr/>
-        </p:nvSpPr>
-        <p:spPr>
-          <a:xfrm>
-            <a:off x="11658600" y="133350"/>
-            <a:ext cx="371475" cy="371475"/>
-          </a:xfrm>
-          <a:prstGeom prst="rect">
-            <a:avLst/>
-          </a:prstGeom>
-          <a:solidFill>
-            <a:srgbClr val="8EC56A"/>
-          </a:solidFill>
-          <a:ln>
-            <a:noFill/>
-          </a:ln>
-          <a:effectLst>
-            <a:outerShdw blurRad="50800" dist="38100" dir="13500000" algn="br" rotWithShape="0">
-              <a:prstClr val="black">
-                <a:alpha val="40000"/>
-              </a:prstClr>
-            </a:outerShdw>
-          </a:effectLst>
-        </p:spPr>
-        <p:style>
-          <a:lnRef idx="2">
-            <a:schemeClr val="accent1">
-              <a:shade val="50000"/>
-            </a:schemeClr>
-          </a:lnRef>
-          <a:fillRef idx="1">
-            <a:schemeClr val="accent1"/>
-          </a:fillRef>
-          <a:effectRef idx="0">
-            <a:schemeClr val="accent1"/>
-          </a:effectRef>
-          <a:fontRef idx="minor">
-            <a:schemeClr val="lt1"/>
-          </a:fontRef>
-        </p:style>
-        <p:txBody>
-          <a:bodyPr rtlCol="0" anchor="ctr"/>
-          <a:lstStyle/>
-          <a:p>
-            <a:pPr algn="ctr"/>
-            <a:endParaRPr lang="fr-FR" dirty="0"/>
-          </a:p>
-        </p:txBody>
-      </p:sp>
-      <p:sp>
-        <p:nvSpPr>
-          <p:cNvPr id="14" name="Sous-titre 2"/>
-          <p:cNvSpPr txBox="1">
-            <a:spLocks/>
-          </p:cNvSpPr>
-          <p:nvPr/>
-        </p:nvSpPr>
-        <p:spPr>
-          <a:xfrm>
-            <a:off x="723900" y="6284994"/>
-            <a:ext cx="10934700" cy="323686"/>
-          </a:xfrm>
-          <a:prstGeom prst="rect">
-            <a:avLst/>
-          </a:prstGeom>
-        </p:spPr>
-        <p:txBody>
-          <a:bodyPr vert="horz" lIns="91440" tIns="45720" rIns="91440" bIns="45720" rtlCol="0">
-            <a:noAutofit/>
-          </a:bodyPr>
-          <a:lstStyle>
-            <a:lvl1pPr marL="0" indent="0" algn="ctr" defTabSz="914400" rtl="0" eaLnBrk="1" latinLnBrk="0" hangingPunct="1">
-              <a:lnSpc>
-                <a:spcPct val="90000"/>
-              </a:lnSpc>
-              <a:spcBef>
-                <a:spcPts val="1000"/>
-              </a:spcBef>
-              <a:buFont typeface="Arial" panose="020B0604020202020204" pitchFamily="34" charset="0"/>
-              <a:buNone/>
-              <a:defRPr sz="2400" kern="1200">
-                <a:solidFill>
-                  <a:schemeClr val="tx1"/>
-                </a:solidFill>
-                <a:latin typeface="+mn-lt"/>
-                <a:ea typeface="+mn-ea"/>
-                <a:cs typeface="+mn-cs"/>
-              </a:defRPr>
-            </a:lvl1pPr>
-            <a:lvl2pPr marL="457200" indent="0" algn="ctr" defTabSz="914400" rtl="0" eaLnBrk="1" latinLnBrk="0" hangingPunct="1">
-              <a:lnSpc>
-                <a:spcPct val="90000"/>
-              </a:lnSpc>
-              <a:spcBef>
-                <a:spcPts val="500"/>
-              </a:spcBef>
-              <a:buFont typeface="Arial" panose="020B0604020202020204" pitchFamily="34" charset="0"/>
-              <a:buNone/>
-              <a:defRPr sz="2000" kern="1200">
-                <a:solidFill>
-                  <a:schemeClr val="tx1"/>
-                </a:solidFill>
-                <a:latin typeface="+mn-lt"/>
-                <a:ea typeface="+mn-ea"/>
-                <a:cs typeface="+mn-cs"/>
-              </a:defRPr>
-            </a:lvl2pPr>
-            <a:lvl3pPr marL="914400" indent="0" algn="ctr" defTabSz="914400" rtl="0" eaLnBrk="1" latinLnBrk="0" hangingPunct="1">
-              <a:lnSpc>
-                <a:spcPct val="90000"/>
-              </a:lnSpc>
-              <a:spcBef>
-                <a:spcPts val="500"/>
-              </a:spcBef>
-              <a:buFont typeface="Arial" panose="020B0604020202020204" pitchFamily="34" charset="0"/>
-              <a:buNone/>
-              <a:defRPr sz="1800" kern="1200">
-                <a:solidFill>
-                  <a:schemeClr val="tx1"/>
-                </a:solidFill>
-                <a:latin typeface="+mn-lt"/>
-                <a:ea typeface="+mn-ea"/>
-                <a:cs typeface="+mn-cs"/>
-              </a:defRPr>
-            </a:lvl3pPr>
-            <a:lvl4pPr marL="1371600" indent="0" algn="ctr" defTabSz="914400" rtl="0" eaLnBrk="1" latinLnBrk="0" hangingPunct="1">
-              <a:lnSpc>
-                <a:spcPct val="90000"/>
-              </a:lnSpc>
-              <a:spcBef>
-                <a:spcPts val="500"/>
-              </a:spcBef>
-              <a:buFont typeface="Arial" panose="020B0604020202020204" pitchFamily="34" charset="0"/>
-              <a:buNone/>
-              <a:defRPr sz="1600" kern="1200">
-                <a:solidFill>
-                  <a:schemeClr val="tx1"/>
-                </a:solidFill>
-                <a:latin typeface="+mn-lt"/>
-                <a:ea typeface="+mn-ea"/>
-                <a:cs typeface="+mn-cs"/>
-              </a:defRPr>
-            </a:lvl4pPr>
-            <a:lvl5pPr marL="1828800" indent="0" algn="ctr" defTabSz="914400" rtl="0" eaLnBrk="1" latinLnBrk="0" hangingPunct="1">
-              <a:lnSpc>
-                <a:spcPct val="90000"/>
-              </a:lnSpc>
-              <a:spcBef>
-                <a:spcPts val="500"/>
-              </a:spcBef>
-              <a:buFont typeface="Arial" panose="020B0604020202020204" pitchFamily="34" charset="0"/>
-              <a:buNone/>
-              <a:defRPr sz="1600" kern="1200">
-                <a:solidFill>
-                  <a:schemeClr val="tx1"/>
-                </a:solidFill>
-                <a:latin typeface="+mn-lt"/>
-                <a:ea typeface="+mn-ea"/>
-                <a:cs typeface="+mn-cs"/>
-              </a:defRPr>
-            </a:lvl5pPr>
-            <a:lvl6pPr marL="2286000" indent="0" algn="ctr" defTabSz="914400" rtl="0" eaLnBrk="1" latinLnBrk="0" hangingPunct="1">
-              <a:lnSpc>
-                <a:spcPct val="90000"/>
-              </a:lnSpc>
-              <a:spcBef>
-                <a:spcPts val="500"/>
-              </a:spcBef>
-              <a:buFont typeface="Arial" panose="020B0604020202020204" pitchFamily="34" charset="0"/>
-              <a:buNone/>
-              <a:defRPr sz="1600" kern="1200">
-                <a:solidFill>
-                  <a:schemeClr val="tx1"/>
-                </a:solidFill>
-                <a:latin typeface="+mn-lt"/>
-                <a:ea typeface="+mn-ea"/>
-                <a:cs typeface="+mn-cs"/>
-              </a:defRPr>
-            </a:lvl6pPr>
-            <a:lvl7pPr marL="2743200" indent="0" algn="ctr" defTabSz="914400" rtl="0" eaLnBrk="1" latinLnBrk="0" hangingPunct="1">
-              <a:lnSpc>
-                <a:spcPct val="90000"/>
-              </a:lnSpc>
-              <a:spcBef>
-                <a:spcPts val="500"/>
-              </a:spcBef>
-              <a:buFont typeface="Arial" panose="020B0604020202020204" pitchFamily="34" charset="0"/>
-              <a:buNone/>
-              <a:defRPr sz="1600" kern="1200">
-                <a:solidFill>
-                  <a:schemeClr val="tx1"/>
-                </a:solidFill>
-                <a:latin typeface="+mn-lt"/>
-                <a:ea typeface="+mn-ea"/>
-                <a:cs typeface="+mn-cs"/>
-              </a:defRPr>
-            </a:lvl7pPr>
-            <a:lvl8pPr marL="3200400" indent="0" algn="ctr" defTabSz="914400" rtl="0" eaLnBrk="1" latinLnBrk="0" hangingPunct="1">
-              <a:lnSpc>
-                <a:spcPct val="90000"/>
-              </a:lnSpc>
-              <a:spcBef>
-                <a:spcPts val="500"/>
-              </a:spcBef>
-              <a:buFont typeface="Arial" panose="020B0604020202020204" pitchFamily="34" charset="0"/>
-              <a:buNone/>
-              <a:defRPr sz="1600" kern="1200">
-                <a:solidFill>
-                  <a:schemeClr val="tx1"/>
-                </a:solidFill>
-                <a:latin typeface="+mn-lt"/>
-                <a:ea typeface="+mn-ea"/>
-                <a:cs typeface="+mn-cs"/>
-              </a:defRPr>
-            </a:lvl8pPr>
-            <a:lvl9pPr marL="3657600" indent="0" algn="ctr" defTabSz="914400" rtl="0" eaLnBrk="1" latinLnBrk="0" hangingPunct="1">
-              <a:lnSpc>
-                <a:spcPct val="90000"/>
-              </a:lnSpc>
-              <a:spcBef>
-                <a:spcPts val="500"/>
-              </a:spcBef>
-              <a:buFont typeface="Arial" panose="020B0604020202020204" pitchFamily="34" charset="0"/>
-              <a:buNone/>
-              <a:defRPr sz="1600" kern="1200">
-                <a:solidFill>
-                  <a:schemeClr val="tx1"/>
-                </a:solidFill>
-                <a:latin typeface="+mn-lt"/>
-                <a:ea typeface="+mn-ea"/>
-                <a:cs typeface="+mn-cs"/>
-              </a:defRPr>
-            </a:lvl9pPr>
-          </a:lstStyle>
-          <a:p>
-            <a:r>
-              <a:rPr lang="fr-FR" sz="2000" b="1" dirty="0" smtClean="0">
-                <a:solidFill>
-                  <a:schemeClr val="bg1"/>
-                </a:solidFill>
-                <a:latin typeface="Open Sans" panose="020B0606030504020204" pitchFamily="34" charset="0"/>
-                <a:ea typeface="Open Sans" panose="020B0606030504020204" pitchFamily="34" charset="0"/>
-                <a:cs typeface="Open Sans" panose="020B0606030504020204" pitchFamily="34" charset="0"/>
-              </a:rPr>
-              <a:t>PROJET JAVA JEE </a:t>
-            </a:r>
-            <a:r>
-              <a:rPr lang="fr-FR" sz="2000" dirty="0">
-                <a:solidFill>
-                  <a:schemeClr val="bg1">
-                    <a:lumMod val="65000"/>
-                  </a:schemeClr>
-                </a:solidFill>
-                <a:latin typeface="Open Sans" panose="020B0606030504020204" pitchFamily="34" charset="0"/>
-                <a:ea typeface="Open Sans" panose="020B0606030504020204" pitchFamily="34" charset="0"/>
-                <a:cs typeface="Open Sans" panose="020B0606030504020204" pitchFamily="34" charset="0"/>
-              </a:rPr>
-              <a:t>~</a:t>
-            </a:r>
-            <a:r>
-              <a:rPr lang="fr-FR" sz="2000" dirty="0" smtClean="0">
-                <a:solidFill>
-                  <a:schemeClr val="bg1">
-                    <a:lumMod val="65000"/>
-                  </a:schemeClr>
-                </a:solidFill>
-                <a:latin typeface="Open Sans" panose="020B0606030504020204" pitchFamily="34" charset="0"/>
-                <a:ea typeface="Open Sans" panose="020B0606030504020204" pitchFamily="34" charset="0"/>
-                <a:cs typeface="Open Sans" panose="020B0606030504020204" pitchFamily="34" charset="0"/>
-              </a:rPr>
-              <a:t> Application de gestion pour les pré-inscriptions à des UV ~</a:t>
-            </a:r>
-            <a:endParaRPr lang="fr-FR" sz="2000" dirty="0">
-              <a:solidFill>
-                <a:schemeClr val="bg1">
-                  <a:lumMod val="65000"/>
-                </a:schemeClr>
-              </a:solidFill>
-              <a:latin typeface="Open Sans" panose="020B0606030504020204" pitchFamily="34" charset="0"/>
-              <a:ea typeface="Open Sans" panose="020B0606030504020204" pitchFamily="34" charset="0"/>
-              <a:cs typeface="Open Sans" panose="020B0606030504020204" pitchFamily="34" charset="0"/>
-            </a:endParaRPr>
-          </a:p>
-        </p:txBody>
-      </p:sp>
-    </p:spTree>
-    <p:extLst>
-      <p:ext uri="{BB962C8B-B14F-4D97-AF65-F5344CB8AC3E}">
-        <p14:creationId xmlns:p14="http://schemas.microsoft.com/office/powerpoint/2010/main" val="1996675702"/>
-      </p:ext>
-    </p:extLst>
-  </p:cSld>
-  <p:clrMapOvr>
-    <a:masterClrMapping/>
-  </p:clrMapOvr>
-  <mc:AlternateContent xmlns:mc="http://schemas.openxmlformats.org/markup-compatibility/2006" xmlns:p14="http://schemas.microsoft.com/office/powerpoint/2010/main">
-    <mc:Choice Requires="p14">
-      <p:transition spd="slow" p14:dur="1200">
-        <p14:prism/>
-      </p:transition>
-    </mc:Choice>
-    <mc:Fallback xmlns="">
-      <p:transition spd="slow">
-        <p:fade/>
-      </p:transition>
-    </mc:Fallback>
-  </mc:AlternateContent>
-  <p:timing>
-    <p:tnLst>
-      <p:par>
-        <p:cTn id="1" dur="indefinite" restart="never" nodeType="tmRoot"/>
-      </p:par>
-    </p:tnLst>
-  </p:timing>
-</p:sld>
-</file>
-
 <file path=ppt/slides/slide2.xml><?xml version="1.0" encoding="utf-8"?>
 <p:sld xmlns:a="http://schemas.openxmlformats.org/drawingml/2006/main" xmlns:r="http://schemas.openxmlformats.org/officeDocument/2006/relationships" xmlns:p="http://schemas.openxmlformats.org/presentationml/2006/main">
   <p:cSld>
@@ -9825,7 +8456,7 @@
             <a:r>
               <a:rPr lang="fr-FR" b="1" dirty="0" smtClean="0">
                 <a:solidFill>
-                  <a:schemeClr val="bg1"/>
+                  <a:srgbClr val="80BC58"/>
                 </a:solidFill>
                 <a:latin typeface="Open Sans" panose="020B0606030504020204" pitchFamily="34" charset="0"/>
                 <a:ea typeface="Open Sans" panose="020B0606030504020204" pitchFamily="34" charset="0"/>
@@ -9835,7 +8466,7 @@
             </a:r>
             <a:endParaRPr lang="fr-FR" b="1" dirty="0">
               <a:solidFill>
-                <a:schemeClr val="bg1"/>
+                <a:srgbClr val="80BC58"/>
               </a:solidFill>
               <a:latin typeface="Open Sans" panose="020B0606030504020204" pitchFamily="34" charset="0"/>
               <a:ea typeface="Open Sans" panose="020B0606030504020204" pitchFamily="34" charset="0"/>
@@ -10141,51 +8772,70 @@
               <a:buNone/>
             </a:pPr>
             <a:r>
-              <a:rPr lang="fr-FR" b="1" dirty="0" smtClean="0">
+              <a:rPr lang="fr-FR" sz="3200" b="1" dirty="0" smtClean="0">
                 <a:solidFill>
                   <a:schemeClr val="bg1"/>
                 </a:solidFill>
+                <a:latin typeface="Open Sans" panose="020B0606030504020204" pitchFamily="34" charset="0"/>
+                <a:ea typeface="Open Sans" panose="020B0606030504020204" pitchFamily="34" charset="0"/>
+                <a:cs typeface="Open Sans" panose="020B0606030504020204" pitchFamily="34" charset="0"/>
               </a:rPr>
               <a:t>	I - Naissance du </a:t>
             </a:r>
             <a:r>
-              <a:rPr lang="fr-FR" b="1" dirty="0" err="1" smtClean="0">
+              <a:rPr lang="fr-FR" sz="3200" b="1" dirty="0" smtClean="0">
                 <a:solidFill>
                   <a:schemeClr val="bg1"/>
                 </a:solidFill>
+                <a:latin typeface="Open Sans" panose="020B0606030504020204" pitchFamily="34" charset="0"/>
+                <a:ea typeface="Open Sans" panose="020B0606030504020204" pitchFamily="34" charset="0"/>
+                <a:cs typeface="Open Sans" panose="020B0606030504020204" pitchFamily="34" charset="0"/>
               </a:rPr>
               <a:t>No-SQL</a:t>
             </a:r>
-            <a:endParaRPr lang="fr-FR" b="1" dirty="0" smtClean="0">
+            <a:endParaRPr lang="fr-FR" sz="3200" b="1" dirty="0">
               <a:solidFill>
                 <a:schemeClr val="bg1"/>
               </a:solidFill>
+              <a:latin typeface="Open Sans" panose="020B0606030504020204" pitchFamily="34" charset="0"/>
+              <a:ea typeface="Open Sans" panose="020B0606030504020204" pitchFamily="34" charset="0"/>
+              <a:cs typeface="Open Sans" panose="020B0606030504020204" pitchFamily="34" charset="0"/>
             </a:endParaRPr>
           </a:p>
           <a:p>
-            <a:pPr marL="0" indent="0">
-              <a:buNone/>
-            </a:pPr>
-            <a:r>
-              <a:rPr lang="fr-FR" b="1" dirty="0">
+            <a:pPr lvl="3"/>
+            <a:r>
+              <a:rPr lang="fr-FR" sz="2400" dirty="0" smtClean="0">
                 <a:solidFill>
                   <a:schemeClr val="bg1"/>
                 </a:solidFill>
+                <a:latin typeface="Open Sans" panose="020B0606030504020204" pitchFamily="34" charset="0"/>
+                <a:ea typeface="Open Sans" panose="020B0606030504020204" pitchFamily="34" charset="0"/>
+                <a:cs typeface="Open Sans" panose="020B0606030504020204" pitchFamily="34" charset="0"/>
               </a:rPr>
-              <a:t>	</a:t>
-            </a:r>
-            <a:r>
-              <a:rPr lang="fr-FR" b="1" smtClean="0">
+              <a:t>No-SQL vs SQL</a:t>
+            </a:r>
+          </a:p>
+          <a:p>
+            <a:pPr lvl="3"/>
+            <a:r>
+              <a:rPr lang="fr-FR" sz="2400" dirty="0" smtClean="0">
                 <a:solidFill>
                   <a:schemeClr val="bg1"/>
                 </a:solidFill>
+                <a:latin typeface="Open Sans" panose="020B0606030504020204" pitchFamily="34" charset="0"/>
+                <a:ea typeface="Open Sans" panose="020B0606030504020204" pitchFamily="34" charset="0"/>
+                <a:cs typeface="Open Sans" panose="020B0606030504020204" pitchFamily="34" charset="0"/>
               </a:rPr>
-              <a:t>II -  </a:t>
-            </a:r>
-            <a:endParaRPr lang="fr-FR" b="1" dirty="0" smtClean="0">
+              <a:t>Solutions No-SQL</a:t>
+            </a:r>
+            <a:endParaRPr lang="fr-FR" sz="2400" dirty="0" smtClean="0">
               <a:solidFill>
                 <a:schemeClr val="bg1"/>
               </a:solidFill>
+              <a:latin typeface="Open Sans" panose="020B0606030504020204" pitchFamily="34" charset="0"/>
+              <a:ea typeface="Open Sans" panose="020B0606030504020204" pitchFamily="34" charset="0"/>
+              <a:cs typeface="Open Sans" panose="020B0606030504020204" pitchFamily="34" charset="0"/>
             </a:endParaRPr>
           </a:p>
           <a:p>
@@ -10193,18 +8843,140 @@
               <a:buNone/>
             </a:pPr>
             <a:r>
-              <a:rPr lang="fr-FR" b="1" dirty="0" smtClean="0">
+              <a:rPr lang="fr-FR" sz="3200" b="1" dirty="0" smtClean="0">
                 <a:solidFill>
                   <a:schemeClr val="bg1"/>
                 </a:solidFill>
+                <a:latin typeface="Open Sans" panose="020B0606030504020204" pitchFamily="34" charset="0"/>
+                <a:ea typeface="Open Sans" panose="020B0606030504020204" pitchFamily="34" charset="0"/>
+                <a:cs typeface="Open Sans" panose="020B0606030504020204" pitchFamily="34" charset="0"/>
               </a:rPr>
-              <a:t>	III - </a:t>
-            </a:r>
-            <a:endParaRPr lang="fr-FR" b="1" dirty="0">
-              <a:solidFill>
-                <a:schemeClr val="bg1"/>
-              </a:solidFill>
-            </a:endParaRPr>
+              <a:t>	</a:t>
+            </a:r>
+            <a:r>
+              <a:rPr lang="fr-FR" sz="3200" b="1" dirty="0" smtClean="0">
+                <a:solidFill>
+                  <a:schemeClr val="bg1"/>
+                </a:solidFill>
+                <a:latin typeface="Open Sans" panose="020B0606030504020204" pitchFamily="34" charset="0"/>
+                <a:ea typeface="Open Sans" panose="020B0606030504020204" pitchFamily="34" charset="0"/>
+                <a:cs typeface="Open Sans" panose="020B0606030504020204" pitchFamily="34" charset="0"/>
+              </a:rPr>
+              <a:t>II </a:t>
+            </a:r>
+            <a:r>
+              <a:rPr lang="fr-FR" sz="3200" b="1" dirty="0">
+                <a:solidFill>
+                  <a:schemeClr val="bg1"/>
+                </a:solidFill>
+                <a:latin typeface="Open Sans" panose="020B0606030504020204" pitchFamily="34" charset="0"/>
+                <a:ea typeface="Open Sans" panose="020B0606030504020204" pitchFamily="34" charset="0"/>
+                <a:cs typeface="Open Sans" panose="020B0606030504020204" pitchFamily="34" charset="0"/>
+              </a:rPr>
+              <a:t>-</a:t>
+            </a:r>
+            <a:r>
+              <a:rPr lang="fr-FR" sz="3200" b="1" dirty="0" smtClean="0">
+                <a:solidFill>
+                  <a:schemeClr val="bg1"/>
+                </a:solidFill>
+                <a:latin typeface="Open Sans" panose="020B0606030504020204" pitchFamily="34" charset="0"/>
+                <a:ea typeface="Open Sans" panose="020B0606030504020204" pitchFamily="34" charset="0"/>
+                <a:cs typeface="Open Sans" panose="020B0606030504020204" pitchFamily="34" charset="0"/>
+              </a:rPr>
+              <a:t> Mise en place</a:t>
+            </a:r>
+          </a:p>
+          <a:p>
+            <a:pPr lvl="3"/>
+            <a:r>
+              <a:rPr lang="fr-FR" sz="2400" dirty="0" smtClean="0">
+                <a:solidFill>
+                  <a:schemeClr val="bg1"/>
+                </a:solidFill>
+                <a:latin typeface="Open Sans" panose="020B0606030504020204" pitchFamily="34" charset="0"/>
+                <a:ea typeface="Open Sans" panose="020B0606030504020204" pitchFamily="34" charset="0"/>
+                <a:cs typeface="Open Sans" panose="020B0606030504020204" pitchFamily="34" charset="0"/>
+              </a:rPr>
+              <a:t>Installation</a:t>
+            </a:r>
+          </a:p>
+          <a:p>
+            <a:pPr lvl="3"/>
+            <a:r>
+              <a:rPr lang="fr-FR" sz="2400" dirty="0" smtClean="0">
+                <a:solidFill>
+                  <a:schemeClr val="bg1"/>
+                </a:solidFill>
+                <a:latin typeface="Open Sans" panose="020B0606030504020204" pitchFamily="34" charset="0"/>
+                <a:ea typeface="Open Sans" panose="020B0606030504020204" pitchFamily="34" charset="0"/>
+                <a:cs typeface="Open Sans" panose="020B0606030504020204" pitchFamily="34" charset="0"/>
+              </a:rPr>
+              <a:t>Utilisation</a:t>
+            </a:r>
+          </a:p>
+          <a:p>
+            <a:pPr lvl="3"/>
+            <a:r>
+              <a:rPr lang="fr-FR" sz="2400" dirty="0" smtClean="0">
+                <a:solidFill>
+                  <a:schemeClr val="bg1"/>
+                </a:solidFill>
+                <a:latin typeface="Open Sans" panose="020B0606030504020204" pitchFamily="34" charset="0"/>
+                <a:ea typeface="Open Sans" panose="020B0606030504020204" pitchFamily="34" charset="0"/>
+                <a:cs typeface="Open Sans" panose="020B0606030504020204" pitchFamily="34" charset="0"/>
+              </a:rPr>
+              <a:t>Difficultés liées</a:t>
+            </a:r>
+          </a:p>
+          <a:p>
+            <a:pPr marL="0" indent="0">
+              <a:buNone/>
+            </a:pPr>
+            <a:r>
+              <a:rPr lang="fr-FR" sz="3200" b="1" dirty="0">
+                <a:solidFill>
+                  <a:schemeClr val="bg1"/>
+                </a:solidFill>
+                <a:latin typeface="Open Sans" panose="020B0606030504020204" pitchFamily="34" charset="0"/>
+                <a:ea typeface="Open Sans" panose="020B0606030504020204" pitchFamily="34" charset="0"/>
+                <a:cs typeface="Open Sans" panose="020B0606030504020204" pitchFamily="34" charset="0"/>
+              </a:rPr>
+              <a:t>	</a:t>
+            </a:r>
+            <a:r>
+              <a:rPr lang="fr-FR" sz="3200" b="1" dirty="0" smtClean="0">
+                <a:solidFill>
+                  <a:schemeClr val="bg1"/>
+                </a:solidFill>
+                <a:latin typeface="Open Sans" panose="020B0606030504020204" pitchFamily="34" charset="0"/>
+                <a:ea typeface="Open Sans" panose="020B0606030504020204" pitchFamily="34" charset="0"/>
+                <a:cs typeface="Open Sans" panose="020B0606030504020204" pitchFamily="34" charset="0"/>
+              </a:rPr>
+              <a:t>III</a:t>
+            </a:r>
+            <a:r>
+              <a:rPr lang="fr-FR" sz="3200" b="1" dirty="0" smtClean="0">
+                <a:solidFill>
+                  <a:schemeClr val="bg1"/>
+                </a:solidFill>
+                <a:latin typeface="Open Sans" panose="020B0606030504020204" pitchFamily="34" charset="0"/>
+                <a:ea typeface="Open Sans" panose="020B0606030504020204" pitchFamily="34" charset="0"/>
+                <a:cs typeface="Open Sans" panose="020B0606030504020204" pitchFamily="34" charset="0"/>
+              </a:rPr>
+              <a:t> </a:t>
+            </a:r>
+            <a:r>
+              <a:rPr lang="fr-FR" sz="3200" b="1" dirty="0" smtClean="0">
+                <a:solidFill>
+                  <a:schemeClr val="bg1"/>
+                </a:solidFill>
+                <a:latin typeface="Open Sans" panose="020B0606030504020204" pitchFamily="34" charset="0"/>
+                <a:ea typeface="Open Sans" panose="020B0606030504020204" pitchFamily="34" charset="0"/>
+                <a:cs typeface="Open Sans" panose="020B0606030504020204" pitchFamily="34" charset="0"/>
+              </a:rPr>
+              <a:t>- Conclusion</a:t>
+            </a:r>
           </a:p>
         </p:txBody>
       </p:sp>
@@ -10442,6 +9214,923 @@
 </file>
 
 <file path=ppt/slides/slide3.xml><?xml version="1.0" encoding="utf-8"?>
+<p:sld xmlns:a="http://schemas.openxmlformats.org/drawingml/2006/main" xmlns:r="http://schemas.openxmlformats.org/officeDocument/2006/relationships" xmlns:p="http://schemas.openxmlformats.org/presentationml/2006/main">
+  <p:cSld>
+    <p:spTree>
+      <p:nvGrpSpPr>
+        <p:cNvPr id="1" name=""/>
+        <p:cNvGrpSpPr/>
+        <p:nvPr/>
+      </p:nvGrpSpPr>
+      <p:grpSpPr>
+        <a:xfrm>
+          <a:off x="0" y="0"/>
+          <a:ext cx="0" cy="0"/>
+          <a:chOff x="0" y="0"/>
+          <a:chExt cx="0" cy="0"/>
+        </a:xfrm>
+      </p:grpSpPr>
+      <p:sp>
+        <p:nvSpPr>
+          <p:cNvPr id="2" name="Titre 1"/>
+          <p:cNvSpPr>
+            <a:spLocks noGrp="1"/>
+          </p:cNvSpPr>
+          <p:nvPr>
+            <p:ph type="title"/>
+          </p:nvPr>
+        </p:nvSpPr>
+        <p:spPr/>
+        <p:txBody>
+          <a:bodyPr/>
+          <a:lstStyle/>
+          <a:p>
+            <a:endParaRPr lang="fr-FR"/>
+          </a:p>
+        </p:txBody>
+      </p:sp>
+      <p:sp>
+        <p:nvSpPr>
+          <p:cNvPr id="3" name="Espace réservé du contenu 2"/>
+          <p:cNvSpPr>
+            <a:spLocks noGrp="1"/>
+          </p:cNvSpPr>
+          <p:nvPr>
+            <p:ph idx="1"/>
+          </p:nvPr>
+        </p:nvSpPr>
+        <p:spPr/>
+        <p:txBody>
+          <a:bodyPr/>
+          <a:lstStyle/>
+          <a:p>
+            <a:endParaRPr lang="fr-FR"/>
+          </a:p>
+        </p:txBody>
+      </p:sp>
+      <p:pic>
+        <p:nvPicPr>
+          <p:cNvPr id="1026" name="Picture 2" descr="Résultat de recherche d'images pour &quot;sql wallpaper&quot;"/>
+          <p:cNvPicPr>
+            <a:picLocks noChangeAspect="1" noChangeArrowheads="1"/>
+          </p:cNvPicPr>
+          <p:nvPr/>
+        </p:nvPicPr>
+        <p:blipFill>
+          <a:blip r:embed="rId2">
+            <a:extLst>
+              <a:ext uri="{28A0092B-C50C-407E-A947-70E740481C1C}">
+                <a14:useLocalDpi xmlns:a14="http://schemas.microsoft.com/office/drawing/2010/main" val="0"/>
+              </a:ext>
+            </a:extLst>
+          </a:blip>
+          <a:srcRect/>
+          <a:stretch>
+            <a:fillRect/>
+          </a:stretch>
+        </p:blipFill>
+        <p:spPr bwMode="auto">
+          <a:xfrm>
+            <a:off x="0" y="-483080"/>
+            <a:ext cx="12192000" cy="7581534"/>
+          </a:xfrm>
+          <a:prstGeom prst="rect">
+            <a:avLst/>
+          </a:prstGeom>
+          <a:noFill/>
+          <a:extLst>
+            <a:ext uri="{909E8E84-426E-40DD-AFC4-6F175D3DCCD1}">
+              <a14:hiddenFill xmlns:a14="http://schemas.microsoft.com/office/drawing/2010/main">
+                <a:solidFill>
+                  <a:srgbClr val="FFFFFF"/>
+                </a:solidFill>
+              </a14:hiddenFill>
+            </a:ext>
+          </a:extLst>
+        </p:spPr>
+      </p:pic>
+      <p:sp>
+        <p:nvSpPr>
+          <p:cNvPr id="4" name="Rectangle 3"/>
+          <p:cNvSpPr/>
+          <p:nvPr/>
+        </p:nvSpPr>
+        <p:spPr>
+          <a:xfrm>
+            <a:off x="0" y="-483080"/>
+            <a:ext cx="12192000" cy="7581534"/>
+          </a:xfrm>
+          <a:prstGeom prst="rect">
+            <a:avLst/>
+          </a:prstGeom>
+          <a:solidFill>
+            <a:srgbClr val="22303B">
+              <a:alpha val="80000"/>
+            </a:srgbClr>
+          </a:solidFill>
+        </p:spPr>
+        <p:style>
+          <a:lnRef idx="2">
+            <a:schemeClr val="accent1">
+              <a:shade val="50000"/>
+            </a:schemeClr>
+          </a:lnRef>
+          <a:fillRef idx="1">
+            <a:schemeClr val="accent1"/>
+          </a:fillRef>
+          <a:effectRef idx="0">
+            <a:schemeClr val="accent1"/>
+          </a:effectRef>
+          <a:fontRef idx="minor">
+            <a:schemeClr val="lt1"/>
+          </a:fontRef>
+        </p:style>
+        <p:txBody>
+          <a:bodyPr rtlCol="0" anchor="ctr"/>
+          <a:lstStyle/>
+          <a:p>
+            <a:pPr algn="ctr"/>
+            <a:endParaRPr lang="fr-FR"/>
+          </a:p>
+        </p:txBody>
+      </p:sp>
+      <p:sp>
+        <p:nvSpPr>
+          <p:cNvPr id="7" name="Titre 1"/>
+          <p:cNvSpPr txBox="1">
+            <a:spLocks/>
+          </p:cNvSpPr>
+          <p:nvPr/>
+        </p:nvSpPr>
+        <p:spPr>
+          <a:xfrm>
+            <a:off x="1295400" y="365125"/>
+            <a:ext cx="10058400" cy="1325563"/>
+          </a:xfrm>
+          <a:prstGeom prst="rect">
+            <a:avLst/>
+          </a:prstGeom>
+        </p:spPr>
+        <p:txBody>
+          <a:bodyPr vert="horz" lIns="91440" tIns="45720" rIns="91440" bIns="45720" rtlCol="0" anchor="ctr">
+            <a:normAutofit/>
+          </a:bodyPr>
+          <a:lstStyle>
+            <a:lvl1pPr algn="l" defTabSz="914400" rtl="0" eaLnBrk="1" latinLnBrk="0" hangingPunct="1">
+              <a:lnSpc>
+                <a:spcPct val="90000"/>
+              </a:lnSpc>
+              <a:spcBef>
+                <a:spcPct val="0"/>
+              </a:spcBef>
+              <a:buNone/>
+              <a:defRPr sz="4400" kern="1200">
+                <a:solidFill>
+                  <a:schemeClr val="tx1"/>
+                </a:solidFill>
+                <a:latin typeface="+mj-lt"/>
+                <a:ea typeface="+mj-ea"/>
+                <a:cs typeface="+mj-cs"/>
+              </a:defRPr>
+            </a:lvl1pPr>
+          </a:lstStyle>
+          <a:p>
+            <a:r>
+              <a:rPr lang="fr-FR" b="1" dirty="0" smtClean="0">
+                <a:solidFill>
+                  <a:schemeClr val="bg1"/>
+                </a:solidFill>
+                <a:latin typeface="Open Sans" panose="020B0606030504020204" pitchFamily="34" charset="0"/>
+                <a:ea typeface="Open Sans" panose="020B0606030504020204" pitchFamily="34" charset="0"/>
+                <a:cs typeface="Open Sans" panose="020B0606030504020204" pitchFamily="34" charset="0"/>
+              </a:rPr>
+              <a:t>Naissance du No-SQL</a:t>
+            </a:r>
+            <a:endParaRPr lang="fr-FR" b="1" dirty="0">
+              <a:solidFill>
+                <a:schemeClr val="bg1"/>
+              </a:solidFill>
+              <a:latin typeface="Open Sans" panose="020B0606030504020204" pitchFamily="34" charset="0"/>
+              <a:ea typeface="Open Sans" panose="020B0606030504020204" pitchFamily="34" charset="0"/>
+              <a:cs typeface="Open Sans" panose="020B0606030504020204" pitchFamily="34" charset="0"/>
+            </a:endParaRPr>
+          </a:p>
+        </p:txBody>
+      </p:sp>
+      <p:cxnSp>
+        <p:nvCxnSpPr>
+          <p:cNvPr id="9" name="Connecteur droit 8"/>
+          <p:cNvCxnSpPr/>
+          <p:nvPr/>
+        </p:nvCxnSpPr>
+        <p:spPr>
+          <a:xfrm>
+            <a:off x="981075" y="385763"/>
+            <a:ext cx="0" cy="1276350"/>
+          </a:xfrm>
+          <a:prstGeom prst="line">
+            <a:avLst/>
+          </a:prstGeom>
+          <a:ln w="76200">
+            <a:solidFill>
+              <a:srgbClr val="80BC58"/>
+            </a:solidFill>
+          </a:ln>
+          <a:effectLst>
+            <a:outerShdw blurRad="50800" dist="38100" dir="13500000" algn="br" rotWithShape="0">
+              <a:prstClr val="black">
+                <a:alpha val="40000"/>
+              </a:prstClr>
+            </a:outerShdw>
+          </a:effectLst>
+        </p:spPr>
+        <p:style>
+          <a:lnRef idx="1">
+            <a:schemeClr val="accent1"/>
+          </a:lnRef>
+          <a:fillRef idx="0">
+            <a:schemeClr val="accent1"/>
+          </a:fillRef>
+          <a:effectRef idx="0">
+            <a:schemeClr val="accent1"/>
+          </a:effectRef>
+          <a:fontRef idx="minor">
+            <a:schemeClr val="tx1"/>
+          </a:fontRef>
+        </p:style>
+      </p:cxnSp>
+      <p:sp>
+        <p:nvSpPr>
+          <p:cNvPr id="11" name="Sous-titre 2"/>
+          <p:cNvSpPr txBox="1">
+            <a:spLocks/>
+          </p:cNvSpPr>
+          <p:nvPr/>
+        </p:nvSpPr>
+        <p:spPr>
+          <a:xfrm>
+            <a:off x="723900" y="6284994"/>
+            <a:ext cx="10934700" cy="323686"/>
+          </a:xfrm>
+          <a:prstGeom prst="rect">
+            <a:avLst/>
+          </a:prstGeom>
+        </p:spPr>
+        <p:txBody>
+          <a:bodyPr vert="horz" lIns="91440" tIns="45720" rIns="91440" bIns="45720" rtlCol="0">
+            <a:noAutofit/>
+          </a:bodyPr>
+          <a:lstStyle>
+            <a:lvl1pPr marL="0" indent="0" algn="ctr" defTabSz="914400" rtl="0" eaLnBrk="1" latinLnBrk="0" hangingPunct="1">
+              <a:lnSpc>
+                <a:spcPct val="90000"/>
+              </a:lnSpc>
+              <a:spcBef>
+                <a:spcPts val="1000"/>
+              </a:spcBef>
+              <a:buFont typeface="Arial" panose="020B0604020202020204" pitchFamily="34" charset="0"/>
+              <a:buNone/>
+              <a:defRPr sz="2400" kern="1200">
+                <a:solidFill>
+                  <a:schemeClr val="tx1"/>
+                </a:solidFill>
+                <a:latin typeface="+mn-lt"/>
+                <a:ea typeface="+mn-ea"/>
+                <a:cs typeface="+mn-cs"/>
+              </a:defRPr>
+            </a:lvl1pPr>
+            <a:lvl2pPr marL="457200" indent="0" algn="ctr" defTabSz="914400" rtl="0" eaLnBrk="1" latinLnBrk="0" hangingPunct="1">
+              <a:lnSpc>
+                <a:spcPct val="90000"/>
+              </a:lnSpc>
+              <a:spcBef>
+                <a:spcPts val="500"/>
+              </a:spcBef>
+              <a:buFont typeface="Arial" panose="020B0604020202020204" pitchFamily="34" charset="0"/>
+              <a:buNone/>
+              <a:defRPr sz="2000" kern="1200">
+                <a:solidFill>
+                  <a:schemeClr val="tx1"/>
+                </a:solidFill>
+                <a:latin typeface="+mn-lt"/>
+                <a:ea typeface="+mn-ea"/>
+                <a:cs typeface="+mn-cs"/>
+              </a:defRPr>
+            </a:lvl2pPr>
+            <a:lvl3pPr marL="914400" indent="0" algn="ctr" defTabSz="914400" rtl="0" eaLnBrk="1" latinLnBrk="0" hangingPunct="1">
+              <a:lnSpc>
+                <a:spcPct val="90000"/>
+              </a:lnSpc>
+              <a:spcBef>
+                <a:spcPts val="500"/>
+              </a:spcBef>
+              <a:buFont typeface="Arial" panose="020B0604020202020204" pitchFamily="34" charset="0"/>
+              <a:buNone/>
+              <a:defRPr sz="1800" kern="1200">
+                <a:solidFill>
+                  <a:schemeClr val="tx1"/>
+                </a:solidFill>
+                <a:latin typeface="+mn-lt"/>
+                <a:ea typeface="+mn-ea"/>
+                <a:cs typeface="+mn-cs"/>
+              </a:defRPr>
+            </a:lvl3pPr>
+            <a:lvl4pPr marL="1371600" indent="0" algn="ctr" defTabSz="914400" rtl="0" eaLnBrk="1" latinLnBrk="0" hangingPunct="1">
+              <a:lnSpc>
+                <a:spcPct val="90000"/>
+              </a:lnSpc>
+              <a:spcBef>
+                <a:spcPts val="500"/>
+              </a:spcBef>
+              <a:buFont typeface="Arial" panose="020B0604020202020204" pitchFamily="34" charset="0"/>
+              <a:buNone/>
+              <a:defRPr sz="1600" kern="1200">
+                <a:solidFill>
+                  <a:schemeClr val="tx1"/>
+                </a:solidFill>
+                <a:latin typeface="+mn-lt"/>
+                <a:ea typeface="+mn-ea"/>
+                <a:cs typeface="+mn-cs"/>
+              </a:defRPr>
+            </a:lvl4pPr>
+            <a:lvl5pPr marL="1828800" indent="0" algn="ctr" defTabSz="914400" rtl="0" eaLnBrk="1" latinLnBrk="0" hangingPunct="1">
+              <a:lnSpc>
+                <a:spcPct val="90000"/>
+              </a:lnSpc>
+              <a:spcBef>
+                <a:spcPts val="500"/>
+              </a:spcBef>
+              <a:buFont typeface="Arial" panose="020B0604020202020204" pitchFamily="34" charset="0"/>
+              <a:buNone/>
+              <a:defRPr sz="1600" kern="1200">
+                <a:solidFill>
+                  <a:schemeClr val="tx1"/>
+                </a:solidFill>
+                <a:latin typeface="+mn-lt"/>
+                <a:ea typeface="+mn-ea"/>
+                <a:cs typeface="+mn-cs"/>
+              </a:defRPr>
+            </a:lvl5pPr>
+            <a:lvl6pPr marL="2286000" indent="0" algn="ctr" defTabSz="914400" rtl="0" eaLnBrk="1" latinLnBrk="0" hangingPunct="1">
+              <a:lnSpc>
+                <a:spcPct val="90000"/>
+              </a:lnSpc>
+              <a:spcBef>
+                <a:spcPts val="500"/>
+              </a:spcBef>
+              <a:buFont typeface="Arial" panose="020B0604020202020204" pitchFamily="34" charset="0"/>
+              <a:buNone/>
+              <a:defRPr sz="1600" kern="1200">
+                <a:solidFill>
+                  <a:schemeClr val="tx1"/>
+                </a:solidFill>
+                <a:latin typeface="+mn-lt"/>
+                <a:ea typeface="+mn-ea"/>
+                <a:cs typeface="+mn-cs"/>
+              </a:defRPr>
+            </a:lvl6pPr>
+            <a:lvl7pPr marL="2743200" indent="0" algn="ctr" defTabSz="914400" rtl="0" eaLnBrk="1" latinLnBrk="0" hangingPunct="1">
+              <a:lnSpc>
+                <a:spcPct val="90000"/>
+              </a:lnSpc>
+              <a:spcBef>
+                <a:spcPts val="500"/>
+              </a:spcBef>
+              <a:buFont typeface="Arial" panose="020B0604020202020204" pitchFamily="34" charset="0"/>
+              <a:buNone/>
+              <a:defRPr sz="1600" kern="1200">
+                <a:solidFill>
+                  <a:schemeClr val="tx1"/>
+                </a:solidFill>
+                <a:latin typeface="+mn-lt"/>
+                <a:ea typeface="+mn-ea"/>
+                <a:cs typeface="+mn-cs"/>
+              </a:defRPr>
+            </a:lvl7pPr>
+            <a:lvl8pPr marL="3200400" indent="0" algn="ctr" defTabSz="914400" rtl="0" eaLnBrk="1" latinLnBrk="0" hangingPunct="1">
+              <a:lnSpc>
+                <a:spcPct val="90000"/>
+              </a:lnSpc>
+              <a:spcBef>
+                <a:spcPts val="500"/>
+              </a:spcBef>
+              <a:buFont typeface="Arial" panose="020B0604020202020204" pitchFamily="34" charset="0"/>
+              <a:buNone/>
+              <a:defRPr sz="1600" kern="1200">
+                <a:solidFill>
+                  <a:schemeClr val="tx1"/>
+                </a:solidFill>
+                <a:latin typeface="+mn-lt"/>
+                <a:ea typeface="+mn-ea"/>
+                <a:cs typeface="+mn-cs"/>
+              </a:defRPr>
+            </a:lvl8pPr>
+            <a:lvl9pPr marL="3657600" indent="0" algn="ctr" defTabSz="914400" rtl="0" eaLnBrk="1" latinLnBrk="0" hangingPunct="1">
+              <a:lnSpc>
+                <a:spcPct val="90000"/>
+              </a:lnSpc>
+              <a:spcBef>
+                <a:spcPts val="500"/>
+              </a:spcBef>
+              <a:buFont typeface="Arial" panose="020B0604020202020204" pitchFamily="34" charset="0"/>
+              <a:buNone/>
+              <a:defRPr sz="1600" kern="1200">
+                <a:solidFill>
+                  <a:schemeClr val="tx1"/>
+                </a:solidFill>
+                <a:latin typeface="+mn-lt"/>
+                <a:ea typeface="+mn-ea"/>
+                <a:cs typeface="+mn-cs"/>
+              </a:defRPr>
+            </a:lvl9pPr>
+          </a:lstStyle>
+          <a:p>
+            <a:r>
+              <a:rPr lang="fr-FR" sz="2000" b="1" dirty="0" smtClean="0">
+                <a:solidFill>
+                  <a:schemeClr val="bg1"/>
+                </a:solidFill>
+                <a:latin typeface="Open Sans" panose="020B0606030504020204" pitchFamily="34" charset="0"/>
+                <a:ea typeface="Open Sans" panose="020B0606030504020204" pitchFamily="34" charset="0"/>
+                <a:cs typeface="Open Sans" panose="020B0606030504020204" pitchFamily="34" charset="0"/>
+              </a:rPr>
+              <a:t>PROJET JAVA JEE </a:t>
+            </a:r>
+            <a:r>
+              <a:rPr lang="fr-FR" sz="2000" dirty="0">
+                <a:solidFill>
+                  <a:schemeClr val="bg1">
+                    <a:lumMod val="65000"/>
+                  </a:schemeClr>
+                </a:solidFill>
+                <a:latin typeface="Open Sans" panose="020B0606030504020204" pitchFamily="34" charset="0"/>
+                <a:ea typeface="Open Sans" panose="020B0606030504020204" pitchFamily="34" charset="0"/>
+                <a:cs typeface="Open Sans" panose="020B0606030504020204" pitchFamily="34" charset="0"/>
+              </a:rPr>
+              <a:t>~</a:t>
+            </a:r>
+            <a:r>
+              <a:rPr lang="fr-FR" sz="2000" dirty="0" smtClean="0">
+                <a:solidFill>
+                  <a:schemeClr val="bg1">
+                    <a:lumMod val="65000"/>
+                  </a:schemeClr>
+                </a:solidFill>
+                <a:latin typeface="Open Sans" panose="020B0606030504020204" pitchFamily="34" charset="0"/>
+                <a:ea typeface="Open Sans" panose="020B0606030504020204" pitchFamily="34" charset="0"/>
+                <a:cs typeface="Open Sans" panose="020B0606030504020204" pitchFamily="34" charset="0"/>
+              </a:rPr>
+              <a:t> Application de gestion pour les pré-inscriptions à des UV ~</a:t>
+            </a:r>
+            <a:endParaRPr lang="fr-FR" sz="2000" dirty="0">
+              <a:solidFill>
+                <a:schemeClr val="bg1">
+                  <a:lumMod val="65000"/>
+                </a:schemeClr>
+              </a:solidFill>
+              <a:latin typeface="Open Sans" panose="020B0606030504020204" pitchFamily="34" charset="0"/>
+              <a:ea typeface="Open Sans" panose="020B0606030504020204" pitchFamily="34" charset="0"/>
+              <a:cs typeface="Open Sans" panose="020B0606030504020204" pitchFamily="34" charset="0"/>
+            </a:endParaRPr>
+          </a:p>
+        </p:txBody>
+      </p:sp>
+      <p:sp>
+        <p:nvSpPr>
+          <p:cNvPr id="10" name="Espace réservé du contenu 2"/>
+          <p:cNvSpPr txBox="1">
+            <a:spLocks/>
+          </p:cNvSpPr>
+          <p:nvPr/>
+        </p:nvSpPr>
+        <p:spPr>
+          <a:xfrm>
+            <a:off x="11518106" y="76200"/>
+            <a:ext cx="673894" cy="619125"/>
+          </a:xfrm>
+          <a:prstGeom prst="rect">
+            <a:avLst/>
+          </a:prstGeom>
+        </p:spPr>
+        <p:txBody>
+          <a:bodyPr vert="horz" lIns="91440" tIns="45720" rIns="91440" bIns="45720" rtlCol="0">
+            <a:normAutofit/>
+          </a:bodyPr>
+          <a:lstStyle>
+            <a:lvl1pPr marL="228600" indent="-228600" algn="l" defTabSz="914400" rtl="0" eaLnBrk="1" latinLnBrk="0" hangingPunct="1">
+              <a:lnSpc>
+                <a:spcPct val="90000"/>
+              </a:lnSpc>
+              <a:spcBef>
+                <a:spcPts val="1000"/>
+              </a:spcBef>
+              <a:buFont typeface="Arial" panose="020B0604020202020204" pitchFamily="34" charset="0"/>
+              <a:buChar char="•"/>
+              <a:defRPr sz="2800" kern="1200">
+                <a:solidFill>
+                  <a:schemeClr val="tx1"/>
+                </a:solidFill>
+                <a:latin typeface="+mn-lt"/>
+                <a:ea typeface="+mn-ea"/>
+                <a:cs typeface="+mn-cs"/>
+              </a:defRPr>
+            </a:lvl1pPr>
+            <a:lvl2pPr marL="685800" indent="-228600" algn="l" defTabSz="914400" rtl="0" eaLnBrk="1" latinLnBrk="0" hangingPunct="1">
+              <a:lnSpc>
+                <a:spcPct val="90000"/>
+              </a:lnSpc>
+              <a:spcBef>
+                <a:spcPts val="500"/>
+              </a:spcBef>
+              <a:buFont typeface="Arial" panose="020B0604020202020204" pitchFamily="34" charset="0"/>
+              <a:buChar char="•"/>
+              <a:defRPr sz="2400" kern="1200">
+                <a:solidFill>
+                  <a:schemeClr val="tx1"/>
+                </a:solidFill>
+                <a:latin typeface="+mn-lt"/>
+                <a:ea typeface="+mn-ea"/>
+                <a:cs typeface="+mn-cs"/>
+              </a:defRPr>
+            </a:lvl2pPr>
+            <a:lvl3pPr marL="1143000" indent="-228600" algn="l" defTabSz="914400" rtl="0" eaLnBrk="1" latinLnBrk="0" hangingPunct="1">
+              <a:lnSpc>
+                <a:spcPct val="90000"/>
+              </a:lnSpc>
+              <a:spcBef>
+                <a:spcPts val="500"/>
+              </a:spcBef>
+              <a:buFont typeface="Arial" panose="020B0604020202020204" pitchFamily="34" charset="0"/>
+              <a:buChar char="•"/>
+              <a:defRPr sz="2000" kern="1200">
+                <a:solidFill>
+                  <a:schemeClr val="tx1"/>
+                </a:solidFill>
+                <a:latin typeface="+mn-lt"/>
+                <a:ea typeface="+mn-ea"/>
+                <a:cs typeface="+mn-cs"/>
+              </a:defRPr>
+            </a:lvl3pPr>
+            <a:lvl4pPr marL="1600200" indent="-228600" algn="l" defTabSz="914400" rtl="0" eaLnBrk="1" latinLnBrk="0" hangingPunct="1">
+              <a:lnSpc>
+                <a:spcPct val="90000"/>
+              </a:lnSpc>
+              <a:spcBef>
+                <a:spcPts val="500"/>
+              </a:spcBef>
+              <a:buFont typeface="Arial" panose="020B0604020202020204" pitchFamily="34" charset="0"/>
+              <a:buChar char="•"/>
+              <a:defRPr sz="1800" kern="1200">
+                <a:solidFill>
+                  <a:schemeClr val="tx1"/>
+                </a:solidFill>
+                <a:latin typeface="+mn-lt"/>
+                <a:ea typeface="+mn-ea"/>
+                <a:cs typeface="+mn-cs"/>
+              </a:defRPr>
+            </a:lvl4pPr>
+            <a:lvl5pPr marL="2057400" indent="-228600" algn="l" defTabSz="914400" rtl="0" eaLnBrk="1" latinLnBrk="0" hangingPunct="1">
+              <a:lnSpc>
+                <a:spcPct val="90000"/>
+              </a:lnSpc>
+              <a:spcBef>
+                <a:spcPts val="500"/>
+              </a:spcBef>
+              <a:buFont typeface="Arial" panose="020B0604020202020204" pitchFamily="34" charset="0"/>
+              <a:buChar char="•"/>
+              <a:defRPr sz="1800" kern="1200">
+                <a:solidFill>
+                  <a:schemeClr val="tx1"/>
+                </a:solidFill>
+                <a:latin typeface="+mn-lt"/>
+                <a:ea typeface="+mn-ea"/>
+                <a:cs typeface="+mn-cs"/>
+              </a:defRPr>
+            </a:lvl5pPr>
+            <a:lvl6pPr marL="2514600" indent="-228600" algn="l" defTabSz="914400" rtl="0" eaLnBrk="1" latinLnBrk="0" hangingPunct="1">
+              <a:lnSpc>
+                <a:spcPct val="90000"/>
+              </a:lnSpc>
+              <a:spcBef>
+                <a:spcPts val="500"/>
+              </a:spcBef>
+              <a:buFont typeface="Arial" panose="020B0604020202020204" pitchFamily="34" charset="0"/>
+              <a:buChar char="•"/>
+              <a:defRPr sz="1800" kern="1200">
+                <a:solidFill>
+                  <a:schemeClr val="tx1"/>
+                </a:solidFill>
+                <a:latin typeface="+mn-lt"/>
+                <a:ea typeface="+mn-ea"/>
+                <a:cs typeface="+mn-cs"/>
+              </a:defRPr>
+            </a:lvl6pPr>
+            <a:lvl7pPr marL="2971800" indent="-228600" algn="l" defTabSz="914400" rtl="0" eaLnBrk="1" latinLnBrk="0" hangingPunct="1">
+              <a:lnSpc>
+                <a:spcPct val="90000"/>
+              </a:lnSpc>
+              <a:spcBef>
+                <a:spcPts val="500"/>
+              </a:spcBef>
+              <a:buFont typeface="Arial" panose="020B0604020202020204" pitchFamily="34" charset="0"/>
+              <a:buChar char="•"/>
+              <a:defRPr sz="1800" kern="1200">
+                <a:solidFill>
+                  <a:schemeClr val="tx1"/>
+                </a:solidFill>
+                <a:latin typeface="+mn-lt"/>
+                <a:ea typeface="+mn-ea"/>
+                <a:cs typeface="+mn-cs"/>
+              </a:defRPr>
+            </a:lvl7pPr>
+            <a:lvl8pPr marL="3429000" indent="-228600" algn="l" defTabSz="914400" rtl="0" eaLnBrk="1" latinLnBrk="0" hangingPunct="1">
+              <a:lnSpc>
+                <a:spcPct val="90000"/>
+              </a:lnSpc>
+              <a:spcBef>
+                <a:spcPts val="500"/>
+              </a:spcBef>
+              <a:buFont typeface="Arial" panose="020B0604020202020204" pitchFamily="34" charset="0"/>
+              <a:buChar char="•"/>
+              <a:defRPr sz="1800" kern="1200">
+                <a:solidFill>
+                  <a:schemeClr val="tx1"/>
+                </a:solidFill>
+                <a:latin typeface="+mn-lt"/>
+                <a:ea typeface="+mn-ea"/>
+                <a:cs typeface="+mn-cs"/>
+              </a:defRPr>
+            </a:lvl8pPr>
+            <a:lvl9pPr marL="3886200" indent="-228600" algn="l" defTabSz="914400" rtl="0" eaLnBrk="1" latinLnBrk="0" hangingPunct="1">
+              <a:lnSpc>
+                <a:spcPct val="90000"/>
+              </a:lnSpc>
+              <a:spcBef>
+                <a:spcPts val="500"/>
+              </a:spcBef>
+              <a:buFont typeface="Arial" panose="020B0604020202020204" pitchFamily="34" charset="0"/>
+              <a:buChar char="•"/>
+              <a:defRPr sz="1800" kern="1200">
+                <a:solidFill>
+                  <a:schemeClr val="tx1"/>
+                </a:solidFill>
+                <a:latin typeface="+mn-lt"/>
+                <a:ea typeface="+mn-ea"/>
+                <a:cs typeface="+mn-cs"/>
+              </a:defRPr>
+            </a:lvl9pPr>
+          </a:lstStyle>
+          <a:p>
+            <a:pPr marL="0" indent="0">
+              <a:buNone/>
+            </a:pPr>
+            <a:r>
+              <a:rPr lang="fr-FR" sz="3600" dirty="0">
+                <a:solidFill>
+                  <a:srgbClr val="80BC58"/>
+                </a:solidFill>
+                <a:latin typeface="FontAwesome" pitchFamily="50" charset="0"/>
+              </a:rPr>
+              <a:t></a:t>
+            </a:r>
+          </a:p>
+        </p:txBody>
+      </p:sp>
+      <p:sp>
+        <p:nvSpPr>
+          <p:cNvPr id="13" name="Espace réservé du contenu 3"/>
+          <p:cNvSpPr txBox="1">
+            <a:spLocks/>
+          </p:cNvSpPr>
+          <p:nvPr/>
+        </p:nvSpPr>
+        <p:spPr>
+          <a:xfrm>
+            <a:off x="990600" y="1978025"/>
+            <a:ext cx="10515600" cy="4351338"/>
+          </a:xfrm>
+          <a:prstGeom prst="rect">
+            <a:avLst/>
+          </a:prstGeom>
+        </p:spPr>
+        <p:txBody>
+          <a:bodyPr vert="horz" lIns="91440" tIns="45720" rIns="91440" bIns="45720" rtlCol="0">
+            <a:normAutofit/>
+          </a:bodyPr>
+          <a:lstStyle>
+            <a:lvl1pPr marL="228600" indent="-228600" algn="l" defTabSz="914400" rtl="0" eaLnBrk="1" latinLnBrk="0" hangingPunct="1">
+              <a:lnSpc>
+                <a:spcPct val="90000"/>
+              </a:lnSpc>
+              <a:spcBef>
+                <a:spcPts val="1000"/>
+              </a:spcBef>
+              <a:buFont typeface="Arial" panose="020B0604020202020204" pitchFamily="34" charset="0"/>
+              <a:buChar char="•"/>
+              <a:defRPr sz="2800" kern="1200">
+                <a:solidFill>
+                  <a:schemeClr val="tx1"/>
+                </a:solidFill>
+                <a:latin typeface="+mn-lt"/>
+                <a:ea typeface="+mn-ea"/>
+                <a:cs typeface="+mn-cs"/>
+              </a:defRPr>
+            </a:lvl1pPr>
+            <a:lvl2pPr marL="685800" indent="-228600" algn="l" defTabSz="914400" rtl="0" eaLnBrk="1" latinLnBrk="0" hangingPunct="1">
+              <a:lnSpc>
+                <a:spcPct val="90000"/>
+              </a:lnSpc>
+              <a:spcBef>
+                <a:spcPts val="500"/>
+              </a:spcBef>
+              <a:buFont typeface="Arial" panose="020B0604020202020204" pitchFamily="34" charset="0"/>
+              <a:buChar char="•"/>
+              <a:defRPr sz="2400" kern="1200">
+                <a:solidFill>
+                  <a:schemeClr val="tx1"/>
+                </a:solidFill>
+                <a:latin typeface="+mn-lt"/>
+                <a:ea typeface="+mn-ea"/>
+                <a:cs typeface="+mn-cs"/>
+              </a:defRPr>
+            </a:lvl2pPr>
+            <a:lvl3pPr marL="1143000" indent="-228600" algn="l" defTabSz="914400" rtl="0" eaLnBrk="1" latinLnBrk="0" hangingPunct="1">
+              <a:lnSpc>
+                <a:spcPct val="90000"/>
+              </a:lnSpc>
+              <a:spcBef>
+                <a:spcPts val="500"/>
+              </a:spcBef>
+              <a:buFont typeface="Arial" panose="020B0604020202020204" pitchFamily="34" charset="0"/>
+              <a:buChar char="•"/>
+              <a:defRPr sz="2000" kern="1200">
+                <a:solidFill>
+                  <a:schemeClr val="tx1"/>
+                </a:solidFill>
+                <a:latin typeface="+mn-lt"/>
+                <a:ea typeface="+mn-ea"/>
+                <a:cs typeface="+mn-cs"/>
+              </a:defRPr>
+            </a:lvl3pPr>
+            <a:lvl4pPr marL="1600200" indent="-228600" algn="l" defTabSz="914400" rtl="0" eaLnBrk="1" latinLnBrk="0" hangingPunct="1">
+              <a:lnSpc>
+                <a:spcPct val="90000"/>
+              </a:lnSpc>
+              <a:spcBef>
+                <a:spcPts val="500"/>
+              </a:spcBef>
+              <a:buFont typeface="Arial" panose="020B0604020202020204" pitchFamily="34" charset="0"/>
+              <a:buChar char="•"/>
+              <a:defRPr sz="1800" kern="1200">
+                <a:solidFill>
+                  <a:schemeClr val="tx1"/>
+                </a:solidFill>
+                <a:latin typeface="+mn-lt"/>
+                <a:ea typeface="+mn-ea"/>
+                <a:cs typeface="+mn-cs"/>
+              </a:defRPr>
+            </a:lvl4pPr>
+            <a:lvl5pPr marL="2057400" indent="-228600" algn="l" defTabSz="914400" rtl="0" eaLnBrk="1" latinLnBrk="0" hangingPunct="1">
+              <a:lnSpc>
+                <a:spcPct val="90000"/>
+              </a:lnSpc>
+              <a:spcBef>
+                <a:spcPts val="500"/>
+              </a:spcBef>
+              <a:buFont typeface="Arial" panose="020B0604020202020204" pitchFamily="34" charset="0"/>
+              <a:buChar char="•"/>
+              <a:defRPr sz="1800" kern="1200">
+                <a:solidFill>
+                  <a:schemeClr val="tx1"/>
+                </a:solidFill>
+                <a:latin typeface="+mn-lt"/>
+                <a:ea typeface="+mn-ea"/>
+                <a:cs typeface="+mn-cs"/>
+              </a:defRPr>
+            </a:lvl5pPr>
+            <a:lvl6pPr marL="2514600" indent="-228600" algn="l" defTabSz="914400" rtl="0" eaLnBrk="1" latinLnBrk="0" hangingPunct="1">
+              <a:lnSpc>
+                <a:spcPct val="90000"/>
+              </a:lnSpc>
+              <a:spcBef>
+                <a:spcPts val="500"/>
+              </a:spcBef>
+              <a:buFont typeface="Arial" panose="020B0604020202020204" pitchFamily="34" charset="0"/>
+              <a:buChar char="•"/>
+              <a:defRPr sz="1800" kern="1200">
+                <a:solidFill>
+                  <a:schemeClr val="tx1"/>
+                </a:solidFill>
+                <a:latin typeface="+mn-lt"/>
+                <a:ea typeface="+mn-ea"/>
+                <a:cs typeface="+mn-cs"/>
+              </a:defRPr>
+            </a:lvl6pPr>
+            <a:lvl7pPr marL="2971800" indent="-228600" algn="l" defTabSz="914400" rtl="0" eaLnBrk="1" latinLnBrk="0" hangingPunct="1">
+              <a:lnSpc>
+                <a:spcPct val="90000"/>
+              </a:lnSpc>
+              <a:spcBef>
+                <a:spcPts val="500"/>
+              </a:spcBef>
+              <a:buFont typeface="Arial" panose="020B0604020202020204" pitchFamily="34" charset="0"/>
+              <a:buChar char="•"/>
+              <a:defRPr sz="1800" kern="1200">
+                <a:solidFill>
+                  <a:schemeClr val="tx1"/>
+                </a:solidFill>
+                <a:latin typeface="+mn-lt"/>
+                <a:ea typeface="+mn-ea"/>
+                <a:cs typeface="+mn-cs"/>
+              </a:defRPr>
+            </a:lvl7pPr>
+            <a:lvl8pPr marL="3429000" indent="-228600" algn="l" defTabSz="914400" rtl="0" eaLnBrk="1" latinLnBrk="0" hangingPunct="1">
+              <a:lnSpc>
+                <a:spcPct val="90000"/>
+              </a:lnSpc>
+              <a:spcBef>
+                <a:spcPts val="500"/>
+              </a:spcBef>
+              <a:buFont typeface="Arial" panose="020B0604020202020204" pitchFamily="34" charset="0"/>
+              <a:buChar char="•"/>
+              <a:defRPr sz="1800" kern="1200">
+                <a:solidFill>
+                  <a:schemeClr val="tx1"/>
+                </a:solidFill>
+                <a:latin typeface="+mn-lt"/>
+                <a:ea typeface="+mn-ea"/>
+                <a:cs typeface="+mn-cs"/>
+              </a:defRPr>
+            </a:lvl8pPr>
+            <a:lvl9pPr marL="3886200" indent="-228600" algn="l" defTabSz="914400" rtl="0" eaLnBrk="1" latinLnBrk="0" hangingPunct="1">
+              <a:lnSpc>
+                <a:spcPct val="90000"/>
+              </a:lnSpc>
+              <a:spcBef>
+                <a:spcPts val="500"/>
+              </a:spcBef>
+              <a:buFont typeface="Arial" panose="020B0604020202020204" pitchFamily="34" charset="0"/>
+              <a:buChar char="•"/>
+              <a:defRPr sz="1800" kern="1200">
+                <a:solidFill>
+                  <a:schemeClr val="tx1"/>
+                </a:solidFill>
+                <a:latin typeface="+mn-lt"/>
+                <a:ea typeface="+mn-ea"/>
+                <a:cs typeface="+mn-cs"/>
+              </a:defRPr>
+            </a:lvl9pPr>
+          </a:lstStyle>
+          <a:p>
+            <a:r>
+              <a:rPr lang="fr-FR" dirty="0" smtClean="0">
+                <a:solidFill>
+                  <a:schemeClr val="bg1"/>
+                </a:solidFill>
+              </a:rPr>
+              <a:t>Écrite depuis source fiable</a:t>
+            </a:r>
+            <a:endParaRPr lang="fr-FR" dirty="0">
+              <a:solidFill>
+                <a:schemeClr val="bg1"/>
+              </a:solidFill>
+            </a:endParaRPr>
+          </a:p>
+        </p:txBody>
+      </p:sp>
+    </p:spTree>
+    <p:extLst>
+      <p:ext uri="{BB962C8B-B14F-4D97-AF65-F5344CB8AC3E}">
+        <p14:creationId xmlns:p14="http://schemas.microsoft.com/office/powerpoint/2010/main" val="1906212202"/>
+      </p:ext>
+    </p:extLst>
+  </p:cSld>
+  <p:clrMapOvr>
+    <a:masterClrMapping/>
+  </p:clrMapOvr>
+  <mc:AlternateContent xmlns:mc="http://schemas.openxmlformats.org/markup-compatibility/2006" xmlns:p14="http://schemas.microsoft.com/office/powerpoint/2010/main">
+    <mc:Choice Requires="p14">
+      <p:transition spd="slow" p14:dur="1200">
+        <p14:prism/>
+      </p:transition>
+    </mc:Choice>
+    <mc:Fallback xmlns="">
+      <p:transition spd="slow">
+        <p:fade/>
+      </p:transition>
+    </mc:Fallback>
+  </mc:AlternateContent>
+  <p:timing>
+    <p:tnLst>
+      <p:par>
+        <p:cTn id="1" dur="indefinite" restart="never" nodeType="tmRoot"/>
+      </p:par>
+    </p:tnLst>
+  </p:timing>
+</p:sld>
+</file>
+
+<file path=ppt/slides/slide4.xml><?xml version="1.0" encoding="utf-8"?>
 <p:sld xmlns:a="http://schemas.openxmlformats.org/drawingml/2006/main" xmlns:r="http://schemas.openxmlformats.org/officeDocument/2006/relationships" xmlns:p="http://schemas.openxmlformats.org/presentationml/2006/main">
   <p:cSld>
     <p:bg>
@@ -10489,7 +10178,7 @@
           <a:lstStyle/>
           <a:p>
             <a:r>
-              <a:rPr lang="fr-FR" b="1" dirty="0">
+              <a:rPr lang="fr-FR" b="1" dirty="0" smtClean="0">
                 <a:solidFill>
                   <a:schemeClr val="bg1"/>
                 </a:solidFill>
@@ -10497,18 +10186,7 @@
                 <a:ea typeface="Open Sans" panose="020B0606030504020204" pitchFamily="34" charset="0"/>
                 <a:cs typeface="Open Sans" panose="020B0606030504020204" pitchFamily="34" charset="0"/>
               </a:rPr>
-              <a:t>Naissance du </a:t>
-            </a:r>
-            <a:r>
-              <a:rPr lang="fr-FR" b="1" dirty="0" err="1">
-                <a:solidFill>
-                  <a:schemeClr val="bg1"/>
-                </a:solidFill>
-                <a:latin typeface="Open Sans" panose="020B0606030504020204" pitchFamily="34" charset="0"/>
-                <a:ea typeface="Open Sans" panose="020B0606030504020204" pitchFamily="34" charset="0"/>
-                <a:cs typeface="Open Sans" panose="020B0606030504020204" pitchFamily="34" charset="0"/>
-              </a:rPr>
-              <a:t>No-SQL</a:t>
+              <a:t>No-SQL vs SQL</a:t>
             </a:r>
             <a:endParaRPr lang="fr-FR" b="1" dirty="0">
               <a:solidFill>
@@ -10657,52 +10335,6 @@
       </p:sp>
       <p:sp>
         <p:nvSpPr>
-          <p:cNvPr id="20" name="Rectangle 19"/>
-          <p:cNvSpPr/>
-          <p:nvPr/>
-        </p:nvSpPr>
-        <p:spPr>
-          <a:xfrm>
-            <a:off x="8874917" y="2516188"/>
-            <a:ext cx="1195388" cy="1265237"/>
-          </a:xfrm>
-          <a:prstGeom prst="rect">
-            <a:avLst/>
-          </a:prstGeom>
-          <a:solidFill>
-            <a:srgbClr val="22303B"/>
-          </a:solidFill>
-          <a:ln w="57150">
-            <a:noFill/>
-          </a:ln>
-        </p:spPr>
-        <p:style>
-          <a:lnRef idx="2">
-            <a:schemeClr val="accent1">
-              <a:shade val="50000"/>
-            </a:schemeClr>
-          </a:lnRef>
-          <a:fillRef idx="1">
-            <a:schemeClr val="accent1"/>
-          </a:fillRef>
-          <a:effectRef idx="0">
-            <a:schemeClr val="accent1"/>
-          </a:effectRef>
-          <a:fontRef idx="minor">
-            <a:schemeClr val="lt1"/>
-          </a:fontRef>
-        </p:style>
-        <p:txBody>
-          <a:bodyPr rtlCol="0" anchor="ctr"/>
-          <a:lstStyle/>
-          <a:p>
-            <a:pPr algn="ctr"/>
-            <a:endParaRPr lang="fr-FR"/>
-          </a:p>
-        </p:txBody>
-      </p:sp>
-      <p:sp>
-        <p:nvSpPr>
           <p:cNvPr id="14" name="Sous-titre 2"/>
           <p:cNvSpPr txBox="1">
             <a:spLocks/>
@@ -10934,25 +10566,6 @@
               <a:ea typeface="Open Sans" panose="020B0606030504020204" pitchFamily="34" charset="0"/>
               <a:cs typeface="Open Sans" panose="020B0606030504020204" pitchFamily="34" charset="0"/>
             </a:endParaRPr>
-          </a:p>
-        </p:txBody>
-      </p:sp>
-      <p:sp>
-        <p:nvSpPr>
-          <p:cNvPr id="4" name="Espace réservé du contenu 3"/>
-          <p:cNvSpPr>
-            <a:spLocks noGrp="1"/>
-          </p:cNvSpPr>
-          <p:nvPr>
-            <p:ph idx="1"/>
-          </p:nvPr>
-        </p:nvSpPr>
-        <p:spPr/>
-        <p:txBody>
-          <a:bodyPr/>
-          <a:lstStyle/>
-          <a:p>
-            <a:endParaRPr lang="fr-FR" dirty="0"/>
           </a:p>
         </p:txBody>
       </p:sp>
@@ -11157,77 +10770,9 @@
           </a:p>
         </p:txBody>
       </p:sp>
-    </p:spTree>
-    <p:extLst>
-      <p:ext uri="{BB962C8B-B14F-4D97-AF65-F5344CB8AC3E}">
-        <p14:creationId xmlns:p14="http://schemas.microsoft.com/office/powerpoint/2010/main" val="496255912"/>
-      </p:ext>
-    </p:extLst>
-  </p:cSld>
-  <p:clrMapOvr>
-    <a:masterClrMapping/>
-  </p:clrMapOvr>
-  <mc:AlternateContent xmlns:mc="http://schemas.openxmlformats.org/markup-compatibility/2006" xmlns:p14="http://schemas.microsoft.com/office/powerpoint/2010/main">
-    <mc:Choice Requires="p14">
-      <p:transition spd="slow" p14:dur="1200">
-        <p14:prism/>
-      </p:transition>
-    </mc:Choice>
-    <mc:Fallback xmlns="">
-      <p:transition spd="slow">
-        <p:fade/>
-      </p:transition>
-    </mc:Fallback>
-  </mc:AlternateContent>
-  <p:timing>
-    <p:tnLst>
-      <p:par>
-        <p:cTn id="1" dur="indefinite" restart="never" nodeType="tmRoot"/>
-      </p:par>
-    </p:tnLst>
-  </p:timing>
-</p:sld>
-</file>
-
-<file path=ppt/slides/slide4.xml><?xml version="1.0" encoding="utf-8"?>
-<p:sld xmlns:a="http://schemas.openxmlformats.org/drawingml/2006/main" xmlns:r="http://schemas.openxmlformats.org/officeDocument/2006/relationships" xmlns:p="http://schemas.openxmlformats.org/presentationml/2006/main">
-  <p:cSld>
-    <p:spTree>
-      <p:nvGrpSpPr>
-        <p:cNvPr id="1" name=""/>
-        <p:cNvGrpSpPr/>
-        <p:nvPr/>
-      </p:nvGrpSpPr>
-      <p:grpSpPr>
-        <a:xfrm>
-          <a:off x="0" y="0"/>
-          <a:ext cx="0" cy="0"/>
-          <a:chOff x="0" y="0"/>
-          <a:chExt cx="0" cy="0"/>
-        </a:xfrm>
-      </p:grpSpPr>
       <p:sp>
         <p:nvSpPr>
-          <p:cNvPr id="2" name="Titre 1"/>
-          <p:cNvSpPr>
-            <a:spLocks noGrp="1"/>
-          </p:cNvSpPr>
-          <p:nvPr>
-            <p:ph type="title"/>
-          </p:nvPr>
-        </p:nvSpPr>
-        <p:spPr/>
-        <p:txBody>
-          <a:bodyPr/>
-          <a:lstStyle/>
-          <a:p>
-            <a:endParaRPr lang="fr-FR"/>
-          </a:p>
-        </p:txBody>
-      </p:sp>
-      <p:sp>
-        <p:nvSpPr>
-          <p:cNvPr id="3" name="Espace réservé du contenu 2"/>
+          <p:cNvPr id="3" name="Content Placeholder 2"/>
           <p:cNvSpPr>
             <a:spLocks noGrp="1"/>
           </p:cNvSpPr>
@@ -11235,104 +10780,62 @@
             <p:ph idx="1"/>
           </p:nvPr>
         </p:nvSpPr>
-        <p:spPr/>
+        <p:spPr>
+          <a:xfrm>
+            <a:off x="7071518" y="1730415"/>
+            <a:ext cx="4419600" cy="4351338"/>
+          </a:xfrm>
+        </p:spPr>
         <p:txBody>
           <a:bodyPr/>
           <a:lstStyle/>
           <a:p>
-            <a:endParaRPr lang="fr-FR"/>
-          </a:p>
-        </p:txBody>
-      </p:sp>
-      <p:pic>
-        <p:nvPicPr>
-          <p:cNvPr id="1026" name="Picture 2" descr="Résultat de recherche d'images pour &quot;sql wallpaper&quot;"/>
-          <p:cNvPicPr>
-            <a:picLocks noChangeAspect="1" noChangeArrowheads="1"/>
-          </p:cNvPicPr>
-          <p:nvPr/>
-        </p:nvPicPr>
-        <p:blipFill>
-          <a:blip r:embed="rId2">
-            <a:extLst>
-              <a:ext uri="{28A0092B-C50C-407E-A947-70E740481C1C}">
-                <a14:useLocalDpi xmlns:a14="http://schemas.microsoft.com/office/drawing/2010/main" val="0"/>
-              </a:ext>
-            </a:extLst>
-          </a:blip>
-          <a:srcRect/>
-          <a:stretch>
-            <a:fillRect/>
-          </a:stretch>
-        </p:blipFill>
-        <p:spPr bwMode="auto">
-          <a:xfrm>
-            <a:off x="0" y="-483080"/>
-            <a:ext cx="12192000" cy="7581534"/>
-          </a:xfrm>
-          <a:prstGeom prst="rect">
-            <a:avLst/>
-          </a:prstGeom>
-          <a:noFill/>
-          <a:extLst>
-            <a:ext uri="{909E8E84-426E-40DD-AFC4-6F175D3DCCD1}">
-              <a14:hiddenFill xmlns:a14="http://schemas.microsoft.com/office/drawing/2010/main">
-                <a:solidFill>
-                  <a:srgbClr val="FFFFFF"/>
-                </a:solidFill>
-              </a14:hiddenFill>
-            </a:ext>
-          </a:extLst>
-        </p:spPr>
-      </p:pic>
-      <p:sp>
-        <p:nvSpPr>
-          <p:cNvPr id="4" name="Rectangle 3"/>
-          <p:cNvSpPr/>
-          <p:nvPr/>
-        </p:nvSpPr>
-        <p:spPr>
-          <a:xfrm>
-            <a:off x="0" y="-483080"/>
-            <a:ext cx="12192000" cy="7581534"/>
-          </a:xfrm>
-          <a:prstGeom prst="rect">
-            <a:avLst/>
-          </a:prstGeom>
-          <a:solidFill>
-            <a:srgbClr val="22303B">
-              <a:alpha val="80000"/>
-            </a:srgbClr>
-          </a:solidFill>
-        </p:spPr>
-        <p:style>
-          <a:lnRef idx="2">
-            <a:schemeClr val="accent1">
-              <a:shade val="50000"/>
-            </a:schemeClr>
-          </a:lnRef>
-          <a:fillRef idx="1">
-            <a:schemeClr val="accent1"/>
-          </a:fillRef>
-          <a:effectRef idx="0">
-            <a:schemeClr val="accent1"/>
-          </a:effectRef>
-          <a:fontRef idx="minor">
-            <a:schemeClr val="lt1"/>
-          </a:fontRef>
-        </p:style>
-        <p:txBody>
-          <a:bodyPr rtlCol="0" anchor="ctr"/>
-          <a:lstStyle/>
-          <a:p>
-            <a:pPr algn="ctr"/>
-            <a:endParaRPr lang="fr-FR"/>
+            <a:r>
+              <a:rPr lang="fr-FR" dirty="0" smtClean="0">
+                <a:solidFill>
+                  <a:schemeClr val="bg1"/>
+                </a:solidFill>
+              </a:rPr>
+              <a:t>DB relationnelle</a:t>
+            </a:r>
+            <a:endParaRPr lang="fr-FR" dirty="0">
+              <a:solidFill>
+                <a:schemeClr val="bg1"/>
+              </a:solidFill>
+            </a:endParaRPr>
+          </a:p>
+          <a:p>
+            <a:pPr lvl="1"/>
+            <a:r>
+              <a:rPr lang="fr-FR" dirty="0" smtClean="0">
+                <a:solidFill>
+                  <a:schemeClr val="bg1"/>
+                </a:solidFill>
+              </a:rPr>
+              <a:t>- c bien aussi</a:t>
+            </a:r>
+          </a:p>
+          <a:p>
+            <a:pPr lvl="1"/>
+            <a:r>
+              <a:rPr lang="fr-FR" dirty="0" smtClean="0">
+                <a:solidFill>
+                  <a:schemeClr val="bg1"/>
+                </a:solidFill>
+              </a:rPr>
+              <a:t>- mais c moins bien aussi</a:t>
+            </a:r>
+            <a:endParaRPr lang="fr-FR" dirty="0">
+              <a:solidFill>
+                <a:schemeClr val="bg1"/>
+              </a:solidFill>
+            </a:endParaRPr>
           </a:p>
         </p:txBody>
       </p:sp>
       <p:sp>
         <p:nvSpPr>
-          <p:cNvPr id="7" name="Titre 1"/>
+          <p:cNvPr id="12" name="Content Placeholder 2"/>
           <p:cNvSpPr txBox="1">
             <a:spLocks/>
           </p:cNvSpPr>
@@ -11340,349 +10843,8 @@
         </p:nvSpPr>
         <p:spPr>
           <a:xfrm>
-            <a:off x="1295400" y="365125"/>
-            <a:ext cx="10058400" cy="1325563"/>
-          </a:xfrm>
-          <a:prstGeom prst="rect">
-            <a:avLst/>
-          </a:prstGeom>
-        </p:spPr>
-        <p:txBody>
-          <a:bodyPr vert="horz" lIns="91440" tIns="45720" rIns="91440" bIns="45720" rtlCol="0" anchor="ctr">
-            <a:normAutofit/>
-          </a:bodyPr>
-          <a:lstStyle>
-            <a:lvl1pPr algn="l" defTabSz="914400" rtl="0" eaLnBrk="1" latinLnBrk="0" hangingPunct="1">
-              <a:lnSpc>
-                <a:spcPct val="90000"/>
-              </a:lnSpc>
-              <a:spcBef>
-                <a:spcPct val="0"/>
-              </a:spcBef>
-              <a:buNone/>
-              <a:defRPr sz="4400" kern="1200">
-                <a:solidFill>
-                  <a:schemeClr val="tx1"/>
-                </a:solidFill>
-                <a:latin typeface="+mj-lt"/>
-                <a:ea typeface="+mj-ea"/>
-                <a:cs typeface="+mj-cs"/>
-              </a:defRPr>
-            </a:lvl1pPr>
-          </a:lstStyle>
-          <a:p>
-            <a:r>
-              <a:rPr lang="fr-FR" b="1" dirty="0" smtClean="0">
-                <a:solidFill>
-                  <a:schemeClr val="bg1"/>
-                </a:solidFill>
-                <a:latin typeface="Open Sans" panose="020B0606030504020204" pitchFamily="34" charset="0"/>
-                <a:ea typeface="Open Sans" panose="020B0606030504020204" pitchFamily="34" charset="0"/>
-                <a:cs typeface="Open Sans" panose="020B0606030504020204" pitchFamily="34" charset="0"/>
-              </a:rPr>
-              <a:t>SQL vs NoSQL</a:t>
-            </a:r>
-            <a:endParaRPr lang="fr-FR" b="1" dirty="0">
-              <a:solidFill>
-                <a:schemeClr val="bg1"/>
-              </a:solidFill>
-              <a:latin typeface="Open Sans" panose="020B0606030504020204" pitchFamily="34" charset="0"/>
-              <a:ea typeface="Open Sans" panose="020B0606030504020204" pitchFamily="34" charset="0"/>
-              <a:cs typeface="Open Sans" panose="020B0606030504020204" pitchFamily="34" charset="0"/>
-            </a:endParaRPr>
-          </a:p>
-        </p:txBody>
-      </p:sp>
-      <p:cxnSp>
-        <p:nvCxnSpPr>
-          <p:cNvPr id="9" name="Connecteur droit 8"/>
-          <p:cNvCxnSpPr/>
-          <p:nvPr/>
-        </p:nvCxnSpPr>
-        <p:spPr>
-          <a:xfrm>
-            <a:off x="981075" y="385763"/>
-            <a:ext cx="0" cy="1276350"/>
-          </a:xfrm>
-          <a:prstGeom prst="line">
-            <a:avLst/>
-          </a:prstGeom>
-          <a:ln w="76200">
-            <a:solidFill>
-              <a:srgbClr val="80BC58"/>
-            </a:solidFill>
-          </a:ln>
-          <a:effectLst>
-            <a:outerShdw blurRad="50800" dist="38100" dir="13500000" algn="br" rotWithShape="0">
-              <a:prstClr val="black">
-                <a:alpha val="40000"/>
-              </a:prstClr>
-            </a:outerShdw>
-          </a:effectLst>
-        </p:spPr>
-        <p:style>
-          <a:lnRef idx="1">
-            <a:schemeClr val="accent1"/>
-          </a:lnRef>
-          <a:fillRef idx="0">
-            <a:schemeClr val="accent1"/>
-          </a:fillRef>
-          <a:effectRef idx="0">
-            <a:schemeClr val="accent1"/>
-          </a:effectRef>
-          <a:fontRef idx="minor">
-            <a:schemeClr val="tx1"/>
-          </a:fontRef>
-        </p:style>
-      </p:cxnSp>
-      <p:sp>
-        <p:nvSpPr>
-          <p:cNvPr id="11" name="Sous-titre 2"/>
-          <p:cNvSpPr txBox="1">
-            <a:spLocks/>
-          </p:cNvSpPr>
-          <p:nvPr/>
-        </p:nvSpPr>
-        <p:spPr>
-          <a:xfrm>
-            <a:off x="723900" y="6284994"/>
-            <a:ext cx="10934700" cy="323686"/>
-          </a:xfrm>
-          <a:prstGeom prst="rect">
-            <a:avLst/>
-          </a:prstGeom>
-        </p:spPr>
-        <p:txBody>
-          <a:bodyPr vert="horz" lIns="91440" tIns="45720" rIns="91440" bIns="45720" rtlCol="0">
-            <a:noAutofit/>
-          </a:bodyPr>
-          <a:lstStyle>
-            <a:lvl1pPr marL="0" indent="0" algn="ctr" defTabSz="914400" rtl="0" eaLnBrk="1" latinLnBrk="0" hangingPunct="1">
-              <a:lnSpc>
-                <a:spcPct val="90000"/>
-              </a:lnSpc>
-              <a:spcBef>
-                <a:spcPts val="1000"/>
-              </a:spcBef>
-              <a:buFont typeface="Arial" panose="020B0604020202020204" pitchFamily="34" charset="0"/>
-              <a:buNone/>
-              <a:defRPr sz="2400" kern="1200">
-                <a:solidFill>
-                  <a:schemeClr val="tx1"/>
-                </a:solidFill>
-                <a:latin typeface="+mn-lt"/>
-                <a:ea typeface="+mn-ea"/>
-                <a:cs typeface="+mn-cs"/>
-              </a:defRPr>
-            </a:lvl1pPr>
-            <a:lvl2pPr marL="457200" indent="0" algn="ctr" defTabSz="914400" rtl="0" eaLnBrk="1" latinLnBrk="0" hangingPunct="1">
-              <a:lnSpc>
-                <a:spcPct val="90000"/>
-              </a:lnSpc>
-              <a:spcBef>
-                <a:spcPts val="500"/>
-              </a:spcBef>
-              <a:buFont typeface="Arial" panose="020B0604020202020204" pitchFamily="34" charset="0"/>
-              <a:buNone/>
-              <a:defRPr sz="2000" kern="1200">
-                <a:solidFill>
-                  <a:schemeClr val="tx1"/>
-                </a:solidFill>
-                <a:latin typeface="+mn-lt"/>
-                <a:ea typeface="+mn-ea"/>
-                <a:cs typeface="+mn-cs"/>
-              </a:defRPr>
-            </a:lvl2pPr>
-            <a:lvl3pPr marL="914400" indent="0" algn="ctr" defTabSz="914400" rtl="0" eaLnBrk="1" latinLnBrk="0" hangingPunct="1">
-              <a:lnSpc>
-                <a:spcPct val="90000"/>
-              </a:lnSpc>
-              <a:spcBef>
-                <a:spcPts val="500"/>
-              </a:spcBef>
-              <a:buFont typeface="Arial" panose="020B0604020202020204" pitchFamily="34" charset="0"/>
-              <a:buNone/>
-              <a:defRPr sz="1800" kern="1200">
-                <a:solidFill>
-                  <a:schemeClr val="tx1"/>
-                </a:solidFill>
-                <a:latin typeface="+mn-lt"/>
-                <a:ea typeface="+mn-ea"/>
-                <a:cs typeface="+mn-cs"/>
-              </a:defRPr>
-            </a:lvl3pPr>
-            <a:lvl4pPr marL="1371600" indent="0" algn="ctr" defTabSz="914400" rtl="0" eaLnBrk="1" latinLnBrk="0" hangingPunct="1">
-              <a:lnSpc>
-                <a:spcPct val="90000"/>
-              </a:lnSpc>
-              <a:spcBef>
-                <a:spcPts val="500"/>
-              </a:spcBef>
-              <a:buFont typeface="Arial" panose="020B0604020202020204" pitchFamily="34" charset="0"/>
-              <a:buNone/>
-              <a:defRPr sz="1600" kern="1200">
-                <a:solidFill>
-                  <a:schemeClr val="tx1"/>
-                </a:solidFill>
-                <a:latin typeface="+mn-lt"/>
-                <a:ea typeface="+mn-ea"/>
-                <a:cs typeface="+mn-cs"/>
-              </a:defRPr>
-            </a:lvl4pPr>
-            <a:lvl5pPr marL="1828800" indent="0" algn="ctr" defTabSz="914400" rtl="0" eaLnBrk="1" latinLnBrk="0" hangingPunct="1">
-              <a:lnSpc>
-                <a:spcPct val="90000"/>
-              </a:lnSpc>
-              <a:spcBef>
-                <a:spcPts val="500"/>
-              </a:spcBef>
-              <a:buFont typeface="Arial" panose="020B0604020202020204" pitchFamily="34" charset="0"/>
-              <a:buNone/>
-              <a:defRPr sz="1600" kern="1200">
-                <a:solidFill>
-                  <a:schemeClr val="tx1"/>
-                </a:solidFill>
-                <a:latin typeface="+mn-lt"/>
-                <a:ea typeface="+mn-ea"/>
-                <a:cs typeface="+mn-cs"/>
-              </a:defRPr>
-            </a:lvl5pPr>
-            <a:lvl6pPr marL="2286000" indent="0" algn="ctr" defTabSz="914400" rtl="0" eaLnBrk="1" latinLnBrk="0" hangingPunct="1">
-              <a:lnSpc>
-                <a:spcPct val="90000"/>
-              </a:lnSpc>
-              <a:spcBef>
-                <a:spcPts val="500"/>
-              </a:spcBef>
-              <a:buFont typeface="Arial" panose="020B0604020202020204" pitchFamily="34" charset="0"/>
-              <a:buNone/>
-              <a:defRPr sz="1600" kern="1200">
-                <a:solidFill>
-                  <a:schemeClr val="tx1"/>
-                </a:solidFill>
-                <a:latin typeface="+mn-lt"/>
-                <a:ea typeface="+mn-ea"/>
-                <a:cs typeface="+mn-cs"/>
-              </a:defRPr>
-            </a:lvl6pPr>
-            <a:lvl7pPr marL="2743200" indent="0" algn="ctr" defTabSz="914400" rtl="0" eaLnBrk="1" latinLnBrk="0" hangingPunct="1">
-              <a:lnSpc>
-                <a:spcPct val="90000"/>
-              </a:lnSpc>
-              <a:spcBef>
-                <a:spcPts val="500"/>
-              </a:spcBef>
-              <a:buFont typeface="Arial" panose="020B0604020202020204" pitchFamily="34" charset="0"/>
-              <a:buNone/>
-              <a:defRPr sz="1600" kern="1200">
-                <a:solidFill>
-                  <a:schemeClr val="tx1"/>
-                </a:solidFill>
-                <a:latin typeface="+mn-lt"/>
-                <a:ea typeface="+mn-ea"/>
-                <a:cs typeface="+mn-cs"/>
-              </a:defRPr>
-            </a:lvl7pPr>
-            <a:lvl8pPr marL="3200400" indent="0" algn="ctr" defTabSz="914400" rtl="0" eaLnBrk="1" latinLnBrk="0" hangingPunct="1">
-              <a:lnSpc>
-                <a:spcPct val="90000"/>
-              </a:lnSpc>
-              <a:spcBef>
-                <a:spcPts val="500"/>
-              </a:spcBef>
-              <a:buFont typeface="Arial" panose="020B0604020202020204" pitchFamily="34" charset="0"/>
-              <a:buNone/>
-              <a:defRPr sz="1600" kern="1200">
-                <a:solidFill>
-                  <a:schemeClr val="tx1"/>
-                </a:solidFill>
-                <a:latin typeface="+mn-lt"/>
-                <a:ea typeface="+mn-ea"/>
-                <a:cs typeface="+mn-cs"/>
-              </a:defRPr>
-            </a:lvl8pPr>
-            <a:lvl9pPr marL="3657600" indent="0" algn="ctr" defTabSz="914400" rtl="0" eaLnBrk="1" latinLnBrk="0" hangingPunct="1">
-              <a:lnSpc>
-                <a:spcPct val="90000"/>
-              </a:lnSpc>
-              <a:spcBef>
-                <a:spcPts val="500"/>
-              </a:spcBef>
-              <a:buFont typeface="Arial" panose="020B0604020202020204" pitchFamily="34" charset="0"/>
-              <a:buNone/>
-              <a:defRPr sz="1600" kern="1200">
-                <a:solidFill>
-                  <a:schemeClr val="tx1"/>
-                </a:solidFill>
-                <a:latin typeface="+mn-lt"/>
-                <a:ea typeface="+mn-ea"/>
-                <a:cs typeface="+mn-cs"/>
-              </a:defRPr>
-            </a:lvl9pPr>
-          </a:lstStyle>
-          <a:p>
-            <a:r>
-              <a:rPr lang="fr-FR" sz="2000" b="1" dirty="0" smtClean="0">
-                <a:solidFill>
-                  <a:schemeClr val="bg1"/>
-                </a:solidFill>
-                <a:latin typeface="Open Sans" panose="020B0606030504020204" pitchFamily="34" charset="0"/>
-                <a:ea typeface="Open Sans" panose="020B0606030504020204" pitchFamily="34" charset="0"/>
-                <a:cs typeface="Open Sans" panose="020B0606030504020204" pitchFamily="34" charset="0"/>
-              </a:rPr>
-              <a:t>PROJET JAVA JEE </a:t>
-            </a:r>
-            <a:r>
-              <a:rPr lang="fr-FR" sz="2000" dirty="0">
-                <a:solidFill>
-                  <a:schemeClr val="bg1">
-                    <a:lumMod val="65000"/>
-                  </a:schemeClr>
-                </a:solidFill>
-                <a:latin typeface="Open Sans" panose="020B0606030504020204" pitchFamily="34" charset="0"/>
-                <a:ea typeface="Open Sans" panose="020B0606030504020204" pitchFamily="34" charset="0"/>
-                <a:cs typeface="Open Sans" panose="020B0606030504020204" pitchFamily="34" charset="0"/>
-              </a:rPr>
-              <a:t>~</a:t>
-            </a:r>
-            <a:r>
-              <a:rPr lang="fr-FR" sz="2000" dirty="0" smtClean="0">
-                <a:solidFill>
-                  <a:schemeClr val="bg1">
-                    <a:lumMod val="65000"/>
-                  </a:schemeClr>
-                </a:solidFill>
-                <a:latin typeface="Open Sans" panose="020B0606030504020204" pitchFamily="34" charset="0"/>
-                <a:ea typeface="Open Sans" panose="020B0606030504020204" pitchFamily="34" charset="0"/>
-                <a:cs typeface="Open Sans" panose="020B0606030504020204" pitchFamily="34" charset="0"/>
-              </a:rPr>
-              <a:t> Application de gestion pour les pré-inscriptions à des UV ~</a:t>
-            </a:r>
-            <a:endParaRPr lang="fr-FR" sz="2000" dirty="0">
-              <a:solidFill>
-                <a:schemeClr val="bg1">
-                  <a:lumMod val="65000"/>
-                </a:schemeClr>
-              </a:solidFill>
-              <a:latin typeface="Open Sans" panose="020B0606030504020204" pitchFamily="34" charset="0"/>
-              <a:ea typeface="Open Sans" panose="020B0606030504020204" pitchFamily="34" charset="0"/>
-              <a:cs typeface="Open Sans" panose="020B0606030504020204" pitchFamily="34" charset="0"/>
-            </a:endParaRPr>
-          </a:p>
-        </p:txBody>
-      </p:sp>
-      <p:sp>
-        <p:nvSpPr>
-          <p:cNvPr id="10" name="Espace réservé du contenu 2"/>
-          <p:cNvSpPr txBox="1">
-            <a:spLocks/>
-          </p:cNvSpPr>
-          <p:nvPr/>
-        </p:nvSpPr>
-        <p:spPr>
-          <a:xfrm>
-            <a:off x="11518106" y="76200"/>
-            <a:ext cx="673894" cy="619125"/>
+            <a:off x="1738312" y="1730415"/>
+            <a:ext cx="4419600" cy="4351338"/>
           </a:xfrm>
           <a:prstGeom prst="rect">
             <a:avLst/>
@@ -11857,25 +11019,103 @@
             </a:lvl9pPr>
           </a:lstStyle>
           <a:p>
-            <a:pPr marL="0" indent="0">
-              <a:buNone/>
-            </a:pPr>
-            <a:r>
-              <a:rPr lang="fr-FR" sz="3600" dirty="0">
-                <a:solidFill>
-                  <a:srgbClr val="80BC58"/>
-                </a:solidFill>
-                <a:latin typeface="FontAwesome" pitchFamily="50" charset="0"/>
+            <a:r>
+              <a:rPr lang="fr-FR" dirty="0" smtClean="0">
+                <a:solidFill>
+                  <a:schemeClr val="bg1"/>
+                </a:solidFill>
               </a:rPr>
-              <a:t></a:t>
-            </a:r>
+              <a:t>DB not </a:t>
+            </a:r>
+            <a:r>
+              <a:rPr lang="fr-FR" dirty="0" err="1" smtClean="0">
+                <a:solidFill>
+                  <a:schemeClr val="bg1"/>
+                </a:solidFill>
+              </a:rPr>
+              <a:t>only</a:t>
+            </a:r>
+            <a:r>
+              <a:rPr lang="fr-FR" dirty="0" smtClean="0">
+                <a:solidFill>
+                  <a:schemeClr val="bg1"/>
+                </a:solidFill>
+              </a:rPr>
+              <a:t> relationnelle</a:t>
+            </a:r>
+          </a:p>
+          <a:p>
+            <a:pPr lvl="1"/>
+            <a:r>
+              <a:rPr lang="fr-FR" dirty="0" smtClean="0">
+                <a:solidFill>
+                  <a:schemeClr val="bg1"/>
+                </a:solidFill>
+              </a:rPr>
+              <a:t>- c bien</a:t>
+            </a:r>
+          </a:p>
+          <a:p>
+            <a:pPr lvl="1"/>
+            <a:r>
+              <a:rPr lang="fr-FR" dirty="0" smtClean="0">
+                <a:solidFill>
+                  <a:schemeClr val="bg1"/>
+                </a:solidFill>
+              </a:rPr>
+              <a:t>- mais c moins bien</a:t>
+            </a:r>
+            <a:endParaRPr lang="fr-FR" dirty="0">
+              <a:solidFill>
+                <a:schemeClr val="bg1"/>
+              </a:solidFill>
+            </a:endParaRPr>
           </a:p>
         </p:txBody>
       </p:sp>
+      <p:pic>
+        <p:nvPicPr>
+          <p:cNvPr id="13" name="Picture 4" descr="Résultat de recherche d'images pour &quot;nosql&quot;"/>
+          <p:cNvPicPr>
+            <a:picLocks noChangeAspect="1" noChangeArrowheads="1"/>
+          </p:cNvPicPr>
+          <p:nvPr/>
+        </p:nvPicPr>
+        <p:blipFill rotWithShape="1">
+          <a:blip r:embed="rId2">
+            <a:extLst>
+              <a:ext uri="{28A0092B-C50C-407E-A947-70E740481C1C}">
+                <a14:useLocalDpi xmlns:a14="http://schemas.microsoft.com/office/drawing/2010/main" val="0"/>
+              </a:ext>
+            </a:extLst>
+          </a:blip>
+          <a:srcRect l="1315" t="3605" r="1151" b="1714"/>
+          <a:stretch/>
+        </p:blipFill>
+        <p:spPr bwMode="auto">
+          <a:xfrm>
+            <a:off x="2132013" y="3335337"/>
+            <a:ext cx="7534275" cy="2543175"/>
+          </a:xfrm>
+          <a:prstGeom prst="rect">
+            <a:avLst/>
+          </a:prstGeom>
+          <a:noFill/>
+          <a:extLst>
+            <a:ext uri="{909E8E84-426E-40DD-AFC4-6F175D3DCCD1}">
+              <a14:hiddenFill xmlns:a14="http://schemas.microsoft.com/office/drawing/2010/main">
+                <a:solidFill>
+                  <a:srgbClr val="FFFFFF"/>
+                </a:solidFill>
+              </a14:hiddenFill>
+            </a:ext>
+          </a:extLst>
+        </p:spPr>
+      </p:pic>
     </p:spTree>
     <p:extLst>
       <p:ext uri="{BB962C8B-B14F-4D97-AF65-F5344CB8AC3E}">
-        <p14:creationId xmlns:p14="http://schemas.microsoft.com/office/powerpoint/2010/main" val="1906212202"/>
+        <p14:creationId xmlns:p14="http://schemas.microsoft.com/office/powerpoint/2010/main" val="496255912"/>
       </p:ext>
     </p:extLst>
   </p:cSld>
@@ -13148,7 +12388,7 @@
                 <a:ea typeface="Open Sans" panose="020B0606030504020204" pitchFamily="34" charset="0"/>
                 <a:cs typeface="Open Sans" panose="020B0606030504020204" pitchFamily="34" charset="0"/>
               </a:rPr>
-              <a:t>Mise en place</a:t>
+              <a:t>Installation</a:t>
             </a:r>
             <a:endParaRPr lang="fr-FR" b="1" dirty="0">
               <a:solidFill>
@@ -13205,65 +12445,7 @@
       </p:cxnSp>
       <p:sp>
         <p:nvSpPr>
-          <p:cNvPr id="4" name="Espace réservé du contenu 3"/>
-          <p:cNvSpPr>
-            <a:spLocks noGrp="1"/>
-          </p:cNvSpPr>
-          <p:nvPr>
-            <p:ph idx="1"/>
-          </p:nvPr>
-        </p:nvSpPr>
-        <p:spPr/>
-        <p:txBody>
-          <a:bodyPr/>
-          <a:lstStyle/>
-          <a:p>
-            <a:endParaRPr lang="fr-FR"/>
-          </a:p>
-        </p:txBody>
-      </p:sp>
-      <p:pic>
-        <p:nvPicPr>
-          <p:cNvPr id="15" name="Picture 4" descr="Résultat de recherche d'images pour &quot;nosql&quot;"/>
-          <p:cNvPicPr>
-            <a:picLocks noChangeAspect="1" noChangeArrowheads="1"/>
-          </p:cNvPicPr>
-          <p:nvPr/>
-        </p:nvPicPr>
-        <p:blipFill rotWithShape="1">
-          <a:blip r:embed="rId2">
-            <a:extLst>
-              <a:ext uri="{28A0092B-C50C-407E-A947-70E740481C1C}">
-                <a14:useLocalDpi xmlns:a14="http://schemas.microsoft.com/office/drawing/2010/main" val="0"/>
-              </a:ext>
-            </a:extLst>
-          </a:blip>
-          <a:srcRect l="1315" t="3605" r="1151" b="1714"/>
-          <a:stretch/>
-        </p:blipFill>
-        <p:spPr bwMode="auto">
-          <a:xfrm>
-            <a:off x="2424112" y="2416216"/>
-            <a:ext cx="7534275" cy="2543175"/>
-          </a:xfrm>
-          <a:prstGeom prst="rect">
-            <a:avLst/>
-          </a:prstGeom>
-          <a:noFill/>
-          <a:extLst>
-            <a:ext uri="{909E8E84-426E-40DD-AFC4-6F175D3DCCD1}">
-              <a14:hiddenFill xmlns:a14="http://schemas.microsoft.com/office/drawing/2010/main">
-                <a:solidFill>
-                  <a:srgbClr val="FFFFFF"/>
-                </a:solidFill>
-              </a14:hiddenFill>
-            </a:ext>
-          </a:extLst>
-        </p:spPr>
-      </p:pic>
-      <p:sp>
-        <p:nvSpPr>
-          <p:cNvPr id="22" name="Sous-titre 2"/>
+          <p:cNvPr id="6" name="Sous-titre 2"/>
           <p:cNvSpPr txBox="1">
             <a:spLocks/>
           </p:cNvSpPr>
@@ -13499,7 +12681,7 @@
       </p:sp>
       <p:sp>
         <p:nvSpPr>
-          <p:cNvPr id="8" name="Espace réservé du contenu 2"/>
+          <p:cNvPr id="20" name="Espace réservé du contenu 2"/>
           <p:cNvSpPr txBox="1">
             <a:spLocks/>
           </p:cNvSpPr>
@@ -13698,10 +12880,107 @@
           </a:p>
         </p:txBody>
       </p:sp>
+      <p:sp>
+        <p:nvSpPr>
+          <p:cNvPr id="21" name="Espace réservé du contenu 3"/>
+          <p:cNvSpPr>
+            <a:spLocks noGrp="1"/>
+          </p:cNvSpPr>
+          <p:nvPr>
+            <p:ph idx="1"/>
+          </p:nvPr>
+        </p:nvSpPr>
+        <p:spPr>
+          <a:xfrm>
+            <a:off x="838200" y="1825625"/>
+            <a:ext cx="10515600" cy="4351338"/>
+          </a:xfrm>
+        </p:spPr>
+        <p:txBody>
+          <a:bodyPr/>
+          <a:lstStyle/>
+          <a:p>
+            <a:r>
+              <a:rPr lang="fr-FR" dirty="0" smtClean="0">
+                <a:solidFill>
+                  <a:schemeClr val="bg1"/>
+                </a:solidFill>
+              </a:rPr>
+              <a:t>Installer la base</a:t>
+            </a:r>
+          </a:p>
+          <a:p>
+            <a:r>
+              <a:rPr lang="fr-FR" dirty="0" smtClean="0">
+                <a:solidFill>
+                  <a:schemeClr val="bg1"/>
+                </a:solidFill>
+              </a:rPr>
+              <a:t>Lancer la base mongod.exe (lancement de la base dans C:/data/db)</a:t>
+            </a:r>
+          </a:p>
+          <a:p>
+            <a:endParaRPr lang="fr-FR" dirty="0" smtClean="0">
+              <a:solidFill>
+                <a:schemeClr val="bg1"/>
+              </a:solidFill>
+            </a:endParaRPr>
+          </a:p>
+          <a:p>
+            <a:r>
+              <a:rPr lang="fr-FR" dirty="0" smtClean="0">
+                <a:solidFill>
+                  <a:schemeClr val="bg1"/>
+                </a:solidFill>
+              </a:rPr>
+              <a:t>Import </a:t>
+            </a:r>
+            <a:r>
+              <a:rPr lang="fr-FR" dirty="0" err="1" smtClean="0">
+                <a:solidFill>
+                  <a:schemeClr val="bg1"/>
+                </a:solidFill>
+              </a:rPr>
+              <a:t>maven</a:t>
+            </a:r>
+            <a:r>
+              <a:rPr lang="fr-FR" dirty="0" smtClean="0">
+                <a:solidFill>
+                  <a:schemeClr val="bg1"/>
+                </a:solidFill>
+              </a:rPr>
+              <a:t> driver </a:t>
+            </a:r>
+            <a:r>
+              <a:rPr lang="fr-FR" dirty="0" err="1" smtClean="0">
+                <a:solidFill>
+                  <a:schemeClr val="bg1"/>
+                </a:solidFill>
+              </a:rPr>
+              <a:t>jdbc</a:t>
+            </a:r>
+            <a:endParaRPr lang="fr-FR" dirty="0" smtClean="0">
+              <a:solidFill>
+                <a:schemeClr val="bg1"/>
+              </a:solidFill>
+            </a:endParaRPr>
+          </a:p>
+          <a:p>
+            <a:endParaRPr lang="fr-FR" dirty="0" smtClean="0">
+              <a:solidFill>
+                <a:schemeClr val="bg1"/>
+              </a:solidFill>
+            </a:endParaRPr>
+          </a:p>
+          <a:p>
+            <a:endParaRPr lang="fr-FR" dirty="0"/>
+          </a:p>
+        </p:txBody>
+      </p:sp>
     </p:spTree>
     <p:extLst>
       <p:ext uri="{BB962C8B-B14F-4D97-AF65-F5344CB8AC3E}">
-        <p14:creationId xmlns:p14="http://schemas.microsoft.com/office/powerpoint/2010/main" val="3356235453"/>
+        <p14:creationId xmlns:p14="http://schemas.microsoft.com/office/powerpoint/2010/main" val="1003383213"/>
       </p:ext>
     </p:extLst>
   </p:cSld>
@@ -13784,7 +13063,7 @@
                 <a:ea typeface="Open Sans" panose="020B0606030504020204" pitchFamily="34" charset="0"/>
                 <a:cs typeface="Open Sans" panose="020B0606030504020204" pitchFamily="34" charset="0"/>
               </a:rPr>
-              <a:t>Système de collections</a:t>
+              <a:t>Utilisation</a:t>
             </a:r>
             <a:endParaRPr lang="fr-FR" b="1" dirty="0">
               <a:solidFill>
@@ -13849,14 +13128,14 @@
             <p:ph idx="1"/>
             <p:extLst>
               <p:ext uri="{D42A27DB-BD31-4B8C-83A1-F6EECF244321}">
-                <p14:modId xmlns:p14="http://schemas.microsoft.com/office/powerpoint/2010/main" val="2204484366"/>
+                <p14:modId xmlns:p14="http://schemas.microsoft.com/office/powerpoint/2010/main" val="21568902"/>
               </p:ext>
             </p:extLst>
           </p:nvPr>
         </p:nvGraphicFramePr>
         <p:xfrm>
-          <a:off x="838200" y="1625600"/>
-          <a:ext cx="10515600" cy="4351338"/>
+          <a:off x="6846570" y="695325"/>
+          <a:ext cx="4507230" cy="5281613"/>
         </p:xfrm>
         <a:graphic>
           <a:graphicData uri="http://schemas.openxmlformats.org/drawingml/2006/diagram">
@@ -14297,6 +13576,352 @@
                 <a:latin typeface="FontAwesome" pitchFamily="50" charset="0"/>
               </a:rPr>
               <a:t></a:t>
+            </a:r>
+          </a:p>
+        </p:txBody>
+      </p:sp>
+      <p:sp>
+        <p:nvSpPr>
+          <p:cNvPr id="4" name="TextBox 3"/>
+          <p:cNvSpPr txBox="1"/>
+          <p:nvPr/>
+        </p:nvSpPr>
+        <p:spPr>
+          <a:xfrm>
+            <a:off x="400050" y="2751496"/>
+            <a:ext cx="7178040" cy="1323439"/>
+          </a:xfrm>
+          <a:prstGeom prst="rect">
+            <a:avLst/>
+          </a:prstGeom>
+          <a:noFill/>
+        </p:spPr>
+        <p:txBody>
+          <a:bodyPr wrap="square" rtlCol="0">
+            <a:spAutoFit/>
+          </a:bodyPr>
+          <a:lstStyle/>
+          <a:p>
+            <a:r>
+              <a:rPr lang="fr-FR" sz="1600" b="1" dirty="0" err="1">
+                <a:solidFill>
+                  <a:srgbClr val="FFC614"/>
+                </a:solidFill>
+                <a:latin typeface="Open Sans" panose="020B0606030504020204" pitchFamily="34" charset="0"/>
+                <a:ea typeface="Open Sans" panose="020B0606030504020204" pitchFamily="34" charset="0"/>
+                <a:cs typeface="Open Sans" panose="020B0606030504020204" pitchFamily="34" charset="0"/>
+              </a:rPr>
+              <a:t>MongoClient</a:t>
+            </a:r>
+            <a:r>
+              <a:rPr lang="fr-FR" sz="1600" dirty="0">
+                <a:solidFill>
+                  <a:srgbClr val="FFC614"/>
+                </a:solidFill>
+                <a:latin typeface="Open Sans" panose="020B0606030504020204" pitchFamily="34" charset="0"/>
+                <a:ea typeface="Open Sans" panose="020B0606030504020204" pitchFamily="34" charset="0"/>
+                <a:cs typeface="Open Sans" panose="020B0606030504020204" pitchFamily="34" charset="0"/>
+              </a:rPr>
+              <a:t> </a:t>
+            </a:r>
+            <a:r>
+              <a:rPr lang="fr-FR" sz="1600" dirty="0" err="1">
+                <a:solidFill>
+                  <a:schemeClr val="bg1"/>
+                </a:solidFill>
+                <a:latin typeface="Open Sans" panose="020B0606030504020204" pitchFamily="34" charset="0"/>
+                <a:ea typeface="Open Sans" panose="020B0606030504020204" pitchFamily="34" charset="0"/>
+                <a:cs typeface="Open Sans" panose="020B0606030504020204" pitchFamily="34" charset="0"/>
+              </a:rPr>
+              <a:t>mongoClient</a:t>
+            </a:r>
+            <a:r>
+              <a:rPr lang="fr-FR" sz="1600" dirty="0">
+                <a:solidFill>
+                  <a:schemeClr val="bg1"/>
+                </a:solidFill>
+                <a:latin typeface="Open Sans" panose="020B0606030504020204" pitchFamily="34" charset="0"/>
+                <a:ea typeface="Open Sans" panose="020B0606030504020204" pitchFamily="34" charset="0"/>
+                <a:cs typeface="Open Sans" panose="020B0606030504020204" pitchFamily="34" charset="0"/>
+              </a:rPr>
+              <a:t> = </a:t>
+            </a:r>
+            <a:r>
+              <a:rPr lang="fr-FR" sz="1600" dirty="0" smtClean="0">
+                <a:solidFill>
+                  <a:schemeClr val="bg1"/>
+                </a:solidFill>
+                <a:latin typeface="Open Sans" panose="020B0606030504020204" pitchFamily="34" charset="0"/>
+                <a:ea typeface="Open Sans" panose="020B0606030504020204" pitchFamily="34" charset="0"/>
+                <a:cs typeface="Open Sans" panose="020B0606030504020204" pitchFamily="34" charset="0"/>
+              </a:rPr>
+              <a:t>new </a:t>
+            </a:r>
+            <a:r>
+              <a:rPr lang="fr-FR" sz="1600" b="1" dirty="0" err="1" smtClean="0">
+                <a:solidFill>
+                  <a:srgbClr val="FFC614"/>
+                </a:solidFill>
+                <a:latin typeface="Open Sans" panose="020B0606030504020204" pitchFamily="34" charset="0"/>
+                <a:ea typeface="Open Sans" panose="020B0606030504020204" pitchFamily="34" charset="0"/>
+                <a:cs typeface="Open Sans" panose="020B0606030504020204" pitchFamily="34" charset="0"/>
+              </a:rPr>
+              <a:t>MongoClient</a:t>
+            </a:r>
+            <a:r>
+              <a:rPr lang="fr-FR" sz="1600" b="1" dirty="0" smtClean="0">
+                <a:solidFill>
+                  <a:srgbClr val="FFC614"/>
+                </a:solidFill>
+                <a:latin typeface="Open Sans" panose="020B0606030504020204" pitchFamily="34" charset="0"/>
+                <a:ea typeface="Open Sans" panose="020B0606030504020204" pitchFamily="34" charset="0"/>
+                <a:cs typeface="Open Sans" panose="020B0606030504020204" pitchFamily="34" charset="0"/>
+              </a:rPr>
+              <a:t> </a:t>
+            </a:r>
+            <a:r>
+              <a:rPr lang="fr-FR" sz="1600" dirty="0" smtClean="0">
+                <a:solidFill>
+                  <a:schemeClr val="bg1"/>
+                </a:solidFill>
+                <a:latin typeface="Open Sans" panose="020B0606030504020204" pitchFamily="34" charset="0"/>
+                <a:ea typeface="Open Sans" panose="020B0606030504020204" pitchFamily="34" charset="0"/>
+                <a:cs typeface="Open Sans" panose="020B0606030504020204" pitchFamily="34" charset="0"/>
+              </a:rPr>
+              <a:t>("</a:t>
+            </a:r>
+            <a:r>
+              <a:rPr lang="fr-FR" sz="1600" dirty="0" err="1">
+                <a:solidFill>
+                  <a:schemeClr val="bg1"/>
+                </a:solidFill>
+                <a:latin typeface="Open Sans" panose="020B0606030504020204" pitchFamily="34" charset="0"/>
+                <a:ea typeface="Open Sans" panose="020B0606030504020204" pitchFamily="34" charset="0"/>
+                <a:cs typeface="Open Sans" panose="020B0606030504020204" pitchFamily="34" charset="0"/>
+              </a:rPr>
+              <a:t>localhost</a:t>
+            </a:r>
+            <a:r>
+              <a:rPr lang="fr-FR" sz="1600" dirty="0">
+                <a:solidFill>
+                  <a:schemeClr val="bg1"/>
+                </a:solidFill>
+                <a:latin typeface="Open Sans" panose="020B0606030504020204" pitchFamily="34" charset="0"/>
+                <a:ea typeface="Open Sans" panose="020B0606030504020204" pitchFamily="34" charset="0"/>
+                <a:cs typeface="Open Sans" panose="020B0606030504020204" pitchFamily="34" charset="0"/>
+              </a:rPr>
+              <a:t>", 27017</a:t>
+            </a:r>
+            <a:r>
+              <a:rPr lang="fr-FR" sz="1600" dirty="0" smtClean="0">
+                <a:solidFill>
+                  <a:schemeClr val="bg1"/>
+                </a:solidFill>
+                <a:latin typeface="Open Sans" panose="020B0606030504020204" pitchFamily="34" charset="0"/>
+                <a:ea typeface="Open Sans" panose="020B0606030504020204" pitchFamily="34" charset="0"/>
+                <a:cs typeface="Open Sans" panose="020B0606030504020204" pitchFamily="34" charset="0"/>
+              </a:rPr>
+              <a:t>);</a:t>
+            </a:r>
+          </a:p>
+          <a:p>
+            <a:endParaRPr lang="fr-FR" sz="1600" dirty="0">
+              <a:solidFill>
+                <a:schemeClr val="bg1"/>
+              </a:solidFill>
+              <a:latin typeface="Open Sans" panose="020B0606030504020204" pitchFamily="34" charset="0"/>
+              <a:ea typeface="Open Sans" panose="020B0606030504020204" pitchFamily="34" charset="0"/>
+              <a:cs typeface="Open Sans" panose="020B0606030504020204" pitchFamily="34" charset="0"/>
+            </a:endParaRPr>
+          </a:p>
+          <a:p>
+            <a:r>
+              <a:rPr lang="fr-FR" sz="1600" b="1" dirty="0" err="1" smtClean="0">
+                <a:solidFill>
+                  <a:srgbClr val="1FEA45"/>
+                </a:solidFill>
+                <a:latin typeface="Open Sans" panose="020B0606030504020204" pitchFamily="34" charset="0"/>
+                <a:ea typeface="Open Sans" panose="020B0606030504020204" pitchFamily="34" charset="0"/>
+                <a:cs typeface="Open Sans" panose="020B0606030504020204" pitchFamily="34" charset="0"/>
+              </a:rPr>
+              <a:t>MongoDatabase</a:t>
+            </a:r>
+            <a:r>
+              <a:rPr lang="fr-FR" sz="1600" dirty="0" smtClean="0">
+                <a:solidFill>
+                  <a:srgbClr val="1FEA45"/>
+                </a:solidFill>
+                <a:latin typeface="Open Sans" panose="020B0606030504020204" pitchFamily="34" charset="0"/>
+                <a:ea typeface="Open Sans" panose="020B0606030504020204" pitchFamily="34" charset="0"/>
+                <a:cs typeface="Open Sans" panose="020B0606030504020204" pitchFamily="34" charset="0"/>
+              </a:rPr>
+              <a:t> </a:t>
+            </a:r>
+            <a:r>
+              <a:rPr lang="fr-FR" sz="1600" dirty="0" err="1" smtClean="0">
+                <a:solidFill>
+                  <a:schemeClr val="bg1"/>
+                </a:solidFill>
+                <a:latin typeface="Open Sans" panose="020B0606030504020204" pitchFamily="34" charset="0"/>
+                <a:ea typeface="Open Sans" panose="020B0606030504020204" pitchFamily="34" charset="0"/>
+                <a:cs typeface="Open Sans" panose="020B0606030504020204" pitchFamily="34" charset="0"/>
+              </a:rPr>
+              <a:t>db</a:t>
+            </a:r>
+            <a:r>
+              <a:rPr lang="fr-FR" sz="1600" dirty="0" smtClean="0">
+                <a:solidFill>
+                  <a:schemeClr val="bg1"/>
+                </a:solidFill>
+                <a:latin typeface="Open Sans" panose="020B0606030504020204" pitchFamily="34" charset="0"/>
+                <a:ea typeface="Open Sans" panose="020B0606030504020204" pitchFamily="34" charset="0"/>
+                <a:cs typeface="Open Sans" panose="020B0606030504020204" pitchFamily="34" charset="0"/>
+              </a:rPr>
+              <a:t> </a:t>
+            </a:r>
+            <a:r>
+              <a:rPr lang="fr-FR" sz="1600" dirty="0">
+                <a:solidFill>
+                  <a:schemeClr val="bg1"/>
+                </a:solidFill>
+                <a:latin typeface="Open Sans" panose="020B0606030504020204" pitchFamily="34" charset="0"/>
+                <a:ea typeface="Open Sans" panose="020B0606030504020204" pitchFamily="34" charset="0"/>
+                <a:cs typeface="Open Sans" panose="020B0606030504020204" pitchFamily="34" charset="0"/>
+              </a:rPr>
+              <a:t>= </a:t>
+            </a:r>
+            <a:r>
+              <a:rPr lang="fr-FR" sz="1600" dirty="0" err="1" smtClean="0">
+                <a:solidFill>
+                  <a:schemeClr val="bg1"/>
+                </a:solidFill>
+                <a:latin typeface="Open Sans" panose="020B0606030504020204" pitchFamily="34" charset="0"/>
+                <a:ea typeface="Open Sans" panose="020B0606030504020204" pitchFamily="34" charset="0"/>
+                <a:cs typeface="Open Sans" panose="020B0606030504020204" pitchFamily="34" charset="0"/>
+              </a:rPr>
+              <a:t>mongoClient.getDatabase</a:t>
+            </a:r>
+            <a:r>
+              <a:rPr lang="fr-FR" sz="1600" dirty="0" smtClean="0">
+                <a:solidFill>
+                  <a:schemeClr val="bg1"/>
+                </a:solidFill>
+                <a:latin typeface="Open Sans" panose="020B0606030504020204" pitchFamily="34" charset="0"/>
+                <a:ea typeface="Open Sans" panose="020B0606030504020204" pitchFamily="34" charset="0"/>
+                <a:cs typeface="Open Sans" panose="020B0606030504020204" pitchFamily="34" charset="0"/>
+              </a:rPr>
+              <a:t> ("</a:t>
+            </a:r>
+            <a:r>
+              <a:rPr lang="fr-FR" sz="1600" dirty="0">
+                <a:solidFill>
+                  <a:schemeClr val="bg1"/>
+                </a:solidFill>
+                <a:latin typeface="Open Sans" panose="020B0606030504020204" pitchFamily="34" charset="0"/>
+                <a:ea typeface="Open Sans" panose="020B0606030504020204" pitchFamily="34" charset="0"/>
+                <a:cs typeface="Open Sans" panose="020B0606030504020204" pitchFamily="34" charset="0"/>
+              </a:rPr>
+              <a:t>SCHOOL</a:t>
+            </a:r>
+            <a:r>
+              <a:rPr lang="fr-FR" sz="1600" dirty="0" smtClean="0">
+                <a:solidFill>
+                  <a:schemeClr val="bg1"/>
+                </a:solidFill>
+                <a:latin typeface="Open Sans" panose="020B0606030504020204" pitchFamily="34" charset="0"/>
+                <a:ea typeface="Open Sans" panose="020B0606030504020204" pitchFamily="34" charset="0"/>
+                <a:cs typeface="Open Sans" panose="020B0606030504020204" pitchFamily="34" charset="0"/>
+              </a:rPr>
+              <a:t>");</a:t>
+            </a:r>
+          </a:p>
+          <a:p>
+            <a:endParaRPr lang="fr-FR" sz="1600" dirty="0">
+              <a:solidFill>
+                <a:schemeClr val="bg1"/>
+              </a:solidFill>
+              <a:latin typeface="Open Sans" panose="020B0606030504020204" pitchFamily="34" charset="0"/>
+              <a:ea typeface="Open Sans" panose="020B0606030504020204" pitchFamily="34" charset="0"/>
+              <a:cs typeface="Open Sans" panose="020B0606030504020204" pitchFamily="34" charset="0"/>
+            </a:endParaRPr>
+          </a:p>
+          <a:p>
+            <a:r>
+              <a:rPr lang="fr-FR" sz="1600" b="1" dirty="0" err="1" smtClean="0">
+                <a:solidFill>
+                  <a:srgbClr val="3B6DC7"/>
+                </a:solidFill>
+                <a:latin typeface="Open Sans" panose="020B0606030504020204" pitchFamily="34" charset="0"/>
+                <a:ea typeface="Open Sans" panose="020B0606030504020204" pitchFamily="34" charset="0"/>
+                <a:cs typeface="Open Sans" panose="020B0606030504020204" pitchFamily="34" charset="0"/>
+              </a:rPr>
+              <a:t>MongoCollection</a:t>
+            </a:r>
+            <a:r>
+              <a:rPr lang="fr-FR" sz="1600" dirty="0" smtClean="0">
+                <a:solidFill>
+                  <a:schemeClr val="bg1"/>
+                </a:solidFill>
+                <a:latin typeface="Open Sans" panose="020B0606030504020204" pitchFamily="34" charset="0"/>
+                <a:ea typeface="Open Sans" panose="020B0606030504020204" pitchFamily="34" charset="0"/>
+                <a:cs typeface="Open Sans" panose="020B0606030504020204" pitchFamily="34" charset="0"/>
+              </a:rPr>
+              <a:t>&lt;Document</a:t>
+            </a:r>
+            <a:r>
+              <a:rPr lang="fr-FR" sz="1600" dirty="0">
+                <a:solidFill>
+                  <a:schemeClr val="bg1"/>
+                </a:solidFill>
+                <a:latin typeface="Open Sans" panose="020B0606030504020204" pitchFamily="34" charset="0"/>
+                <a:ea typeface="Open Sans" panose="020B0606030504020204" pitchFamily="34" charset="0"/>
+                <a:cs typeface="Open Sans" panose="020B0606030504020204" pitchFamily="34" charset="0"/>
+              </a:rPr>
+              <a:t>&gt; collection </a:t>
+            </a:r>
+            <a:r>
+              <a:rPr lang="fr-FR" sz="1600" dirty="0" smtClean="0">
+                <a:solidFill>
+                  <a:schemeClr val="bg1"/>
+                </a:solidFill>
+                <a:latin typeface="Open Sans" panose="020B0606030504020204" pitchFamily="34" charset="0"/>
+                <a:ea typeface="Open Sans" panose="020B0606030504020204" pitchFamily="34" charset="0"/>
+                <a:cs typeface="Open Sans" panose="020B0606030504020204" pitchFamily="34" charset="0"/>
+              </a:rPr>
+              <a:t>= </a:t>
+            </a:r>
+            <a:r>
+              <a:rPr lang="fr-FR" sz="1600" dirty="0" err="1" smtClean="0">
+                <a:solidFill>
+                  <a:schemeClr val="bg1"/>
+                </a:solidFill>
+                <a:latin typeface="Open Sans" panose="020B0606030504020204" pitchFamily="34" charset="0"/>
+                <a:ea typeface="Open Sans" panose="020B0606030504020204" pitchFamily="34" charset="0"/>
+                <a:cs typeface="Open Sans" panose="020B0606030504020204" pitchFamily="34" charset="0"/>
+              </a:rPr>
+              <a:t>db.getCollection</a:t>
+            </a:r>
+            <a:r>
+              <a:rPr lang="fr-FR" sz="1600" dirty="0" smtClean="0">
+                <a:solidFill>
+                  <a:schemeClr val="bg1"/>
+                </a:solidFill>
+                <a:latin typeface="Open Sans" panose="020B0606030504020204" pitchFamily="34" charset="0"/>
+                <a:ea typeface="Open Sans" panose="020B0606030504020204" pitchFamily="34" charset="0"/>
+                <a:cs typeface="Open Sans" panose="020B0606030504020204" pitchFamily="34" charset="0"/>
+              </a:rPr>
+              <a:t> ("</a:t>
+            </a:r>
+            <a:r>
+              <a:rPr lang="fr-FR" sz="1600" dirty="0">
+                <a:solidFill>
+                  <a:schemeClr val="bg1"/>
+                </a:solidFill>
+                <a:latin typeface="Open Sans" panose="020B0606030504020204" pitchFamily="34" charset="0"/>
+                <a:ea typeface="Open Sans" panose="020B0606030504020204" pitchFamily="34" charset="0"/>
+                <a:cs typeface="Open Sans" panose="020B0606030504020204" pitchFamily="34" charset="0"/>
+              </a:rPr>
+              <a:t>CLIENTS");</a:t>
             </a:r>
           </a:p>
         </p:txBody>
@@ -14457,7 +14082,46 @@
           <a:bodyPr/>
           <a:lstStyle/>
           <a:p>
-            <a:endParaRPr lang="fr-FR"/>
+            <a:r>
+              <a:rPr lang="fr-FR" dirty="0" smtClean="0">
+                <a:solidFill>
+                  <a:schemeClr val="bg1"/>
+                </a:solidFill>
+              </a:rPr>
+              <a:t>Y en a pas</a:t>
+            </a:r>
+          </a:p>
+          <a:p>
+            <a:endParaRPr lang="fr-FR" dirty="0">
+              <a:solidFill>
+                <a:schemeClr val="bg1"/>
+              </a:solidFill>
+            </a:endParaRPr>
+          </a:p>
+          <a:p>
+            <a:r>
+              <a:rPr lang="fr-FR" dirty="0" smtClean="0">
+                <a:solidFill>
+                  <a:schemeClr val="bg1"/>
+                </a:solidFill>
+              </a:rPr>
+              <a:t>Installer le driver dédié</a:t>
+            </a:r>
+          </a:p>
+          <a:p>
+            <a:r>
+              <a:rPr lang="fr-FR" dirty="0" smtClean="0">
+                <a:solidFill>
+                  <a:schemeClr val="bg1"/>
+                </a:solidFill>
+              </a:rPr>
+              <a:t>Plus compliqué sans doute pour une exploitation plus poussée que dans notre projet</a:t>
+            </a:r>
+            <a:endParaRPr lang="fr-FR" dirty="0">
+              <a:solidFill>
+                <a:schemeClr val="bg1"/>
+              </a:solidFill>
+            </a:endParaRPr>
           </a:p>
         </p:txBody>
       </p:sp>
@@ -15054,7 +14718,19 @@
           <a:bodyPr/>
           <a:lstStyle/>
           <a:p>
-            <a:endParaRPr lang="fr-FR"/>
+            <a:r>
+              <a:rPr lang="fr-FR" dirty="0" smtClean="0">
+                <a:solidFill>
+                  <a:schemeClr val="bg1"/>
+                </a:solidFill>
+              </a:rPr>
+              <a:t>C t bien</a:t>
+            </a:r>
+            <a:endParaRPr lang="fr-FR" dirty="0">
+              <a:solidFill>
+                <a:schemeClr val="bg1"/>
+              </a:solidFill>
+            </a:endParaRPr>
           </a:p>
         </p:txBody>
       </p:sp>
